--- a/javaScript.pptx
+++ b/javaScript.pptx
@@ -9,40 +9,61 @@
     <p:sldId id="258" r:id="rId3"/>
     <p:sldId id="257" r:id="rId4"/>
     <p:sldId id="277" r:id="rId5"/>
-    <p:sldId id="286" r:id="rId6"/>
-    <p:sldId id="287" r:id="rId7"/>
-    <p:sldId id="273" r:id="rId8"/>
+    <p:sldId id="317" r:id="rId6"/>
+    <p:sldId id="286" r:id="rId7"/>
+    <p:sldId id="287" r:id="rId8"/>
     <p:sldId id="275" r:id="rId9"/>
     <p:sldId id="274" r:id="rId10"/>
-    <p:sldId id="290" r:id="rId11"/>
-    <p:sldId id="276" r:id="rId12"/>
-    <p:sldId id="265" r:id="rId13"/>
-    <p:sldId id="292" r:id="rId14"/>
-    <p:sldId id="259" r:id="rId15"/>
-    <p:sldId id="282" r:id="rId16"/>
-    <p:sldId id="283" r:id="rId17"/>
-    <p:sldId id="264" r:id="rId18"/>
-    <p:sldId id="266" r:id="rId19"/>
-    <p:sldId id="278" r:id="rId20"/>
-    <p:sldId id="288" r:id="rId21"/>
-    <p:sldId id="289" r:id="rId22"/>
-    <p:sldId id="279" r:id="rId23"/>
-    <p:sldId id="280" r:id="rId24"/>
-    <p:sldId id="281" r:id="rId25"/>
-    <p:sldId id="267" r:id="rId26"/>
-    <p:sldId id="268" r:id="rId27"/>
-    <p:sldId id="293" r:id="rId28"/>
-    <p:sldId id="294" r:id="rId29"/>
-    <p:sldId id="295" r:id="rId30"/>
-    <p:sldId id="269" r:id="rId31"/>
-    <p:sldId id="270" r:id="rId32"/>
-    <p:sldId id="271" r:id="rId33"/>
-    <p:sldId id="260" r:id="rId34"/>
-    <p:sldId id="291" r:id="rId35"/>
-    <p:sldId id="284" r:id="rId36"/>
-    <p:sldId id="285" r:id="rId37"/>
-    <p:sldId id="262" r:id="rId38"/>
-    <p:sldId id="272" r:id="rId39"/>
+    <p:sldId id="276" r:id="rId11"/>
+    <p:sldId id="273" r:id="rId12"/>
+    <p:sldId id="298" r:id="rId13"/>
+    <p:sldId id="297" r:id="rId14"/>
+    <p:sldId id="299" r:id="rId15"/>
+    <p:sldId id="300" r:id="rId16"/>
+    <p:sldId id="301" r:id="rId17"/>
+    <p:sldId id="302" r:id="rId18"/>
+    <p:sldId id="265" r:id="rId19"/>
+    <p:sldId id="292" r:id="rId20"/>
+    <p:sldId id="259" r:id="rId21"/>
+    <p:sldId id="296" r:id="rId22"/>
+    <p:sldId id="282" r:id="rId23"/>
+    <p:sldId id="264" r:id="rId24"/>
+    <p:sldId id="283" r:id="rId25"/>
+    <p:sldId id="266" r:id="rId26"/>
+    <p:sldId id="278" r:id="rId27"/>
+    <p:sldId id="288" r:id="rId28"/>
+    <p:sldId id="289" r:id="rId29"/>
+    <p:sldId id="303" r:id="rId30"/>
+    <p:sldId id="279" r:id="rId31"/>
+    <p:sldId id="280" r:id="rId32"/>
+    <p:sldId id="281" r:id="rId33"/>
+    <p:sldId id="304" r:id="rId34"/>
+    <p:sldId id="267" r:id="rId35"/>
+    <p:sldId id="268" r:id="rId36"/>
+    <p:sldId id="293" r:id="rId37"/>
+    <p:sldId id="294" r:id="rId38"/>
+    <p:sldId id="295" r:id="rId39"/>
+    <p:sldId id="269" r:id="rId40"/>
+    <p:sldId id="305" r:id="rId41"/>
+    <p:sldId id="270" r:id="rId42"/>
+    <p:sldId id="306" r:id="rId43"/>
+    <p:sldId id="314" r:id="rId44"/>
+    <p:sldId id="315" r:id="rId45"/>
+    <p:sldId id="271" r:id="rId46"/>
+    <p:sldId id="260" r:id="rId47"/>
+    <p:sldId id="311" r:id="rId48"/>
+    <p:sldId id="312" r:id="rId49"/>
+    <p:sldId id="313" r:id="rId50"/>
+    <p:sldId id="307" r:id="rId51"/>
+    <p:sldId id="308" r:id="rId52"/>
+    <p:sldId id="310" r:id="rId53"/>
+    <p:sldId id="309" r:id="rId54"/>
+    <p:sldId id="316" r:id="rId55"/>
+    <p:sldId id="291" r:id="rId56"/>
+    <p:sldId id="284" r:id="rId57"/>
+    <p:sldId id="285" r:id="rId58"/>
+    <p:sldId id="262" r:id="rId59"/>
+    <p:sldId id="272" r:id="rId60"/>
   </p:sldIdLst>
   <p:sldSz cx="9144000" cy="6858000" type="screen4x3"/>
   <p:notesSz cx="6858000" cy="9144000"/>
@@ -3087,6 +3108,14 @@
           <a:bodyPr/>
           <a:lstStyle/>
           <a:p>
+            <a:r>
+              <a:rPr lang="en-US" altLang="zh-TW" dirty="0" smtClean="0"/>
+              <a:t>JavaScript</a:t>
+            </a:r>
+            <a:r>
+              <a:rPr lang="zh-TW" altLang="en-US" dirty="0" smtClean="0"/>
+              <a:t>分享</a:t>
+            </a:r>
             <a:endParaRPr lang="zh-TW" altLang="en-US" dirty="0"/>
           </a:p>
         </p:txBody>
@@ -3165,7 +3194,15 @@
           <a:p>
             <a:r>
               <a:rPr lang="en-US" altLang="zh-TW" dirty="0" smtClean="0"/>
-              <a:t>2.CodePen</a:t>
+              <a:t>2.VS </a:t>
+            </a:r>
+            <a:r>
+              <a:rPr lang="en-US" altLang="zh-TW" dirty="0" smtClean="0"/>
+              <a:t>Code</a:t>
+            </a:r>
+            <a:r>
+              <a:rPr lang="zh-TW" altLang="en-US" dirty="0" smtClean="0"/>
+              <a:t>編輯器</a:t>
             </a:r>
             <a:endParaRPr lang="zh-TW" altLang="en-US" dirty="0"/>
           </a:p>
@@ -3193,7 +3230,7 @@
     </p:spTree>
     <p:extLst>
       <p:ext uri="{BB962C8B-B14F-4D97-AF65-F5344CB8AC3E}">
-        <p14:creationId xmlns:p14="http://schemas.microsoft.com/office/powerpoint/2010/main" val="727136037"/>
+        <p14:creationId xmlns:p14="http://schemas.microsoft.com/office/powerpoint/2010/main" val="1133087844"/>
       </p:ext>
     </p:extLst>
   </p:cSld>
@@ -3236,12 +3273,8 @@
           <a:lstStyle/>
           <a:p>
             <a:r>
-              <a:rPr lang="en-US" altLang="zh-TW" dirty="0" smtClean="0"/>
-              <a:t>3.VS Code</a:t>
-            </a:r>
-            <a:r>
-              <a:rPr lang="zh-TW" altLang="en-US" dirty="0" smtClean="0"/>
-              <a:t>編輯器</a:t>
+              <a:rPr lang="zh-TW" altLang="en-US" dirty="0" smtClean="0"/>
+              <a:t>資料型態</a:t>
             </a:r>
             <a:endParaRPr lang="zh-TW" altLang="en-US" dirty="0"/>
           </a:p>
@@ -3262,6 +3295,47 @@
           <a:bodyPr/>
           <a:lstStyle/>
           <a:p>
+            <a:r>
+              <a:rPr lang="en-US" altLang="zh-TW" dirty="0" smtClean="0"/>
+              <a:t>undefined</a:t>
+            </a:r>
+          </a:p>
+          <a:p>
+            <a:r>
+              <a:rPr lang="en-US" altLang="zh-TW" dirty="0" smtClean="0"/>
+              <a:t>null</a:t>
+            </a:r>
+          </a:p>
+          <a:p>
+            <a:r>
+              <a:rPr lang="en-US" altLang="zh-TW" dirty="0" err="1" smtClean="0"/>
+              <a:t>boolean</a:t>
+            </a:r>
+            <a:endParaRPr lang="en-US" altLang="zh-TW" dirty="0" smtClean="0"/>
+          </a:p>
+          <a:p>
+            <a:r>
+              <a:rPr lang="en-US" altLang="zh-TW" dirty="0" smtClean="0"/>
+              <a:t>number</a:t>
+            </a:r>
+          </a:p>
+          <a:p>
+            <a:r>
+              <a:rPr lang="en-US" altLang="zh-TW" dirty="0" smtClean="0"/>
+              <a:t>string</a:t>
+            </a:r>
+          </a:p>
+          <a:p>
+            <a:r>
+              <a:rPr lang="en-US" altLang="zh-TW" dirty="0" smtClean="0"/>
+              <a:t>object</a:t>
+            </a:r>
+          </a:p>
+          <a:p>
+            <a:r>
+              <a:rPr lang="en-US" altLang="zh-TW" dirty="0" smtClean="0"/>
+              <a:t>symbol (ES6)</a:t>
+            </a:r>
             <a:endParaRPr lang="zh-TW" altLang="en-US" dirty="0"/>
           </a:p>
         </p:txBody>
@@ -3269,7 +3343,7 @@
     </p:spTree>
     <p:extLst>
       <p:ext uri="{BB962C8B-B14F-4D97-AF65-F5344CB8AC3E}">
-        <p14:creationId xmlns:p14="http://schemas.microsoft.com/office/powerpoint/2010/main" val="1133087844"/>
+        <p14:creationId xmlns:p14="http://schemas.microsoft.com/office/powerpoint/2010/main" val="98221227"/>
       </p:ext>
     </p:extLst>
   </p:cSld>
@@ -3306,27 +3380,102 @@
             <p:ph type="title"/>
           </p:nvPr>
         </p:nvSpPr>
-        <p:spPr>
-          <a:xfrm>
-            <a:off x="467544" y="2636912"/>
-            <a:ext cx="8229600" cy="1143000"/>
-          </a:xfrm>
-        </p:spPr>
-        <p:txBody>
-          <a:bodyPr/>
-          <a:lstStyle/>
-          <a:p>
+        <p:spPr/>
+        <p:txBody>
+          <a:bodyPr/>
+          <a:lstStyle/>
+          <a:p>
+            <a:r>
+              <a:rPr lang="en-US" altLang="zh-TW" dirty="0"/>
+              <a:t>undefined</a:t>
+            </a:r>
+          </a:p>
+        </p:txBody>
+      </p:sp>
+      <p:sp>
+        <p:nvSpPr>
+          <p:cNvPr id="3" name="內容版面配置區 2"/>
+          <p:cNvSpPr>
+            <a:spLocks noGrp="1"/>
+          </p:cNvSpPr>
+          <p:nvPr>
+            <p:ph idx="1"/>
+          </p:nvPr>
+        </p:nvSpPr>
+        <p:spPr/>
+        <p:txBody>
+          <a:bodyPr/>
+          <a:lstStyle/>
+          <a:p>
+            <a:pPr marL="0" indent="0">
+              <a:buNone/>
+            </a:pPr>
             <a:r>
               <a:rPr lang="zh-TW" altLang="en-US" dirty="0"/>
-              <a:t>變數</a:t>
-            </a:r>
+              <a:t>表示未</a:t>
+            </a:r>
+            <a:r>
+              <a:rPr lang="zh-TW" altLang="en-US" dirty="0" smtClean="0"/>
+              <a:t>定義</a:t>
+            </a:r>
+            <a:endParaRPr lang="en-US" altLang="zh-TW" dirty="0" smtClean="0"/>
+          </a:p>
+          <a:p>
+            <a:pPr marL="0" indent="0">
+              <a:buNone/>
+            </a:pPr>
+            <a:r>
+              <a:rPr lang="zh-TW" altLang="en-US" dirty="0" smtClean="0"/>
+              <a:t>是</a:t>
+            </a:r>
+            <a:r>
+              <a:rPr lang="en-US" altLang="zh-TW" dirty="0"/>
+              <a:t>JS</a:t>
+            </a:r>
+            <a:r>
+              <a:rPr lang="zh-TW" altLang="en-US" dirty="0"/>
+              <a:t>給所有變數的</a:t>
+            </a:r>
+            <a:r>
+              <a:rPr lang="zh-TW" altLang="en-US" b="1" dirty="0"/>
+              <a:t>初始</a:t>
+            </a:r>
+            <a:r>
+              <a:rPr lang="zh-TW" altLang="en-US" b="1" dirty="0" smtClean="0"/>
+              <a:t>值</a:t>
+            </a:r>
+            <a:r>
+              <a:rPr lang="zh-TW" altLang="en-US" dirty="0" smtClean="0"/>
+              <a:t>剛</a:t>
+            </a:r>
+            <a:r>
+              <a:rPr lang="zh-TW" altLang="en-US" dirty="0"/>
+              <a:t>宣告的變數在我們賦值之前，其值是 </a:t>
+            </a:r>
+            <a:r>
+              <a:rPr lang="en-US" altLang="zh-TW" dirty="0"/>
+              <a:t>undefined</a:t>
+            </a:r>
+            <a:r>
+              <a:rPr lang="zh-TW" altLang="en-US" dirty="0"/>
+              <a:t>，所以開發者最好不要賦值</a:t>
+            </a:r>
+            <a:r>
+              <a:rPr lang="en-US" altLang="zh-TW" dirty="0"/>
+              <a:t>undefined</a:t>
+            </a:r>
+            <a:r>
+              <a:rPr lang="zh-TW" altLang="en-US" dirty="0"/>
+              <a:t>給變數。</a:t>
+            </a:r>
+            <a:endParaRPr lang="zh-TW" altLang="en-US" dirty="0"/>
           </a:p>
         </p:txBody>
       </p:sp>
     </p:spTree>
     <p:extLst>
       <p:ext uri="{BB962C8B-B14F-4D97-AF65-F5344CB8AC3E}">
-        <p14:creationId xmlns:p14="http://schemas.microsoft.com/office/powerpoint/2010/main" val="3948142311"/>
+        <p14:creationId xmlns:p14="http://schemas.microsoft.com/office/powerpoint/2010/main" val="4230725257"/>
       </p:ext>
     </p:extLst>
   </p:cSld>
@@ -3369,10 +3518,9 @@
           <a:lstStyle/>
           <a:p>
             <a:r>
-              <a:rPr lang="zh-TW" altLang="en-US" dirty="0" smtClean="0"/>
-              <a:t>變數</a:t>
-            </a:r>
-            <a:endParaRPr lang="zh-TW" altLang="en-US" dirty="0"/>
+              <a:rPr lang="en-US" altLang="zh-TW" dirty="0"/>
+              <a:t>null</a:t>
+            </a:r>
           </a:p>
         </p:txBody>
       </p:sp>
@@ -3391,6 +3539,47 @@
           <a:bodyPr/>
           <a:lstStyle/>
           <a:p>
+            <a:pPr marL="0" indent="0">
+              <a:buNone/>
+            </a:pPr>
+            <a:r>
+              <a:rPr lang="zh-TW" altLang="en-US" dirty="0"/>
+              <a:t>表示空、不</a:t>
+            </a:r>
+            <a:r>
+              <a:rPr lang="zh-TW" altLang="en-US" dirty="0" smtClean="0"/>
+              <a:t>存在</a:t>
+            </a:r>
+            <a:endParaRPr lang="en-US" altLang="zh-TW" dirty="0" smtClean="0"/>
+          </a:p>
+          <a:p>
+            <a:pPr marL="0" indent="0">
+              <a:buNone/>
+            </a:pPr>
+            <a:r>
+              <a:rPr lang="zh-TW" altLang="en-US" dirty="0" smtClean="0"/>
+              <a:t>開發</a:t>
+            </a:r>
+            <a:r>
+              <a:rPr lang="zh-TW" altLang="en-US" dirty="0"/>
+              <a:t>者在宣告變數並要先表示這個變數沒有值時，可以賦值</a:t>
+            </a:r>
+            <a:r>
+              <a:rPr lang="en-US" altLang="zh-TW" dirty="0"/>
+              <a:t>null</a:t>
+            </a:r>
+            <a:r>
+              <a:rPr lang="zh-TW" altLang="en-US" dirty="0"/>
+              <a:t>，不要手動賦值為 </a:t>
+            </a:r>
+            <a:r>
+              <a:rPr lang="en-US" altLang="zh-TW" dirty="0" smtClean="0"/>
+              <a:t>undefined</a:t>
+            </a:r>
+            <a:r>
+              <a:rPr lang="zh-TW" altLang="en-US" dirty="0" smtClean="0"/>
+              <a:t>。</a:t>
+            </a:r>
             <a:endParaRPr lang="zh-TW" altLang="en-US" dirty="0"/>
           </a:p>
         </p:txBody>
@@ -3398,7 +3587,7 @@
     </p:spTree>
     <p:extLst>
       <p:ext uri="{BB962C8B-B14F-4D97-AF65-F5344CB8AC3E}">
-        <p14:creationId xmlns:p14="http://schemas.microsoft.com/office/powerpoint/2010/main" val="1652264271"/>
+        <p14:creationId xmlns:p14="http://schemas.microsoft.com/office/powerpoint/2010/main" val="2857776841"/>
       </p:ext>
     </p:extLst>
   </p:cSld>
@@ -3441,32 +3630,89 @@
           <a:lstStyle/>
           <a:p>
             <a:r>
+              <a:rPr lang="en-US" altLang="zh-TW" dirty="0" err="1"/>
+              <a:t>boolean</a:t>
+            </a:r>
+            <a:endParaRPr lang="en-US" altLang="zh-TW" dirty="0"/>
+          </a:p>
+        </p:txBody>
+      </p:sp>
+      <p:sp>
+        <p:nvSpPr>
+          <p:cNvPr id="3" name="內容版面配置區 2"/>
+          <p:cNvSpPr>
+            <a:spLocks noGrp="1"/>
+          </p:cNvSpPr>
+          <p:nvPr>
+            <p:ph idx="1"/>
+          </p:nvPr>
+        </p:nvSpPr>
+        <p:spPr/>
+        <p:txBody>
+          <a:bodyPr/>
+          <a:lstStyle/>
+          <a:p>
+            <a:pPr marL="0" indent="0">
+              <a:buNone/>
+            </a:pPr>
+            <a:r>
               <a:rPr lang="zh-TW" altLang="en-US" dirty="0"/>
-              <a:t>宣告</a:t>
-            </a:r>
-            <a:r>
-              <a:rPr lang="zh-TW" altLang="en-US" dirty="0" smtClean="0"/>
-              <a:t>變數</a:t>
-            </a:r>
-            <a:endParaRPr lang="zh-TW" altLang="en-US" dirty="0"/>
-          </a:p>
-        </p:txBody>
-      </p:sp>
-      <p:sp>
-        <p:nvSpPr>
-          <p:cNvPr id="3" name="內容版面配置區 2"/>
-          <p:cNvSpPr>
-            <a:spLocks noGrp="1"/>
-          </p:cNvSpPr>
-          <p:nvPr>
-            <p:ph idx="1"/>
-          </p:nvPr>
-        </p:nvSpPr>
-        <p:spPr/>
-        <p:txBody>
-          <a:bodyPr/>
-          <a:lstStyle/>
-          <a:p>
+              <a:t>表示</a:t>
+            </a:r>
+            <a:r>
+              <a:rPr lang="en-US" altLang="zh-TW" dirty="0"/>
+              <a:t>true</a:t>
+            </a:r>
+            <a:r>
+              <a:rPr lang="zh-TW" altLang="en-US" dirty="0"/>
+              <a:t>或</a:t>
+            </a:r>
+            <a:r>
+              <a:rPr lang="en-US" altLang="zh-TW" dirty="0"/>
+              <a:t>false</a:t>
+            </a:r>
+            <a:r>
+              <a:rPr lang="zh-TW" altLang="en-US" dirty="0"/>
+              <a:t>其中</a:t>
+            </a:r>
+            <a:r>
+              <a:rPr lang="zh-TW" altLang="en-US" dirty="0" smtClean="0"/>
+              <a:t>一個</a:t>
+            </a:r>
+            <a:endParaRPr lang="en-US" altLang="zh-TW" dirty="0" smtClean="0"/>
+          </a:p>
+          <a:p>
+            <a:pPr marL="0" indent="0">
+              <a:buNone/>
+            </a:pPr>
+            <a:r>
+              <a:rPr lang="zh-TW" altLang="en-US" dirty="0" smtClean="0"/>
+              <a:t>意即是</a:t>
+            </a:r>
+            <a:r>
+              <a:rPr lang="en-US" altLang="zh-TW" dirty="0"/>
+              <a:t>/</a:t>
+            </a:r>
+            <a:r>
+              <a:rPr lang="zh-TW" altLang="en-US" dirty="0"/>
+              <a:t>否、對</a:t>
+            </a:r>
+            <a:r>
+              <a:rPr lang="en-US" altLang="zh-TW" dirty="0"/>
+              <a:t>/</a:t>
+            </a:r>
+            <a:r>
+              <a:rPr lang="zh-TW" altLang="en-US" dirty="0"/>
+              <a:t>錯、成立</a:t>
+            </a:r>
+            <a:r>
+              <a:rPr lang="en-US" altLang="zh-TW" dirty="0"/>
+              <a:t>/</a:t>
+            </a:r>
+            <a:r>
+              <a:rPr lang="zh-TW" altLang="en-US" dirty="0"/>
+              <a:t>不成立。</a:t>
+            </a:r>
             <a:endParaRPr lang="zh-TW" altLang="en-US" dirty="0"/>
           </a:p>
         </p:txBody>
@@ -3474,7 +3720,7 @@
     </p:spTree>
     <p:extLst>
       <p:ext uri="{BB962C8B-B14F-4D97-AF65-F5344CB8AC3E}">
-        <p14:creationId xmlns:p14="http://schemas.microsoft.com/office/powerpoint/2010/main" val="3925751582"/>
+        <p14:creationId xmlns:p14="http://schemas.microsoft.com/office/powerpoint/2010/main" val="4230725257"/>
       </p:ext>
     </p:extLst>
   </p:cSld>
@@ -3517,149 +3763,101 @@
           <a:lstStyle/>
           <a:p>
             <a:r>
-              <a:rPr lang="zh-TW" altLang="en-US" dirty="0" smtClean="0"/>
-              <a:t>變數</a:t>
-            </a:r>
+              <a:rPr lang="en-US" altLang="zh-TW" dirty="0"/>
+              <a:t>number</a:t>
+            </a:r>
+            <a:endParaRPr lang="en-US" altLang="zh-TW" dirty="0"/>
+          </a:p>
+        </p:txBody>
+      </p:sp>
+      <p:sp>
+        <p:nvSpPr>
+          <p:cNvPr id="3" name="內容版面配置區 2"/>
+          <p:cNvSpPr>
+            <a:spLocks noGrp="1"/>
+          </p:cNvSpPr>
+          <p:nvPr>
+            <p:ph idx="1"/>
+          </p:nvPr>
+        </p:nvSpPr>
+        <p:spPr/>
+        <p:txBody>
+          <a:bodyPr/>
+          <a:lstStyle/>
+          <a:p>
+            <a:pPr marL="0" indent="0">
+              <a:buNone/>
+            </a:pPr>
             <a:r>
               <a:rPr lang="zh-TW" altLang="en-US" dirty="0"/>
-              <a:t>命名學</a:t>
-            </a:r>
-          </a:p>
-        </p:txBody>
-      </p:sp>
-      <p:sp>
-        <p:nvSpPr>
-          <p:cNvPr id="3" name="內容版面配置區 2"/>
-          <p:cNvSpPr>
-            <a:spLocks noGrp="1"/>
-          </p:cNvSpPr>
-          <p:nvPr>
-            <p:ph idx="1"/>
-          </p:nvPr>
-        </p:nvSpPr>
-        <p:spPr/>
-        <p:txBody>
-          <a:bodyPr>
-            <a:normAutofit/>
-          </a:bodyPr>
-          <a:lstStyle/>
-          <a:p>
-            <a:r>
-              <a:rPr lang="zh-TW" altLang="en-US" dirty="0" smtClean="0"/>
-              <a:t>英文數字混用</a:t>
+              <a:t>表示</a:t>
+            </a:r>
+            <a:r>
+              <a:rPr lang="zh-TW" altLang="en-US" dirty="0" smtClean="0"/>
+              <a:t>數字</a:t>
             </a:r>
             <a:endParaRPr lang="en-US" altLang="zh-TW" dirty="0" smtClean="0"/>
           </a:p>
           <a:p>
+            <a:pPr marL="0" indent="0">
+              <a:buNone/>
+            </a:pPr>
+            <a:r>
+              <a:rPr lang="en-US" altLang="zh-TW" dirty="0" smtClean="0"/>
+              <a:t>JS</a:t>
+            </a:r>
             <a:r>
               <a:rPr lang="zh-TW" altLang="en-US" dirty="0"/>
-              <a:t>區分大</a:t>
-            </a:r>
-            <a:r>
-              <a:rPr lang="zh-TW" altLang="en-US" dirty="0" smtClean="0"/>
-              <a:t>小寫</a:t>
-            </a:r>
-            <a:endParaRPr lang="en-US" altLang="zh-TW" dirty="0" smtClean="0"/>
-          </a:p>
-          <a:p>
-            <a:r>
-              <a:rPr lang="zh-TW" altLang="en-US" dirty="0" smtClean="0"/>
-              <a:t>不能</a:t>
+              <a:t>的數字型別只有</a:t>
+            </a:r>
+            <a:r>
+              <a:rPr lang="en-US" altLang="zh-TW" dirty="0"/>
+              <a:t>number</a:t>
             </a:r>
             <a:r>
               <a:rPr lang="zh-TW" altLang="en-US" dirty="0"/>
-              <a:t>數字</a:t>
-            </a:r>
-            <a:r>
-              <a:rPr lang="zh-TW" altLang="en-US" dirty="0" smtClean="0"/>
-              <a:t>開頭</a:t>
-            </a:r>
-            <a:endParaRPr lang="en-US" altLang="zh-TW" dirty="0" smtClean="0"/>
-          </a:p>
-          <a:p>
+              <a:t>，不像其他程式數字還有分整數與其他特定數值型態，另外</a:t>
+            </a:r>
+            <a:r>
+              <a:rPr lang="en-US" altLang="zh-TW" dirty="0"/>
+              <a:t>JS</a:t>
+            </a:r>
             <a:r>
               <a:rPr lang="zh-TW" altLang="en-US" dirty="0"/>
-              <a:t>不能</a:t>
-            </a:r>
-            <a:r>
-              <a:rPr lang="zh-TW" altLang="en-US" dirty="0" smtClean="0"/>
-              <a:t>使用</a:t>
-            </a:r>
-            <a:r>
-              <a:rPr lang="en-US" altLang="zh-TW" dirty="0" smtClean="0"/>
-              <a:t>-</a:t>
-            </a:r>
-            <a:r>
-              <a:rPr lang="zh-TW" altLang="en-US" dirty="0" smtClean="0"/>
-              <a:t>和</a:t>
-            </a:r>
-            <a:r>
-              <a:rPr lang="en-US" altLang="zh-TW" dirty="0" smtClean="0"/>
-              <a:t>.</a:t>
-            </a:r>
-            <a:endParaRPr lang="en-US" altLang="zh-TW" dirty="0"/>
-          </a:p>
-          <a:p>
-            <a:r>
-              <a:rPr lang="zh-TW" altLang="en-US" dirty="0" smtClean="0"/>
-              <a:t>不能使用保留字</a:t>
-            </a:r>
-            <a:r>
-              <a:rPr lang="en-US" altLang="zh-TW" dirty="0" smtClean="0"/>
+              <a:t>的</a:t>
+            </a:r>
+            <a:r>
+              <a:rPr lang="en-US" altLang="zh-TW" dirty="0"/>
+              <a:t>number</a:t>
+            </a:r>
+            <a:r>
+              <a:rPr lang="zh-TW" altLang="en-US" dirty="0"/>
+              <a:t>是浮點數，表示</a:t>
+            </a:r>
+            <a:r>
+              <a:rPr lang="en-US" altLang="zh-TW" dirty="0"/>
               <a:t>(</a:t>
             </a:r>
             <a:r>
-              <a:rPr lang="zh-TW" altLang="en-US" dirty="0" smtClean="0"/>
-              <a:t>例如</a:t>
-            </a:r>
-            <a:r>
-              <a:rPr lang="en-US" altLang="zh-TW" dirty="0" smtClean="0"/>
-              <a:t>class)</a:t>
-            </a:r>
-          </a:p>
-          <a:p>
-            <a:r>
               <a:rPr lang="zh-TW" altLang="en-US" dirty="0"/>
-              <a:t>盡量不要用特殊</a:t>
-            </a:r>
-            <a:r>
-              <a:rPr lang="zh-TW" altLang="en-US" dirty="0" smtClean="0"/>
-              <a:t>符號</a:t>
-            </a:r>
-            <a:r>
-              <a:rPr lang="en-US" altLang="zh-TW" dirty="0" smtClean="0"/>
-              <a:t>(</a:t>
-            </a:r>
-            <a:r>
-              <a:rPr lang="zh-TW" altLang="en-US" dirty="0" smtClean="0"/>
-              <a:t>例如</a:t>
-            </a:r>
-            <a:r>
-              <a:rPr lang="en-US" altLang="zh-TW" dirty="0" smtClean="0"/>
-              <a:t>$</a:t>
-            </a:r>
-            <a:r>
-              <a:rPr lang="zh-TW" altLang="en-US" dirty="0" smtClean="0"/>
-              <a:t>或</a:t>
-            </a:r>
-            <a:r>
-              <a:rPr lang="en-US" altLang="zh-TW" dirty="0" smtClean="0"/>
-              <a:t>_)</a:t>
-            </a:r>
-          </a:p>
-          <a:p>
-            <a:r>
-              <a:rPr lang="zh-TW" altLang="en-US" dirty="0" smtClean="0"/>
-              <a:t>盡量語意化命名</a:t>
-            </a:r>
-            <a:endParaRPr lang="en-US" altLang="zh-TW" dirty="0" smtClean="0"/>
+              <a:t>實際上</a:t>
+            </a:r>
+            <a:r>
+              <a:rPr lang="en-US" altLang="zh-TW" dirty="0"/>
+              <a:t>)</a:t>
+            </a:r>
+            <a:r>
+              <a:rPr lang="zh-TW" altLang="en-US" dirty="0"/>
+              <a:t>有小數點跟在後面。</a:t>
+            </a:r>
+            <a:endParaRPr lang="zh-TW" altLang="en-US" dirty="0"/>
           </a:p>
         </p:txBody>
       </p:sp>
     </p:spTree>
     <p:extLst>
       <p:ext uri="{BB962C8B-B14F-4D97-AF65-F5344CB8AC3E}">
-        <p14:creationId xmlns:p14="http://schemas.microsoft.com/office/powerpoint/2010/main" val="981498377"/>
+        <p14:creationId xmlns:p14="http://schemas.microsoft.com/office/powerpoint/2010/main" val="3302631845"/>
       </p:ext>
     </p:extLst>
   </p:cSld>
@@ -3702,51 +3900,57 @@
           <a:lstStyle/>
           <a:p>
             <a:r>
-              <a:rPr lang="zh-TW" altLang="en-US" dirty="0" smtClean="0"/>
-              <a:t>區域變數與全域變數</a:t>
+              <a:rPr lang="en-US" altLang="zh-TW" dirty="0"/>
+              <a:t>string</a:t>
+            </a:r>
+            <a:endParaRPr lang="en-US" altLang="zh-TW" dirty="0"/>
+          </a:p>
+        </p:txBody>
+      </p:sp>
+      <p:sp>
+        <p:nvSpPr>
+          <p:cNvPr id="3" name="內容版面配置區 2"/>
+          <p:cNvSpPr>
+            <a:spLocks noGrp="1"/>
+          </p:cNvSpPr>
+          <p:nvPr>
+            <p:ph idx="1"/>
+          </p:nvPr>
+        </p:nvSpPr>
+        <p:spPr/>
+        <p:txBody>
+          <a:bodyPr/>
+          <a:lstStyle/>
+          <a:p>
+            <a:pPr marL="0" indent="0">
+              <a:buNone/>
+            </a:pPr>
+            <a:r>
+              <a:rPr lang="zh-TW" altLang="en-US" dirty="0" smtClean="0"/>
+              <a:t>表示字串</a:t>
+            </a:r>
+            <a:endParaRPr lang="en-US" altLang="zh-TW" dirty="0" smtClean="0"/>
+          </a:p>
+          <a:p>
+            <a:pPr marL="0" indent="0">
+              <a:buNone/>
+            </a:pPr>
+            <a:r>
+              <a:rPr lang="zh-TW" altLang="en-US" dirty="0" smtClean="0"/>
+              <a:t>由</a:t>
+            </a:r>
+            <a:r>
+              <a:rPr lang="zh-TW" altLang="en-US" dirty="0"/>
+              <a:t>字符組成，可以用單引號或雙引號來表示。</a:t>
             </a:r>
             <a:endParaRPr lang="zh-TW" altLang="en-US" dirty="0"/>
-          </a:p>
-        </p:txBody>
-      </p:sp>
-      <p:sp>
-        <p:nvSpPr>
-          <p:cNvPr id="3" name="內容版面配置區 2"/>
-          <p:cNvSpPr>
-            <a:spLocks noGrp="1"/>
-          </p:cNvSpPr>
-          <p:nvPr>
-            <p:ph idx="1"/>
-          </p:nvPr>
-        </p:nvSpPr>
-        <p:spPr/>
-        <p:txBody>
-          <a:bodyPr/>
-          <a:lstStyle/>
-          <a:p>
-            <a:r>
-              <a:rPr lang="zh-TW" altLang="en-US" dirty="0" smtClean="0"/>
-              <a:t>裡面可以取用外面，外面不能取用裡面</a:t>
-            </a:r>
-            <a:r>
-              <a:rPr lang="en-US" altLang="zh-TW" dirty="0" smtClean="0"/>
-              <a:t>(</a:t>
-            </a:r>
-            <a:r>
-              <a:rPr lang="zh-TW" altLang="en-US" dirty="0" smtClean="0"/>
-              <a:t>除非回傳</a:t>
-            </a:r>
-            <a:r>
-              <a:rPr lang="en-US" altLang="zh-TW" dirty="0" smtClean="0"/>
-              <a:t>)</a:t>
-            </a:r>
           </a:p>
         </p:txBody>
       </p:sp>
     </p:spTree>
     <p:extLst>
       <p:ext uri="{BB962C8B-B14F-4D97-AF65-F5344CB8AC3E}">
-        <p14:creationId xmlns:p14="http://schemas.microsoft.com/office/powerpoint/2010/main" val="3302993291"/>
+        <p14:creationId xmlns:p14="http://schemas.microsoft.com/office/powerpoint/2010/main" val="1499018510"/>
       </p:ext>
     </p:extLst>
   </p:cSld>
@@ -3789,36 +3993,65 @@
           <a:lstStyle/>
           <a:p>
             <a:r>
-              <a:rPr lang="zh-TW" altLang="en-US" dirty="0" smtClean="0"/>
-              <a:t>變數練習</a:t>
+              <a:rPr lang="en-US" altLang="zh-TW" dirty="0"/>
+              <a:t>symbol</a:t>
+            </a:r>
+            <a:endParaRPr lang="en-US" altLang="zh-TW" dirty="0"/>
+          </a:p>
+        </p:txBody>
+      </p:sp>
+      <p:sp>
+        <p:nvSpPr>
+          <p:cNvPr id="3" name="內容版面配置區 2"/>
+          <p:cNvSpPr>
+            <a:spLocks noGrp="1"/>
+          </p:cNvSpPr>
+          <p:nvPr>
+            <p:ph idx="1"/>
+          </p:nvPr>
+        </p:nvSpPr>
+        <p:spPr/>
+        <p:txBody>
+          <a:bodyPr/>
+          <a:lstStyle/>
+          <a:p>
+            <a:pPr marL="0" indent="0">
+              <a:buNone/>
+            </a:pPr>
+            <a:r>
+              <a:rPr lang="zh-TW" altLang="en-US" dirty="0"/>
+              <a:t>表示</a:t>
+            </a:r>
+            <a:r>
+              <a:rPr lang="zh-TW" altLang="en-US" dirty="0" smtClean="0"/>
+              <a:t>符號</a:t>
+            </a:r>
+            <a:endParaRPr lang="en-US" altLang="zh-TW" dirty="0" smtClean="0"/>
+          </a:p>
+          <a:p>
+            <a:pPr marL="0" indent="0">
+              <a:buNone/>
+            </a:pPr>
+            <a:r>
+              <a:rPr lang="zh-TW" altLang="en-US" dirty="0" smtClean="0"/>
+              <a:t>是</a:t>
+            </a:r>
+            <a:r>
+              <a:rPr lang="en-US" altLang="zh-TW" dirty="0"/>
+              <a:t>ES6</a:t>
+            </a:r>
+            <a:r>
+              <a:rPr lang="zh-TW" altLang="en-US" dirty="0"/>
+              <a:t>新增的型別，可以賦予變數獨特性、獨一性。</a:t>
             </a:r>
             <a:endParaRPr lang="zh-TW" altLang="en-US" dirty="0"/>
-          </a:p>
-        </p:txBody>
-      </p:sp>
-      <p:sp>
-        <p:nvSpPr>
-          <p:cNvPr id="3" name="內容版面配置區 2"/>
-          <p:cNvSpPr>
-            <a:spLocks noGrp="1"/>
-          </p:cNvSpPr>
-          <p:nvPr>
-            <p:ph idx="1"/>
-          </p:nvPr>
-        </p:nvSpPr>
-        <p:spPr/>
-        <p:txBody>
-          <a:bodyPr/>
-          <a:lstStyle/>
-          <a:p>
-            <a:endParaRPr lang="zh-TW" altLang="en-US"/>
           </a:p>
         </p:txBody>
       </p:sp>
     </p:spTree>
     <p:extLst>
       <p:ext uri="{BB962C8B-B14F-4D97-AF65-F5344CB8AC3E}">
-        <p14:creationId xmlns:p14="http://schemas.microsoft.com/office/powerpoint/2010/main" val="2161253228"/>
+        <p14:creationId xmlns:p14="http://schemas.microsoft.com/office/powerpoint/2010/main" val="160194131"/>
       </p:ext>
     </p:extLst>
   </p:cSld>
@@ -3866,17 +4099,16 @@
           <a:lstStyle/>
           <a:p>
             <a:r>
-              <a:rPr lang="zh-TW" altLang="en-US" dirty="0" smtClean="0"/>
-              <a:t>運算子</a:t>
-            </a:r>
-            <a:endParaRPr lang="zh-TW" altLang="en-US" dirty="0"/>
+              <a:rPr lang="zh-TW" altLang="en-US" dirty="0"/>
+              <a:t>變數</a:t>
+            </a:r>
           </a:p>
         </p:txBody>
       </p:sp>
     </p:spTree>
     <p:extLst>
       <p:ext uri="{BB962C8B-B14F-4D97-AF65-F5344CB8AC3E}">
-        <p14:creationId xmlns:p14="http://schemas.microsoft.com/office/powerpoint/2010/main" val="3936684726"/>
+        <p14:creationId xmlns:p14="http://schemas.microsoft.com/office/powerpoint/2010/main" val="3948142311"/>
       </p:ext>
     </p:extLst>
   </p:cSld>
@@ -3920,7 +4152,7 @@
           <a:p>
             <a:r>
               <a:rPr lang="zh-TW" altLang="en-US" dirty="0" smtClean="0"/>
-              <a:t>常見運算子</a:t>
+              <a:t>變數</a:t>
             </a:r>
             <a:endParaRPr lang="zh-TW" altLang="en-US" dirty="0"/>
           </a:p>
@@ -3941,52 +4173,37 @@
           <a:bodyPr/>
           <a:lstStyle/>
           <a:p>
-            <a:r>
-              <a:rPr lang="zh-TW" altLang="en-US" dirty="0" smtClean="0"/>
-              <a:t>計算用</a:t>
-            </a:r>
-            <a:endParaRPr lang="en-US" altLang="zh-TW" dirty="0" smtClean="0"/>
-          </a:p>
-          <a:p>
-            <a:r>
-              <a:rPr lang="en-US" altLang="zh-TW" dirty="0" smtClean="0"/>
-              <a:t>+-*/%</a:t>
-            </a:r>
-          </a:p>
-          <a:p>
+            <a:pPr marL="0" indent="0">
+              <a:buNone/>
+            </a:pPr>
+            <a:r>
+              <a:rPr lang="zh-TW" altLang="en-US" dirty="0" smtClean="0"/>
+              <a:t>變數會指向</a:t>
+            </a:r>
             <a:r>
               <a:rPr lang="zh-TW" altLang="en-US" dirty="0"/>
-              <a:t>賦值</a:t>
-            </a:r>
-            <a:endParaRPr lang="en-US" altLang="zh-TW" dirty="0" smtClean="0"/>
-          </a:p>
-          <a:p>
-            <a:r>
-              <a:rPr lang="en-US" altLang="zh-TW" dirty="0" smtClean="0"/>
-              <a:t>= </a:t>
-            </a:r>
-          </a:p>
-          <a:p>
-            <a:r>
-              <a:rPr lang="zh-TW" altLang="en-US" dirty="0" smtClean="0"/>
-              <a:t>存取物件或函式</a:t>
-            </a:r>
-            <a:endParaRPr lang="en-US" altLang="zh-TW" dirty="0" smtClean="0"/>
-          </a:p>
-          <a:p>
-            <a:r>
-              <a:rPr lang="en-US" altLang="zh-TW" dirty="0" smtClean="0"/>
-              <a:t>.</a:t>
-            </a:r>
-          </a:p>
-          <a:p>
-            <a:endParaRPr lang="en-US" altLang="zh-TW" dirty="0" smtClean="0"/>
-          </a:p>
-          <a:p>
-            <a:endParaRPr lang="en-US" altLang="zh-TW" dirty="0" smtClean="0"/>
-          </a:p>
-          <a:p>
-            <a:endParaRPr lang="en-US" altLang="zh-TW" dirty="0" smtClean="0"/>
+              <a:t>記憶體</a:t>
+            </a:r>
+            <a:r>
+              <a:rPr lang="zh-TW" altLang="en-US" dirty="0" smtClean="0"/>
+              <a:t>中的程式數據</a:t>
+            </a:r>
+            <a:r>
+              <a:rPr lang="en-US" altLang="zh-TW" dirty="0" smtClean="0"/>
+              <a:t>(</a:t>
+            </a:r>
+            <a:r>
+              <a:rPr lang="zh-TW" altLang="en-US" dirty="0"/>
+              <a:t>資料</a:t>
+            </a:r>
+            <a:r>
+              <a:rPr lang="zh-TW" altLang="en-US" dirty="0" smtClean="0"/>
+              <a:t>型態</a:t>
+            </a:r>
+            <a:r>
+              <a:rPr lang="en-US" altLang="zh-TW" dirty="0" smtClean="0"/>
+              <a:t>)</a:t>
+            </a:r>
           </a:p>
           <a:p>
             <a:endParaRPr lang="zh-TW" altLang="en-US" dirty="0"/>
@@ -3996,7 +4213,7 @@
     </p:spTree>
     <p:extLst>
       <p:ext uri="{BB962C8B-B14F-4D97-AF65-F5344CB8AC3E}">
-        <p14:creationId xmlns:p14="http://schemas.microsoft.com/office/powerpoint/2010/main" val="1121334064"/>
+        <p14:creationId xmlns:p14="http://schemas.microsoft.com/office/powerpoint/2010/main" val="1652264271"/>
       </p:ext>
     </p:extLst>
   </p:cSld>
@@ -4107,8 +4324,12 @@
           <a:lstStyle/>
           <a:p>
             <a:r>
-              <a:rPr lang="zh-TW" altLang="en-US" dirty="0" smtClean="0"/>
-              <a:t>常見運算子</a:t>
+              <a:rPr lang="zh-TW" altLang="en-US" dirty="0"/>
+              <a:t>宣告</a:t>
+            </a:r>
+            <a:r>
+              <a:rPr lang="zh-TW" altLang="en-US" dirty="0" smtClean="0"/>
+              <a:t>變數</a:t>
             </a:r>
             <a:endParaRPr lang="zh-TW" altLang="en-US" dirty="0"/>
           </a:p>
@@ -4124,97 +4345,35 @@
             <p:ph idx="1"/>
           </p:nvPr>
         </p:nvSpPr>
-        <p:spPr/>
-        <p:txBody>
-          <a:bodyPr>
-            <a:normAutofit fontScale="85000" lnSpcReduction="20000"/>
-          </a:bodyPr>
-          <a:lstStyle/>
-          <a:p>
-            <a:r>
-              <a:rPr lang="zh-TW" altLang="en-US" dirty="0" smtClean="0"/>
-              <a:t>比較</a:t>
-            </a:r>
-            <a:r>
-              <a:rPr lang="zh-TW" altLang="en-US" dirty="0"/>
-              <a:t>相等</a:t>
-            </a:r>
-            <a:endParaRPr lang="en-US" altLang="zh-TW" dirty="0" smtClean="0"/>
-          </a:p>
-          <a:p>
-            <a:r>
-              <a:rPr lang="en-US" altLang="zh-TW" dirty="0" smtClean="0"/>
-              <a:t>== </a:t>
-            </a:r>
-          </a:p>
-          <a:p>
-            <a:r>
-              <a:rPr lang="en-US" altLang="zh-TW" dirty="0" smtClean="0"/>
-              <a:t>===</a:t>
-            </a:r>
-          </a:p>
-          <a:p>
-            <a:r>
-              <a:rPr lang="zh-TW" altLang="en-US" dirty="0" smtClean="0"/>
-              <a:t>比較不相等</a:t>
-            </a:r>
-            <a:endParaRPr lang="en-US" altLang="zh-TW" dirty="0"/>
-          </a:p>
-          <a:p>
-            <a:r>
-              <a:rPr lang="en-US" altLang="zh-TW" dirty="0" smtClean="0"/>
-              <a:t>!=</a:t>
-            </a:r>
-          </a:p>
-          <a:p>
-            <a:r>
-              <a:rPr lang="en-US" altLang="zh-TW" dirty="0" smtClean="0"/>
-              <a:t>!==</a:t>
-            </a:r>
-          </a:p>
-          <a:p>
-            <a:r>
-              <a:rPr lang="zh-TW" altLang="en-US" dirty="0"/>
-              <a:t>兩者</a:t>
-            </a:r>
-            <a:r>
-              <a:rPr lang="zh-TW" altLang="en-US" dirty="0" smtClean="0"/>
-              <a:t>都</a:t>
-            </a:r>
-            <a:endParaRPr lang="en-US" altLang="zh-TW" dirty="0" smtClean="0"/>
-          </a:p>
-          <a:p>
-            <a:r>
-              <a:rPr lang="en-US" altLang="zh-TW" dirty="0" smtClean="0"/>
-              <a:t>&amp;&amp;</a:t>
-            </a:r>
-          </a:p>
-          <a:p>
-            <a:r>
-              <a:rPr lang="zh-TW" altLang="en-US" dirty="0" smtClean="0"/>
-              <a:t>或者</a:t>
-            </a:r>
-            <a:endParaRPr lang="en-US" altLang="zh-TW" dirty="0" smtClean="0"/>
-          </a:p>
-          <a:p>
-            <a:r>
-              <a:rPr lang="en-US" altLang="zh-TW" dirty="0" smtClean="0"/>
-              <a:t>||</a:t>
-            </a:r>
-          </a:p>
-          <a:p>
-            <a:endParaRPr lang="en-US" altLang="zh-TW" dirty="0" smtClean="0"/>
-          </a:p>
-          <a:p>
-            <a:endParaRPr lang="en-US" altLang="zh-TW" dirty="0" smtClean="0"/>
-          </a:p>
-          <a:p>
-            <a:endParaRPr lang="en-US" altLang="zh-TW" dirty="0" smtClean="0"/>
-          </a:p>
-          <a:p>
-            <a:endParaRPr lang="en-US" altLang="zh-TW" dirty="0" smtClean="0"/>
-          </a:p>
-          <a:p>
+        <p:spPr>
+          <a:xfrm>
+            <a:off x="467544" y="1196752"/>
+            <a:ext cx="8229600" cy="4525963"/>
+          </a:xfrm>
+        </p:spPr>
+        <p:txBody>
+          <a:bodyPr anchor="ctr"/>
+          <a:lstStyle/>
+          <a:p>
+            <a:pPr marL="0" indent="0" algn="ctr">
+              <a:buNone/>
+            </a:pPr>
+            <a:r>
+              <a:rPr lang="en-US" altLang="zh-TW" dirty="0" err="1" smtClean="0"/>
+              <a:t>var</a:t>
+            </a:r>
+            <a:r>
+              <a:rPr lang="en-US" altLang="zh-TW" dirty="0" smtClean="0"/>
+              <a:t> </a:t>
+            </a:r>
+            <a:r>
+              <a:rPr lang="zh-TW" altLang="en-US" dirty="0" smtClean="0"/>
+              <a:t>變數名稱 </a:t>
+            </a:r>
+            <a:r>
+              <a:rPr lang="en-US" altLang="zh-TW" dirty="0" smtClean="0"/>
+              <a:t>; </a:t>
+            </a:r>
             <a:endParaRPr lang="zh-TW" altLang="en-US" dirty="0"/>
           </a:p>
         </p:txBody>
@@ -4222,7 +4381,7 @@
     </p:spTree>
     <p:extLst>
       <p:ext uri="{BB962C8B-B14F-4D97-AF65-F5344CB8AC3E}">
-        <p14:creationId xmlns:p14="http://schemas.microsoft.com/office/powerpoint/2010/main" val="2766480570"/>
+        <p14:creationId xmlns:p14="http://schemas.microsoft.com/office/powerpoint/2010/main" val="3925751582"/>
       </p:ext>
     </p:extLst>
   </p:cSld>
@@ -4261,82 +4420,115 @@
         </p:nvSpPr>
         <p:spPr/>
         <p:txBody>
-          <a:bodyPr>
-            <a:normAutofit/>
-          </a:bodyPr>
-          <a:lstStyle/>
-          <a:p>
-            <a:r>
-              <a:rPr lang="zh-TW" altLang="en-US" dirty="0" smtClean="0"/>
-              <a:t>常搞混的</a:t>
+          <a:bodyPr/>
+          <a:lstStyle/>
+          <a:p>
+            <a:r>
+              <a:rPr lang="zh-TW" altLang="en-US" dirty="0" smtClean="0"/>
+              <a:t>常用寫法</a:t>
+            </a:r>
+            <a:endParaRPr lang="zh-TW" altLang="en-US" dirty="0"/>
+          </a:p>
+        </p:txBody>
+      </p:sp>
+      <p:sp>
+        <p:nvSpPr>
+          <p:cNvPr id="3" name="內容版面配置區 2"/>
+          <p:cNvSpPr>
+            <a:spLocks noGrp="1"/>
+          </p:cNvSpPr>
+          <p:nvPr>
+            <p:ph idx="1"/>
+          </p:nvPr>
+        </p:nvSpPr>
+        <p:spPr>
+          <a:xfrm>
+            <a:off x="467544" y="1196752"/>
+            <a:ext cx="8229600" cy="4525963"/>
+          </a:xfrm>
+        </p:spPr>
+        <p:txBody>
+          <a:bodyPr anchor="ctr"/>
+          <a:lstStyle/>
+          <a:p>
+            <a:pPr marL="0" indent="0" algn="ctr">
+              <a:buNone/>
+            </a:pPr>
+            <a:r>
+              <a:rPr lang="en-US" altLang="zh-TW" dirty="0" err="1" smtClean="0"/>
+              <a:t>var</a:t>
+            </a:r>
+            <a:r>
+              <a:rPr lang="en-US" altLang="zh-TW" dirty="0" smtClean="0"/>
+              <a:t> </a:t>
+            </a:r>
+            <a:r>
+              <a:rPr lang="zh-TW" altLang="en-US" dirty="0" smtClean="0"/>
+              <a:t>變數名稱 </a:t>
             </a:r>
             <a:r>
               <a:rPr lang="en-US" altLang="zh-TW" dirty="0" smtClean="0"/>
               <a:t>=</a:t>
             </a:r>
             <a:r>
+              <a:rPr lang="zh-TW" altLang="en-US" dirty="0" smtClean="0"/>
+              <a:t> 某個值</a:t>
+            </a:r>
+            <a:r>
+              <a:rPr lang="en-US" altLang="zh-TW" dirty="0" smtClean="0"/>
+              <a:t>; </a:t>
+            </a:r>
+          </a:p>
+          <a:p>
+            <a:pPr marL="0" indent="0" algn="ctr">
+              <a:buNone/>
+            </a:pPr>
+            <a:r>
+              <a:rPr lang="en-US" altLang="zh-TW" dirty="0" err="1" smtClean="0"/>
+              <a:t>var</a:t>
+            </a:r>
+            <a:r>
+              <a:rPr lang="en-US" altLang="zh-TW" dirty="0" smtClean="0"/>
+              <a:t> year = 2018; </a:t>
+            </a:r>
+            <a:endParaRPr lang="en-US" altLang="zh-TW" dirty="0"/>
+          </a:p>
+          <a:p>
+            <a:pPr marL="0" indent="0" algn="ctr">
+              <a:buNone/>
+            </a:pPr>
+            <a:r>
+              <a:rPr lang="en-US" altLang="zh-TW" dirty="0" err="1"/>
+              <a:t>var</a:t>
+            </a:r>
+            <a:r>
+              <a:rPr lang="en-US" altLang="zh-TW" dirty="0"/>
+              <a:t> today = "5</a:t>
+            </a:r>
+            <a:r>
               <a:rPr lang="zh-TW" altLang="en-US" dirty="0"/>
-              <a:t>、</a:t>
+              <a:t>月</a:t>
             </a:r>
             <a:r>
               <a:rPr lang="en-US" altLang="zh-TW" dirty="0"/>
-              <a:t>==</a:t>
+              <a:t>27</a:t>
             </a:r>
             <a:r>
               <a:rPr lang="zh-TW" altLang="en-US" dirty="0"/>
-              <a:t>、</a:t>
-            </a:r>
-            <a:r>
-              <a:rPr lang="en-US" altLang="zh-TW" dirty="0" smtClean="0"/>
-              <a:t>===</a:t>
-            </a:r>
-            <a:endParaRPr lang="zh-TW" altLang="en-US" dirty="0"/>
-          </a:p>
-        </p:txBody>
-      </p:sp>
-      <p:sp>
-        <p:nvSpPr>
-          <p:cNvPr id="3" name="內容版面配置區 2"/>
-          <p:cNvSpPr>
-            <a:spLocks noGrp="1"/>
-          </p:cNvSpPr>
-          <p:nvPr>
-            <p:ph idx="1"/>
-          </p:nvPr>
-        </p:nvSpPr>
-        <p:spPr/>
-        <p:txBody>
-          <a:bodyPr/>
-          <a:lstStyle/>
-          <a:p>
-            <a:r>
-              <a:rPr lang="en-US" altLang="zh-TW" dirty="0" smtClean="0"/>
-              <a:t>=</a:t>
-            </a:r>
-            <a:r>
-              <a:rPr lang="zh-TW" altLang="en-US" dirty="0" smtClean="0"/>
-              <a:t>、</a:t>
-            </a:r>
-            <a:r>
-              <a:rPr lang="en-US" altLang="zh-TW" dirty="0" smtClean="0"/>
-              <a:t>==</a:t>
-            </a:r>
-            <a:r>
-              <a:rPr lang="zh-TW" altLang="en-US" dirty="0" smtClean="0"/>
-              <a:t>、</a:t>
-            </a:r>
-            <a:r>
-              <a:rPr lang="en-US" altLang="zh-TW" dirty="0" smtClean="0"/>
-              <a:t>===</a:t>
-            </a:r>
-            <a:endParaRPr lang="zh-TW" altLang="en-US" dirty="0"/>
+              <a:t>號</a:t>
+            </a:r>
+            <a:r>
+              <a:rPr lang="en-US" altLang="zh-TW" dirty="0"/>
+              <a:t>"</a:t>
+            </a:r>
+            <a:endParaRPr lang="en-US" altLang="zh-TW" dirty="0" smtClean="0"/>
           </a:p>
         </p:txBody>
       </p:sp>
     </p:spTree>
     <p:extLst>
       <p:ext uri="{BB962C8B-B14F-4D97-AF65-F5344CB8AC3E}">
-        <p14:creationId xmlns:p14="http://schemas.microsoft.com/office/powerpoint/2010/main" val="4025817925"/>
+        <p14:creationId xmlns:p14="http://schemas.microsoft.com/office/powerpoint/2010/main" val="1439631236"/>
       </p:ext>
     </p:extLst>
   </p:cSld>
@@ -4380,9 +4572,12 @@
           <a:p>
             <a:r>
               <a:rPr lang="zh-TW" altLang="en-US" dirty="0" smtClean="0"/>
-              <a:t>運算子的優先性</a:t>
-            </a:r>
-            <a:endParaRPr lang="zh-TW" altLang="en-US" dirty="0"/>
+              <a:t>變數</a:t>
+            </a:r>
+            <a:r>
+              <a:rPr lang="zh-TW" altLang="en-US" dirty="0"/>
+              <a:t>命名學</a:t>
+            </a:r>
           </a:p>
         </p:txBody>
       </p:sp>
@@ -4398,17 +4593,127 @@
         </p:nvSpPr>
         <p:spPr/>
         <p:txBody>
-          <a:bodyPr/>
-          <a:lstStyle/>
-          <a:p>
-            <a:endParaRPr lang="zh-TW" altLang="en-US" dirty="0"/>
+          <a:bodyPr>
+            <a:normAutofit/>
+          </a:bodyPr>
+          <a:lstStyle/>
+          <a:p>
+            <a:r>
+              <a:rPr lang="zh-TW" altLang="en-US" dirty="0" smtClean="0"/>
+              <a:t>英文數字混用</a:t>
+            </a:r>
+            <a:endParaRPr lang="en-US" altLang="zh-TW" dirty="0" smtClean="0"/>
+          </a:p>
+          <a:p>
+            <a:r>
+              <a:rPr lang="zh-TW" altLang="en-US" dirty="0"/>
+              <a:t>區分大</a:t>
+            </a:r>
+            <a:r>
+              <a:rPr lang="zh-TW" altLang="en-US" dirty="0" smtClean="0"/>
+              <a:t>小寫</a:t>
+            </a:r>
+            <a:endParaRPr lang="en-US" altLang="zh-TW" dirty="0" smtClean="0"/>
+          </a:p>
+          <a:p>
+            <a:r>
+              <a:rPr lang="zh-TW" altLang="en-US" dirty="0" smtClean="0"/>
+              <a:t>不能</a:t>
+            </a:r>
+            <a:r>
+              <a:rPr lang="zh-TW" altLang="en-US" dirty="0"/>
+              <a:t>數字</a:t>
+            </a:r>
+            <a:r>
+              <a:rPr lang="zh-TW" altLang="en-US" dirty="0" smtClean="0"/>
+              <a:t>開頭</a:t>
+            </a:r>
+            <a:endParaRPr lang="en-US" altLang="zh-TW" dirty="0" smtClean="0"/>
+          </a:p>
+          <a:p>
+            <a:r>
+              <a:rPr lang="zh-TW" altLang="en-US" dirty="0"/>
+              <a:t>不能</a:t>
+            </a:r>
+            <a:r>
+              <a:rPr lang="zh-TW" altLang="en-US" dirty="0" smtClean="0"/>
+              <a:t>使用</a:t>
+            </a:r>
+            <a:r>
+              <a:rPr lang="en-US" altLang="zh-TW" dirty="0" smtClean="0"/>
+              <a:t>-</a:t>
+            </a:r>
+            <a:r>
+              <a:rPr lang="zh-TW" altLang="en-US" dirty="0" smtClean="0"/>
+              <a:t>和</a:t>
+            </a:r>
+            <a:r>
+              <a:rPr lang="en-US" altLang="zh-TW" dirty="0" smtClean="0"/>
+              <a:t>.</a:t>
+            </a:r>
+            <a:endParaRPr lang="en-US" altLang="zh-TW" dirty="0"/>
+          </a:p>
+          <a:p>
+            <a:r>
+              <a:rPr lang="zh-TW" altLang="en-US" dirty="0" smtClean="0"/>
+              <a:t>不能使用保留字</a:t>
+            </a:r>
+            <a:r>
+              <a:rPr lang="en-US" altLang="zh-TW" dirty="0" smtClean="0"/>
+              <a:t>(</a:t>
+            </a:r>
+            <a:r>
+              <a:rPr lang="zh-TW" altLang="en-US" dirty="0" smtClean="0"/>
+              <a:t>例如</a:t>
+            </a:r>
+            <a:r>
+              <a:rPr lang="en-US" altLang="zh-TW" dirty="0" smtClean="0"/>
+              <a:t>class)</a:t>
+            </a:r>
+          </a:p>
+          <a:p>
+            <a:r>
+              <a:rPr lang="zh-TW" altLang="en-US" dirty="0"/>
+              <a:t>盡量不要用特殊</a:t>
+            </a:r>
+            <a:r>
+              <a:rPr lang="zh-TW" altLang="en-US" dirty="0" smtClean="0"/>
+              <a:t>符號</a:t>
+            </a:r>
+            <a:r>
+              <a:rPr lang="en-US" altLang="zh-TW" dirty="0" smtClean="0"/>
+              <a:t>(</a:t>
+            </a:r>
+            <a:r>
+              <a:rPr lang="zh-TW" altLang="en-US" dirty="0" smtClean="0"/>
+              <a:t>例如</a:t>
+            </a:r>
+            <a:r>
+              <a:rPr lang="en-US" altLang="zh-TW" dirty="0" smtClean="0"/>
+              <a:t>$</a:t>
+            </a:r>
+            <a:r>
+              <a:rPr lang="zh-TW" altLang="en-US" dirty="0" smtClean="0"/>
+              <a:t>或</a:t>
+            </a:r>
+            <a:r>
+              <a:rPr lang="en-US" altLang="zh-TW" dirty="0" smtClean="0"/>
+              <a:t>_)</a:t>
+            </a:r>
+          </a:p>
+          <a:p>
+            <a:r>
+              <a:rPr lang="zh-TW" altLang="en-US" dirty="0" smtClean="0"/>
+              <a:t>盡量語意化命名</a:t>
+            </a:r>
+            <a:endParaRPr lang="en-US" altLang="zh-TW" dirty="0" smtClean="0"/>
           </a:p>
         </p:txBody>
       </p:sp>
     </p:spTree>
     <p:extLst>
       <p:ext uri="{BB962C8B-B14F-4D97-AF65-F5344CB8AC3E}">
-        <p14:creationId xmlns:p14="http://schemas.microsoft.com/office/powerpoint/2010/main" val="1738348854"/>
+        <p14:creationId xmlns:p14="http://schemas.microsoft.com/office/powerpoint/2010/main" val="981498377"/>
       </p:ext>
     </p:extLst>
   </p:cSld>
@@ -4452,7 +4757,7 @@
           <a:p>
             <a:r>
               <a:rPr lang="zh-TW" altLang="en-US" dirty="0" smtClean="0"/>
-              <a:t>運算子的優先性</a:t>
+              <a:t>變數練習</a:t>
             </a:r>
             <a:endParaRPr lang="zh-TW" altLang="en-US" dirty="0"/>
           </a:p>
@@ -4473,30 +4778,6 @@
           <a:bodyPr/>
           <a:lstStyle/>
           <a:p>
-            <a:r>
-              <a:rPr lang="en-US" altLang="zh-TW" dirty="0" err="1"/>
-              <a:t>var</a:t>
-            </a:r>
-            <a:r>
-              <a:rPr lang="en-US" altLang="zh-TW" dirty="0"/>
-              <a:t> apple = '</a:t>
-            </a:r>
-            <a:r>
-              <a:rPr lang="zh-TW" altLang="en-US" dirty="0" smtClean="0"/>
-              <a:t>我</a:t>
-            </a:r>
-            <a:r>
-              <a:rPr lang="zh-TW" altLang="en-US" dirty="0"/>
-              <a:t>要</a:t>
-            </a:r>
-            <a:r>
-              <a:rPr lang="zh-TW" altLang="en-US" dirty="0" smtClean="0"/>
-              <a:t>吃蘋果</a:t>
-            </a:r>
-            <a:r>
-              <a:rPr lang="en-US" altLang="zh-TW" dirty="0" smtClean="0"/>
-              <a:t>' ; </a:t>
-            </a:r>
             <a:endParaRPr lang="zh-TW" altLang="en-US" dirty="0"/>
           </a:p>
         </p:txBody>
@@ -4504,7 +4785,7 @@
     </p:spTree>
     <p:extLst>
       <p:ext uri="{BB962C8B-B14F-4D97-AF65-F5344CB8AC3E}">
-        <p14:creationId xmlns:p14="http://schemas.microsoft.com/office/powerpoint/2010/main" val="1554742435"/>
+        <p14:creationId xmlns:p14="http://schemas.microsoft.com/office/powerpoint/2010/main" val="2161253228"/>
       </p:ext>
     </p:extLst>
   </p:cSld>
@@ -4548,7 +4829,23 @@
           <a:p>
             <a:r>
               <a:rPr lang="zh-TW" altLang="en-US" dirty="0" smtClean="0"/>
-              <a:t>運算子的優先性</a:t>
+              <a:t>區域變數與全域</a:t>
+            </a:r>
+            <a:r>
+              <a:rPr lang="zh-TW" altLang="en-US" dirty="0" smtClean="0"/>
+              <a:t>變數</a:t>
+            </a:r>
+            <a:r>
+              <a:rPr lang="en-US" altLang="zh-TW" dirty="0" smtClean="0"/>
+              <a:t>(</a:t>
+            </a:r>
+            <a:r>
+              <a:rPr lang="zh-TW" altLang="en-US" dirty="0" smtClean="0"/>
+              <a:t>補充</a:t>
+            </a:r>
+            <a:r>
+              <a:rPr lang="en-US" altLang="zh-TW" dirty="0" smtClean="0"/>
+              <a:t>)</a:t>
             </a:r>
             <a:endParaRPr lang="zh-TW" altLang="en-US" dirty="0"/>
           </a:p>
@@ -4570,33 +4867,28 @@
           <a:lstStyle/>
           <a:p>
             <a:r>
-              <a:rPr lang="en-US" altLang="zh-TW" dirty="0" err="1"/>
-              <a:t>var</a:t>
-            </a:r>
-            <a:r>
-              <a:rPr lang="en-US" altLang="zh-TW" dirty="0"/>
-              <a:t> </a:t>
-            </a:r>
-            <a:r>
-              <a:rPr lang="en-US" altLang="zh-TW" dirty="0" smtClean="0"/>
-              <a:t>years </a:t>
-            </a:r>
-            <a:r>
-              <a:rPr lang="en-US" altLang="zh-TW" dirty="0"/>
-              <a:t>= </a:t>
-            </a:r>
-            <a:r>
-              <a:rPr lang="en-US" altLang="zh-TW" dirty="0" smtClean="0"/>
-              <a:t>1900 + 2105; </a:t>
-            </a:r>
-            <a:endParaRPr lang="zh-TW" altLang="en-US" dirty="0"/>
+              <a:rPr lang="zh-TW" altLang="en-US" dirty="0" smtClean="0"/>
+              <a:t>裡面可以取用外面，外面不能取用裡面</a:t>
+            </a:r>
+            <a:r>
+              <a:rPr lang="en-US" altLang="zh-TW" dirty="0" smtClean="0"/>
+              <a:t>(</a:t>
+            </a:r>
+            <a:r>
+              <a:rPr lang="zh-TW" altLang="en-US" dirty="0" smtClean="0"/>
+              <a:t>除非回傳</a:t>
+            </a:r>
+            <a:r>
+              <a:rPr lang="en-US" altLang="zh-TW" dirty="0" smtClean="0"/>
+              <a:t>)</a:t>
+            </a:r>
           </a:p>
         </p:txBody>
       </p:sp>
     </p:spTree>
     <p:extLst>
       <p:ext uri="{BB962C8B-B14F-4D97-AF65-F5344CB8AC3E}">
-        <p14:creationId xmlns:p14="http://schemas.microsoft.com/office/powerpoint/2010/main" val="1911474921"/>
+        <p14:creationId xmlns:p14="http://schemas.microsoft.com/office/powerpoint/2010/main" val="3302993291"/>
       </p:ext>
     </p:extLst>
   </p:cSld>
@@ -4644,16 +4936,17 @@
           <a:lstStyle/>
           <a:p>
             <a:r>
-              <a:rPr lang="zh-TW" altLang="en-US" dirty="0"/>
-              <a:t>函式</a:t>
-            </a:r>
+              <a:rPr lang="zh-TW" altLang="en-US" dirty="0" smtClean="0"/>
+              <a:t>運算子</a:t>
+            </a:r>
+            <a:endParaRPr lang="zh-TW" altLang="en-US" dirty="0"/>
           </a:p>
         </p:txBody>
       </p:sp>
     </p:spTree>
     <p:extLst>
       <p:ext uri="{BB962C8B-B14F-4D97-AF65-F5344CB8AC3E}">
-        <p14:creationId xmlns:p14="http://schemas.microsoft.com/office/powerpoint/2010/main" val="2450567693"/>
+        <p14:creationId xmlns:p14="http://schemas.microsoft.com/office/powerpoint/2010/main" val="3936684726"/>
       </p:ext>
     </p:extLst>
   </p:cSld>
@@ -4690,20 +4983,82 @@
             <p:ph type="title"/>
           </p:nvPr>
         </p:nvSpPr>
-        <p:spPr>
-          <a:xfrm>
-            <a:off x="467544" y="2636912"/>
-            <a:ext cx="8229600" cy="1143000"/>
-          </a:xfrm>
-        </p:spPr>
-        <p:txBody>
-          <a:bodyPr/>
-          <a:lstStyle/>
-          <a:p>
-            <a:r>
-              <a:rPr lang="zh-TW" altLang="en-US" dirty="0" smtClean="0"/>
-              <a:t>陣列</a:t>
-            </a:r>
+        <p:spPr/>
+        <p:txBody>
+          <a:bodyPr/>
+          <a:lstStyle/>
+          <a:p>
+            <a:r>
+              <a:rPr lang="zh-TW" altLang="en-US" dirty="0" smtClean="0"/>
+              <a:t>常見運算子</a:t>
+            </a:r>
+            <a:endParaRPr lang="zh-TW" altLang="en-US" dirty="0"/>
+          </a:p>
+        </p:txBody>
+      </p:sp>
+      <p:sp>
+        <p:nvSpPr>
+          <p:cNvPr id="3" name="內容版面配置區 2"/>
+          <p:cNvSpPr>
+            <a:spLocks noGrp="1"/>
+          </p:cNvSpPr>
+          <p:nvPr>
+            <p:ph idx="1"/>
+          </p:nvPr>
+        </p:nvSpPr>
+        <p:spPr/>
+        <p:txBody>
+          <a:bodyPr/>
+          <a:lstStyle/>
+          <a:p>
+            <a:r>
+              <a:rPr lang="zh-TW" altLang="en-US" dirty="0" smtClean="0"/>
+              <a:t>計算用</a:t>
+            </a:r>
+            <a:endParaRPr lang="en-US" altLang="zh-TW" dirty="0" smtClean="0"/>
+          </a:p>
+          <a:p>
+            <a:r>
+              <a:rPr lang="en-US" altLang="zh-TW" dirty="0" smtClean="0"/>
+              <a:t>+-*/%</a:t>
+            </a:r>
+          </a:p>
+          <a:p>
+            <a:r>
+              <a:rPr lang="zh-TW" altLang="en-US" dirty="0"/>
+              <a:t>賦值</a:t>
+            </a:r>
+            <a:endParaRPr lang="en-US" altLang="zh-TW" dirty="0" smtClean="0"/>
+          </a:p>
+          <a:p>
+            <a:r>
+              <a:rPr lang="en-US" altLang="zh-TW" dirty="0" smtClean="0"/>
+              <a:t>= </a:t>
+            </a:r>
+          </a:p>
+          <a:p>
+            <a:r>
+              <a:rPr lang="zh-TW" altLang="en-US" dirty="0" smtClean="0"/>
+              <a:t>存取物件或函式</a:t>
+            </a:r>
+            <a:endParaRPr lang="en-US" altLang="zh-TW" dirty="0" smtClean="0"/>
+          </a:p>
+          <a:p>
+            <a:r>
+              <a:rPr lang="en-US" altLang="zh-TW" dirty="0" smtClean="0"/>
+              <a:t>.</a:t>
+            </a:r>
+          </a:p>
+          <a:p>
+            <a:endParaRPr lang="en-US" altLang="zh-TW" dirty="0" smtClean="0"/>
+          </a:p>
+          <a:p>
+            <a:endParaRPr lang="en-US" altLang="zh-TW" dirty="0" smtClean="0"/>
+          </a:p>
+          <a:p>
+            <a:endParaRPr lang="en-US" altLang="zh-TW" dirty="0" smtClean="0"/>
+          </a:p>
+          <a:p>
             <a:endParaRPr lang="zh-TW" altLang="en-US" dirty="0"/>
           </a:p>
         </p:txBody>
@@ -4711,7 +5066,7 @@
     </p:spTree>
     <p:extLst>
       <p:ext uri="{BB962C8B-B14F-4D97-AF65-F5344CB8AC3E}">
-        <p14:creationId xmlns:p14="http://schemas.microsoft.com/office/powerpoint/2010/main" val="1541273114"/>
+        <p14:creationId xmlns:p14="http://schemas.microsoft.com/office/powerpoint/2010/main" val="1121334064"/>
       </p:ext>
     </p:extLst>
   </p:cSld>
@@ -4753,7 +5108,11 @@
           <a:bodyPr/>
           <a:lstStyle/>
           <a:p>
-            <a:endParaRPr lang="zh-TW" altLang="en-US"/>
+            <a:r>
+              <a:rPr lang="zh-TW" altLang="en-US" dirty="0" smtClean="0"/>
+              <a:t>常見運算子</a:t>
+            </a:r>
+            <a:endParaRPr lang="zh-TW" altLang="en-US" dirty="0"/>
           </a:p>
         </p:txBody>
       </p:sp>
@@ -4769,55 +5128,92 @@
         </p:nvSpPr>
         <p:spPr/>
         <p:txBody>
-          <a:bodyPr/>
-          <a:lstStyle/>
-          <a:p>
-            <a:r>
-              <a:rPr lang="zh-TW" altLang="en-US" dirty="0" smtClean="0"/>
-              <a:t>櫃子</a:t>
+          <a:bodyPr>
+            <a:normAutofit fontScale="85000" lnSpcReduction="20000"/>
+          </a:bodyPr>
+          <a:lstStyle/>
+          <a:p>
+            <a:r>
+              <a:rPr lang="zh-TW" altLang="en-US" dirty="0" smtClean="0"/>
+              <a:t>比較</a:t>
+            </a:r>
+            <a:r>
+              <a:rPr lang="zh-TW" altLang="en-US" dirty="0"/>
+              <a:t>相等</a:t>
             </a:r>
             <a:endParaRPr lang="en-US" altLang="zh-TW" dirty="0" smtClean="0"/>
           </a:p>
           <a:p>
             <a:r>
+              <a:rPr lang="en-US" altLang="zh-TW" dirty="0" smtClean="0"/>
+              <a:t>== </a:t>
+            </a:r>
+          </a:p>
+          <a:p>
+            <a:r>
+              <a:rPr lang="en-US" altLang="zh-TW" dirty="0" smtClean="0"/>
+              <a:t>===</a:t>
+            </a:r>
+          </a:p>
+          <a:p>
+            <a:r>
+              <a:rPr lang="zh-TW" altLang="en-US" dirty="0" smtClean="0"/>
+              <a:t>比較不相等</a:t>
+            </a:r>
+            <a:endParaRPr lang="en-US" altLang="zh-TW" dirty="0"/>
+          </a:p>
+          <a:p>
+            <a:r>
+              <a:rPr lang="en-US" altLang="zh-TW" dirty="0" smtClean="0"/>
+              <a:t>!=</a:t>
+            </a:r>
+          </a:p>
+          <a:p>
+            <a:r>
+              <a:rPr lang="en-US" altLang="zh-TW" dirty="0" smtClean="0"/>
+              <a:t>!==</a:t>
+            </a:r>
+          </a:p>
+          <a:p>
+            <a:r>
               <a:rPr lang="zh-TW" altLang="en-US" dirty="0"/>
-              <a:t>需</a:t>
-            </a:r>
-            <a:r>
-              <a:rPr lang="zh-TW" altLang="en-US" dirty="0" smtClean="0"/>
-              <a:t>用</a:t>
-            </a:r>
-            <a:r>
-              <a:rPr lang="en-US" altLang="zh-TW" dirty="0" smtClean="0"/>
-              <a:t>,</a:t>
-            </a:r>
-            <a:r>
-              <a:rPr lang="zh-TW" altLang="en-US" dirty="0" smtClean="0"/>
-              <a:t>分隔內容</a:t>
+              <a:t>兩者</a:t>
+            </a:r>
+            <a:r>
+              <a:rPr lang="zh-TW" altLang="en-US" dirty="0" smtClean="0"/>
+              <a:t>都</a:t>
             </a:r>
             <a:endParaRPr lang="en-US" altLang="zh-TW" dirty="0" smtClean="0"/>
           </a:p>
           <a:p>
             <a:r>
-              <a:rPr lang="zh-TW" altLang="en-US" dirty="0" smtClean="0"/>
-              <a:t>雜湊陣列</a:t>
-            </a:r>
-            <a:r>
-              <a:rPr lang="en-US" altLang="zh-TW" dirty="0" smtClean="0"/>
-              <a:t>-</a:t>
-            </a:r>
-            <a:r>
-              <a:rPr lang="zh-TW" altLang="en-US" dirty="0" smtClean="0"/>
-              <a:t>每</a:t>
-            </a:r>
-            <a:r>
-              <a:rPr lang="zh-TW" altLang="en-US" dirty="0"/>
-              <a:t>層都可以</a:t>
-            </a:r>
-            <a:r>
-              <a:rPr lang="zh-TW" altLang="en-US" dirty="0" smtClean="0"/>
-              <a:t>存放不同的資料</a:t>
-            </a:r>
+              <a:rPr lang="en-US" altLang="zh-TW" dirty="0" smtClean="0"/>
+              <a:t>&amp;&amp;</a:t>
+            </a:r>
+          </a:p>
+          <a:p>
+            <a:r>
+              <a:rPr lang="zh-TW" altLang="en-US" dirty="0" smtClean="0"/>
+              <a:t>或者</a:t>
+            </a:r>
+            <a:endParaRPr lang="en-US" altLang="zh-TW" dirty="0" smtClean="0"/>
+          </a:p>
+          <a:p>
+            <a:r>
+              <a:rPr lang="en-US" altLang="zh-TW" dirty="0" smtClean="0"/>
+              <a:t>||</a:t>
+            </a:r>
+          </a:p>
+          <a:p>
+            <a:endParaRPr lang="en-US" altLang="zh-TW" dirty="0" smtClean="0"/>
+          </a:p>
+          <a:p>
+            <a:endParaRPr lang="en-US" altLang="zh-TW" dirty="0" smtClean="0"/>
+          </a:p>
+          <a:p>
+            <a:endParaRPr lang="en-US" altLang="zh-TW" dirty="0" smtClean="0"/>
+          </a:p>
+          <a:p>
             <a:endParaRPr lang="en-US" altLang="zh-TW" dirty="0" smtClean="0"/>
           </a:p>
           <a:p>
@@ -4828,7 +5224,7 @@
     </p:spTree>
     <p:extLst>
       <p:ext uri="{BB962C8B-B14F-4D97-AF65-F5344CB8AC3E}">
-        <p14:creationId xmlns:p14="http://schemas.microsoft.com/office/powerpoint/2010/main" val="3547532124"/>
+        <p14:creationId xmlns:p14="http://schemas.microsoft.com/office/powerpoint/2010/main" val="2766480570"/>
       </p:ext>
     </p:extLst>
   </p:cSld>
@@ -4867,12 +5263,34 @@
         </p:nvSpPr>
         <p:spPr/>
         <p:txBody>
-          <a:bodyPr/>
-          <a:lstStyle/>
-          <a:p>
-            <a:r>
-              <a:rPr lang="zh-TW" altLang="en-US" dirty="0" smtClean="0"/>
-              <a:t>建立陣列</a:t>
+          <a:bodyPr>
+            <a:normAutofit/>
+          </a:bodyPr>
+          <a:lstStyle/>
+          <a:p>
+            <a:r>
+              <a:rPr lang="zh-TW" altLang="en-US" dirty="0" smtClean="0"/>
+              <a:t>常搞混的</a:t>
+            </a:r>
+            <a:r>
+              <a:rPr lang="en-US" altLang="zh-TW" dirty="0" smtClean="0"/>
+              <a:t>=</a:t>
+            </a:r>
+            <a:r>
+              <a:rPr lang="zh-TW" altLang="en-US" dirty="0"/>
+              <a:t>、</a:t>
+            </a:r>
+            <a:r>
+              <a:rPr lang="en-US" altLang="zh-TW" dirty="0"/>
+              <a:t>==</a:t>
+            </a:r>
+            <a:r>
+              <a:rPr lang="zh-TW" altLang="en-US" dirty="0"/>
+              <a:t>、</a:t>
+            </a:r>
+            <a:r>
+              <a:rPr lang="en-US" altLang="zh-TW" dirty="0" smtClean="0"/>
+              <a:t>===</a:t>
             </a:r>
             <a:endParaRPr lang="zh-TW" altLang="en-US" dirty="0"/>
           </a:p>
@@ -4894,41 +5312,24 @@
           <a:lstStyle/>
           <a:p>
             <a:r>
-              <a:rPr lang="zh-TW" altLang="en-US" dirty="0"/>
-              <a:t>陣列實體</a:t>
-            </a:r>
-            <a:r>
-              <a:rPr lang="zh-TW" altLang="en-US" dirty="0" smtClean="0"/>
-              <a:t>語法</a:t>
-            </a:r>
-            <a:endParaRPr lang="en-US" altLang="zh-TW" dirty="0" smtClean="0"/>
-          </a:p>
-          <a:p>
-            <a:r>
-              <a:rPr lang="en-US" altLang="zh-TW" dirty="0" smtClean="0"/>
-              <a:t>[</a:t>
-            </a:r>
-            <a:r>
-              <a:rPr lang="zh-TW" altLang="en-US" dirty="0" smtClean="0"/>
-              <a:t> </a:t>
-            </a:r>
-            <a:r>
-              <a:rPr lang="en-US" altLang="zh-TW" dirty="0" smtClean="0"/>
-              <a:t>]</a:t>
-            </a:r>
-          </a:p>
-          <a:p>
-            <a:r>
-              <a:rPr lang="zh-TW" altLang="en-US" dirty="0"/>
-              <a:t>取用第</a:t>
-            </a:r>
-            <a:r>
-              <a:rPr lang="zh-TW" altLang="en-US" dirty="0" smtClean="0"/>
-              <a:t>一個</a:t>
-            </a:r>
-            <a:r>
-              <a:rPr lang="en-US" altLang="zh-TW" dirty="0" smtClean="0"/>
-              <a:t>[0]</a:t>
+              <a:rPr lang="en-US" altLang="zh-TW" dirty="0" smtClean="0"/>
+              <a:t>=</a:t>
+            </a:r>
+            <a:r>
+              <a:rPr lang="zh-TW" altLang="en-US" dirty="0" smtClean="0"/>
+              <a:t>、</a:t>
+            </a:r>
+            <a:r>
+              <a:rPr lang="en-US" altLang="zh-TW" dirty="0" smtClean="0"/>
+              <a:t>==</a:t>
+            </a:r>
+            <a:r>
+              <a:rPr lang="zh-TW" altLang="en-US" dirty="0" smtClean="0"/>
+              <a:t>、</a:t>
+            </a:r>
+            <a:r>
+              <a:rPr lang="en-US" altLang="zh-TW" dirty="0" smtClean="0"/>
+              <a:t>===</a:t>
             </a:r>
             <a:endParaRPr lang="zh-TW" altLang="en-US" dirty="0"/>
           </a:p>
@@ -4937,7 +5338,7 @@
     </p:spTree>
     <p:extLst>
       <p:ext uri="{BB962C8B-B14F-4D97-AF65-F5344CB8AC3E}">
-        <p14:creationId xmlns:p14="http://schemas.microsoft.com/office/powerpoint/2010/main" val="3614213403"/>
+        <p14:creationId xmlns:p14="http://schemas.microsoft.com/office/powerpoint/2010/main" val="4025817925"/>
       </p:ext>
     </p:extLst>
   </p:cSld>
@@ -4981,7 +5382,27 @@
           <a:p>
             <a:r>
               <a:rPr lang="zh-TW" altLang="en-US" dirty="0" smtClean="0"/>
-              <a:t>陣列練習</a:t>
+              <a:t>運算子</a:t>
+            </a:r>
+            <a:r>
+              <a:rPr lang="zh-TW" altLang="en-US" dirty="0" smtClean="0"/>
+              <a:t>的相依</a:t>
+            </a:r>
+            <a:r>
+              <a:rPr lang="zh-TW" altLang="en-US" dirty="0" smtClean="0"/>
+              <a:t>性</a:t>
+            </a:r>
+            <a:r>
+              <a:rPr lang="en-US" altLang="zh-TW" dirty="0" smtClean="0"/>
+              <a:t>(</a:t>
+            </a:r>
+            <a:r>
+              <a:rPr lang="zh-TW" altLang="en-US" dirty="0" smtClean="0"/>
+              <a:t>執行順序</a:t>
+            </a:r>
+            <a:r>
+              <a:rPr lang="en-US" altLang="zh-TW" dirty="0" smtClean="0"/>
+              <a:t>)</a:t>
             </a:r>
             <a:endParaRPr lang="zh-TW" altLang="en-US" dirty="0"/>
           </a:p>
@@ -5002,57 +5423,24 @@
           <a:bodyPr/>
           <a:lstStyle/>
           <a:p>
-            <a:pPr marL="0" indent="0">
-              <a:buNone/>
-            </a:pPr>
-            <a:r>
-              <a:rPr lang="en-US" altLang="zh-TW" dirty="0" smtClean="0"/>
-              <a:t>[  2018,</a:t>
-            </a:r>
-          </a:p>
-          <a:p>
-            <a:pPr marL="0" indent="0">
-              <a:buNone/>
-            </a:pPr>
-            <a:r>
-              <a:rPr lang="en-US" altLang="zh-TW" dirty="0" smtClean="0"/>
-              <a:t>   Monospace,</a:t>
-            </a:r>
-          </a:p>
-          <a:p>
-            <a:pPr marL="0" indent="0">
-              <a:buNone/>
-            </a:pPr>
-            <a:r>
-              <a:rPr lang="en-US" altLang="zh-TW" dirty="0" smtClean="0"/>
-              <a:t>   function(){</a:t>
-            </a:r>
-          </a:p>
-          <a:p>
-            <a:pPr marL="0" indent="0">
-              <a:buNone/>
-            </a:pPr>
-            <a:r>
-              <a:rPr lang="en-US" altLang="zh-TW" dirty="0" smtClean="0"/>
-              <a:t>      console.log(free)</a:t>
-            </a:r>
-          </a:p>
-          <a:p>
-            <a:pPr marL="0" indent="0">
-              <a:buNone/>
-            </a:pPr>
-            <a:r>
-              <a:rPr lang="en-US" altLang="zh-TW" dirty="0" smtClean="0"/>
-              <a:t>   },</a:t>
-            </a:r>
-          </a:p>
-          <a:p>
-            <a:pPr marL="0" indent="0">
-              <a:buNone/>
-            </a:pPr>
-            <a:r>
-              <a:rPr lang="en-US" altLang="zh-TW" dirty="0" smtClean="0"/>
-              <a:t>]</a:t>
+            <a:r>
+              <a:rPr lang="zh-TW" altLang="en-US" dirty="0" smtClean="0"/>
+              <a:t>程式執行不一定</a:t>
+            </a:r>
+            <a:r>
+              <a:rPr lang="zh-TW" altLang="en-US" dirty="0"/>
+              <a:t>由左邊</a:t>
+            </a:r>
+            <a:r>
+              <a:rPr lang="zh-TW" altLang="en-US" dirty="0" smtClean="0"/>
+              <a:t>開始</a:t>
+            </a:r>
+            <a:endParaRPr lang="en-US" altLang="zh-TW" dirty="0" smtClean="0"/>
+          </a:p>
+          <a:p>
+            <a:r>
+              <a:rPr lang="zh-TW" altLang="en-US" dirty="0"/>
+              <a:t>運算子優先性高先執行</a:t>
             </a:r>
             <a:endParaRPr lang="zh-TW" altLang="en-US" dirty="0"/>
           </a:p>
@@ -5061,7 +5449,7 @@
     </p:spTree>
     <p:extLst>
       <p:ext uri="{BB962C8B-B14F-4D97-AF65-F5344CB8AC3E}">
-        <p14:creationId xmlns:p14="http://schemas.microsoft.com/office/powerpoint/2010/main" val="1216160496"/>
+        <p14:creationId xmlns:p14="http://schemas.microsoft.com/office/powerpoint/2010/main" val="3824873181"/>
       </p:ext>
     </p:extLst>
   </p:cSld>
@@ -5123,24 +5511,35 @@
         <p:spPr/>
         <p:txBody>
           <a:bodyPr>
-            <a:normAutofit fontScale="85000" lnSpcReduction="20000"/>
+            <a:normAutofit fontScale="70000" lnSpcReduction="20000"/>
           </a:bodyPr>
           <a:lstStyle/>
           <a:p>
             <a:r>
-              <a:rPr lang="zh-TW" altLang="en-US" dirty="0" smtClean="0"/>
-              <a:t>本日開發環境</a:t>
+              <a:rPr lang="en-US" altLang="zh-TW" dirty="0" smtClean="0"/>
+              <a:t>JavaScript</a:t>
+            </a:r>
+            <a:r>
+              <a:rPr lang="zh-TW" altLang="en-US" dirty="0" smtClean="0"/>
+              <a:t>簡介</a:t>
             </a:r>
             <a:endParaRPr lang="en-US" altLang="zh-TW" dirty="0" smtClean="0"/>
           </a:p>
           <a:p>
             <a:r>
-              <a:rPr lang="en-US" altLang="zh-TW" dirty="0" err="1" smtClean="0"/>
-              <a:t>javaScript</a:t>
-            </a:r>
-            <a:r>
-              <a:rPr lang="zh-TW" altLang="en-US" dirty="0" smtClean="0"/>
-              <a:t>簡介</a:t>
+              <a:rPr lang="zh-TW" altLang="en-US" dirty="0"/>
+              <a:t>本日開發</a:t>
+            </a:r>
+            <a:r>
+              <a:rPr lang="zh-TW" altLang="en-US" dirty="0" smtClean="0"/>
+              <a:t>環境</a:t>
+            </a:r>
+            <a:endParaRPr lang="en-US" altLang="zh-TW" dirty="0" smtClean="0"/>
+          </a:p>
+          <a:p>
+            <a:r>
+              <a:rPr lang="zh-TW" altLang="en-US" dirty="0"/>
+              <a:t>型別</a:t>
             </a:r>
             <a:endParaRPr lang="en-US" altLang="zh-TW" dirty="0" smtClean="0"/>
           </a:p>
@@ -5191,19 +5590,21 @@
           </a:p>
           <a:p>
             <a:r>
+              <a:rPr lang="en-US" altLang="zh-TW" dirty="0" smtClean="0"/>
+              <a:t>DOM</a:t>
+            </a:r>
+          </a:p>
+          <a:p>
+            <a:r>
+              <a:rPr lang="zh-TW" altLang="en-US" dirty="0" smtClean="0"/>
+              <a:t>事件</a:t>
+            </a:r>
+            <a:endParaRPr lang="en-US" altLang="zh-TW" dirty="0" smtClean="0"/>
+          </a:p>
+          <a:p>
+            <a:r>
               <a:rPr lang="zh-TW" altLang="en-US" dirty="0"/>
-              <a:t>迴</a:t>
-            </a:r>
-            <a:r>
-              <a:rPr lang="zh-TW" altLang="en-US" dirty="0" smtClean="0"/>
-              <a:t>圈</a:t>
-            </a:r>
-            <a:endParaRPr lang="en-US" altLang="zh-TW" dirty="0" smtClean="0"/>
-          </a:p>
-          <a:p>
-            <a:r>
-              <a:rPr lang="en-US" altLang="zh-TW" dirty="0" smtClean="0"/>
-              <a:t>DOM</a:t>
+              <a:t>實作</a:t>
             </a:r>
             <a:endParaRPr lang="zh-TW" altLang="en-US" dirty="0"/>
           </a:p>
@@ -5249,20 +5650,74 @@
             <p:ph type="title"/>
           </p:nvPr>
         </p:nvSpPr>
-        <p:spPr>
-          <a:xfrm>
-            <a:off x="467544" y="2636912"/>
-            <a:ext cx="8229600" cy="1143000"/>
-          </a:xfrm>
-        </p:spPr>
-        <p:txBody>
-          <a:bodyPr/>
-          <a:lstStyle/>
-          <a:p>
-            <a:r>
-              <a:rPr lang="zh-TW" altLang="en-US" dirty="0" smtClean="0"/>
-              <a:t>物件</a:t>
-            </a:r>
+        <p:spPr/>
+        <p:txBody>
+          <a:bodyPr/>
+          <a:lstStyle/>
+          <a:p>
+            <a:r>
+              <a:rPr lang="zh-TW" altLang="en-US" dirty="0" smtClean="0"/>
+              <a:t>運算子的優先性</a:t>
+            </a:r>
+            <a:endParaRPr lang="zh-TW" altLang="en-US" dirty="0"/>
+          </a:p>
+        </p:txBody>
+      </p:sp>
+      <p:sp>
+        <p:nvSpPr>
+          <p:cNvPr id="3" name="內容版面配置區 2"/>
+          <p:cNvSpPr>
+            <a:spLocks noGrp="1"/>
+          </p:cNvSpPr>
+          <p:nvPr>
+            <p:ph idx="1"/>
+          </p:nvPr>
+        </p:nvSpPr>
+        <p:spPr/>
+        <p:txBody>
+          <a:bodyPr/>
+          <a:lstStyle/>
+          <a:p>
+            <a:r>
+              <a:rPr lang="zh-TW" altLang="en-US" dirty="0" smtClean="0"/>
+              <a:t>程式執行不一定</a:t>
+            </a:r>
+            <a:r>
+              <a:rPr lang="zh-TW" altLang="en-US" dirty="0"/>
+              <a:t>由左邊</a:t>
+            </a:r>
+            <a:r>
+              <a:rPr lang="zh-TW" altLang="en-US" dirty="0" smtClean="0"/>
+              <a:t>開始</a:t>
+            </a:r>
+            <a:endParaRPr lang="en-US" altLang="zh-TW" dirty="0" smtClean="0"/>
+          </a:p>
+          <a:p>
+            <a:r>
+              <a:rPr lang="zh-TW" altLang="en-US" dirty="0"/>
+              <a:t>運算子優先性高先</a:t>
+            </a:r>
+            <a:r>
+              <a:rPr lang="zh-TW" altLang="en-US" dirty="0" smtClean="0"/>
+              <a:t>執行</a:t>
+            </a:r>
+            <a:endParaRPr lang="en-US" altLang="zh-TW" dirty="0" smtClean="0"/>
+          </a:p>
+          <a:p>
+            <a:r>
+              <a:rPr lang="zh-TW" altLang="en-US" dirty="0"/>
+              <a:t>運算子優先</a:t>
+            </a:r>
+            <a:r>
+              <a:rPr lang="zh-TW" altLang="en-US" dirty="0" smtClean="0"/>
+              <a:t>性相同，由相依性決定執行方向</a:t>
+            </a:r>
+            <a:endParaRPr lang="zh-TW" altLang="en-US" dirty="0"/>
+          </a:p>
+          <a:p>
+            <a:pPr marL="0" indent="0">
+              <a:buNone/>
+            </a:pPr>
             <a:endParaRPr lang="zh-TW" altLang="en-US" dirty="0"/>
           </a:p>
         </p:txBody>
@@ -5270,7 +5725,7 @@
     </p:spTree>
     <p:extLst>
       <p:ext uri="{BB962C8B-B14F-4D97-AF65-F5344CB8AC3E}">
-        <p14:creationId xmlns:p14="http://schemas.microsoft.com/office/powerpoint/2010/main" val="4013313345"/>
+        <p14:creationId xmlns:p14="http://schemas.microsoft.com/office/powerpoint/2010/main" val="1738348854"/>
       </p:ext>
     </p:extLst>
   </p:cSld>
@@ -5307,19 +5762,57 @@
             <p:ph type="title"/>
           </p:nvPr>
         </p:nvSpPr>
-        <p:spPr>
-          <a:xfrm>
-            <a:off x="467544" y="2636912"/>
-            <a:ext cx="8229600" cy="1143000"/>
-          </a:xfrm>
-        </p:spPr>
-        <p:txBody>
-          <a:bodyPr/>
-          <a:lstStyle/>
-          <a:p>
-            <a:r>
-              <a:rPr lang="zh-TW" altLang="en-US" dirty="0" smtClean="0"/>
-              <a:t>流程判斷</a:t>
+        <p:spPr/>
+        <p:txBody>
+          <a:bodyPr/>
+          <a:lstStyle/>
+          <a:p>
+            <a:r>
+              <a:rPr lang="zh-TW" altLang="en-US" dirty="0" smtClean="0"/>
+              <a:t>運算子的優先性</a:t>
+            </a:r>
+            <a:endParaRPr lang="zh-TW" altLang="en-US" dirty="0"/>
+          </a:p>
+        </p:txBody>
+      </p:sp>
+      <p:sp>
+        <p:nvSpPr>
+          <p:cNvPr id="3" name="內容版面配置區 2"/>
+          <p:cNvSpPr>
+            <a:spLocks noGrp="1"/>
+          </p:cNvSpPr>
+          <p:nvPr>
+            <p:ph idx="1"/>
+          </p:nvPr>
+        </p:nvSpPr>
+        <p:spPr/>
+        <p:txBody>
+          <a:bodyPr/>
+          <a:lstStyle/>
+          <a:p>
+            <a:r>
+              <a:rPr lang="en-US" altLang="zh-TW" dirty="0" err="1"/>
+              <a:t>var</a:t>
+            </a:r>
+            <a:r>
+              <a:rPr lang="en-US" altLang="zh-TW" dirty="0"/>
+              <a:t> apple = '</a:t>
+            </a:r>
+            <a:r>
+              <a:rPr lang="zh-TW" altLang="en-US" dirty="0" smtClean="0"/>
+              <a:t>我</a:t>
+            </a:r>
+            <a:r>
+              <a:rPr lang="zh-TW" altLang="en-US" dirty="0"/>
+              <a:t>要</a:t>
+            </a:r>
+            <a:r>
+              <a:rPr lang="zh-TW" altLang="en-US" dirty="0" smtClean="0"/>
+              <a:t>吃蘋果</a:t>
+            </a:r>
+            <a:r>
+              <a:rPr lang="en-US" altLang="zh-TW" dirty="0" smtClean="0"/>
+              <a:t>' ; </a:t>
             </a:r>
             <a:endParaRPr lang="zh-TW" altLang="en-US" dirty="0"/>
           </a:p>
@@ -5328,7 +5821,7 @@
     </p:spTree>
     <p:extLst>
       <p:ext uri="{BB962C8B-B14F-4D97-AF65-F5344CB8AC3E}">
-        <p14:creationId xmlns:p14="http://schemas.microsoft.com/office/powerpoint/2010/main" val="1328426025"/>
+        <p14:creationId xmlns:p14="http://schemas.microsoft.com/office/powerpoint/2010/main" val="1554742435"/>
       </p:ext>
     </p:extLst>
   </p:cSld>
@@ -5365,19 +5858,53 @@
             <p:ph type="title"/>
           </p:nvPr>
         </p:nvSpPr>
-        <p:spPr>
-          <a:xfrm>
-            <a:off x="467544" y="2636912"/>
-            <a:ext cx="8229600" cy="1143000"/>
-          </a:xfrm>
-        </p:spPr>
-        <p:txBody>
-          <a:bodyPr/>
-          <a:lstStyle/>
-          <a:p>
-            <a:r>
-              <a:rPr lang="en-US" altLang="zh-TW" dirty="0" smtClean="0"/>
-              <a:t>DOM</a:t>
+        <p:spPr/>
+        <p:txBody>
+          <a:bodyPr/>
+          <a:lstStyle/>
+          <a:p>
+            <a:r>
+              <a:rPr lang="zh-TW" altLang="en-US" dirty="0" smtClean="0"/>
+              <a:t>運算子的優先性</a:t>
+            </a:r>
+            <a:endParaRPr lang="zh-TW" altLang="en-US" dirty="0"/>
+          </a:p>
+        </p:txBody>
+      </p:sp>
+      <p:sp>
+        <p:nvSpPr>
+          <p:cNvPr id="3" name="內容版面配置區 2"/>
+          <p:cNvSpPr>
+            <a:spLocks noGrp="1"/>
+          </p:cNvSpPr>
+          <p:nvPr>
+            <p:ph idx="1"/>
+          </p:nvPr>
+        </p:nvSpPr>
+        <p:spPr/>
+        <p:txBody>
+          <a:bodyPr/>
+          <a:lstStyle/>
+          <a:p>
+            <a:r>
+              <a:rPr lang="en-US" altLang="zh-TW" dirty="0" err="1"/>
+              <a:t>var</a:t>
+            </a:r>
+            <a:r>
+              <a:rPr lang="en-US" altLang="zh-TW" dirty="0"/>
+              <a:t> </a:t>
+            </a:r>
+            <a:r>
+              <a:rPr lang="en-US" altLang="zh-TW" dirty="0" smtClean="0"/>
+              <a:t>years </a:t>
+            </a:r>
+            <a:r>
+              <a:rPr lang="en-US" altLang="zh-TW" dirty="0"/>
+              <a:t>= </a:t>
+            </a:r>
+            <a:r>
+              <a:rPr lang="en-US" altLang="zh-TW" dirty="0" smtClean="0"/>
+              <a:t>1900 + 2105; </a:t>
             </a:r>
             <a:endParaRPr lang="zh-TW" altLang="en-US" dirty="0"/>
           </a:p>
@@ -5386,7 +5913,7 @@
     </p:spTree>
     <p:extLst>
       <p:ext uri="{BB962C8B-B14F-4D97-AF65-F5344CB8AC3E}">
-        <p14:creationId xmlns:p14="http://schemas.microsoft.com/office/powerpoint/2010/main" val="1256130898"/>
+        <p14:creationId xmlns:p14="http://schemas.microsoft.com/office/powerpoint/2010/main" val="1911474921"/>
       </p:ext>
     </p:extLst>
   </p:cSld>
@@ -5428,7 +5955,11 @@
           <a:bodyPr/>
           <a:lstStyle/>
           <a:p>
-            <a:endParaRPr lang="zh-TW" altLang="en-US"/>
+            <a:r>
+              <a:rPr lang="zh-TW" altLang="en-US" dirty="0" smtClean="0"/>
+              <a:t>運算子練習</a:t>
+            </a:r>
+            <a:endParaRPr lang="zh-TW" altLang="en-US" dirty="0"/>
           </a:p>
         </p:txBody>
       </p:sp>
@@ -5447,14 +5978,21 @@
           <a:bodyPr/>
           <a:lstStyle/>
           <a:p>
-            <a:endParaRPr lang="zh-TW" altLang="en-US"/>
+            <a:r>
+              <a:rPr lang="zh-TW" altLang="en-US" dirty="0" smtClean="0"/>
+              <a:t>搭配變數</a:t>
+            </a:r>
+            <a:endParaRPr lang="en-US" altLang="zh-TW" dirty="0" smtClean="0"/>
+          </a:p>
+          <a:p>
+            <a:endParaRPr lang="zh-TW" altLang="en-US" dirty="0"/>
           </a:p>
         </p:txBody>
       </p:sp>
     </p:spTree>
     <p:extLst>
       <p:ext uri="{BB962C8B-B14F-4D97-AF65-F5344CB8AC3E}">
-        <p14:creationId xmlns:p14="http://schemas.microsoft.com/office/powerpoint/2010/main" val="3925751582"/>
+        <p14:creationId xmlns:p14="http://schemas.microsoft.com/office/powerpoint/2010/main" val="1198179612"/>
       </p:ext>
     </p:extLst>
   </p:cSld>
@@ -5503,7 +6041,7 @@
           <a:p>
             <a:r>
               <a:rPr lang="zh-TW" altLang="en-US" dirty="0"/>
-              <a:t>練習時間</a:t>
+              <a:t>函式</a:t>
             </a:r>
           </a:p>
         </p:txBody>
@@ -5511,7 +6049,7 @@
     </p:spTree>
     <p:extLst>
       <p:ext uri="{BB962C8B-B14F-4D97-AF65-F5344CB8AC3E}">
-        <p14:creationId xmlns:p14="http://schemas.microsoft.com/office/powerpoint/2010/main" val="2912166847"/>
+        <p14:creationId xmlns:p14="http://schemas.microsoft.com/office/powerpoint/2010/main" val="2450567693"/>
       </p:ext>
     </p:extLst>
   </p:cSld>
@@ -5548,38 +6086,28 @@
             <p:ph type="title"/>
           </p:nvPr>
         </p:nvSpPr>
-        <p:spPr/>
-        <p:txBody>
-          <a:bodyPr/>
-          <a:lstStyle/>
-          <a:p>
+        <p:spPr>
+          <a:xfrm>
+            <a:off x="467544" y="2636912"/>
+            <a:ext cx="8229600" cy="1143000"/>
+          </a:xfrm>
+        </p:spPr>
+        <p:txBody>
+          <a:bodyPr/>
+          <a:lstStyle/>
+          <a:p>
+            <a:r>
+              <a:rPr lang="zh-TW" altLang="en-US" dirty="0" smtClean="0"/>
+              <a:t>陣列</a:t>
+            </a:r>
             <a:endParaRPr lang="zh-TW" altLang="en-US" dirty="0"/>
-          </a:p>
-        </p:txBody>
-      </p:sp>
-      <p:sp>
-        <p:nvSpPr>
-          <p:cNvPr id="3" name="內容版面配置區 2"/>
-          <p:cNvSpPr>
-            <a:spLocks noGrp="1"/>
-          </p:cNvSpPr>
-          <p:nvPr>
-            <p:ph idx="1"/>
-          </p:nvPr>
-        </p:nvSpPr>
-        <p:spPr/>
-        <p:txBody>
-          <a:bodyPr/>
-          <a:lstStyle/>
-          <a:p>
-            <a:endParaRPr lang="zh-TW" altLang="en-US"/>
           </a:p>
         </p:txBody>
       </p:sp>
     </p:spTree>
     <p:extLst>
       <p:ext uri="{BB962C8B-B14F-4D97-AF65-F5344CB8AC3E}">
-        <p14:creationId xmlns:p14="http://schemas.microsoft.com/office/powerpoint/2010/main" val="2163588720"/>
+        <p14:creationId xmlns:p14="http://schemas.microsoft.com/office/powerpoint/2010/main" val="1541273114"/>
       </p:ext>
     </p:extLst>
   </p:cSld>
@@ -5640,14 +6168,71 @@
           <a:bodyPr/>
           <a:lstStyle/>
           <a:p>
-            <a:endParaRPr lang="zh-TW" altLang="en-US"/>
+            <a:r>
+              <a:rPr lang="zh-TW" altLang="en-US" dirty="0" smtClean="0"/>
+              <a:t>櫃子</a:t>
+            </a:r>
+            <a:endParaRPr lang="en-US" altLang="zh-TW" dirty="0" smtClean="0"/>
+          </a:p>
+          <a:p>
+            <a:r>
+              <a:rPr lang="zh-TW" altLang="en-US" dirty="0"/>
+              <a:t>需</a:t>
+            </a:r>
+            <a:r>
+              <a:rPr lang="zh-TW" altLang="en-US" dirty="0" smtClean="0"/>
+              <a:t>用</a:t>
+            </a:r>
+            <a:r>
+              <a:rPr lang="zh-TW" altLang="en-US" dirty="0"/>
+              <a:t>「</a:t>
+            </a:r>
+            <a:r>
+              <a:rPr lang="en-US" altLang="zh-TW" dirty="0" smtClean="0"/>
+              <a:t>,</a:t>
+            </a:r>
+            <a:r>
+              <a:rPr lang="zh-TW" altLang="en-US" dirty="0" smtClean="0"/>
+              <a:t>」符號分隔</a:t>
+            </a:r>
+            <a:r>
+              <a:rPr lang="zh-TW" altLang="en-US" dirty="0" smtClean="0"/>
+              <a:t>內容</a:t>
+            </a:r>
+            <a:endParaRPr lang="en-US" altLang="zh-TW" dirty="0" smtClean="0"/>
+          </a:p>
+          <a:p>
+            <a:r>
+              <a:rPr lang="zh-TW" altLang="en-US" dirty="0" smtClean="0"/>
+              <a:t>雜湊陣列</a:t>
+            </a:r>
+            <a:r>
+              <a:rPr lang="en-US" altLang="zh-TW" dirty="0" smtClean="0"/>
+              <a:t>-</a:t>
+            </a:r>
+            <a:r>
+              <a:rPr lang="zh-TW" altLang="en-US" dirty="0" smtClean="0"/>
+              <a:t>每</a:t>
+            </a:r>
+            <a:r>
+              <a:rPr lang="zh-TW" altLang="en-US" dirty="0"/>
+              <a:t>層都可以</a:t>
+            </a:r>
+            <a:r>
+              <a:rPr lang="zh-TW" altLang="en-US" dirty="0" smtClean="0"/>
+              <a:t>存放不同的資料</a:t>
+            </a:r>
+            <a:endParaRPr lang="en-US" altLang="zh-TW" dirty="0" smtClean="0"/>
+          </a:p>
+          <a:p>
+            <a:endParaRPr lang="zh-TW" altLang="en-US" dirty="0"/>
           </a:p>
         </p:txBody>
       </p:sp>
     </p:spTree>
     <p:extLst>
       <p:ext uri="{BB962C8B-B14F-4D97-AF65-F5344CB8AC3E}">
-        <p14:creationId xmlns:p14="http://schemas.microsoft.com/office/powerpoint/2010/main" val="2163588720"/>
+        <p14:creationId xmlns:p14="http://schemas.microsoft.com/office/powerpoint/2010/main" val="3547532124"/>
       </p:ext>
     </p:extLst>
   </p:cSld>
@@ -5691,7 +6276,7 @@
           <a:p>
             <a:r>
               <a:rPr lang="zh-TW" altLang="en-US" dirty="0" smtClean="0"/>
-              <a:t>關於我</a:t>
+              <a:t>建立陣列</a:t>
             </a:r>
             <a:endParaRPr lang="zh-TW" altLang="en-US" dirty="0"/>
           </a:p>
@@ -5713,50 +6298,50 @@
           <a:lstStyle/>
           <a:p>
             <a:r>
-              <a:rPr lang="zh-TW" altLang="en-US" dirty="0" smtClean="0"/>
-              <a:t>前端</a:t>
+              <a:rPr lang="zh-TW" altLang="en-US" dirty="0"/>
+              <a:t>陣列實體</a:t>
+            </a:r>
+            <a:r>
+              <a:rPr lang="zh-TW" altLang="en-US" dirty="0" smtClean="0"/>
+              <a:t>語法</a:t>
             </a:r>
             <a:endParaRPr lang="en-US" altLang="zh-TW" dirty="0" smtClean="0"/>
           </a:p>
           <a:p>
             <a:r>
+              <a:rPr lang="en-US" altLang="zh-TW" dirty="0" smtClean="0"/>
+              <a:t>[</a:t>
+            </a:r>
+            <a:r>
+              <a:rPr lang="zh-TW" altLang="en-US" dirty="0" smtClean="0"/>
+              <a:t> </a:t>
+            </a:r>
+            <a:r>
+              <a:rPr lang="en-US" altLang="zh-TW" dirty="0" smtClean="0"/>
+              <a:t>]</a:t>
+            </a:r>
+          </a:p>
+          <a:p>
+            <a:r>
               <a:rPr lang="zh-TW" altLang="en-US" dirty="0"/>
-              <a:t>志</a:t>
-            </a:r>
-            <a:r>
-              <a:rPr lang="zh-TW" altLang="en-US" dirty="0" smtClean="0"/>
-              <a:t>工</a:t>
-            </a:r>
-            <a:endParaRPr lang="en-US" altLang="zh-TW" dirty="0" smtClean="0"/>
-          </a:p>
-          <a:p>
-            <a:r>
-              <a:rPr lang="en-US" altLang="zh-TW" dirty="0" smtClean="0"/>
-              <a:t>IT</a:t>
-            </a:r>
-            <a:r>
-              <a:rPr lang="zh-TW" altLang="en-US" dirty="0" smtClean="0"/>
-              <a:t>鐵人幫 </a:t>
-            </a:r>
-            <a:r>
-              <a:rPr lang="en-US" altLang="zh-TW" dirty="0" smtClean="0"/>
-              <a:t>JavaScript</a:t>
-            </a:r>
-            <a:r>
-              <a:rPr lang="zh-TW" altLang="en-US" dirty="0" smtClean="0"/>
-              <a:t>基礎二三事筆記</a:t>
-            </a:r>
-            <a:endParaRPr lang="en-US" altLang="zh-TW" dirty="0" smtClean="0"/>
-          </a:p>
-          <a:p>
-            <a:endParaRPr lang="en-US" altLang="zh-TW" dirty="0" smtClean="0"/>
+              <a:t>取用第</a:t>
+            </a:r>
+            <a:r>
+              <a:rPr lang="zh-TW" altLang="en-US" dirty="0" smtClean="0"/>
+              <a:t>一個</a:t>
+            </a:r>
+            <a:r>
+              <a:rPr lang="en-US" altLang="zh-TW" dirty="0" smtClean="0"/>
+              <a:t>[0]</a:t>
+            </a:r>
+            <a:endParaRPr lang="zh-TW" altLang="en-US" dirty="0"/>
           </a:p>
         </p:txBody>
       </p:sp>
     </p:spTree>
     <p:extLst>
       <p:ext uri="{BB962C8B-B14F-4D97-AF65-F5344CB8AC3E}">
-        <p14:creationId xmlns:p14="http://schemas.microsoft.com/office/powerpoint/2010/main" val="3925751582"/>
+        <p14:creationId xmlns:p14="http://schemas.microsoft.com/office/powerpoint/2010/main" val="3614213403"/>
       </p:ext>
     </p:extLst>
   </p:cSld>
@@ -5800,7 +6385,7 @@
           <a:p>
             <a:r>
               <a:rPr lang="zh-TW" altLang="en-US" dirty="0" smtClean="0"/>
-              <a:t>參考資源</a:t>
+              <a:t>陣列練習</a:t>
             </a:r>
             <a:endParaRPr lang="zh-TW" altLang="en-US" dirty="0"/>
           </a:p>
@@ -5821,14 +6406,124 @@
           <a:bodyPr/>
           <a:lstStyle/>
           <a:p>
-            <a:endParaRPr lang="zh-TW" altLang="en-US"/>
+            <a:pPr marL="0" indent="0">
+              <a:buNone/>
+            </a:pPr>
+            <a:r>
+              <a:rPr lang="en-US" altLang="zh-TW" dirty="0" smtClean="0"/>
+              <a:t>[  2018,</a:t>
+            </a:r>
+          </a:p>
+          <a:p>
+            <a:pPr marL="0" indent="0">
+              <a:buNone/>
+            </a:pPr>
+            <a:r>
+              <a:rPr lang="en-US" altLang="zh-TW" dirty="0" smtClean="0"/>
+              <a:t>   Monospace,</a:t>
+            </a:r>
+          </a:p>
+          <a:p>
+            <a:pPr marL="0" indent="0">
+              <a:buNone/>
+            </a:pPr>
+            <a:r>
+              <a:rPr lang="en-US" altLang="zh-TW" dirty="0" smtClean="0"/>
+              <a:t>   function(){</a:t>
+            </a:r>
+          </a:p>
+          <a:p>
+            <a:pPr marL="0" indent="0">
+              <a:buNone/>
+            </a:pPr>
+            <a:r>
+              <a:rPr lang="en-US" altLang="zh-TW" dirty="0" smtClean="0"/>
+              <a:t>      console.log(free)</a:t>
+            </a:r>
+          </a:p>
+          <a:p>
+            <a:pPr marL="0" indent="0">
+              <a:buNone/>
+            </a:pPr>
+            <a:r>
+              <a:rPr lang="en-US" altLang="zh-TW" dirty="0" smtClean="0"/>
+              <a:t>   },</a:t>
+            </a:r>
+          </a:p>
+          <a:p>
+            <a:pPr marL="0" indent="0">
+              <a:buNone/>
+            </a:pPr>
+            <a:r>
+              <a:rPr lang="en-US" altLang="zh-TW" dirty="0" smtClean="0"/>
+              <a:t>]</a:t>
+            </a:r>
+            <a:endParaRPr lang="zh-TW" altLang="en-US" dirty="0"/>
           </a:p>
         </p:txBody>
       </p:sp>
     </p:spTree>
     <p:extLst>
       <p:ext uri="{BB962C8B-B14F-4D97-AF65-F5344CB8AC3E}">
-        <p14:creationId xmlns:p14="http://schemas.microsoft.com/office/powerpoint/2010/main" val="3173908857"/>
+        <p14:creationId xmlns:p14="http://schemas.microsoft.com/office/powerpoint/2010/main" val="1216160496"/>
+      </p:ext>
+    </p:extLst>
+  </p:cSld>
+  <p:clrMapOvr>
+    <a:masterClrMapping/>
+  </p:clrMapOvr>
+</p:sld>
+</file>
+
+<file path=ppt/slides/slide39.xml><?xml version="1.0" encoding="utf-8"?>
+<p:sld xmlns:a="http://schemas.openxmlformats.org/drawingml/2006/main" xmlns:r="http://schemas.openxmlformats.org/officeDocument/2006/relationships" xmlns:p="http://schemas.openxmlformats.org/presentationml/2006/main">
+  <p:cSld>
+    <p:spTree>
+      <p:nvGrpSpPr>
+        <p:cNvPr id="1" name=""/>
+        <p:cNvGrpSpPr/>
+        <p:nvPr/>
+      </p:nvGrpSpPr>
+      <p:grpSpPr>
+        <a:xfrm>
+          <a:off x="0" y="0"/>
+          <a:ext cx="0" cy="0"/>
+          <a:chOff x="0" y="0"/>
+          <a:chExt cx="0" cy="0"/>
+        </a:xfrm>
+      </p:grpSpPr>
+      <p:sp>
+        <p:nvSpPr>
+          <p:cNvPr id="2" name="標題 1"/>
+          <p:cNvSpPr>
+            <a:spLocks noGrp="1"/>
+          </p:cNvSpPr>
+          <p:nvPr>
+            <p:ph type="title"/>
+          </p:nvPr>
+        </p:nvSpPr>
+        <p:spPr>
+          <a:xfrm>
+            <a:off x="467544" y="2636912"/>
+            <a:ext cx="8229600" cy="1143000"/>
+          </a:xfrm>
+        </p:spPr>
+        <p:txBody>
+          <a:bodyPr/>
+          <a:lstStyle/>
+          <a:p>
+            <a:r>
+              <a:rPr lang="zh-TW" altLang="en-US" dirty="0" smtClean="0"/>
+              <a:t>物件</a:t>
+            </a:r>
+            <a:endParaRPr lang="zh-TW" altLang="en-US" dirty="0"/>
+          </a:p>
+        </p:txBody>
+      </p:sp>
+    </p:spTree>
+    <p:extLst>
+      <p:ext uri="{BB962C8B-B14F-4D97-AF65-F5344CB8AC3E}">
+        <p14:creationId xmlns:p14="http://schemas.microsoft.com/office/powerpoint/2010/main" val="4013313345"/>
       </p:ext>
     </p:extLst>
   </p:cSld>
@@ -5897,7 +6592,113 @@
           <a:bodyPr/>
           <a:lstStyle/>
           <a:p>
-            <a:endParaRPr lang="zh-TW" altLang="en-US" dirty="0"/>
+            <a:r>
+              <a:rPr lang="en-US" altLang="zh-TW" sz="2800" dirty="0" smtClean="0">
+                <a:latin typeface="+mj-ea"/>
+                <a:ea typeface="+mj-ea"/>
+              </a:rPr>
+              <a:t>1995</a:t>
+            </a:r>
+            <a:r>
+              <a:rPr lang="zh-TW" altLang="en-US" sz="2800" dirty="0" smtClean="0">
+                <a:latin typeface="+mj-ea"/>
+                <a:ea typeface="+mj-ea"/>
+              </a:rPr>
+              <a:t>由</a:t>
+            </a:r>
+            <a:r>
+              <a:rPr lang="en-US" altLang="zh-TW" sz="2800" dirty="0" smtClean="0">
+                <a:latin typeface="+mj-ea"/>
+                <a:ea typeface="+mj-ea"/>
+              </a:rPr>
+              <a:t>Netscape </a:t>
+            </a:r>
+            <a:r>
+              <a:rPr lang="en-US" altLang="zh-TW" sz="2800" dirty="0">
+                <a:latin typeface="+mj-ea"/>
+                <a:ea typeface="+mj-ea"/>
+              </a:rPr>
+              <a:t>(</a:t>
+            </a:r>
+            <a:r>
+              <a:rPr lang="zh-TW" altLang="en-US" sz="2800" dirty="0">
+                <a:latin typeface="+mj-ea"/>
+                <a:ea typeface="+mj-ea"/>
+              </a:rPr>
+              <a:t>網景公司，</a:t>
+            </a:r>
+            <a:r>
+              <a:rPr lang="zh-TW" altLang="en-US" sz="2800" dirty="0" smtClean="0">
+                <a:latin typeface="+mj-ea"/>
+                <a:ea typeface="+mj-ea"/>
+              </a:rPr>
+              <a:t>當時瀏覽器廠商之一</a:t>
+            </a:r>
+            <a:r>
+              <a:rPr lang="en-US" altLang="zh-TW" sz="2800" dirty="0" smtClean="0">
+                <a:latin typeface="+mj-ea"/>
+                <a:ea typeface="+mj-ea"/>
+              </a:rPr>
+              <a:t>) </a:t>
+            </a:r>
+            <a:r>
+              <a:rPr lang="zh-TW" altLang="en-US" sz="2800" dirty="0" smtClean="0">
+                <a:latin typeface="+mj-ea"/>
+                <a:ea typeface="+mj-ea"/>
+              </a:rPr>
+              <a:t>開發</a:t>
+            </a:r>
+            <a:endParaRPr lang="en-US" altLang="zh-TW" sz="2800" dirty="0" smtClean="0">
+              <a:latin typeface="+mj-ea"/>
+              <a:ea typeface="+mj-ea"/>
+            </a:endParaRPr>
+          </a:p>
+          <a:p>
+            <a:r>
+              <a:rPr lang="zh-TW" altLang="en-US" sz="2800" dirty="0" smtClean="0">
+                <a:latin typeface="+mj-ea"/>
+                <a:ea typeface="+mj-ea"/>
+              </a:rPr>
+              <a:t>為了行銷，故意參考</a:t>
+            </a:r>
+            <a:r>
+              <a:rPr lang="en-US" altLang="zh-TW" sz="2800" dirty="0" smtClean="0">
+                <a:latin typeface="+mj-ea"/>
+                <a:ea typeface="+mj-ea"/>
+              </a:rPr>
+              <a:t>JAVA</a:t>
+            </a:r>
+            <a:r>
+              <a:rPr lang="zh-TW" altLang="en-US" sz="2800" dirty="0" smtClean="0">
+                <a:latin typeface="+mj-ea"/>
+                <a:ea typeface="+mj-ea"/>
+              </a:rPr>
+              <a:t>把名子取名</a:t>
+            </a:r>
+            <a:r>
+              <a:rPr lang="en-US" altLang="zh-TW" sz="2800" dirty="0" smtClean="0">
+                <a:latin typeface="+mj-ea"/>
+                <a:ea typeface="+mj-ea"/>
+              </a:rPr>
+              <a:t>JavaScript</a:t>
+            </a:r>
+            <a:r>
+              <a:rPr lang="zh-TW" altLang="en-US" sz="2800" dirty="0" smtClean="0">
+                <a:latin typeface="+mj-ea"/>
+                <a:ea typeface="+mj-ea"/>
+              </a:rPr>
+              <a:t>。</a:t>
+            </a:r>
+            <a:endParaRPr lang="en-US" altLang="zh-TW" sz="3600" dirty="0">
+              <a:latin typeface="+mj-ea"/>
+              <a:ea typeface="+mj-ea"/>
+            </a:endParaRPr>
+          </a:p>
+          <a:p>
+            <a:endParaRPr lang="zh-TW" altLang="en-US" sz="2400" dirty="0"/>
+          </a:p>
+          <a:p>
+            <a:endParaRPr lang="en-US" altLang="zh-TW" sz="2400" dirty="0" smtClean="0"/>
           </a:p>
         </p:txBody>
       </p:sp>
@@ -5905,6 +6706,1002 @@
     <p:extLst>
       <p:ext uri="{BB962C8B-B14F-4D97-AF65-F5344CB8AC3E}">
         <p14:creationId xmlns:p14="http://schemas.microsoft.com/office/powerpoint/2010/main" val="285313164"/>
+      </p:ext>
+    </p:extLst>
+  </p:cSld>
+  <p:clrMapOvr>
+    <a:masterClrMapping/>
+  </p:clrMapOvr>
+</p:sld>
+</file>
+
+<file path=ppt/slides/slide40.xml><?xml version="1.0" encoding="utf-8"?>
+<p:sld xmlns:a="http://schemas.openxmlformats.org/drawingml/2006/main" xmlns:r="http://schemas.openxmlformats.org/officeDocument/2006/relationships" xmlns:p="http://schemas.openxmlformats.org/presentationml/2006/main">
+  <p:cSld>
+    <p:spTree>
+      <p:nvGrpSpPr>
+        <p:cNvPr id="1" name=""/>
+        <p:cNvGrpSpPr/>
+        <p:nvPr/>
+      </p:nvGrpSpPr>
+      <p:grpSpPr>
+        <a:xfrm>
+          <a:off x="0" y="0"/>
+          <a:ext cx="0" cy="0"/>
+          <a:chOff x="0" y="0"/>
+          <a:chExt cx="0" cy="0"/>
+        </a:xfrm>
+      </p:grpSpPr>
+      <p:sp>
+        <p:nvSpPr>
+          <p:cNvPr id="2" name="標題 1"/>
+          <p:cNvSpPr>
+            <a:spLocks noGrp="1"/>
+          </p:cNvSpPr>
+          <p:nvPr>
+            <p:ph type="title"/>
+          </p:nvPr>
+        </p:nvSpPr>
+        <p:spPr/>
+        <p:txBody>
+          <a:bodyPr/>
+          <a:lstStyle/>
+          <a:p>
+            <a:endParaRPr lang="zh-TW" altLang="en-US" dirty="0"/>
+          </a:p>
+        </p:txBody>
+      </p:sp>
+      <p:sp>
+        <p:nvSpPr>
+          <p:cNvPr id="3" name="內容版面配置區 2"/>
+          <p:cNvSpPr>
+            <a:spLocks noGrp="1"/>
+          </p:cNvSpPr>
+          <p:nvPr>
+            <p:ph idx="1"/>
+          </p:nvPr>
+        </p:nvSpPr>
+        <p:spPr/>
+        <p:txBody>
+          <a:bodyPr/>
+          <a:lstStyle/>
+          <a:p>
+            <a:pPr marL="0" indent="0">
+              <a:buNone/>
+            </a:pPr>
+            <a:r>
+              <a:rPr lang="zh-TW" altLang="en-US" dirty="0"/>
+              <a:t>名</a:t>
+            </a:r>
+            <a:r>
+              <a:rPr lang="zh-TW" altLang="en-US" dirty="0" smtClean="0"/>
+              <a:t>子</a:t>
+            </a:r>
+            <a:r>
+              <a:rPr lang="en-US" altLang="zh-TW" dirty="0" smtClean="0"/>
+              <a:t>(</a:t>
+            </a:r>
+            <a:r>
+              <a:rPr lang="zh-TW" altLang="en-US" dirty="0" smtClean="0"/>
+              <a:t>屬性</a:t>
+            </a:r>
+            <a:r>
+              <a:rPr lang="en-US" altLang="zh-TW" dirty="0" smtClean="0"/>
+              <a:t>)</a:t>
+            </a:r>
+            <a:r>
+              <a:rPr lang="zh-TW" altLang="en-US" dirty="0" smtClean="0"/>
+              <a:t>與值的組合</a:t>
+            </a:r>
+            <a:endParaRPr lang="zh-TW" altLang="en-US" dirty="0"/>
+          </a:p>
+        </p:txBody>
+      </p:sp>
+    </p:spTree>
+    <p:extLst>
+      <p:ext uri="{BB962C8B-B14F-4D97-AF65-F5344CB8AC3E}">
+        <p14:creationId xmlns:p14="http://schemas.microsoft.com/office/powerpoint/2010/main" val="3289938323"/>
+      </p:ext>
+    </p:extLst>
+  </p:cSld>
+  <p:clrMapOvr>
+    <a:masterClrMapping/>
+  </p:clrMapOvr>
+</p:sld>
+</file>
+
+<file path=ppt/slides/slide41.xml><?xml version="1.0" encoding="utf-8"?>
+<p:sld xmlns:a="http://schemas.openxmlformats.org/drawingml/2006/main" xmlns:r="http://schemas.openxmlformats.org/officeDocument/2006/relationships" xmlns:p="http://schemas.openxmlformats.org/presentationml/2006/main">
+  <p:cSld>
+    <p:spTree>
+      <p:nvGrpSpPr>
+        <p:cNvPr id="1" name=""/>
+        <p:cNvGrpSpPr/>
+        <p:nvPr/>
+      </p:nvGrpSpPr>
+      <p:grpSpPr>
+        <a:xfrm>
+          <a:off x="0" y="0"/>
+          <a:ext cx="0" cy="0"/>
+          <a:chOff x="0" y="0"/>
+          <a:chExt cx="0" cy="0"/>
+        </a:xfrm>
+      </p:grpSpPr>
+      <p:sp>
+        <p:nvSpPr>
+          <p:cNvPr id="2" name="標題 1"/>
+          <p:cNvSpPr>
+            <a:spLocks noGrp="1"/>
+          </p:cNvSpPr>
+          <p:nvPr>
+            <p:ph type="title"/>
+          </p:nvPr>
+        </p:nvSpPr>
+        <p:spPr>
+          <a:xfrm>
+            <a:off x="467544" y="2636912"/>
+            <a:ext cx="8229600" cy="1143000"/>
+          </a:xfrm>
+        </p:spPr>
+        <p:txBody>
+          <a:bodyPr/>
+          <a:lstStyle/>
+          <a:p>
+            <a:r>
+              <a:rPr lang="zh-TW" altLang="en-US" dirty="0" smtClean="0"/>
+              <a:t>流程判斷</a:t>
+            </a:r>
+            <a:endParaRPr lang="zh-TW" altLang="en-US" dirty="0"/>
+          </a:p>
+        </p:txBody>
+      </p:sp>
+    </p:spTree>
+    <p:extLst>
+      <p:ext uri="{BB962C8B-B14F-4D97-AF65-F5344CB8AC3E}">
+        <p14:creationId xmlns:p14="http://schemas.microsoft.com/office/powerpoint/2010/main" val="1328426025"/>
+      </p:ext>
+    </p:extLst>
+  </p:cSld>
+  <p:clrMapOvr>
+    <a:masterClrMapping/>
+  </p:clrMapOvr>
+</p:sld>
+</file>
+
+<file path=ppt/slides/slide42.xml><?xml version="1.0" encoding="utf-8"?>
+<p:sld xmlns:a="http://schemas.openxmlformats.org/drawingml/2006/main" xmlns:r="http://schemas.openxmlformats.org/officeDocument/2006/relationships" xmlns:p="http://schemas.openxmlformats.org/presentationml/2006/main">
+  <p:cSld>
+    <p:spTree>
+      <p:nvGrpSpPr>
+        <p:cNvPr id="1" name=""/>
+        <p:cNvGrpSpPr/>
+        <p:nvPr/>
+      </p:nvGrpSpPr>
+      <p:grpSpPr>
+        <a:xfrm>
+          <a:off x="0" y="0"/>
+          <a:ext cx="0" cy="0"/>
+          <a:chOff x="0" y="0"/>
+          <a:chExt cx="0" cy="0"/>
+        </a:xfrm>
+      </p:grpSpPr>
+      <p:sp>
+        <p:nvSpPr>
+          <p:cNvPr id="2" name="標題 1"/>
+          <p:cNvSpPr>
+            <a:spLocks noGrp="1"/>
+          </p:cNvSpPr>
+          <p:nvPr>
+            <p:ph type="title"/>
+          </p:nvPr>
+        </p:nvSpPr>
+        <p:spPr/>
+        <p:txBody>
+          <a:bodyPr/>
+          <a:lstStyle/>
+          <a:p>
+            <a:r>
+              <a:rPr lang="zh-TW" altLang="en-US" dirty="0" smtClean="0"/>
+              <a:t>如果成立就</a:t>
+            </a:r>
+            <a:r>
+              <a:rPr lang="en-US" altLang="zh-TW" dirty="0" smtClean="0"/>
+              <a:t>…</a:t>
+            </a:r>
+            <a:endParaRPr lang="zh-TW" altLang="en-US" dirty="0"/>
+          </a:p>
+        </p:txBody>
+      </p:sp>
+      <p:sp>
+        <p:nvSpPr>
+          <p:cNvPr id="3" name="內容版面配置區 2"/>
+          <p:cNvSpPr>
+            <a:spLocks noGrp="1"/>
+          </p:cNvSpPr>
+          <p:nvPr>
+            <p:ph idx="1"/>
+          </p:nvPr>
+        </p:nvSpPr>
+        <p:spPr/>
+        <p:txBody>
+          <a:bodyPr/>
+          <a:lstStyle/>
+          <a:p>
+            <a:pPr marL="0" indent="0">
+              <a:buNone/>
+            </a:pPr>
+            <a:r>
+              <a:rPr lang="en-US" altLang="zh-TW" dirty="0" smtClean="0"/>
+              <a:t>If(true){</a:t>
+            </a:r>
+          </a:p>
+          <a:p>
+            <a:pPr marL="0" indent="0">
+              <a:buNone/>
+            </a:pPr>
+            <a:r>
+              <a:rPr lang="en-US" altLang="zh-TW" dirty="0" smtClean="0"/>
+              <a:t>	//</a:t>
+            </a:r>
+            <a:r>
+              <a:rPr lang="zh-TW" altLang="en-US" dirty="0" smtClean="0"/>
+              <a:t>執行內容</a:t>
+            </a:r>
+            <a:endParaRPr lang="en-US" altLang="zh-TW" dirty="0"/>
+          </a:p>
+          <a:p>
+            <a:pPr marL="0" indent="0">
+              <a:buNone/>
+            </a:pPr>
+            <a:r>
+              <a:rPr lang="en-US" altLang="zh-TW" dirty="0" smtClean="0"/>
+              <a:t>}</a:t>
+            </a:r>
+            <a:endParaRPr lang="zh-TW" altLang="en-US" dirty="0"/>
+          </a:p>
+        </p:txBody>
+      </p:sp>
+    </p:spTree>
+    <p:extLst>
+      <p:ext uri="{BB962C8B-B14F-4D97-AF65-F5344CB8AC3E}">
+        <p14:creationId xmlns:p14="http://schemas.microsoft.com/office/powerpoint/2010/main" val="716601050"/>
+      </p:ext>
+    </p:extLst>
+  </p:cSld>
+  <p:clrMapOvr>
+    <a:masterClrMapping/>
+  </p:clrMapOvr>
+</p:sld>
+</file>
+
+<file path=ppt/slides/slide43.xml><?xml version="1.0" encoding="utf-8"?>
+<p:sld xmlns:a="http://schemas.openxmlformats.org/drawingml/2006/main" xmlns:r="http://schemas.openxmlformats.org/officeDocument/2006/relationships" xmlns:p="http://schemas.openxmlformats.org/presentationml/2006/main">
+  <p:cSld>
+    <p:spTree>
+      <p:nvGrpSpPr>
+        <p:cNvPr id="1" name=""/>
+        <p:cNvGrpSpPr/>
+        <p:nvPr/>
+      </p:nvGrpSpPr>
+      <p:grpSpPr>
+        <a:xfrm>
+          <a:off x="0" y="0"/>
+          <a:ext cx="0" cy="0"/>
+          <a:chOff x="0" y="0"/>
+          <a:chExt cx="0" cy="0"/>
+        </a:xfrm>
+      </p:grpSpPr>
+      <p:sp>
+        <p:nvSpPr>
+          <p:cNvPr id="2" name="標題 1"/>
+          <p:cNvSpPr>
+            <a:spLocks noGrp="1"/>
+          </p:cNvSpPr>
+          <p:nvPr>
+            <p:ph type="title"/>
+          </p:nvPr>
+        </p:nvSpPr>
+        <p:spPr/>
+        <p:txBody>
+          <a:bodyPr/>
+          <a:lstStyle/>
+          <a:p>
+            <a:r>
+              <a:rPr lang="zh-TW" altLang="en-US" dirty="0" smtClean="0"/>
+              <a:t>如果成立就</a:t>
+            </a:r>
+            <a:r>
+              <a:rPr lang="en-US" altLang="zh-TW" dirty="0" smtClean="0"/>
+              <a:t>…</a:t>
+            </a:r>
+            <a:r>
+              <a:rPr lang="zh-TW" altLang="en-US" dirty="0" smtClean="0"/>
+              <a:t>否則就</a:t>
+            </a:r>
+            <a:r>
+              <a:rPr lang="en-US" altLang="zh-TW" dirty="0" smtClean="0"/>
+              <a:t>..</a:t>
+            </a:r>
+            <a:endParaRPr lang="zh-TW" altLang="en-US" dirty="0"/>
+          </a:p>
+        </p:txBody>
+      </p:sp>
+      <p:sp>
+        <p:nvSpPr>
+          <p:cNvPr id="3" name="內容版面配置區 2"/>
+          <p:cNvSpPr>
+            <a:spLocks noGrp="1"/>
+          </p:cNvSpPr>
+          <p:nvPr>
+            <p:ph idx="1"/>
+          </p:nvPr>
+        </p:nvSpPr>
+        <p:spPr/>
+        <p:txBody>
+          <a:bodyPr/>
+          <a:lstStyle/>
+          <a:p>
+            <a:pPr marL="0" indent="0">
+              <a:buNone/>
+            </a:pPr>
+            <a:r>
+              <a:rPr lang="en-US" altLang="zh-TW" dirty="0" smtClean="0"/>
+              <a:t>If(true){</a:t>
+            </a:r>
+          </a:p>
+          <a:p>
+            <a:pPr marL="0" indent="0">
+              <a:buNone/>
+            </a:pPr>
+            <a:r>
+              <a:rPr lang="en-US" altLang="zh-TW" dirty="0" smtClean="0"/>
+              <a:t>	//</a:t>
+            </a:r>
+            <a:r>
+              <a:rPr lang="zh-TW" altLang="en-US" dirty="0" smtClean="0"/>
+              <a:t>執行內容</a:t>
+            </a:r>
+            <a:endParaRPr lang="en-US" altLang="zh-TW" dirty="0"/>
+          </a:p>
+          <a:p>
+            <a:pPr marL="0" indent="0">
+              <a:buNone/>
+            </a:pPr>
+            <a:r>
+              <a:rPr lang="en-US" altLang="zh-TW" dirty="0" smtClean="0"/>
+              <a:t>}</a:t>
+            </a:r>
+            <a:r>
+              <a:rPr lang="zh-TW" altLang="en-US" dirty="0" smtClean="0"/>
+              <a:t> </a:t>
+            </a:r>
+            <a:r>
+              <a:rPr lang="en-US" altLang="zh-TW" dirty="0" smtClean="0"/>
+              <a:t>else {</a:t>
+            </a:r>
+          </a:p>
+          <a:p>
+            <a:pPr marL="0" indent="0">
+              <a:buNone/>
+            </a:pPr>
+            <a:r>
+              <a:rPr lang="en-US" altLang="zh-TW" dirty="0"/>
+              <a:t>	//</a:t>
+            </a:r>
+            <a:r>
+              <a:rPr lang="zh-TW" altLang="en-US" dirty="0"/>
+              <a:t>執行</a:t>
+            </a:r>
+            <a:r>
+              <a:rPr lang="zh-TW" altLang="en-US" dirty="0" smtClean="0"/>
+              <a:t>內容</a:t>
+            </a:r>
+            <a:endParaRPr lang="en-US" altLang="zh-TW" dirty="0"/>
+          </a:p>
+          <a:p>
+            <a:pPr marL="0" indent="0">
+              <a:buNone/>
+            </a:pPr>
+            <a:r>
+              <a:rPr lang="en-US" altLang="zh-TW" dirty="0" smtClean="0"/>
+              <a:t>}</a:t>
+            </a:r>
+            <a:endParaRPr lang="zh-TW" altLang="en-US" dirty="0"/>
+          </a:p>
+        </p:txBody>
+      </p:sp>
+    </p:spTree>
+    <p:extLst>
+      <p:ext uri="{BB962C8B-B14F-4D97-AF65-F5344CB8AC3E}">
+        <p14:creationId xmlns:p14="http://schemas.microsoft.com/office/powerpoint/2010/main" val="974061809"/>
+      </p:ext>
+    </p:extLst>
+  </p:cSld>
+  <p:clrMapOvr>
+    <a:masterClrMapping/>
+  </p:clrMapOvr>
+</p:sld>
+</file>
+
+<file path=ppt/slides/slide44.xml><?xml version="1.0" encoding="utf-8"?>
+<p:sld xmlns:a="http://schemas.openxmlformats.org/drawingml/2006/main" xmlns:r="http://schemas.openxmlformats.org/officeDocument/2006/relationships" xmlns:p="http://schemas.openxmlformats.org/presentationml/2006/main">
+  <p:cSld>
+    <p:spTree>
+      <p:nvGrpSpPr>
+        <p:cNvPr id="1" name=""/>
+        <p:cNvGrpSpPr/>
+        <p:nvPr/>
+      </p:nvGrpSpPr>
+      <p:grpSpPr>
+        <a:xfrm>
+          <a:off x="0" y="0"/>
+          <a:ext cx="0" cy="0"/>
+          <a:chOff x="0" y="0"/>
+          <a:chExt cx="0" cy="0"/>
+        </a:xfrm>
+      </p:grpSpPr>
+      <p:sp>
+        <p:nvSpPr>
+          <p:cNvPr id="2" name="標題 1"/>
+          <p:cNvSpPr>
+            <a:spLocks noGrp="1"/>
+          </p:cNvSpPr>
+          <p:nvPr>
+            <p:ph type="title"/>
+          </p:nvPr>
+        </p:nvSpPr>
+        <p:spPr/>
+        <p:txBody>
+          <a:bodyPr/>
+          <a:lstStyle/>
+          <a:p>
+            <a:r>
+              <a:rPr lang="zh-TW" altLang="en-US" dirty="0" smtClean="0"/>
+              <a:t>如果成立就</a:t>
+            </a:r>
+            <a:r>
+              <a:rPr lang="en-US" altLang="zh-TW" dirty="0" smtClean="0"/>
+              <a:t>…</a:t>
+            </a:r>
+            <a:r>
+              <a:rPr lang="zh-TW" altLang="en-US" dirty="0" smtClean="0"/>
+              <a:t>否則如果</a:t>
+            </a:r>
+            <a:r>
+              <a:rPr lang="en-US" altLang="zh-TW" dirty="0" smtClean="0"/>
+              <a:t>..</a:t>
+            </a:r>
+            <a:r>
+              <a:rPr lang="zh-TW" altLang="en-US" dirty="0"/>
+              <a:t>否則就</a:t>
+            </a:r>
+            <a:r>
+              <a:rPr lang="en-US" altLang="zh-TW" dirty="0"/>
+              <a:t>..</a:t>
+            </a:r>
+            <a:endParaRPr lang="zh-TW" altLang="en-US" dirty="0"/>
+          </a:p>
+        </p:txBody>
+      </p:sp>
+      <p:sp>
+        <p:nvSpPr>
+          <p:cNvPr id="3" name="內容版面配置區 2"/>
+          <p:cNvSpPr>
+            <a:spLocks noGrp="1"/>
+          </p:cNvSpPr>
+          <p:nvPr>
+            <p:ph idx="1"/>
+          </p:nvPr>
+        </p:nvSpPr>
+        <p:spPr/>
+        <p:txBody>
+          <a:bodyPr>
+            <a:normAutofit/>
+          </a:bodyPr>
+          <a:lstStyle/>
+          <a:p>
+            <a:pPr marL="0" indent="0">
+              <a:buNone/>
+            </a:pPr>
+            <a:r>
+              <a:rPr lang="en-US" altLang="zh-TW" dirty="0" smtClean="0"/>
+              <a:t>If(true){</a:t>
+            </a:r>
+          </a:p>
+          <a:p>
+            <a:pPr marL="0" indent="0">
+              <a:buNone/>
+            </a:pPr>
+            <a:r>
+              <a:rPr lang="en-US" altLang="zh-TW" dirty="0" smtClean="0"/>
+              <a:t>	//</a:t>
+            </a:r>
+            <a:r>
+              <a:rPr lang="zh-TW" altLang="en-US" dirty="0" smtClean="0"/>
+              <a:t>執行內容</a:t>
+            </a:r>
+            <a:endParaRPr lang="en-US" altLang="zh-TW" dirty="0"/>
+          </a:p>
+          <a:p>
+            <a:pPr marL="0" indent="0">
+              <a:buNone/>
+            </a:pPr>
+            <a:r>
+              <a:rPr lang="en-US" altLang="zh-TW" dirty="0" smtClean="0"/>
+              <a:t>}</a:t>
+            </a:r>
+            <a:r>
+              <a:rPr lang="zh-TW" altLang="en-US" dirty="0" smtClean="0"/>
+              <a:t> </a:t>
+            </a:r>
+            <a:r>
+              <a:rPr lang="en-US" altLang="zh-TW" dirty="0" smtClean="0"/>
+              <a:t>else if{</a:t>
+            </a:r>
+          </a:p>
+          <a:p>
+            <a:pPr marL="0" indent="0">
+              <a:buNone/>
+            </a:pPr>
+            <a:r>
+              <a:rPr lang="en-US" altLang="zh-TW" dirty="0"/>
+              <a:t>	//</a:t>
+            </a:r>
+            <a:r>
+              <a:rPr lang="zh-TW" altLang="en-US" dirty="0"/>
+              <a:t>執行</a:t>
+            </a:r>
+            <a:r>
+              <a:rPr lang="zh-TW" altLang="en-US" dirty="0" smtClean="0"/>
+              <a:t>內容</a:t>
+            </a:r>
+            <a:endParaRPr lang="en-US" altLang="zh-TW" dirty="0"/>
+          </a:p>
+          <a:p>
+            <a:pPr marL="0" indent="0">
+              <a:buNone/>
+            </a:pPr>
+            <a:r>
+              <a:rPr lang="en-US" altLang="zh-TW" dirty="0" smtClean="0"/>
+              <a:t>} else {</a:t>
+            </a:r>
+          </a:p>
+          <a:p>
+            <a:pPr marL="0" indent="0">
+              <a:buNone/>
+            </a:pPr>
+            <a:r>
+              <a:rPr lang="en-US" altLang="zh-TW" dirty="0"/>
+              <a:t>	//</a:t>
+            </a:r>
+            <a:r>
+              <a:rPr lang="zh-TW" altLang="en-US" dirty="0"/>
+              <a:t>執行</a:t>
+            </a:r>
+            <a:r>
+              <a:rPr lang="zh-TW" altLang="en-US" dirty="0" smtClean="0"/>
+              <a:t>內容</a:t>
+            </a:r>
+            <a:endParaRPr lang="en-US" altLang="zh-TW" dirty="0"/>
+          </a:p>
+          <a:p>
+            <a:pPr marL="0" indent="0">
+              <a:buNone/>
+            </a:pPr>
+            <a:r>
+              <a:rPr lang="en-US" altLang="zh-TW" dirty="0" smtClean="0"/>
+              <a:t>}</a:t>
+            </a:r>
+            <a:endParaRPr lang="zh-TW" altLang="en-US" dirty="0"/>
+          </a:p>
+        </p:txBody>
+      </p:sp>
+    </p:spTree>
+    <p:extLst>
+      <p:ext uri="{BB962C8B-B14F-4D97-AF65-F5344CB8AC3E}">
+        <p14:creationId xmlns:p14="http://schemas.microsoft.com/office/powerpoint/2010/main" val="2122289217"/>
+      </p:ext>
+    </p:extLst>
+  </p:cSld>
+  <p:clrMapOvr>
+    <a:masterClrMapping/>
+  </p:clrMapOvr>
+</p:sld>
+</file>
+
+<file path=ppt/slides/slide45.xml><?xml version="1.0" encoding="utf-8"?>
+<p:sld xmlns:a="http://schemas.openxmlformats.org/drawingml/2006/main" xmlns:r="http://schemas.openxmlformats.org/officeDocument/2006/relationships" xmlns:p="http://schemas.openxmlformats.org/presentationml/2006/main">
+  <p:cSld>
+    <p:spTree>
+      <p:nvGrpSpPr>
+        <p:cNvPr id="1" name=""/>
+        <p:cNvGrpSpPr/>
+        <p:nvPr/>
+      </p:nvGrpSpPr>
+      <p:grpSpPr>
+        <a:xfrm>
+          <a:off x="0" y="0"/>
+          <a:ext cx="0" cy="0"/>
+          <a:chOff x="0" y="0"/>
+          <a:chExt cx="0" cy="0"/>
+        </a:xfrm>
+      </p:grpSpPr>
+      <p:sp>
+        <p:nvSpPr>
+          <p:cNvPr id="2" name="標題 1"/>
+          <p:cNvSpPr>
+            <a:spLocks noGrp="1"/>
+          </p:cNvSpPr>
+          <p:nvPr>
+            <p:ph type="title"/>
+          </p:nvPr>
+        </p:nvSpPr>
+        <p:spPr>
+          <a:xfrm>
+            <a:off x="467544" y="2636912"/>
+            <a:ext cx="8229600" cy="1143000"/>
+          </a:xfrm>
+        </p:spPr>
+        <p:txBody>
+          <a:bodyPr/>
+          <a:lstStyle/>
+          <a:p>
+            <a:r>
+              <a:rPr lang="en-US" altLang="zh-TW" dirty="0" smtClean="0"/>
+              <a:t>DOM</a:t>
+            </a:r>
+            <a:endParaRPr lang="zh-TW" altLang="en-US" dirty="0"/>
+          </a:p>
+        </p:txBody>
+      </p:sp>
+    </p:spTree>
+    <p:extLst>
+      <p:ext uri="{BB962C8B-B14F-4D97-AF65-F5344CB8AC3E}">
+        <p14:creationId xmlns:p14="http://schemas.microsoft.com/office/powerpoint/2010/main" val="1256130898"/>
+      </p:ext>
+    </p:extLst>
+  </p:cSld>
+  <p:clrMapOvr>
+    <a:masterClrMapping/>
+  </p:clrMapOvr>
+</p:sld>
+</file>
+
+<file path=ppt/slides/slide46.xml><?xml version="1.0" encoding="utf-8"?>
+<p:sld xmlns:a="http://schemas.openxmlformats.org/drawingml/2006/main" xmlns:r="http://schemas.openxmlformats.org/officeDocument/2006/relationships" xmlns:p="http://schemas.openxmlformats.org/presentationml/2006/main">
+  <p:cSld>
+    <p:spTree>
+      <p:nvGrpSpPr>
+        <p:cNvPr id="1" name=""/>
+        <p:cNvGrpSpPr/>
+        <p:nvPr/>
+      </p:nvGrpSpPr>
+      <p:grpSpPr>
+        <a:xfrm>
+          <a:off x="0" y="0"/>
+          <a:ext cx="0" cy="0"/>
+          <a:chOff x="0" y="0"/>
+          <a:chExt cx="0" cy="0"/>
+        </a:xfrm>
+      </p:grpSpPr>
+      <p:sp>
+        <p:nvSpPr>
+          <p:cNvPr id="2" name="標題 1"/>
+          <p:cNvSpPr>
+            <a:spLocks noGrp="1"/>
+          </p:cNvSpPr>
+          <p:nvPr>
+            <p:ph type="title"/>
+          </p:nvPr>
+        </p:nvSpPr>
+        <p:spPr/>
+        <p:txBody>
+          <a:bodyPr>
+            <a:normAutofit/>
+          </a:bodyPr>
+          <a:lstStyle/>
+          <a:p>
+            <a:r>
+              <a:rPr lang="zh-TW" altLang="en-US" dirty="0" smtClean="0"/>
+              <a:t>何謂</a:t>
+            </a:r>
+            <a:r>
+              <a:rPr lang="en-US" altLang="zh-TW" dirty="0" smtClean="0"/>
+              <a:t>DOM</a:t>
+            </a:r>
+            <a:r>
+              <a:rPr lang="zh-TW" altLang="en-US" dirty="0" smtClean="0"/>
+              <a:t>物件</a:t>
+            </a:r>
+            <a:r>
+              <a:rPr lang="en-US" altLang="zh-TW" dirty="0" smtClean="0"/>
+              <a:t>?</a:t>
+            </a:r>
+            <a:endParaRPr lang="zh-TW" altLang="en-US" dirty="0"/>
+          </a:p>
+        </p:txBody>
+      </p:sp>
+      <p:sp>
+        <p:nvSpPr>
+          <p:cNvPr id="3" name="內容版面配置區 2"/>
+          <p:cNvSpPr>
+            <a:spLocks noGrp="1"/>
+          </p:cNvSpPr>
+          <p:nvPr>
+            <p:ph idx="1"/>
+          </p:nvPr>
+        </p:nvSpPr>
+        <p:spPr/>
+        <p:txBody>
+          <a:bodyPr/>
+          <a:lstStyle/>
+          <a:p>
+            <a:endParaRPr lang="zh-TW" altLang="en-US"/>
+          </a:p>
+        </p:txBody>
+      </p:sp>
+    </p:spTree>
+    <p:extLst>
+      <p:ext uri="{BB962C8B-B14F-4D97-AF65-F5344CB8AC3E}">
+        <p14:creationId xmlns:p14="http://schemas.microsoft.com/office/powerpoint/2010/main" val="3925751582"/>
+      </p:ext>
+    </p:extLst>
+  </p:cSld>
+  <p:clrMapOvr>
+    <a:masterClrMapping/>
+  </p:clrMapOvr>
+</p:sld>
+</file>
+
+<file path=ppt/slides/slide47.xml><?xml version="1.0" encoding="utf-8"?>
+<p:sld xmlns:a="http://schemas.openxmlformats.org/drawingml/2006/main" xmlns:r="http://schemas.openxmlformats.org/officeDocument/2006/relationships" xmlns:p="http://schemas.openxmlformats.org/presentationml/2006/main">
+  <p:cSld>
+    <p:spTree>
+      <p:nvGrpSpPr>
+        <p:cNvPr id="1" name=""/>
+        <p:cNvGrpSpPr/>
+        <p:nvPr/>
+      </p:nvGrpSpPr>
+      <p:grpSpPr>
+        <a:xfrm>
+          <a:off x="0" y="0"/>
+          <a:ext cx="0" cy="0"/>
+          <a:chOff x="0" y="0"/>
+          <a:chExt cx="0" cy="0"/>
+        </a:xfrm>
+      </p:grpSpPr>
+      <p:sp>
+        <p:nvSpPr>
+          <p:cNvPr id="2" name="標題 1"/>
+          <p:cNvSpPr>
+            <a:spLocks noGrp="1"/>
+          </p:cNvSpPr>
+          <p:nvPr>
+            <p:ph type="title"/>
+          </p:nvPr>
+        </p:nvSpPr>
+        <p:spPr/>
+        <p:txBody>
+          <a:bodyPr>
+            <a:normAutofit/>
+          </a:bodyPr>
+          <a:lstStyle/>
+          <a:p>
+            <a:r>
+              <a:rPr lang="zh-TW" altLang="en-US" dirty="0" smtClean="0"/>
+              <a:t>理解</a:t>
+            </a:r>
+            <a:r>
+              <a:rPr lang="en-US" altLang="zh-TW" dirty="0" smtClean="0"/>
+              <a:t>DOM</a:t>
+            </a:r>
+            <a:r>
+              <a:rPr lang="zh-TW" altLang="en-US" dirty="0" smtClean="0"/>
+              <a:t>樹狀圖</a:t>
+            </a:r>
+            <a:r>
+              <a:rPr lang="en-US" altLang="zh-TW" dirty="0" smtClean="0"/>
+              <a:t>(1)</a:t>
+            </a:r>
+            <a:endParaRPr lang="zh-TW" altLang="en-US" dirty="0"/>
+          </a:p>
+        </p:txBody>
+      </p:sp>
+      <p:sp>
+        <p:nvSpPr>
+          <p:cNvPr id="3" name="內容版面配置區 2"/>
+          <p:cNvSpPr>
+            <a:spLocks noGrp="1"/>
+          </p:cNvSpPr>
+          <p:nvPr>
+            <p:ph idx="1"/>
+          </p:nvPr>
+        </p:nvSpPr>
+        <p:spPr/>
+        <p:txBody>
+          <a:bodyPr/>
+          <a:lstStyle/>
+          <a:p>
+            <a:endParaRPr lang="zh-TW" altLang="en-US" dirty="0"/>
+          </a:p>
+        </p:txBody>
+      </p:sp>
+    </p:spTree>
+    <p:extLst>
+      <p:ext uri="{BB962C8B-B14F-4D97-AF65-F5344CB8AC3E}">
+        <p14:creationId xmlns:p14="http://schemas.microsoft.com/office/powerpoint/2010/main" val="2050629101"/>
+      </p:ext>
+    </p:extLst>
+  </p:cSld>
+  <p:clrMapOvr>
+    <a:masterClrMapping/>
+  </p:clrMapOvr>
+</p:sld>
+</file>
+
+<file path=ppt/slides/slide48.xml><?xml version="1.0" encoding="utf-8"?>
+<p:sld xmlns:a="http://schemas.openxmlformats.org/drawingml/2006/main" xmlns:r="http://schemas.openxmlformats.org/officeDocument/2006/relationships" xmlns:p="http://schemas.openxmlformats.org/presentationml/2006/main">
+  <p:cSld>
+    <p:spTree>
+      <p:nvGrpSpPr>
+        <p:cNvPr id="1" name=""/>
+        <p:cNvGrpSpPr/>
+        <p:nvPr/>
+      </p:nvGrpSpPr>
+      <p:grpSpPr>
+        <a:xfrm>
+          <a:off x="0" y="0"/>
+          <a:ext cx="0" cy="0"/>
+          <a:chOff x="0" y="0"/>
+          <a:chExt cx="0" cy="0"/>
+        </a:xfrm>
+      </p:grpSpPr>
+      <p:sp>
+        <p:nvSpPr>
+          <p:cNvPr id="2" name="標題 1"/>
+          <p:cNvSpPr>
+            <a:spLocks noGrp="1"/>
+          </p:cNvSpPr>
+          <p:nvPr>
+            <p:ph type="title"/>
+          </p:nvPr>
+        </p:nvSpPr>
+        <p:spPr/>
+        <p:txBody>
+          <a:bodyPr>
+            <a:normAutofit/>
+          </a:bodyPr>
+          <a:lstStyle/>
+          <a:p>
+            <a:r>
+              <a:rPr lang="zh-TW" altLang="en-US" dirty="0"/>
+              <a:t>理解</a:t>
+            </a:r>
+            <a:r>
+              <a:rPr lang="en-US" altLang="zh-TW" dirty="0"/>
+              <a:t>DOM</a:t>
+            </a:r>
+            <a:r>
+              <a:rPr lang="zh-TW" altLang="en-US" dirty="0"/>
+              <a:t>樹狀圖</a:t>
+            </a:r>
+            <a:r>
+              <a:rPr lang="en-US" altLang="zh-TW" dirty="0" smtClean="0"/>
+              <a:t>(2)</a:t>
+            </a:r>
+            <a:endParaRPr lang="zh-TW" altLang="en-US" dirty="0"/>
+          </a:p>
+        </p:txBody>
+      </p:sp>
+      <p:sp>
+        <p:nvSpPr>
+          <p:cNvPr id="3" name="內容版面配置區 2"/>
+          <p:cNvSpPr>
+            <a:spLocks noGrp="1"/>
+          </p:cNvSpPr>
+          <p:nvPr>
+            <p:ph idx="1"/>
+          </p:nvPr>
+        </p:nvSpPr>
+        <p:spPr/>
+        <p:txBody>
+          <a:bodyPr/>
+          <a:lstStyle/>
+          <a:p>
+            <a:endParaRPr lang="zh-TW" altLang="en-US"/>
+          </a:p>
+        </p:txBody>
+      </p:sp>
+    </p:spTree>
+    <p:extLst>
+      <p:ext uri="{BB962C8B-B14F-4D97-AF65-F5344CB8AC3E}">
+        <p14:creationId xmlns:p14="http://schemas.microsoft.com/office/powerpoint/2010/main" val="2725013697"/>
+      </p:ext>
+    </p:extLst>
+  </p:cSld>
+  <p:clrMapOvr>
+    <a:masterClrMapping/>
+  </p:clrMapOvr>
+</p:sld>
+</file>
+
+<file path=ppt/slides/slide49.xml><?xml version="1.0" encoding="utf-8"?>
+<p:sld xmlns:a="http://schemas.openxmlformats.org/drawingml/2006/main" xmlns:r="http://schemas.openxmlformats.org/officeDocument/2006/relationships" xmlns:p="http://schemas.openxmlformats.org/presentationml/2006/main">
+  <p:cSld>
+    <p:spTree>
+      <p:nvGrpSpPr>
+        <p:cNvPr id="1" name=""/>
+        <p:cNvGrpSpPr/>
+        <p:nvPr/>
+      </p:nvGrpSpPr>
+      <p:grpSpPr>
+        <a:xfrm>
+          <a:off x="0" y="0"/>
+          <a:ext cx="0" cy="0"/>
+          <a:chOff x="0" y="0"/>
+          <a:chExt cx="0" cy="0"/>
+        </a:xfrm>
+      </p:grpSpPr>
+      <p:sp>
+        <p:nvSpPr>
+          <p:cNvPr id="2" name="標題 1"/>
+          <p:cNvSpPr>
+            <a:spLocks noGrp="1"/>
+          </p:cNvSpPr>
+          <p:nvPr>
+            <p:ph type="title"/>
+          </p:nvPr>
+        </p:nvSpPr>
+        <p:spPr/>
+        <p:txBody>
+          <a:bodyPr>
+            <a:normAutofit/>
+          </a:bodyPr>
+          <a:lstStyle/>
+          <a:p>
+            <a:r>
+              <a:rPr lang="zh-TW" altLang="en-US" dirty="0"/>
+              <a:t>理解</a:t>
+            </a:r>
+            <a:r>
+              <a:rPr lang="en-US" altLang="zh-TW" dirty="0"/>
+              <a:t>DOM</a:t>
+            </a:r>
+            <a:r>
+              <a:rPr lang="zh-TW" altLang="en-US" dirty="0"/>
+              <a:t>樹狀圖</a:t>
+            </a:r>
+            <a:r>
+              <a:rPr lang="en-US" altLang="zh-TW" dirty="0" smtClean="0"/>
+              <a:t>(3)</a:t>
+            </a:r>
+            <a:endParaRPr lang="zh-TW" altLang="en-US" dirty="0"/>
+          </a:p>
+        </p:txBody>
+      </p:sp>
+      <p:sp>
+        <p:nvSpPr>
+          <p:cNvPr id="3" name="內容版面配置區 2"/>
+          <p:cNvSpPr>
+            <a:spLocks noGrp="1"/>
+          </p:cNvSpPr>
+          <p:nvPr>
+            <p:ph idx="1"/>
+          </p:nvPr>
+        </p:nvSpPr>
+        <p:spPr/>
+        <p:txBody>
+          <a:bodyPr/>
+          <a:lstStyle/>
+          <a:p>
+            <a:endParaRPr lang="zh-TW" altLang="en-US"/>
+          </a:p>
+        </p:txBody>
+      </p:sp>
+    </p:spTree>
+    <p:extLst>
+      <p:ext uri="{BB962C8B-B14F-4D97-AF65-F5344CB8AC3E}">
+        <p14:creationId xmlns:p14="http://schemas.microsoft.com/office/powerpoint/2010/main" val="1371125557"/>
       </p:ext>
     </p:extLst>
   </p:cSld>
@@ -5946,7 +7743,15 @@
           <a:bodyPr/>
           <a:lstStyle/>
           <a:p>
-            <a:endParaRPr lang="zh-TW" altLang="en-US"/>
+            <a:r>
+              <a:rPr lang="en-US" altLang="zh-TW" dirty="0" smtClean="0"/>
+              <a:t>JavaScript</a:t>
+            </a:r>
+            <a:r>
+              <a:rPr lang="zh-TW" altLang="en-US" dirty="0" smtClean="0"/>
+              <a:t>的前世今生</a:t>
+            </a:r>
+            <a:endParaRPr lang="zh-TW" altLang="en-US" dirty="0"/>
           </a:p>
         </p:txBody>
       </p:sp>
@@ -5965,14 +7770,845 @@
           <a:bodyPr/>
           <a:lstStyle/>
           <a:p>
-            <a:endParaRPr lang="zh-TW" altLang="en-US"/>
+            <a:r>
+              <a:rPr lang="zh-TW" altLang="en-US" sz="2400" dirty="0" smtClean="0"/>
+              <a:t>目前瀏覽器唯一內建</a:t>
+            </a:r>
+            <a:r>
+              <a:rPr lang="zh-TW" altLang="en-US" sz="2400" dirty="0"/>
+              <a:t>程式</a:t>
+            </a:r>
+            <a:r>
+              <a:rPr lang="zh-TW" altLang="en-US" sz="2400" dirty="0" smtClean="0"/>
+              <a:t>語言</a:t>
+            </a:r>
+            <a:endParaRPr lang="en-US" altLang="zh-TW" sz="2400" dirty="0" smtClean="0"/>
+          </a:p>
+          <a:p>
+            <a:r>
+              <a:rPr lang="zh-TW" altLang="en-US" sz="2400" dirty="0" smtClean="0"/>
+              <a:t>由</a:t>
+            </a:r>
+            <a:r>
+              <a:rPr lang="en-US" altLang="zh-TW" sz="2400" dirty="0" smtClean="0"/>
+              <a:t>EMCA</a:t>
+            </a:r>
+            <a:r>
+              <a:rPr lang="zh-TW" altLang="en-US" sz="2400" dirty="0" smtClean="0"/>
+              <a:t>組織統一版本規格，故</a:t>
+            </a:r>
+            <a:r>
+              <a:rPr lang="en-US" altLang="zh-TW" sz="2400" dirty="0" smtClean="0"/>
+              <a:t>JavaScript</a:t>
+            </a:r>
+            <a:r>
+              <a:rPr lang="zh-TW" altLang="en-US" sz="2400" dirty="0" smtClean="0"/>
+              <a:t>又稱為</a:t>
+            </a:r>
+            <a:r>
+              <a:rPr lang="en-US" altLang="zh-TW" sz="2400" dirty="0" err="1" smtClean="0"/>
+              <a:t>EMCAScript</a:t>
+            </a:r>
+            <a:endParaRPr lang="en-US" altLang="zh-TW" sz="2400" dirty="0" smtClean="0"/>
+          </a:p>
+          <a:p>
+            <a:r>
+              <a:rPr lang="en-US" altLang="zh-TW" sz="2400" dirty="0" smtClean="0"/>
+              <a:t>2009</a:t>
+            </a:r>
+            <a:r>
+              <a:rPr lang="zh-TW" altLang="en-US" sz="2400" dirty="0" smtClean="0"/>
+              <a:t>發布</a:t>
+            </a:r>
+            <a:r>
+              <a:rPr lang="en-US" altLang="zh-TW" sz="2400" dirty="0"/>
+              <a:t> ECMAScript </a:t>
+            </a:r>
+            <a:r>
+              <a:rPr lang="en-US" altLang="zh-TW" sz="2400" dirty="0" smtClean="0"/>
+              <a:t>5</a:t>
+            </a:r>
+          </a:p>
+          <a:p>
+            <a:r>
+              <a:rPr lang="en-US" altLang="zh-TW" sz="2400" dirty="0"/>
+              <a:t>2015</a:t>
+            </a:r>
+            <a:r>
+              <a:rPr lang="zh-TW" altLang="en-US" sz="2400" dirty="0"/>
+              <a:t>發布</a:t>
+            </a:r>
+            <a:r>
+              <a:rPr lang="en-US" altLang="zh-TW" sz="2400" dirty="0"/>
+              <a:t> ECMAScript </a:t>
+            </a:r>
+            <a:r>
+              <a:rPr lang="en-US" altLang="zh-TW" sz="2400" dirty="0" smtClean="0"/>
+              <a:t>6</a:t>
+            </a:r>
+            <a:endParaRPr lang="zh-TW" altLang="en-US" sz="2400" dirty="0"/>
+          </a:p>
+          <a:p>
+            <a:endParaRPr lang="en-US" altLang="zh-TW" sz="2400" dirty="0" smtClean="0"/>
           </a:p>
         </p:txBody>
       </p:sp>
     </p:spTree>
     <p:extLst>
       <p:ext uri="{BB962C8B-B14F-4D97-AF65-F5344CB8AC3E}">
-        <p14:creationId xmlns:p14="http://schemas.microsoft.com/office/powerpoint/2010/main" val="426418635"/>
+        <p14:creationId xmlns:p14="http://schemas.microsoft.com/office/powerpoint/2010/main" val="2647158667"/>
+      </p:ext>
+    </p:extLst>
+  </p:cSld>
+  <p:clrMapOvr>
+    <a:masterClrMapping/>
+  </p:clrMapOvr>
+</p:sld>
+</file>
+
+<file path=ppt/slides/slide50.xml><?xml version="1.0" encoding="utf-8"?>
+<p:sld xmlns:a="http://schemas.openxmlformats.org/drawingml/2006/main" xmlns:r="http://schemas.openxmlformats.org/officeDocument/2006/relationships" xmlns:p="http://schemas.openxmlformats.org/presentationml/2006/main">
+  <p:cSld>
+    <p:spTree>
+      <p:nvGrpSpPr>
+        <p:cNvPr id="1" name=""/>
+        <p:cNvGrpSpPr/>
+        <p:nvPr/>
+      </p:nvGrpSpPr>
+      <p:grpSpPr>
+        <a:xfrm>
+          <a:off x="0" y="0"/>
+          <a:ext cx="0" cy="0"/>
+          <a:chOff x="0" y="0"/>
+          <a:chExt cx="0" cy="0"/>
+        </a:xfrm>
+      </p:grpSpPr>
+      <p:sp>
+        <p:nvSpPr>
+          <p:cNvPr id="2" name="標題 1"/>
+          <p:cNvSpPr>
+            <a:spLocks noGrp="1"/>
+          </p:cNvSpPr>
+          <p:nvPr>
+            <p:ph type="title"/>
+          </p:nvPr>
+        </p:nvSpPr>
+        <p:spPr/>
+        <p:txBody>
+          <a:bodyPr/>
+          <a:lstStyle/>
+          <a:p>
+            <a:r>
+              <a:rPr lang="zh-TW" altLang="en-US" dirty="0" smtClean="0"/>
+              <a:t>依照</a:t>
+            </a:r>
+            <a:r>
+              <a:rPr lang="en-US" altLang="zh-TW" dirty="0" smtClean="0"/>
+              <a:t>ID</a:t>
+            </a:r>
+            <a:r>
+              <a:rPr lang="zh-TW" altLang="en-US" dirty="0" smtClean="0"/>
+              <a:t>去獲取節點</a:t>
+            </a:r>
+            <a:endParaRPr lang="zh-TW" altLang="en-US" dirty="0"/>
+          </a:p>
+        </p:txBody>
+      </p:sp>
+      <p:sp>
+        <p:nvSpPr>
+          <p:cNvPr id="3" name="內容版面配置區 2"/>
+          <p:cNvSpPr>
+            <a:spLocks noGrp="1"/>
+          </p:cNvSpPr>
+          <p:nvPr>
+            <p:ph idx="1"/>
+          </p:nvPr>
+        </p:nvSpPr>
+        <p:spPr/>
+        <p:txBody>
+          <a:bodyPr/>
+          <a:lstStyle/>
+          <a:p>
+            <a:endParaRPr lang="zh-TW" altLang="en-US"/>
+          </a:p>
+        </p:txBody>
+      </p:sp>
+    </p:spTree>
+    <p:extLst>
+      <p:ext uri="{BB962C8B-B14F-4D97-AF65-F5344CB8AC3E}">
+        <p14:creationId xmlns:p14="http://schemas.microsoft.com/office/powerpoint/2010/main" val="3245480378"/>
+      </p:ext>
+    </p:extLst>
+  </p:cSld>
+  <p:clrMapOvr>
+    <a:masterClrMapping/>
+  </p:clrMapOvr>
+</p:sld>
+</file>
+
+<file path=ppt/slides/slide51.xml><?xml version="1.0" encoding="utf-8"?>
+<p:sld xmlns:a="http://schemas.openxmlformats.org/drawingml/2006/main" xmlns:r="http://schemas.openxmlformats.org/officeDocument/2006/relationships" xmlns:p="http://schemas.openxmlformats.org/presentationml/2006/main">
+  <p:cSld>
+    <p:spTree>
+      <p:nvGrpSpPr>
+        <p:cNvPr id="1" name=""/>
+        <p:cNvGrpSpPr/>
+        <p:nvPr/>
+      </p:nvGrpSpPr>
+      <p:grpSpPr>
+        <a:xfrm>
+          <a:off x="0" y="0"/>
+          <a:ext cx="0" cy="0"/>
+          <a:chOff x="0" y="0"/>
+          <a:chExt cx="0" cy="0"/>
+        </a:xfrm>
+      </p:grpSpPr>
+      <p:sp>
+        <p:nvSpPr>
+          <p:cNvPr id="2" name="標題 1"/>
+          <p:cNvSpPr>
+            <a:spLocks noGrp="1"/>
+          </p:cNvSpPr>
+          <p:nvPr>
+            <p:ph type="title"/>
+          </p:nvPr>
+        </p:nvSpPr>
+        <p:spPr/>
+        <p:txBody>
+          <a:bodyPr/>
+          <a:lstStyle/>
+          <a:p>
+            <a:r>
+              <a:rPr lang="zh-TW" altLang="en-US" dirty="0" smtClean="0"/>
+              <a:t>依照</a:t>
+            </a:r>
+            <a:r>
+              <a:rPr lang="en-US" altLang="zh-TW" dirty="0" smtClean="0"/>
+              <a:t>class</a:t>
+            </a:r>
+            <a:r>
+              <a:rPr lang="zh-TW" altLang="en-US" dirty="0" smtClean="0"/>
+              <a:t>去獲取節點</a:t>
+            </a:r>
+            <a:r>
+              <a:rPr lang="en-US" altLang="zh-TW" dirty="0" smtClean="0"/>
+              <a:t>(</a:t>
+            </a:r>
+            <a:r>
+              <a:rPr lang="zh-TW" altLang="en-US" dirty="0" smtClean="0"/>
+              <a:t>慎用</a:t>
+            </a:r>
+            <a:r>
+              <a:rPr lang="en-US" altLang="zh-TW" dirty="0" smtClean="0"/>
+              <a:t>)</a:t>
+            </a:r>
+            <a:endParaRPr lang="zh-TW" altLang="en-US" dirty="0"/>
+          </a:p>
+        </p:txBody>
+      </p:sp>
+      <p:sp>
+        <p:nvSpPr>
+          <p:cNvPr id="3" name="內容版面配置區 2"/>
+          <p:cNvSpPr>
+            <a:spLocks noGrp="1"/>
+          </p:cNvSpPr>
+          <p:nvPr>
+            <p:ph idx="1"/>
+          </p:nvPr>
+        </p:nvSpPr>
+        <p:spPr/>
+        <p:txBody>
+          <a:bodyPr/>
+          <a:lstStyle/>
+          <a:p>
+            <a:endParaRPr lang="zh-TW" altLang="en-US"/>
+          </a:p>
+        </p:txBody>
+      </p:sp>
+    </p:spTree>
+    <p:extLst>
+      <p:ext uri="{BB962C8B-B14F-4D97-AF65-F5344CB8AC3E}">
+        <p14:creationId xmlns:p14="http://schemas.microsoft.com/office/powerpoint/2010/main" val="3810243711"/>
+      </p:ext>
+    </p:extLst>
+  </p:cSld>
+  <p:clrMapOvr>
+    <a:masterClrMapping/>
+  </p:clrMapOvr>
+</p:sld>
+</file>
+
+<file path=ppt/slides/slide52.xml><?xml version="1.0" encoding="utf-8"?>
+<p:sld xmlns:a="http://schemas.openxmlformats.org/drawingml/2006/main" xmlns:r="http://schemas.openxmlformats.org/officeDocument/2006/relationships" xmlns:p="http://schemas.openxmlformats.org/presentationml/2006/main">
+  <p:cSld>
+    <p:spTree>
+      <p:nvGrpSpPr>
+        <p:cNvPr id="1" name=""/>
+        <p:cNvGrpSpPr/>
+        <p:nvPr/>
+      </p:nvGrpSpPr>
+      <p:grpSpPr>
+        <a:xfrm>
+          <a:off x="0" y="0"/>
+          <a:ext cx="0" cy="0"/>
+          <a:chOff x="0" y="0"/>
+          <a:chExt cx="0" cy="0"/>
+        </a:xfrm>
+      </p:grpSpPr>
+      <p:sp>
+        <p:nvSpPr>
+          <p:cNvPr id="2" name="標題 1"/>
+          <p:cNvSpPr>
+            <a:spLocks noGrp="1"/>
+          </p:cNvSpPr>
+          <p:nvPr>
+            <p:ph type="title"/>
+          </p:nvPr>
+        </p:nvSpPr>
+        <p:spPr>
+          <a:xfrm>
+            <a:off x="467544" y="2636912"/>
+            <a:ext cx="8229600" cy="1143000"/>
+          </a:xfrm>
+        </p:spPr>
+        <p:txBody>
+          <a:bodyPr/>
+          <a:lstStyle/>
+          <a:p>
+            <a:r>
+              <a:rPr lang="zh-TW" altLang="en-US" dirty="0"/>
+              <a:t>事件</a:t>
+            </a:r>
+            <a:endParaRPr lang="zh-TW" altLang="en-US" dirty="0"/>
+          </a:p>
+        </p:txBody>
+      </p:sp>
+    </p:spTree>
+    <p:extLst>
+      <p:ext uri="{BB962C8B-B14F-4D97-AF65-F5344CB8AC3E}">
+        <p14:creationId xmlns:p14="http://schemas.microsoft.com/office/powerpoint/2010/main" val="3046178695"/>
+      </p:ext>
+    </p:extLst>
+  </p:cSld>
+  <p:clrMapOvr>
+    <a:masterClrMapping/>
+  </p:clrMapOvr>
+</p:sld>
+</file>
+
+<file path=ppt/slides/slide53.xml><?xml version="1.0" encoding="utf-8"?>
+<p:sld xmlns:a="http://schemas.openxmlformats.org/drawingml/2006/main" xmlns:r="http://schemas.openxmlformats.org/officeDocument/2006/relationships" xmlns:p="http://schemas.openxmlformats.org/presentationml/2006/main">
+  <p:cSld>
+    <p:spTree>
+      <p:nvGrpSpPr>
+        <p:cNvPr id="1" name=""/>
+        <p:cNvGrpSpPr/>
+        <p:nvPr/>
+      </p:nvGrpSpPr>
+      <p:grpSpPr>
+        <a:xfrm>
+          <a:off x="0" y="0"/>
+          <a:ext cx="0" cy="0"/>
+          <a:chOff x="0" y="0"/>
+          <a:chExt cx="0" cy="0"/>
+        </a:xfrm>
+      </p:grpSpPr>
+      <p:sp>
+        <p:nvSpPr>
+          <p:cNvPr id="2" name="標題 1"/>
+          <p:cNvSpPr>
+            <a:spLocks noGrp="1"/>
+          </p:cNvSpPr>
+          <p:nvPr>
+            <p:ph type="title"/>
+          </p:nvPr>
+        </p:nvSpPr>
+        <p:spPr/>
+        <p:txBody>
+          <a:bodyPr/>
+          <a:lstStyle/>
+          <a:p>
+            <a:r>
+              <a:rPr lang="zh-TW" altLang="en-US" dirty="0" smtClean="0"/>
+              <a:t>什麼是事件</a:t>
+            </a:r>
+            <a:r>
+              <a:rPr lang="en-US" altLang="zh-TW" dirty="0" smtClean="0"/>
+              <a:t>?</a:t>
+            </a:r>
+            <a:endParaRPr lang="zh-TW" altLang="en-US" dirty="0"/>
+          </a:p>
+        </p:txBody>
+      </p:sp>
+      <p:sp>
+        <p:nvSpPr>
+          <p:cNvPr id="3" name="內容版面配置區 2"/>
+          <p:cNvSpPr>
+            <a:spLocks noGrp="1"/>
+          </p:cNvSpPr>
+          <p:nvPr>
+            <p:ph idx="1"/>
+          </p:nvPr>
+        </p:nvSpPr>
+        <p:spPr/>
+        <p:txBody>
+          <a:bodyPr/>
+          <a:lstStyle/>
+          <a:p>
+            <a:endParaRPr lang="zh-TW" altLang="en-US"/>
+          </a:p>
+        </p:txBody>
+      </p:sp>
+    </p:spTree>
+    <p:extLst>
+      <p:ext uri="{BB962C8B-B14F-4D97-AF65-F5344CB8AC3E}">
+        <p14:creationId xmlns:p14="http://schemas.microsoft.com/office/powerpoint/2010/main" val="424390506"/>
+      </p:ext>
+    </p:extLst>
+  </p:cSld>
+  <p:clrMapOvr>
+    <a:masterClrMapping/>
+  </p:clrMapOvr>
+</p:sld>
+</file>
+
+<file path=ppt/slides/slide54.xml><?xml version="1.0" encoding="utf-8"?>
+<p:sld xmlns:a="http://schemas.openxmlformats.org/drawingml/2006/main" xmlns:r="http://schemas.openxmlformats.org/officeDocument/2006/relationships" xmlns:p="http://schemas.openxmlformats.org/presentationml/2006/main">
+  <p:cSld>
+    <p:spTree>
+      <p:nvGrpSpPr>
+        <p:cNvPr id="1" name=""/>
+        <p:cNvGrpSpPr/>
+        <p:nvPr/>
+      </p:nvGrpSpPr>
+      <p:grpSpPr>
+        <a:xfrm>
+          <a:off x="0" y="0"/>
+          <a:ext cx="0" cy="0"/>
+          <a:chOff x="0" y="0"/>
+          <a:chExt cx="0" cy="0"/>
+        </a:xfrm>
+      </p:grpSpPr>
+      <p:sp>
+        <p:nvSpPr>
+          <p:cNvPr id="2" name="標題 1"/>
+          <p:cNvSpPr>
+            <a:spLocks noGrp="1"/>
+          </p:cNvSpPr>
+          <p:nvPr>
+            <p:ph type="title"/>
+          </p:nvPr>
+        </p:nvSpPr>
+        <p:spPr/>
+        <p:txBody>
+          <a:bodyPr/>
+          <a:lstStyle/>
+          <a:p>
+            <a:r>
+              <a:rPr lang="zh-TW" altLang="en-US" dirty="0" smtClean="0"/>
+              <a:t>事件監聽</a:t>
+            </a:r>
+            <a:endParaRPr lang="zh-TW" altLang="en-US" dirty="0"/>
+          </a:p>
+        </p:txBody>
+      </p:sp>
+      <p:sp>
+        <p:nvSpPr>
+          <p:cNvPr id="3" name="內容版面配置區 2"/>
+          <p:cNvSpPr>
+            <a:spLocks noGrp="1"/>
+          </p:cNvSpPr>
+          <p:nvPr>
+            <p:ph idx="1"/>
+          </p:nvPr>
+        </p:nvSpPr>
+        <p:spPr/>
+        <p:txBody>
+          <a:bodyPr/>
+          <a:lstStyle/>
+          <a:p>
+            <a:endParaRPr lang="zh-TW" altLang="en-US"/>
+          </a:p>
+        </p:txBody>
+      </p:sp>
+    </p:spTree>
+    <p:extLst>
+      <p:ext uri="{BB962C8B-B14F-4D97-AF65-F5344CB8AC3E}">
+        <p14:creationId xmlns:p14="http://schemas.microsoft.com/office/powerpoint/2010/main" val="2497087853"/>
+      </p:ext>
+    </p:extLst>
+  </p:cSld>
+  <p:clrMapOvr>
+    <a:masterClrMapping/>
+  </p:clrMapOvr>
+</p:sld>
+</file>
+
+<file path=ppt/slides/slide55.xml><?xml version="1.0" encoding="utf-8"?>
+<p:sld xmlns:a="http://schemas.openxmlformats.org/drawingml/2006/main" xmlns:r="http://schemas.openxmlformats.org/officeDocument/2006/relationships" xmlns:p="http://schemas.openxmlformats.org/presentationml/2006/main">
+  <p:cSld>
+    <p:spTree>
+      <p:nvGrpSpPr>
+        <p:cNvPr id="1" name=""/>
+        <p:cNvGrpSpPr/>
+        <p:nvPr/>
+      </p:nvGrpSpPr>
+      <p:grpSpPr>
+        <a:xfrm>
+          <a:off x="0" y="0"/>
+          <a:ext cx="0" cy="0"/>
+          <a:chOff x="0" y="0"/>
+          <a:chExt cx="0" cy="0"/>
+        </a:xfrm>
+      </p:grpSpPr>
+      <p:sp>
+        <p:nvSpPr>
+          <p:cNvPr id="2" name="標題 1"/>
+          <p:cNvSpPr>
+            <a:spLocks noGrp="1"/>
+          </p:cNvSpPr>
+          <p:nvPr>
+            <p:ph type="title"/>
+          </p:nvPr>
+        </p:nvSpPr>
+        <p:spPr>
+          <a:xfrm>
+            <a:off x="467544" y="2636912"/>
+            <a:ext cx="8229600" cy="1143000"/>
+          </a:xfrm>
+        </p:spPr>
+        <p:txBody>
+          <a:bodyPr/>
+          <a:lstStyle/>
+          <a:p>
+            <a:r>
+              <a:rPr lang="zh-TW" altLang="en-US" dirty="0"/>
+              <a:t>練習時間</a:t>
+            </a:r>
+          </a:p>
+        </p:txBody>
+      </p:sp>
+    </p:spTree>
+    <p:extLst>
+      <p:ext uri="{BB962C8B-B14F-4D97-AF65-F5344CB8AC3E}">
+        <p14:creationId xmlns:p14="http://schemas.microsoft.com/office/powerpoint/2010/main" val="2912166847"/>
+      </p:ext>
+    </p:extLst>
+  </p:cSld>
+  <p:clrMapOvr>
+    <a:masterClrMapping/>
+  </p:clrMapOvr>
+</p:sld>
+</file>
+
+<file path=ppt/slides/slide56.xml><?xml version="1.0" encoding="utf-8"?>
+<p:sld xmlns:a="http://schemas.openxmlformats.org/drawingml/2006/main" xmlns:r="http://schemas.openxmlformats.org/officeDocument/2006/relationships" xmlns:p="http://schemas.openxmlformats.org/presentationml/2006/main">
+  <p:cSld>
+    <p:spTree>
+      <p:nvGrpSpPr>
+        <p:cNvPr id="1" name=""/>
+        <p:cNvGrpSpPr/>
+        <p:nvPr/>
+      </p:nvGrpSpPr>
+      <p:grpSpPr>
+        <a:xfrm>
+          <a:off x="0" y="0"/>
+          <a:ext cx="0" cy="0"/>
+          <a:chOff x="0" y="0"/>
+          <a:chExt cx="0" cy="0"/>
+        </a:xfrm>
+      </p:grpSpPr>
+      <p:sp>
+        <p:nvSpPr>
+          <p:cNvPr id="2" name="標題 1"/>
+          <p:cNvSpPr>
+            <a:spLocks noGrp="1"/>
+          </p:cNvSpPr>
+          <p:nvPr>
+            <p:ph type="title"/>
+          </p:nvPr>
+        </p:nvSpPr>
+        <p:spPr/>
+        <p:txBody>
+          <a:bodyPr/>
+          <a:lstStyle/>
+          <a:p>
+            <a:endParaRPr lang="zh-TW" altLang="en-US" dirty="0"/>
+          </a:p>
+        </p:txBody>
+      </p:sp>
+      <p:sp>
+        <p:nvSpPr>
+          <p:cNvPr id="3" name="內容版面配置區 2"/>
+          <p:cNvSpPr>
+            <a:spLocks noGrp="1"/>
+          </p:cNvSpPr>
+          <p:nvPr>
+            <p:ph idx="1"/>
+          </p:nvPr>
+        </p:nvSpPr>
+        <p:spPr/>
+        <p:txBody>
+          <a:bodyPr/>
+          <a:lstStyle/>
+          <a:p>
+            <a:endParaRPr lang="zh-TW" altLang="en-US"/>
+          </a:p>
+        </p:txBody>
+      </p:sp>
+    </p:spTree>
+    <p:extLst>
+      <p:ext uri="{BB962C8B-B14F-4D97-AF65-F5344CB8AC3E}">
+        <p14:creationId xmlns:p14="http://schemas.microsoft.com/office/powerpoint/2010/main" val="2163588720"/>
+      </p:ext>
+    </p:extLst>
+  </p:cSld>
+  <p:clrMapOvr>
+    <a:masterClrMapping/>
+  </p:clrMapOvr>
+</p:sld>
+</file>
+
+<file path=ppt/slides/slide57.xml><?xml version="1.0" encoding="utf-8"?>
+<p:sld xmlns:a="http://schemas.openxmlformats.org/drawingml/2006/main" xmlns:r="http://schemas.openxmlformats.org/officeDocument/2006/relationships" xmlns:p="http://schemas.openxmlformats.org/presentationml/2006/main">
+  <p:cSld>
+    <p:spTree>
+      <p:nvGrpSpPr>
+        <p:cNvPr id="1" name=""/>
+        <p:cNvGrpSpPr/>
+        <p:nvPr/>
+      </p:nvGrpSpPr>
+      <p:grpSpPr>
+        <a:xfrm>
+          <a:off x="0" y="0"/>
+          <a:ext cx="0" cy="0"/>
+          <a:chOff x="0" y="0"/>
+          <a:chExt cx="0" cy="0"/>
+        </a:xfrm>
+      </p:grpSpPr>
+      <p:sp>
+        <p:nvSpPr>
+          <p:cNvPr id="2" name="標題 1"/>
+          <p:cNvSpPr>
+            <a:spLocks noGrp="1"/>
+          </p:cNvSpPr>
+          <p:nvPr>
+            <p:ph type="title"/>
+          </p:nvPr>
+        </p:nvSpPr>
+        <p:spPr/>
+        <p:txBody>
+          <a:bodyPr/>
+          <a:lstStyle/>
+          <a:p>
+            <a:endParaRPr lang="zh-TW" altLang="en-US"/>
+          </a:p>
+        </p:txBody>
+      </p:sp>
+      <p:sp>
+        <p:nvSpPr>
+          <p:cNvPr id="3" name="內容版面配置區 2"/>
+          <p:cNvSpPr>
+            <a:spLocks noGrp="1"/>
+          </p:cNvSpPr>
+          <p:nvPr>
+            <p:ph idx="1"/>
+          </p:nvPr>
+        </p:nvSpPr>
+        <p:spPr/>
+        <p:txBody>
+          <a:bodyPr/>
+          <a:lstStyle/>
+          <a:p>
+            <a:endParaRPr lang="zh-TW" altLang="en-US"/>
+          </a:p>
+        </p:txBody>
+      </p:sp>
+    </p:spTree>
+    <p:extLst>
+      <p:ext uri="{BB962C8B-B14F-4D97-AF65-F5344CB8AC3E}">
+        <p14:creationId xmlns:p14="http://schemas.microsoft.com/office/powerpoint/2010/main" val="2163588720"/>
+      </p:ext>
+    </p:extLst>
+  </p:cSld>
+  <p:clrMapOvr>
+    <a:masterClrMapping/>
+  </p:clrMapOvr>
+</p:sld>
+</file>
+
+<file path=ppt/slides/slide58.xml><?xml version="1.0" encoding="utf-8"?>
+<p:sld xmlns:a="http://schemas.openxmlformats.org/drawingml/2006/main" xmlns:r="http://schemas.openxmlformats.org/officeDocument/2006/relationships" xmlns:p="http://schemas.openxmlformats.org/presentationml/2006/main">
+  <p:cSld>
+    <p:spTree>
+      <p:nvGrpSpPr>
+        <p:cNvPr id="1" name=""/>
+        <p:cNvGrpSpPr/>
+        <p:nvPr/>
+      </p:nvGrpSpPr>
+      <p:grpSpPr>
+        <a:xfrm>
+          <a:off x="0" y="0"/>
+          <a:ext cx="0" cy="0"/>
+          <a:chOff x="0" y="0"/>
+          <a:chExt cx="0" cy="0"/>
+        </a:xfrm>
+      </p:grpSpPr>
+      <p:sp>
+        <p:nvSpPr>
+          <p:cNvPr id="2" name="標題 1"/>
+          <p:cNvSpPr>
+            <a:spLocks noGrp="1"/>
+          </p:cNvSpPr>
+          <p:nvPr>
+            <p:ph type="title"/>
+          </p:nvPr>
+        </p:nvSpPr>
+        <p:spPr/>
+        <p:txBody>
+          <a:bodyPr/>
+          <a:lstStyle/>
+          <a:p>
+            <a:r>
+              <a:rPr lang="zh-TW" altLang="en-US" dirty="0" smtClean="0"/>
+              <a:t>關於我</a:t>
+            </a:r>
+            <a:endParaRPr lang="zh-TW" altLang="en-US" dirty="0"/>
+          </a:p>
+        </p:txBody>
+      </p:sp>
+      <p:sp>
+        <p:nvSpPr>
+          <p:cNvPr id="3" name="內容版面配置區 2"/>
+          <p:cNvSpPr>
+            <a:spLocks noGrp="1"/>
+          </p:cNvSpPr>
+          <p:nvPr>
+            <p:ph idx="1"/>
+          </p:nvPr>
+        </p:nvSpPr>
+        <p:spPr/>
+        <p:txBody>
+          <a:bodyPr/>
+          <a:lstStyle/>
+          <a:p>
+            <a:r>
+              <a:rPr lang="zh-TW" altLang="en-US" dirty="0" smtClean="0"/>
+              <a:t>前端</a:t>
+            </a:r>
+            <a:endParaRPr lang="en-US" altLang="zh-TW" dirty="0" smtClean="0"/>
+          </a:p>
+          <a:p>
+            <a:r>
+              <a:rPr lang="zh-TW" altLang="en-US" dirty="0"/>
+              <a:t>志</a:t>
+            </a:r>
+            <a:r>
+              <a:rPr lang="zh-TW" altLang="en-US" dirty="0" smtClean="0"/>
+              <a:t>工</a:t>
+            </a:r>
+            <a:endParaRPr lang="en-US" altLang="zh-TW" dirty="0" smtClean="0"/>
+          </a:p>
+          <a:p>
+            <a:r>
+              <a:rPr lang="en-US" altLang="zh-TW" dirty="0" smtClean="0"/>
+              <a:t>IT</a:t>
+            </a:r>
+            <a:r>
+              <a:rPr lang="zh-TW" altLang="en-US" dirty="0" smtClean="0"/>
+              <a:t>鐵人幫 </a:t>
+            </a:r>
+            <a:r>
+              <a:rPr lang="en-US" altLang="zh-TW" dirty="0" smtClean="0"/>
+              <a:t>JavaScript</a:t>
+            </a:r>
+            <a:r>
+              <a:rPr lang="zh-TW" altLang="en-US" dirty="0" smtClean="0"/>
+              <a:t>基礎二三事筆記</a:t>
+            </a:r>
+            <a:endParaRPr lang="en-US" altLang="zh-TW" dirty="0" smtClean="0"/>
+          </a:p>
+          <a:p>
+            <a:endParaRPr lang="en-US" altLang="zh-TW" dirty="0" smtClean="0"/>
+          </a:p>
+        </p:txBody>
+      </p:sp>
+    </p:spTree>
+    <p:extLst>
+      <p:ext uri="{BB962C8B-B14F-4D97-AF65-F5344CB8AC3E}">
+        <p14:creationId xmlns:p14="http://schemas.microsoft.com/office/powerpoint/2010/main" val="3925751582"/>
+      </p:ext>
+    </p:extLst>
+  </p:cSld>
+  <p:clrMapOvr>
+    <a:masterClrMapping/>
+  </p:clrMapOvr>
+</p:sld>
+</file>
+
+<file path=ppt/slides/slide59.xml><?xml version="1.0" encoding="utf-8"?>
+<p:sld xmlns:a="http://schemas.openxmlformats.org/drawingml/2006/main" xmlns:r="http://schemas.openxmlformats.org/officeDocument/2006/relationships" xmlns:p="http://schemas.openxmlformats.org/presentationml/2006/main">
+  <p:cSld>
+    <p:spTree>
+      <p:nvGrpSpPr>
+        <p:cNvPr id="1" name=""/>
+        <p:cNvGrpSpPr/>
+        <p:nvPr/>
+      </p:nvGrpSpPr>
+      <p:grpSpPr>
+        <a:xfrm>
+          <a:off x="0" y="0"/>
+          <a:ext cx="0" cy="0"/>
+          <a:chOff x="0" y="0"/>
+          <a:chExt cx="0" cy="0"/>
+        </a:xfrm>
+      </p:grpSpPr>
+      <p:sp>
+        <p:nvSpPr>
+          <p:cNvPr id="2" name="標題 1"/>
+          <p:cNvSpPr>
+            <a:spLocks noGrp="1"/>
+          </p:cNvSpPr>
+          <p:nvPr>
+            <p:ph type="title"/>
+          </p:nvPr>
+        </p:nvSpPr>
+        <p:spPr/>
+        <p:txBody>
+          <a:bodyPr/>
+          <a:lstStyle/>
+          <a:p>
+            <a:r>
+              <a:rPr lang="zh-TW" altLang="en-US" dirty="0" smtClean="0"/>
+              <a:t>參考資源</a:t>
+            </a:r>
+            <a:endParaRPr lang="zh-TW" altLang="en-US" dirty="0"/>
+          </a:p>
+        </p:txBody>
+      </p:sp>
+      <p:sp>
+        <p:nvSpPr>
+          <p:cNvPr id="3" name="內容版面配置區 2"/>
+          <p:cNvSpPr>
+            <a:spLocks noGrp="1"/>
+          </p:cNvSpPr>
+          <p:nvPr>
+            <p:ph idx="1"/>
+          </p:nvPr>
+        </p:nvSpPr>
+        <p:spPr/>
+        <p:txBody>
+          <a:bodyPr/>
+          <a:lstStyle/>
+          <a:p>
+            <a:endParaRPr lang="zh-TW" altLang="en-US"/>
+          </a:p>
+        </p:txBody>
+      </p:sp>
+    </p:spTree>
+    <p:extLst>
+      <p:ext uri="{BB962C8B-B14F-4D97-AF65-F5344CB8AC3E}">
+        <p14:creationId xmlns:p14="http://schemas.microsoft.com/office/powerpoint/2010/main" val="3173908857"/>
       </p:ext>
     </p:extLst>
   </p:cSld>
@@ -6014,7 +8650,11 @@
           <a:bodyPr/>
           <a:lstStyle/>
           <a:p>
-            <a:endParaRPr lang="zh-TW" altLang="en-US"/>
+            <a:r>
+              <a:rPr lang="zh-TW" altLang="en-US" dirty="0" smtClean="0"/>
+              <a:t>宿主特性</a:t>
+            </a:r>
+            <a:endParaRPr lang="zh-TW" altLang="en-US" dirty="0"/>
           </a:p>
         </p:txBody>
       </p:sp>
@@ -6033,14 +8673,75 @@
           <a:bodyPr/>
           <a:lstStyle/>
           <a:p>
-            <a:endParaRPr lang="zh-TW" altLang="en-US"/>
+            <a:r>
+              <a:rPr lang="en-US" altLang="zh-TW" dirty="0" smtClean="0"/>
+              <a:t>JavaScript</a:t>
+            </a:r>
+            <a:r>
+              <a:rPr lang="zh-TW" altLang="en-US" dirty="0"/>
+              <a:t>只能</a:t>
+            </a:r>
+            <a:r>
+              <a:rPr lang="zh-TW" altLang="en-US" dirty="0" smtClean="0"/>
+              <a:t>運行在瀏覽器上</a:t>
+            </a:r>
+            <a:endParaRPr lang="en-US" altLang="zh-TW" dirty="0" smtClean="0"/>
+          </a:p>
+          <a:p>
+            <a:endParaRPr lang="en-US" altLang="zh-TW" dirty="0" smtClean="0"/>
+          </a:p>
+          <a:p>
+            <a:r>
+              <a:rPr lang="zh-TW" altLang="en-US" dirty="0" smtClean="0"/>
+              <a:t>打破限制的例外</a:t>
+            </a:r>
+            <a:endParaRPr lang="en-US" altLang="zh-TW" dirty="0"/>
+          </a:p>
+          <a:p>
+            <a:r>
+              <a:rPr lang="zh-TW" altLang="en-US" dirty="0" smtClean="0"/>
+              <a:t>由</a:t>
+            </a:r>
+            <a:r>
+              <a:rPr lang="en-US" altLang="zh-TW" dirty="0" smtClean="0"/>
+              <a:t>google</a:t>
+            </a:r>
+            <a:r>
+              <a:rPr lang="zh-TW" altLang="en-US" dirty="0" smtClean="0"/>
+              <a:t>使用</a:t>
+            </a:r>
+            <a:r>
+              <a:rPr lang="en-US" altLang="zh-TW" dirty="0" smtClean="0"/>
+              <a:t>V8</a:t>
+            </a:r>
+            <a:r>
+              <a:rPr lang="zh-TW" altLang="en-US" dirty="0" smtClean="0"/>
+              <a:t>引擎擴充的</a:t>
+            </a:r>
+            <a:r>
+              <a:rPr lang="en-US" altLang="zh-TW" dirty="0" smtClean="0"/>
+              <a:t>JavaScript</a:t>
+            </a:r>
+            <a:r>
+              <a:rPr lang="zh-TW" altLang="en-US" dirty="0" smtClean="0"/>
+              <a:t>「</a:t>
+            </a:r>
+            <a:r>
+              <a:rPr lang="en-US" altLang="zh-TW" dirty="0" smtClean="0"/>
+              <a:t>node.js</a:t>
+            </a:r>
+            <a:r>
+              <a:rPr lang="zh-TW" altLang="en-US" dirty="0" smtClean="0"/>
+              <a:t>」</a:t>
+            </a:r>
+            <a:endParaRPr lang="zh-TW" altLang="en-US" dirty="0"/>
           </a:p>
         </p:txBody>
       </p:sp>
     </p:spTree>
     <p:extLst>
       <p:ext uri="{BB962C8B-B14F-4D97-AF65-F5344CB8AC3E}">
-        <p14:creationId xmlns:p14="http://schemas.microsoft.com/office/powerpoint/2010/main" val="3181725325"/>
+        <p14:creationId xmlns:p14="http://schemas.microsoft.com/office/powerpoint/2010/main" val="426418635"/>
       </p:ext>
     </p:extLst>
   </p:cSld>
@@ -6082,11 +8783,7 @@
           <a:bodyPr/>
           <a:lstStyle/>
           <a:p>
-            <a:r>
-              <a:rPr lang="zh-TW" altLang="en-US" dirty="0" smtClean="0"/>
-              <a:t>資料型態</a:t>
-            </a:r>
-            <a:endParaRPr lang="zh-TW" altLang="en-US" dirty="0"/>
+            <a:endParaRPr lang="zh-TW" altLang="en-US"/>
           </a:p>
         </p:txBody>
       </p:sp>
@@ -6105,51 +8802,14 @@
           <a:bodyPr/>
           <a:lstStyle/>
           <a:p>
-            <a:r>
-              <a:rPr lang="en-US" altLang="zh-TW" dirty="0" smtClean="0"/>
-              <a:t>undefined</a:t>
-            </a:r>
-          </a:p>
-          <a:p>
-            <a:r>
-              <a:rPr lang="en-US" altLang="zh-TW" dirty="0" smtClean="0"/>
-              <a:t>null</a:t>
-            </a:r>
-          </a:p>
-          <a:p>
-            <a:r>
-              <a:rPr lang="en-US" altLang="zh-TW" dirty="0" err="1" smtClean="0"/>
-              <a:t>boolean</a:t>
-            </a:r>
-            <a:endParaRPr lang="en-US" altLang="zh-TW" dirty="0" smtClean="0"/>
-          </a:p>
-          <a:p>
-            <a:r>
-              <a:rPr lang="en-US" altLang="zh-TW" dirty="0" smtClean="0"/>
-              <a:t>number</a:t>
-            </a:r>
-          </a:p>
-          <a:p>
-            <a:r>
-              <a:rPr lang="en-US" altLang="zh-TW" dirty="0" smtClean="0"/>
-              <a:t>string</a:t>
-            </a:r>
-          </a:p>
-          <a:p>
-            <a:r>
-              <a:rPr lang="en-US" altLang="zh-TW" dirty="0" smtClean="0"/>
-              <a:t>object</a:t>
-            </a:r>
-          </a:p>
-          <a:p>
-            <a:endParaRPr lang="zh-TW" altLang="en-US" dirty="0"/>
+            <a:endParaRPr lang="zh-TW" altLang="en-US"/>
           </a:p>
         </p:txBody>
       </p:sp>
     </p:spTree>
     <p:extLst>
       <p:ext uri="{BB962C8B-B14F-4D97-AF65-F5344CB8AC3E}">
-        <p14:creationId xmlns:p14="http://schemas.microsoft.com/office/powerpoint/2010/main" val="98221227"/>
+        <p14:creationId xmlns:p14="http://schemas.microsoft.com/office/powerpoint/2010/main" val="3181725325"/>
       </p:ext>
     </p:extLst>
   </p:cSld>

--- a/javaScript.pptx
+++ b/javaScript.pptx
@@ -11,61 +11,71 @@
     <p:sldId id="277" r:id="rId5"/>
     <p:sldId id="317" r:id="rId6"/>
     <p:sldId id="286" r:id="rId7"/>
-    <p:sldId id="287" r:id="rId8"/>
-    <p:sldId id="275" r:id="rId9"/>
-    <p:sldId id="274" r:id="rId10"/>
-    <p:sldId id="276" r:id="rId11"/>
-    <p:sldId id="273" r:id="rId12"/>
-    <p:sldId id="298" r:id="rId13"/>
-    <p:sldId id="297" r:id="rId14"/>
-    <p:sldId id="299" r:id="rId15"/>
-    <p:sldId id="300" r:id="rId16"/>
-    <p:sldId id="301" r:id="rId17"/>
-    <p:sldId id="302" r:id="rId18"/>
-    <p:sldId id="265" r:id="rId19"/>
-    <p:sldId id="292" r:id="rId20"/>
-    <p:sldId id="259" r:id="rId21"/>
-    <p:sldId id="296" r:id="rId22"/>
-    <p:sldId id="282" r:id="rId23"/>
-    <p:sldId id="264" r:id="rId24"/>
-    <p:sldId id="283" r:id="rId25"/>
-    <p:sldId id="266" r:id="rId26"/>
-    <p:sldId id="278" r:id="rId27"/>
-    <p:sldId id="288" r:id="rId28"/>
-    <p:sldId id="289" r:id="rId29"/>
-    <p:sldId id="303" r:id="rId30"/>
-    <p:sldId id="279" r:id="rId31"/>
-    <p:sldId id="280" r:id="rId32"/>
-    <p:sldId id="281" r:id="rId33"/>
-    <p:sldId id="304" r:id="rId34"/>
-    <p:sldId id="267" r:id="rId35"/>
-    <p:sldId id="268" r:id="rId36"/>
-    <p:sldId id="293" r:id="rId37"/>
-    <p:sldId id="294" r:id="rId38"/>
-    <p:sldId id="295" r:id="rId39"/>
-    <p:sldId id="269" r:id="rId40"/>
-    <p:sldId id="305" r:id="rId41"/>
-    <p:sldId id="270" r:id="rId42"/>
-    <p:sldId id="306" r:id="rId43"/>
-    <p:sldId id="314" r:id="rId44"/>
-    <p:sldId id="315" r:id="rId45"/>
-    <p:sldId id="271" r:id="rId46"/>
-    <p:sldId id="260" r:id="rId47"/>
-    <p:sldId id="311" r:id="rId48"/>
-    <p:sldId id="312" r:id="rId49"/>
-    <p:sldId id="313" r:id="rId50"/>
-    <p:sldId id="307" r:id="rId51"/>
-    <p:sldId id="308" r:id="rId52"/>
-    <p:sldId id="310" r:id="rId53"/>
-    <p:sldId id="309" r:id="rId54"/>
-    <p:sldId id="316" r:id="rId55"/>
-    <p:sldId id="291" r:id="rId56"/>
-    <p:sldId id="284" r:id="rId57"/>
-    <p:sldId id="285" r:id="rId58"/>
-    <p:sldId id="262" r:id="rId59"/>
-    <p:sldId id="272" r:id="rId60"/>
+    <p:sldId id="275" r:id="rId8"/>
+    <p:sldId id="274" r:id="rId9"/>
+    <p:sldId id="276" r:id="rId10"/>
+    <p:sldId id="265" r:id="rId11"/>
+    <p:sldId id="292" r:id="rId12"/>
+    <p:sldId id="324" r:id="rId13"/>
+    <p:sldId id="259" r:id="rId14"/>
+    <p:sldId id="327" r:id="rId15"/>
+    <p:sldId id="323" r:id="rId16"/>
+    <p:sldId id="325" r:id="rId17"/>
+    <p:sldId id="326" r:id="rId18"/>
+    <p:sldId id="296" r:id="rId19"/>
+    <p:sldId id="282" r:id="rId20"/>
+    <p:sldId id="329" r:id="rId21"/>
+    <p:sldId id="318" r:id="rId22"/>
+    <p:sldId id="319" r:id="rId23"/>
+    <p:sldId id="320" r:id="rId24"/>
+    <p:sldId id="273" r:id="rId25"/>
+    <p:sldId id="298" r:id="rId26"/>
+    <p:sldId id="297" r:id="rId27"/>
+    <p:sldId id="299" r:id="rId28"/>
+    <p:sldId id="300" r:id="rId29"/>
+    <p:sldId id="301" r:id="rId30"/>
+    <p:sldId id="302" r:id="rId31"/>
+    <p:sldId id="264" r:id="rId32"/>
+    <p:sldId id="283" r:id="rId33"/>
+    <p:sldId id="321" r:id="rId34"/>
+    <p:sldId id="266" r:id="rId35"/>
+    <p:sldId id="278" r:id="rId36"/>
+    <p:sldId id="288" r:id="rId37"/>
+    <p:sldId id="289" r:id="rId38"/>
+    <p:sldId id="322" r:id="rId39"/>
+    <p:sldId id="303" r:id="rId40"/>
+    <p:sldId id="279" r:id="rId41"/>
+    <p:sldId id="280" r:id="rId42"/>
+    <p:sldId id="281" r:id="rId43"/>
+    <p:sldId id="304" r:id="rId44"/>
+    <p:sldId id="267" r:id="rId45"/>
+    <p:sldId id="268" r:id="rId46"/>
+    <p:sldId id="293" r:id="rId47"/>
+    <p:sldId id="294" r:id="rId48"/>
+    <p:sldId id="295" r:id="rId49"/>
+    <p:sldId id="269" r:id="rId50"/>
+    <p:sldId id="305" r:id="rId51"/>
+    <p:sldId id="270" r:id="rId52"/>
+    <p:sldId id="306" r:id="rId53"/>
+    <p:sldId id="314" r:id="rId54"/>
+    <p:sldId id="315" r:id="rId55"/>
+    <p:sldId id="271" r:id="rId56"/>
+    <p:sldId id="260" r:id="rId57"/>
+    <p:sldId id="311" r:id="rId58"/>
+    <p:sldId id="312" r:id="rId59"/>
+    <p:sldId id="313" r:id="rId60"/>
+    <p:sldId id="307" r:id="rId61"/>
+    <p:sldId id="308" r:id="rId62"/>
+    <p:sldId id="310" r:id="rId63"/>
+    <p:sldId id="309" r:id="rId64"/>
+    <p:sldId id="316" r:id="rId65"/>
+    <p:sldId id="291" r:id="rId66"/>
+    <p:sldId id="284" r:id="rId67"/>
+    <p:sldId id="285" r:id="rId68"/>
+    <p:sldId id="262" r:id="rId69"/>
+    <p:sldId id="272" r:id="rId70"/>
   </p:sldIdLst>
-  <p:sldSz cx="9144000" cy="6858000" type="screen4x3"/>
+  <p:sldSz cx="9144000" cy="5143500" type="screen16x9"/>
   <p:notesSz cx="6858000" cy="9144000"/>
   <p:defaultTextStyle>
     <a:defPPr>
@@ -194,19 +204,26 @@
         </p:nvSpPr>
         <p:spPr>
           <a:xfrm>
-            <a:off x="685800" y="2130425"/>
-            <a:ext cx="7772400" cy="1470025"/>
+            <a:off x="685800" y="1597819"/>
+            <a:ext cx="7772400" cy="1102519"/>
           </a:xfrm>
         </p:spPr>
         <p:txBody>
           <a:bodyPr/>
-          <a:lstStyle/>
-          <a:p>
-            <a:r>
-              <a:rPr lang="zh-TW" altLang="en-US" smtClean="0"/>
+          <a:lstStyle>
+            <a:lvl1pPr>
+              <a:defRPr>
+                <a:latin typeface="微軟正黑體" panose="020B0604030504040204" pitchFamily="34" charset="-120"/>
+                <a:ea typeface="微軟正黑體" panose="020B0604030504040204" pitchFamily="34" charset="-120"/>
+              </a:defRPr>
+            </a:lvl1pPr>
+          </a:lstStyle>
+          <a:p>
+            <a:r>
+              <a:rPr lang="zh-TW" altLang="en-US" dirty="0" smtClean="0"/>
               <a:t>按一下以編輯母片標題樣式</a:t>
             </a:r>
-            <a:endParaRPr lang="zh-TW" altLang="en-US"/>
+            <a:endParaRPr lang="zh-TW" altLang="en-US" dirty="0"/>
           </a:p>
         </p:txBody>
       </p:sp>
@@ -222,8 +239,8 @@
         </p:nvSpPr>
         <p:spPr>
           <a:xfrm>
-            <a:off x="1371600" y="3886200"/>
-            <a:ext cx="6400800" cy="1752600"/>
+            <a:off x="1371600" y="2914650"/>
+            <a:ext cx="6400800" cy="1314450"/>
           </a:xfrm>
         </p:spPr>
         <p:txBody>
@@ -346,7 +363,7 @@
           <a:p>
             <a:fld id="{5BBEAD13-0566-4C6C-97E7-55F17F24B09F}" type="datetimeFigureOut">
               <a:rPr lang="zh-TW" altLang="en-US" smtClean="0"/>
-              <a:t>2018/5/27</a:t>
+              <a:t>2018/5/28</a:t>
             </a:fld>
             <a:endParaRPr lang="zh-TW" altLang="en-US"/>
           </a:p>
@@ -399,6 +416,13 @@
   <p:clrMapOvr>
     <a:masterClrMapping/>
   </p:clrMapOvr>
+  <p:timing>
+    <p:tnLst>
+      <p:par>
+        <p:cTn id="1" dur="indefinite" restart="never" nodeType="tmRoot"/>
+      </p:par>
+    </p:tnLst>
+  </p:timing>
 </p:sldLayout>
 </file>
 
@@ -511,7 +535,7 @@
           <a:p>
             <a:fld id="{5BBEAD13-0566-4C6C-97E7-55F17F24B09F}" type="datetimeFigureOut">
               <a:rPr lang="zh-TW" altLang="en-US" smtClean="0"/>
-              <a:t>2018/5/27</a:t>
+              <a:t>2018/5/28</a:t>
             </a:fld>
             <a:endParaRPr lang="zh-TW" altLang="en-US"/>
           </a:p>
@@ -596,8 +620,8 @@
         </p:nvSpPr>
         <p:spPr>
           <a:xfrm>
-            <a:off x="6629400" y="274638"/>
-            <a:ext cx="2057400" cy="5851525"/>
+            <a:off x="6629400" y="205979"/>
+            <a:ext cx="2057400" cy="4388644"/>
           </a:xfrm>
         </p:spPr>
         <p:txBody>
@@ -624,8 +648,8 @@
         </p:nvSpPr>
         <p:spPr>
           <a:xfrm>
-            <a:off x="457200" y="274638"/>
-            <a:ext cx="6019800" cy="5851525"/>
+            <a:off x="457200" y="205979"/>
+            <a:ext cx="6019800" cy="4388644"/>
           </a:xfrm>
         </p:spPr>
         <p:txBody>
@@ -686,7 +710,7 @@
           <a:p>
             <a:fld id="{5BBEAD13-0566-4C6C-97E7-55F17F24B09F}" type="datetimeFigureOut">
               <a:rPr lang="zh-TW" altLang="en-US" smtClean="0"/>
-              <a:t>2018/5/27</a:t>
+              <a:t>2018/5/28</a:t>
             </a:fld>
             <a:endParaRPr lang="zh-TW" altLang="en-US"/>
           </a:p>
@@ -739,6 +763,13 @@
   <p:clrMapOvr>
     <a:masterClrMapping/>
   </p:clrMapOvr>
+  <p:timing>
+    <p:tnLst>
+      <p:par>
+        <p:cTn id="1" dur="indefinite" restart="never" nodeType="tmRoot"/>
+      </p:par>
+    </p:tnLst>
+  </p:timing>
 </p:sldLayout>
 </file>
 
@@ -772,13 +803,20 @@
         <p:spPr/>
         <p:txBody>
           <a:bodyPr/>
-          <a:lstStyle/>
-          <a:p>
-            <a:r>
-              <a:rPr lang="zh-TW" altLang="en-US" smtClean="0"/>
+          <a:lstStyle>
+            <a:lvl1pPr>
+              <a:defRPr>
+                <a:latin typeface="微軟正黑體" panose="020B0604030504040204" pitchFamily="34" charset="-120"/>
+                <a:ea typeface="微軟正黑體" panose="020B0604030504040204" pitchFamily="34" charset="-120"/>
+              </a:defRPr>
+            </a:lvl1pPr>
+          </a:lstStyle>
+          <a:p>
+            <a:r>
+              <a:rPr lang="zh-TW" altLang="en-US" dirty="0" smtClean="0"/>
               <a:t>按一下以編輯母片標題樣式</a:t>
             </a:r>
-            <a:endParaRPr lang="zh-TW" altLang="en-US"/>
+            <a:endParaRPr lang="zh-TW" altLang="en-US" dirty="0"/>
           </a:p>
         </p:txBody>
       </p:sp>
@@ -795,42 +833,73 @@
         <p:spPr/>
         <p:txBody>
           <a:bodyPr/>
-          <a:lstStyle/>
+          <a:lstStyle>
+            <a:lvl1pPr>
+              <a:defRPr>
+                <a:latin typeface="微軟正黑體" panose="020B0604030504040204" pitchFamily="34" charset="-120"/>
+                <a:ea typeface="微軟正黑體" panose="020B0604030504040204" pitchFamily="34" charset="-120"/>
+              </a:defRPr>
+            </a:lvl1pPr>
+            <a:lvl2pPr>
+              <a:defRPr>
+                <a:latin typeface="微軟正黑體" panose="020B0604030504040204" pitchFamily="34" charset="-120"/>
+                <a:ea typeface="微軟正黑體" panose="020B0604030504040204" pitchFamily="34" charset="-120"/>
+              </a:defRPr>
+            </a:lvl2pPr>
+            <a:lvl3pPr>
+              <a:defRPr>
+                <a:latin typeface="微軟正黑體" panose="020B0604030504040204" pitchFamily="34" charset="-120"/>
+                <a:ea typeface="微軟正黑體" panose="020B0604030504040204" pitchFamily="34" charset="-120"/>
+              </a:defRPr>
+            </a:lvl3pPr>
+            <a:lvl4pPr>
+              <a:defRPr>
+                <a:latin typeface="微軟正黑體" panose="020B0604030504040204" pitchFamily="34" charset="-120"/>
+                <a:ea typeface="微軟正黑體" panose="020B0604030504040204" pitchFamily="34" charset="-120"/>
+              </a:defRPr>
+            </a:lvl4pPr>
+            <a:lvl5pPr>
+              <a:defRPr>
+                <a:latin typeface="微軟正黑體" panose="020B0604030504040204" pitchFamily="34" charset="-120"/>
+                <a:ea typeface="微軟正黑體" panose="020B0604030504040204" pitchFamily="34" charset="-120"/>
+              </a:defRPr>
+            </a:lvl5pPr>
+          </a:lstStyle>
           <a:p>
             <a:pPr lvl="0"/>
             <a:r>
-              <a:rPr lang="zh-TW" altLang="en-US" smtClean="0"/>
+              <a:rPr lang="zh-TW" altLang="en-US" dirty="0" smtClean="0"/>
               <a:t>按一下以編輯母片文字樣式</a:t>
             </a:r>
           </a:p>
           <a:p>
             <a:pPr lvl="1"/>
             <a:r>
-              <a:rPr lang="zh-TW" altLang="en-US" smtClean="0"/>
+              <a:rPr lang="zh-TW" altLang="en-US" dirty="0" smtClean="0"/>
               <a:t>第二層</a:t>
             </a:r>
           </a:p>
           <a:p>
             <a:pPr lvl="2"/>
             <a:r>
-              <a:rPr lang="zh-TW" altLang="en-US" smtClean="0"/>
+              <a:rPr lang="zh-TW" altLang="en-US" dirty="0" smtClean="0"/>
               <a:t>第三層</a:t>
             </a:r>
           </a:p>
           <a:p>
             <a:pPr lvl="3"/>
             <a:r>
-              <a:rPr lang="zh-TW" altLang="en-US" smtClean="0"/>
+              <a:rPr lang="zh-TW" altLang="en-US" dirty="0" smtClean="0"/>
               <a:t>第四層</a:t>
             </a:r>
           </a:p>
           <a:p>
             <a:pPr lvl="4"/>
             <a:r>
-              <a:rPr lang="zh-TW" altLang="en-US" smtClean="0"/>
+              <a:rPr lang="zh-TW" altLang="en-US" dirty="0" smtClean="0"/>
               <a:t>第五層</a:t>
             </a:r>
-            <a:endParaRPr lang="zh-TW" altLang="en-US"/>
+            <a:endParaRPr lang="zh-TW" altLang="en-US" dirty="0"/>
           </a:p>
         </p:txBody>
       </p:sp>
@@ -851,7 +920,7 @@
           <a:p>
             <a:fld id="{5BBEAD13-0566-4C6C-97E7-55F17F24B09F}" type="datetimeFigureOut">
               <a:rPr lang="zh-TW" altLang="en-US" smtClean="0"/>
-              <a:t>2018/5/27</a:t>
+              <a:t>2018/5/28</a:t>
             </a:fld>
             <a:endParaRPr lang="zh-TW" altLang="en-US"/>
           </a:p>
@@ -904,6 +973,13 @@
   <p:clrMapOvr>
     <a:masterClrMapping/>
   </p:clrMapOvr>
+  <p:timing>
+    <p:tnLst>
+      <p:par>
+        <p:cTn id="1" dur="indefinite" restart="never" nodeType="tmRoot"/>
+      </p:par>
+    </p:tnLst>
+  </p:timing>
 </p:sldLayout>
 </file>
 
@@ -936,8 +1012,8 @@
         </p:nvSpPr>
         <p:spPr>
           <a:xfrm>
-            <a:off x="722313" y="4406900"/>
-            <a:ext cx="7772400" cy="1362075"/>
+            <a:off x="722313" y="3305176"/>
+            <a:ext cx="7772400" cy="1021556"/>
           </a:xfrm>
         </p:spPr>
         <p:txBody>
@@ -949,10 +1025,10 @@
           </a:lstStyle>
           <a:p>
             <a:r>
-              <a:rPr lang="zh-TW" altLang="en-US" smtClean="0"/>
+              <a:rPr lang="zh-TW" altLang="en-US" dirty="0" smtClean="0"/>
               <a:t>按一下以編輯母片標題樣式</a:t>
             </a:r>
-            <a:endParaRPr lang="zh-TW" altLang="en-US"/>
+            <a:endParaRPr lang="zh-TW" altLang="en-US" dirty="0"/>
           </a:p>
         </p:txBody>
       </p:sp>
@@ -968,8 +1044,8 @@
         </p:nvSpPr>
         <p:spPr>
           <a:xfrm>
-            <a:off x="722313" y="2906713"/>
-            <a:ext cx="7772400" cy="1500187"/>
+            <a:off x="722313" y="2180035"/>
+            <a:ext cx="7772400" cy="1125140"/>
           </a:xfrm>
         </p:spPr>
         <p:txBody>
@@ -1092,7 +1168,7 @@
           <a:p>
             <a:fld id="{5BBEAD13-0566-4C6C-97E7-55F17F24B09F}" type="datetimeFigureOut">
               <a:rPr lang="zh-TW" altLang="en-US" smtClean="0"/>
-              <a:t>2018/5/27</a:t>
+              <a:t>2018/5/28</a:t>
             </a:fld>
             <a:endParaRPr lang="zh-TW" altLang="en-US"/>
           </a:p>
@@ -1145,6 +1221,13 @@
   <p:clrMapOvr>
     <a:masterClrMapping/>
   </p:clrMapOvr>
+  <p:timing>
+    <p:tnLst>
+      <p:par>
+        <p:cTn id="1" dur="indefinite" restart="never" nodeType="tmRoot"/>
+      </p:par>
+    </p:tnLst>
+  </p:timing>
 </p:sldLayout>
 </file>
 
@@ -1200,8 +1283,8 @@
         </p:nvSpPr>
         <p:spPr>
           <a:xfrm>
-            <a:off x="457200" y="1600200"/>
-            <a:ext cx="4038600" cy="4525963"/>
+            <a:off x="457200" y="1200151"/>
+            <a:ext cx="4038600" cy="3394472"/>
           </a:xfrm>
         </p:spPr>
         <p:txBody>
@@ -1238,38 +1321,38 @@
           <a:p>
             <a:pPr lvl="0"/>
             <a:r>
-              <a:rPr lang="zh-TW" altLang="en-US" smtClean="0"/>
+              <a:rPr lang="zh-TW" altLang="en-US" dirty="0" smtClean="0"/>
               <a:t>按一下以編輯母片文字樣式</a:t>
             </a:r>
           </a:p>
           <a:p>
             <a:pPr lvl="1"/>
             <a:r>
-              <a:rPr lang="zh-TW" altLang="en-US" smtClean="0"/>
+              <a:rPr lang="zh-TW" altLang="en-US" dirty="0" smtClean="0"/>
               <a:t>第二層</a:t>
             </a:r>
           </a:p>
           <a:p>
             <a:pPr lvl="2"/>
             <a:r>
-              <a:rPr lang="zh-TW" altLang="en-US" smtClean="0"/>
+              <a:rPr lang="zh-TW" altLang="en-US" dirty="0" smtClean="0"/>
               <a:t>第三層</a:t>
             </a:r>
           </a:p>
           <a:p>
             <a:pPr lvl="3"/>
             <a:r>
-              <a:rPr lang="zh-TW" altLang="en-US" smtClean="0"/>
+              <a:rPr lang="zh-TW" altLang="en-US" dirty="0" smtClean="0"/>
               <a:t>第四層</a:t>
             </a:r>
           </a:p>
           <a:p>
             <a:pPr lvl="4"/>
             <a:r>
-              <a:rPr lang="zh-TW" altLang="en-US" smtClean="0"/>
+              <a:rPr lang="zh-TW" altLang="en-US" dirty="0" smtClean="0"/>
               <a:t>第五層</a:t>
             </a:r>
-            <a:endParaRPr lang="zh-TW" altLang="en-US"/>
+            <a:endParaRPr lang="zh-TW" altLang="en-US" dirty="0"/>
           </a:p>
         </p:txBody>
       </p:sp>
@@ -1285,8 +1368,8 @@
         </p:nvSpPr>
         <p:spPr>
           <a:xfrm>
-            <a:off x="4648200" y="1600200"/>
-            <a:ext cx="4038600" cy="4525963"/>
+            <a:off x="4648200" y="1200151"/>
+            <a:ext cx="4038600" cy="3394472"/>
           </a:xfrm>
         </p:spPr>
         <p:txBody>
@@ -1375,7 +1458,7 @@
           <a:p>
             <a:fld id="{5BBEAD13-0566-4C6C-97E7-55F17F24B09F}" type="datetimeFigureOut">
               <a:rPr lang="zh-TW" altLang="en-US" smtClean="0"/>
-              <a:t>2018/5/27</a:t>
+              <a:t>2018/5/28</a:t>
             </a:fld>
             <a:endParaRPr lang="zh-TW" altLang="en-US"/>
           </a:p>
@@ -1428,6 +1511,13 @@
   <p:clrMapOvr>
     <a:masterClrMapping/>
   </p:clrMapOvr>
+  <p:timing>
+    <p:tnLst>
+      <p:par>
+        <p:cTn id="1" dur="indefinite" restart="never" nodeType="tmRoot"/>
+      </p:par>
+    </p:tnLst>
+  </p:timing>
 </p:sldLayout>
 </file>
 
@@ -1487,8 +1577,8 @@
         </p:nvSpPr>
         <p:spPr>
           <a:xfrm>
-            <a:off x="457200" y="1535113"/>
-            <a:ext cx="4040188" cy="639762"/>
+            <a:off x="457200" y="1151335"/>
+            <a:ext cx="4040188" cy="479822"/>
           </a:xfrm>
         </p:spPr>
         <p:txBody>
@@ -1534,7 +1624,7 @@
           <a:p>
             <a:pPr lvl="0"/>
             <a:r>
-              <a:rPr lang="zh-TW" altLang="en-US" smtClean="0"/>
+              <a:rPr lang="zh-TW" altLang="en-US" dirty="0" smtClean="0"/>
               <a:t>按一下以編輯母片文字樣式</a:t>
             </a:r>
           </a:p>
@@ -1552,8 +1642,8 @@
         </p:nvSpPr>
         <p:spPr>
           <a:xfrm>
-            <a:off x="457200" y="2174875"/>
-            <a:ext cx="4040188" cy="3951288"/>
+            <a:off x="457200" y="1631156"/>
+            <a:ext cx="4040188" cy="2963466"/>
           </a:xfrm>
         </p:spPr>
         <p:txBody>
@@ -1590,38 +1680,38 @@
           <a:p>
             <a:pPr lvl="0"/>
             <a:r>
-              <a:rPr lang="zh-TW" altLang="en-US" smtClean="0"/>
+              <a:rPr lang="zh-TW" altLang="en-US" dirty="0" smtClean="0"/>
               <a:t>按一下以編輯母片文字樣式</a:t>
             </a:r>
           </a:p>
           <a:p>
             <a:pPr lvl="1"/>
             <a:r>
-              <a:rPr lang="zh-TW" altLang="en-US" smtClean="0"/>
+              <a:rPr lang="zh-TW" altLang="en-US" dirty="0" smtClean="0"/>
               <a:t>第二層</a:t>
             </a:r>
           </a:p>
           <a:p>
             <a:pPr lvl="2"/>
             <a:r>
-              <a:rPr lang="zh-TW" altLang="en-US" smtClean="0"/>
+              <a:rPr lang="zh-TW" altLang="en-US" dirty="0" smtClean="0"/>
               <a:t>第三層</a:t>
             </a:r>
           </a:p>
           <a:p>
             <a:pPr lvl="3"/>
             <a:r>
-              <a:rPr lang="zh-TW" altLang="en-US" smtClean="0"/>
+              <a:rPr lang="zh-TW" altLang="en-US" dirty="0" smtClean="0"/>
               <a:t>第四層</a:t>
             </a:r>
           </a:p>
           <a:p>
             <a:pPr lvl="4"/>
             <a:r>
-              <a:rPr lang="zh-TW" altLang="en-US" smtClean="0"/>
+              <a:rPr lang="zh-TW" altLang="en-US" dirty="0" smtClean="0"/>
               <a:t>第五層</a:t>
             </a:r>
-            <a:endParaRPr lang="zh-TW" altLang="en-US"/>
+            <a:endParaRPr lang="zh-TW" altLang="en-US" dirty="0"/>
           </a:p>
         </p:txBody>
       </p:sp>
@@ -1637,8 +1727,8 @@
         </p:nvSpPr>
         <p:spPr>
           <a:xfrm>
-            <a:off x="4645025" y="1535113"/>
-            <a:ext cx="4041775" cy="639762"/>
+            <a:off x="4645026" y="1151335"/>
+            <a:ext cx="4041775" cy="479822"/>
           </a:xfrm>
         </p:spPr>
         <p:txBody>
@@ -1702,8 +1792,8 @@
         </p:nvSpPr>
         <p:spPr>
           <a:xfrm>
-            <a:off x="4645025" y="2174875"/>
-            <a:ext cx="4041775" cy="3951288"/>
+            <a:off x="4645026" y="1631156"/>
+            <a:ext cx="4041775" cy="2963466"/>
           </a:xfrm>
         </p:spPr>
         <p:txBody>
@@ -1792,7 +1882,7 @@
           <a:p>
             <a:fld id="{5BBEAD13-0566-4C6C-97E7-55F17F24B09F}" type="datetimeFigureOut">
               <a:rPr lang="zh-TW" altLang="en-US" smtClean="0"/>
-              <a:t>2018/5/27</a:t>
+              <a:t>2018/5/28</a:t>
             </a:fld>
             <a:endParaRPr lang="zh-TW" altLang="en-US"/>
           </a:p>
@@ -1845,6 +1935,13 @@
   <p:clrMapOvr>
     <a:masterClrMapping/>
   </p:clrMapOvr>
+  <p:timing>
+    <p:tnLst>
+      <p:par>
+        <p:cTn id="1" dur="indefinite" restart="never" nodeType="tmRoot"/>
+      </p:par>
+    </p:tnLst>
+  </p:timing>
 </p:sldLayout>
 </file>
 
@@ -1905,7 +2002,7 @@
           <a:p>
             <a:fld id="{5BBEAD13-0566-4C6C-97E7-55F17F24B09F}" type="datetimeFigureOut">
               <a:rPr lang="zh-TW" altLang="en-US" smtClean="0"/>
-              <a:t>2018/5/27</a:t>
+              <a:t>2018/5/28</a:t>
             </a:fld>
             <a:endParaRPr lang="zh-TW" altLang="en-US"/>
           </a:p>
@@ -1958,6 +2055,13 @@
   <p:clrMapOvr>
     <a:masterClrMapping/>
   </p:clrMapOvr>
+  <p:timing>
+    <p:tnLst>
+      <p:par>
+        <p:cTn id="1" dur="indefinite" restart="never" nodeType="tmRoot"/>
+      </p:par>
+    </p:tnLst>
+  </p:timing>
 </p:sldLayout>
 </file>
 
@@ -1995,7 +2099,7 @@
           <a:p>
             <a:fld id="{5BBEAD13-0566-4C6C-97E7-55F17F24B09F}" type="datetimeFigureOut">
               <a:rPr lang="zh-TW" altLang="en-US" smtClean="0"/>
-              <a:t>2018/5/27</a:t>
+              <a:t>2018/5/28</a:t>
             </a:fld>
             <a:endParaRPr lang="zh-TW" altLang="en-US"/>
           </a:p>
@@ -2080,8 +2184,8 @@
         </p:nvSpPr>
         <p:spPr>
           <a:xfrm>
-            <a:off x="457200" y="273050"/>
-            <a:ext cx="3008313" cy="1162050"/>
+            <a:off x="457201" y="204787"/>
+            <a:ext cx="3008313" cy="871538"/>
           </a:xfrm>
         </p:spPr>
         <p:txBody>
@@ -2112,8 +2216,8 @@
         </p:nvSpPr>
         <p:spPr>
           <a:xfrm>
-            <a:off x="3575050" y="273050"/>
-            <a:ext cx="5111750" cy="5853113"/>
+            <a:off x="3575050" y="204788"/>
+            <a:ext cx="5111750" cy="4389835"/>
           </a:xfrm>
         </p:spPr>
         <p:txBody>
@@ -2197,8 +2301,8 @@
         </p:nvSpPr>
         <p:spPr>
           <a:xfrm>
-            <a:off x="457200" y="1435100"/>
-            <a:ext cx="3008313" cy="4691063"/>
+            <a:off x="457201" y="1076326"/>
+            <a:ext cx="3008313" cy="3518297"/>
           </a:xfrm>
         </p:spPr>
         <p:txBody>
@@ -2267,7 +2371,7 @@
           <a:p>
             <a:fld id="{5BBEAD13-0566-4C6C-97E7-55F17F24B09F}" type="datetimeFigureOut">
               <a:rPr lang="zh-TW" altLang="en-US" smtClean="0"/>
-              <a:t>2018/5/27</a:t>
+              <a:t>2018/5/28</a:t>
             </a:fld>
             <a:endParaRPr lang="zh-TW" altLang="en-US"/>
           </a:p>
@@ -2320,6 +2424,13 @@
   <p:clrMapOvr>
     <a:masterClrMapping/>
   </p:clrMapOvr>
+  <p:timing>
+    <p:tnLst>
+      <p:par>
+        <p:cTn id="1" dur="indefinite" restart="never" nodeType="tmRoot"/>
+      </p:par>
+    </p:tnLst>
+  </p:timing>
 </p:sldLayout>
 </file>
 
@@ -2352,8 +2463,8 @@
         </p:nvSpPr>
         <p:spPr>
           <a:xfrm>
-            <a:off x="1792288" y="4800600"/>
-            <a:ext cx="5486400" cy="566738"/>
+            <a:off x="1792288" y="3600450"/>
+            <a:ext cx="5486400" cy="425054"/>
           </a:xfrm>
         </p:spPr>
         <p:txBody>
@@ -2384,8 +2495,8 @@
         </p:nvSpPr>
         <p:spPr>
           <a:xfrm>
-            <a:off x="1792288" y="612775"/>
-            <a:ext cx="5486400" cy="4114800"/>
+            <a:off x="1792288" y="459581"/>
+            <a:ext cx="5486400" cy="3086100"/>
           </a:xfrm>
         </p:spPr>
         <p:txBody>
@@ -2445,8 +2556,8 @@
         </p:nvSpPr>
         <p:spPr>
           <a:xfrm>
-            <a:off x="1792288" y="5367338"/>
-            <a:ext cx="5486400" cy="804862"/>
+            <a:off x="1792288" y="4025503"/>
+            <a:ext cx="5486400" cy="603647"/>
           </a:xfrm>
         </p:spPr>
         <p:txBody>
@@ -2515,7 +2626,7 @@
           <a:p>
             <a:fld id="{5BBEAD13-0566-4C6C-97E7-55F17F24B09F}" type="datetimeFigureOut">
               <a:rPr lang="zh-TW" altLang="en-US" smtClean="0"/>
-              <a:t>2018/5/27</a:t>
+              <a:t>2018/5/28</a:t>
             </a:fld>
             <a:endParaRPr lang="zh-TW" altLang="en-US"/>
           </a:p>
@@ -2568,6 +2679,13 @@
   <p:clrMapOvr>
     <a:masterClrMapping/>
   </p:clrMapOvr>
+  <p:timing>
+    <p:tnLst>
+      <p:par>
+        <p:cTn id="1" dur="indefinite" restart="never" nodeType="tmRoot"/>
+      </p:par>
+    </p:tnLst>
+  </p:timing>
 </p:sldLayout>
 </file>
 
@@ -2575,9 +2693,12 @@
 <p:sldMaster xmlns:a="http://schemas.openxmlformats.org/drawingml/2006/main" xmlns:r="http://schemas.openxmlformats.org/officeDocument/2006/relationships" xmlns:p="http://schemas.openxmlformats.org/presentationml/2006/main">
   <p:cSld>
     <p:bg>
-      <p:bgRef idx="1001">
-        <a:schemeClr val="bg1"/>
-      </p:bgRef>
+      <p:bgPr>
+        <a:solidFill>
+          <a:schemeClr val="bg1"/>
+        </a:solidFill>
+        <a:effectLst/>
+      </p:bgPr>
     </p:bg>
     <p:spTree>
       <p:nvGrpSpPr>
@@ -2605,8 +2726,8 @@
         </p:nvSpPr>
         <p:spPr>
           <a:xfrm>
-            <a:off x="457200" y="274638"/>
-            <a:ext cx="8229600" cy="1143000"/>
+            <a:off x="457200" y="205979"/>
+            <a:ext cx="8229600" cy="857250"/>
           </a:xfrm>
           <a:prstGeom prst="rect">
             <a:avLst/>
@@ -2619,10 +2740,10 @@
           <a:lstStyle/>
           <a:p>
             <a:r>
-              <a:rPr lang="zh-TW" altLang="en-US" smtClean="0"/>
+              <a:rPr lang="zh-TW" altLang="en-US" dirty="0" smtClean="0"/>
               <a:t>按一下以編輯母片標題樣式</a:t>
             </a:r>
-            <a:endParaRPr lang="zh-TW" altLang="en-US"/>
+            <a:endParaRPr lang="zh-TW" altLang="en-US" dirty="0"/>
           </a:p>
         </p:txBody>
       </p:sp>
@@ -2638,8 +2759,8 @@
         </p:nvSpPr>
         <p:spPr>
           <a:xfrm>
-            <a:off x="457200" y="1600200"/>
-            <a:ext cx="8229600" cy="4525963"/>
+            <a:off x="457200" y="1200151"/>
+            <a:ext cx="8229600" cy="3394472"/>
           </a:xfrm>
           <a:prstGeom prst="rect">
             <a:avLst/>
@@ -2653,38 +2774,38 @@
           <a:p>
             <a:pPr lvl="0"/>
             <a:r>
-              <a:rPr lang="zh-TW" altLang="en-US" smtClean="0"/>
+              <a:rPr lang="zh-TW" altLang="en-US" dirty="0" smtClean="0"/>
               <a:t>按一下以編輯母片文字樣式</a:t>
             </a:r>
           </a:p>
           <a:p>
             <a:pPr lvl="1"/>
             <a:r>
-              <a:rPr lang="zh-TW" altLang="en-US" smtClean="0"/>
+              <a:rPr lang="zh-TW" altLang="en-US" dirty="0" smtClean="0"/>
               <a:t>第二層</a:t>
             </a:r>
           </a:p>
           <a:p>
             <a:pPr lvl="2"/>
             <a:r>
-              <a:rPr lang="zh-TW" altLang="en-US" smtClean="0"/>
+              <a:rPr lang="zh-TW" altLang="en-US" dirty="0" smtClean="0"/>
               <a:t>第三層</a:t>
             </a:r>
           </a:p>
           <a:p>
             <a:pPr lvl="3"/>
             <a:r>
-              <a:rPr lang="zh-TW" altLang="en-US" smtClean="0"/>
+              <a:rPr lang="zh-TW" altLang="en-US" dirty="0" smtClean="0"/>
               <a:t>第四層</a:t>
             </a:r>
           </a:p>
           <a:p>
             <a:pPr lvl="4"/>
             <a:r>
-              <a:rPr lang="zh-TW" altLang="en-US" smtClean="0"/>
+              <a:rPr lang="zh-TW" altLang="en-US" dirty="0" smtClean="0"/>
               <a:t>第五層</a:t>
             </a:r>
-            <a:endParaRPr lang="zh-TW" altLang="en-US"/>
+            <a:endParaRPr lang="zh-TW" altLang="en-US" dirty="0"/>
           </a:p>
         </p:txBody>
       </p:sp>
@@ -2700,8 +2821,8 @@
         </p:nvSpPr>
         <p:spPr>
           <a:xfrm>
-            <a:off x="457200" y="6356350"/>
-            <a:ext cx="2133600" cy="365125"/>
+            <a:off x="457200" y="4767263"/>
+            <a:ext cx="2133600" cy="273844"/>
           </a:xfrm>
           <a:prstGeom prst="rect">
             <a:avLst/>
@@ -2723,7 +2844,7 @@
           <a:p>
             <a:fld id="{5BBEAD13-0566-4C6C-97E7-55F17F24B09F}" type="datetimeFigureOut">
               <a:rPr lang="zh-TW" altLang="en-US" smtClean="0"/>
-              <a:t>2018/5/27</a:t>
+              <a:t>2018/5/28</a:t>
             </a:fld>
             <a:endParaRPr lang="zh-TW" altLang="en-US"/>
           </a:p>
@@ -2741,8 +2862,8 @@
         </p:nvSpPr>
         <p:spPr>
           <a:xfrm>
-            <a:off x="3124200" y="6356350"/>
-            <a:ext cx="2895600" cy="365125"/>
+            <a:off x="3124200" y="4767263"/>
+            <a:ext cx="2895600" cy="273844"/>
           </a:xfrm>
           <a:prstGeom prst="rect">
             <a:avLst/>
@@ -2778,8 +2899,8 @@
         </p:nvSpPr>
         <p:spPr>
           <a:xfrm>
-            <a:off x="6553200" y="6356350"/>
-            <a:ext cx="2133600" cy="365125"/>
+            <a:off x="6553200" y="4767263"/>
+            <a:ext cx="2133600" cy="273844"/>
           </a:xfrm>
           <a:prstGeom prst="rect">
             <a:avLst/>
@@ -2823,6 +2944,13 @@
     <p:sldLayoutId id="2147483658" r:id="rId10"/>
     <p:sldLayoutId id="2147483659" r:id="rId11"/>
   </p:sldLayoutIdLst>
+  <p:timing>
+    <p:tnLst>
+      <p:par>
+        <p:cTn id="1" dur="indefinite" restart="never" nodeType="tmRoot"/>
+      </p:par>
+    </p:tnLst>
+  </p:timing>
   <p:txStyles>
     <p:titleStyle>
       <a:lvl1pPr algn="ctr" defTabSz="914400" rtl="0" eaLnBrk="1" latinLnBrk="0" hangingPunct="1">
@@ -2830,12 +2958,12 @@
           <a:spcPct val="0"/>
         </a:spcBef>
         <a:buNone/>
-        <a:defRPr sz="4400" kern="1200">
+        <a:defRPr sz="2800" b="1" kern="1200">
           <a:solidFill>
             <a:schemeClr val="tx1"/>
           </a:solidFill>
-          <a:latin typeface="+mj-lt"/>
-          <a:ea typeface="+mj-ea"/>
+          <a:latin typeface="微軟正黑體" panose="020B0604030504040204" pitchFamily="34" charset="-120"/>
+          <a:ea typeface="微軟正黑體" panose="020B0604030504040204" pitchFamily="34" charset="-120"/>
           <a:cs typeface="+mj-cs"/>
         </a:defRPr>
       </a:lvl1pPr>
@@ -2851,8 +2979,8 @@
           <a:solidFill>
             <a:schemeClr val="tx1"/>
           </a:solidFill>
-          <a:latin typeface="+mn-lt"/>
-          <a:ea typeface="+mn-ea"/>
+          <a:latin typeface="微軟正黑體" panose="020B0604030504040204" pitchFamily="34" charset="-120"/>
+          <a:ea typeface="微軟正黑體" panose="020B0604030504040204" pitchFamily="34" charset="-120"/>
           <a:cs typeface="+mn-cs"/>
         </a:defRPr>
       </a:lvl1pPr>
@@ -2866,8 +2994,8 @@
           <a:solidFill>
             <a:schemeClr val="tx1"/>
           </a:solidFill>
-          <a:latin typeface="+mn-lt"/>
-          <a:ea typeface="+mn-ea"/>
+          <a:latin typeface="微軟正黑體" panose="020B0604030504040204" pitchFamily="34" charset="-120"/>
+          <a:ea typeface="微軟正黑體" panose="020B0604030504040204" pitchFamily="34" charset="-120"/>
           <a:cs typeface="+mn-cs"/>
         </a:defRPr>
       </a:lvl2pPr>
@@ -2881,8 +3009,8 @@
           <a:solidFill>
             <a:schemeClr val="tx1"/>
           </a:solidFill>
-          <a:latin typeface="+mn-lt"/>
-          <a:ea typeface="+mn-ea"/>
+          <a:latin typeface="微軟正黑體" panose="020B0604030504040204" pitchFamily="34" charset="-120"/>
+          <a:ea typeface="微軟正黑體" panose="020B0604030504040204" pitchFamily="34" charset="-120"/>
           <a:cs typeface="+mn-cs"/>
         </a:defRPr>
       </a:lvl3pPr>
@@ -2896,8 +3024,8 @@
           <a:solidFill>
             <a:schemeClr val="tx1"/>
           </a:solidFill>
-          <a:latin typeface="+mn-lt"/>
-          <a:ea typeface="+mn-ea"/>
+          <a:latin typeface="微軟正黑體" panose="020B0604030504040204" pitchFamily="34" charset="-120"/>
+          <a:ea typeface="微軟正黑體" panose="020B0604030504040204" pitchFamily="34" charset="-120"/>
           <a:cs typeface="+mn-cs"/>
         </a:defRPr>
       </a:lvl4pPr>
@@ -2911,8 +3039,8 @@
           <a:solidFill>
             <a:schemeClr val="tx1"/>
           </a:solidFill>
-          <a:latin typeface="+mn-lt"/>
-          <a:ea typeface="+mn-ea"/>
+          <a:latin typeface="微軟正黑體" panose="020B0604030504040204" pitchFamily="34" charset="-120"/>
+          <a:ea typeface="微軟正黑體" panose="020B0604030504040204" pitchFamily="34" charset="-120"/>
           <a:cs typeface="+mn-cs"/>
         </a:defRPr>
       </a:lvl5pPr>
@@ -3103,20 +3231,27 @@
             <p:ph type="ctrTitle"/>
           </p:nvPr>
         </p:nvSpPr>
-        <p:spPr/>
-        <p:txBody>
-          <a:bodyPr/>
-          <a:lstStyle/>
-          <a:p>
-            <a:r>
-              <a:rPr lang="en-US" altLang="zh-TW" dirty="0" smtClean="0"/>
+        <p:spPr>
+          <a:xfrm>
+            <a:off x="683568" y="1851670"/>
+            <a:ext cx="7772400" cy="1102519"/>
+          </a:xfrm>
+        </p:spPr>
+        <p:txBody>
+          <a:bodyPr>
+            <a:normAutofit/>
+          </a:bodyPr>
+          <a:lstStyle/>
+          <a:p>
+            <a:r>
+              <a:rPr lang="en-US" altLang="zh-TW" sz="4800" dirty="0" smtClean="0"/>
               <a:t>JavaScript</a:t>
             </a:r>
             <a:r>
-              <a:rPr lang="zh-TW" altLang="en-US" dirty="0" smtClean="0"/>
+              <a:rPr lang="zh-TW" altLang="en-US" sz="4800" dirty="0" smtClean="0"/>
               <a:t>分享</a:t>
             </a:r>
-            <a:endParaRPr lang="zh-TW" altLang="en-US" dirty="0"/>
+            <a:endParaRPr lang="zh-TW" altLang="en-US" sz="4800" dirty="0"/>
           </a:p>
         </p:txBody>
       </p:sp>
@@ -3132,18 +3267,20 @@
         </p:nvSpPr>
         <p:spPr/>
         <p:txBody>
-          <a:bodyPr/>
-          <a:lstStyle/>
-          <a:p>
-            <a:r>
-              <a:rPr lang="en-US" altLang="zh-TW" dirty="0" smtClean="0"/>
+          <a:bodyPr>
+            <a:normAutofit/>
+          </a:bodyPr>
+          <a:lstStyle/>
+          <a:p>
+            <a:r>
+              <a:rPr lang="en-US" altLang="zh-TW" sz="2000" dirty="0" smtClean="0"/>
               <a:t>By </a:t>
             </a:r>
             <a:r>
-              <a:rPr lang="en-US" altLang="zh-TW" dirty="0" err="1" smtClean="0"/>
+              <a:rPr lang="en-US" altLang="zh-TW" sz="2000" dirty="0" err="1" smtClean="0"/>
               <a:t>SimonAllen</a:t>
             </a:r>
-            <a:endParaRPr lang="zh-TW" altLang="en-US" dirty="0"/>
+            <a:endParaRPr lang="zh-TW" altLang="en-US" sz="2000" dirty="0"/>
           </a:p>
         </p:txBody>
       </p:sp>
@@ -3157,6 +3294,13 @@
   <p:clrMapOvr>
     <a:masterClrMapping/>
   </p:clrMapOvr>
+  <p:timing>
+    <p:tnLst>
+      <p:par>
+        <p:cTn id="1" dur="indefinite" restart="never" nodeType="tmRoot"/>
+      </p:par>
+    </p:tnLst>
+  </p:timing>
 </p:sld>
 </file>
 
@@ -3187,56 +3331,40 @@
             <p:ph type="title"/>
           </p:nvPr>
         </p:nvSpPr>
-        <p:spPr/>
-        <p:txBody>
-          <a:bodyPr/>
-          <a:lstStyle/>
-          <a:p>
-            <a:r>
-              <a:rPr lang="en-US" altLang="zh-TW" dirty="0" smtClean="0"/>
-              <a:t>2.VS </a:t>
-            </a:r>
-            <a:r>
-              <a:rPr lang="en-US" altLang="zh-TW" dirty="0" smtClean="0"/>
-              <a:t>Code</a:t>
-            </a:r>
-            <a:r>
-              <a:rPr lang="zh-TW" altLang="en-US" dirty="0" smtClean="0"/>
-              <a:t>編輯器</a:t>
-            </a:r>
-            <a:endParaRPr lang="zh-TW" altLang="en-US" dirty="0"/>
-          </a:p>
-        </p:txBody>
-      </p:sp>
-      <p:sp>
-        <p:nvSpPr>
-          <p:cNvPr id="3" name="內容版面配置區 2"/>
-          <p:cNvSpPr>
-            <a:spLocks noGrp="1"/>
-          </p:cNvSpPr>
-          <p:nvPr>
-            <p:ph idx="1"/>
-          </p:nvPr>
-        </p:nvSpPr>
-        <p:spPr/>
-        <p:txBody>
-          <a:bodyPr/>
-          <a:lstStyle/>
-          <a:p>
-            <a:endParaRPr lang="zh-TW" altLang="en-US" dirty="0"/>
+        <p:spPr>
+          <a:xfrm>
+            <a:off x="467544" y="1977684"/>
+            <a:ext cx="8229600" cy="857250"/>
+          </a:xfrm>
+        </p:spPr>
+        <p:txBody>
+          <a:bodyPr/>
+          <a:lstStyle/>
+          <a:p>
+            <a:r>
+              <a:rPr lang="zh-TW" altLang="en-US" dirty="0"/>
+              <a:t>變數</a:t>
+            </a:r>
           </a:p>
         </p:txBody>
       </p:sp>
     </p:spTree>
     <p:extLst>
       <p:ext uri="{BB962C8B-B14F-4D97-AF65-F5344CB8AC3E}">
-        <p14:creationId xmlns:p14="http://schemas.microsoft.com/office/powerpoint/2010/main" val="1133087844"/>
+        <p14:creationId xmlns:p14="http://schemas.microsoft.com/office/powerpoint/2010/main" val="3948142311"/>
       </p:ext>
     </p:extLst>
   </p:cSld>
   <p:clrMapOvr>
     <a:masterClrMapping/>
   </p:clrMapOvr>
+  <p:timing>
+    <p:tnLst>
+      <p:par>
+        <p:cTn id="1" dur="indefinite" restart="never" nodeType="tmRoot"/>
+      </p:par>
+    </p:tnLst>
+  </p:timing>
 </p:sld>
 </file>
 
@@ -3274,7 +3402,7 @@
           <a:p>
             <a:r>
               <a:rPr lang="zh-TW" altLang="en-US" dirty="0" smtClean="0"/>
-              <a:t>資料型態</a:t>
+              <a:t>變數</a:t>
             </a:r>
             <a:endParaRPr lang="zh-TW" altLang="en-US" dirty="0"/>
           </a:p>
@@ -3292,64 +3420,141 @@
         </p:nvSpPr>
         <p:spPr/>
         <p:txBody>
-          <a:bodyPr/>
-          <a:lstStyle/>
-          <a:p>
-            <a:r>
-              <a:rPr lang="en-US" altLang="zh-TW" dirty="0" smtClean="0"/>
+          <a:bodyPr>
+            <a:noAutofit/>
+          </a:bodyPr>
+          <a:lstStyle/>
+          <a:p>
+            <a:pPr marL="0" indent="0">
+              <a:buNone/>
+            </a:pPr>
+            <a:r>
+              <a:rPr lang="zh-TW" altLang="en-US" sz="2000" dirty="0" smtClean="0"/>
+              <a:t>用來</a:t>
+            </a:r>
+            <a:r>
+              <a:rPr lang="zh-TW" altLang="en-US" sz="2000" dirty="0"/>
+              <a:t>儲存資料和進行運算的基本</a:t>
+            </a:r>
+            <a:r>
+              <a:rPr lang="zh-TW" altLang="en-US" sz="2000" dirty="0" smtClean="0"/>
+              <a:t>單位</a:t>
+            </a:r>
+            <a:endParaRPr lang="en-US" altLang="zh-TW" sz="2000" dirty="0" smtClean="0"/>
+          </a:p>
+          <a:p>
+            <a:pPr marL="0" indent="0">
+              <a:buNone/>
+            </a:pPr>
+            <a:r>
+              <a:rPr lang="zh-TW" altLang="en-US" sz="2000" dirty="0" smtClean="0"/>
+              <a:t>變數會指向</a:t>
+            </a:r>
+            <a:r>
+              <a:rPr lang="zh-TW" altLang="en-US" sz="2000" dirty="0"/>
+              <a:t>記憶體</a:t>
+            </a:r>
+            <a:r>
+              <a:rPr lang="zh-TW" altLang="en-US" sz="2000" dirty="0" smtClean="0"/>
+              <a:t>中的程式數據</a:t>
+            </a:r>
+            <a:r>
+              <a:rPr lang="en-US" altLang="zh-TW" sz="2000" dirty="0" smtClean="0"/>
+              <a:t>(</a:t>
+            </a:r>
+            <a:r>
+              <a:rPr lang="zh-TW" altLang="en-US" sz="2000" dirty="0"/>
+              <a:t>資料</a:t>
+            </a:r>
+            <a:r>
+              <a:rPr lang="zh-TW" altLang="en-US" sz="2000" dirty="0" smtClean="0"/>
+              <a:t>型態</a:t>
+            </a:r>
+            <a:r>
+              <a:rPr lang="en-US" altLang="zh-TW" sz="2000" dirty="0" smtClean="0"/>
+              <a:t>)</a:t>
+            </a:r>
+          </a:p>
+          <a:p>
+            <a:pPr marL="0" indent="0">
+              <a:buNone/>
+            </a:pPr>
+            <a:endParaRPr lang="en-US" altLang="zh-TW" sz="2000" dirty="0"/>
+          </a:p>
+          <a:p>
+            <a:pPr marL="0" indent="0">
+              <a:buNone/>
+            </a:pPr>
+            <a:r>
+              <a:rPr lang="zh-TW" altLang="en-US" sz="2000" dirty="0"/>
+              <a:t>變數沒有型別</a:t>
+            </a:r>
+            <a:r>
+              <a:rPr lang="zh-TW" altLang="en-US" sz="2000" dirty="0" smtClean="0"/>
+              <a:t>，值</a:t>
+            </a:r>
+            <a:r>
+              <a:rPr lang="zh-TW" altLang="en-US" sz="2000" dirty="0"/>
+              <a:t>才</a:t>
+            </a:r>
+            <a:r>
+              <a:rPr lang="zh-TW" altLang="en-US" sz="2000" dirty="0" smtClean="0"/>
+              <a:t>有。</a:t>
+            </a:r>
+            <a:endParaRPr lang="en-US" altLang="zh-TW" sz="2000" dirty="0" smtClean="0"/>
+          </a:p>
+          <a:p>
+            <a:pPr marL="0" indent="0">
+              <a:buNone/>
+            </a:pPr>
+            <a:r>
+              <a:rPr lang="zh-TW" altLang="en-US" sz="2000" dirty="0" smtClean="0"/>
+              <a:t>變數的預設值是</a:t>
+            </a:r>
+            <a:r>
+              <a:rPr lang="en-US" altLang="zh-TW" sz="2000" dirty="0" smtClean="0"/>
               <a:t>undefined</a:t>
             </a:r>
           </a:p>
           <a:p>
-            <a:r>
-              <a:rPr lang="en-US" altLang="zh-TW" dirty="0" smtClean="0"/>
-              <a:t>null</a:t>
-            </a:r>
-          </a:p>
-          <a:p>
-            <a:r>
-              <a:rPr lang="en-US" altLang="zh-TW" dirty="0" err="1" smtClean="0"/>
-              <a:t>boolean</a:t>
-            </a:r>
-            <a:endParaRPr lang="en-US" altLang="zh-TW" dirty="0" smtClean="0"/>
-          </a:p>
-          <a:p>
-            <a:r>
-              <a:rPr lang="en-US" altLang="zh-TW" dirty="0" smtClean="0"/>
-              <a:t>number</a:t>
-            </a:r>
-          </a:p>
-          <a:p>
-            <a:r>
-              <a:rPr lang="en-US" altLang="zh-TW" dirty="0" smtClean="0"/>
-              <a:t>string</a:t>
-            </a:r>
-          </a:p>
-          <a:p>
-            <a:r>
-              <a:rPr lang="en-US" altLang="zh-TW" dirty="0" smtClean="0"/>
-              <a:t>object</a:t>
-            </a:r>
-          </a:p>
-          <a:p>
-            <a:r>
-              <a:rPr lang="en-US" altLang="zh-TW" dirty="0" smtClean="0"/>
-              <a:t>symbol (ES6)</a:t>
-            </a:r>
-            <a:endParaRPr lang="zh-TW" altLang="en-US" dirty="0"/>
+            <a:pPr marL="0" indent="0">
+              <a:buNone/>
+            </a:pPr>
+            <a:endParaRPr lang="en-US" altLang="zh-TW" sz="2000" dirty="0"/>
+          </a:p>
+          <a:p>
+            <a:pPr marL="0" indent="0">
+              <a:buNone/>
+            </a:pPr>
+            <a:r>
+              <a:rPr lang="zh-TW" altLang="en-US" sz="2000" dirty="0"/>
+              <a:t>先</a:t>
+            </a:r>
+            <a:r>
+              <a:rPr lang="zh-TW" altLang="en-US" sz="2000" dirty="0" smtClean="0"/>
+              <a:t>宣告，再使用。</a:t>
+            </a:r>
+            <a:endParaRPr lang="zh-TW" altLang="en-US" sz="2000" dirty="0"/>
           </a:p>
         </p:txBody>
       </p:sp>
     </p:spTree>
     <p:extLst>
       <p:ext uri="{BB962C8B-B14F-4D97-AF65-F5344CB8AC3E}">
-        <p14:creationId xmlns:p14="http://schemas.microsoft.com/office/powerpoint/2010/main" val="98221227"/>
+        <p14:creationId xmlns:p14="http://schemas.microsoft.com/office/powerpoint/2010/main" val="1652264271"/>
       </p:ext>
     </p:extLst>
   </p:cSld>
   <p:clrMapOvr>
     <a:masterClrMapping/>
   </p:clrMapOvr>
+  <p:timing>
+    <p:tnLst>
+      <p:par>
+        <p:cTn id="1" dur="indefinite" restart="never" nodeType="tmRoot"/>
+      </p:par>
+    </p:tnLst>
+  </p:timing>
 </p:sld>
 </file>
 
@@ -3386,9 +3591,26 @@
           <a:lstStyle/>
           <a:p>
             <a:r>
+              <a:rPr lang="zh-TW" altLang="en-US" dirty="0"/>
+              <a:t>建立</a:t>
+            </a:r>
+            <a:r>
               <a:rPr lang="en-US" altLang="zh-TW" dirty="0"/>
-              <a:t>undefined</a:t>
-            </a:r>
+              <a:t>(</a:t>
+            </a:r>
+            <a:r>
+              <a:rPr lang="zh-TW" altLang="en-US" dirty="0"/>
+              <a:t>宣告</a:t>
+            </a:r>
+            <a:r>
+              <a:rPr lang="en-US" altLang="zh-TW" dirty="0"/>
+              <a:t>)</a:t>
+            </a:r>
+            <a:r>
+              <a:rPr lang="zh-TW" altLang="en-US" dirty="0"/>
+              <a:t>變數</a:t>
+            </a:r>
+            <a:endParaRPr lang="zh-TW" altLang="en-US" dirty="0"/>
           </a:p>
         </p:txBody>
       </p:sp>
@@ -3402,86 +3624,72 @@
             <p:ph idx="1"/>
           </p:nvPr>
         </p:nvSpPr>
-        <p:spPr/>
-        <p:txBody>
-          <a:bodyPr/>
-          <a:lstStyle/>
-          <a:p>
-            <a:pPr marL="0" indent="0">
+        <p:spPr>
+          <a:xfrm>
+            <a:off x="467544" y="897565"/>
+            <a:ext cx="8229600" cy="3394472"/>
+          </a:xfrm>
+        </p:spPr>
+        <p:txBody>
+          <a:bodyPr anchor="ctr"/>
+          <a:lstStyle/>
+          <a:p>
+            <a:pPr marL="0" indent="0" algn="ctr">
               <a:buNone/>
             </a:pPr>
             <a:r>
-              <a:rPr lang="zh-TW" altLang="en-US" dirty="0"/>
-              <a:t>表示未</a:t>
-            </a:r>
-            <a:r>
-              <a:rPr lang="zh-TW" altLang="en-US" dirty="0" smtClean="0"/>
-              <a:t>定義</a:t>
-            </a:r>
-            <a:endParaRPr lang="en-US" altLang="zh-TW" dirty="0" smtClean="0"/>
-          </a:p>
-          <a:p>
-            <a:pPr marL="0" indent="0">
-              <a:buNone/>
-            </a:pPr>
-            <a:r>
-              <a:rPr lang="zh-TW" altLang="en-US" dirty="0" smtClean="0"/>
-              <a:t>是</a:t>
-            </a:r>
-            <a:r>
-              <a:rPr lang="en-US" altLang="zh-TW" dirty="0"/>
-              <a:t>JS</a:t>
-            </a:r>
-            <a:r>
-              <a:rPr lang="zh-TW" altLang="en-US" dirty="0"/>
-              <a:t>給所有變數的</a:t>
-            </a:r>
-            <a:r>
-              <a:rPr lang="zh-TW" altLang="en-US" b="1" dirty="0"/>
-              <a:t>初始</a:t>
-            </a:r>
-            <a:r>
-              <a:rPr lang="zh-TW" altLang="en-US" b="1" dirty="0" smtClean="0"/>
-              <a:t>值</a:t>
-            </a:r>
-            <a:r>
-              <a:rPr lang="zh-TW" altLang="en-US" dirty="0" smtClean="0"/>
-              <a:t>剛</a:t>
-            </a:r>
-            <a:r>
-              <a:rPr lang="zh-TW" altLang="en-US" dirty="0"/>
-              <a:t>宣告的變數在我們賦值之前，其值是 </a:t>
-            </a:r>
-            <a:r>
-              <a:rPr lang="en-US" altLang="zh-TW" dirty="0"/>
-              <a:t>undefined</a:t>
-            </a:r>
-            <a:r>
-              <a:rPr lang="zh-TW" altLang="en-US" dirty="0"/>
-              <a:t>，所以開發者最好不要賦值</a:t>
-            </a:r>
-            <a:r>
-              <a:rPr lang="en-US" altLang="zh-TW" dirty="0"/>
-              <a:t>undefined</a:t>
-            </a:r>
-            <a:r>
-              <a:rPr lang="zh-TW" altLang="en-US" dirty="0"/>
-              <a:t>給變數。</a:t>
-            </a:r>
-            <a:endParaRPr lang="zh-TW" altLang="en-US" dirty="0"/>
+              <a:rPr lang="zh-TW" altLang="en-US" sz="2400" b="1" dirty="0" smtClean="0">
+                <a:solidFill>
+                  <a:srgbClr val="00B050"/>
+                </a:solidFill>
+              </a:rPr>
+              <a:t>宣告關鍵字   </a:t>
+            </a:r>
+            <a:r>
+              <a:rPr lang="zh-TW" altLang="en-US" sz="2400" b="1" dirty="0" smtClean="0">
+                <a:solidFill>
+                  <a:srgbClr val="C00000"/>
+                </a:solidFill>
+              </a:rPr>
+              <a:t>變數</a:t>
+            </a:r>
+            <a:r>
+              <a:rPr lang="zh-TW" altLang="en-US" sz="2400" b="1" dirty="0" smtClean="0">
+                <a:solidFill>
+                  <a:srgbClr val="C00000"/>
+                </a:solidFill>
+              </a:rPr>
+              <a:t>名稱</a:t>
+            </a:r>
+            <a:r>
+              <a:rPr lang="zh-TW" altLang="en-US" sz="2400" dirty="0" smtClean="0"/>
+              <a:t> </a:t>
+            </a:r>
+            <a:r>
+              <a:rPr lang="en-US" altLang="zh-TW" sz="2400" dirty="0" smtClean="0"/>
+              <a:t>; </a:t>
+            </a:r>
+            <a:endParaRPr lang="en-US" altLang="zh-TW" sz="2400" dirty="0" smtClean="0"/>
           </a:p>
         </p:txBody>
       </p:sp>
     </p:spTree>
     <p:extLst>
       <p:ext uri="{BB962C8B-B14F-4D97-AF65-F5344CB8AC3E}">
-        <p14:creationId xmlns:p14="http://schemas.microsoft.com/office/powerpoint/2010/main" val="4230725257"/>
+        <p14:creationId xmlns:p14="http://schemas.microsoft.com/office/powerpoint/2010/main" val="2069249717"/>
       </p:ext>
     </p:extLst>
   </p:cSld>
   <p:clrMapOvr>
     <a:masterClrMapping/>
   </p:clrMapOvr>
+  <p:timing>
+    <p:tnLst>
+      <p:par>
+        <p:cTn id="1" dur="indefinite" restart="never" nodeType="tmRoot"/>
+      </p:par>
+    </p:tnLst>
+  </p:timing>
 </p:sld>
 </file>
 
@@ -3518,9 +3726,26 @@
           <a:lstStyle/>
           <a:p>
             <a:r>
-              <a:rPr lang="en-US" altLang="zh-TW" dirty="0"/>
-              <a:t>null</a:t>
-            </a:r>
+              <a:rPr lang="zh-TW" altLang="en-US" dirty="0" smtClean="0"/>
+              <a:t>建立</a:t>
+            </a:r>
+            <a:r>
+              <a:rPr lang="en-US" altLang="zh-TW" dirty="0" smtClean="0"/>
+              <a:t>(</a:t>
+            </a:r>
+            <a:r>
+              <a:rPr lang="zh-TW" altLang="en-US" dirty="0" smtClean="0"/>
+              <a:t>宣告</a:t>
+            </a:r>
+            <a:r>
+              <a:rPr lang="en-US" altLang="zh-TW" dirty="0" smtClean="0"/>
+              <a:t>)</a:t>
+            </a:r>
+            <a:r>
+              <a:rPr lang="zh-TW" altLang="en-US" dirty="0" smtClean="0"/>
+              <a:t>變數</a:t>
+            </a:r>
+            <a:endParaRPr lang="zh-TW" altLang="en-US" dirty="0"/>
           </a:p>
         </p:txBody>
       </p:sp>
@@ -3534,66 +3759,397 @@
             <p:ph idx="1"/>
           </p:nvPr>
         </p:nvSpPr>
-        <p:spPr/>
-        <p:txBody>
-          <a:bodyPr/>
-          <a:lstStyle/>
-          <a:p>
-            <a:pPr marL="0" indent="0">
+        <p:spPr>
+          <a:xfrm>
+            <a:off x="467544" y="897565"/>
+            <a:ext cx="8229600" cy="3394472"/>
+          </a:xfrm>
+        </p:spPr>
+        <p:txBody>
+          <a:bodyPr anchor="ctr"/>
+          <a:lstStyle/>
+          <a:p>
+            <a:pPr marL="0" indent="0" algn="ctr">
               <a:buNone/>
             </a:pPr>
             <a:r>
+              <a:rPr lang="zh-TW" altLang="en-US" sz="2400" b="1" dirty="0" smtClean="0">
+                <a:solidFill>
+                  <a:srgbClr val="00B050"/>
+                </a:solidFill>
+              </a:rPr>
+              <a:t>宣告關鍵字   </a:t>
+            </a:r>
+            <a:r>
+              <a:rPr lang="zh-TW" altLang="en-US" sz="2400" b="1" dirty="0" smtClean="0">
+                <a:solidFill>
+                  <a:srgbClr val="C00000"/>
+                </a:solidFill>
+              </a:rPr>
+              <a:t>變數</a:t>
+            </a:r>
+            <a:r>
+              <a:rPr lang="zh-TW" altLang="en-US" sz="2400" b="1" dirty="0" smtClean="0">
+                <a:solidFill>
+                  <a:srgbClr val="C00000"/>
+                </a:solidFill>
+              </a:rPr>
+              <a:t>名稱</a:t>
+            </a:r>
+            <a:r>
+              <a:rPr lang="zh-TW" altLang="en-US" sz="2400" dirty="0" smtClean="0"/>
+              <a:t> </a:t>
+            </a:r>
+            <a:r>
+              <a:rPr lang="en-US" altLang="zh-TW" sz="2400" dirty="0" smtClean="0"/>
+              <a:t>; </a:t>
+            </a:r>
+            <a:endParaRPr lang="en-US" altLang="zh-TW" sz="2400" dirty="0" smtClean="0"/>
+          </a:p>
+        </p:txBody>
+      </p:sp>
+      <p:sp>
+        <p:nvSpPr>
+          <p:cNvPr id="4" name="矩形 3"/>
+          <p:cNvSpPr/>
+          <p:nvPr/>
+        </p:nvSpPr>
+        <p:spPr>
+          <a:xfrm>
+            <a:off x="2915816" y="2283718"/>
+            <a:ext cx="1656184" cy="576064"/>
+          </a:xfrm>
+          <a:prstGeom prst="rect">
+            <a:avLst/>
+          </a:prstGeom>
+          <a:noFill/>
+          <a:ln>
+            <a:solidFill>
+              <a:srgbClr val="000000"/>
+            </a:solidFill>
+          </a:ln>
+        </p:spPr>
+        <p:style>
+          <a:lnRef idx="2">
+            <a:schemeClr val="accent1">
+              <a:shade val="50000"/>
+            </a:schemeClr>
+          </a:lnRef>
+          <a:fillRef idx="1">
+            <a:schemeClr val="accent1"/>
+          </a:fillRef>
+          <a:effectRef idx="0">
+            <a:schemeClr val="accent1"/>
+          </a:effectRef>
+          <a:fontRef idx="minor">
+            <a:schemeClr val="lt1"/>
+          </a:fontRef>
+        </p:style>
+        <p:txBody>
+          <a:bodyPr rtlCol="0" anchor="ctr"/>
+          <a:lstStyle/>
+          <a:p>
+            <a:pPr algn="ctr"/>
+            <a:endParaRPr lang="zh-TW" altLang="en-US"/>
+          </a:p>
+        </p:txBody>
+      </p:sp>
+      <p:sp>
+        <p:nvSpPr>
+          <p:cNvPr id="5" name="矩形 4"/>
+          <p:cNvSpPr/>
+          <p:nvPr/>
+        </p:nvSpPr>
+        <p:spPr>
+          <a:xfrm>
+            <a:off x="4724400" y="2283718"/>
+            <a:ext cx="1431776" cy="576064"/>
+          </a:xfrm>
+          <a:prstGeom prst="rect">
+            <a:avLst/>
+          </a:prstGeom>
+          <a:noFill/>
+          <a:ln>
+            <a:solidFill>
+              <a:srgbClr val="000000"/>
+            </a:solidFill>
+          </a:ln>
+        </p:spPr>
+        <p:style>
+          <a:lnRef idx="2">
+            <a:schemeClr val="accent1">
+              <a:shade val="50000"/>
+            </a:schemeClr>
+          </a:lnRef>
+          <a:fillRef idx="1">
+            <a:schemeClr val="accent1"/>
+          </a:fillRef>
+          <a:effectRef idx="0">
+            <a:schemeClr val="accent1"/>
+          </a:effectRef>
+          <a:fontRef idx="minor">
+            <a:schemeClr val="lt1"/>
+          </a:fontRef>
+        </p:style>
+        <p:txBody>
+          <a:bodyPr rtlCol="0" anchor="ctr"/>
+          <a:lstStyle/>
+          <a:p>
+            <a:pPr algn="ctr"/>
+            <a:endParaRPr lang="zh-TW" altLang="en-US"/>
+          </a:p>
+        </p:txBody>
+      </p:sp>
+      <p:sp>
+        <p:nvSpPr>
+          <p:cNvPr id="6" name="向下箭號 5"/>
+          <p:cNvSpPr/>
+          <p:nvPr/>
+        </p:nvSpPr>
+        <p:spPr>
+          <a:xfrm>
+            <a:off x="3594743" y="2891872"/>
+            <a:ext cx="216024" cy="360040"/>
+          </a:xfrm>
+          <a:prstGeom prst="downArrow">
+            <a:avLst/>
+          </a:prstGeom>
+          <a:solidFill>
+            <a:srgbClr val="000000"/>
+          </a:solidFill>
+          <a:ln>
+            <a:solidFill>
+              <a:srgbClr val="000000"/>
+            </a:solidFill>
+          </a:ln>
+        </p:spPr>
+        <p:style>
+          <a:lnRef idx="2">
+            <a:schemeClr val="accent1">
+              <a:shade val="50000"/>
+            </a:schemeClr>
+          </a:lnRef>
+          <a:fillRef idx="1">
+            <a:schemeClr val="accent1"/>
+          </a:fillRef>
+          <a:effectRef idx="0">
+            <a:schemeClr val="accent1"/>
+          </a:effectRef>
+          <a:fontRef idx="minor">
+            <a:schemeClr val="lt1"/>
+          </a:fontRef>
+        </p:style>
+        <p:txBody>
+          <a:bodyPr rtlCol="0" anchor="ctr"/>
+          <a:lstStyle/>
+          <a:p>
+            <a:pPr algn="ctr"/>
+            <a:endParaRPr lang="zh-TW" altLang="en-US"/>
+          </a:p>
+        </p:txBody>
+      </p:sp>
+      <p:sp>
+        <p:nvSpPr>
+          <p:cNvPr id="7" name="向下箭號 6"/>
+          <p:cNvSpPr/>
+          <p:nvPr/>
+        </p:nvSpPr>
+        <p:spPr>
+          <a:xfrm>
+            <a:off x="5440288" y="2859782"/>
+            <a:ext cx="216024" cy="360040"/>
+          </a:xfrm>
+          <a:prstGeom prst="downArrow">
+            <a:avLst/>
+          </a:prstGeom>
+          <a:solidFill>
+            <a:srgbClr val="000000"/>
+          </a:solidFill>
+          <a:ln>
+            <a:solidFill>
+              <a:srgbClr val="000000"/>
+            </a:solidFill>
+          </a:ln>
+        </p:spPr>
+        <p:style>
+          <a:lnRef idx="2">
+            <a:schemeClr val="accent1">
+              <a:shade val="50000"/>
+            </a:schemeClr>
+          </a:lnRef>
+          <a:fillRef idx="1">
+            <a:schemeClr val="accent1"/>
+          </a:fillRef>
+          <a:effectRef idx="0">
+            <a:schemeClr val="accent1"/>
+          </a:effectRef>
+          <a:fontRef idx="minor">
+            <a:schemeClr val="lt1"/>
+          </a:fontRef>
+        </p:style>
+        <p:txBody>
+          <a:bodyPr rtlCol="0" anchor="ctr"/>
+          <a:lstStyle/>
+          <a:p>
+            <a:pPr algn="ctr"/>
+            <a:endParaRPr lang="zh-TW" altLang="en-US"/>
+          </a:p>
+        </p:txBody>
+      </p:sp>
+      <p:sp>
+        <p:nvSpPr>
+          <p:cNvPr id="8" name="文字方塊 7"/>
+          <p:cNvSpPr txBox="1"/>
+          <p:nvPr/>
+        </p:nvSpPr>
+        <p:spPr>
+          <a:xfrm>
+            <a:off x="2866663" y="3251912"/>
+            <a:ext cx="1738489" cy="369332"/>
+          </a:xfrm>
+          <a:prstGeom prst="rect">
+            <a:avLst/>
+          </a:prstGeom>
+          <a:noFill/>
+          <a:ln>
+            <a:noFill/>
+          </a:ln>
+        </p:spPr>
+        <p:txBody>
+          <a:bodyPr wrap="none" rtlCol="0">
+            <a:spAutoFit/>
+          </a:bodyPr>
+          <a:lstStyle/>
+          <a:p>
+            <a:r>
+              <a:rPr lang="en-US" altLang="zh-TW" dirty="0" err="1" smtClean="0"/>
+              <a:t>var</a:t>
+            </a:r>
+            <a:r>
               <a:rPr lang="zh-TW" altLang="en-US" dirty="0"/>
-              <a:t>表示空、不</a:t>
-            </a:r>
-            <a:r>
-              <a:rPr lang="zh-TW" altLang="en-US" dirty="0" smtClean="0"/>
-              <a:t>存在</a:t>
-            </a:r>
-            <a:endParaRPr lang="en-US" altLang="zh-TW" dirty="0" smtClean="0"/>
-          </a:p>
-          <a:p>
-            <a:pPr marL="0" indent="0">
-              <a:buNone/>
-            </a:pPr>
-            <a:r>
-              <a:rPr lang="zh-TW" altLang="en-US" dirty="0" smtClean="0"/>
-              <a:t>開發</a:t>
-            </a:r>
-            <a:r>
-              <a:rPr lang="zh-TW" altLang="en-US" dirty="0"/>
-              <a:t>者在宣告變數並要先表示這個變數沒有值時，可以賦值</a:t>
-            </a:r>
-            <a:r>
-              <a:rPr lang="en-US" altLang="zh-TW" dirty="0"/>
-              <a:t>null</a:t>
-            </a:r>
-            <a:r>
-              <a:rPr lang="zh-TW" altLang="en-US" dirty="0"/>
-              <a:t>，不要手動賦值為 </a:t>
-            </a:r>
-            <a:r>
-              <a:rPr lang="en-US" altLang="zh-TW" dirty="0" smtClean="0"/>
-              <a:t>undefined</a:t>
-            </a:r>
-            <a:r>
-              <a:rPr lang="zh-TW" altLang="en-US" dirty="0" smtClean="0"/>
-              <a:t>。</a:t>
-            </a:r>
-            <a:endParaRPr lang="zh-TW" altLang="en-US" dirty="0"/>
+              <a:t> </a:t>
+            </a:r>
+            <a:r>
+              <a:rPr lang="zh-TW" altLang="en-US" dirty="0">
+                <a:solidFill>
+                  <a:schemeClr val="bg1">
+                    <a:lumMod val="65000"/>
+                  </a:schemeClr>
+                </a:solidFill>
+              </a:rPr>
+              <a:t>、</a:t>
+            </a:r>
+            <a:r>
+              <a:rPr lang="en-US" altLang="zh-TW" dirty="0">
+                <a:solidFill>
+                  <a:schemeClr val="bg1">
+                    <a:lumMod val="65000"/>
+                  </a:schemeClr>
+                </a:solidFill>
+              </a:rPr>
+              <a:t>l</a:t>
+            </a:r>
+            <a:r>
+              <a:rPr lang="en-US" altLang="zh-TW" dirty="0" smtClean="0">
+                <a:solidFill>
+                  <a:schemeClr val="bg1">
+                    <a:lumMod val="65000"/>
+                  </a:schemeClr>
+                </a:solidFill>
+              </a:rPr>
+              <a:t>et</a:t>
+            </a:r>
+            <a:r>
+              <a:rPr lang="zh-TW" altLang="en-US" dirty="0" smtClean="0">
+                <a:solidFill>
+                  <a:schemeClr val="bg1">
+                    <a:lumMod val="65000"/>
+                  </a:schemeClr>
+                </a:solidFill>
+              </a:rPr>
+              <a:t>、</a:t>
+            </a:r>
+            <a:r>
+              <a:rPr lang="en-US" altLang="zh-TW" dirty="0" err="1" smtClean="0">
+                <a:solidFill>
+                  <a:schemeClr val="bg1">
+                    <a:lumMod val="65000"/>
+                  </a:schemeClr>
+                </a:solidFill>
+              </a:rPr>
+              <a:t>const</a:t>
+            </a:r>
+            <a:endParaRPr lang="en-US" altLang="zh-TW" dirty="0" smtClean="0">
+              <a:solidFill>
+                <a:schemeClr val="bg1">
+                  <a:lumMod val="65000"/>
+                </a:schemeClr>
+              </a:solidFill>
+            </a:endParaRPr>
+          </a:p>
+        </p:txBody>
+      </p:sp>
+      <p:sp>
+        <p:nvSpPr>
+          <p:cNvPr id="9" name="文字方塊 8"/>
+          <p:cNvSpPr txBox="1"/>
+          <p:nvPr/>
+        </p:nvSpPr>
+        <p:spPr>
+          <a:xfrm>
+            <a:off x="4994302" y="3270414"/>
+            <a:ext cx="1107996" cy="369332"/>
+          </a:xfrm>
+          <a:prstGeom prst="rect">
+            <a:avLst/>
+          </a:prstGeom>
+          <a:noFill/>
+          <a:ln>
+            <a:noFill/>
+          </a:ln>
+        </p:spPr>
+        <p:txBody>
+          <a:bodyPr wrap="none" rtlCol="0">
+            <a:spAutoFit/>
+          </a:bodyPr>
+          <a:lstStyle/>
+          <a:p>
+            <a:r>
+              <a:rPr lang="zh-TW" altLang="en-US" b="1" dirty="0" smtClean="0">
+                <a:latin typeface="微軟正黑體" panose="020B0604030504040204" pitchFamily="34" charset="-120"/>
+                <a:ea typeface="微軟正黑體" panose="020B0604030504040204" pitchFamily="34" charset="-120"/>
+              </a:rPr>
+              <a:t>自己取名</a:t>
+            </a:r>
+            <a:endParaRPr lang="en-US" altLang="zh-TW" b="1" dirty="0" smtClean="0">
+              <a:solidFill>
+                <a:schemeClr val="bg1">
+                  <a:lumMod val="65000"/>
+                </a:schemeClr>
+              </a:solidFill>
+              <a:latin typeface="微軟正黑體" panose="020B0604030504040204" pitchFamily="34" charset="-120"/>
+              <a:ea typeface="微軟正黑體" panose="020B0604030504040204" pitchFamily="34" charset="-120"/>
+            </a:endParaRPr>
           </a:p>
         </p:txBody>
       </p:sp>
     </p:spTree>
     <p:extLst>
       <p:ext uri="{BB962C8B-B14F-4D97-AF65-F5344CB8AC3E}">
-        <p14:creationId xmlns:p14="http://schemas.microsoft.com/office/powerpoint/2010/main" val="2857776841"/>
+        <p14:creationId xmlns:p14="http://schemas.microsoft.com/office/powerpoint/2010/main" val="3925751582"/>
       </p:ext>
     </p:extLst>
   </p:cSld>
   <p:clrMapOvr>
     <a:masterClrMapping/>
   </p:clrMapOvr>
+  <p:timing>
+    <p:tnLst>
+      <p:par>
+        <p:cTn id="1" dur="indefinite" restart="never" nodeType="tmRoot"/>
+      </p:par>
+    </p:tnLst>
+  </p:timing>
 </p:sld>
 </file>
 
@@ -3630,10 +4186,26 @@
           <a:lstStyle/>
           <a:p>
             <a:r>
-              <a:rPr lang="en-US" altLang="zh-TW" dirty="0" err="1"/>
-              <a:t>boolean</a:t>
-            </a:r>
-            <a:endParaRPr lang="en-US" altLang="zh-TW" dirty="0"/>
+              <a:rPr lang="zh-TW" altLang="en-US" dirty="0"/>
+              <a:t>建立</a:t>
+            </a:r>
+            <a:r>
+              <a:rPr lang="en-US" altLang="zh-TW" dirty="0"/>
+              <a:t>(</a:t>
+            </a:r>
+            <a:r>
+              <a:rPr lang="zh-TW" altLang="en-US" dirty="0"/>
+              <a:t>宣告</a:t>
+            </a:r>
+            <a:r>
+              <a:rPr lang="en-US" altLang="zh-TW" dirty="0"/>
+              <a:t>)</a:t>
+            </a:r>
+            <a:r>
+              <a:rPr lang="zh-TW" altLang="en-US" dirty="0"/>
+              <a:t>變數</a:t>
+            </a:r>
+            <a:endParaRPr lang="zh-TW" altLang="en-US" dirty="0"/>
           </a:p>
         </p:txBody>
       </p:sp>
@@ -3647,86 +4219,213 @@
             <p:ph idx="1"/>
           </p:nvPr>
         </p:nvSpPr>
-        <p:spPr/>
-        <p:txBody>
-          <a:bodyPr/>
-          <a:lstStyle/>
-          <a:p>
-            <a:pPr marL="0" indent="0">
+        <p:spPr>
+          <a:xfrm>
+            <a:off x="467544" y="897565"/>
+            <a:ext cx="8229600" cy="3394472"/>
+          </a:xfrm>
+        </p:spPr>
+        <p:txBody>
+          <a:bodyPr anchor="ctr"/>
+          <a:lstStyle/>
+          <a:p>
+            <a:pPr marL="0" indent="0" algn="ctr">
               <a:buNone/>
             </a:pPr>
             <a:r>
-              <a:rPr lang="zh-TW" altLang="en-US" dirty="0"/>
-              <a:t>表示</a:t>
-            </a:r>
-            <a:r>
-              <a:rPr lang="en-US" altLang="zh-TW" dirty="0"/>
-              <a:t>true</a:t>
-            </a:r>
-            <a:r>
-              <a:rPr lang="zh-TW" altLang="en-US" dirty="0"/>
-              <a:t>或</a:t>
-            </a:r>
-            <a:r>
-              <a:rPr lang="en-US" altLang="zh-TW" dirty="0"/>
-              <a:t>false</a:t>
-            </a:r>
-            <a:r>
-              <a:rPr lang="zh-TW" altLang="en-US" dirty="0"/>
-              <a:t>其中</a:t>
-            </a:r>
-            <a:r>
-              <a:rPr lang="zh-TW" altLang="en-US" dirty="0" smtClean="0"/>
-              <a:t>一個</a:t>
-            </a:r>
-            <a:endParaRPr lang="en-US" altLang="zh-TW" dirty="0" smtClean="0"/>
-          </a:p>
-          <a:p>
-            <a:pPr marL="0" indent="0">
-              <a:buNone/>
-            </a:pPr>
-            <a:r>
-              <a:rPr lang="zh-TW" altLang="en-US" dirty="0" smtClean="0"/>
-              <a:t>意即是</a:t>
-            </a:r>
-            <a:r>
-              <a:rPr lang="en-US" altLang="zh-TW" dirty="0"/>
-              <a:t>/</a:t>
-            </a:r>
-            <a:r>
-              <a:rPr lang="zh-TW" altLang="en-US" dirty="0"/>
-              <a:t>否、對</a:t>
-            </a:r>
-            <a:r>
-              <a:rPr lang="en-US" altLang="zh-TW" dirty="0"/>
-              <a:t>/</a:t>
-            </a:r>
-            <a:r>
-              <a:rPr lang="zh-TW" altLang="en-US" dirty="0"/>
-              <a:t>錯、成立</a:t>
-            </a:r>
-            <a:r>
-              <a:rPr lang="en-US" altLang="zh-TW" dirty="0"/>
-              <a:t>/</a:t>
-            </a:r>
-            <a:r>
-              <a:rPr lang="zh-TW" altLang="en-US" dirty="0"/>
-              <a:t>不成立。</a:t>
-            </a:r>
-            <a:endParaRPr lang="zh-TW" altLang="en-US" dirty="0"/>
+              <a:rPr lang="en-US" altLang="zh-TW" sz="2400" b="1" dirty="0" err="1" smtClean="0">
+                <a:solidFill>
+                  <a:srgbClr val="00B050"/>
+                </a:solidFill>
+              </a:rPr>
+              <a:t>var</a:t>
+            </a:r>
+            <a:r>
+              <a:rPr lang="zh-TW" altLang="en-US" sz="2400" b="1" dirty="0" smtClean="0">
+                <a:solidFill>
+                  <a:srgbClr val="00B050"/>
+                </a:solidFill>
+              </a:rPr>
+              <a:t>  </a:t>
+            </a:r>
+            <a:r>
+              <a:rPr lang="en-US" altLang="zh-TW" sz="2400" b="1" dirty="0" smtClean="0">
+                <a:solidFill>
+                  <a:srgbClr val="C00000"/>
+                </a:solidFill>
+              </a:rPr>
+              <a:t>apple</a:t>
+            </a:r>
+            <a:r>
+              <a:rPr lang="en-US" altLang="zh-TW" sz="2400" dirty="0" smtClean="0"/>
+              <a:t>; </a:t>
+            </a:r>
+          </a:p>
+        </p:txBody>
+      </p:sp>
+      <p:sp>
+        <p:nvSpPr>
+          <p:cNvPr id="6" name="矩形 5"/>
+          <p:cNvSpPr/>
+          <p:nvPr/>
+        </p:nvSpPr>
+        <p:spPr>
+          <a:xfrm>
+            <a:off x="3767336" y="2852891"/>
+            <a:ext cx="1512168" cy="45719"/>
+          </a:xfrm>
+          <a:prstGeom prst="rect">
+            <a:avLst/>
+          </a:prstGeom>
+          <a:solidFill>
+            <a:srgbClr val="000000"/>
+          </a:solidFill>
+          <a:ln>
+            <a:solidFill>
+              <a:srgbClr val="000000"/>
+            </a:solidFill>
+          </a:ln>
+        </p:spPr>
+        <p:style>
+          <a:lnRef idx="2">
+            <a:schemeClr val="accent1">
+              <a:shade val="50000"/>
+            </a:schemeClr>
+          </a:lnRef>
+          <a:fillRef idx="1">
+            <a:schemeClr val="accent1"/>
+          </a:fillRef>
+          <a:effectRef idx="0">
+            <a:schemeClr val="accent1"/>
+          </a:effectRef>
+          <a:fontRef idx="minor">
+            <a:schemeClr val="lt1"/>
+          </a:fontRef>
+        </p:style>
+        <p:txBody>
+          <a:bodyPr rtlCol="0" anchor="ctr"/>
+          <a:lstStyle/>
+          <a:p>
+            <a:pPr algn="ctr"/>
+            <a:endParaRPr lang="zh-TW" altLang="en-US"/>
+          </a:p>
+        </p:txBody>
+      </p:sp>
+      <p:sp>
+        <p:nvSpPr>
+          <p:cNvPr id="7" name="向下箭號 6"/>
+          <p:cNvSpPr/>
+          <p:nvPr/>
+        </p:nvSpPr>
+        <p:spPr>
+          <a:xfrm>
+            <a:off x="4415408" y="2852891"/>
+            <a:ext cx="216024" cy="357768"/>
+          </a:xfrm>
+          <a:prstGeom prst="downArrow">
+            <a:avLst/>
+          </a:prstGeom>
+          <a:solidFill>
+            <a:srgbClr val="000000"/>
+          </a:solidFill>
+          <a:ln>
+            <a:solidFill>
+              <a:srgbClr val="000000"/>
+            </a:solidFill>
+          </a:ln>
+        </p:spPr>
+        <p:style>
+          <a:lnRef idx="2">
+            <a:schemeClr val="accent1">
+              <a:shade val="50000"/>
+            </a:schemeClr>
+          </a:lnRef>
+          <a:fillRef idx="1">
+            <a:schemeClr val="accent1"/>
+          </a:fillRef>
+          <a:effectRef idx="0">
+            <a:schemeClr val="accent1"/>
+          </a:effectRef>
+          <a:fontRef idx="minor">
+            <a:schemeClr val="lt1"/>
+          </a:fontRef>
+        </p:style>
+        <p:txBody>
+          <a:bodyPr rtlCol="0" anchor="ctr"/>
+          <a:lstStyle/>
+          <a:p>
+            <a:pPr algn="ctr"/>
+            <a:endParaRPr lang="zh-TW" altLang="en-US"/>
+          </a:p>
+        </p:txBody>
+      </p:sp>
+      <p:sp>
+        <p:nvSpPr>
+          <p:cNvPr id="8" name="文字方塊 7"/>
+          <p:cNvSpPr txBox="1"/>
+          <p:nvPr/>
+        </p:nvSpPr>
+        <p:spPr>
+          <a:xfrm>
+            <a:off x="3513978" y="3228956"/>
+            <a:ext cx="2234907" cy="369332"/>
+          </a:xfrm>
+          <a:prstGeom prst="rect">
+            <a:avLst/>
+          </a:prstGeom>
+          <a:noFill/>
+        </p:spPr>
+        <p:txBody>
+          <a:bodyPr wrap="none" rtlCol="0">
+            <a:spAutoFit/>
+          </a:bodyPr>
+          <a:lstStyle/>
+          <a:p>
+            <a:r>
+              <a:rPr lang="zh-TW" altLang="en-US" b="1" dirty="0">
+                <a:latin typeface="微軟正黑體" panose="020B0604030504040204" pitchFamily="34" charset="-120"/>
+                <a:ea typeface="微軟正黑體" panose="020B0604030504040204" pitchFamily="34" charset="-120"/>
+              </a:rPr>
+              <a:t>宣告一個</a:t>
+            </a:r>
+            <a:r>
+              <a:rPr lang="zh-TW" altLang="en-US" b="1" dirty="0" smtClean="0">
+                <a:latin typeface="微軟正黑體" panose="020B0604030504040204" pitchFamily="34" charset="-120"/>
+                <a:ea typeface="微軟正黑體" panose="020B0604030504040204" pitchFamily="34" charset="-120"/>
+              </a:rPr>
+              <a:t>變數 </a:t>
+            </a:r>
+            <a:r>
+              <a:rPr lang="en-US" altLang="zh-TW" b="1" dirty="0" smtClean="0">
+                <a:latin typeface="微軟正黑體" panose="020B0604030504040204" pitchFamily="34" charset="-120"/>
+                <a:ea typeface="微軟正黑體" panose="020B0604030504040204" pitchFamily="34" charset="-120"/>
+              </a:rPr>
+              <a:t>apple</a:t>
+            </a:r>
+            <a:endParaRPr lang="zh-TW" altLang="en-US" b="1" dirty="0">
+              <a:latin typeface="微軟正黑體" panose="020B0604030504040204" pitchFamily="34" charset="-120"/>
+              <a:ea typeface="微軟正黑體" panose="020B0604030504040204" pitchFamily="34" charset="-120"/>
+            </a:endParaRPr>
           </a:p>
         </p:txBody>
       </p:sp>
     </p:spTree>
     <p:extLst>
       <p:ext uri="{BB962C8B-B14F-4D97-AF65-F5344CB8AC3E}">
-        <p14:creationId xmlns:p14="http://schemas.microsoft.com/office/powerpoint/2010/main" val="4230725257"/>
+        <p14:creationId xmlns:p14="http://schemas.microsoft.com/office/powerpoint/2010/main" val="4100299274"/>
       </p:ext>
     </p:extLst>
   </p:cSld>
   <p:clrMapOvr>
     <a:masterClrMapping/>
   </p:clrMapOvr>
+  <p:timing>
+    <p:tnLst>
+      <p:par>
+        <p:cTn id="1" dur="indefinite" restart="never" nodeType="tmRoot"/>
+      </p:par>
+    </p:tnLst>
+  </p:timing>
 </p:sld>
 </file>
 
@@ -3763,10 +4462,14 @@
           <a:lstStyle/>
           <a:p>
             <a:r>
-              <a:rPr lang="en-US" altLang="zh-TW" dirty="0"/>
-              <a:t>number</a:t>
-            </a:r>
-            <a:endParaRPr lang="en-US" altLang="zh-TW" dirty="0"/>
+              <a:rPr lang="zh-TW" altLang="en-US" dirty="0" smtClean="0"/>
+              <a:t>變數</a:t>
+            </a:r>
+            <a:r>
+              <a:rPr lang="zh-TW" altLang="en-US" dirty="0" smtClean="0"/>
+              <a:t>賦值</a:t>
+            </a:r>
+            <a:endParaRPr lang="zh-TW" altLang="en-US" dirty="0"/>
           </a:p>
         </p:txBody>
       </p:sp>
@@ -3780,90 +4483,78 @@
             <p:ph idx="1"/>
           </p:nvPr>
         </p:nvSpPr>
-        <p:spPr/>
-        <p:txBody>
-          <a:bodyPr/>
-          <a:lstStyle/>
-          <a:p>
-            <a:pPr marL="0" indent="0">
+        <p:spPr>
+          <a:xfrm>
+            <a:off x="467544" y="897565"/>
+            <a:ext cx="8229600" cy="3394472"/>
+          </a:xfrm>
+        </p:spPr>
+        <p:txBody>
+          <a:bodyPr anchor="ctr"/>
+          <a:lstStyle/>
+          <a:p>
+            <a:pPr marL="0" indent="0" algn="ctr">
               <a:buNone/>
             </a:pPr>
             <a:r>
-              <a:rPr lang="zh-TW" altLang="en-US" dirty="0"/>
-              <a:t>表示</a:t>
-            </a:r>
-            <a:r>
-              <a:rPr lang="zh-TW" altLang="en-US" dirty="0" smtClean="0"/>
-              <a:t>數字</a:t>
-            </a:r>
-            <a:endParaRPr lang="en-US" altLang="zh-TW" dirty="0" smtClean="0"/>
-          </a:p>
-          <a:p>
-            <a:pPr marL="0" indent="0">
-              <a:buNone/>
-            </a:pPr>
-            <a:r>
-              <a:rPr lang="en-US" altLang="zh-TW" dirty="0" smtClean="0"/>
-              <a:t>JS</a:t>
-            </a:r>
-            <a:r>
-              <a:rPr lang="zh-TW" altLang="en-US" dirty="0"/>
-              <a:t>的數字型別只有</a:t>
-            </a:r>
-            <a:r>
-              <a:rPr lang="en-US" altLang="zh-TW" dirty="0"/>
-              <a:t>number</a:t>
-            </a:r>
-            <a:r>
-              <a:rPr lang="zh-TW" altLang="en-US" dirty="0"/>
-              <a:t>，不像其他程式數字還有分整數與其他特定數值型態，另外</a:t>
-            </a:r>
-            <a:r>
-              <a:rPr lang="en-US" altLang="zh-TW" dirty="0"/>
-              <a:t>JS</a:t>
-            </a:r>
-            <a:r>
-              <a:rPr lang="zh-TW" altLang="en-US" dirty="0"/>
-              <a:t>的</a:t>
-            </a:r>
-            <a:r>
-              <a:rPr lang="en-US" altLang="zh-TW" dirty="0"/>
-              <a:t>number</a:t>
-            </a:r>
-            <a:r>
-              <a:rPr lang="zh-TW" altLang="en-US" dirty="0"/>
-              <a:t>是浮點數，表示</a:t>
-            </a:r>
-            <a:r>
-              <a:rPr lang="en-US" altLang="zh-TW" dirty="0"/>
-              <a:t>(</a:t>
-            </a:r>
-            <a:r>
-              <a:rPr lang="zh-TW" altLang="en-US" dirty="0"/>
-              <a:t>實際上</a:t>
-            </a:r>
-            <a:r>
-              <a:rPr lang="en-US" altLang="zh-TW" dirty="0"/>
-              <a:t>)</a:t>
-            </a:r>
-            <a:r>
-              <a:rPr lang="zh-TW" altLang="en-US" dirty="0"/>
-              <a:t>有小數點跟在後面。</a:t>
-            </a:r>
-            <a:endParaRPr lang="zh-TW" altLang="en-US" dirty="0"/>
+              <a:rPr lang="zh-TW" altLang="en-US" sz="2400" b="1" dirty="0" smtClean="0">
+                <a:solidFill>
+                  <a:srgbClr val="C00000"/>
+                </a:solidFill>
+              </a:rPr>
+              <a:t>已宣告變數  </a:t>
+            </a:r>
+            <a:r>
+              <a:rPr lang="en-US" altLang="zh-TW" sz="2400" b="1" dirty="0" smtClean="0">
+                <a:solidFill>
+                  <a:srgbClr val="002060"/>
+                </a:solidFill>
+              </a:rPr>
+              <a:t>=</a:t>
+            </a:r>
+            <a:r>
+              <a:rPr lang="zh-TW" altLang="en-US" sz="2400" b="1" dirty="0" smtClean="0">
+                <a:solidFill>
+                  <a:srgbClr val="002060"/>
+                </a:solidFill>
+              </a:rPr>
+              <a:t>  </a:t>
+            </a:r>
+            <a:r>
+              <a:rPr lang="zh-TW" altLang="en-US" sz="2400" b="1" dirty="0" smtClean="0">
+                <a:solidFill>
+                  <a:schemeClr val="accent6">
+                    <a:lumMod val="50000"/>
+                  </a:schemeClr>
+                </a:solidFill>
+              </a:rPr>
+              <a:t>值 </a:t>
+            </a:r>
+            <a:r>
+              <a:rPr lang="en-US" altLang="zh-TW" sz="2400" dirty="0" smtClean="0"/>
+              <a:t>; </a:t>
+            </a:r>
+            <a:endParaRPr lang="en-US" altLang="zh-TW" sz="2400" dirty="0"/>
           </a:p>
         </p:txBody>
       </p:sp>
     </p:spTree>
     <p:extLst>
       <p:ext uri="{BB962C8B-B14F-4D97-AF65-F5344CB8AC3E}">
-        <p14:creationId xmlns:p14="http://schemas.microsoft.com/office/powerpoint/2010/main" val="3302631845"/>
+        <p14:creationId xmlns:p14="http://schemas.microsoft.com/office/powerpoint/2010/main" val="644466055"/>
       </p:ext>
     </p:extLst>
   </p:cSld>
   <p:clrMapOvr>
     <a:masterClrMapping/>
   </p:clrMapOvr>
+  <p:timing>
+    <p:tnLst>
+      <p:par>
+        <p:cTn id="1" dur="indefinite" restart="never" nodeType="tmRoot"/>
+      </p:par>
+    </p:tnLst>
+  </p:timing>
 </p:sld>
 </file>
 
@@ -3900,10 +4591,14 @@
           <a:lstStyle/>
           <a:p>
             <a:r>
-              <a:rPr lang="en-US" altLang="zh-TW" dirty="0"/>
-              <a:t>string</a:t>
-            </a:r>
-            <a:endParaRPr lang="en-US" altLang="zh-TW" dirty="0"/>
+              <a:rPr lang="zh-TW" altLang="en-US" dirty="0" smtClean="0"/>
+              <a:t>變數</a:t>
+            </a:r>
+            <a:r>
+              <a:rPr lang="zh-TW" altLang="en-US" dirty="0" smtClean="0"/>
+              <a:t>賦值</a:t>
+            </a:r>
+            <a:endParaRPr lang="zh-TW" altLang="en-US" dirty="0"/>
           </a:p>
         </p:txBody>
       </p:sp>
@@ -3917,46 +4612,484 @@
             <p:ph idx="1"/>
           </p:nvPr>
         </p:nvSpPr>
-        <p:spPr/>
-        <p:txBody>
-          <a:bodyPr/>
-          <a:lstStyle/>
-          <a:p>
-            <a:pPr marL="0" indent="0">
+        <p:spPr>
+          <a:xfrm>
+            <a:off x="467544" y="897565"/>
+            <a:ext cx="8229600" cy="3394472"/>
+          </a:xfrm>
+        </p:spPr>
+        <p:txBody>
+          <a:bodyPr anchor="ctr"/>
+          <a:lstStyle/>
+          <a:p>
+            <a:pPr marL="0" indent="0" algn="ctr">
               <a:buNone/>
             </a:pPr>
             <a:r>
-              <a:rPr lang="zh-TW" altLang="en-US" dirty="0" smtClean="0"/>
-              <a:t>表示字串</a:t>
-            </a:r>
-            <a:endParaRPr lang="en-US" altLang="zh-TW" dirty="0" smtClean="0"/>
-          </a:p>
-          <a:p>
-            <a:pPr marL="0" indent="0">
-              <a:buNone/>
-            </a:pPr>
-            <a:r>
-              <a:rPr lang="zh-TW" altLang="en-US" dirty="0" smtClean="0"/>
-              <a:t>由</a:t>
-            </a:r>
-            <a:r>
-              <a:rPr lang="zh-TW" altLang="en-US" dirty="0"/>
-              <a:t>字符組成，可以用單引號或雙引號來表示。</a:t>
-            </a:r>
-            <a:endParaRPr lang="zh-TW" altLang="en-US" dirty="0"/>
+              <a:rPr lang="zh-TW" altLang="en-US" sz="2400" b="1" dirty="0">
+                <a:solidFill>
+                  <a:srgbClr val="C00000"/>
+                </a:solidFill>
+              </a:rPr>
+              <a:t>已宣告</a:t>
+            </a:r>
+            <a:r>
+              <a:rPr lang="zh-TW" altLang="en-US" sz="2400" b="1" dirty="0" smtClean="0">
+                <a:solidFill>
+                  <a:srgbClr val="C00000"/>
+                </a:solidFill>
+              </a:rPr>
+              <a:t>變數  </a:t>
+            </a:r>
+            <a:r>
+              <a:rPr lang="en-US" altLang="zh-TW" sz="2400" b="1" dirty="0" smtClean="0">
+                <a:solidFill>
+                  <a:srgbClr val="002060"/>
+                </a:solidFill>
+              </a:rPr>
+              <a:t>=</a:t>
+            </a:r>
+            <a:r>
+              <a:rPr lang="zh-TW" altLang="en-US" sz="2400" b="1" dirty="0" smtClean="0">
+                <a:solidFill>
+                  <a:srgbClr val="002060"/>
+                </a:solidFill>
+              </a:rPr>
+              <a:t> </a:t>
+            </a:r>
+            <a:r>
+              <a:rPr lang="zh-TW" altLang="en-US" sz="2400" b="1" dirty="0" smtClean="0">
+                <a:solidFill>
+                  <a:srgbClr val="C00000"/>
+                </a:solidFill>
+              </a:rPr>
+              <a:t> </a:t>
+            </a:r>
+            <a:r>
+              <a:rPr lang="zh-TW" altLang="en-US" sz="2400" b="1" dirty="0" smtClean="0">
+                <a:solidFill>
+                  <a:schemeClr val="accent6">
+                    <a:lumMod val="50000"/>
+                  </a:schemeClr>
+                </a:solidFill>
+              </a:rPr>
+              <a:t>值 </a:t>
+            </a:r>
+            <a:r>
+              <a:rPr lang="en-US" altLang="zh-TW" sz="2400" dirty="0" smtClean="0"/>
+              <a:t>; </a:t>
+            </a:r>
+            <a:endParaRPr lang="en-US" altLang="zh-TW" sz="2400" dirty="0"/>
+          </a:p>
+        </p:txBody>
+      </p:sp>
+      <p:sp>
+        <p:nvSpPr>
+          <p:cNvPr id="4" name="矩形 3"/>
+          <p:cNvSpPr/>
+          <p:nvPr/>
+        </p:nvSpPr>
+        <p:spPr>
+          <a:xfrm>
+            <a:off x="3301254" y="2384887"/>
+            <a:ext cx="1558777" cy="432048"/>
+          </a:xfrm>
+          <a:prstGeom prst="rect">
+            <a:avLst/>
+          </a:prstGeom>
+          <a:noFill/>
+          <a:ln>
+            <a:solidFill>
+              <a:srgbClr val="000000"/>
+            </a:solidFill>
+          </a:ln>
+        </p:spPr>
+        <p:style>
+          <a:lnRef idx="2">
+            <a:schemeClr val="accent1">
+              <a:shade val="50000"/>
+            </a:schemeClr>
+          </a:lnRef>
+          <a:fillRef idx="1">
+            <a:schemeClr val="accent1"/>
+          </a:fillRef>
+          <a:effectRef idx="0">
+            <a:schemeClr val="accent1"/>
+          </a:effectRef>
+          <a:fontRef idx="minor">
+            <a:schemeClr val="lt1"/>
+          </a:fontRef>
+        </p:style>
+        <p:txBody>
+          <a:bodyPr rtlCol="0" anchor="ctr"/>
+          <a:lstStyle/>
+          <a:p>
+            <a:pPr algn="ctr"/>
+            <a:endParaRPr lang="zh-TW" altLang="en-US"/>
+          </a:p>
+        </p:txBody>
+      </p:sp>
+      <p:sp>
+        <p:nvSpPr>
+          <p:cNvPr id="5" name="向下箭號 4"/>
+          <p:cNvSpPr/>
+          <p:nvPr/>
+        </p:nvSpPr>
+        <p:spPr>
+          <a:xfrm>
+            <a:off x="3876294" y="2818516"/>
+            <a:ext cx="159670" cy="270030"/>
+          </a:xfrm>
+          <a:prstGeom prst="downArrow">
+            <a:avLst/>
+          </a:prstGeom>
+          <a:solidFill>
+            <a:srgbClr val="000000"/>
+          </a:solidFill>
+          <a:ln>
+            <a:solidFill>
+              <a:srgbClr val="000000"/>
+            </a:solidFill>
+          </a:ln>
+        </p:spPr>
+        <p:style>
+          <a:lnRef idx="2">
+            <a:schemeClr val="accent1">
+              <a:shade val="50000"/>
+            </a:schemeClr>
+          </a:lnRef>
+          <a:fillRef idx="1">
+            <a:schemeClr val="accent1"/>
+          </a:fillRef>
+          <a:effectRef idx="0">
+            <a:schemeClr val="accent1"/>
+          </a:effectRef>
+          <a:fontRef idx="minor">
+            <a:schemeClr val="lt1"/>
+          </a:fontRef>
+        </p:style>
+        <p:txBody>
+          <a:bodyPr rtlCol="0" anchor="ctr"/>
+          <a:lstStyle/>
+          <a:p>
+            <a:pPr algn="ctr"/>
+            <a:endParaRPr lang="zh-TW" altLang="en-US"/>
+          </a:p>
+        </p:txBody>
+      </p:sp>
+      <p:sp>
+        <p:nvSpPr>
+          <p:cNvPr id="6" name="矩形 5"/>
+          <p:cNvSpPr/>
+          <p:nvPr/>
+        </p:nvSpPr>
+        <p:spPr>
+          <a:xfrm>
+            <a:off x="5352132" y="2384887"/>
+            <a:ext cx="360040" cy="432048"/>
+          </a:xfrm>
+          <a:prstGeom prst="rect">
+            <a:avLst/>
+          </a:prstGeom>
+          <a:noFill/>
+          <a:ln>
+            <a:solidFill>
+              <a:srgbClr val="000000"/>
+            </a:solidFill>
+          </a:ln>
+        </p:spPr>
+        <p:style>
+          <a:lnRef idx="2">
+            <a:schemeClr val="accent1">
+              <a:shade val="50000"/>
+            </a:schemeClr>
+          </a:lnRef>
+          <a:fillRef idx="1">
+            <a:schemeClr val="accent1"/>
+          </a:fillRef>
+          <a:effectRef idx="0">
+            <a:schemeClr val="accent1"/>
+          </a:effectRef>
+          <a:fontRef idx="minor">
+            <a:schemeClr val="lt1"/>
+          </a:fontRef>
+        </p:style>
+        <p:txBody>
+          <a:bodyPr rtlCol="0" anchor="ctr"/>
+          <a:lstStyle/>
+          <a:p>
+            <a:pPr algn="ctr"/>
+            <a:endParaRPr lang="zh-TW" altLang="en-US"/>
+          </a:p>
+        </p:txBody>
+      </p:sp>
+      <p:sp>
+        <p:nvSpPr>
+          <p:cNvPr id="7" name="向下箭號 6"/>
+          <p:cNvSpPr/>
+          <p:nvPr/>
+        </p:nvSpPr>
+        <p:spPr>
+          <a:xfrm>
+            <a:off x="5475360" y="2816935"/>
+            <a:ext cx="159670" cy="270030"/>
+          </a:xfrm>
+          <a:prstGeom prst="downArrow">
+            <a:avLst/>
+          </a:prstGeom>
+          <a:solidFill>
+            <a:srgbClr val="000000"/>
+          </a:solidFill>
+          <a:ln>
+            <a:solidFill>
+              <a:srgbClr val="000000"/>
+            </a:solidFill>
+          </a:ln>
+        </p:spPr>
+        <p:style>
+          <a:lnRef idx="2">
+            <a:schemeClr val="accent1">
+              <a:shade val="50000"/>
+            </a:schemeClr>
+          </a:lnRef>
+          <a:fillRef idx="1">
+            <a:schemeClr val="accent1"/>
+          </a:fillRef>
+          <a:effectRef idx="0">
+            <a:schemeClr val="accent1"/>
+          </a:effectRef>
+          <a:fontRef idx="minor">
+            <a:schemeClr val="lt1"/>
+          </a:fontRef>
+        </p:style>
+        <p:txBody>
+          <a:bodyPr rtlCol="0" anchor="ctr"/>
+          <a:lstStyle/>
+          <a:p>
+            <a:pPr algn="ctr"/>
+            <a:endParaRPr lang="zh-TW" altLang="en-US"/>
+          </a:p>
+        </p:txBody>
+      </p:sp>
+      <p:sp>
+        <p:nvSpPr>
+          <p:cNvPr id="9" name="文字方塊 8"/>
+          <p:cNvSpPr txBox="1"/>
+          <p:nvPr/>
+        </p:nvSpPr>
+        <p:spPr>
+          <a:xfrm>
+            <a:off x="2993909" y="3134016"/>
+            <a:ext cx="2031325" cy="369332"/>
+          </a:xfrm>
+          <a:prstGeom prst="rect">
+            <a:avLst/>
+          </a:prstGeom>
+          <a:noFill/>
+        </p:spPr>
+        <p:txBody>
+          <a:bodyPr wrap="none" rtlCol="0">
+            <a:spAutoFit/>
+          </a:bodyPr>
+          <a:lstStyle/>
+          <a:p>
+            <a:r>
+              <a:rPr lang="zh-TW" altLang="en-US" b="1" dirty="0" smtClean="0">
+                <a:latin typeface="微軟正黑體" panose="020B0604030504040204" pitchFamily="34" charset="-120"/>
+                <a:ea typeface="微軟正黑體" panose="020B0604030504040204" pitchFamily="34" charset="-120"/>
+              </a:rPr>
+              <a:t>宣告過的變數名稱</a:t>
+            </a:r>
+            <a:endParaRPr lang="zh-TW" altLang="en-US" b="1" dirty="0">
+              <a:latin typeface="微軟正黑體" panose="020B0604030504040204" pitchFamily="34" charset="-120"/>
+              <a:ea typeface="微軟正黑體" panose="020B0604030504040204" pitchFamily="34" charset="-120"/>
+            </a:endParaRPr>
+          </a:p>
+        </p:txBody>
+      </p:sp>
+      <p:sp>
+        <p:nvSpPr>
+          <p:cNvPr id="11" name="文字方塊 10"/>
+          <p:cNvSpPr txBox="1"/>
+          <p:nvPr/>
+        </p:nvSpPr>
+        <p:spPr>
+          <a:xfrm>
+            <a:off x="5210194" y="3122496"/>
+            <a:ext cx="1800493" cy="369332"/>
+          </a:xfrm>
+          <a:prstGeom prst="rect">
+            <a:avLst/>
+          </a:prstGeom>
+          <a:noFill/>
+        </p:spPr>
+        <p:txBody>
+          <a:bodyPr wrap="none" rtlCol="0">
+            <a:spAutoFit/>
+          </a:bodyPr>
+          <a:lstStyle/>
+          <a:p>
+            <a:r>
+              <a:rPr lang="zh-TW" altLang="en-US" b="1" dirty="0" smtClean="0">
+                <a:latin typeface="微軟正黑體" panose="020B0604030504040204" pitchFamily="34" charset="-120"/>
+                <a:ea typeface="微軟正黑體" panose="020B0604030504040204" pitchFamily="34" charset="-120"/>
+              </a:rPr>
+              <a:t>預給予變數的值</a:t>
+            </a:r>
+            <a:endParaRPr lang="zh-TW" altLang="en-US" b="1" dirty="0">
+              <a:latin typeface="微軟正黑體" panose="020B0604030504040204" pitchFamily="34" charset="-120"/>
+              <a:ea typeface="微軟正黑體" panose="020B0604030504040204" pitchFamily="34" charset="-120"/>
+            </a:endParaRPr>
+          </a:p>
+        </p:txBody>
+      </p:sp>
+      <p:sp>
+        <p:nvSpPr>
+          <p:cNvPr id="13" name="向下箭號 12"/>
+          <p:cNvSpPr/>
+          <p:nvPr/>
+        </p:nvSpPr>
+        <p:spPr>
+          <a:xfrm rot="10800000">
+            <a:off x="5013020" y="2020540"/>
+            <a:ext cx="216025" cy="360041"/>
+          </a:xfrm>
+          <a:prstGeom prst="downArrow">
+            <a:avLst/>
+          </a:prstGeom>
+          <a:solidFill>
+            <a:srgbClr val="000000"/>
+          </a:solidFill>
+          <a:ln>
+            <a:solidFill>
+              <a:srgbClr val="000000"/>
+            </a:solidFill>
+          </a:ln>
+        </p:spPr>
+        <p:style>
+          <a:lnRef idx="2">
+            <a:schemeClr val="accent1">
+              <a:shade val="50000"/>
+            </a:schemeClr>
+          </a:lnRef>
+          <a:fillRef idx="1">
+            <a:schemeClr val="accent1"/>
+          </a:fillRef>
+          <a:effectRef idx="0">
+            <a:schemeClr val="accent1"/>
+          </a:effectRef>
+          <a:fontRef idx="minor">
+            <a:schemeClr val="lt1"/>
+          </a:fontRef>
+        </p:style>
+        <p:txBody>
+          <a:bodyPr rtlCol="0" anchor="ctr"/>
+          <a:lstStyle/>
+          <a:p>
+            <a:pPr algn="ctr"/>
+            <a:endParaRPr lang="zh-TW" altLang="en-US"/>
+          </a:p>
+        </p:txBody>
+      </p:sp>
+      <p:sp>
+        <p:nvSpPr>
+          <p:cNvPr id="14" name="矩形 13"/>
+          <p:cNvSpPr/>
+          <p:nvPr/>
+        </p:nvSpPr>
+        <p:spPr>
+          <a:xfrm>
+            <a:off x="4932040" y="2384887"/>
+            <a:ext cx="360040" cy="432048"/>
+          </a:xfrm>
+          <a:prstGeom prst="rect">
+            <a:avLst/>
+          </a:prstGeom>
+          <a:noFill/>
+          <a:ln>
+            <a:solidFill>
+              <a:srgbClr val="000000"/>
+            </a:solidFill>
+          </a:ln>
+        </p:spPr>
+        <p:style>
+          <a:lnRef idx="2">
+            <a:schemeClr val="accent1">
+              <a:shade val="50000"/>
+            </a:schemeClr>
+          </a:lnRef>
+          <a:fillRef idx="1">
+            <a:schemeClr val="accent1"/>
+          </a:fillRef>
+          <a:effectRef idx="0">
+            <a:schemeClr val="accent1"/>
+          </a:effectRef>
+          <a:fontRef idx="minor">
+            <a:schemeClr val="lt1"/>
+          </a:fontRef>
+        </p:style>
+        <p:txBody>
+          <a:bodyPr rtlCol="0" anchor="ctr"/>
+          <a:lstStyle/>
+          <a:p>
+            <a:pPr algn="ctr"/>
+            <a:endParaRPr lang="zh-TW" altLang="en-US"/>
+          </a:p>
+        </p:txBody>
+      </p:sp>
+      <p:sp>
+        <p:nvSpPr>
+          <p:cNvPr id="15" name="文字方塊 14"/>
+          <p:cNvSpPr txBox="1"/>
+          <p:nvPr/>
+        </p:nvSpPr>
+        <p:spPr>
+          <a:xfrm>
+            <a:off x="4079115" y="1622028"/>
+            <a:ext cx="2031325" cy="369332"/>
+          </a:xfrm>
+          <a:prstGeom prst="rect">
+            <a:avLst/>
+          </a:prstGeom>
+          <a:noFill/>
+        </p:spPr>
+        <p:txBody>
+          <a:bodyPr wrap="none" rtlCol="0">
+            <a:spAutoFit/>
+          </a:bodyPr>
+          <a:lstStyle/>
+          <a:p>
+            <a:r>
+              <a:rPr lang="zh-TW" altLang="en-US" b="1" dirty="0" smtClean="0">
+                <a:latin typeface="微軟正黑體" panose="020B0604030504040204" pitchFamily="34" charset="-120"/>
+                <a:ea typeface="微軟正黑體" panose="020B0604030504040204" pitchFamily="34" charset="-120"/>
+              </a:rPr>
+              <a:t>指定、賦值運算子</a:t>
+            </a:r>
+            <a:endParaRPr lang="zh-TW" altLang="en-US" b="1" dirty="0">
+              <a:latin typeface="微軟正黑體" panose="020B0604030504040204" pitchFamily="34" charset="-120"/>
+              <a:ea typeface="微軟正黑體" panose="020B0604030504040204" pitchFamily="34" charset="-120"/>
+            </a:endParaRPr>
           </a:p>
         </p:txBody>
       </p:sp>
     </p:spTree>
     <p:extLst>
       <p:ext uri="{BB962C8B-B14F-4D97-AF65-F5344CB8AC3E}">
-        <p14:creationId xmlns:p14="http://schemas.microsoft.com/office/powerpoint/2010/main" val="1499018510"/>
+        <p14:creationId xmlns:p14="http://schemas.microsoft.com/office/powerpoint/2010/main" val="2210466746"/>
       </p:ext>
     </p:extLst>
   </p:cSld>
   <p:clrMapOvr>
     <a:masterClrMapping/>
   </p:clrMapOvr>
+  <p:timing>
+    <p:tnLst>
+      <p:par>
+        <p:cTn id="1" dur="indefinite" restart="never" nodeType="tmRoot"/>
+      </p:par>
+    </p:tnLst>
+  </p:timing>
 </p:sld>
 </file>
 
@@ -3993,10 +5126,14 @@
           <a:lstStyle/>
           <a:p>
             <a:r>
-              <a:rPr lang="en-US" altLang="zh-TW" dirty="0"/>
-              <a:t>symbol</a:t>
-            </a:r>
-            <a:endParaRPr lang="en-US" altLang="zh-TW" dirty="0"/>
+              <a:rPr lang="zh-TW" altLang="en-US" dirty="0" smtClean="0"/>
+              <a:t>變數</a:t>
+            </a:r>
+            <a:r>
+              <a:rPr lang="zh-TW" altLang="en-US" dirty="0" smtClean="0"/>
+              <a:t>賦值</a:t>
+            </a:r>
+            <a:endParaRPr lang="zh-TW" altLang="en-US" dirty="0"/>
           </a:p>
         </p:txBody>
       </p:sp>
@@ -4010,40 +5147,100 @@
             <p:ph idx="1"/>
           </p:nvPr>
         </p:nvSpPr>
-        <p:spPr/>
-        <p:txBody>
-          <a:bodyPr/>
-          <a:lstStyle/>
-          <a:p>
-            <a:pPr marL="0" indent="0">
+        <p:spPr>
+          <a:xfrm>
+            <a:off x="467544" y="897565"/>
+            <a:ext cx="8229600" cy="3394472"/>
+          </a:xfrm>
+        </p:spPr>
+        <p:txBody>
+          <a:bodyPr anchor="ctr"/>
+          <a:lstStyle/>
+          <a:p>
+            <a:pPr marL="0" indent="0" algn="ctr">
               <a:buNone/>
             </a:pPr>
             <a:r>
-              <a:rPr lang="zh-TW" altLang="en-US" dirty="0"/>
-              <a:t>表示</a:t>
-            </a:r>
-            <a:r>
-              <a:rPr lang="zh-TW" altLang="en-US" dirty="0" smtClean="0"/>
-              <a:t>符號</a:t>
-            </a:r>
-            <a:endParaRPr lang="en-US" altLang="zh-TW" dirty="0" smtClean="0"/>
-          </a:p>
-          <a:p>
-            <a:pPr marL="0" indent="0">
+              <a:rPr lang="en-US" altLang="zh-TW" sz="2400" b="1" dirty="0" smtClean="0">
+                <a:solidFill>
+                  <a:srgbClr val="C00000"/>
+                </a:solidFill>
+              </a:rPr>
+              <a:t>apple</a:t>
+            </a:r>
+            <a:r>
+              <a:rPr lang="zh-TW" altLang="en-US" sz="2400" b="1" dirty="0" smtClean="0">
+                <a:solidFill>
+                  <a:srgbClr val="C00000"/>
+                </a:solidFill>
+              </a:rPr>
+              <a:t> </a:t>
+            </a:r>
+            <a:r>
+              <a:rPr lang="en-US" altLang="zh-TW" sz="2400" b="1" dirty="0">
+                <a:solidFill>
+                  <a:srgbClr val="002060"/>
+                </a:solidFill>
+              </a:rPr>
+              <a:t>=</a:t>
+            </a:r>
+            <a:r>
+              <a:rPr lang="zh-TW" altLang="en-US" sz="2400" b="1" dirty="0" smtClean="0">
+                <a:solidFill>
+                  <a:srgbClr val="C00000"/>
+                </a:solidFill>
+              </a:rPr>
+              <a:t> </a:t>
+            </a:r>
+            <a:r>
+              <a:rPr lang="en-US" altLang="zh-TW" sz="2400" b="1" dirty="0">
+                <a:solidFill>
+                  <a:schemeClr val="accent6">
+                    <a:lumMod val="50000"/>
+                  </a:schemeClr>
+                </a:solidFill>
+              </a:rPr>
+              <a:t>"</a:t>
+            </a:r>
+            <a:r>
+              <a:rPr lang="zh-TW" altLang="en-US" sz="2400" b="1" dirty="0">
+                <a:solidFill>
+                  <a:schemeClr val="accent6">
+                    <a:lumMod val="50000"/>
+                  </a:schemeClr>
+                </a:solidFill>
+              </a:rPr>
+              <a:t>蘋果</a:t>
+            </a:r>
+            <a:r>
+              <a:rPr lang="en-US" altLang="zh-TW" sz="2400" b="1" dirty="0">
+                <a:solidFill>
+                  <a:schemeClr val="accent6">
+                    <a:lumMod val="50000"/>
+                  </a:schemeClr>
+                </a:solidFill>
+              </a:rPr>
+              <a:t>"</a:t>
+            </a:r>
+            <a:r>
+              <a:rPr lang="en-US" altLang="zh-TW" sz="2400" b="1" dirty="0"/>
+              <a:t>;</a:t>
+            </a:r>
+            <a:r>
+              <a:rPr lang="en-US" altLang="zh-TW" sz="2400" b="1" dirty="0">
+                <a:solidFill>
+                  <a:schemeClr val="accent6">
+                    <a:lumMod val="50000"/>
+                  </a:schemeClr>
+                </a:solidFill>
+              </a:rPr>
+              <a:t> </a:t>
+            </a:r>
+          </a:p>
+          <a:p>
+            <a:pPr marL="0" indent="0" algn="ctr">
               <a:buNone/>
             </a:pPr>
-            <a:r>
-              <a:rPr lang="zh-TW" altLang="en-US" dirty="0" smtClean="0"/>
-              <a:t>是</a:t>
-            </a:r>
-            <a:r>
-              <a:rPr lang="en-US" altLang="zh-TW" dirty="0"/>
-              <a:t>ES6</a:t>
-            </a:r>
-            <a:r>
-              <a:rPr lang="zh-TW" altLang="en-US" dirty="0"/>
-              <a:t>新增的型別，可以賦予變數獨特性、獨一性。</a:t>
-            </a:r>
             <a:endParaRPr lang="zh-TW" altLang="en-US" dirty="0"/>
           </a:p>
         </p:txBody>
@@ -4051,13 +5248,20 @@
     </p:spTree>
     <p:extLst>
       <p:ext uri="{BB962C8B-B14F-4D97-AF65-F5344CB8AC3E}">
-        <p14:creationId xmlns:p14="http://schemas.microsoft.com/office/powerpoint/2010/main" val="160194131"/>
+        <p14:creationId xmlns:p14="http://schemas.microsoft.com/office/powerpoint/2010/main" val="2210466746"/>
       </p:ext>
     </p:extLst>
   </p:cSld>
   <p:clrMapOvr>
     <a:masterClrMapping/>
   </p:clrMapOvr>
+  <p:timing>
+    <p:tnLst>
+      <p:par>
+        <p:cTn id="1" dur="indefinite" restart="never" nodeType="tmRoot"/>
+      </p:par>
+    </p:tnLst>
+  </p:timing>
 </p:sld>
 </file>
 
@@ -4088,33 +5292,268 @@
             <p:ph type="title"/>
           </p:nvPr>
         </p:nvSpPr>
+        <p:spPr/>
+        <p:txBody>
+          <a:bodyPr>
+            <a:normAutofit/>
+          </a:bodyPr>
+          <a:lstStyle/>
+          <a:p>
+            <a:r>
+              <a:rPr lang="zh-TW" altLang="en-US" dirty="0" smtClean="0"/>
+              <a:t>常用寫法</a:t>
+            </a:r>
+            <a:r>
+              <a:rPr lang="en-US" altLang="zh-TW" dirty="0" smtClean="0"/>
+              <a:t>(</a:t>
+            </a:r>
+            <a:r>
+              <a:rPr lang="zh-TW" altLang="en-US" dirty="0" smtClean="0"/>
+              <a:t>電腦執行仍是</a:t>
+            </a:r>
+            <a:r>
+              <a:rPr lang="zh-TW" altLang="en-US" dirty="0">
+                <a:solidFill>
+                  <a:srgbClr val="00B050"/>
+                </a:solidFill>
+                <a:cs typeface="+mn-cs"/>
+              </a:rPr>
+              <a:t>宣告</a:t>
+            </a:r>
+            <a:r>
+              <a:rPr lang="zh-TW" altLang="en-US" dirty="0" smtClean="0"/>
+              <a:t>、</a:t>
+            </a:r>
+            <a:r>
+              <a:rPr lang="zh-TW" altLang="en-US" dirty="0">
+                <a:solidFill>
+                  <a:srgbClr val="002060"/>
+                </a:solidFill>
+                <a:cs typeface="+mn-cs"/>
+              </a:rPr>
+              <a:t>賦值</a:t>
+            </a:r>
+            <a:r>
+              <a:rPr lang="zh-TW" altLang="en-US" dirty="0" smtClean="0"/>
+              <a:t>兩個動作</a:t>
+            </a:r>
+            <a:r>
+              <a:rPr lang="en-US" altLang="zh-TW" dirty="0" smtClean="0"/>
+              <a:t>)</a:t>
+            </a:r>
+            <a:endParaRPr lang="zh-TW" altLang="en-US" dirty="0"/>
+          </a:p>
+        </p:txBody>
+      </p:sp>
+      <p:sp>
+        <p:nvSpPr>
+          <p:cNvPr id="3" name="內容版面配置區 2"/>
+          <p:cNvSpPr>
+            <a:spLocks noGrp="1"/>
+          </p:cNvSpPr>
+          <p:nvPr>
+            <p:ph idx="1"/>
+          </p:nvPr>
+        </p:nvSpPr>
         <p:spPr>
           <a:xfrm>
-            <a:off x="467544" y="2636912"/>
-            <a:ext cx="8229600" cy="1143000"/>
+            <a:off x="467544" y="897565"/>
+            <a:ext cx="8229600" cy="3394472"/>
           </a:xfrm>
         </p:spPr>
         <p:txBody>
-          <a:bodyPr/>
-          <a:lstStyle/>
-          <a:p>
-            <a:r>
-              <a:rPr lang="zh-TW" altLang="en-US" dirty="0"/>
-              <a:t>變數</a:t>
-            </a:r>
+          <a:bodyPr anchor="ctr">
+            <a:normAutofit/>
+          </a:bodyPr>
+          <a:lstStyle/>
+          <a:p>
+            <a:pPr marL="0" indent="0" algn="ctr">
+              <a:buNone/>
+            </a:pPr>
+            <a:r>
+              <a:rPr lang="zh-TW" altLang="en-US" sz="2400" b="1" dirty="0">
+                <a:solidFill>
+                  <a:srgbClr val="00B050"/>
+                </a:solidFill>
+              </a:rPr>
+              <a:t>宣告</a:t>
+            </a:r>
+            <a:r>
+              <a:rPr lang="en-US" altLang="zh-TW" sz="2400" b="1" dirty="0" smtClean="0">
+                <a:solidFill>
+                  <a:srgbClr val="C00000"/>
+                </a:solidFill>
+              </a:rPr>
+              <a:t> </a:t>
+            </a:r>
+            <a:r>
+              <a:rPr lang="zh-TW" altLang="en-US" sz="2400" b="1" dirty="0">
+                <a:solidFill>
+                  <a:srgbClr val="C00000"/>
+                </a:solidFill>
+              </a:rPr>
+              <a:t>變數名稱 </a:t>
+            </a:r>
+            <a:r>
+              <a:rPr lang="en-US" altLang="zh-TW" sz="2400" b="1" dirty="0">
+                <a:solidFill>
+                  <a:srgbClr val="002060"/>
+                </a:solidFill>
+              </a:rPr>
+              <a:t>=</a:t>
+            </a:r>
+            <a:r>
+              <a:rPr lang="zh-TW" altLang="en-US" sz="2400" b="1" dirty="0">
+                <a:solidFill>
+                  <a:srgbClr val="C00000"/>
+                </a:solidFill>
+              </a:rPr>
+              <a:t> </a:t>
+            </a:r>
+            <a:r>
+              <a:rPr lang="zh-TW" altLang="en-US" sz="2400" b="1" dirty="0">
+                <a:solidFill>
+                  <a:schemeClr val="accent6">
+                    <a:lumMod val="50000"/>
+                  </a:schemeClr>
+                </a:solidFill>
+              </a:rPr>
+              <a:t>某個值</a:t>
+            </a:r>
+            <a:r>
+              <a:rPr lang="en-US" altLang="zh-TW" sz="2400" b="1" dirty="0"/>
+              <a:t>;</a:t>
+            </a:r>
+            <a:r>
+              <a:rPr lang="en-US" altLang="zh-TW" sz="2400" b="1" dirty="0">
+                <a:solidFill>
+                  <a:srgbClr val="C00000"/>
+                </a:solidFill>
+              </a:rPr>
+              <a:t> </a:t>
+            </a:r>
+          </a:p>
+          <a:p>
+            <a:pPr marL="0" indent="0" algn="ctr">
+              <a:buNone/>
+            </a:pPr>
+            <a:r>
+              <a:rPr lang="en-US" altLang="zh-TW" sz="2400" b="1" dirty="0" err="1">
+                <a:solidFill>
+                  <a:srgbClr val="00B050"/>
+                </a:solidFill>
+              </a:rPr>
+              <a:t>var</a:t>
+            </a:r>
+            <a:r>
+              <a:rPr lang="en-US" altLang="zh-TW" sz="2400" b="1" dirty="0">
+                <a:solidFill>
+                  <a:srgbClr val="C00000"/>
+                </a:solidFill>
+              </a:rPr>
+              <a:t> </a:t>
+            </a:r>
+            <a:r>
+              <a:rPr lang="en-US" altLang="zh-TW" sz="2400" b="1" dirty="0" smtClean="0">
+                <a:solidFill>
+                  <a:srgbClr val="C00000"/>
+                </a:solidFill>
+              </a:rPr>
+              <a:t>apple </a:t>
+            </a:r>
+            <a:r>
+              <a:rPr lang="en-US" altLang="zh-TW" sz="2400" b="1" dirty="0">
+                <a:solidFill>
+                  <a:srgbClr val="002060"/>
+                </a:solidFill>
+              </a:rPr>
+              <a:t>=</a:t>
+            </a:r>
+            <a:r>
+              <a:rPr lang="en-US" altLang="zh-TW" sz="2400" b="1" dirty="0">
+                <a:solidFill>
+                  <a:srgbClr val="C00000"/>
+                </a:solidFill>
+              </a:rPr>
+              <a:t> </a:t>
+            </a:r>
+            <a:r>
+              <a:rPr lang="en-US" altLang="zh-TW" sz="2400" b="1" dirty="0">
+                <a:solidFill>
+                  <a:schemeClr val="accent6">
+                    <a:lumMod val="50000"/>
+                  </a:schemeClr>
+                </a:solidFill>
+              </a:rPr>
+              <a:t>"</a:t>
+            </a:r>
+            <a:r>
+              <a:rPr lang="zh-TW" altLang="en-US" sz="2400" b="1" dirty="0">
+                <a:solidFill>
+                  <a:schemeClr val="accent6">
+                    <a:lumMod val="50000"/>
+                  </a:schemeClr>
+                </a:solidFill>
+              </a:rPr>
+              <a:t>蘋果</a:t>
+            </a:r>
+            <a:r>
+              <a:rPr lang="en-US" altLang="zh-TW" sz="2400" b="1" dirty="0">
+                <a:solidFill>
+                  <a:schemeClr val="accent6">
+                    <a:lumMod val="50000"/>
+                  </a:schemeClr>
+                </a:solidFill>
+              </a:rPr>
+              <a:t>"</a:t>
+            </a:r>
+            <a:r>
+              <a:rPr lang="en-US" altLang="zh-TW" sz="2400" b="1" dirty="0"/>
+              <a:t>;</a:t>
+            </a:r>
+            <a:r>
+              <a:rPr lang="en-US" altLang="zh-TW" sz="2400" b="1" dirty="0">
+                <a:solidFill>
+                  <a:schemeClr val="accent6">
+                    <a:lumMod val="50000"/>
+                  </a:schemeClr>
+                </a:solidFill>
+              </a:rPr>
+              <a:t> </a:t>
+            </a:r>
+            <a:r>
+              <a:rPr lang="en-US" altLang="zh-TW" sz="2400" b="1" dirty="0" smtClean="0">
+                <a:solidFill>
+                  <a:srgbClr val="C00000"/>
+                </a:solidFill>
+              </a:rPr>
+              <a:t> </a:t>
+            </a:r>
+            <a:endParaRPr lang="en-US" altLang="zh-TW" sz="2400" b="1" dirty="0">
+              <a:solidFill>
+                <a:srgbClr val="C00000"/>
+              </a:solidFill>
+            </a:endParaRPr>
           </a:p>
         </p:txBody>
       </p:sp>
     </p:spTree>
     <p:extLst>
       <p:ext uri="{BB962C8B-B14F-4D97-AF65-F5344CB8AC3E}">
-        <p14:creationId xmlns:p14="http://schemas.microsoft.com/office/powerpoint/2010/main" val="3948142311"/>
+        <p14:creationId xmlns:p14="http://schemas.microsoft.com/office/powerpoint/2010/main" val="1439631236"/>
       </p:ext>
     </p:extLst>
   </p:cSld>
   <p:clrMapOvr>
     <a:masterClrMapping/>
   </p:clrMapOvr>
+  <p:timing>
+    <p:tnLst>
+      <p:par>
+        <p:cTn id="1" dur="indefinite" restart="never" nodeType="tmRoot"/>
+      </p:par>
+    </p:tnLst>
+  </p:timing>
 </p:sld>
 </file>
 
@@ -4154,7 +5593,10 @@
               <a:rPr lang="zh-TW" altLang="en-US" dirty="0" smtClean="0"/>
               <a:t>變數</a:t>
             </a:r>
-            <a:endParaRPr lang="zh-TW" altLang="en-US" dirty="0"/>
+            <a:r>
+              <a:rPr lang="zh-TW" altLang="en-US" dirty="0"/>
+              <a:t>命名學</a:t>
+            </a:r>
           </a:p>
         </p:txBody>
       </p:sp>
@@ -4170,56 +5612,155 @@
         </p:nvSpPr>
         <p:spPr/>
         <p:txBody>
-          <a:bodyPr/>
-          <a:lstStyle/>
-          <a:p>
-            <a:pPr marL="0" indent="0">
-              <a:buNone/>
-            </a:pPr>
-            <a:r>
-              <a:rPr lang="zh-TW" altLang="en-US" dirty="0" smtClean="0"/>
-              <a:t>變數會指向</a:t>
-            </a:r>
-            <a:r>
-              <a:rPr lang="zh-TW" altLang="en-US" dirty="0"/>
-              <a:t>記憶體</a:t>
-            </a:r>
-            <a:r>
-              <a:rPr lang="zh-TW" altLang="en-US" dirty="0" smtClean="0"/>
-              <a:t>中的程式數據</a:t>
-            </a:r>
-            <a:r>
-              <a:rPr lang="en-US" altLang="zh-TW" dirty="0" smtClean="0"/>
+          <a:bodyPr>
+            <a:normAutofit/>
+          </a:bodyPr>
+          <a:lstStyle/>
+          <a:p>
+            <a:r>
+              <a:rPr lang="zh-TW" altLang="en-US" sz="2000" dirty="0" smtClean="0"/>
+              <a:t>英文數字混用</a:t>
+            </a:r>
+            <a:endParaRPr lang="en-US" altLang="zh-TW" sz="2000" dirty="0" smtClean="0"/>
+          </a:p>
+          <a:p>
+            <a:r>
+              <a:rPr lang="zh-TW" altLang="en-US" sz="2000" dirty="0"/>
+              <a:t>區分大</a:t>
+            </a:r>
+            <a:r>
+              <a:rPr lang="zh-TW" altLang="en-US" sz="2000" dirty="0" smtClean="0"/>
+              <a:t>小寫</a:t>
+            </a:r>
+            <a:endParaRPr lang="en-US" altLang="zh-TW" sz="2000" dirty="0" smtClean="0"/>
+          </a:p>
+          <a:p>
+            <a:r>
+              <a:rPr lang="zh-TW" altLang="en-US" sz="2000" dirty="0" smtClean="0"/>
+              <a:t>不能</a:t>
+            </a:r>
+            <a:r>
+              <a:rPr lang="zh-TW" altLang="en-US" sz="2000" dirty="0"/>
+              <a:t>數字</a:t>
+            </a:r>
+            <a:r>
+              <a:rPr lang="zh-TW" altLang="en-US" sz="2000" dirty="0" smtClean="0"/>
+              <a:t>開頭</a:t>
+            </a:r>
+            <a:endParaRPr lang="en-US" altLang="zh-TW" sz="2000" dirty="0" smtClean="0"/>
+          </a:p>
+          <a:p>
+            <a:r>
+              <a:rPr lang="zh-TW" altLang="en-US" sz="2000" dirty="0" smtClean="0"/>
+              <a:t>不能使用</a:t>
+            </a:r>
+            <a:r>
+              <a:rPr lang="en-US" altLang="zh-TW" sz="2000" dirty="0" smtClean="0"/>
+              <a:t>-</a:t>
+            </a:r>
+            <a:r>
+              <a:rPr lang="zh-TW" altLang="en-US" sz="2000" dirty="0" smtClean="0"/>
+              <a:t>和</a:t>
+            </a:r>
+            <a:r>
+              <a:rPr lang="en-US" altLang="zh-TW" sz="2000" dirty="0" smtClean="0"/>
+              <a:t>.</a:t>
+            </a:r>
+            <a:endParaRPr lang="en-US" altLang="zh-TW" sz="2000" dirty="0"/>
+          </a:p>
+          <a:p>
+            <a:r>
+              <a:rPr lang="zh-TW" altLang="en-US" sz="2000" dirty="0" smtClean="0"/>
+              <a:t>不能使用保留字</a:t>
+            </a:r>
+            <a:r>
+              <a:rPr lang="en-US" altLang="zh-TW" sz="2000" dirty="0" smtClean="0"/>
               <a:t>(</a:t>
             </a:r>
             <a:r>
-              <a:rPr lang="zh-TW" altLang="en-US" dirty="0"/>
-              <a:t>資料</a:t>
-            </a:r>
-            <a:r>
-              <a:rPr lang="zh-TW" altLang="en-US" dirty="0" smtClean="0"/>
-              <a:t>型態</a:t>
-            </a:r>
-            <a:r>
-              <a:rPr lang="en-US" altLang="zh-TW" dirty="0" smtClean="0"/>
-              <a:t>)</a:t>
-            </a:r>
-          </a:p>
-          <a:p>
-            <a:endParaRPr lang="zh-TW" altLang="en-US" dirty="0"/>
+              <a:rPr lang="zh-TW" altLang="en-US" sz="2000" dirty="0" smtClean="0"/>
+              <a:t>例如</a:t>
+            </a:r>
+            <a:r>
+              <a:rPr lang="en-US" altLang="zh-TW" sz="2000" dirty="0" smtClean="0"/>
+              <a:t>class)</a:t>
+            </a:r>
+          </a:p>
+          <a:p>
+            <a:r>
+              <a:rPr lang="zh-TW" altLang="en-US" sz="2000" dirty="0"/>
+              <a:t>盡量不要用特殊</a:t>
+            </a:r>
+            <a:r>
+              <a:rPr lang="zh-TW" altLang="en-US" sz="2000" dirty="0" smtClean="0"/>
+              <a:t>符號</a:t>
+            </a:r>
+            <a:r>
+              <a:rPr lang="en-US" altLang="zh-TW" sz="2000" dirty="0" smtClean="0"/>
+              <a:t>(</a:t>
+            </a:r>
+            <a:r>
+              <a:rPr lang="zh-TW" altLang="en-US" sz="2000" dirty="0" smtClean="0"/>
+              <a:t>例如</a:t>
+            </a:r>
+            <a:r>
+              <a:rPr lang="en-US" altLang="zh-TW" sz="2000" dirty="0" smtClean="0"/>
+              <a:t>$</a:t>
+            </a:r>
+            <a:r>
+              <a:rPr lang="zh-TW" altLang="en-US" sz="2000" dirty="0" smtClean="0"/>
+              <a:t>或</a:t>
+            </a:r>
+            <a:r>
+              <a:rPr lang="en-US" altLang="zh-TW" sz="2000" dirty="0" smtClean="0"/>
+              <a:t>_)</a:t>
+            </a:r>
+          </a:p>
+          <a:p>
+            <a:r>
+              <a:rPr lang="zh-TW" altLang="en-US" sz="2000" dirty="0" smtClean="0"/>
+              <a:t>盡量語意化</a:t>
+            </a:r>
+            <a:r>
+              <a:rPr lang="zh-TW" altLang="en-US" sz="2000" dirty="0" smtClean="0"/>
+              <a:t>命名</a:t>
+            </a:r>
+            <a:endParaRPr lang="en-US" altLang="zh-TW" sz="2000" dirty="0" smtClean="0"/>
+          </a:p>
+          <a:p>
+            <a:r>
+              <a:rPr lang="zh-TW" altLang="en-US" sz="2000" dirty="0" smtClean="0"/>
+              <a:t>別取自</a:t>
+            </a:r>
+            <a:r>
+              <a:rPr lang="zh-TW" altLang="en-US" sz="2000" dirty="0"/>
+              <a:t>嗨的</a:t>
+            </a:r>
+            <a:r>
+              <a:rPr lang="zh-TW" altLang="en-US" sz="2000" dirty="0" smtClean="0"/>
+              <a:t>命名或髒話</a:t>
+            </a:r>
+            <a:endParaRPr lang="en-US" altLang="zh-TW" sz="2000" dirty="0" smtClean="0"/>
           </a:p>
         </p:txBody>
       </p:sp>
     </p:spTree>
     <p:extLst>
       <p:ext uri="{BB962C8B-B14F-4D97-AF65-F5344CB8AC3E}">
-        <p14:creationId xmlns:p14="http://schemas.microsoft.com/office/powerpoint/2010/main" val="1652264271"/>
+        <p14:creationId xmlns:p14="http://schemas.microsoft.com/office/powerpoint/2010/main" val="981498377"/>
       </p:ext>
     </p:extLst>
   </p:cSld>
   <p:clrMapOvr>
     <a:masterClrMapping/>
   </p:clrMapOvr>
+  <p:timing>
+    <p:tnLst>
+      <p:par>
+        <p:cTn id="1" dur="indefinite" restart="never" nodeType="tmRoot"/>
+      </p:par>
+    </p:tnLst>
+  </p:timing>
 </p:sld>
 </file>
 
@@ -4288,6 +5829,13 @@
   <p:clrMapOvr>
     <a:masterClrMapping/>
   </p:clrMapOvr>
+  <p:timing>
+    <p:tnLst>
+      <p:par>
+        <p:cTn id="1" dur="indefinite" restart="never" nodeType="tmRoot"/>
+      </p:par>
+    </p:tnLst>
+  </p:timing>
 </p:sld>
 </file>
 
@@ -4318,61 +5866,23 @@
             <p:ph type="title"/>
           </p:nvPr>
         </p:nvSpPr>
-        <p:spPr/>
-        <p:txBody>
-          <a:bodyPr/>
-          <a:lstStyle/>
-          <a:p>
-            <a:r>
-              <a:rPr lang="zh-TW" altLang="en-US" dirty="0"/>
-              <a:t>宣告</a:t>
-            </a:r>
-            <a:r>
-              <a:rPr lang="zh-TW" altLang="en-US" dirty="0" smtClean="0"/>
-              <a:t>變數</a:t>
-            </a:r>
-            <a:endParaRPr lang="zh-TW" altLang="en-US" dirty="0"/>
-          </a:p>
-        </p:txBody>
-      </p:sp>
-      <p:sp>
-        <p:nvSpPr>
-          <p:cNvPr id="3" name="內容版面配置區 2"/>
-          <p:cNvSpPr>
-            <a:spLocks noGrp="1"/>
-          </p:cNvSpPr>
-          <p:nvPr>
-            <p:ph idx="1"/>
-          </p:nvPr>
-        </p:nvSpPr>
         <p:spPr>
           <a:xfrm>
-            <a:off x="467544" y="1196752"/>
-            <a:ext cx="8229600" cy="4525963"/>
+            <a:off x="467544" y="1977684"/>
+            <a:ext cx="8229600" cy="857250"/>
           </a:xfrm>
         </p:spPr>
         <p:txBody>
-          <a:bodyPr anchor="ctr"/>
-          <a:lstStyle/>
-          <a:p>
-            <a:pPr marL="0" indent="0" algn="ctr">
-              <a:buNone/>
-            </a:pPr>
-            <a:r>
-              <a:rPr lang="en-US" altLang="zh-TW" dirty="0" err="1" smtClean="0"/>
-              <a:t>var</a:t>
+          <a:bodyPr/>
+          <a:lstStyle/>
+          <a:p>
+            <a:r>
+              <a:rPr lang="zh-TW" altLang="en-US" dirty="0" smtClean="0"/>
+              <a:t>那我們可以賦予變數哪些值</a:t>
             </a:r>
             <a:r>
               <a:rPr lang="en-US" altLang="zh-TW" dirty="0" smtClean="0"/>
-              <a:t> </a:t>
-            </a:r>
-            <a:r>
-              <a:rPr lang="zh-TW" altLang="en-US" dirty="0" smtClean="0"/>
-              <a:t>變數名稱 </a:t>
-            </a:r>
-            <a:r>
-              <a:rPr lang="en-US" altLang="zh-TW" dirty="0" smtClean="0"/>
-              <a:t>; </a:t>
+              <a:t>?</a:t>
             </a:r>
             <a:endParaRPr lang="zh-TW" altLang="en-US" dirty="0"/>
           </a:p>
@@ -4381,13 +5891,20 @@
     </p:spTree>
     <p:extLst>
       <p:ext uri="{BB962C8B-B14F-4D97-AF65-F5344CB8AC3E}">
-        <p14:creationId xmlns:p14="http://schemas.microsoft.com/office/powerpoint/2010/main" val="3925751582"/>
+        <p14:creationId xmlns:p14="http://schemas.microsoft.com/office/powerpoint/2010/main" val="3428629111"/>
       </p:ext>
     </p:extLst>
   </p:cSld>
   <p:clrMapOvr>
     <a:masterClrMapping/>
   </p:clrMapOvr>
+  <p:timing>
+    <p:tnLst>
+      <p:par>
+        <p:cTn id="1" dur="indefinite" restart="never" nodeType="tmRoot"/>
+      </p:par>
+    </p:tnLst>
+  </p:timing>
 </p:sld>
 </file>
 
@@ -4418,123 +5935,48 @@
             <p:ph type="title"/>
           </p:nvPr>
         </p:nvSpPr>
-        <p:spPr/>
-        <p:txBody>
-          <a:bodyPr/>
-          <a:lstStyle/>
-          <a:p>
-            <a:r>
-              <a:rPr lang="zh-TW" altLang="en-US" dirty="0" smtClean="0"/>
-              <a:t>常用寫法</a:t>
-            </a:r>
-            <a:endParaRPr lang="zh-TW" altLang="en-US" dirty="0"/>
-          </a:p>
-        </p:txBody>
-      </p:sp>
-      <p:sp>
-        <p:nvSpPr>
-          <p:cNvPr id="3" name="內容版面配置區 2"/>
-          <p:cNvSpPr>
-            <a:spLocks noGrp="1"/>
-          </p:cNvSpPr>
-          <p:nvPr>
-            <p:ph idx="1"/>
-          </p:nvPr>
-        </p:nvSpPr>
         <p:spPr>
           <a:xfrm>
-            <a:off x="467544" y="1196752"/>
-            <a:ext cx="8229600" cy="4525963"/>
+            <a:off x="467544" y="1977684"/>
+            <a:ext cx="8229600" cy="857250"/>
           </a:xfrm>
         </p:spPr>
         <p:txBody>
-          <a:bodyPr anchor="ctr"/>
-          <a:lstStyle/>
-          <a:p>
-            <a:pPr marL="0" indent="0" algn="ctr">
-              <a:buNone/>
-            </a:pPr>
-            <a:r>
-              <a:rPr lang="en-US" altLang="zh-TW" dirty="0" err="1" smtClean="0"/>
-              <a:t>var</a:t>
-            </a:r>
-            <a:r>
-              <a:rPr lang="en-US" altLang="zh-TW" dirty="0" smtClean="0"/>
-              <a:t> </a:t>
-            </a:r>
-            <a:r>
-              <a:rPr lang="zh-TW" altLang="en-US" dirty="0" smtClean="0"/>
-              <a:t>變數名稱 </a:t>
-            </a:r>
-            <a:r>
-              <a:rPr lang="en-US" altLang="zh-TW" dirty="0" smtClean="0"/>
-              <a:t>=</a:t>
-            </a:r>
-            <a:r>
-              <a:rPr lang="zh-TW" altLang="en-US" dirty="0" smtClean="0"/>
-              <a:t> 某個值</a:t>
-            </a:r>
-            <a:r>
-              <a:rPr lang="en-US" altLang="zh-TW" dirty="0" smtClean="0"/>
-              <a:t>; </a:t>
-            </a:r>
-          </a:p>
-          <a:p>
-            <a:pPr marL="0" indent="0" algn="ctr">
-              <a:buNone/>
-            </a:pPr>
-            <a:r>
-              <a:rPr lang="en-US" altLang="zh-TW" dirty="0" err="1" smtClean="0"/>
-              <a:t>var</a:t>
-            </a:r>
-            <a:r>
-              <a:rPr lang="en-US" altLang="zh-TW" dirty="0" smtClean="0"/>
-              <a:t> year = 2018; </a:t>
-            </a:r>
-            <a:endParaRPr lang="en-US" altLang="zh-TW" dirty="0"/>
-          </a:p>
-          <a:p>
-            <a:pPr marL="0" indent="0" algn="ctr">
-              <a:buNone/>
-            </a:pPr>
-            <a:r>
-              <a:rPr lang="en-US" altLang="zh-TW" dirty="0" err="1"/>
-              <a:t>var</a:t>
-            </a:r>
-            <a:r>
-              <a:rPr lang="en-US" altLang="zh-TW" dirty="0"/>
-              <a:t> today = "5</a:t>
+          <a:bodyPr/>
+          <a:lstStyle/>
+          <a:p>
+            <a:r>
+              <a:rPr lang="zh-TW" altLang="en-US" dirty="0" smtClean="0"/>
+              <a:t>先</a:t>
+            </a:r>
+            <a:r>
+              <a:rPr lang="zh-TW" altLang="en-US" dirty="0" smtClean="0"/>
+              <a:t>談談資料</a:t>
             </a:r>
             <a:r>
               <a:rPr lang="zh-TW" altLang="en-US" dirty="0"/>
-              <a:t>月</a:t>
-            </a:r>
-            <a:r>
-              <a:rPr lang="en-US" altLang="zh-TW" dirty="0"/>
-              <a:t>27</a:t>
-            </a:r>
-            <a:r>
-              <a:rPr lang="zh-TW" altLang="en-US" dirty="0"/>
-              <a:t>號</a:t>
-            </a:r>
-            <a:r>
-              <a:rPr lang="en-US" altLang="zh-TW" dirty="0"/>
-              <a:t>"</a:t>
-            </a:r>
-            <a:endParaRPr lang="en-US" altLang="zh-TW" dirty="0" smtClean="0"/>
+              <a:t>型別</a:t>
+            </a:r>
           </a:p>
         </p:txBody>
       </p:sp>
     </p:spTree>
     <p:extLst>
       <p:ext uri="{BB962C8B-B14F-4D97-AF65-F5344CB8AC3E}">
-        <p14:creationId xmlns:p14="http://schemas.microsoft.com/office/powerpoint/2010/main" val="1439631236"/>
+        <p14:creationId xmlns:p14="http://schemas.microsoft.com/office/powerpoint/2010/main" val="1151701960"/>
       </p:ext>
     </p:extLst>
   </p:cSld>
   <p:clrMapOvr>
     <a:masterClrMapping/>
   </p:clrMapOvr>
+  <p:timing>
+    <p:tnLst>
+      <p:par>
+        <p:cTn id="1" dur="indefinite" restart="never" nodeType="tmRoot"/>
+      </p:par>
+    </p:tnLst>
+  </p:timing>
 </p:sld>
 </file>
 
@@ -4571,12 +6013,16 @@
           <a:lstStyle/>
           <a:p>
             <a:r>
-              <a:rPr lang="zh-TW" altLang="en-US" dirty="0" smtClean="0"/>
-              <a:t>變數</a:t>
+              <a:rPr lang="en-US" altLang="zh-TW" dirty="0" smtClean="0"/>
+              <a:t>JavaScript</a:t>
+            </a:r>
+            <a:r>
+              <a:rPr lang="zh-TW" altLang="en-US" dirty="0" smtClean="0"/>
+              <a:t>的資料</a:t>
             </a:r>
             <a:r>
               <a:rPr lang="zh-TW" altLang="en-US" dirty="0"/>
-              <a:t>命名學</a:t>
+              <a:t>型別</a:t>
             </a:r>
           </a:p>
         </p:txBody>
@@ -4593,133 +6039,95 @@
         </p:nvSpPr>
         <p:spPr/>
         <p:txBody>
-          <a:bodyPr>
-            <a:normAutofit/>
-          </a:bodyPr>
-          <a:lstStyle/>
-          <a:p>
-            <a:r>
-              <a:rPr lang="zh-TW" altLang="en-US" dirty="0" smtClean="0"/>
-              <a:t>英文數字混用</a:t>
-            </a:r>
-            <a:endParaRPr lang="en-US" altLang="zh-TW" dirty="0" smtClean="0"/>
-          </a:p>
-          <a:p>
-            <a:r>
-              <a:rPr lang="zh-TW" altLang="en-US" dirty="0"/>
-              <a:t>區分大</a:t>
-            </a:r>
-            <a:r>
-              <a:rPr lang="zh-TW" altLang="en-US" dirty="0" smtClean="0"/>
-              <a:t>小寫</a:t>
-            </a:r>
-            <a:endParaRPr lang="en-US" altLang="zh-TW" dirty="0" smtClean="0"/>
-          </a:p>
-          <a:p>
-            <a:r>
-              <a:rPr lang="zh-TW" altLang="en-US" dirty="0" smtClean="0"/>
-              <a:t>不能</a:t>
-            </a:r>
-            <a:r>
-              <a:rPr lang="zh-TW" altLang="en-US" dirty="0"/>
-              <a:t>數字</a:t>
-            </a:r>
-            <a:r>
-              <a:rPr lang="zh-TW" altLang="en-US" dirty="0" smtClean="0"/>
-              <a:t>開頭</a:t>
-            </a:r>
-            <a:endParaRPr lang="en-US" altLang="zh-TW" dirty="0" smtClean="0"/>
-          </a:p>
-          <a:p>
-            <a:r>
-              <a:rPr lang="zh-TW" altLang="en-US" dirty="0"/>
-              <a:t>不能</a:t>
-            </a:r>
-            <a:r>
-              <a:rPr lang="zh-TW" altLang="en-US" dirty="0" smtClean="0"/>
-              <a:t>使用</a:t>
-            </a:r>
-            <a:r>
-              <a:rPr lang="en-US" altLang="zh-TW" dirty="0" smtClean="0"/>
-              <a:t>-</a:t>
-            </a:r>
-            <a:r>
-              <a:rPr lang="zh-TW" altLang="en-US" dirty="0" smtClean="0"/>
-              <a:t>和</a:t>
-            </a:r>
-            <a:r>
-              <a:rPr lang="en-US" altLang="zh-TW" dirty="0" smtClean="0"/>
-              <a:t>.</a:t>
-            </a:r>
-            <a:endParaRPr lang="en-US" altLang="zh-TW" dirty="0"/>
-          </a:p>
-          <a:p>
-            <a:r>
-              <a:rPr lang="zh-TW" altLang="en-US" dirty="0" smtClean="0"/>
-              <a:t>不能使用保留字</a:t>
-            </a:r>
-            <a:r>
-              <a:rPr lang="en-US" altLang="zh-TW" dirty="0" smtClean="0"/>
+          <a:bodyPr/>
+          <a:lstStyle/>
+          <a:p>
+            <a:pPr marL="0" indent="0">
+              <a:buNone/>
+            </a:pPr>
+            <a:r>
+              <a:rPr lang="zh-TW" altLang="en-US" sz="2000" dirty="0" smtClean="0"/>
+              <a:t>分成</a:t>
+            </a:r>
+            <a:r>
+              <a:rPr lang="zh-TW" altLang="en-US" sz="2000" dirty="0"/>
+              <a:t>兩</a:t>
+            </a:r>
+            <a:r>
+              <a:rPr lang="zh-TW" altLang="en-US" sz="2000" dirty="0" smtClean="0"/>
+              <a:t>大</a:t>
+            </a:r>
+            <a:r>
+              <a:rPr lang="zh-TW" altLang="en-US" sz="2000" dirty="0"/>
+              <a:t>型</a:t>
+            </a:r>
+            <a:r>
+              <a:rPr lang="zh-TW" altLang="en-US" sz="2000" dirty="0" smtClean="0"/>
+              <a:t>別</a:t>
+            </a:r>
+            <a:endParaRPr lang="en-US" altLang="zh-TW" sz="2000" dirty="0" smtClean="0"/>
+          </a:p>
+          <a:p>
+            <a:pPr marL="0" indent="0">
+              <a:buNone/>
+            </a:pPr>
+            <a:r>
+              <a:rPr lang="zh-TW" altLang="en-US" sz="2000" dirty="0" smtClean="0"/>
+              <a:t>原始型別</a:t>
+            </a:r>
+            <a:r>
+              <a:rPr lang="en-US" altLang="zh-TW" sz="2000" dirty="0" smtClean="0"/>
               <a:t>(</a:t>
             </a:r>
             <a:r>
-              <a:rPr lang="zh-TW" altLang="en-US" dirty="0" smtClean="0"/>
-              <a:t>例如</a:t>
-            </a:r>
-            <a:r>
-              <a:rPr lang="en-US" altLang="zh-TW" dirty="0" smtClean="0"/>
-              <a:t>class)</a:t>
-            </a:r>
-          </a:p>
-          <a:p>
-            <a:r>
-              <a:rPr lang="zh-TW" altLang="en-US" dirty="0"/>
-              <a:t>盡量不要用特殊</a:t>
-            </a:r>
-            <a:r>
-              <a:rPr lang="zh-TW" altLang="en-US" dirty="0" smtClean="0"/>
-              <a:t>符號</a:t>
-            </a:r>
-            <a:r>
-              <a:rPr lang="en-US" altLang="zh-TW" dirty="0" smtClean="0"/>
-              <a:t>(</a:t>
-            </a:r>
-            <a:r>
-              <a:rPr lang="zh-TW" altLang="en-US" dirty="0" smtClean="0"/>
-              <a:t>例如</a:t>
-            </a:r>
-            <a:r>
-              <a:rPr lang="en-US" altLang="zh-TW" dirty="0" smtClean="0"/>
-              <a:t>$</a:t>
-            </a:r>
-            <a:r>
-              <a:rPr lang="zh-TW" altLang="en-US" dirty="0" smtClean="0"/>
-              <a:t>或</a:t>
-            </a:r>
-            <a:r>
-              <a:rPr lang="en-US" altLang="zh-TW" dirty="0" smtClean="0"/>
-              <a:t>_)</a:t>
-            </a:r>
-          </a:p>
-          <a:p>
-            <a:r>
-              <a:rPr lang="zh-TW" altLang="en-US" dirty="0" smtClean="0"/>
-              <a:t>盡量語意化命名</a:t>
-            </a:r>
-            <a:endParaRPr lang="en-US" altLang="zh-TW" dirty="0" smtClean="0"/>
+              <a:rPr lang="en-US" altLang="zh-TW" sz="2000" dirty="0"/>
+              <a:t>Primitive Types</a:t>
+            </a:r>
+            <a:r>
+              <a:rPr lang="en-US" altLang="zh-TW" sz="2000" dirty="0" smtClean="0"/>
+              <a:t>)</a:t>
+            </a:r>
+            <a:endParaRPr lang="en-US" altLang="zh-TW" sz="2000" dirty="0"/>
+          </a:p>
+          <a:p>
+            <a:pPr marL="0" indent="0">
+              <a:buNone/>
+            </a:pPr>
+            <a:r>
+              <a:rPr lang="zh-TW" altLang="en-US" sz="2000" dirty="0" smtClean="0"/>
+              <a:t>物件型別</a:t>
+            </a:r>
+            <a:r>
+              <a:rPr lang="en-US" altLang="zh-TW" sz="2000" dirty="0" smtClean="0"/>
+              <a:t>(Object </a:t>
+            </a:r>
+            <a:r>
+              <a:rPr lang="en-US" altLang="zh-TW" sz="2000" dirty="0"/>
+              <a:t>Types)</a:t>
+            </a:r>
+          </a:p>
+          <a:p>
+            <a:endParaRPr lang="zh-TW" altLang="en-US" dirty="0"/>
           </a:p>
         </p:txBody>
       </p:sp>
     </p:spTree>
     <p:extLst>
       <p:ext uri="{BB962C8B-B14F-4D97-AF65-F5344CB8AC3E}">
-        <p14:creationId xmlns:p14="http://schemas.microsoft.com/office/powerpoint/2010/main" val="981498377"/>
+        <p14:creationId xmlns:p14="http://schemas.microsoft.com/office/powerpoint/2010/main" val="3994127693"/>
       </p:ext>
     </p:extLst>
   </p:cSld>
   <p:clrMapOvr>
     <a:masterClrMapping/>
   </p:clrMapOvr>
+  <p:timing>
+    <p:tnLst>
+      <p:par>
+        <p:cTn id="1" dur="indefinite" restart="never" nodeType="tmRoot"/>
+      </p:par>
+    </p:tnLst>
+  </p:timing>
 </p:sld>
 </file>
 
@@ -4756,10 +6164,21 @@
           <a:lstStyle/>
           <a:p>
             <a:r>
-              <a:rPr lang="zh-TW" altLang="en-US" dirty="0" smtClean="0"/>
-              <a:t>變數練習</a:t>
-            </a:r>
-            <a:endParaRPr lang="zh-TW" altLang="en-US" dirty="0"/>
+              <a:rPr lang="en-US" altLang="zh-TW" dirty="0"/>
+              <a:t>Object </a:t>
+            </a:r>
+            <a:r>
+              <a:rPr lang="en-US" altLang="zh-TW" dirty="0" smtClean="0"/>
+              <a:t>Types</a:t>
+            </a:r>
+            <a:r>
+              <a:rPr lang="zh-TW" altLang="en-US" dirty="0" smtClean="0"/>
+              <a:t>物件型</a:t>
+            </a:r>
+            <a:r>
+              <a:rPr lang="zh-TW" altLang="en-US" dirty="0"/>
+              <a:t>別</a:t>
+            </a:r>
           </a:p>
         </p:txBody>
       </p:sp>
@@ -4777,6 +6196,86 @@
         <p:txBody>
           <a:bodyPr/>
           <a:lstStyle/>
+          <a:p>
+            <a:r>
+              <a:rPr lang="en-US" altLang="zh-TW" sz="2000" dirty="0" smtClean="0"/>
+              <a:t>array </a:t>
+            </a:r>
+            <a:r>
+              <a:rPr lang="zh-TW" altLang="en-US" sz="2000" dirty="0" smtClean="0"/>
+              <a:t>陣列</a:t>
+            </a:r>
+            <a:endParaRPr lang="en-US" altLang="zh-TW" sz="2000" dirty="0" smtClean="0"/>
+          </a:p>
+          <a:p>
+            <a:r>
+              <a:rPr lang="en-US" altLang="zh-TW" sz="2000" dirty="0" smtClean="0"/>
+              <a:t>function</a:t>
+            </a:r>
+            <a:r>
+              <a:rPr lang="zh-TW" altLang="en-US" sz="2000" dirty="0" smtClean="0"/>
+              <a:t> 函式</a:t>
+            </a:r>
+            <a:endParaRPr lang="en-US" altLang="zh-TW" sz="2000" dirty="0" smtClean="0"/>
+          </a:p>
+          <a:p>
+            <a:r>
+              <a:rPr lang="en-US" altLang="zh-TW" sz="2000" dirty="0" smtClean="0"/>
+              <a:t>object</a:t>
+            </a:r>
+            <a:r>
+              <a:rPr lang="zh-TW" altLang="en-US" sz="2000" dirty="0" smtClean="0"/>
+              <a:t> 物件</a:t>
+            </a:r>
+            <a:endParaRPr lang="en-US" altLang="zh-TW" sz="2000" dirty="0" smtClean="0"/>
+          </a:p>
+          <a:p>
+            <a:endParaRPr lang="en-US" altLang="zh-TW" sz="2000" dirty="0"/>
+          </a:p>
+          <a:p>
+            <a:pPr marL="0" indent="0">
+              <a:buNone/>
+            </a:pPr>
+            <a:r>
+              <a:rPr lang="zh-TW" altLang="en-US" sz="2000" dirty="0" smtClean="0"/>
+              <a:t>與</a:t>
+            </a:r>
+            <a:r>
+              <a:rPr lang="en-US" altLang="zh-TW" sz="2000" dirty="0"/>
+              <a:t>Primitive </a:t>
+            </a:r>
+            <a:r>
+              <a:rPr lang="en-US" altLang="zh-TW" sz="2000" dirty="0" smtClean="0"/>
+              <a:t>Types</a:t>
+            </a:r>
+            <a:r>
+              <a:rPr lang="zh-TW" altLang="en-US" sz="2000" dirty="0" smtClean="0"/>
+              <a:t>最大差別在於</a:t>
+            </a:r>
+            <a:r>
+              <a:rPr lang="zh-TW" altLang="en-US" sz="2000" b="1" dirty="0" smtClean="0">
+                <a:solidFill>
+                  <a:srgbClr val="C00000"/>
+                </a:solidFill>
+              </a:rPr>
+              <a:t>可以自由擴增屬性</a:t>
+            </a:r>
+            <a:endParaRPr lang="en-US" altLang="zh-TW" sz="2000" b="1" dirty="0" smtClean="0">
+              <a:solidFill>
+                <a:srgbClr val="C00000"/>
+              </a:solidFill>
+            </a:endParaRPr>
+          </a:p>
+          <a:p>
+            <a:pPr marL="0" indent="0">
+              <a:buNone/>
+            </a:pPr>
+            <a:r>
+              <a:rPr lang="zh-TW" altLang="en-US" sz="2000" dirty="0" smtClean="0"/>
+              <a:t>後面簡報會介紹</a:t>
+            </a:r>
+            <a:endParaRPr lang="en-US" altLang="zh-TW" sz="2000" dirty="0" smtClean="0"/>
+          </a:p>
           <a:p>
             <a:endParaRPr lang="zh-TW" altLang="en-US" dirty="0"/>
           </a:p>
@@ -4785,13 +6284,20 @@
     </p:spTree>
     <p:extLst>
       <p:ext uri="{BB962C8B-B14F-4D97-AF65-F5344CB8AC3E}">
-        <p14:creationId xmlns:p14="http://schemas.microsoft.com/office/powerpoint/2010/main" val="2161253228"/>
+        <p14:creationId xmlns:p14="http://schemas.microsoft.com/office/powerpoint/2010/main" val="3768892138"/>
       </p:ext>
     </p:extLst>
   </p:cSld>
   <p:clrMapOvr>
     <a:masterClrMapping/>
   </p:clrMapOvr>
+  <p:timing>
+    <p:tnLst>
+      <p:par>
+        <p:cTn id="1" dur="indefinite" restart="never" nodeType="tmRoot"/>
+      </p:par>
+    </p:tnLst>
+  </p:timing>
 </p:sld>
 </file>
 
@@ -4828,73 +6334,145 @@
           <a:lstStyle/>
           <a:p>
             <a:r>
-              <a:rPr lang="zh-TW" altLang="en-US" dirty="0" smtClean="0"/>
-              <a:t>區域變數與全域</a:t>
-            </a:r>
-            <a:r>
-              <a:rPr lang="zh-TW" altLang="en-US" dirty="0" smtClean="0"/>
-              <a:t>變數</a:t>
+              <a:rPr lang="en-US" altLang="zh-TW" dirty="0"/>
+              <a:t>Primitive </a:t>
             </a:r>
             <a:r>
               <a:rPr lang="en-US" altLang="zh-TW" dirty="0" smtClean="0"/>
-              <a:t>(</a:t>
-            </a:r>
-            <a:r>
-              <a:rPr lang="zh-TW" altLang="en-US" dirty="0" smtClean="0"/>
-              <a:t>補充</a:t>
-            </a:r>
-            <a:r>
-              <a:rPr lang="en-US" altLang="zh-TW" dirty="0" smtClean="0"/>
+              <a:t>Types</a:t>
+            </a:r>
+            <a:r>
+              <a:rPr lang="zh-TW" altLang="en-US" dirty="0"/>
+              <a:t>原始型別</a:t>
+            </a:r>
+          </a:p>
+        </p:txBody>
+      </p:sp>
+      <p:sp>
+        <p:nvSpPr>
+          <p:cNvPr id="3" name="內容版面配置區 2"/>
+          <p:cNvSpPr>
+            <a:spLocks noGrp="1"/>
+          </p:cNvSpPr>
+          <p:nvPr>
+            <p:ph idx="1"/>
+          </p:nvPr>
+        </p:nvSpPr>
+        <p:spPr/>
+        <p:txBody>
+          <a:bodyPr>
+            <a:noAutofit/>
+          </a:bodyPr>
+          <a:lstStyle/>
+          <a:p>
+            <a:r>
+              <a:rPr lang="en-US" altLang="zh-TW" sz="2000" dirty="0" smtClean="0"/>
+              <a:t>undefined </a:t>
+            </a:r>
+            <a:r>
+              <a:rPr lang="zh-TW" altLang="en-US" sz="2000" dirty="0"/>
+              <a:t>未</a:t>
+            </a:r>
+            <a:r>
+              <a:rPr lang="zh-TW" altLang="en-US" sz="2000" dirty="0" smtClean="0"/>
+              <a:t>定義</a:t>
+            </a:r>
+            <a:endParaRPr lang="en-US" altLang="zh-TW" sz="2000" dirty="0" smtClean="0"/>
+          </a:p>
+          <a:p>
+            <a:r>
+              <a:rPr lang="en-US" altLang="zh-TW" sz="2000" dirty="0" smtClean="0"/>
+              <a:t>null</a:t>
+            </a:r>
+            <a:r>
+              <a:rPr lang="zh-TW" altLang="en-US" sz="2000" dirty="0" smtClean="0"/>
+              <a:t> 空</a:t>
+            </a:r>
+            <a:endParaRPr lang="en-US" altLang="zh-TW" sz="2000" dirty="0" smtClean="0"/>
+          </a:p>
+          <a:p>
+            <a:r>
+              <a:rPr lang="en-US" altLang="zh-TW" sz="2000" dirty="0" err="1" smtClean="0"/>
+              <a:t>boolean</a:t>
+            </a:r>
+            <a:r>
+              <a:rPr lang="en-US" altLang="zh-TW" sz="2000" dirty="0" smtClean="0"/>
+              <a:t> </a:t>
+            </a:r>
+            <a:r>
+              <a:rPr lang="zh-TW" altLang="en-US" sz="2000" dirty="0" smtClean="0"/>
+              <a:t>布林</a:t>
+            </a:r>
+            <a:endParaRPr lang="en-US" altLang="zh-TW" sz="2000" dirty="0" smtClean="0"/>
+          </a:p>
+          <a:p>
+            <a:r>
+              <a:rPr lang="en-US" altLang="zh-TW" sz="2000" dirty="0"/>
+              <a:t>n</a:t>
+            </a:r>
+            <a:r>
+              <a:rPr lang="en-US" altLang="zh-TW" sz="2000" dirty="0" smtClean="0"/>
+              <a:t>umber</a:t>
+            </a:r>
+            <a:r>
+              <a:rPr lang="zh-TW" altLang="en-US" sz="2000" dirty="0" smtClean="0"/>
+              <a:t> 數值</a:t>
+            </a:r>
+            <a:endParaRPr lang="en-US" altLang="zh-TW" sz="2000" dirty="0" smtClean="0"/>
+          </a:p>
+          <a:p>
+            <a:r>
+              <a:rPr lang="en-US" altLang="zh-TW" sz="2000" dirty="0" smtClean="0"/>
+              <a:t>string </a:t>
+            </a:r>
+            <a:r>
+              <a:rPr lang="zh-TW" altLang="en-US" sz="2000" dirty="0" smtClean="0"/>
+              <a:t>字串</a:t>
+            </a:r>
+            <a:endParaRPr lang="en-US" altLang="zh-TW" sz="2000" dirty="0" smtClean="0"/>
+          </a:p>
+          <a:p>
+            <a:r>
+              <a:rPr lang="en-US" altLang="zh-TW" sz="2000" dirty="0" smtClean="0"/>
+              <a:t>symbol </a:t>
+            </a:r>
+            <a:r>
+              <a:rPr lang="zh-TW" altLang="en-US" sz="2000" dirty="0" smtClean="0"/>
+              <a:t>符號</a:t>
+            </a:r>
+            <a:r>
+              <a:rPr lang="en-US" altLang="zh-TW" sz="2000" dirty="0" smtClean="0"/>
+              <a:t>(ES6</a:t>
+            </a:r>
+            <a:r>
+              <a:rPr lang="zh-TW" altLang="en-US" sz="2000" dirty="0" smtClean="0"/>
+              <a:t>板新增</a:t>
+            </a:r>
+            <a:r>
+              <a:rPr lang="en-US" altLang="zh-TW" sz="2000" dirty="0" smtClean="0"/>
               <a:t>)</a:t>
             </a:r>
-            <a:endParaRPr lang="zh-TW" altLang="en-US" dirty="0"/>
-          </a:p>
-        </p:txBody>
-      </p:sp>
-      <p:sp>
-        <p:nvSpPr>
-          <p:cNvPr id="3" name="內容版面配置區 2"/>
-          <p:cNvSpPr>
-            <a:spLocks noGrp="1"/>
-          </p:cNvSpPr>
-          <p:nvPr>
-            <p:ph idx="1"/>
-          </p:nvPr>
-        </p:nvSpPr>
-        <p:spPr/>
-        <p:txBody>
-          <a:bodyPr/>
-          <a:lstStyle/>
-          <a:p>
-            <a:r>
-              <a:rPr lang="zh-TW" altLang="en-US" dirty="0" smtClean="0"/>
-              <a:t>裡面可以取用外面，外面不能取用裡面</a:t>
-            </a:r>
-            <a:r>
-              <a:rPr lang="en-US" altLang="zh-TW" dirty="0" smtClean="0"/>
-              <a:t>(</a:t>
-            </a:r>
-            <a:r>
-              <a:rPr lang="zh-TW" altLang="en-US" dirty="0" smtClean="0"/>
-              <a:t>除非回傳</a:t>
-            </a:r>
-            <a:r>
-              <a:rPr lang="en-US" altLang="zh-TW" dirty="0" smtClean="0"/>
-              <a:t>)</a:t>
-            </a:r>
+            <a:endParaRPr lang="zh-TW" altLang="en-US" sz="2000" dirty="0"/>
           </a:p>
         </p:txBody>
       </p:sp>
     </p:spTree>
     <p:extLst>
       <p:ext uri="{BB962C8B-B14F-4D97-AF65-F5344CB8AC3E}">
-        <p14:creationId xmlns:p14="http://schemas.microsoft.com/office/powerpoint/2010/main" val="3302993291"/>
+        <p14:creationId xmlns:p14="http://schemas.microsoft.com/office/powerpoint/2010/main" val="98221227"/>
       </p:ext>
     </p:extLst>
   </p:cSld>
   <p:clrMapOvr>
     <a:masterClrMapping/>
   </p:clrMapOvr>
+  <p:timing>
+    <p:tnLst>
+      <p:par>
+        <p:cTn id="1" dur="indefinite" restart="never" nodeType="tmRoot"/>
+      </p:par>
+    </p:tnLst>
+  </p:timing>
 </p:sld>
 </file>
 
@@ -4925,34 +6503,154 @@
             <p:ph type="title"/>
           </p:nvPr>
         </p:nvSpPr>
-        <p:spPr>
-          <a:xfrm>
-            <a:off x="467544" y="2636912"/>
-            <a:ext cx="8229600" cy="1143000"/>
-          </a:xfrm>
-        </p:spPr>
-        <p:txBody>
-          <a:bodyPr/>
-          <a:lstStyle/>
-          <a:p>
-            <a:r>
-              <a:rPr lang="zh-TW" altLang="en-US" dirty="0" smtClean="0"/>
-              <a:t>運算子</a:t>
-            </a:r>
-            <a:endParaRPr lang="zh-TW" altLang="en-US" dirty="0"/>
+        <p:spPr/>
+        <p:txBody>
+          <a:bodyPr/>
+          <a:lstStyle/>
+          <a:p>
+            <a:r>
+              <a:rPr lang="en-US" altLang="zh-TW" dirty="0"/>
+              <a:t>undefined</a:t>
+            </a:r>
+          </a:p>
+        </p:txBody>
+      </p:sp>
+      <p:sp>
+        <p:nvSpPr>
+          <p:cNvPr id="3" name="內容版面配置區 2"/>
+          <p:cNvSpPr>
+            <a:spLocks noGrp="1"/>
+          </p:cNvSpPr>
+          <p:nvPr>
+            <p:ph idx="1"/>
+          </p:nvPr>
+        </p:nvSpPr>
+        <p:spPr/>
+        <p:txBody>
+          <a:bodyPr>
+            <a:normAutofit/>
+          </a:bodyPr>
+          <a:lstStyle/>
+          <a:p>
+            <a:pPr marL="0" indent="0">
+              <a:buNone/>
+            </a:pPr>
+            <a:r>
+              <a:rPr lang="zh-TW" altLang="en-US" sz="2000" dirty="0"/>
+              <a:t>表示</a:t>
+            </a:r>
+            <a:r>
+              <a:rPr lang="zh-TW" altLang="en-US" sz="2000" b="1" dirty="0">
+                <a:solidFill>
+                  <a:srgbClr val="FF0000"/>
+                </a:solidFill>
+              </a:rPr>
+              <a:t>未</a:t>
+            </a:r>
+            <a:r>
+              <a:rPr lang="zh-TW" altLang="en-US" sz="2000" b="1" dirty="0" smtClean="0">
+                <a:solidFill>
+                  <a:srgbClr val="FF0000"/>
+                </a:solidFill>
+              </a:rPr>
+              <a:t>定義</a:t>
+            </a:r>
+            <a:endParaRPr lang="en-US" altLang="zh-TW" sz="2000" b="1" dirty="0" smtClean="0">
+              <a:solidFill>
+                <a:srgbClr val="FF0000"/>
+              </a:solidFill>
+            </a:endParaRPr>
+          </a:p>
+          <a:p>
+            <a:pPr marL="0" indent="0">
+              <a:buNone/>
+            </a:pPr>
+            <a:r>
+              <a:rPr lang="zh-TW" altLang="en-US" sz="2000" dirty="0" smtClean="0"/>
+              <a:t>是</a:t>
+            </a:r>
+            <a:r>
+              <a:rPr lang="en-US" altLang="zh-TW" sz="2000" dirty="0" smtClean="0"/>
+              <a:t>JS</a:t>
+            </a:r>
+            <a:r>
+              <a:rPr lang="zh-TW" altLang="en-US" sz="2000" b="1" dirty="0" smtClean="0">
+                <a:solidFill>
+                  <a:srgbClr val="FF0000"/>
+                </a:solidFill>
+              </a:rPr>
+              <a:t>所有</a:t>
+            </a:r>
+            <a:r>
+              <a:rPr lang="zh-TW" altLang="en-US" sz="2000" b="1" dirty="0">
+                <a:solidFill>
+                  <a:srgbClr val="FF0000"/>
+                </a:solidFill>
+              </a:rPr>
+              <a:t>變數的初始</a:t>
+            </a:r>
+            <a:r>
+              <a:rPr lang="zh-TW" altLang="en-US" sz="2000" b="1" dirty="0" smtClean="0">
+                <a:solidFill>
+                  <a:srgbClr val="FF0000"/>
+                </a:solidFill>
+              </a:rPr>
+              <a:t>值</a:t>
+            </a:r>
+            <a:endParaRPr lang="en-US" altLang="zh-TW" sz="2000" b="1" dirty="0" smtClean="0">
+              <a:solidFill>
+                <a:srgbClr val="FF0000"/>
+              </a:solidFill>
+            </a:endParaRPr>
+          </a:p>
+          <a:p>
+            <a:pPr marL="0" indent="0">
+              <a:buNone/>
+            </a:pPr>
+            <a:r>
+              <a:rPr lang="zh-TW" altLang="en-US" sz="2000" dirty="0" smtClean="0"/>
+              <a:t>剛</a:t>
+            </a:r>
+            <a:r>
+              <a:rPr lang="zh-TW" altLang="en-US" sz="2000" dirty="0"/>
+              <a:t>宣告的變數在我們賦值之前，其值是 </a:t>
+            </a:r>
+            <a:r>
+              <a:rPr lang="en-US" altLang="zh-TW" sz="2000" dirty="0"/>
+              <a:t>undefined</a:t>
+            </a:r>
+            <a:r>
+              <a:rPr lang="zh-TW" altLang="en-US" sz="2000" dirty="0"/>
+              <a:t>，所以開發者最好不要賦值</a:t>
+            </a:r>
+            <a:r>
+              <a:rPr lang="en-US" altLang="zh-TW" sz="2000" dirty="0"/>
+              <a:t>undefined</a:t>
+            </a:r>
+            <a:r>
+              <a:rPr lang="zh-TW" altLang="en-US" sz="2000" dirty="0"/>
+              <a:t>給變數。</a:t>
+            </a:r>
           </a:p>
         </p:txBody>
       </p:sp>
     </p:spTree>
     <p:extLst>
       <p:ext uri="{BB962C8B-B14F-4D97-AF65-F5344CB8AC3E}">
-        <p14:creationId xmlns:p14="http://schemas.microsoft.com/office/powerpoint/2010/main" val="3936684726"/>
+        <p14:creationId xmlns:p14="http://schemas.microsoft.com/office/powerpoint/2010/main" val="4230725257"/>
       </p:ext>
     </p:extLst>
   </p:cSld>
   <p:clrMapOvr>
     <a:masterClrMapping/>
   </p:clrMapOvr>
+  <p:timing>
+    <p:tnLst>
+      <p:par>
+        <p:cTn id="1" dur="indefinite" restart="never" nodeType="tmRoot"/>
+      </p:par>
+    </p:tnLst>
+  </p:timing>
 </p:sld>
 </file>
 
@@ -4989,10 +6687,9 @@
           <a:lstStyle/>
           <a:p>
             <a:r>
-              <a:rPr lang="zh-TW" altLang="en-US" dirty="0" smtClean="0"/>
-              <a:t>常見運算子</a:t>
-            </a:r>
-            <a:endParaRPr lang="zh-TW" altLang="en-US" dirty="0"/>
+              <a:rPr lang="en-US" altLang="zh-TW" dirty="0"/>
+              <a:t>null</a:t>
+            </a:r>
           </a:p>
         </p:txBody>
       </p:sp>
@@ -5008,71 +6705,81 @@
         </p:nvSpPr>
         <p:spPr/>
         <p:txBody>
-          <a:bodyPr/>
-          <a:lstStyle/>
-          <a:p>
-            <a:r>
-              <a:rPr lang="zh-TW" altLang="en-US" dirty="0" smtClean="0"/>
-              <a:t>計算用</a:t>
-            </a:r>
-            <a:endParaRPr lang="en-US" altLang="zh-TW" dirty="0" smtClean="0"/>
-          </a:p>
-          <a:p>
-            <a:r>
-              <a:rPr lang="en-US" altLang="zh-TW" dirty="0" smtClean="0"/>
-              <a:t>+-*/%</a:t>
-            </a:r>
-          </a:p>
-          <a:p>
-            <a:r>
-              <a:rPr lang="zh-TW" altLang="en-US" dirty="0"/>
-              <a:t>賦值</a:t>
-            </a:r>
-            <a:endParaRPr lang="en-US" altLang="zh-TW" dirty="0" smtClean="0"/>
-          </a:p>
-          <a:p>
-            <a:r>
-              <a:rPr lang="en-US" altLang="zh-TW" dirty="0" smtClean="0"/>
-              <a:t>= </a:t>
-            </a:r>
-          </a:p>
-          <a:p>
-            <a:r>
-              <a:rPr lang="zh-TW" altLang="en-US" dirty="0" smtClean="0"/>
-              <a:t>存取物件或函式</a:t>
-            </a:r>
-            <a:endParaRPr lang="en-US" altLang="zh-TW" dirty="0" smtClean="0"/>
-          </a:p>
-          <a:p>
-            <a:r>
-              <a:rPr lang="en-US" altLang="zh-TW" dirty="0" smtClean="0"/>
-              <a:t>.</a:t>
-            </a:r>
-          </a:p>
-          <a:p>
-            <a:endParaRPr lang="en-US" altLang="zh-TW" dirty="0" smtClean="0"/>
-          </a:p>
-          <a:p>
-            <a:endParaRPr lang="en-US" altLang="zh-TW" dirty="0" smtClean="0"/>
-          </a:p>
-          <a:p>
-            <a:endParaRPr lang="en-US" altLang="zh-TW" dirty="0" smtClean="0"/>
-          </a:p>
-          <a:p>
-            <a:endParaRPr lang="zh-TW" altLang="en-US" dirty="0"/>
+          <a:bodyPr>
+            <a:normAutofit/>
+          </a:bodyPr>
+          <a:lstStyle/>
+          <a:p>
+            <a:pPr marL="0" indent="0">
+              <a:buNone/>
+            </a:pPr>
+            <a:r>
+              <a:rPr lang="zh-TW" altLang="en-US" sz="2000" dirty="0"/>
+              <a:t>表示</a:t>
+            </a:r>
+            <a:r>
+              <a:rPr lang="zh-TW" altLang="en-US" sz="2000" b="1" dirty="0" smtClean="0">
+                <a:solidFill>
+                  <a:srgbClr val="FF0000"/>
+                </a:solidFill>
+              </a:rPr>
+              <a:t>空值</a:t>
+            </a:r>
+            <a:endParaRPr lang="en-US" altLang="zh-TW" sz="2000" b="1" dirty="0" smtClean="0">
+              <a:solidFill>
+                <a:srgbClr val="FF0000"/>
+              </a:solidFill>
+            </a:endParaRPr>
+          </a:p>
+          <a:p>
+            <a:pPr marL="0" indent="0">
+              <a:buNone/>
+            </a:pPr>
+            <a:r>
+              <a:rPr lang="zh-TW" altLang="en-US" sz="2000" dirty="0" smtClean="0"/>
+              <a:t>開發</a:t>
+            </a:r>
+            <a:r>
+              <a:rPr lang="zh-TW" altLang="en-US" sz="2000" dirty="0"/>
+              <a:t>者在宣告變數並要先表示這個變數沒有值時，可以賦值</a:t>
+            </a:r>
+            <a:r>
+              <a:rPr lang="en-US" altLang="zh-TW" sz="2000" dirty="0"/>
+              <a:t>null</a:t>
+            </a:r>
+            <a:r>
+              <a:rPr lang="zh-TW" altLang="en-US" sz="2000" dirty="0"/>
+              <a:t>，不要手動賦值為 </a:t>
+            </a:r>
+            <a:r>
+              <a:rPr lang="en-US" altLang="zh-TW" sz="2000" dirty="0"/>
+              <a:t>undefined</a:t>
+            </a:r>
+            <a:r>
+              <a:rPr lang="zh-TW" altLang="en-US" sz="2000" dirty="0"/>
+              <a:t>。</a:t>
+            </a:r>
+            <a:endParaRPr lang="zh-TW" altLang="en-US" sz="2000" dirty="0"/>
           </a:p>
         </p:txBody>
       </p:sp>
     </p:spTree>
     <p:extLst>
       <p:ext uri="{BB962C8B-B14F-4D97-AF65-F5344CB8AC3E}">
-        <p14:creationId xmlns:p14="http://schemas.microsoft.com/office/powerpoint/2010/main" val="1121334064"/>
+        <p14:creationId xmlns:p14="http://schemas.microsoft.com/office/powerpoint/2010/main" val="2857776841"/>
       </p:ext>
     </p:extLst>
   </p:cSld>
   <p:clrMapOvr>
     <a:masterClrMapping/>
   </p:clrMapOvr>
+  <p:timing>
+    <p:tnLst>
+      <p:par>
+        <p:cTn id="1" dur="indefinite" restart="never" nodeType="tmRoot"/>
+      </p:par>
+    </p:tnLst>
+  </p:timing>
 </p:sld>
 </file>
 
@@ -5109,10 +6816,10 @@
           <a:lstStyle/>
           <a:p>
             <a:r>
-              <a:rPr lang="zh-TW" altLang="en-US" dirty="0" smtClean="0"/>
-              <a:t>常見運算子</a:t>
-            </a:r>
-            <a:endParaRPr lang="zh-TW" altLang="en-US" dirty="0"/>
+              <a:rPr lang="en-US" altLang="zh-TW" dirty="0" err="1"/>
+              <a:t>boolean</a:t>
+            </a:r>
+            <a:endParaRPr lang="en-US" altLang="zh-TW" dirty="0"/>
           </a:p>
         </p:txBody>
       </p:sp>
@@ -5129,108 +6836,99 @@
         <p:spPr/>
         <p:txBody>
           <a:bodyPr>
-            <a:normAutofit fontScale="85000" lnSpcReduction="20000"/>
+            <a:normAutofit/>
           </a:bodyPr>
           <a:lstStyle/>
           <a:p>
-            <a:r>
-              <a:rPr lang="zh-TW" altLang="en-US" dirty="0" smtClean="0"/>
-              <a:t>比較</a:t>
-            </a:r>
-            <a:r>
-              <a:rPr lang="zh-TW" altLang="en-US" dirty="0"/>
-              <a:t>相等</a:t>
-            </a:r>
-            <a:endParaRPr lang="en-US" altLang="zh-TW" dirty="0" smtClean="0"/>
-          </a:p>
-          <a:p>
-            <a:r>
-              <a:rPr lang="en-US" altLang="zh-TW" dirty="0" smtClean="0"/>
-              <a:t>== </a:t>
-            </a:r>
-          </a:p>
-          <a:p>
-            <a:r>
-              <a:rPr lang="en-US" altLang="zh-TW" dirty="0" smtClean="0"/>
-              <a:t>===</a:t>
-            </a:r>
-          </a:p>
-          <a:p>
-            <a:r>
-              <a:rPr lang="zh-TW" altLang="en-US" dirty="0" smtClean="0"/>
-              <a:t>比較不相等</a:t>
-            </a:r>
-            <a:endParaRPr lang="en-US" altLang="zh-TW" dirty="0"/>
-          </a:p>
-          <a:p>
-            <a:r>
-              <a:rPr lang="en-US" altLang="zh-TW" dirty="0" smtClean="0"/>
-              <a:t>!=</a:t>
-            </a:r>
-          </a:p>
-          <a:p>
-            <a:r>
-              <a:rPr lang="en-US" altLang="zh-TW" dirty="0" smtClean="0"/>
-              <a:t>!==</a:t>
-            </a:r>
-          </a:p>
-          <a:p>
-            <a:r>
-              <a:rPr lang="zh-TW" altLang="en-US" dirty="0"/>
-              <a:t>兩者</a:t>
-            </a:r>
-            <a:r>
-              <a:rPr lang="zh-TW" altLang="en-US" dirty="0" smtClean="0"/>
-              <a:t>都</a:t>
-            </a:r>
-            <a:endParaRPr lang="en-US" altLang="zh-TW" dirty="0" smtClean="0"/>
-          </a:p>
-          <a:p>
-            <a:r>
-              <a:rPr lang="en-US" altLang="zh-TW" dirty="0" smtClean="0"/>
-              <a:t>&amp;&amp;</a:t>
-            </a:r>
-          </a:p>
-          <a:p>
-            <a:r>
-              <a:rPr lang="zh-TW" altLang="en-US" dirty="0" smtClean="0"/>
-              <a:t>或者</a:t>
-            </a:r>
-            <a:endParaRPr lang="en-US" altLang="zh-TW" dirty="0" smtClean="0"/>
-          </a:p>
-          <a:p>
-            <a:r>
-              <a:rPr lang="en-US" altLang="zh-TW" dirty="0" smtClean="0"/>
-              <a:t>||</a:t>
-            </a:r>
-          </a:p>
-          <a:p>
-            <a:endParaRPr lang="en-US" altLang="zh-TW" dirty="0" smtClean="0"/>
-          </a:p>
-          <a:p>
-            <a:endParaRPr lang="en-US" altLang="zh-TW" dirty="0" smtClean="0"/>
-          </a:p>
-          <a:p>
-            <a:endParaRPr lang="en-US" altLang="zh-TW" dirty="0" smtClean="0"/>
-          </a:p>
-          <a:p>
-            <a:endParaRPr lang="en-US" altLang="zh-TW" dirty="0" smtClean="0"/>
-          </a:p>
-          <a:p>
-            <a:endParaRPr lang="zh-TW" altLang="en-US" dirty="0"/>
+            <a:pPr marL="0" indent="0">
+              <a:buNone/>
+            </a:pPr>
+            <a:r>
+              <a:rPr lang="zh-TW" altLang="en-US" sz="2000" dirty="0"/>
+              <a:t>表示</a:t>
+            </a:r>
+            <a:r>
+              <a:rPr lang="en-US" altLang="zh-TW" sz="2000" b="1" dirty="0">
+                <a:solidFill>
+                  <a:srgbClr val="FF0000"/>
+                </a:solidFill>
+              </a:rPr>
+              <a:t>true</a:t>
+            </a:r>
+            <a:r>
+              <a:rPr lang="zh-TW" altLang="en-US" sz="2000" b="1" dirty="0">
+                <a:solidFill>
+                  <a:srgbClr val="FF0000"/>
+                </a:solidFill>
+              </a:rPr>
+              <a:t>或</a:t>
+            </a:r>
+            <a:r>
+              <a:rPr lang="en-US" altLang="zh-TW" sz="2000" b="1" dirty="0" smtClean="0">
+                <a:solidFill>
+                  <a:srgbClr val="FF0000"/>
+                </a:solidFill>
+              </a:rPr>
+              <a:t>false</a:t>
+            </a:r>
+            <a:endParaRPr lang="en-US" altLang="zh-TW" sz="2000" b="1" dirty="0">
+              <a:solidFill>
+                <a:srgbClr val="FF0000"/>
+              </a:solidFill>
+            </a:endParaRPr>
+          </a:p>
+          <a:p>
+            <a:pPr marL="0" indent="0">
+              <a:buNone/>
+            </a:pPr>
+            <a:r>
+              <a:rPr lang="zh-TW" altLang="en-US" sz="2000" dirty="0"/>
+              <a:t>意即是</a:t>
+            </a:r>
+            <a:r>
+              <a:rPr lang="en-US" altLang="zh-TW" sz="2000" dirty="0"/>
+              <a:t>/</a:t>
+            </a:r>
+            <a:r>
+              <a:rPr lang="zh-TW" altLang="en-US" sz="2000" dirty="0"/>
+              <a:t>否、對</a:t>
+            </a:r>
+            <a:r>
+              <a:rPr lang="en-US" altLang="zh-TW" sz="2000" dirty="0"/>
+              <a:t>/</a:t>
+            </a:r>
+            <a:r>
+              <a:rPr lang="zh-TW" altLang="en-US" sz="2000" dirty="0"/>
+              <a:t>錯、成立</a:t>
+            </a:r>
+            <a:r>
+              <a:rPr lang="en-US" altLang="zh-TW" sz="2000" dirty="0"/>
+              <a:t>/</a:t>
+            </a:r>
+            <a:r>
+              <a:rPr lang="zh-TW" altLang="en-US" sz="2000" dirty="0"/>
+              <a:t>不成立。</a:t>
+            </a:r>
           </a:p>
         </p:txBody>
       </p:sp>
     </p:spTree>
     <p:extLst>
       <p:ext uri="{BB962C8B-B14F-4D97-AF65-F5344CB8AC3E}">
-        <p14:creationId xmlns:p14="http://schemas.microsoft.com/office/powerpoint/2010/main" val="2766480570"/>
+        <p14:creationId xmlns:p14="http://schemas.microsoft.com/office/powerpoint/2010/main" val="4230725257"/>
       </p:ext>
     </p:extLst>
   </p:cSld>
   <p:clrMapOvr>
-    <a:masterClrMapping/>
+    <a:overrideClrMapping bg1="lt1" tx1="dk1" bg2="lt2" tx2="dk2" accent1="accent1" accent2="accent2" accent3="accent3" accent4="accent4" accent5="accent5" accent6="accent6" hlink="hlink" folHlink="folHlink"/>
   </p:clrMapOvr>
+  <p:timing>
+    <p:tnLst>
+      <p:par>
+        <p:cTn id="1" dur="indefinite" restart="never" nodeType="tmRoot"/>
+      </p:par>
+    </p:tnLst>
+  </p:timing>
 </p:sld>
 </file>
 
@@ -5263,88 +6961,126 @@
         </p:nvSpPr>
         <p:spPr/>
         <p:txBody>
+          <a:bodyPr/>
+          <a:lstStyle/>
+          <a:p>
+            <a:r>
+              <a:rPr lang="en-US" altLang="zh-TW" dirty="0"/>
+              <a:t>number</a:t>
+            </a:r>
+          </a:p>
+        </p:txBody>
+      </p:sp>
+      <p:sp>
+        <p:nvSpPr>
+          <p:cNvPr id="3" name="內容版面配置區 2"/>
+          <p:cNvSpPr>
+            <a:spLocks noGrp="1"/>
+          </p:cNvSpPr>
+          <p:nvPr>
+            <p:ph idx="1"/>
+          </p:nvPr>
+        </p:nvSpPr>
+        <p:spPr/>
+        <p:txBody>
           <a:bodyPr>
             <a:normAutofit/>
           </a:bodyPr>
           <a:lstStyle/>
           <a:p>
-            <a:r>
-              <a:rPr lang="zh-TW" altLang="en-US" dirty="0" smtClean="0"/>
-              <a:t>常搞混的</a:t>
-            </a:r>
-            <a:r>
-              <a:rPr lang="en-US" altLang="zh-TW" dirty="0" smtClean="0"/>
-              <a:t>=</a:t>
-            </a:r>
-            <a:r>
-              <a:rPr lang="zh-TW" altLang="en-US" dirty="0"/>
-              <a:t>、</a:t>
-            </a:r>
-            <a:r>
-              <a:rPr lang="en-US" altLang="zh-TW" dirty="0"/>
-              <a:t>==</a:t>
-            </a:r>
-            <a:r>
-              <a:rPr lang="zh-TW" altLang="en-US" dirty="0"/>
-              <a:t>、</a:t>
-            </a:r>
-            <a:r>
-              <a:rPr lang="en-US" altLang="zh-TW" dirty="0" smtClean="0"/>
-              <a:t>===</a:t>
-            </a:r>
-            <a:endParaRPr lang="zh-TW" altLang="en-US" dirty="0"/>
-          </a:p>
-        </p:txBody>
-      </p:sp>
-      <p:sp>
-        <p:nvSpPr>
-          <p:cNvPr id="3" name="內容版面配置區 2"/>
-          <p:cNvSpPr>
-            <a:spLocks noGrp="1"/>
-          </p:cNvSpPr>
-          <p:nvPr>
-            <p:ph idx="1"/>
-          </p:nvPr>
-        </p:nvSpPr>
-        <p:spPr/>
-        <p:txBody>
-          <a:bodyPr/>
-          <a:lstStyle/>
-          <a:p>
-            <a:r>
-              <a:rPr lang="en-US" altLang="zh-TW" dirty="0" smtClean="0"/>
-              <a:t>=</a:t>
-            </a:r>
-            <a:r>
-              <a:rPr lang="zh-TW" altLang="en-US" dirty="0" smtClean="0"/>
-              <a:t>、</a:t>
-            </a:r>
-            <a:r>
-              <a:rPr lang="en-US" altLang="zh-TW" dirty="0" smtClean="0"/>
-              <a:t>==</a:t>
-            </a:r>
-            <a:r>
-              <a:rPr lang="zh-TW" altLang="en-US" dirty="0" smtClean="0"/>
-              <a:t>、</a:t>
-            </a:r>
-            <a:r>
-              <a:rPr lang="en-US" altLang="zh-TW" dirty="0" smtClean="0"/>
-              <a:t>===</a:t>
-            </a:r>
-            <a:endParaRPr lang="zh-TW" altLang="en-US" dirty="0"/>
+            <a:pPr marL="0" indent="0">
+              <a:buNone/>
+            </a:pPr>
+            <a:r>
+              <a:rPr lang="zh-TW" altLang="en-US" sz="2000" dirty="0"/>
+              <a:t>表示</a:t>
+            </a:r>
+            <a:r>
+              <a:rPr lang="zh-TW" altLang="en-US" sz="2000" b="1" dirty="0" smtClean="0">
+                <a:solidFill>
+                  <a:srgbClr val="FF0000"/>
+                </a:solidFill>
+              </a:rPr>
+              <a:t>數值</a:t>
+            </a:r>
+            <a:endParaRPr lang="en-US" altLang="zh-TW" sz="2000" b="1" dirty="0">
+              <a:solidFill>
+                <a:srgbClr val="FF0000"/>
+              </a:solidFill>
+            </a:endParaRPr>
+          </a:p>
+          <a:p>
+            <a:pPr marL="0" indent="0">
+              <a:buNone/>
+            </a:pPr>
+            <a:r>
+              <a:rPr lang="en-US" altLang="zh-TW" sz="2000" dirty="0"/>
+              <a:t>JS</a:t>
+            </a:r>
+            <a:r>
+              <a:rPr lang="zh-TW" altLang="en-US" sz="2000" dirty="0"/>
+              <a:t>的數字型別只有</a:t>
+            </a:r>
+            <a:r>
+              <a:rPr lang="en-US" altLang="zh-TW" sz="2000" dirty="0"/>
+              <a:t>number</a:t>
+            </a:r>
+            <a:r>
+              <a:rPr lang="zh-TW" altLang="en-US" sz="2000" dirty="0"/>
+              <a:t>，不像其他程式數字還有分整數與其他特定數值型態，另外</a:t>
+            </a:r>
+            <a:r>
+              <a:rPr lang="en-US" altLang="zh-TW" sz="2000" dirty="0"/>
+              <a:t>JS</a:t>
+            </a:r>
+            <a:r>
+              <a:rPr lang="zh-TW" altLang="en-US" sz="2000" dirty="0"/>
+              <a:t>的</a:t>
+            </a:r>
+            <a:r>
+              <a:rPr lang="en-US" altLang="zh-TW" sz="2000" dirty="0"/>
+              <a:t>number</a:t>
+            </a:r>
+            <a:r>
+              <a:rPr lang="zh-TW" altLang="en-US" sz="2000" dirty="0"/>
+              <a:t>是浮點數，表示</a:t>
+            </a:r>
+            <a:r>
+              <a:rPr lang="en-US" altLang="zh-TW" sz="2000" dirty="0"/>
+              <a:t>(</a:t>
+            </a:r>
+            <a:r>
+              <a:rPr lang="zh-TW" altLang="en-US" sz="2000" dirty="0"/>
+              <a:t>實際上</a:t>
+            </a:r>
+            <a:r>
+              <a:rPr lang="en-US" altLang="zh-TW" sz="2000" dirty="0"/>
+              <a:t>)</a:t>
+            </a:r>
+            <a:r>
+              <a:rPr lang="zh-TW" altLang="en-US" sz="2000" dirty="0"/>
+              <a:t>有小數點跟在後面。</a:t>
+            </a:r>
           </a:p>
         </p:txBody>
       </p:sp>
     </p:spTree>
     <p:extLst>
       <p:ext uri="{BB962C8B-B14F-4D97-AF65-F5344CB8AC3E}">
-        <p14:creationId xmlns:p14="http://schemas.microsoft.com/office/powerpoint/2010/main" val="4025817925"/>
+        <p14:creationId xmlns:p14="http://schemas.microsoft.com/office/powerpoint/2010/main" val="3302631845"/>
       </p:ext>
     </p:extLst>
   </p:cSld>
   <p:clrMapOvr>
     <a:masterClrMapping/>
   </p:clrMapOvr>
+  <p:timing>
+    <p:tnLst>
+      <p:par>
+        <p:cTn id="1" dur="indefinite" restart="never" nodeType="tmRoot"/>
+      </p:par>
+    </p:tnLst>
+  </p:timing>
 </p:sld>
 </file>
 
@@ -5381,30 +7117,9 @@
           <a:lstStyle/>
           <a:p>
             <a:r>
-              <a:rPr lang="zh-TW" altLang="en-US" dirty="0" smtClean="0"/>
-              <a:t>運算子</a:t>
-            </a:r>
-            <a:r>
-              <a:rPr lang="zh-TW" altLang="en-US" dirty="0" smtClean="0"/>
-              <a:t>的相依</a:t>
-            </a:r>
-            <a:r>
-              <a:rPr lang="zh-TW" altLang="en-US" dirty="0" smtClean="0"/>
-              <a:t>性</a:t>
-            </a:r>
-            <a:r>
-              <a:rPr lang="en-US" altLang="zh-TW" dirty="0" smtClean="0"/>
-              <a:t>(</a:t>
-            </a:r>
-            <a:r>
-              <a:rPr lang="zh-TW" altLang="en-US" dirty="0" smtClean="0"/>
-              <a:t>執行順序</a:t>
-            </a:r>
-            <a:r>
-              <a:rPr lang="en-US" altLang="zh-TW" dirty="0" smtClean="0"/>
-              <a:t>)</a:t>
-            </a:r>
-            <a:endParaRPr lang="zh-TW" altLang="en-US" dirty="0"/>
+              <a:rPr lang="en-US" altLang="zh-TW" dirty="0"/>
+              <a:t>string</a:t>
+            </a:r>
           </a:p>
         </p:txBody>
       </p:sp>
@@ -5420,42 +7135,88 @@
         </p:nvSpPr>
         <p:spPr/>
         <p:txBody>
-          <a:bodyPr/>
-          <a:lstStyle/>
-          <a:p>
-            <a:r>
-              <a:rPr lang="zh-TW" altLang="en-US" dirty="0" smtClean="0"/>
-              <a:t>程式執行不一定</a:t>
-            </a:r>
-            <a:r>
-              <a:rPr lang="zh-TW" altLang="en-US" dirty="0"/>
-              <a:t>由左邊</a:t>
-            </a:r>
-            <a:r>
-              <a:rPr lang="zh-TW" altLang="en-US" dirty="0" smtClean="0"/>
-              <a:t>開始</a:t>
-            </a:r>
-            <a:endParaRPr lang="en-US" altLang="zh-TW" dirty="0" smtClean="0"/>
-          </a:p>
-          <a:p>
-            <a:r>
-              <a:rPr lang="zh-TW" altLang="en-US" dirty="0"/>
-              <a:t>運算子優先性高先執行</a:t>
-            </a:r>
-            <a:endParaRPr lang="zh-TW" altLang="en-US" dirty="0"/>
+          <a:bodyPr>
+            <a:normAutofit/>
+          </a:bodyPr>
+          <a:lstStyle/>
+          <a:p>
+            <a:pPr marL="0" indent="0">
+              <a:buNone/>
+            </a:pPr>
+            <a:r>
+              <a:rPr lang="zh-TW" altLang="en-US" sz="2000" dirty="0"/>
+              <a:t>表示</a:t>
+            </a:r>
+            <a:r>
+              <a:rPr lang="zh-TW" altLang="en-US" sz="2000" b="1" dirty="0">
+                <a:solidFill>
+                  <a:srgbClr val="FF0000"/>
+                </a:solidFill>
+              </a:rPr>
+              <a:t>字串</a:t>
+            </a:r>
+            <a:endParaRPr lang="en-US" altLang="zh-TW" sz="2000" b="1" dirty="0">
+              <a:solidFill>
+                <a:srgbClr val="FF0000"/>
+              </a:solidFill>
+            </a:endParaRPr>
+          </a:p>
+          <a:p>
+            <a:pPr marL="0" indent="0">
+              <a:buNone/>
+            </a:pPr>
+            <a:r>
+              <a:rPr lang="zh-TW" altLang="en-US" sz="2000" dirty="0" smtClean="0"/>
+              <a:t>由文字組成</a:t>
+            </a:r>
+            <a:r>
+              <a:rPr lang="zh-TW" altLang="en-US" sz="2000" dirty="0"/>
+              <a:t>，可以用</a:t>
+            </a:r>
+            <a:r>
+              <a:rPr lang="zh-TW" altLang="en-US" sz="2000" dirty="0" smtClean="0"/>
+              <a:t>單引號</a:t>
+            </a:r>
+            <a:r>
+              <a:rPr lang="en-US" altLang="zh-TW" sz="2000" dirty="0"/>
+              <a:t>'</a:t>
+            </a:r>
+            <a:r>
+              <a:rPr lang="zh-TW" altLang="en-US" sz="2000" dirty="0" smtClean="0"/>
+              <a:t>或雙引號</a:t>
+            </a:r>
+            <a:r>
+              <a:rPr lang="en-US" altLang="zh-TW" sz="2000" dirty="0"/>
+              <a:t>"</a:t>
+            </a:r>
+            <a:r>
+              <a:rPr lang="zh-TW" altLang="en-US" sz="2000" dirty="0" smtClean="0"/>
+              <a:t>來</a:t>
+            </a:r>
+            <a:r>
+              <a:rPr lang="zh-TW" altLang="en-US" sz="2000" dirty="0"/>
+              <a:t>表示。</a:t>
+            </a:r>
           </a:p>
         </p:txBody>
       </p:sp>
     </p:spTree>
     <p:extLst>
       <p:ext uri="{BB962C8B-B14F-4D97-AF65-F5344CB8AC3E}">
-        <p14:creationId xmlns:p14="http://schemas.microsoft.com/office/powerpoint/2010/main" val="3824873181"/>
+        <p14:creationId xmlns:p14="http://schemas.microsoft.com/office/powerpoint/2010/main" val="1499018510"/>
       </p:ext>
     </p:extLst>
   </p:cSld>
   <p:clrMapOvr>
     <a:masterClrMapping/>
   </p:clrMapOvr>
+  <p:timing>
+    <p:tnLst>
+      <p:par>
+        <p:cTn id="1" dur="indefinite" restart="never" nodeType="tmRoot"/>
+      </p:par>
+    </p:tnLst>
+  </p:timing>
 </p:sld>
 </file>
 
@@ -5488,11 +7249,13 @@
         </p:nvSpPr>
         <p:spPr/>
         <p:txBody>
-          <a:bodyPr/>
-          <a:lstStyle/>
-          <a:p>
-            <a:r>
-              <a:rPr lang="zh-TW" altLang="en-US" dirty="0"/>
+          <a:bodyPr>
+            <a:normAutofit/>
+          </a:bodyPr>
+          <a:lstStyle/>
+          <a:p>
+            <a:r>
+              <a:rPr lang="zh-TW" altLang="en-US" sz="3200" dirty="0"/>
               <a:t>目錄</a:t>
             </a:r>
           </a:p>
@@ -5511,102 +7274,232 @@
         <p:spPr/>
         <p:txBody>
           <a:bodyPr>
-            <a:normAutofit fontScale="70000" lnSpcReduction="20000"/>
+            <a:normAutofit fontScale="55000" lnSpcReduction="20000"/>
           </a:bodyPr>
           <a:lstStyle/>
           <a:p>
             <a:r>
-              <a:rPr lang="en-US" altLang="zh-TW" dirty="0" smtClean="0"/>
+              <a:rPr lang="en-US" altLang="zh-TW" b="1" dirty="0" smtClean="0">
+                <a:solidFill>
+                  <a:schemeClr val="accent6">
+                    <a:lumMod val="75000"/>
+                  </a:schemeClr>
+                </a:solidFill>
+              </a:rPr>
               <a:t>JavaScript</a:t>
             </a:r>
             <a:r>
-              <a:rPr lang="zh-TW" altLang="en-US" dirty="0" smtClean="0"/>
+              <a:rPr lang="zh-TW" altLang="en-US" b="1" dirty="0" smtClean="0">
+                <a:solidFill>
+                  <a:schemeClr val="accent6">
+                    <a:lumMod val="75000"/>
+                  </a:schemeClr>
+                </a:solidFill>
+              </a:rPr>
               <a:t>簡介</a:t>
             </a:r>
-            <a:endParaRPr lang="en-US" altLang="zh-TW" dirty="0" smtClean="0"/>
-          </a:p>
-          <a:p>
-            <a:r>
-              <a:rPr lang="zh-TW" altLang="en-US" dirty="0"/>
+            <a:endParaRPr lang="en-US" altLang="zh-TW" b="1" dirty="0" smtClean="0">
+              <a:solidFill>
+                <a:schemeClr val="accent6">
+                  <a:lumMod val="75000"/>
+                </a:schemeClr>
+              </a:solidFill>
+            </a:endParaRPr>
+          </a:p>
+          <a:p>
+            <a:r>
+              <a:rPr lang="zh-TW" altLang="en-US" b="1" dirty="0">
+                <a:solidFill>
+                  <a:schemeClr val="accent6">
+                    <a:lumMod val="75000"/>
+                  </a:schemeClr>
+                </a:solidFill>
+              </a:rPr>
               <a:t>本日開發</a:t>
             </a:r>
             <a:r>
-              <a:rPr lang="zh-TW" altLang="en-US" dirty="0" smtClean="0"/>
+              <a:rPr lang="zh-TW" altLang="en-US" b="1" dirty="0" smtClean="0">
+                <a:solidFill>
+                  <a:schemeClr val="accent6">
+                    <a:lumMod val="75000"/>
+                  </a:schemeClr>
+                </a:solidFill>
+              </a:rPr>
               <a:t>環境</a:t>
             </a:r>
-            <a:endParaRPr lang="en-US" altLang="zh-TW" dirty="0" smtClean="0"/>
-          </a:p>
-          <a:p>
-            <a:r>
-              <a:rPr lang="zh-TW" altLang="en-US" dirty="0"/>
+            <a:endParaRPr lang="en-US" altLang="zh-TW" b="1" dirty="0" smtClean="0">
+              <a:solidFill>
+                <a:schemeClr val="accent6">
+                  <a:lumMod val="75000"/>
+                </a:schemeClr>
+              </a:solidFill>
+            </a:endParaRPr>
+          </a:p>
+          <a:p>
+            <a:r>
+              <a:rPr lang="zh-TW" altLang="en-US" b="1" dirty="0">
+                <a:solidFill>
+                  <a:schemeClr val="accent3">
+                    <a:lumMod val="50000"/>
+                  </a:schemeClr>
+                </a:solidFill>
+              </a:rPr>
               <a:t>型別</a:t>
             </a:r>
-            <a:endParaRPr lang="en-US" altLang="zh-TW" dirty="0" smtClean="0"/>
-          </a:p>
-          <a:p>
-            <a:r>
-              <a:rPr lang="zh-TW" altLang="en-US" dirty="0" smtClean="0"/>
+            <a:endParaRPr lang="en-US" altLang="zh-TW" b="1" dirty="0" smtClean="0">
+              <a:solidFill>
+                <a:schemeClr val="accent3">
+                  <a:lumMod val="50000"/>
+                </a:schemeClr>
+              </a:solidFill>
+            </a:endParaRPr>
+          </a:p>
+          <a:p>
+            <a:r>
+              <a:rPr lang="zh-TW" altLang="en-US" b="1" dirty="0" smtClean="0">
+                <a:solidFill>
+                  <a:schemeClr val="accent3">
+                    <a:lumMod val="50000"/>
+                  </a:schemeClr>
+                </a:solidFill>
+              </a:rPr>
               <a:t>變數</a:t>
             </a:r>
-            <a:endParaRPr lang="en-US" altLang="zh-TW" dirty="0" smtClean="0"/>
-          </a:p>
-          <a:p>
-            <a:r>
-              <a:rPr lang="zh-TW" altLang="en-US" dirty="0"/>
+            <a:endParaRPr lang="en-US" altLang="zh-TW" b="1" dirty="0" smtClean="0">
+              <a:solidFill>
+                <a:schemeClr val="accent3">
+                  <a:lumMod val="50000"/>
+                </a:schemeClr>
+              </a:solidFill>
+            </a:endParaRPr>
+          </a:p>
+          <a:p>
+            <a:r>
+              <a:rPr lang="zh-TW" altLang="en-US" b="1" dirty="0">
+                <a:solidFill>
+                  <a:schemeClr val="accent3">
+                    <a:lumMod val="50000"/>
+                  </a:schemeClr>
+                </a:solidFill>
+              </a:rPr>
               <a:t>運算子</a:t>
             </a:r>
-            <a:endParaRPr lang="en-US" altLang="zh-TW" dirty="0" smtClean="0"/>
-          </a:p>
-          <a:p>
-            <a:r>
-              <a:rPr lang="zh-TW" altLang="en-US" dirty="0"/>
+            <a:endParaRPr lang="en-US" altLang="zh-TW" b="1" dirty="0" smtClean="0">
+              <a:solidFill>
+                <a:schemeClr val="accent3">
+                  <a:lumMod val="50000"/>
+                </a:schemeClr>
+              </a:solidFill>
+            </a:endParaRPr>
+          </a:p>
+          <a:p>
+            <a:r>
+              <a:rPr lang="zh-TW" altLang="en-US" b="1" dirty="0">
+                <a:solidFill>
+                  <a:schemeClr val="accent3">
+                    <a:lumMod val="50000"/>
+                  </a:schemeClr>
+                </a:solidFill>
+              </a:rPr>
               <a:t>函</a:t>
             </a:r>
             <a:r>
-              <a:rPr lang="zh-TW" altLang="en-US" dirty="0" smtClean="0"/>
+              <a:rPr lang="zh-TW" altLang="en-US" b="1" dirty="0" smtClean="0">
+                <a:solidFill>
+                  <a:schemeClr val="accent3">
+                    <a:lumMod val="50000"/>
+                  </a:schemeClr>
+                </a:solidFill>
+              </a:rPr>
               <a:t>式</a:t>
             </a:r>
-            <a:endParaRPr lang="en-US" altLang="zh-TW" dirty="0" smtClean="0"/>
-          </a:p>
-          <a:p>
-            <a:r>
-              <a:rPr lang="zh-TW" altLang="en-US" dirty="0"/>
+            <a:endParaRPr lang="en-US" altLang="zh-TW" b="1" dirty="0" smtClean="0">
+              <a:solidFill>
+                <a:schemeClr val="accent3">
+                  <a:lumMod val="50000"/>
+                </a:schemeClr>
+              </a:solidFill>
+            </a:endParaRPr>
+          </a:p>
+          <a:p>
+            <a:r>
+              <a:rPr lang="zh-TW" altLang="en-US" b="1" dirty="0">
+                <a:solidFill>
+                  <a:schemeClr val="accent3">
+                    <a:lumMod val="50000"/>
+                  </a:schemeClr>
+                </a:solidFill>
+              </a:rPr>
               <a:t>物件</a:t>
             </a:r>
           </a:p>
           <a:p>
             <a:r>
-              <a:rPr lang="zh-TW" altLang="en-US" dirty="0" smtClean="0"/>
+              <a:rPr lang="zh-TW" altLang="en-US" b="1" dirty="0" smtClean="0">
+                <a:solidFill>
+                  <a:schemeClr val="accent3">
+                    <a:lumMod val="50000"/>
+                  </a:schemeClr>
+                </a:solidFill>
+              </a:rPr>
               <a:t>陣列</a:t>
             </a:r>
-            <a:endParaRPr lang="en-US" altLang="zh-TW" dirty="0" smtClean="0"/>
-          </a:p>
-          <a:p>
-            <a:r>
-              <a:rPr lang="zh-TW" altLang="en-US" dirty="0" smtClean="0"/>
-              <a:t>判斷</a:t>
-            </a:r>
-            <a:endParaRPr lang="en-US" altLang="zh-TW" dirty="0" smtClean="0"/>
-          </a:p>
-          <a:p>
-            <a:r>
-              <a:rPr lang="en-US" altLang="zh-TW" dirty="0" smtClean="0"/>
+            <a:endParaRPr lang="en-US" altLang="zh-TW" b="1" dirty="0" smtClean="0">
+              <a:solidFill>
+                <a:schemeClr val="accent3">
+                  <a:lumMod val="50000"/>
+                </a:schemeClr>
+              </a:solidFill>
+            </a:endParaRPr>
+          </a:p>
+          <a:p>
+            <a:r>
+              <a:rPr lang="en-US" altLang="zh-TW" b="1" dirty="0" smtClean="0">
+                <a:solidFill>
+                  <a:schemeClr val="accent3">
+                    <a:lumMod val="50000"/>
+                  </a:schemeClr>
+                </a:solidFill>
+              </a:rPr>
+              <a:t>If else</a:t>
+            </a:r>
+          </a:p>
+          <a:p>
+            <a:r>
+              <a:rPr lang="en-US" altLang="zh-TW" b="1" dirty="0" smtClean="0">
+                <a:solidFill>
+                  <a:schemeClr val="accent3">
+                    <a:lumMod val="50000"/>
+                  </a:schemeClr>
+                </a:solidFill>
+              </a:rPr>
               <a:t>DOM</a:t>
             </a:r>
           </a:p>
           <a:p>
             <a:r>
-              <a:rPr lang="zh-TW" altLang="en-US" dirty="0" smtClean="0"/>
+              <a:rPr lang="zh-TW" altLang="en-US" b="1" dirty="0" smtClean="0">
+                <a:solidFill>
+                  <a:schemeClr val="accent3">
+                    <a:lumMod val="50000"/>
+                  </a:schemeClr>
+                </a:solidFill>
+              </a:rPr>
               <a:t>事件</a:t>
             </a:r>
-            <a:endParaRPr lang="en-US" altLang="zh-TW" dirty="0" smtClean="0"/>
+            <a:endParaRPr lang="en-US" altLang="zh-TW" b="1" dirty="0" smtClean="0">
+              <a:solidFill>
+                <a:schemeClr val="accent3">
+                  <a:lumMod val="50000"/>
+                </a:schemeClr>
+              </a:solidFill>
+            </a:endParaRPr>
           </a:p>
           <a:p>
             <a:r>
               <a:rPr lang="zh-TW" altLang="en-US" dirty="0"/>
               <a:t>實作</a:t>
             </a:r>
-            <a:endParaRPr lang="zh-TW" altLang="en-US" dirty="0"/>
           </a:p>
         </p:txBody>
       </p:sp>
@@ -5620,6 +7513,13 @@
   <p:clrMapOvr>
     <a:masterClrMapping/>
   </p:clrMapOvr>
+  <p:timing>
+    <p:tnLst>
+      <p:par>
+        <p:cTn id="1" dur="indefinite" restart="never" nodeType="tmRoot"/>
+      </p:par>
+    </p:tnLst>
+  </p:timing>
 </p:sld>
 </file>
 
@@ -5656,10 +7556,10 @@
           <a:lstStyle/>
           <a:p>
             <a:r>
-              <a:rPr lang="zh-TW" altLang="en-US" dirty="0" smtClean="0"/>
-              <a:t>運算子的優先性</a:t>
-            </a:r>
-            <a:endParaRPr lang="zh-TW" altLang="en-US" dirty="0"/>
+              <a:rPr lang="en-US" altLang="zh-TW" dirty="0" smtClean="0"/>
+              <a:t>symbol</a:t>
+            </a:r>
+            <a:endParaRPr lang="en-US" altLang="zh-TW" dirty="0"/>
           </a:p>
         </p:txBody>
       </p:sp>
@@ -5675,63 +7575,68 @@
         </p:nvSpPr>
         <p:spPr/>
         <p:txBody>
-          <a:bodyPr/>
-          <a:lstStyle/>
-          <a:p>
-            <a:r>
-              <a:rPr lang="zh-TW" altLang="en-US" dirty="0" smtClean="0"/>
-              <a:t>程式執行不一定</a:t>
-            </a:r>
-            <a:r>
-              <a:rPr lang="zh-TW" altLang="en-US" dirty="0"/>
-              <a:t>由左邊</a:t>
-            </a:r>
-            <a:r>
-              <a:rPr lang="zh-TW" altLang="en-US" dirty="0" smtClean="0"/>
-              <a:t>開始</a:t>
-            </a:r>
-            <a:endParaRPr lang="en-US" altLang="zh-TW" dirty="0" smtClean="0"/>
-          </a:p>
-          <a:p>
-            <a:r>
-              <a:rPr lang="zh-TW" altLang="en-US" dirty="0"/>
-              <a:t>運算子優先性高先</a:t>
-            </a:r>
-            <a:r>
-              <a:rPr lang="zh-TW" altLang="en-US" dirty="0" smtClean="0"/>
-              <a:t>執行</a:t>
-            </a:r>
-            <a:endParaRPr lang="en-US" altLang="zh-TW" dirty="0" smtClean="0"/>
-          </a:p>
-          <a:p>
-            <a:r>
-              <a:rPr lang="zh-TW" altLang="en-US" dirty="0"/>
-              <a:t>運算子優先</a:t>
-            </a:r>
-            <a:r>
-              <a:rPr lang="zh-TW" altLang="en-US" dirty="0" smtClean="0"/>
-              <a:t>性相同，由相依性決定執行方向</a:t>
-            </a:r>
-            <a:endParaRPr lang="zh-TW" altLang="en-US" dirty="0"/>
-          </a:p>
+          <a:bodyPr>
+            <a:normAutofit/>
+          </a:bodyPr>
+          <a:lstStyle/>
           <a:p>
             <a:pPr marL="0" indent="0">
               <a:buNone/>
             </a:pPr>
-            <a:endParaRPr lang="zh-TW" altLang="en-US" dirty="0"/>
+            <a:r>
+              <a:rPr lang="zh-TW" altLang="en-US" sz="2000" dirty="0"/>
+              <a:t>表示</a:t>
+            </a:r>
+            <a:r>
+              <a:rPr lang="zh-TW" altLang="en-US" sz="2000" b="1" dirty="0">
+                <a:solidFill>
+                  <a:srgbClr val="FF0000"/>
+                </a:solidFill>
+              </a:rPr>
+              <a:t>符號</a:t>
+            </a:r>
+            <a:endParaRPr lang="en-US" altLang="zh-TW" sz="2000" b="1" dirty="0">
+              <a:solidFill>
+                <a:srgbClr val="FF0000"/>
+              </a:solidFill>
+            </a:endParaRPr>
+          </a:p>
+          <a:p>
+            <a:pPr marL="0" indent="0">
+              <a:buNone/>
+            </a:pPr>
+            <a:r>
+              <a:rPr lang="zh-TW" altLang="en-US" sz="2000" dirty="0"/>
+              <a:t>是</a:t>
+            </a:r>
+            <a:r>
+              <a:rPr lang="en-US" altLang="zh-TW" sz="2000" dirty="0"/>
+              <a:t>ES6</a:t>
+            </a:r>
+            <a:r>
+              <a:rPr lang="zh-TW" altLang="en-US" sz="2000" dirty="0"/>
+              <a:t>新增的型別，可以賦予變數獨特性、獨一性。</a:t>
+            </a:r>
           </a:p>
         </p:txBody>
       </p:sp>
     </p:spTree>
     <p:extLst>
       <p:ext uri="{BB962C8B-B14F-4D97-AF65-F5344CB8AC3E}">
-        <p14:creationId xmlns:p14="http://schemas.microsoft.com/office/powerpoint/2010/main" val="1738348854"/>
+        <p14:creationId xmlns:p14="http://schemas.microsoft.com/office/powerpoint/2010/main" val="160194131"/>
       </p:ext>
     </p:extLst>
   </p:cSld>
   <p:clrMapOvr>
     <a:masterClrMapping/>
   </p:clrMapOvr>
+  <p:timing>
+    <p:tnLst>
+      <p:par>
+        <p:cTn id="1" dur="indefinite" restart="never" nodeType="tmRoot"/>
+      </p:par>
+    </p:tnLst>
+  </p:timing>
 </p:sld>
 </file>
 
@@ -5769,7 +7674,7 @@
           <a:p>
             <a:r>
               <a:rPr lang="zh-TW" altLang="en-US" dirty="0" smtClean="0"/>
-              <a:t>運算子的優先性</a:t>
+              <a:t>變數練習</a:t>
             </a:r>
             <a:endParaRPr lang="zh-TW" altLang="en-US" dirty="0"/>
           </a:p>
@@ -5790,30 +7695,6 @@
           <a:bodyPr/>
           <a:lstStyle/>
           <a:p>
-            <a:r>
-              <a:rPr lang="en-US" altLang="zh-TW" dirty="0" err="1"/>
-              <a:t>var</a:t>
-            </a:r>
-            <a:r>
-              <a:rPr lang="en-US" altLang="zh-TW" dirty="0"/>
-              <a:t> apple = '</a:t>
-            </a:r>
-            <a:r>
-              <a:rPr lang="zh-TW" altLang="en-US" dirty="0" smtClean="0"/>
-              <a:t>我</a:t>
-            </a:r>
-            <a:r>
-              <a:rPr lang="zh-TW" altLang="en-US" dirty="0"/>
-              <a:t>要</a:t>
-            </a:r>
-            <a:r>
-              <a:rPr lang="zh-TW" altLang="en-US" dirty="0" smtClean="0"/>
-              <a:t>吃蘋果</a:t>
-            </a:r>
-            <a:r>
-              <a:rPr lang="en-US" altLang="zh-TW" dirty="0" smtClean="0"/>
-              <a:t>' ; </a:t>
-            </a:r>
             <a:endParaRPr lang="zh-TW" altLang="en-US" dirty="0"/>
           </a:p>
         </p:txBody>
@@ -5821,13 +7702,20 @@
     </p:spTree>
     <p:extLst>
       <p:ext uri="{BB962C8B-B14F-4D97-AF65-F5344CB8AC3E}">
-        <p14:creationId xmlns:p14="http://schemas.microsoft.com/office/powerpoint/2010/main" val="1554742435"/>
+        <p14:creationId xmlns:p14="http://schemas.microsoft.com/office/powerpoint/2010/main" val="2161253228"/>
       </p:ext>
     </p:extLst>
   </p:cSld>
   <p:clrMapOvr>
     <a:masterClrMapping/>
   </p:clrMapOvr>
+  <p:timing>
+    <p:tnLst>
+      <p:par>
+        <p:cTn id="1" dur="indefinite" restart="never" nodeType="tmRoot"/>
+      </p:par>
+    </p:tnLst>
+  </p:timing>
 </p:sld>
 </file>
 
@@ -5865,7 +7753,19 @@
           <a:p>
             <a:r>
               <a:rPr lang="zh-TW" altLang="en-US" dirty="0" smtClean="0"/>
-              <a:t>運算子的優先性</a:t>
+              <a:t>區域變數與全域變數</a:t>
+            </a:r>
+            <a:r>
+              <a:rPr lang="en-US" altLang="zh-TW" dirty="0" smtClean="0"/>
+              <a:t>(</a:t>
+            </a:r>
+            <a:r>
+              <a:rPr lang="zh-TW" altLang="en-US" dirty="0" smtClean="0"/>
+              <a:t>補充</a:t>
+            </a:r>
+            <a:r>
+              <a:rPr lang="en-US" altLang="zh-TW" dirty="0" smtClean="0"/>
+              <a:t>)</a:t>
             </a:r>
             <a:endParaRPr lang="zh-TW" altLang="en-US" dirty="0"/>
           </a:p>
@@ -5883,43 +7783,47 @@
         </p:nvSpPr>
         <p:spPr/>
         <p:txBody>
-          <a:bodyPr/>
-          <a:lstStyle/>
-          <a:p>
-            <a:r>
-              <a:rPr lang="en-US" altLang="zh-TW" dirty="0" err="1"/>
-              <a:t>var</a:t>
-            </a:r>
-            <a:r>
-              <a:rPr lang="en-US" altLang="zh-TW" dirty="0"/>
-              <a:t> </a:t>
-            </a:r>
-            <a:r>
-              <a:rPr lang="en-US" altLang="zh-TW" dirty="0" smtClean="0"/>
-              <a:t>years </a:t>
-            </a:r>
-            <a:r>
-              <a:rPr lang="en-US" altLang="zh-TW" dirty="0"/>
-              <a:t>= </a:t>
-            </a:r>
-            <a:r>
-              <a:rPr lang="en-US" altLang="zh-TW" dirty="0" smtClean="0"/>
-              <a:t>1900 + 2105; </a:t>
-            </a:r>
-            <a:endParaRPr lang="zh-TW" altLang="en-US" dirty="0"/>
+          <a:bodyPr>
+            <a:normAutofit/>
+          </a:bodyPr>
+          <a:lstStyle/>
+          <a:p>
+            <a:r>
+              <a:rPr lang="zh-TW" altLang="en-US" sz="2000" dirty="0" smtClean="0"/>
+              <a:t>裡面可以取用外面，外面不能取用裡面</a:t>
+            </a:r>
+            <a:r>
+              <a:rPr lang="en-US" altLang="zh-TW" sz="2000" dirty="0" smtClean="0"/>
+              <a:t>(</a:t>
+            </a:r>
+            <a:r>
+              <a:rPr lang="zh-TW" altLang="en-US" sz="2000" dirty="0" smtClean="0"/>
+              <a:t>除非回傳</a:t>
+            </a:r>
+            <a:r>
+              <a:rPr lang="en-US" altLang="zh-TW" sz="2000" dirty="0" smtClean="0"/>
+              <a:t>)</a:t>
+            </a:r>
           </a:p>
         </p:txBody>
       </p:sp>
     </p:spTree>
     <p:extLst>
       <p:ext uri="{BB962C8B-B14F-4D97-AF65-F5344CB8AC3E}">
-        <p14:creationId xmlns:p14="http://schemas.microsoft.com/office/powerpoint/2010/main" val="1911474921"/>
+        <p14:creationId xmlns:p14="http://schemas.microsoft.com/office/powerpoint/2010/main" val="3302993291"/>
       </p:ext>
     </p:extLst>
   </p:cSld>
   <p:clrMapOvr>
     <a:masterClrMapping/>
   </p:clrMapOvr>
+  <p:timing>
+    <p:tnLst>
+      <p:par>
+        <p:cTn id="1" dur="indefinite" restart="never" nodeType="tmRoot"/>
+      </p:par>
+    </p:tnLst>
+  </p:timing>
 </p:sld>
 </file>
 
@@ -5956,8 +7860,24 @@
           <a:lstStyle/>
           <a:p>
             <a:r>
-              <a:rPr lang="zh-TW" altLang="en-US" dirty="0" smtClean="0"/>
-              <a:t>運算子練習</a:t>
+              <a:rPr lang="en-US" altLang="zh-TW" dirty="0" smtClean="0"/>
+              <a:t>ES6</a:t>
+            </a:r>
+            <a:r>
+              <a:rPr lang="zh-TW" altLang="en-US" dirty="0" smtClean="0"/>
+              <a:t>的宣告方式</a:t>
+            </a:r>
+            <a:r>
+              <a:rPr lang="en-US" altLang="zh-TW" dirty="0" smtClean="0"/>
+              <a:t>(</a:t>
+            </a:r>
+            <a:r>
+              <a:rPr lang="zh-TW" altLang="en-US" dirty="0" smtClean="0"/>
+              <a:t>補充</a:t>
+            </a:r>
+            <a:r>
+              <a:rPr lang="en-US" altLang="zh-TW" dirty="0" smtClean="0"/>
+              <a:t>)</a:t>
             </a:r>
             <a:endParaRPr lang="zh-TW" altLang="en-US" dirty="0"/>
           </a:p>
@@ -5975,30 +7895,58 @@
         </p:nvSpPr>
         <p:spPr/>
         <p:txBody>
-          <a:bodyPr/>
-          <a:lstStyle/>
-          <a:p>
-            <a:r>
-              <a:rPr lang="zh-TW" altLang="en-US" dirty="0" smtClean="0"/>
-              <a:t>搭配變數</a:t>
-            </a:r>
-            <a:endParaRPr lang="en-US" altLang="zh-TW" dirty="0" smtClean="0"/>
-          </a:p>
-          <a:p>
-            <a:endParaRPr lang="zh-TW" altLang="en-US" dirty="0"/>
+          <a:bodyPr>
+            <a:normAutofit/>
+          </a:bodyPr>
+          <a:lstStyle/>
+          <a:p>
+            <a:r>
+              <a:rPr lang="en-US" altLang="zh-TW" sz="2000" dirty="0" smtClean="0"/>
+              <a:t>let </a:t>
+            </a:r>
+            <a:r>
+              <a:rPr lang="zh-TW" altLang="en-US" sz="2000" dirty="0" smtClean="0"/>
+              <a:t>變數</a:t>
+            </a:r>
+            <a:endParaRPr lang="en-US" altLang="zh-TW" sz="2000" dirty="0" smtClean="0"/>
+          </a:p>
+          <a:p>
+            <a:r>
+              <a:rPr lang="en-US" altLang="zh-TW" sz="2000" dirty="0" err="1" smtClean="0"/>
+              <a:t>const</a:t>
+            </a:r>
+            <a:r>
+              <a:rPr lang="en-US" altLang="zh-TW" sz="2000" dirty="0" smtClean="0"/>
+              <a:t> </a:t>
+            </a:r>
+            <a:r>
+              <a:rPr lang="zh-TW" altLang="en-US" sz="2000" dirty="0" smtClean="0"/>
+              <a:t>常數</a:t>
+            </a:r>
+            <a:r>
+              <a:rPr lang="en-US" altLang="zh-TW" sz="2000" dirty="0" smtClean="0"/>
+              <a:t>  </a:t>
+            </a:r>
           </a:p>
         </p:txBody>
       </p:sp>
     </p:spTree>
     <p:extLst>
       <p:ext uri="{BB962C8B-B14F-4D97-AF65-F5344CB8AC3E}">
-        <p14:creationId xmlns:p14="http://schemas.microsoft.com/office/powerpoint/2010/main" val="1198179612"/>
+        <p14:creationId xmlns:p14="http://schemas.microsoft.com/office/powerpoint/2010/main" val="3911703552"/>
       </p:ext>
     </p:extLst>
   </p:cSld>
   <p:clrMapOvr>
     <a:masterClrMapping/>
   </p:clrMapOvr>
+  <p:timing>
+    <p:tnLst>
+      <p:par>
+        <p:cTn id="1" dur="indefinite" restart="never" nodeType="tmRoot"/>
+      </p:par>
+    </p:tnLst>
+  </p:timing>
 </p:sld>
 </file>
 
@@ -6031,8 +7979,8 @@
         </p:nvSpPr>
         <p:spPr>
           <a:xfrm>
-            <a:off x="467544" y="2636912"/>
-            <a:ext cx="8229600" cy="1143000"/>
+            <a:off x="467544" y="1977684"/>
+            <a:ext cx="8229600" cy="857250"/>
           </a:xfrm>
         </p:spPr>
         <p:txBody>
@@ -6040,22 +7988,30 @@
           <a:lstStyle/>
           <a:p>
             <a:r>
-              <a:rPr lang="zh-TW" altLang="en-US" dirty="0"/>
-              <a:t>函式</a:t>
-            </a:r>
+              <a:rPr lang="zh-TW" altLang="en-US" dirty="0" smtClean="0"/>
+              <a:t>運算子</a:t>
+            </a:r>
+            <a:endParaRPr lang="zh-TW" altLang="en-US" dirty="0"/>
           </a:p>
         </p:txBody>
       </p:sp>
     </p:spTree>
     <p:extLst>
       <p:ext uri="{BB962C8B-B14F-4D97-AF65-F5344CB8AC3E}">
-        <p14:creationId xmlns:p14="http://schemas.microsoft.com/office/powerpoint/2010/main" val="2450567693"/>
+        <p14:creationId xmlns:p14="http://schemas.microsoft.com/office/powerpoint/2010/main" val="3936684726"/>
       </p:ext>
     </p:extLst>
   </p:cSld>
   <p:clrMapOvr>
     <a:masterClrMapping/>
   </p:clrMapOvr>
+  <p:timing>
+    <p:tnLst>
+      <p:par>
+        <p:cTn id="1" dur="indefinite" restart="never" nodeType="tmRoot"/>
+      </p:par>
+    </p:tnLst>
+  </p:timing>
 </p:sld>
 </file>
 
@@ -6086,20 +8042,84 @@
             <p:ph type="title"/>
           </p:nvPr>
         </p:nvSpPr>
-        <p:spPr>
-          <a:xfrm>
-            <a:off x="467544" y="2636912"/>
-            <a:ext cx="8229600" cy="1143000"/>
-          </a:xfrm>
-        </p:spPr>
-        <p:txBody>
-          <a:bodyPr/>
-          <a:lstStyle/>
-          <a:p>
-            <a:r>
-              <a:rPr lang="zh-TW" altLang="en-US" dirty="0" smtClean="0"/>
-              <a:t>陣列</a:t>
-            </a:r>
+        <p:spPr/>
+        <p:txBody>
+          <a:bodyPr/>
+          <a:lstStyle/>
+          <a:p>
+            <a:r>
+              <a:rPr lang="zh-TW" altLang="en-US" dirty="0" smtClean="0"/>
+              <a:t>常見運算子</a:t>
+            </a:r>
+            <a:endParaRPr lang="zh-TW" altLang="en-US" dirty="0"/>
+          </a:p>
+        </p:txBody>
+      </p:sp>
+      <p:sp>
+        <p:nvSpPr>
+          <p:cNvPr id="3" name="內容版面配置區 2"/>
+          <p:cNvSpPr>
+            <a:spLocks noGrp="1"/>
+          </p:cNvSpPr>
+          <p:nvPr>
+            <p:ph idx="1"/>
+          </p:nvPr>
+        </p:nvSpPr>
+        <p:spPr/>
+        <p:txBody>
+          <a:bodyPr>
+            <a:normAutofit/>
+          </a:bodyPr>
+          <a:lstStyle/>
+          <a:p>
+            <a:r>
+              <a:rPr lang="zh-TW" altLang="en-US" sz="2000" dirty="0" smtClean="0"/>
+              <a:t>計算用</a:t>
+            </a:r>
+            <a:endParaRPr lang="en-US" altLang="zh-TW" sz="2000" dirty="0" smtClean="0"/>
+          </a:p>
+          <a:p>
+            <a:r>
+              <a:rPr lang="en-US" altLang="zh-TW" sz="2000" dirty="0" smtClean="0"/>
+              <a:t>+-*/%</a:t>
+            </a:r>
+          </a:p>
+          <a:p>
+            <a:r>
+              <a:rPr lang="zh-TW" altLang="en-US" sz="2000" dirty="0"/>
+              <a:t>賦值</a:t>
+            </a:r>
+            <a:endParaRPr lang="en-US" altLang="zh-TW" sz="2000" dirty="0" smtClean="0"/>
+          </a:p>
+          <a:p>
+            <a:r>
+              <a:rPr lang="en-US" altLang="zh-TW" sz="2000" dirty="0" smtClean="0"/>
+              <a:t>= </a:t>
+            </a:r>
+          </a:p>
+          <a:p>
+            <a:r>
+              <a:rPr lang="zh-TW" altLang="en-US" sz="2000" dirty="0" smtClean="0"/>
+              <a:t>存取物件或函式</a:t>
+            </a:r>
+            <a:endParaRPr lang="en-US" altLang="zh-TW" sz="2000" dirty="0" smtClean="0"/>
+          </a:p>
+          <a:p>
+            <a:r>
+              <a:rPr lang="en-US" altLang="zh-TW" sz="2000" dirty="0" smtClean="0"/>
+              <a:t>.</a:t>
+            </a:r>
+          </a:p>
+          <a:p>
+            <a:endParaRPr lang="en-US" altLang="zh-TW" dirty="0" smtClean="0"/>
+          </a:p>
+          <a:p>
+            <a:endParaRPr lang="en-US" altLang="zh-TW" dirty="0" smtClean="0"/>
+          </a:p>
+          <a:p>
+            <a:endParaRPr lang="en-US" altLang="zh-TW" dirty="0" smtClean="0"/>
+          </a:p>
+          <a:p>
             <a:endParaRPr lang="zh-TW" altLang="en-US" dirty="0"/>
           </a:p>
         </p:txBody>
@@ -6107,13 +8127,20 @@
     </p:spTree>
     <p:extLst>
       <p:ext uri="{BB962C8B-B14F-4D97-AF65-F5344CB8AC3E}">
-        <p14:creationId xmlns:p14="http://schemas.microsoft.com/office/powerpoint/2010/main" val="1541273114"/>
+        <p14:creationId xmlns:p14="http://schemas.microsoft.com/office/powerpoint/2010/main" val="1121334064"/>
       </p:ext>
     </p:extLst>
   </p:cSld>
   <p:clrMapOvr>
     <a:masterClrMapping/>
   </p:clrMapOvr>
+  <p:timing>
+    <p:tnLst>
+      <p:par>
+        <p:cTn id="1" dur="indefinite" restart="never" nodeType="tmRoot"/>
+      </p:par>
+    </p:tnLst>
+  </p:timing>
 </p:sld>
 </file>
 
@@ -6149,7 +8176,11 @@
           <a:bodyPr/>
           <a:lstStyle/>
           <a:p>
-            <a:endParaRPr lang="zh-TW" altLang="en-US"/>
+            <a:r>
+              <a:rPr lang="zh-TW" altLang="en-US" dirty="0" smtClean="0"/>
+              <a:t>常見運算子</a:t>
+            </a:r>
+            <a:endParaRPr lang="zh-TW" altLang="en-US" dirty="0"/>
           </a:p>
         </p:txBody>
       </p:sp>
@@ -6165,63 +8196,116 @@
         </p:nvSpPr>
         <p:spPr/>
         <p:txBody>
-          <a:bodyPr/>
-          <a:lstStyle/>
-          <a:p>
-            <a:r>
-              <a:rPr lang="zh-TW" altLang="en-US" dirty="0" smtClean="0"/>
-              <a:t>櫃子</a:t>
+          <a:bodyPr>
+            <a:normAutofit fontScale="70000" lnSpcReduction="20000"/>
+          </a:bodyPr>
+          <a:lstStyle/>
+          <a:p>
+            <a:pPr marL="0" indent="0">
+              <a:buNone/>
+            </a:pPr>
+            <a:r>
+              <a:rPr lang="zh-TW" altLang="en-US" dirty="0" smtClean="0"/>
+              <a:t>比較相等</a:t>
             </a:r>
             <a:endParaRPr lang="en-US" altLang="zh-TW" dirty="0" smtClean="0"/>
           </a:p>
           <a:p>
             <a:r>
+              <a:rPr lang="zh-TW" altLang="en-US" dirty="0" smtClean="0"/>
+              <a:t>寬鬆</a:t>
+            </a:r>
+            <a:r>
+              <a:rPr lang="en-US" altLang="zh-TW" dirty="0" smtClean="0"/>
+              <a:t>== </a:t>
+            </a:r>
+          </a:p>
+          <a:p>
+            <a:r>
+              <a:rPr lang="zh-TW" altLang="en-US" dirty="0" smtClean="0"/>
+              <a:t>嚴格</a:t>
+            </a:r>
+            <a:r>
+              <a:rPr lang="en-US" altLang="zh-TW" dirty="0" smtClean="0"/>
+              <a:t>===</a:t>
+            </a:r>
+          </a:p>
+          <a:p>
+            <a:pPr marL="0" indent="0">
+              <a:buNone/>
+            </a:pPr>
+            <a:r>
+              <a:rPr lang="zh-TW" altLang="en-US" dirty="0" smtClean="0"/>
+              <a:t>比較不相等</a:t>
+            </a:r>
+            <a:endParaRPr lang="en-US" altLang="zh-TW" dirty="0"/>
+          </a:p>
+          <a:p>
+            <a:r>
+              <a:rPr lang="zh-TW" altLang="en-US" dirty="0" smtClean="0"/>
+              <a:t>寬鬆</a:t>
+            </a:r>
+            <a:r>
+              <a:rPr lang="en-US" altLang="zh-TW" dirty="0" smtClean="0"/>
+              <a:t>!=</a:t>
+            </a:r>
+          </a:p>
+          <a:p>
+            <a:r>
+              <a:rPr lang="zh-TW" altLang="en-US" dirty="0" smtClean="0"/>
+              <a:t>嚴格</a:t>
+            </a:r>
+            <a:r>
+              <a:rPr lang="en-US" altLang="zh-TW" dirty="0" smtClean="0"/>
+              <a:t>!==</a:t>
+            </a:r>
+          </a:p>
+          <a:p>
+            <a:pPr marL="0" indent="0">
+              <a:buNone/>
+            </a:pPr>
+            <a:r>
               <a:rPr lang="zh-TW" altLang="en-US" dirty="0"/>
-              <a:t>需</a:t>
-            </a:r>
-            <a:r>
-              <a:rPr lang="zh-TW" altLang="en-US" dirty="0" smtClean="0"/>
-              <a:t>用</a:t>
-            </a:r>
-            <a:r>
-              <a:rPr lang="zh-TW" altLang="en-US" dirty="0"/>
-              <a:t>「</a:t>
-            </a:r>
+              <a:t>兩者</a:t>
+            </a:r>
+            <a:r>
+              <a:rPr lang="zh-TW" altLang="en-US" dirty="0" smtClean="0"/>
+              <a:t>都</a:t>
+            </a:r>
+            <a:endParaRPr lang="en-US" altLang="zh-TW" dirty="0" smtClean="0"/>
+          </a:p>
+          <a:p>
             <a:r>
               <a:rPr lang="en-US" altLang="zh-TW" dirty="0" smtClean="0"/>
-              <a:t>,</a:t>
-            </a:r>
-            <a:r>
-              <a:rPr lang="zh-TW" altLang="en-US" dirty="0" smtClean="0"/>
-              <a:t>」符號分隔</a:t>
-            </a:r>
-            <a:r>
-              <a:rPr lang="zh-TW" altLang="en-US" dirty="0" smtClean="0"/>
-              <a:t>內容</a:t>
+              <a:t>&amp;&amp;</a:t>
+            </a:r>
+          </a:p>
+          <a:p>
+            <a:pPr marL="0" indent="0">
+              <a:buNone/>
+            </a:pPr>
+            <a:r>
+              <a:rPr lang="zh-TW" altLang="en-US" dirty="0" smtClean="0"/>
+              <a:t>或</a:t>
             </a:r>
             <a:endParaRPr lang="en-US" altLang="zh-TW" dirty="0" smtClean="0"/>
           </a:p>
           <a:p>
             <a:r>
-              <a:rPr lang="zh-TW" altLang="en-US" dirty="0" smtClean="0"/>
-              <a:t>雜湊陣列</a:t>
-            </a:r>
-            <a:r>
               <a:rPr lang="en-US" altLang="zh-TW" dirty="0" smtClean="0"/>
-              <a:t>-</a:t>
-            </a:r>
-            <a:r>
-              <a:rPr lang="zh-TW" altLang="en-US" dirty="0" smtClean="0"/>
-              <a:t>每</a:t>
-            </a:r>
-            <a:r>
-              <a:rPr lang="zh-TW" altLang="en-US" dirty="0"/>
-              <a:t>層都可以</a:t>
-            </a:r>
-            <a:r>
-              <a:rPr lang="zh-TW" altLang="en-US" dirty="0" smtClean="0"/>
-              <a:t>存放不同的資料</a:t>
-            </a:r>
+              <a:t>||</a:t>
+            </a:r>
+          </a:p>
+          <a:p>
+            <a:endParaRPr lang="en-US" altLang="zh-TW" dirty="0" smtClean="0"/>
+          </a:p>
+          <a:p>
+            <a:endParaRPr lang="en-US" altLang="zh-TW" dirty="0" smtClean="0"/>
+          </a:p>
+          <a:p>
+            <a:endParaRPr lang="en-US" altLang="zh-TW" dirty="0" smtClean="0"/>
+          </a:p>
+          <a:p>
             <a:endParaRPr lang="en-US" altLang="zh-TW" dirty="0" smtClean="0"/>
           </a:p>
           <a:p>
@@ -6232,7 +8316,7 @@
     </p:spTree>
     <p:extLst>
       <p:ext uri="{BB962C8B-B14F-4D97-AF65-F5344CB8AC3E}">
-        <p14:creationId xmlns:p14="http://schemas.microsoft.com/office/powerpoint/2010/main" val="3547532124"/>
+        <p14:creationId xmlns:p14="http://schemas.microsoft.com/office/powerpoint/2010/main" val="2766480570"/>
       </p:ext>
     </p:extLst>
   </p:cSld>
@@ -6271,12 +8355,34 @@
         </p:nvSpPr>
         <p:spPr/>
         <p:txBody>
-          <a:bodyPr/>
-          <a:lstStyle/>
-          <a:p>
-            <a:r>
-              <a:rPr lang="zh-TW" altLang="en-US" dirty="0" smtClean="0"/>
-              <a:t>建立陣列</a:t>
+          <a:bodyPr>
+            <a:normAutofit/>
+          </a:bodyPr>
+          <a:lstStyle/>
+          <a:p>
+            <a:r>
+              <a:rPr lang="zh-TW" altLang="en-US" dirty="0" smtClean="0"/>
+              <a:t>常搞混的</a:t>
+            </a:r>
+            <a:r>
+              <a:rPr lang="en-US" altLang="zh-TW" dirty="0" smtClean="0"/>
+              <a:t>=</a:t>
+            </a:r>
+            <a:r>
+              <a:rPr lang="zh-TW" altLang="en-US" dirty="0"/>
+              <a:t>、</a:t>
+            </a:r>
+            <a:r>
+              <a:rPr lang="en-US" altLang="zh-TW" dirty="0"/>
+              <a:t>==</a:t>
+            </a:r>
+            <a:r>
+              <a:rPr lang="zh-TW" altLang="en-US" dirty="0"/>
+              <a:t>、</a:t>
+            </a:r>
+            <a:r>
+              <a:rPr lang="en-US" altLang="zh-TW" dirty="0" smtClean="0"/>
+              <a:t>===</a:t>
             </a:r>
             <a:endParaRPr lang="zh-TW" altLang="en-US" dirty="0"/>
           </a:p>
@@ -6298,42 +8404,48 @@
           <a:lstStyle/>
           <a:p>
             <a:r>
+              <a:rPr lang="en-US" altLang="zh-TW" dirty="0" smtClean="0"/>
+              <a:t>=</a:t>
+            </a:r>
+            <a:r>
+              <a:rPr lang="zh-TW" altLang="en-US" dirty="0" smtClean="0"/>
+              <a:t> 賦值運算子，順序由右至左</a:t>
+            </a:r>
+            <a:endParaRPr lang="en-US" altLang="zh-TW" dirty="0" smtClean="0"/>
+          </a:p>
+          <a:p>
+            <a:endParaRPr lang="en-US" altLang="zh-TW" dirty="0" smtClean="0"/>
+          </a:p>
+          <a:p>
+            <a:r>
+              <a:rPr lang="en-US" altLang="zh-TW" dirty="0" smtClean="0"/>
+              <a:t>==</a:t>
+            </a:r>
+            <a:r>
+              <a:rPr lang="zh-TW" altLang="en-US" dirty="0" smtClean="0"/>
+              <a:t> 比較運算子，順序由左至右</a:t>
+            </a:r>
+            <a:endParaRPr lang="en-US" altLang="zh-TW" dirty="0" smtClean="0"/>
+          </a:p>
+          <a:p>
+            <a:r>
+              <a:rPr lang="en-US" altLang="zh-TW" dirty="0" smtClean="0"/>
+              <a:t>==</a:t>
+            </a:r>
+            <a:r>
+              <a:rPr lang="en-US" altLang="zh-TW" dirty="0"/>
+              <a:t>=</a:t>
+            </a:r>
+            <a:r>
+              <a:rPr lang="zh-TW" altLang="en-US" dirty="0" smtClean="0"/>
+              <a:t> </a:t>
+            </a:r>
+            <a:r>
               <a:rPr lang="zh-TW" altLang="en-US" dirty="0"/>
-              <a:t>陣列實體</a:t>
-            </a:r>
-            <a:r>
-              <a:rPr lang="zh-TW" altLang="en-US" dirty="0" smtClean="0"/>
-              <a:t>語法</a:t>
-            </a:r>
-            <a:endParaRPr lang="en-US" altLang="zh-TW" dirty="0" smtClean="0"/>
-          </a:p>
-          <a:p>
-            <a:r>
-              <a:rPr lang="en-US" altLang="zh-TW" dirty="0" smtClean="0"/>
-              <a:t>[</a:t>
-            </a:r>
-            <a:r>
-              <a:rPr lang="zh-TW" altLang="en-US" dirty="0" smtClean="0"/>
-              <a:t> </a:t>
-            </a:r>
-            <a:r>
-              <a:rPr lang="en-US" altLang="zh-TW" dirty="0" smtClean="0"/>
-              <a:t>]</a:t>
-            </a:r>
-          </a:p>
-          <a:p>
-            <a:r>
-              <a:rPr lang="zh-TW" altLang="en-US" dirty="0"/>
-              <a:t>取用第</a:t>
-            </a:r>
-            <a:r>
-              <a:rPr lang="zh-TW" altLang="en-US" dirty="0" smtClean="0"/>
-              <a:t>一個</a:t>
-            </a:r>
-            <a:r>
-              <a:rPr lang="en-US" altLang="zh-TW" dirty="0" smtClean="0"/>
-              <a:t>[0]</a:t>
-            </a:r>
+              <a:t>比較運算子，順序由左至右</a:t>
+            </a:r>
+          </a:p>
+          <a:p>
             <a:endParaRPr lang="zh-TW" altLang="en-US" dirty="0"/>
           </a:p>
         </p:txBody>
@@ -6341,7 +8453,7 @@
     </p:spTree>
     <p:extLst>
       <p:ext uri="{BB962C8B-B14F-4D97-AF65-F5344CB8AC3E}">
-        <p14:creationId xmlns:p14="http://schemas.microsoft.com/office/powerpoint/2010/main" val="3614213403"/>
+        <p14:creationId xmlns:p14="http://schemas.microsoft.com/office/powerpoint/2010/main" val="4025817925"/>
       </p:ext>
     </p:extLst>
   </p:cSld>
@@ -6384,8 +8496,8 @@
           <a:lstStyle/>
           <a:p>
             <a:r>
-              <a:rPr lang="zh-TW" altLang="en-US" dirty="0" smtClean="0"/>
-              <a:t>陣列練習</a:t>
+              <a:rPr lang="en-US" altLang="zh-TW" dirty="0"/>
+              <a:t>=</a:t>
             </a:r>
             <a:endParaRPr lang="zh-TW" altLang="en-US" dirty="0"/>
           </a:p>
@@ -6411,52 +8523,51 @@
             </a:pPr>
             <a:r>
               <a:rPr lang="en-US" altLang="zh-TW" dirty="0" smtClean="0"/>
-              <a:t>[  2018,</a:t>
-            </a:r>
+              <a:t>JavaScript</a:t>
+            </a:r>
+            <a:r>
+              <a:rPr lang="zh-TW" altLang="en-US" dirty="0" smtClean="0"/>
+              <a:t>、</a:t>
+            </a:r>
+            <a:r>
+              <a:rPr lang="en-US" altLang="zh-TW" dirty="0" smtClean="0"/>
+              <a:t>jQuery</a:t>
+            </a:r>
+            <a:endParaRPr lang="en-US" altLang="zh-TW" dirty="0"/>
           </a:p>
           <a:p>
             <a:pPr marL="0" indent="0">
               <a:buNone/>
             </a:pPr>
             <a:r>
+              <a:rPr lang="zh-TW" altLang="en-US" dirty="0" smtClean="0"/>
+              <a:t>只要看到</a:t>
+            </a:r>
+            <a:r>
               <a:rPr lang="en-US" altLang="zh-TW" dirty="0" smtClean="0"/>
-              <a:t>   Monospace,</a:t>
-            </a:r>
+              <a:t>=</a:t>
+            </a:r>
+            <a:r>
+              <a:rPr lang="zh-TW" altLang="en-US" dirty="0" smtClean="0"/>
+              <a:t>符號，一律理解成</a:t>
+            </a:r>
+            <a:endParaRPr lang="en-US" altLang="zh-TW" dirty="0" smtClean="0"/>
           </a:p>
           <a:p>
             <a:pPr marL="0" indent="0">
               <a:buNone/>
             </a:pPr>
             <a:r>
+              <a:rPr lang="zh-TW" altLang="en-US" dirty="0" smtClean="0"/>
+              <a:t>「將</a:t>
+            </a:r>
+            <a:r>
               <a:rPr lang="en-US" altLang="zh-TW" dirty="0" smtClean="0"/>
-              <a:t>   function(){</a:t>
-            </a:r>
-          </a:p>
-          <a:p>
-            <a:pPr marL="0" indent="0">
-              <a:buNone/>
-            </a:pPr>
-            <a:r>
-              <a:rPr lang="en-US" altLang="zh-TW" dirty="0" smtClean="0"/>
-              <a:t>      console.log(free)</a:t>
-            </a:r>
-          </a:p>
-          <a:p>
-            <a:pPr marL="0" indent="0">
-              <a:buNone/>
-            </a:pPr>
-            <a:r>
-              <a:rPr lang="en-US" altLang="zh-TW" dirty="0" smtClean="0"/>
-              <a:t>   },</a:t>
-            </a:r>
-          </a:p>
-          <a:p>
-            <a:pPr marL="0" indent="0">
-              <a:buNone/>
-            </a:pPr>
-            <a:r>
-              <a:rPr lang="en-US" altLang="zh-TW" dirty="0" smtClean="0"/>
-              <a:t>]</a:t>
+              <a:t>=</a:t>
+            </a:r>
+            <a:r>
+              <a:rPr lang="zh-TW" altLang="en-US" dirty="0" smtClean="0"/>
+              <a:t>右邊的東西賦予給左邊的東西」</a:t>
             </a:r>
             <a:endParaRPr lang="zh-TW" altLang="en-US" dirty="0"/>
           </a:p>
@@ -6465,7 +8576,7 @@
     </p:spTree>
     <p:extLst>
       <p:ext uri="{BB962C8B-B14F-4D97-AF65-F5344CB8AC3E}">
-        <p14:creationId xmlns:p14="http://schemas.microsoft.com/office/powerpoint/2010/main" val="1216160496"/>
+        <p14:creationId xmlns:p14="http://schemas.microsoft.com/office/powerpoint/2010/main" val="1576332029"/>
       </p:ext>
     </p:extLst>
   </p:cSld>
@@ -6502,28 +8613,72 @@
             <p:ph type="title"/>
           </p:nvPr>
         </p:nvSpPr>
-        <p:spPr>
-          <a:xfrm>
-            <a:off x="467544" y="2636912"/>
-            <a:ext cx="8229600" cy="1143000"/>
-          </a:xfrm>
-        </p:spPr>
-        <p:txBody>
-          <a:bodyPr/>
-          <a:lstStyle/>
-          <a:p>
-            <a:r>
-              <a:rPr lang="zh-TW" altLang="en-US" dirty="0" smtClean="0"/>
-              <a:t>物件</a:t>
+        <p:spPr/>
+        <p:txBody>
+          <a:bodyPr/>
+          <a:lstStyle/>
+          <a:p>
+            <a:r>
+              <a:rPr lang="zh-TW" altLang="en-US" dirty="0" smtClean="0"/>
+              <a:t>運算子的相依性</a:t>
+            </a:r>
+            <a:r>
+              <a:rPr lang="en-US" altLang="zh-TW" dirty="0" smtClean="0"/>
+              <a:t>(</a:t>
+            </a:r>
+            <a:r>
+              <a:rPr lang="zh-TW" altLang="en-US" dirty="0" smtClean="0"/>
+              <a:t>執行順序</a:t>
+            </a:r>
+            <a:r>
+              <a:rPr lang="en-US" altLang="zh-TW" dirty="0" smtClean="0"/>
+              <a:t>)</a:t>
             </a:r>
             <a:endParaRPr lang="zh-TW" altLang="en-US" dirty="0"/>
+          </a:p>
+        </p:txBody>
+      </p:sp>
+      <p:sp>
+        <p:nvSpPr>
+          <p:cNvPr id="3" name="內容版面配置區 2"/>
+          <p:cNvSpPr>
+            <a:spLocks noGrp="1"/>
+          </p:cNvSpPr>
+          <p:nvPr>
+            <p:ph idx="1"/>
+          </p:nvPr>
+        </p:nvSpPr>
+        <p:spPr/>
+        <p:txBody>
+          <a:bodyPr/>
+          <a:lstStyle/>
+          <a:p>
+            <a:r>
+              <a:rPr lang="zh-TW" altLang="en-US" dirty="0" smtClean="0"/>
+              <a:t>程式執行不一定</a:t>
+            </a:r>
+            <a:r>
+              <a:rPr lang="zh-TW" altLang="en-US" dirty="0"/>
+              <a:t>由左邊</a:t>
+            </a:r>
+            <a:r>
+              <a:rPr lang="zh-TW" altLang="en-US" dirty="0" smtClean="0"/>
+              <a:t>開始</a:t>
+            </a:r>
+            <a:endParaRPr lang="en-US" altLang="zh-TW" dirty="0" smtClean="0"/>
+          </a:p>
+          <a:p>
+            <a:r>
+              <a:rPr lang="zh-TW" altLang="en-US" dirty="0"/>
+              <a:t>運算子優先性高先執行</a:t>
+            </a:r>
           </a:p>
         </p:txBody>
       </p:sp>
     </p:spTree>
     <p:extLst>
       <p:ext uri="{BB962C8B-B14F-4D97-AF65-F5344CB8AC3E}">
-        <p14:creationId xmlns:p14="http://schemas.microsoft.com/office/powerpoint/2010/main" val="4013313345"/>
+        <p14:creationId xmlns:p14="http://schemas.microsoft.com/office/powerpoint/2010/main" val="3824873181"/>
       </p:ext>
     </p:extLst>
   </p:cSld>
@@ -6593,106 +8748,61 @@
           <a:lstStyle/>
           <a:p>
             <a:r>
-              <a:rPr lang="en-US" altLang="zh-TW" sz="2800" dirty="0" smtClean="0">
-                <a:latin typeface="+mj-ea"/>
-                <a:ea typeface="+mj-ea"/>
-              </a:rPr>
+              <a:rPr lang="en-US" altLang="zh-TW" sz="2000" dirty="0" smtClean="0"/>
               <a:t>1995</a:t>
             </a:r>
             <a:r>
-              <a:rPr lang="zh-TW" altLang="en-US" sz="2800" dirty="0" smtClean="0">
-                <a:latin typeface="+mj-ea"/>
-                <a:ea typeface="+mj-ea"/>
-              </a:rPr>
+              <a:rPr lang="zh-TW" altLang="en-US" sz="2000" dirty="0" smtClean="0"/>
               <a:t>由</a:t>
             </a:r>
             <a:r>
-              <a:rPr lang="en-US" altLang="zh-TW" sz="2800" dirty="0" smtClean="0">
-                <a:latin typeface="+mj-ea"/>
-                <a:ea typeface="+mj-ea"/>
-              </a:rPr>
+              <a:rPr lang="en-US" altLang="zh-TW" sz="2000" dirty="0" smtClean="0"/>
               <a:t>Netscape </a:t>
             </a:r>
             <a:r>
-              <a:rPr lang="en-US" altLang="zh-TW" sz="2800" dirty="0">
-                <a:latin typeface="+mj-ea"/>
-                <a:ea typeface="+mj-ea"/>
-              </a:rPr>
+              <a:rPr lang="en-US" altLang="zh-TW" sz="2000" dirty="0"/>
               <a:t>(</a:t>
             </a:r>
             <a:r>
-              <a:rPr lang="zh-TW" altLang="en-US" sz="2800" dirty="0">
-                <a:latin typeface="+mj-ea"/>
-                <a:ea typeface="+mj-ea"/>
-              </a:rPr>
+              <a:rPr lang="zh-TW" altLang="en-US" sz="2000" dirty="0"/>
               <a:t>網景公司，</a:t>
             </a:r>
             <a:r>
-              <a:rPr lang="zh-TW" altLang="en-US" sz="2800" dirty="0" smtClean="0">
-                <a:latin typeface="+mj-ea"/>
-                <a:ea typeface="+mj-ea"/>
-              </a:rPr>
+              <a:rPr lang="zh-TW" altLang="en-US" sz="2000" dirty="0" smtClean="0"/>
               <a:t>當時瀏覽器廠商之一</a:t>
             </a:r>
             <a:r>
-              <a:rPr lang="en-US" altLang="zh-TW" sz="2800" dirty="0" smtClean="0">
-                <a:latin typeface="+mj-ea"/>
-                <a:ea typeface="+mj-ea"/>
-              </a:rPr>
+              <a:rPr lang="en-US" altLang="zh-TW" sz="2000" dirty="0" smtClean="0"/>
               <a:t>) </a:t>
             </a:r>
             <a:r>
-              <a:rPr lang="zh-TW" altLang="en-US" sz="2800" dirty="0" smtClean="0">
-                <a:latin typeface="+mj-ea"/>
-                <a:ea typeface="+mj-ea"/>
-              </a:rPr>
+              <a:rPr lang="zh-TW" altLang="en-US" sz="2000" dirty="0" smtClean="0"/>
               <a:t>開發</a:t>
             </a:r>
-            <a:endParaRPr lang="en-US" altLang="zh-TW" sz="2800" dirty="0" smtClean="0">
-              <a:latin typeface="+mj-ea"/>
-              <a:ea typeface="+mj-ea"/>
-            </a:endParaRPr>
-          </a:p>
-          <a:p>
-            <a:r>
-              <a:rPr lang="zh-TW" altLang="en-US" sz="2800" dirty="0" smtClean="0">
-                <a:latin typeface="+mj-ea"/>
-                <a:ea typeface="+mj-ea"/>
-              </a:rPr>
+            <a:endParaRPr lang="en-US" altLang="zh-TW" sz="2000" dirty="0" smtClean="0"/>
+          </a:p>
+          <a:p>
+            <a:r>
+              <a:rPr lang="zh-TW" altLang="en-US" sz="2000" dirty="0" smtClean="0"/>
               <a:t>為了行銷，故意參考</a:t>
             </a:r>
             <a:r>
-              <a:rPr lang="en-US" altLang="zh-TW" sz="2800" dirty="0" smtClean="0">
-                <a:latin typeface="+mj-ea"/>
-                <a:ea typeface="+mj-ea"/>
-              </a:rPr>
+              <a:rPr lang="en-US" altLang="zh-TW" sz="2000" dirty="0" smtClean="0"/>
               <a:t>JAVA</a:t>
             </a:r>
             <a:r>
-              <a:rPr lang="zh-TW" altLang="en-US" sz="2800" dirty="0" smtClean="0">
-                <a:latin typeface="+mj-ea"/>
-                <a:ea typeface="+mj-ea"/>
-              </a:rPr>
+              <a:rPr lang="zh-TW" altLang="en-US" sz="2000" dirty="0" smtClean="0"/>
               <a:t>把名子取名</a:t>
             </a:r>
             <a:r>
-              <a:rPr lang="en-US" altLang="zh-TW" sz="2800" dirty="0" smtClean="0">
-                <a:latin typeface="+mj-ea"/>
-                <a:ea typeface="+mj-ea"/>
-              </a:rPr>
+              <a:rPr lang="en-US" altLang="zh-TW" sz="2000" dirty="0" smtClean="0"/>
               <a:t>JavaScript</a:t>
             </a:r>
             <a:r>
-              <a:rPr lang="zh-TW" altLang="en-US" sz="2800" dirty="0" smtClean="0">
-                <a:latin typeface="+mj-ea"/>
-                <a:ea typeface="+mj-ea"/>
-              </a:rPr>
+              <a:rPr lang="zh-TW" altLang="en-US" sz="2000" dirty="0" smtClean="0"/>
               <a:t>。</a:t>
             </a:r>
-            <a:endParaRPr lang="en-US" altLang="zh-TW" sz="3600" dirty="0">
-              <a:latin typeface="+mj-ea"/>
-              <a:ea typeface="+mj-ea"/>
-            </a:endParaRPr>
+            <a:endParaRPr lang="en-US" altLang="zh-TW" sz="2000" dirty="0"/>
           </a:p>
           <a:p>
             <a:endParaRPr lang="zh-TW" altLang="en-US" sz="2400" dirty="0"/>
@@ -6712,6 +8822,13 @@
   <p:clrMapOvr>
     <a:masterClrMapping/>
   </p:clrMapOvr>
+  <p:timing>
+    <p:tnLst>
+      <p:par>
+        <p:cTn id="1" dur="indefinite" restart="never" nodeType="tmRoot"/>
+      </p:par>
+    </p:tnLst>
+  </p:timing>
 </p:sld>
 </file>
 
@@ -6747,6 +8864,10 @@
           <a:bodyPr/>
           <a:lstStyle/>
           <a:p>
+            <a:r>
+              <a:rPr lang="zh-TW" altLang="en-US" dirty="0" smtClean="0"/>
+              <a:t>運算子的優先性</a:t>
+            </a:r>
             <a:endParaRPr lang="zh-TW" altLang="en-US" dirty="0"/>
           </a:p>
         </p:txBody>
@@ -6766,33 +8887,46 @@
           <a:bodyPr/>
           <a:lstStyle/>
           <a:p>
+            <a:r>
+              <a:rPr lang="zh-TW" altLang="en-US" dirty="0" smtClean="0"/>
+              <a:t>程式執行不一定</a:t>
+            </a:r>
+            <a:r>
+              <a:rPr lang="zh-TW" altLang="en-US" dirty="0"/>
+              <a:t>由左邊</a:t>
+            </a:r>
+            <a:r>
+              <a:rPr lang="zh-TW" altLang="en-US" dirty="0" smtClean="0"/>
+              <a:t>開始</a:t>
+            </a:r>
+            <a:endParaRPr lang="en-US" altLang="zh-TW" dirty="0" smtClean="0"/>
+          </a:p>
+          <a:p>
+            <a:r>
+              <a:rPr lang="zh-TW" altLang="en-US" dirty="0"/>
+              <a:t>運算子優先性高先</a:t>
+            </a:r>
+            <a:r>
+              <a:rPr lang="zh-TW" altLang="en-US" dirty="0" smtClean="0"/>
+              <a:t>執行</a:t>
+            </a:r>
+            <a:endParaRPr lang="en-US" altLang="zh-TW" dirty="0" smtClean="0"/>
+          </a:p>
+          <a:p>
+            <a:r>
+              <a:rPr lang="zh-TW" altLang="en-US" dirty="0"/>
+              <a:t>運算子優先</a:t>
+            </a:r>
+            <a:r>
+              <a:rPr lang="zh-TW" altLang="en-US" dirty="0" smtClean="0"/>
+              <a:t>性相同，由相依性決定執行方向</a:t>
+            </a:r>
+            <a:endParaRPr lang="zh-TW" altLang="en-US" dirty="0"/>
+          </a:p>
+          <a:p>
             <a:pPr marL="0" indent="0">
               <a:buNone/>
             </a:pPr>
-            <a:r>
-              <a:rPr lang="zh-TW" altLang="en-US" dirty="0"/>
-              <a:t>名</a:t>
-            </a:r>
-            <a:r>
-              <a:rPr lang="zh-TW" altLang="en-US" dirty="0" smtClean="0"/>
-              <a:t>子</a:t>
-            </a:r>
-            <a:r>
-              <a:rPr lang="en-US" altLang="zh-TW" dirty="0" smtClean="0"/>
-              <a:t>(</a:t>
-            </a:r>
-            <a:r>
-              <a:rPr lang="zh-TW" altLang="en-US" dirty="0" smtClean="0"/>
-              <a:t>屬性</a:t>
-            </a:r>
-            <a:r>
-              <a:rPr lang="en-US" altLang="zh-TW" dirty="0" smtClean="0"/>
-              <a:t>)</a:t>
-            </a:r>
-            <a:r>
-              <a:rPr lang="zh-TW" altLang="en-US" dirty="0" smtClean="0"/>
-              <a:t>與值的組合</a:t>
-            </a:r>
             <a:endParaRPr lang="zh-TW" altLang="en-US" dirty="0"/>
           </a:p>
         </p:txBody>
@@ -6800,7 +8934,7 @@
     </p:spTree>
     <p:extLst>
       <p:ext uri="{BB962C8B-B14F-4D97-AF65-F5344CB8AC3E}">
-        <p14:creationId xmlns:p14="http://schemas.microsoft.com/office/powerpoint/2010/main" val="3289938323"/>
+        <p14:creationId xmlns:p14="http://schemas.microsoft.com/office/powerpoint/2010/main" val="1738348854"/>
       </p:ext>
     </p:extLst>
   </p:cSld>
@@ -6837,19 +8971,57 @@
             <p:ph type="title"/>
           </p:nvPr>
         </p:nvSpPr>
-        <p:spPr>
-          <a:xfrm>
-            <a:off x="467544" y="2636912"/>
-            <a:ext cx="8229600" cy="1143000"/>
-          </a:xfrm>
-        </p:spPr>
-        <p:txBody>
-          <a:bodyPr/>
-          <a:lstStyle/>
-          <a:p>
-            <a:r>
-              <a:rPr lang="zh-TW" altLang="en-US" dirty="0" smtClean="0"/>
-              <a:t>流程判斷</a:t>
+        <p:spPr/>
+        <p:txBody>
+          <a:bodyPr/>
+          <a:lstStyle/>
+          <a:p>
+            <a:r>
+              <a:rPr lang="zh-TW" altLang="en-US" dirty="0" smtClean="0"/>
+              <a:t>運算子的優先性</a:t>
+            </a:r>
+            <a:endParaRPr lang="zh-TW" altLang="en-US" dirty="0"/>
+          </a:p>
+        </p:txBody>
+      </p:sp>
+      <p:sp>
+        <p:nvSpPr>
+          <p:cNvPr id="3" name="內容版面配置區 2"/>
+          <p:cNvSpPr>
+            <a:spLocks noGrp="1"/>
+          </p:cNvSpPr>
+          <p:nvPr>
+            <p:ph idx="1"/>
+          </p:nvPr>
+        </p:nvSpPr>
+        <p:spPr/>
+        <p:txBody>
+          <a:bodyPr/>
+          <a:lstStyle/>
+          <a:p>
+            <a:r>
+              <a:rPr lang="en-US" altLang="zh-TW" dirty="0" err="1"/>
+              <a:t>var</a:t>
+            </a:r>
+            <a:r>
+              <a:rPr lang="en-US" altLang="zh-TW" dirty="0"/>
+              <a:t> apple = '</a:t>
+            </a:r>
+            <a:r>
+              <a:rPr lang="zh-TW" altLang="en-US" dirty="0" smtClean="0"/>
+              <a:t>我</a:t>
+            </a:r>
+            <a:r>
+              <a:rPr lang="zh-TW" altLang="en-US" dirty="0"/>
+              <a:t>要</a:t>
+            </a:r>
+            <a:r>
+              <a:rPr lang="zh-TW" altLang="en-US" dirty="0" smtClean="0"/>
+              <a:t>吃蘋果</a:t>
+            </a:r>
+            <a:r>
+              <a:rPr lang="en-US" altLang="zh-TW" dirty="0" smtClean="0"/>
+              <a:t>' ; </a:t>
             </a:r>
             <a:endParaRPr lang="zh-TW" altLang="en-US" dirty="0"/>
           </a:p>
@@ -6858,7 +9030,7 @@
     </p:spTree>
     <p:extLst>
       <p:ext uri="{BB962C8B-B14F-4D97-AF65-F5344CB8AC3E}">
-        <p14:creationId xmlns:p14="http://schemas.microsoft.com/office/powerpoint/2010/main" val="1328426025"/>
+        <p14:creationId xmlns:p14="http://schemas.microsoft.com/office/powerpoint/2010/main" val="1554742435"/>
       </p:ext>
     </p:extLst>
   </p:cSld>
@@ -6902,60 +9074,46 @@
           <a:p>
             <a:r>
               <a:rPr lang="zh-TW" altLang="en-US" dirty="0" smtClean="0"/>
-              <a:t>如果成立就</a:t>
+              <a:t>運算子的優先性</a:t>
+            </a:r>
+            <a:endParaRPr lang="zh-TW" altLang="en-US" dirty="0"/>
+          </a:p>
+        </p:txBody>
+      </p:sp>
+      <p:sp>
+        <p:nvSpPr>
+          <p:cNvPr id="3" name="內容版面配置區 2"/>
+          <p:cNvSpPr>
+            <a:spLocks noGrp="1"/>
+          </p:cNvSpPr>
+          <p:nvPr>
+            <p:ph idx="1"/>
+          </p:nvPr>
+        </p:nvSpPr>
+        <p:spPr/>
+        <p:txBody>
+          <a:bodyPr/>
+          <a:lstStyle/>
+          <a:p>
+            <a:r>
+              <a:rPr lang="en-US" altLang="zh-TW" dirty="0" err="1"/>
+              <a:t>var</a:t>
+            </a:r>
+            <a:r>
+              <a:rPr lang="en-US" altLang="zh-TW" dirty="0"/>
+              <a:t> </a:t>
             </a:r>
             <a:r>
               <a:rPr lang="en-US" altLang="zh-TW" dirty="0" smtClean="0"/>
-              <a:t>…</a:t>
-            </a:r>
-            <a:endParaRPr lang="zh-TW" altLang="en-US" dirty="0"/>
-          </a:p>
-        </p:txBody>
-      </p:sp>
-      <p:sp>
-        <p:nvSpPr>
-          <p:cNvPr id="3" name="內容版面配置區 2"/>
-          <p:cNvSpPr>
-            <a:spLocks noGrp="1"/>
-          </p:cNvSpPr>
-          <p:nvPr>
-            <p:ph idx="1"/>
-          </p:nvPr>
-        </p:nvSpPr>
-        <p:spPr/>
-        <p:txBody>
-          <a:bodyPr/>
-          <a:lstStyle/>
-          <a:p>
-            <a:pPr marL="0" indent="0">
-              <a:buNone/>
-            </a:pPr>
+              <a:t>years </a:t>
+            </a:r>
+            <a:r>
+              <a:rPr lang="en-US" altLang="zh-TW" dirty="0"/>
+              <a:t>= </a:t>
+            </a:r>
             <a:r>
               <a:rPr lang="en-US" altLang="zh-TW" dirty="0" smtClean="0"/>
-              <a:t>If(true){</a:t>
-            </a:r>
-          </a:p>
-          <a:p>
-            <a:pPr marL="0" indent="0">
-              <a:buNone/>
-            </a:pPr>
-            <a:r>
-              <a:rPr lang="en-US" altLang="zh-TW" dirty="0" smtClean="0"/>
-              <a:t>	//</a:t>
-            </a:r>
-            <a:r>
-              <a:rPr lang="zh-TW" altLang="en-US" dirty="0" smtClean="0"/>
-              <a:t>執行內容</a:t>
-            </a:r>
-            <a:endParaRPr lang="en-US" altLang="zh-TW" dirty="0"/>
-          </a:p>
-          <a:p>
-            <a:pPr marL="0" indent="0">
-              <a:buNone/>
-            </a:pPr>
-            <a:r>
-              <a:rPr lang="en-US" altLang="zh-TW" dirty="0" smtClean="0"/>
-              <a:t>}</a:t>
+              <a:t>1900 + 2105; </a:t>
             </a:r>
             <a:endParaRPr lang="zh-TW" altLang="en-US" dirty="0"/>
           </a:p>
@@ -6964,7 +9122,7 @@
     </p:spTree>
     <p:extLst>
       <p:ext uri="{BB962C8B-B14F-4D97-AF65-F5344CB8AC3E}">
-        <p14:creationId xmlns:p14="http://schemas.microsoft.com/office/powerpoint/2010/main" val="716601050"/>
+        <p14:creationId xmlns:p14="http://schemas.microsoft.com/office/powerpoint/2010/main" val="1911474921"/>
       </p:ext>
     </p:extLst>
   </p:cSld>
@@ -7008,19 +9166,7 @@
           <a:p>
             <a:r>
               <a:rPr lang="zh-TW" altLang="en-US" dirty="0" smtClean="0"/>
-              <a:t>如果成立就</a:t>
-            </a:r>
-            <a:r>
-              <a:rPr lang="en-US" altLang="zh-TW" dirty="0" smtClean="0"/>
-              <a:t>…</a:t>
-            </a:r>
-            <a:r>
-              <a:rPr lang="zh-TW" altLang="en-US" dirty="0" smtClean="0"/>
-              <a:t>否則就</a:t>
-            </a:r>
-            <a:r>
-              <a:rPr lang="en-US" altLang="zh-TW" dirty="0" smtClean="0"/>
-              <a:t>..</a:t>
+              <a:t>運算子練習</a:t>
             </a:r>
             <a:endParaRPr lang="zh-TW" altLang="en-US" dirty="0"/>
           </a:p>
@@ -7041,71 +9187,13 @@
           <a:bodyPr/>
           <a:lstStyle/>
           <a:p>
-            <a:pPr marL="0" indent="0">
-              <a:buNone/>
-            </a:pPr>
-            <a:r>
-              <a:rPr lang="en-US" altLang="zh-TW" dirty="0" smtClean="0"/>
-              <a:t>If(true){</a:t>
-            </a:r>
-          </a:p>
-          <a:p>
-            <a:pPr marL="0" indent="0">
-              <a:buNone/>
-            </a:pPr>
-            <a:r>
-              <a:rPr lang="en-US" altLang="zh-TW" dirty="0" smtClean="0"/>
-              <a:t>	//</a:t>
-            </a:r>
-            <a:r>
-              <a:rPr lang="zh-TW" altLang="en-US" dirty="0" smtClean="0"/>
-              <a:t>執行內容</a:t>
-            </a:r>
-            <a:endParaRPr lang="en-US" altLang="zh-TW" dirty="0"/>
-          </a:p>
-          <a:p>
-            <a:pPr marL="0" indent="0">
-              <a:buNone/>
-            </a:pPr>
-            <a:r>
-              <a:rPr lang="en-US" altLang="zh-TW" dirty="0" smtClean="0"/>
-              <a:t>}</a:t>
-            </a:r>
-            <a:r>
-              <a:rPr lang="zh-TW" altLang="en-US" dirty="0" smtClean="0"/>
-              <a:t> </a:t>
-            </a:r>
-            <a:r>
-              <a:rPr lang="en-US" altLang="zh-TW" dirty="0" smtClean="0"/>
-              <a:t>else {</a:t>
-            </a:r>
-          </a:p>
-          <a:p>
-            <a:pPr marL="0" indent="0">
-              <a:buNone/>
-            </a:pPr>
-            <a:r>
-              <a:rPr lang="en-US" altLang="zh-TW" dirty="0"/>
-              <a:t>	//</a:t>
-            </a:r>
-            <a:r>
-              <a:rPr lang="zh-TW" altLang="en-US" dirty="0"/>
-              <a:t>執行</a:t>
-            </a:r>
-            <a:r>
-              <a:rPr lang="zh-TW" altLang="en-US" dirty="0" smtClean="0"/>
-              <a:t>內容</a:t>
-            </a:r>
-            <a:endParaRPr lang="en-US" altLang="zh-TW" dirty="0"/>
-          </a:p>
-          <a:p>
-            <a:pPr marL="0" indent="0">
-              <a:buNone/>
-            </a:pPr>
-            <a:r>
-              <a:rPr lang="en-US" altLang="zh-TW" dirty="0" smtClean="0"/>
-              <a:t>}</a:t>
-            </a:r>
+            <a:r>
+              <a:rPr lang="zh-TW" altLang="en-US" dirty="0" smtClean="0"/>
+              <a:t>搭配變數</a:t>
+            </a:r>
+            <a:endParaRPr lang="en-US" altLang="zh-TW" dirty="0" smtClean="0"/>
+          </a:p>
+          <a:p>
             <a:endParaRPr lang="zh-TW" altLang="en-US" dirty="0"/>
           </a:p>
         </p:txBody>
@@ -7113,7 +9201,7 @@
     </p:spTree>
     <p:extLst>
       <p:ext uri="{BB962C8B-B14F-4D97-AF65-F5344CB8AC3E}">
-        <p14:creationId xmlns:p14="http://schemas.microsoft.com/office/powerpoint/2010/main" val="974061809"/>
+        <p14:creationId xmlns:p14="http://schemas.microsoft.com/office/powerpoint/2010/main" val="1198179612"/>
       </p:ext>
     </p:extLst>
   </p:cSld>
@@ -7150,156 +9238,27 @@
             <p:ph type="title"/>
           </p:nvPr>
         </p:nvSpPr>
-        <p:spPr/>
-        <p:txBody>
-          <a:bodyPr/>
-          <a:lstStyle/>
-          <a:p>
-            <a:r>
-              <a:rPr lang="zh-TW" altLang="en-US" dirty="0" smtClean="0"/>
-              <a:t>如果成立就</a:t>
-            </a:r>
-            <a:r>
-              <a:rPr lang="en-US" altLang="zh-TW" dirty="0" smtClean="0"/>
-              <a:t>…</a:t>
-            </a:r>
-            <a:r>
-              <a:rPr lang="zh-TW" altLang="en-US" dirty="0" smtClean="0"/>
-              <a:t>否則如果</a:t>
-            </a:r>
-            <a:r>
-              <a:rPr lang="en-US" altLang="zh-TW" dirty="0" smtClean="0"/>
-              <a:t>..</a:t>
-            </a:r>
+        <p:spPr>
+          <a:xfrm>
+            <a:off x="467544" y="1977684"/>
+            <a:ext cx="8229600" cy="857250"/>
+          </a:xfrm>
+        </p:spPr>
+        <p:txBody>
+          <a:bodyPr/>
+          <a:lstStyle/>
+          <a:p>
             <a:r>
               <a:rPr lang="zh-TW" altLang="en-US" dirty="0"/>
-              <a:t>否則就</a:t>
-            </a:r>
-            <a:r>
-              <a:rPr lang="en-US" altLang="zh-TW" dirty="0"/>
-              <a:t>..</a:t>
-            </a:r>
-            <a:endParaRPr lang="zh-TW" altLang="en-US" dirty="0"/>
-          </a:p>
-        </p:txBody>
-      </p:sp>
-      <p:sp>
-        <p:nvSpPr>
-          <p:cNvPr id="3" name="內容版面配置區 2"/>
-          <p:cNvSpPr>
-            <a:spLocks noGrp="1"/>
-          </p:cNvSpPr>
-          <p:nvPr>
-            <p:ph idx="1"/>
-          </p:nvPr>
-        </p:nvSpPr>
-        <p:spPr/>
-        <p:txBody>
-          <a:bodyPr>
-            <a:normAutofit/>
-          </a:bodyPr>
-          <a:lstStyle/>
-          <a:p>
-            <a:pPr marL="0" indent="0">
-              <a:buNone/>
-            </a:pPr>
-            <a:r>
-              <a:rPr lang="en-US" altLang="zh-TW" dirty="0" smtClean="0"/>
-              <a:t>If(true){</a:t>
-            </a:r>
-          </a:p>
-          <a:p>
-            <a:pPr marL="0" indent="0">
-              <a:buNone/>
-            </a:pPr>
-            <a:r>
-              <a:rPr lang="en-US" altLang="zh-TW" dirty="0" smtClean="0"/>
-              <a:t>	//</a:t>
-            </a:r>
-            <a:r>
-              <a:rPr lang="zh-TW" altLang="en-US" dirty="0" smtClean="0"/>
-              <a:t>執行內容</a:t>
-            </a:r>
-            <a:endParaRPr lang="en-US" altLang="zh-TW" dirty="0"/>
-          </a:p>
-          <a:p>
-            <a:pPr marL="0" indent="0">
-              <a:buNone/>
-            </a:pPr>
-            <a:r>
-              <a:rPr lang="en-US" altLang="zh-TW" dirty="0" smtClean="0"/>
-              <a:t>}</a:t>
-            </a:r>
-            <a:r>
-              <a:rPr lang="zh-TW" altLang="en-US" dirty="0" smtClean="0"/>
-              <a:t> </a:t>
-            </a:r>
-            <a:r>
-              <a:rPr lang="en-US" altLang="zh-TW" dirty="0" smtClean="0"/>
-              <a:t>else if{</a:t>
-            </a:r>
-          </a:p>
-          <a:p>
-            <a:pPr marL="0" indent="0">
-              <a:buNone/>
-            </a:pPr>
-            <a:r>
-              <a:rPr lang="en-US" altLang="zh-TW" dirty="0"/>
-              <a:t>	//</a:t>
-            </a:r>
-            <a:r>
-              <a:rPr lang="zh-TW" altLang="en-US" dirty="0"/>
-              <a:t>執行</a:t>
-            </a:r>
-            <a:r>
-              <a:rPr lang="zh-TW" altLang="en-US" dirty="0" smtClean="0"/>
-              <a:t>內容</a:t>
-            </a:r>
-            <a:endParaRPr lang="en-US" altLang="zh-TW" dirty="0"/>
-          </a:p>
-          <a:p>
-            <a:pPr marL="0" indent="0">
-              <a:buNone/>
-            </a:pPr>
-            <a:r>
-              <a:rPr lang="en-US" altLang="zh-TW" dirty="0" smtClean="0"/>
-              <a:t>} else {</a:t>
-            </a:r>
-          </a:p>
-          <a:p>
-            <a:pPr marL="0" indent="0">
-              <a:buNone/>
-            </a:pPr>
-            <a:r>
-              <a:rPr lang="en-US" altLang="zh-TW" dirty="0"/>
-              <a:t>	//</a:t>
-            </a:r>
-            <a:r>
-              <a:rPr lang="zh-TW" altLang="en-US" dirty="0"/>
-              <a:t>執行</a:t>
-            </a:r>
-            <a:r>
-              <a:rPr lang="zh-TW" altLang="en-US" dirty="0" smtClean="0"/>
-              <a:t>內容</a:t>
-            </a:r>
-            <a:endParaRPr lang="en-US" altLang="zh-TW" dirty="0"/>
-          </a:p>
-          <a:p>
-            <a:pPr marL="0" indent="0">
-              <a:buNone/>
-            </a:pPr>
-            <a:r>
-              <a:rPr lang="en-US" altLang="zh-TW" dirty="0" smtClean="0"/>
-              <a:t>}</a:t>
-            </a:r>
-            <a:endParaRPr lang="zh-TW" altLang="en-US" dirty="0"/>
+              <a:t>函式</a:t>
+            </a:r>
           </a:p>
         </p:txBody>
       </p:sp>
     </p:spTree>
     <p:extLst>
       <p:ext uri="{BB962C8B-B14F-4D97-AF65-F5344CB8AC3E}">
-        <p14:creationId xmlns:p14="http://schemas.microsoft.com/office/powerpoint/2010/main" val="2122289217"/>
+        <p14:creationId xmlns:p14="http://schemas.microsoft.com/office/powerpoint/2010/main" val="2450567693"/>
       </p:ext>
     </p:extLst>
   </p:cSld>
@@ -7338,8 +9297,8 @@
         </p:nvSpPr>
         <p:spPr>
           <a:xfrm>
-            <a:off x="467544" y="2636912"/>
-            <a:ext cx="8229600" cy="1143000"/>
+            <a:off x="467544" y="1977684"/>
+            <a:ext cx="8229600" cy="857250"/>
           </a:xfrm>
         </p:spPr>
         <p:txBody>
@@ -7347,8 +9306,8 @@
           <a:lstStyle/>
           <a:p>
             <a:r>
-              <a:rPr lang="en-US" altLang="zh-TW" dirty="0" smtClean="0"/>
-              <a:t>DOM</a:t>
+              <a:rPr lang="zh-TW" altLang="en-US" dirty="0" smtClean="0"/>
+              <a:t>陣列</a:t>
             </a:r>
             <a:endParaRPr lang="zh-TW" altLang="en-US" dirty="0"/>
           </a:p>
@@ -7357,7 +9316,7 @@
     </p:spTree>
     <p:extLst>
       <p:ext uri="{BB962C8B-B14F-4D97-AF65-F5344CB8AC3E}">
-        <p14:creationId xmlns:p14="http://schemas.microsoft.com/office/powerpoint/2010/main" val="1256130898"/>
+        <p14:creationId xmlns:p14="http://schemas.microsoft.com/office/powerpoint/2010/main" val="1541273114"/>
       </p:ext>
     </p:extLst>
   </p:cSld>
@@ -7396,54 +9355,89 @@
         </p:nvSpPr>
         <p:spPr/>
         <p:txBody>
-          <a:bodyPr>
-            <a:normAutofit/>
-          </a:bodyPr>
-          <a:lstStyle/>
-          <a:p>
-            <a:r>
-              <a:rPr lang="zh-TW" altLang="en-US" dirty="0" smtClean="0"/>
-              <a:t>何謂</a:t>
+          <a:bodyPr/>
+          <a:lstStyle/>
+          <a:p>
+            <a:endParaRPr lang="zh-TW" altLang="en-US"/>
+          </a:p>
+        </p:txBody>
+      </p:sp>
+      <p:sp>
+        <p:nvSpPr>
+          <p:cNvPr id="3" name="內容版面配置區 2"/>
+          <p:cNvSpPr>
+            <a:spLocks noGrp="1"/>
+          </p:cNvSpPr>
+          <p:nvPr>
+            <p:ph idx="1"/>
+          </p:nvPr>
+        </p:nvSpPr>
+        <p:spPr/>
+        <p:txBody>
+          <a:bodyPr/>
+          <a:lstStyle/>
+          <a:p>
+            <a:r>
+              <a:rPr lang="zh-TW" altLang="en-US" dirty="0" smtClean="0"/>
+              <a:t>櫃子</a:t>
+            </a:r>
+            <a:endParaRPr lang="en-US" altLang="zh-TW" dirty="0" smtClean="0"/>
+          </a:p>
+          <a:p>
+            <a:r>
+              <a:rPr lang="zh-TW" altLang="en-US" dirty="0"/>
+              <a:t>需</a:t>
+            </a:r>
+            <a:r>
+              <a:rPr lang="zh-TW" altLang="en-US" dirty="0" smtClean="0"/>
+              <a:t>用</a:t>
+            </a:r>
+            <a:r>
+              <a:rPr lang="zh-TW" altLang="en-US" dirty="0"/>
+              <a:t>「</a:t>
             </a:r>
             <a:r>
               <a:rPr lang="en-US" altLang="zh-TW" dirty="0" smtClean="0"/>
-              <a:t>DOM</a:t>
-            </a:r>
-            <a:r>
-              <a:rPr lang="zh-TW" altLang="en-US" dirty="0" smtClean="0"/>
-              <a:t>物件</a:t>
+              <a:t>,</a:t>
+            </a:r>
+            <a:r>
+              <a:rPr lang="zh-TW" altLang="en-US" dirty="0" smtClean="0"/>
+              <a:t>」符號分隔內容</a:t>
+            </a:r>
+            <a:endParaRPr lang="en-US" altLang="zh-TW" dirty="0" smtClean="0"/>
+          </a:p>
+          <a:p>
+            <a:r>
+              <a:rPr lang="zh-TW" altLang="en-US" dirty="0" smtClean="0"/>
+              <a:t>雜湊陣列</a:t>
             </a:r>
             <a:r>
               <a:rPr lang="en-US" altLang="zh-TW" dirty="0" smtClean="0"/>
-              <a:t>?</a:t>
-            </a:r>
+              <a:t>-</a:t>
+            </a:r>
+            <a:r>
+              <a:rPr lang="zh-TW" altLang="en-US" dirty="0" smtClean="0"/>
+              <a:t>每</a:t>
+            </a:r>
+            <a:r>
+              <a:rPr lang="zh-TW" altLang="en-US" dirty="0"/>
+              <a:t>層都可以</a:t>
+            </a:r>
+            <a:r>
+              <a:rPr lang="zh-TW" altLang="en-US" dirty="0" smtClean="0"/>
+              <a:t>存放不同的資料</a:t>
+            </a:r>
+            <a:endParaRPr lang="en-US" altLang="zh-TW" dirty="0" smtClean="0"/>
+          </a:p>
+          <a:p>
             <a:endParaRPr lang="zh-TW" altLang="en-US" dirty="0"/>
-          </a:p>
-        </p:txBody>
-      </p:sp>
-      <p:sp>
-        <p:nvSpPr>
-          <p:cNvPr id="3" name="內容版面配置區 2"/>
-          <p:cNvSpPr>
-            <a:spLocks noGrp="1"/>
-          </p:cNvSpPr>
-          <p:nvPr>
-            <p:ph idx="1"/>
-          </p:nvPr>
-        </p:nvSpPr>
-        <p:spPr/>
-        <p:txBody>
-          <a:bodyPr/>
-          <a:lstStyle/>
-          <a:p>
-            <a:endParaRPr lang="zh-TW" altLang="en-US"/>
           </a:p>
         </p:txBody>
       </p:sp>
     </p:spTree>
     <p:extLst>
       <p:ext uri="{BB962C8B-B14F-4D97-AF65-F5344CB8AC3E}">
-        <p14:creationId xmlns:p14="http://schemas.microsoft.com/office/powerpoint/2010/main" val="3925751582"/>
+        <p14:creationId xmlns:p14="http://schemas.microsoft.com/office/powerpoint/2010/main" val="3547532124"/>
       </p:ext>
     </p:extLst>
   </p:cSld>
@@ -7482,46 +9476,69 @@
         </p:nvSpPr>
         <p:spPr/>
         <p:txBody>
-          <a:bodyPr>
-            <a:normAutofit/>
-          </a:bodyPr>
-          <a:lstStyle/>
-          <a:p>
-            <a:r>
-              <a:rPr lang="zh-TW" altLang="en-US" dirty="0" smtClean="0"/>
-              <a:t>理解</a:t>
-            </a:r>
+          <a:bodyPr/>
+          <a:lstStyle/>
+          <a:p>
+            <a:r>
+              <a:rPr lang="zh-TW" altLang="en-US" dirty="0" smtClean="0"/>
+              <a:t>建立陣列</a:t>
+            </a:r>
+            <a:endParaRPr lang="zh-TW" altLang="en-US" dirty="0"/>
+          </a:p>
+        </p:txBody>
+      </p:sp>
+      <p:sp>
+        <p:nvSpPr>
+          <p:cNvPr id="3" name="內容版面配置區 2"/>
+          <p:cNvSpPr>
+            <a:spLocks noGrp="1"/>
+          </p:cNvSpPr>
+          <p:nvPr>
+            <p:ph idx="1"/>
+          </p:nvPr>
+        </p:nvSpPr>
+        <p:spPr/>
+        <p:txBody>
+          <a:bodyPr/>
+          <a:lstStyle/>
+          <a:p>
+            <a:r>
+              <a:rPr lang="zh-TW" altLang="en-US" dirty="0"/>
+              <a:t>陣列實體</a:t>
+            </a:r>
+            <a:r>
+              <a:rPr lang="zh-TW" altLang="en-US" dirty="0" smtClean="0"/>
+              <a:t>語法</a:t>
+            </a:r>
+            <a:endParaRPr lang="en-US" altLang="zh-TW" dirty="0" smtClean="0"/>
+          </a:p>
+          <a:p>
             <a:r>
               <a:rPr lang="en-US" altLang="zh-TW" dirty="0" smtClean="0"/>
-              <a:t>DOM</a:t>
-            </a:r>
-            <a:r>
-              <a:rPr lang="zh-TW" altLang="en-US" dirty="0" smtClean="0"/>
-              <a:t>樹狀圖</a:t>
+              <a:t>[</a:t>
+            </a:r>
+            <a:r>
+              <a:rPr lang="zh-TW" altLang="en-US" dirty="0" smtClean="0"/>
+              <a:t> </a:t>
             </a:r>
             <a:r>
               <a:rPr lang="en-US" altLang="zh-TW" dirty="0" smtClean="0"/>
-              <a:t>(1)</a:t>
-            </a:r>
-            <a:endParaRPr lang="zh-TW" altLang="en-US" dirty="0"/>
-          </a:p>
-        </p:txBody>
-      </p:sp>
-      <p:sp>
-        <p:nvSpPr>
-          <p:cNvPr id="3" name="內容版面配置區 2"/>
-          <p:cNvSpPr>
-            <a:spLocks noGrp="1"/>
-          </p:cNvSpPr>
-          <p:nvPr>
-            <p:ph idx="1"/>
-          </p:nvPr>
-        </p:nvSpPr>
-        <p:spPr/>
-        <p:txBody>
-          <a:bodyPr/>
-          <a:lstStyle/>
-          <a:p>
+              <a:t>]</a:t>
+            </a:r>
+          </a:p>
+          <a:p>
+            <a:r>
+              <a:rPr lang="zh-TW" altLang="en-US" dirty="0"/>
+              <a:t>取用第</a:t>
+            </a:r>
+            <a:r>
+              <a:rPr lang="zh-TW" altLang="en-US" dirty="0" smtClean="0"/>
+              <a:t>一個</a:t>
+            </a:r>
+            <a:r>
+              <a:rPr lang="en-US" altLang="zh-TW" dirty="0" smtClean="0"/>
+              <a:t>[0]</a:t>
+            </a:r>
             <a:endParaRPr lang="zh-TW" altLang="en-US" dirty="0"/>
           </a:p>
         </p:txBody>
@@ -7529,7 +9546,7 @@
     </p:spTree>
     <p:extLst>
       <p:ext uri="{BB962C8B-B14F-4D97-AF65-F5344CB8AC3E}">
-        <p14:creationId xmlns:p14="http://schemas.microsoft.com/office/powerpoint/2010/main" val="2050629101"/>
+        <p14:creationId xmlns:p14="http://schemas.microsoft.com/office/powerpoint/2010/main" val="3614213403"/>
       </p:ext>
     </p:extLst>
   </p:cSld>
@@ -7568,54 +9585,92 @@
         </p:nvSpPr>
         <p:spPr/>
         <p:txBody>
-          <a:bodyPr>
-            <a:normAutofit/>
-          </a:bodyPr>
-          <a:lstStyle/>
-          <a:p>
-            <a:r>
-              <a:rPr lang="zh-TW" altLang="en-US" dirty="0"/>
-              <a:t>理解</a:t>
-            </a:r>
-            <a:r>
-              <a:rPr lang="en-US" altLang="zh-TW" dirty="0"/>
-              <a:t>DOM</a:t>
-            </a:r>
-            <a:r>
-              <a:rPr lang="zh-TW" altLang="en-US" dirty="0"/>
-              <a:t>樹狀圖</a:t>
-            </a:r>
+          <a:bodyPr/>
+          <a:lstStyle/>
+          <a:p>
+            <a:r>
+              <a:rPr lang="zh-TW" altLang="en-US" dirty="0" smtClean="0"/>
+              <a:t>陣列練習</a:t>
+            </a:r>
+            <a:endParaRPr lang="zh-TW" altLang="en-US" dirty="0"/>
+          </a:p>
+        </p:txBody>
+      </p:sp>
+      <p:sp>
+        <p:nvSpPr>
+          <p:cNvPr id="3" name="內容版面配置區 2"/>
+          <p:cNvSpPr>
+            <a:spLocks noGrp="1"/>
+          </p:cNvSpPr>
+          <p:nvPr>
+            <p:ph idx="1"/>
+          </p:nvPr>
+        </p:nvSpPr>
+        <p:spPr/>
+        <p:txBody>
+          <a:bodyPr/>
+          <a:lstStyle/>
+          <a:p>
+            <a:pPr marL="0" indent="0">
+              <a:buNone/>
+            </a:pPr>
             <a:r>
               <a:rPr lang="en-US" altLang="zh-TW" dirty="0" smtClean="0"/>
-              <a:t>(2)</a:t>
+              <a:t>[  2018,</a:t>
+            </a:r>
+          </a:p>
+          <a:p>
+            <a:pPr marL="0" indent="0">
+              <a:buNone/>
+            </a:pPr>
+            <a:r>
+              <a:rPr lang="en-US" altLang="zh-TW" dirty="0" smtClean="0"/>
+              <a:t>   Monospace,</a:t>
+            </a:r>
+          </a:p>
+          <a:p>
+            <a:pPr marL="0" indent="0">
+              <a:buNone/>
+            </a:pPr>
+            <a:r>
+              <a:rPr lang="en-US" altLang="zh-TW" dirty="0" smtClean="0"/>
+              <a:t>   function(){</a:t>
+            </a:r>
+          </a:p>
+          <a:p>
+            <a:pPr marL="0" indent="0">
+              <a:buNone/>
+            </a:pPr>
+            <a:r>
+              <a:rPr lang="en-US" altLang="zh-TW" dirty="0" smtClean="0"/>
+              <a:t>      console.log(free)</a:t>
+            </a:r>
+          </a:p>
+          <a:p>
+            <a:pPr marL="0" indent="0">
+              <a:buNone/>
+            </a:pPr>
+            <a:r>
+              <a:rPr lang="en-US" altLang="zh-TW" dirty="0" smtClean="0"/>
+              <a:t>   },</a:t>
+            </a:r>
+          </a:p>
+          <a:p>
+            <a:pPr marL="0" indent="0">
+              <a:buNone/>
+            </a:pPr>
+            <a:r>
+              <a:rPr lang="en-US" altLang="zh-TW" dirty="0" smtClean="0"/>
+              <a:t>]</a:t>
             </a:r>
             <a:endParaRPr lang="zh-TW" altLang="en-US" dirty="0"/>
-          </a:p>
-        </p:txBody>
-      </p:sp>
-      <p:sp>
-        <p:nvSpPr>
-          <p:cNvPr id="3" name="內容版面配置區 2"/>
-          <p:cNvSpPr>
-            <a:spLocks noGrp="1"/>
-          </p:cNvSpPr>
-          <p:nvPr>
-            <p:ph idx="1"/>
-          </p:nvPr>
-        </p:nvSpPr>
-        <p:spPr/>
-        <p:txBody>
-          <a:bodyPr/>
-          <a:lstStyle/>
-          <a:p>
-            <a:endParaRPr lang="zh-TW" altLang="en-US"/>
           </a:p>
         </p:txBody>
       </p:sp>
     </p:spTree>
     <p:extLst>
       <p:ext uri="{BB962C8B-B14F-4D97-AF65-F5344CB8AC3E}">
-        <p14:creationId xmlns:p14="http://schemas.microsoft.com/office/powerpoint/2010/main" val="2725013697"/>
+        <p14:creationId xmlns:p14="http://schemas.microsoft.com/office/powerpoint/2010/main" val="1216160496"/>
       </p:ext>
     </p:extLst>
   </p:cSld>
@@ -7652,56 +9707,28 @@
             <p:ph type="title"/>
           </p:nvPr>
         </p:nvSpPr>
-        <p:spPr/>
-        <p:txBody>
-          <a:bodyPr>
-            <a:normAutofit/>
-          </a:bodyPr>
-          <a:lstStyle/>
-          <a:p>
-            <a:r>
-              <a:rPr lang="zh-TW" altLang="en-US" dirty="0"/>
-              <a:t>理解</a:t>
-            </a:r>
-            <a:r>
-              <a:rPr lang="en-US" altLang="zh-TW" dirty="0"/>
-              <a:t>DOM</a:t>
-            </a:r>
-            <a:r>
-              <a:rPr lang="zh-TW" altLang="en-US" dirty="0"/>
-              <a:t>樹狀圖</a:t>
-            </a:r>
-            <a:r>
-              <a:rPr lang="en-US" altLang="zh-TW" dirty="0" smtClean="0"/>
-              <a:t>(3)</a:t>
+        <p:spPr>
+          <a:xfrm>
+            <a:off x="467544" y="1977684"/>
+            <a:ext cx="8229600" cy="857250"/>
+          </a:xfrm>
+        </p:spPr>
+        <p:txBody>
+          <a:bodyPr/>
+          <a:lstStyle/>
+          <a:p>
+            <a:r>
+              <a:rPr lang="zh-TW" altLang="en-US" dirty="0" smtClean="0"/>
+              <a:t>物件</a:t>
             </a:r>
             <a:endParaRPr lang="zh-TW" altLang="en-US" dirty="0"/>
-          </a:p>
-        </p:txBody>
-      </p:sp>
-      <p:sp>
-        <p:nvSpPr>
-          <p:cNvPr id="3" name="內容版面配置區 2"/>
-          <p:cNvSpPr>
-            <a:spLocks noGrp="1"/>
-          </p:cNvSpPr>
-          <p:nvPr>
-            <p:ph idx="1"/>
-          </p:nvPr>
-        </p:nvSpPr>
-        <p:spPr/>
-        <p:txBody>
-          <a:bodyPr/>
-          <a:lstStyle/>
-          <a:p>
-            <a:endParaRPr lang="zh-TW" altLang="en-US"/>
           </a:p>
         </p:txBody>
       </p:sp>
     </p:spTree>
     <p:extLst>
       <p:ext uri="{BB962C8B-B14F-4D97-AF65-F5344CB8AC3E}">
-        <p14:creationId xmlns:p14="http://schemas.microsoft.com/office/powerpoint/2010/main" val="1371125557"/>
+        <p14:creationId xmlns:p14="http://schemas.microsoft.com/office/powerpoint/2010/main" val="4013313345"/>
       </p:ext>
     </p:extLst>
   </p:cSld>
@@ -7740,18 +9767,20 @@
         </p:nvSpPr>
         <p:spPr/>
         <p:txBody>
-          <a:bodyPr/>
-          <a:lstStyle/>
-          <a:p>
-            <a:r>
-              <a:rPr lang="en-US" altLang="zh-TW" dirty="0" smtClean="0"/>
+          <a:bodyPr>
+            <a:normAutofit/>
+          </a:bodyPr>
+          <a:lstStyle/>
+          <a:p>
+            <a:r>
+              <a:rPr lang="en-US" altLang="zh-TW" sz="2800" dirty="0" smtClean="0"/>
               <a:t>JavaScript</a:t>
             </a:r>
             <a:r>
-              <a:rPr lang="zh-TW" altLang="en-US" dirty="0" smtClean="0"/>
+              <a:rPr lang="zh-TW" altLang="en-US" sz="2800" dirty="0" smtClean="0"/>
               <a:t>的前世今生</a:t>
             </a:r>
-            <a:endParaRPr lang="zh-TW" altLang="en-US" dirty="0"/>
+            <a:endParaRPr lang="zh-TW" altLang="en-US" sz="2800" dirty="0"/>
           </a:p>
         </p:txBody>
       </p:sp>
@@ -7771,82 +9800,82 @@
           <a:lstStyle/>
           <a:p>
             <a:r>
-              <a:rPr lang="zh-TW" altLang="en-US" sz="2400" dirty="0" smtClean="0"/>
+              <a:rPr lang="zh-TW" altLang="en-US" sz="2000" dirty="0" smtClean="0"/>
               <a:t>目前瀏覽器唯一內建</a:t>
             </a:r>
             <a:r>
-              <a:rPr lang="zh-TW" altLang="en-US" sz="2400" dirty="0"/>
+              <a:rPr lang="zh-TW" altLang="en-US" sz="2000" dirty="0"/>
               <a:t>程式</a:t>
             </a:r>
             <a:r>
-              <a:rPr lang="zh-TW" altLang="en-US" sz="2400" dirty="0" smtClean="0"/>
+              <a:rPr lang="zh-TW" altLang="en-US" sz="2000" dirty="0" smtClean="0"/>
               <a:t>語言</a:t>
             </a:r>
-            <a:endParaRPr lang="en-US" altLang="zh-TW" sz="2400" dirty="0" smtClean="0"/>
-          </a:p>
-          <a:p>
-            <a:r>
-              <a:rPr lang="zh-TW" altLang="en-US" sz="2400" dirty="0" smtClean="0"/>
+            <a:endParaRPr lang="en-US" altLang="zh-TW" sz="2000" dirty="0" smtClean="0"/>
+          </a:p>
+          <a:p>
+            <a:r>
+              <a:rPr lang="zh-TW" altLang="en-US" sz="2000" dirty="0" smtClean="0"/>
               <a:t>由</a:t>
             </a:r>
             <a:r>
-              <a:rPr lang="en-US" altLang="zh-TW" sz="2400" dirty="0" smtClean="0"/>
+              <a:rPr lang="en-US" altLang="zh-TW" sz="2000" dirty="0" smtClean="0"/>
               <a:t>EMCA</a:t>
             </a:r>
             <a:r>
-              <a:rPr lang="zh-TW" altLang="en-US" sz="2400" dirty="0" smtClean="0"/>
+              <a:rPr lang="zh-TW" altLang="en-US" sz="2000" dirty="0" smtClean="0"/>
               <a:t>組織統一版本規格，故</a:t>
             </a:r>
             <a:r>
-              <a:rPr lang="en-US" altLang="zh-TW" sz="2400" dirty="0" smtClean="0"/>
+              <a:rPr lang="en-US" altLang="zh-TW" sz="2000" dirty="0" smtClean="0"/>
               <a:t>JavaScript</a:t>
             </a:r>
             <a:r>
-              <a:rPr lang="zh-TW" altLang="en-US" sz="2400" dirty="0" smtClean="0"/>
+              <a:rPr lang="zh-TW" altLang="en-US" sz="2000" dirty="0" smtClean="0"/>
               <a:t>又稱為</a:t>
             </a:r>
             <a:r>
-              <a:rPr lang="en-US" altLang="zh-TW" sz="2400" dirty="0" err="1" smtClean="0"/>
+              <a:rPr lang="en-US" altLang="zh-TW" sz="2000" dirty="0" err="1" smtClean="0"/>
               <a:t>EMCAScript</a:t>
             </a:r>
-            <a:endParaRPr lang="en-US" altLang="zh-TW" sz="2400" dirty="0" smtClean="0"/>
-          </a:p>
-          <a:p>
-            <a:r>
-              <a:rPr lang="en-US" altLang="zh-TW" sz="2400" dirty="0" smtClean="0"/>
+            <a:endParaRPr lang="en-US" altLang="zh-TW" sz="2000" dirty="0" smtClean="0"/>
+          </a:p>
+          <a:p>
+            <a:r>
+              <a:rPr lang="en-US" altLang="zh-TW" sz="2000" dirty="0" smtClean="0"/>
               <a:t>2009</a:t>
             </a:r>
             <a:r>
-              <a:rPr lang="zh-TW" altLang="en-US" sz="2400" dirty="0" smtClean="0"/>
+              <a:rPr lang="zh-TW" altLang="en-US" sz="2000" dirty="0" smtClean="0"/>
               <a:t>發布</a:t>
             </a:r>
             <a:r>
-              <a:rPr lang="en-US" altLang="zh-TW" sz="2400" dirty="0"/>
+              <a:rPr lang="en-US" altLang="zh-TW" sz="2000" dirty="0"/>
               <a:t> ECMAScript </a:t>
             </a:r>
             <a:r>
-              <a:rPr lang="en-US" altLang="zh-TW" sz="2400" dirty="0" smtClean="0"/>
+              <a:rPr lang="en-US" altLang="zh-TW" sz="2000" dirty="0" smtClean="0"/>
               <a:t>5</a:t>
             </a:r>
           </a:p>
           <a:p>
             <a:r>
-              <a:rPr lang="en-US" altLang="zh-TW" sz="2400" dirty="0"/>
+              <a:rPr lang="en-US" altLang="zh-TW" sz="2000" dirty="0"/>
               <a:t>2015</a:t>
             </a:r>
             <a:r>
-              <a:rPr lang="zh-TW" altLang="en-US" sz="2400" dirty="0"/>
+              <a:rPr lang="zh-TW" altLang="en-US" sz="2000" dirty="0"/>
               <a:t>發布</a:t>
             </a:r>
             <a:r>
-              <a:rPr lang="en-US" altLang="zh-TW" sz="2400" dirty="0"/>
+              <a:rPr lang="en-US" altLang="zh-TW" sz="2000" dirty="0"/>
               <a:t> ECMAScript </a:t>
             </a:r>
             <a:r>
-              <a:rPr lang="en-US" altLang="zh-TW" sz="2400" dirty="0" smtClean="0"/>
+              <a:rPr lang="en-US" altLang="zh-TW" sz="2000" dirty="0" smtClean="0"/>
               <a:t>6</a:t>
             </a:r>
-            <a:endParaRPr lang="zh-TW" altLang="en-US" sz="2400" dirty="0"/>
+            <a:endParaRPr lang="zh-TW" altLang="en-US" sz="2000" dirty="0"/>
           </a:p>
           <a:p>
             <a:endParaRPr lang="en-US" altLang="zh-TW" sz="2400" dirty="0" smtClean="0"/>
@@ -7863,6 +9892,13 @@
   <p:clrMapOvr>
     <a:masterClrMapping/>
   </p:clrMapOvr>
+  <p:timing>
+    <p:tnLst>
+      <p:par>
+        <p:cTn id="1" dur="indefinite" restart="never" nodeType="tmRoot"/>
+      </p:par>
+    </p:tnLst>
+  </p:timing>
 </p:sld>
 </file>
 
@@ -7898,45 +9934,60 @@
           <a:bodyPr/>
           <a:lstStyle/>
           <a:p>
-            <a:r>
-              <a:rPr lang="zh-TW" altLang="en-US" dirty="0" smtClean="0"/>
-              <a:t>依照</a:t>
+            <a:endParaRPr lang="zh-TW" altLang="en-US" dirty="0"/>
+          </a:p>
+        </p:txBody>
+      </p:sp>
+      <p:sp>
+        <p:nvSpPr>
+          <p:cNvPr id="3" name="內容版面配置區 2"/>
+          <p:cNvSpPr>
+            <a:spLocks noGrp="1"/>
+          </p:cNvSpPr>
+          <p:nvPr>
+            <p:ph idx="1"/>
+          </p:nvPr>
+        </p:nvSpPr>
+        <p:spPr/>
+        <p:txBody>
+          <a:bodyPr/>
+          <a:lstStyle/>
+          <a:p>
+            <a:pPr marL="0" indent="0">
+              <a:buNone/>
+            </a:pPr>
+            <a:r>
+              <a:rPr lang="zh-TW" altLang="en-US" dirty="0"/>
+              <a:t>名</a:t>
+            </a:r>
+            <a:r>
+              <a:rPr lang="zh-TW" altLang="en-US" dirty="0" smtClean="0"/>
+              <a:t>子</a:t>
             </a:r>
             <a:r>
               <a:rPr lang="en-US" altLang="zh-TW" dirty="0" smtClean="0"/>
-              <a:t>ID</a:t>
-            </a:r>
-            <a:r>
-              <a:rPr lang="zh-TW" altLang="en-US" dirty="0" smtClean="0"/>
-              <a:t>去獲取節點</a:t>
+              <a:t>(</a:t>
+            </a:r>
+            <a:r>
+              <a:rPr lang="zh-TW" altLang="en-US" dirty="0" smtClean="0"/>
+              <a:t>屬性</a:t>
+            </a:r>
+            <a:r>
+              <a:rPr lang="en-US" altLang="zh-TW" dirty="0" smtClean="0"/>
+              <a:t>)</a:t>
+            </a:r>
+            <a:r>
+              <a:rPr lang="zh-TW" altLang="en-US" dirty="0" smtClean="0"/>
+              <a:t>與值的組合</a:t>
             </a:r>
             <a:endParaRPr lang="zh-TW" altLang="en-US" dirty="0"/>
-          </a:p>
-        </p:txBody>
-      </p:sp>
-      <p:sp>
-        <p:nvSpPr>
-          <p:cNvPr id="3" name="內容版面配置區 2"/>
-          <p:cNvSpPr>
-            <a:spLocks noGrp="1"/>
-          </p:cNvSpPr>
-          <p:nvPr>
-            <p:ph idx="1"/>
-          </p:nvPr>
-        </p:nvSpPr>
-        <p:spPr/>
-        <p:txBody>
-          <a:bodyPr/>
-          <a:lstStyle/>
-          <a:p>
-            <a:endParaRPr lang="zh-TW" altLang="en-US"/>
           </a:p>
         </p:txBody>
       </p:sp>
     </p:spTree>
     <p:extLst>
       <p:ext uri="{BB962C8B-B14F-4D97-AF65-F5344CB8AC3E}">
-        <p14:creationId xmlns:p14="http://schemas.microsoft.com/office/powerpoint/2010/main" val="3245480378"/>
+        <p14:creationId xmlns:p14="http://schemas.microsoft.com/office/powerpoint/2010/main" val="3289938323"/>
       </p:ext>
     </p:extLst>
   </p:cSld>
@@ -7973,62 +10024,28 @@
             <p:ph type="title"/>
           </p:nvPr>
         </p:nvSpPr>
-        <p:spPr/>
-        <p:txBody>
-          <a:bodyPr/>
-          <a:lstStyle/>
-          <a:p>
-            <a:r>
-              <a:rPr lang="zh-TW" altLang="en-US" dirty="0" smtClean="0"/>
-              <a:t>依照</a:t>
-            </a:r>
-            <a:r>
-              <a:rPr lang="en-US" altLang="zh-TW" dirty="0" smtClean="0"/>
-              <a:t>class</a:t>
-            </a:r>
-            <a:r>
-              <a:rPr lang="zh-TW" altLang="en-US" dirty="0" smtClean="0"/>
-              <a:t>去獲取節點</a:t>
-            </a:r>
-            <a:r>
-              <a:rPr lang="en-US" altLang="zh-TW" dirty="0" smtClean="0"/>
-              <a:t>(</a:t>
-            </a:r>
-            <a:r>
-              <a:rPr lang="zh-TW" altLang="en-US" dirty="0" smtClean="0"/>
-              <a:t>慎用</a:t>
-            </a:r>
-            <a:r>
-              <a:rPr lang="en-US" altLang="zh-TW" dirty="0" smtClean="0"/>
-              <a:t>)</a:t>
+        <p:spPr>
+          <a:xfrm>
+            <a:off x="467544" y="1977684"/>
+            <a:ext cx="8229600" cy="857250"/>
+          </a:xfrm>
+        </p:spPr>
+        <p:txBody>
+          <a:bodyPr/>
+          <a:lstStyle/>
+          <a:p>
+            <a:r>
+              <a:rPr lang="zh-TW" altLang="en-US" dirty="0" smtClean="0"/>
+              <a:t>流程判斷</a:t>
             </a:r>
             <a:endParaRPr lang="zh-TW" altLang="en-US" dirty="0"/>
-          </a:p>
-        </p:txBody>
-      </p:sp>
-      <p:sp>
-        <p:nvSpPr>
-          <p:cNvPr id="3" name="內容版面配置區 2"/>
-          <p:cNvSpPr>
-            <a:spLocks noGrp="1"/>
-          </p:cNvSpPr>
-          <p:nvPr>
-            <p:ph idx="1"/>
-          </p:nvPr>
-        </p:nvSpPr>
-        <p:spPr/>
-        <p:txBody>
-          <a:bodyPr/>
-          <a:lstStyle/>
-          <a:p>
-            <a:endParaRPr lang="zh-TW" altLang="en-US"/>
           </a:p>
         </p:txBody>
       </p:sp>
     </p:spTree>
     <p:extLst>
       <p:ext uri="{BB962C8B-B14F-4D97-AF65-F5344CB8AC3E}">
-        <p14:creationId xmlns:p14="http://schemas.microsoft.com/office/powerpoint/2010/main" val="3810243711"/>
+        <p14:creationId xmlns:p14="http://schemas.microsoft.com/office/powerpoint/2010/main" val="1328426025"/>
       </p:ext>
     </p:extLst>
   </p:cSld>
@@ -8065,19 +10082,67 @@
             <p:ph type="title"/>
           </p:nvPr>
         </p:nvSpPr>
-        <p:spPr>
-          <a:xfrm>
-            <a:off x="467544" y="2636912"/>
-            <a:ext cx="8229600" cy="1143000"/>
-          </a:xfrm>
-        </p:spPr>
-        <p:txBody>
-          <a:bodyPr/>
-          <a:lstStyle/>
-          <a:p>
-            <a:r>
-              <a:rPr lang="zh-TW" altLang="en-US" dirty="0"/>
-              <a:t>事件</a:t>
+        <p:spPr/>
+        <p:txBody>
+          <a:bodyPr/>
+          <a:lstStyle/>
+          <a:p>
+            <a:r>
+              <a:rPr lang="zh-TW" altLang="en-US" dirty="0" smtClean="0"/>
+              <a:t>如果成立就</a:t>
+            </a:r>
+            <a:r>
+              <a:rPr lang="en-US" altLang="zh-TW" dirty="0" smtClean="0"/>
+              <a:t>…</a:t>
+            </a:r>
+            <a:endParaRPr lang="zh-TW" altLang="en-US" dirty="0"/>
+          </a:p>
+        </p:txBody>
+      </p:sp>
+      <p:sp>
+        <p:nvSpPr>
+          <p:cNvPr id="3" name="內容版面配置區 2"/>
+          <p:cNvSpPr>
+            <a:spLocks noGrp="1"/>
+          </p:cNvSpPr>
+          <p:nvPr>
+            <p:ph idx="1"/>
+          </p:nvPr>
+        </p:nvSpPr>
+        <p:spPr/>
+        <p:txBody>
+          <a:bodyPr/>
+          <a:lstStyle/>
+          <a:p>
+            <a:pPr marL="0" indent="0">
+              <a:buNone/>
+            </a:pPr>
+            <a:r>
+              <a:rPr lang="en-US" altLang="zh-TW" dirty="0" smtClean="0"/>
+              <a:t>If(true){</a:t>
+            </a:r>
+          </a:p>
+          <a:p>
+            <a:pPr marL="0" indent="0">
+              <a:buNone/>
+            </a:pPr>
+            <a:r>
+              <a:rPr lang="en-US" altLang="zh-TW" dirty="0" smtClean="0"/>
+              <a:t>	//</a:t>
+            </a:r>
+            <a:r>
+              <a:rPr lang="zh-TW" altLang="en-US" dirty="0" smtClean="0"/>
+              <a:t>執行內容</a:t>
+            </a:r>
+            <a:endParaRPr lang="en-US" altLang="zh-TW" dirty="0"/>
+          </a:p>
+          <a:p>
+            <a:pPr marL="0" indent="0">
+              <a:buNone/>
+            </a:pPr>
+            <a:r>
+              <a:rPr lang="en-US" altLang="zh-TW" dirty="0" smtClean="0"/>
+              <a:t>}</a:t>
             </a:r>
             <a:endParaRPr lang="zh-TW" altLang="en-US" dirty="0"/>
           </a:p>
@@ -8086,7 +10151,7 @@
     </p:spTree>
     <p:extLst>
       <p:ext uri="{BB962C8B-B14F-4D97-AF65-F5344CB8AC3E}">
-        <p14:creationId xmlns:p14="http://schemas.microsoft.com/office/powerpoint/2010/main" val="3046178695"/>
+        <p14:creationId xmlns:p14="http://schemas.microsoft.com/office/powerpoint/2010/main" val="716601050"/>
       </p:ext>
     </p:extLst>
   </p:cSld>
@@ -8130,11 +10195,19 @@
           <a:p>
             <a:r>
               <a:rPr lang="zh-TW" altLang="en-US" dirty="0" smtClean="0"/>
-              <a:t>什麼是事件</a:t>
+              <a:t>如果成立就</a:t>
             </a:r>
             <a:r>
               <a:rPr lang="en-US" altLang="zh-TW" dirty="0" smtClean="0"/>
-              <a:t>?</a:t>
+              <a:t>…</a:t>
+            </a:r>
+            <a:r>
+              <a:rPr lang="zh-TW" altLang="en-US" dirty="0" smtClean="0"/>
+              <a:t>否則就</a:t>
+            </a:r>
+            <a:r>
+              <a:rPr lang="en-US" altLang="zh-TW" dirty="0" smtClean="0"/>
+              <a:t>..</a:t>
             </a:r>
             <a:endParaRPr lang="zh-TW" altLang="en-US" dirty="0"/>
           </a:p>
@@ -8155,14 +10228,79 @@
           <a:bodyPr/>
           <a:lstStyle/>
           <a:p>
-            <a:endParaRPr lang="zh-TW" altLang="en-US"/>
+            <a:pPr marL="0" indent="0">
+              <a:buNone/>
+            </a:pPr>
+            <a:r>
+              <a:rPr lang="en-US" altLang="zh-TW" dirty="0" smtClean="0"/>
+              <a:t>If(true){</a:t>
+            </a:r>
+          </a:p>
+          <a:p>
+            <a:pPr marL="0" indent="0">
+              <a:buNone/>
+            </a:pPr>
+            <a:r>
+              <a:rPr lang="en-US" altLang="zh-TW" dirty="0" smtClean="0"/>
+              <a:t>	//</a:t>
+            </a:r>
+            <a:r>
+              <a:rPr lang="zh-TW" altLang="en-US" dirty="0" smtClean="0"/>
+              <a:t>執行內容</a:t>
+            </a:r>
+            <a:endParaRPr lang="en-US" altLang="zh-TW" dirty="0"/>
+          </a:p>
+          <a:p>
+            <a:pPr marL="0" indent="0">
+              <a:buNone/>
+            </a:pPr>
+            <a:r>
+              <a:rPr lang="en-US" altLang="zh-TW" dirty="0" smtClean="0"/>
+              <a:t>}</a:t>
+            </a:r>
+            <a:r>
+              <a:rPr lang="zh-TW" altLang="en-US" dirty="0" smtClean="0"/>
+              <a:t> </a:t>
+            </a:r>
+            <a:r>
+              <a:rPr lang="en-US" altLang="zh-TW" dirty="0" smtClean="0"/>
+              <a:t>else {</a:t>
+            </a:r>
+          </a:p>
+          <a:p>
+            <a:pPr marL="0" indent="0">
+              <a:buNone/>
+            </a:pPr>
+            <a:r>
+              <a:rPr lang="en-US" altLang="zh-TW" dirty="0"/>
+              <a:t>	//</a:t>
+            </a:r>
+            <a:r>
+              <a:rPr lang="zh-TW" altLang="en-US" dirty="0"/>
+              <a:t>執行</a:t>
+            </a:r>
+            <a:r>
+              <a:rPr lang="zh-TW" altLang="en-US" dirty="0" smtClean="0"/>
+              <a:t>內容</a:t>
+            </a:r>
+            <a:endParaRPr lang="en-US" altLang="zh-TW" dirty="0"/>
+          </a:p>
+          <a:p>
+            <a:pPr marL="0" indent="0">
+              <a:buNone/>
+            </a:pPr>
+            <a:r>
+              <a:rPr lang="en-US" altLang="zh-TW" dirty="0" smtClean="0"/>
+              <a:t>}</a:t>
+            </a:r>
+            <a:endParaRPr lang="zh-TW" altLang="en-US" dirty="0"/>
           </a:p>
         </p:txBody>
       </p:sp>
     </p:spTree>
     <p:extLst>
       <p:ext uri="{BB962C8B-B14F-4D97-AF65-F5344CB8AC3E}">
-        <p14:creationId xmlns:p14="http://schemas.microsoft.com/office/powerpoint/2010/main" val="424390506"/>
+        <p14:creationId xmlns:p14="http://schemas.microsoft.com/office/powerpoint/2010/main" val="974061809"/>
       </p:ext>
     </p:extLst>
   </p:cSld>
@@ -8206,7 +10344,27 @@
           <a:p>
             <a:r>
               <a:rPr lang="zh-TW" altLang="en-US" dirty="0" smtClean="0"/>
-              <a:t>事件監聽</a:t>
+              <a:t>如果成立就</a:t>
+            </a:r>
+            <a:r>
+              <a:rPr lang="en-US" altLang="zh-TW" dirty="0" smtClean="0"/>
+              <a:t>…</a:t>
+            </a:r>
+            <a:r>
+              <a:rPr lang="zh-TW" altLang="en-US" dirty="0" smtClean="0"/>
+              <a:t>否則如果</a:t>
+            </a:r>
+            <a:r>
+              <a:rPr lang="en-US" altLang="zh-TW" dirty="0" smtClean="0"/>
+              <a:t>..</a:t>
+            </a:r>
+            <a:r>
+              <a:rPr lang="zh-TW" altLang="en-US" dirty="0"/>
+              <a:t>否則就</a:t>
+            </a:r>
+            <a:r>
+              <a:rPr lang="en-US" altLang="zh-TW" dirty="0"/>
+              <a:t>..</a:t>
             </a:r>
             <a:endParaRPr lang="zh-TW" altLang="en-US" dirty="0"/>
           </a:p>
@@ -8224,17 +10382,111 @@
         </p:nvSpPr>
         <p:spPr/>
         <p:txBody>
-          <a:bodyPr/>
-          <a:lstStyle/>
-          <a:p>
-            <a:endParaRPr lang="zh-TW" altLang="en-US"/>
+          <a:bodyPr>
+            <a:normAutofit/>
+          </a:bodyPr>
+          <a:lstStyle/>
+          <a:p>
+            <a:pPr marL="0" indent="0">
+              <a:buNone/>
+            </a:pPr>
+            <a:r>
+              <a:rPr lang="en-US" altLang="zh-TW" dirty="0" smtClean="0"/>
+              <a:t>If(true){</a:t>
+            </a:r>
+          </a:p>
+          <a:p>
+            <a:pPr marL="0" indent="0">
+              <a:buNone/>
+            </a:pPr>
+            <a:r>
+              <a:rPr lang="en-US" altLang="zh-TW" dirty="0" smtClean="0"/>
+              <a:t>	//</a:t>
+            </a:r>
+            <a:r>
+              <a:rPr lang="zh-TW" altLang="en-US" dirty="0" smtClean="0"/>
+              <a:t>執行內容</a:t>
+            </a:r>
+            <a:endParaRPr lang="en-US" altLang="zh-TW" dirty="0"/>
+          </a:p>
+          <a:p>
+            <a:pPr marL="0" indent="0">
+              <a:buNone/>
+            </a:pPr>
+            <a:r>
+              <a:rPr lang="en-US" altLang="zh-TW" dirty="0" smtClean="0"/>
+              <a:t>}</a:t>
+            </a:r>
+            <a:r>
+              <a:rPr lang="zh-TW" altLang="en-US" dirty="0" smtClean="0"/>
+              <a:t> </a:t>
+            </a:r>
+            <a:r>
+              <a:rPr lang="en-US" altLang="zh-TW" dirty="0" smtClean="0"/>
+              <a:t>else if{</a:t>
+            </a:r>
+          </a:p>
+          <a:p>
+            <a:pPr marL="0" indent="0">
+              <a:buNone/>
+            </a:pPr>
+            <a:r>
+              <a:rPr lang="en-US" altLang="zh-TW" dirty="0"/>
+              <a:t>	//</a:t>
+            </a:r>
+            <a:r>
+              <a:rPr lang="zh-TW" altLang="en-US" dirty="0"/>
+              <a:t>執行</a:t>
+            </a:r>
+            <a:r>
+              <a:rPr lang="zh-TW" altLang="en-US" dirty="0" smtClean="0"/>
+              <a:t>內容</a:t>
+            </a:r>
+            <a:endParaRPr lang="en-US" altLang="zh-TW" dirty="0"/>
+          </a:p>
+          <a:p>
+            <a:pPr marL="0" indent="0">
+              <a:buNone/>
+            </a:pPr>
+            <a:r>
+              <a:rPr lang="en-US" altLang="zh-TW" dirty="0" smtClean="0"/>
+              <a:t>} else {</a:t>
+            </a:r>
+          </a:p>
+          <a:p>
+            <a:pPr marL="0" indent="0">
+              <a:buNone/>
+            </a:pPr>
+            <a:r>
+              <a:rPr lang="en-US" altLang="zh-TW" dirty="0"/>
+              <a:t>	//</a:t>
+            </a:r>
+            <a:r>
+              <a:rPr lang="zh-TW" altLang="en-US" dirty="0"/>
+              <a:t>執行</a:t>
+            </a:r>
+            <a:r>
+              <a:rPr lang="zh-TW" altLang="en-US" dirty="0" smtClean="0"/>
+              <a:t>內容</a:t>
+            </a:r>
+            <a:endParaRPr lang="en-US" altLang="zh-TW" dirty="0"/>
+          </a:p>
+          <a:p>
+            <a:pPr marL="0" indent="0">
+              <a:buNone/>
+            </a:pPr>
+            <a:r>
+              <a:rPr lang="en-US" altLang="zh-TW" dirty="0" smtClean="0"/>
+              <a:t>}</a:t>
+            </a:r>
+            <a:endParaRPr lang="zh-TW" altLang="en-US" dirty="0"/>
           </a:p>
         </p:txBody>
       </p:sp>
     </p:spTree>
     <p:extLst>
       <p:ext uri="{BB962C8B-B14F-4D97-AF65-F5344CB8AC3E}">
-        <p14:creationId xmlns:p14="http://schemas.microsoft.com/office/powerpoint/2010/main" val="2497087853"/>
+        <p14:creationId xmlns:p14="http://schemas.microsoft.com/office/powerpoint/2010/main" val="2122289217"/>
       </p:ext>
     </p:extLst>
   </p:cSld>
@@ -8273,8 +10525,8 @@
         </p:nvSpPr>
         <p:spPr>
           <a:xfrm>
-            <a:off x="467544" y="2636912"/>
-            <a:ext cx="8229600" cy="1143000"/>
+            <a:off x="467544" y="1977684"/>
+            <a:ext cx="8229600" cy="857250"/>
           </a:xfrm>
         </p:spPr>
         <p:txBody>
@@ -8282,16 +10534,17 @@
           <a:lstStyle/>
           <a:p>
             <a:r>
-              <a:rPr lang="zh-TW" altLang="en-US" dirty="0"/>
-              <a:t>練習時間</a:t>
-            </a:r>
+              <a:rPr lang="en-US" altLang="zh-TW" dirty="0" smtClean="0"/>
+              <a:t>DOM</a:t>
+            </a:r>
+            <a:endParaRPr lang="zh-TW" altLang="en-US" dirty="0"/>
           </a:p>
         </p:txBody>
       </p:sp>
     </p:spTree>
     <p:extLst>
       <p:ext uri="{BB962C8B-B14F-4D97-AF65-F5344CB8AC3E}">
-        <p14:creationId xmlns:p14="http://schemas.microsoft.com/office/powerpoint/2010/main" val="2912166847"/>
+        <p14:creationId xmlns:p14="http://schemas.microsoft.com/office/powerpoint/2010/main" val="1256130898"/>
       </p:ext>
     </p:extLst>
   </p:cSld>
@@ -8330,9 +10583,27 @@
         </p:nvSpPr>
         <p:spPr/>
         <p:txBody>
-          <a:bodyPr/>
-          <a:lstStyle/>
-          <a:p>
+          <a:bodyPr>
+            <a:normAutofit/>
+          </a:bodyPr>
+          <a:lstStyle/>
+          <a:p>
+            <a:r>
+              <a:rPr lang="zh-TW" altLang="en-US" dirty="0" smtClean="0"/>
+              <a:t>何謂</a:t>
+            </a:r>
+            <a:r>
+              <a:rPr lang="en-US" altLang="zh-TW" dirty="0" smtClean="0"/>
+              <a:t>DOM</a:t>
+            </a:r>
+            <a:r>
+              <a:rPr lang="zh-TW" altLang="en-US" dirty="0" smtClean="0"/>
+              <a:t>物件</a:t>
+            </a:r>
+            <a:r>
+              <a:rPr lang="en-US" altLang="zh-TW" dirty="0" smtClean="0"/>
+              <a:t>?</a:t>
+            </a:r>
             <a:endParaRPr lang="zh-TW" altLang="en-US" dirty="0"/>
           </a:p>
         </p:txBody>
@@ -8359,7 +10630,7 @@
     </p:spTree>
     <p:extLst>
       <p:ext uri="{BB962C8B-B14F-4D97-AF65-F5344CB8AC3E}">
-        <p14:creationId xmlns:p14="http://schemas.microsoft.com/office/powerpoint/2010/main" val="2163588720"/>
+        <p14:creationId xmlns:p14="http://schemas.microsoft.com/office/powerpoint/2010/main" val="3925751582"/>
       </p:ext>
     </p:extLst>
   </p:cSld>
@@ -8398,10 +10669,28 @@
         </p:nvSpPr>
         <p:spPr/>
         <p:txBody>
-          <a:bodyPr/>
-          <a:lstStyle/>
-          <a:p>
-            <a:endParaRPr lang="zh-TW" altLang="en-US"/>
+          <a:bodyPr>
+            <a:normAutofit/>
+          </a:bodyPr>
+          <a:lstStyle/>
+          <a:p>
+            <a:r>
+              <a:rPr lang="zh-TW" altLang="en-US" dirty="0" smtClean="0"/>
+              <a:t>理解</a:t>
+            </a:r>
+            <a:r>
+              <a:rPr lang="en-US" altLang="zh-TW" dirty="0" smtClean="0"/>
+              <a:t>DOM</a:t>
+            </a:r>
+            <a:r>
+              <a:rPr lang="zh-TW" altLang="en-US" dirty="0" smtClean="0"/>
+              <a:t>樹狀圖</a:t>
+            </a:r>
+            <a:r>
+              <a:rPr lang="en-US" altLang="zh-TW" dirty="0" smtClean="0"/>
+              <a:t>(1)</a:t>
+            </a:r>
+            <a:endParaRPr lang="zh-TW" altLang="en-US" dirty="0"/>
           </a:p>
         </p:txBody>
       </p:sp>
@@ -8420,14 +10709,14 @@
           <a:bodyPr/>
           <a:lstStyle/>
           <a:p>
-            <a:endParaRPr lang="zh-TW" altLang="en-US"/>
+            <a:endParaRPr lang="zh-TW" altLang="en-US" dirty="0"/>
           </a:p>
         </p:txBody>
       </p:sp>
     </p:spTree>
     <p:extLst>
       <p:ext uri="{BB962C8B-B14F-4D97-AF65-F5344CB8AC3E}">
-        <p14:creationId xmlns:p14="http://schemas.microsoft.com/office/powerpoint/2010/main" val="2163588720"/>
+        <p14:creationId xmlns:p14="http://schemas.microsoft.com/office/powerpoint/2010/main" val="2050629101"/>
       </p:ext>
     </p:extLst>
   </p:cSld>
@@ -8466,12 +10755,26 @@
         </p:nvSpPr>
         <p:spPr/>
         <p:txBody>
-          <a:bodyPr/>
-          <a:lstStyle/>
-          <a:p>
-            <a:r>
-              <a:rPr lang="zh-TW" altLang="en-US" dirty="0" smtClean="0"/>
-              <a:t>關於我</a:t>
+          <a:bodyPr>
+            <a:normAutofit/>
+          </a:bodyPr>
+          <a:lstStyle/>
+          <a:p>
+            <a:r>
+              <a:rPr lang="zh-TW" altLang="en-US" dirty="0"/>
+              <a:t>理解</a:t>
+            </a:r>
+            <a:r>
+              <a:rPr lang="en-US" altLang="zh-TW" dirty="0"/>
+              <a:t>DOM</a:t>
+            </a:r>
+            <a:r>
+              <a:rPr lang="zh-TW" altLang="en-US" dirty="0"/>
+              <a:t>樹狀圖</a:t>
+            </a:r>
+            <a:r>
+              <a:rPr lang="en-US" altLang="zh-TW" dirty="0" smtClean="0"/>
+              <a:t>(2)</a:t>
             </a:r>
             <a:endParaRPr lang="zh-TW" altLang="en-US" dirty="0"/>
           </a:p>
@@ -8492,51 +10795,14 @@
           <a:bodyPr/>
           <a:lstStyle/>
           <a:p>
-            <a:r>
-              <a:rPr lang="zh-TW" altLang="en-US" dirty="0" smtClean="0"/>
-              <a:t>前端</a:t>
-            </a:r>
-            <a:endParaRPr lang="en-US" altLang="zh-TW" dirty="0" smtClean="0"/>
-          </a:p>
-          <a:p>
-            <a:r>
-              <a:rPr lang="zh-TW" altLang="en-US" dirty="0"/>
-              <a:t>志</a:t>
-            </a:r>
-            <a:r>
-              <a:rPr lang="zh-TW" altLang="en-US" dirty="0" smtClean="0"/>
-              <a:t>工</a:t>
-            </a:r>
-            <a:endParaRPr lang="en-US" altLang="zh-TW" dirty="0" smtClean="0"/>
-          </a:p>
-          <a:p>
-            <a:r>
-              <a:rPr lang="en-US" altLang="zh-TW" dirty="0" smtClean="0"/>
-              <a:t>IT</a:t>
-            </a:r>
-            <a:r>
-              <a:rPr lang="zh-TW" altLang="en-US" dirty="0" smtClean="0"/>
-              <a:t>鐵人幫 </a:t>
-            </a:r>
-            <a:r>
-              <a:rPr lang="en-US" altLang="zh-TW" dirty="0" smtClean="0"/>
-              <a:t>JavaScript</a:t>
-            </a:r>
-            <a:r>
-              <a:rPr lang="zh-TW" altLang="en-US" dirty="0" smtClean="0"/>
-              <a:t>基礎二三事筆記</a:t>
-            </a:r>
-            <a:endParaRPr lang="en-US" altLang="zh-TW" dirty="0" smtClean="0"/>
-          </a:p>
-          <a:p>
-            <a:endParaRPr lang="en-US" altLang="zh-TW" dirty="0" smtClean="0"/>
+            <a:endParaRPr lang="zh-TW" altLang="en-US"/>
           </a:p>
         </p:txBody>
       </p:sp>
     </p:spTree>
     <p:extLst>
       <p:ext uri="{BB962C8B-B14F-4D97-AF65-F5344CB8AC3E}">
-        <p14:creationId xmlns:p14="http://schemas.microsoft.com/office/powerpoint/2010/main" val="3925751582"/>
+        <p14:creationId xmlns:p14="http://schemas.microsoft.com/office/powerpoint/2010/main" val="2725013697"/>
       </p:ext>
     </p:extLst>
   </p:cSld>
@@ -8575,12 +10841,26 @@
         </p:nvSpPr>
         <p:spPr/>
         <p:txBody>
-          <a:bodyPr/>
-          <a:lstStyle/>
-          <a:p>
-            <a:r>
-              <a:rPr lang="zh-TW" altLang="en-US" dirty="0" smtClean="0"/>
-              <a:t>參考資源</a:t>
+          <a:bodyPr>
+            <a:normAutofit/>
+          </a:bodyPr>
+          <a:lstStyle/>
+          <a:p>
+            <a:r>
+              <a:rPr lang="zh-TW" altLang="en-US" dirty="0"/>
+              <a:t>理解</a:t>
+            </a:r>
+            <a:r>
+              <a:rPr lang="en-US" altLang="zh-TW" dirty="0"/>
+              <a:t>DOM</a:t>
+            </a:r>
+            <a:r>
+              <a:rPr lang="zh-TW" altLang="en-US" dirty="0"/>
+              <a:t>樹狀圖</a:t>
+            </a:r>
+            <a:r>
+              <a:rPr lang="en-US" altLang="zh-TW" dirty="0" smtClean="0"/>
+              <a:t>(3)</a:t>
             </a:r>
             <a:endParaRPr lang="zh-TW" altLang="en-US" dirty="0"/>
           </a:p>
@@ -8608,7 +10888,7 @@
     </p:spTree>
     <p:extLst>
       <p:ext uri="{BB962C8B-B14F-4D97-AF65-F5344CB8AC3E}">
-        <p14:creationId xmlns:p14="http://schemas.microsoft.com/office/powerpoint/2010/main" val="3173908857"/>
+        <p14:creationId xmlns:p14="http://schemas.microsoft.com/office/powerpoint/2010/main" val="1371125557"/>
       </p:ext>
     </p:extLst>
   </p:cSld>
@@ -8647,14 +10927,16 @@
         </p:nvSpPr>
         <p:spPr/>
         <p:txBody>
-          <a:bodyPr/>
-          <a:lstStyle/>
-          <a:p>
-            <a:r>
-              <a:rPr lang="zh-TW" altLang="en-US" dirty="0" smtClean="0"/>
+          <a:bodyPr>
+            <a:normAutofit/>
+          </a:bodyPr>
+          <a:lstStyle/>
+          <a:p>
+            <a:r>
+              <a:rPr lang="zh-TW" altLang="en-US" sz="2800" dirty="0" smtClean="0"/>
               <a:t>宿主特性</a:t>
             </a:r>
-            <a:endParaRPr lang="zh-TW" altLang="en-US" dirty="0"/>
+            <a:endParaRPr lang="zh-TW" altLang="en-US" sz="2800" dirty="0"/>
           </a:p>
         </p:txBody>
       </p:sp>
@@ -8670,71 +10952,62 @@
         </p:nvSpPr>
         <p:spPr/>
         <p:txBody>
-          <a:bodyPr/>
-          <a:lstStyle/>
-          <a:p>
-            <a:r>
-              <a:rPr lang="en-US" altLang="zh-TW" dirty="0" smtClean="0"/>
+          <a:bodyPr>
+            <a:normAutofit/>
+          </a:bodyPr>
+          <a:lstStyle/>
+          <a:p>
+            <a:r>
+              <a:rPr lang="en-US" altLang="zh-TW" sz="2000" dirty="0" smtClean="0"/>
               <a:t>JavaScript</a:t>
             </a:r>
             <a:r>
-              <a:rPr lang="zh-TW" altLang="en-US" dirty="0"/>
+              <a:rPr lang="zh-TW" altLang="en-US" sz="2000" dirty="0"/>
               <a:t>只能</a:t>
             </a:r>
             <a:r>
-              <a:rPr lang="zh-TW" altLang="en-US" dirty="0" smtClean="0"/>
+              <a:rPr lang="zh-TW" altLang="en-US" sz="2000" dirty="0" smtClean="0"/>
               <a:t>運行在瀏覽器上</a:t>
             </a:r>
-            <a:endParaRPr lang="en-US" altLang="zh-TW" dirty="0" smtClean="0"/>
-          </a:p>
-          <a:p>
-            <a:endParaRPr lang="en-US" altLang="zh-TW" dirty="0" smtClean="0"/>
-          </a:p>
-          <a:p>
-            <a:r>
-              <a:rPr lang="zh-TW" altLang="en-US" dirty="0" smtClean="0"/>
-              <a:t>打破限制的例外</a:t>
-            </a:r>
-            <a:endParaRPr lang="en-US" altLang="zh-TW" dirty="0"/>
-          </a:p>
-          <a:p>
-            <a:r>
-              <a:rPr lang="zh-TW" altLang="en-US" dirty="0" smtClean="0"/>
-              <a:t>由</a:t>
-            </a:r>
-            <a:r>
-              <a:rPr lang="en-US" altLang="zh-TW" dirty="0" smtClean="0"/>
+            <a:endParaRPr lang="en-US" altLang="zh-TW" sz="2000" dirty="0" smtClean="0"/>
+          </a:p>
+          <a:p>
+            <a:endParaRPr lang="en-US" altLang="zh-TW" sz="2000" dirty="0" smtClean="0"/>
+          </a:p>
+          <a:p>
+            <a:r>
+              <a:rPr lang="en-US" altLang="zh-TW" sz="2000" dirty="0" smtClean="0"/>
               <a:t>google</a:t>
             </a:r>
             <a:r>
-              <a:rPr lang="zh-TW" altLang="en-US" dirty="0" smtClean="0"/>
+              <a:rPr lang="zh-TW" altLang="en-US" sz="2000" dirty="0" smtClean="0"/>
               <a:t>使用</a:t>
             </a:r>
             <a:r>
-              <a:rPr lang="en-US" altLang="zh-TW" dirty="0" smtClean="0"/>
+              <a:rPr lang="en-US" altLang="zh-TW" sz="2000" dirty="0" smtClean="0"/>
               <a:t>V8</a:t>
             </a:r>
             <a:r>
-              <a:rPr lang="zh-TW" altLang="en-US" dirty="0" smtClean="0"/>
+              <a:rPr lang="zh-TW" altLang="en-US" sz="2000" dirty="0" smtClean="0"/>
               <a:t>引擎擴充的</a:t>
             </a:r>
             <a:r>
-              <a:rPr lang="en-US" altLang="zh-TW" dirty="0" smtClean="0"/>
+              <a:rPr lang="en-US" altLang="zh-TW" sz="2000" dirty="0" smtClean="0"/>
               <a:t>JavaScript</a:t>
             </a:r>
             <a:r>
-              <a:rPr lang="zh-TW" altLang="en-US" dirty="0" smtClean="0"/>
-              <a:t>「</a:t>
-            </a:r>
-            <a:r>
-              <a:rPr lang="en-US" altLang="zh-TW" dirty="0" smtClean="0"/>
+              <a:rPr lang="zh-TW" altLang="en-US" sz="2000" dirty="0" smtClean="0"/>
+              <a:t>，打破限制的「</a:t>
+            </a:r>
+            <a:r>
+              <a:rPr lang="en-US" altLang="zh-TW" sz="2000" dirty="0" smtClean="0"/>
               <a:t>node.js</a:t>
             </a:r>
             <a:r>
-              <a:rPr lang="zh-TW" altLang="en-US" dirty="0" smtClean="0"/>
+              <a:rPr lang="zh-TW" altLang="en-US" sz="2000" dirty="0" smtClean="0"/>
               <a:t>」</a:t>
             </a:r>
-            <a:endParaRPr lang="zh-TW" altLang="en-US" dirty="0"/>
+            <a:endParaRPr lang="zh-TW" altLang="en-US" sz="2000" dirty="0"/>
           </a:p>
         </p:txBody>
       </p:sp>
@@ -8742,6 +11015,764 @@
     <p:extLst>
       <p:ext uri="{BB962C8B-B14F-4D97-AF65-F5344CB8AC3E}">
         <p14:creationId xmlns:p14="http://schemas.microsoft.com/office/powerpoint/2010/main" val="426418635"/>
+      </p:ext>
+    </p:extLst>
+  </p:cSld>
+  <p:clrMapOvr>
+    <a:masterClrMapping/>
+  </p:clrMapOvr>
+  <p:timing>
+    <p:tnLst>
+      <p:par>
+        <p:cTn id="1" dur="indefinite" restart="never" nodeType="tmRoot"/>
+      </p:par>
+    </p:tnLst>
+  </p:timing>
+</p:sld>
+</file>
+
+<file path=ppt/slides/slide60.xml><?xml version="1.0" encoding="utf-8"?>
+<p:sld xmlns:a="http://schemas.openxmlformats.org/drawingml/2006/main" xmlns:r="http://schemas.openxmlformats.org/officeDocument/2006/relationships" xmlns:p="http://schemas.openxmlformats.org/presentationml/2006/main">
+  <p:cSld>
+    <p:spTree>
+      <p:nvGrpSpPr>
+        <p:cNvPr id="1" name=""/>
+        <p:cNvGrpSpPr/>
+        <p:nvPr/>
+      </p:nvGrpSpPr>
+      <p:grpSpPr>
+        <a:xfrm>
+          <a:off x="0" y="0"/>
+          <a:ext cx="0" cy="0"/>
+          <a:chOff x="0" y="0"/>
+          <a:chExt cx="0" cy="0"/>
+        </a:xfrm>
+      </p:grpSpPr>
+      <p:sp>
+        <p:nvSpPr>
+          <p:cNvPr id="2" name="標題 1"/>
+          <p:cNvSpPr>
+            <a:spLocks noGrp="1"/>
+          </p:cNvSpPr>
+          <p:nvPr>
+            <p:ph type="title"/>
+          </p:nvPr>
+        </p:nvSpPr>
+        <p:spPr/>
+        <p:txBody>
+          <a:bodyPr/>
+          <a:lstStyle/>
+          <a:p>
+            <a:r>
+              <a:rPr lang="zh-TW" altLang="en-US" dirty="0" smtClean="0"/>
+              <a:t>依照</a:t>
+            </a:r>
+            <a:r>
+              <a:rPr lang="en-US" altLang="zh-TW" dirty="0" smtClean="0"/>
+              <a:t>ID</a:t>
+            </a:r>
+            <a:r>
+              <a:rPr lang="zh-TW" altLang="en-US" dirty="0" smtClean="0"/>
+              <a:t>去獲取節點</a:t>
+            </a:r>
+            <a:endParaRPr lang="zh-TW" altLang="en-US" dirty="0"/>
+          </a:p>
+        </p:txBody>
+      </p:sp>
+      <p:sp>
+        <p:nvSpPr>
+          <p:cNvPr id="3" name="內容版面配置區 2"/>
+          <p:cNvSpPr>
+            <a:spLocks noGrp="1"/>
+          </p:cNvSpPr>
+          <p:nvPr>
+            <p:ph idx="1"/>
+          </p:nvPr>
+        </p:nvSpPr>
+        <p:spPr/>
+        <p:txBody>
+          <a:bodyPr/>
+          <a:lstStyle/>
+          <a:p>
+            <a:endParaRPr lang="zh-TW" altLang="en-US"/>
+          </a:p>
+        </p:txBody>
+      </p:sp>
+    </p:spTree>
+    <p:extLst>
+      <p:ext uri="{BB962C8B-B14F-4D97-AF65-F5344CB8AC3E}">
+        <p14:creationId xmlns:p14="http://schemas.microsoft.com/office/powerpoint/2010/main" val="3245480378"/>
+      </p:ext>
+    </p:extLst>
+  </p:cSld>
+  <p:clrMapOvr>
+    <a:masterClrMapping/>
+  </p:clrMapOvr>
+</p:sld>
+</file>
+
+<file path=ppt/slides/slide61.xml><?xml version="1.0" encoding="utf-8"?>
+<p:sld xmlns:a="http://schemas.openxmlformats.org/drawingml/2006/main" xmlns:r="http://schemas.openxmlformats.org/officeDocument/2006/relationships" xmlns:p="http://schemas.openxmlformats.org/presentationml/2006/main">
+  <p:cSld>
+    <p:spTree>
+      <p:nvGrpSpPr>
+        <p:cNvPr id="1" name=""/>
+        <p:cNvGrpSpPr/>
+        <p:nvPr/>
+      </p:nvGrpSpPr>
+      <p:grpSpPr>
+        <a:xfrm>
+          <a:off x="0" y="0"/>
+          <a:ext cx="0" cy="0"/>
+          <a:chOff x="0" y="0"/>
+          <a:chExt cx="0" cy="0"/>
+        </a:xfrm>
+      </p:grpSpPr>
+      <p:sp>
+        <p:nvSpPr>
+          <p:cNvPr id="2" name="標題 1"/>
+          <p:cNvSpPr>
+            <a:spLocks noGrp="1"/>
+          </p:cNvSpPr>
+          <p:nvPr>
+            <p:ph type="title"/>
+          </p:nvPr>
+        </p:nvSpPr>
+        <p:spPr/>
+        <p:txBody>
+          <a:bodyPr/>
+          <a:lstStyle/>
+          <a:p>
+            <a:r>
+              <a:rPr lang="zh-TW" altLang="en-US" dirty="0" smtClean="0"/>
+              <a:t>依照</a:t>
+            </a:r>
+            <a:r>
+              <a:rPr lang="en-US" altLang="zh-TW" dirty="0" smtClean="0"/>
+              <a:t>class</a:t>
+            </a:r>
+            <a:r>
+              <a:rPr lang="zh-TW" altLang="en-US" dirty="0" smtClean="0"/>
+              <a:t>去獲取節點</a:t>
+            </a:r>
+            <a:r>
+              <a:rPr lang="en-US" altLang="zh-TW" dirty="0" smtClean="0"/>
+              <a:t>(</a:t>
+            </a:r>
+            <a:r>
+              <a:rPr lang="zh-TW" altLang="en-US" dirty="0" smtClean="0"/>
+              <a:t>慎用</a:t>
+            </a:r>
+            <a:r>
+              <a:rPr lang="en-US" altLang="zh-TW" dirty="0" smtClean="0"/>
+              <a:t>)</a:t>
+            </a:r>
+            <a:endParaRPr lang="zh-TW" altLang="en-US" dirty="0"/>
+          </a:p>
+        </p:txBody>
+      </p:sp>
+      <p:sp>
+        <p:nvSpPr>
+          <p:cNvPr id="3" name="內容版面配置區 2"/>
+          <p:cNvSpPr>
+            <a:spLocks noGrp="1"/>
+          </p:cNvSpPr>
+          <p:nvPr>
+            <p:ph idx="1"/>
+          </p:nvPr>
+        </p:nvSpPr>
+        <p:spPr/>
+        <p:txBody>
+          <a:bodyPr/>
+          <a:lstStyle/>
+          <a:p>
+            <a:endParaRPr lang="zh-TW" altLang="en-US"/>
+          </a:p>
+        </p:txBody>
+      </p:sp>
+    </p:spTree>
+    <p:extLst>
+      <p:ext uri="{BB962C8B-B14F-4D97-AF65-F5344CB8AC3E}">
+        <p14:creationId xmlns:p14="http://schemas.microsoft.com/office/powerpoint/2010/main" val="3810243711"/>
+      </p:ext>
+    </p:extLst>
+  </p:cSld>
+  <p:clrMapOvr>
+    <a:masterClrMapping/>
+  </p:clrMapOvr>
+</p:sld>
+</file>
+
+<file path=ppt/slides/slide62.xml><?xml version="1.0" encoding="utf-8"?>
+<p:sld xmlns:a="http://schemas.openxmlformats.org/drawingml/2006/main" xmlns:r="http://schemas.openxmlformats.org/officeDocument/2006/relationships" xmlns:p="http://schemas.openxmlformats.org/presentationml/2006/main">
+  <p:cSld>
+    <p:spTree>
+      <p:nvGrpSpPr>
+        <p:cNvPr id="1" name=""/>
+        <p:cNvGrpSpPr/>
+        <p:nvPr/>
+      </p:nvGrpSpPr>
+      <p:grpSpPr>
+        <a:xfrm>
+          <a:off x="0" y="0"/>
+          <a:ext cx="0" cy="0"/>
+          <a:chOff x="0" y="0"/>
+          <a:chExt cx="0" cy="0"/>
+        </a:xfrm>
+      </p:grpSpPr>
+      <p:sp>
+        <p:nvSpPr>
+          <p:cNvPr id="2" name="標題 1"/>
+          <p:cNvSpPr>
+            <a:spLocks noGrp="1"/>
+          </p:cNvSpPr>
+          <p:nvPr>
+            <p:ph type="title"/>
+          </p:nvPr>
+        </p:nvSpPr>
+        <p:spPr>
+          <a:xfrm>
+            <a:off x="467544" y="1977684"/>
+            <a:ext cx="8229600" cy="857250"/>
+          </a:xfrm>
+        </p:spPr>
+        <p:txBody>
+          <a:bodyPr/>
+          <a:lstStyle/>
+          <a:p>
+            <a:r>
+              <a:rPr lang="zh-TW" altLang="en-US" dirty="0"/>
+              <a:t>事件</a:t>
+            </a:r>
+          </a:p>
+        </p:txBody>
+      </p:sp>
+    </p:spTree>
+    <p:extLst>
+      <p:ext uri="{BB962C8B-B14F-4D97-AF65-F5344CB8AC3E}">
+        <p14:creationId xmlns:p14="http://schemas.microsoft.com/office/powerpoint/2010/main" val="3046178695"/>
+      </p:ext>
+    </p:extLst>
+  </p:cSld>
+  <p:clrMapOvr>
+    <a:masterClrMapping/>
+  </p:clrMapOvr>
+</p:sld>
+</file>
+
+<file path=ppt/slides/slide63.xml><?xml version="1.0" encoding="utf-8"?>
+<p:sld xmlns:a="http://schemas.openxmlformats.org/drawingml/2006/main" xmlns:r="http://schemas.openxmlformats.org/officeDocument/2006/relationships" xmlns:p="http://schemas.openxmlformats.org/presentationml/2006/main">
+  <p:cSld>
+    <p:spTree>
+      <p:nvGrpSpPr>
+        <p:cNvPr id="1" name=""/>
+        <p:cNvGrpSpPr/>
+        <p:nvPr/>
+      </p:nvGrpSpPr>
+      <p:grpSpPr>
+        <a:xfrm>
+          <a:off x="0" y="0"/>
+          <a:ext cx="0" cy="0"/>
+          <a:chOff x="0" y="0"/>
+          <a:chExt cx="0" cy="0"/>
+        </a:xfrm>
+      </p:grpSpPr>
+      <p:sp>
+        <p:nvSpPr>
+          <p:cNvPr id="2" name="標題 1"/>
+          <p:cNvSpPr>
+            <a:spLocks noGrp="1"/>
+          </p:cNvSpPr>
+          <p:nvPr>
+            <p:ph type="title"/>
+          </p:nvPr>
+        </p:nvSpPr>
+        <p:spPr/>
+        <p:txBody>
+          <a:bodyPr/>
+          <a:lstStyle/>
+          <a:p>
+            <a:r>
+              <a:rPr lang="zh-TW" altLang="en-US" dirty="0" smtClean="0"/>
+              <a:t>什麼是事件</a:t>
+            </a:r>
+            <a:r>
+              <a:rPr lang="en-US" altLang="zh-TW" dirty="0" smtClean="0"/>
+              <a:t>?</a:t>
+            </a:r>
+            <a:endParaRPr lang="zh-TW" altLang="en-US" dirty="0"/>
+          </a:p>
+        </p:txBody>
+      </p:sp>
+      <p:sp>
+        <p:nvSpPr>
+          <p:cNvPr id="3" name="內容版面配置區 2"/>
+          <p:cNvSpPr>
+            <a:spLocks noGrp="1"/>
+          </p:cNvSpPr>
+          <p:nvPr>
+            <p:ph idx="1"/>
+          </p:nvPr>
+        </p:nvSpPr>
+        <p:spPr/>
+        <p:txBody>
+          <a:bodyPr/>
+          <a:lstStyle/>
+          <a:p>
+            <a:endParaRPr lang="zh-TW" altLang="en-US"/>
+          </a:p>
+        </p:txBody>
+      </p:sp>
+    </p:spTree>
+    <p:extLst>
+      <p:ext uri="{BB962C8B-B14F-4D97-AF65-F5344CB8AC3E}">
+        <p14:creationId xmlns:p14="http://schemas.microsoft.com/office/powerpoint/2010/main" val="424390506"/>
+      </p:ext>
+    </p:extLst>
+  </p:cSld>
+  <p:clrMapOvr>
+    <a:masterClrMapping/>
+  </p:clrMapOvr>
+</p:sld>
+</file>
+
+<file path=ppt/slides/slide64.xml><?xml version="1.0" encoding="utf-8"?>
+<p:sld xmlns:a="http://schemas.openxmlformats.org/drawingml/2006/main" xmlns:r="http://schemas.openxmlformats.org/officeDocument/2006/relationships" xmlns:p="http://schemas.openxmlformats.org/presentationml/2006/main">
+  <p:cSld>
+    <p:spTree>
+      <p:nvGrpSpPr>
+        <p:cNvPr id="1" name=""/>
+        <p:cNvGrpSpPr/>
+        <p:nvPr/>
+      </p:nvGrpSpPr>
+      <p:grpSpPr>
+        <a:xfrm>
+          <a:off x="0" y="0"/>
+          <a:ext cx="0" cy="0"/>
+          <a:chOff x="0" y="0"/>
+          <a:chExt cx="0" cy="0"/>
+        </a:xfrm>
+      </p:grpSpPr>
+      <p:sp>
+        <p:nvSpPr>
+          <p:cNvPr id="2" name="標題 1"/>
+          <p:cNvSpPr>
+            <a:spLocks noGrp="1"/>
+          </p:cNvSpPr>
+          <p:nvPr>
+            <p:ph type="title"/>
+          </p:nvPr>
+        </p:nvSpPr>
+        <p:spPr/>
+        <p:txBody>
+          <a:bodyPr/>
+          <a:lstStyle/>
+          <a:p>
+            <a:r>
+              <a:rPr lang="zh-TW" altLang="en-US" dirty="0" smtClean="0"/>
+              <a:t>事件監聽</a:t>
+            </a:r>
+            <a:endParaRPr lang="zh-TW" altLang="en-US" dirty="0"/>
+          </a:p>
+        </p:txBody>
+      </p:sp>
+      <p:sp>
+        <p:nvSpPr>
+          <p:cNvPr id="3" name="內容版面配置區 2"/>
+          <p:cNvSpPr>
+            <a:spLocks noGrp="1"/>
+          </p:cNvSpPr>
+          <p:nvPr>
+            <p:ph idx="1"/>
+          </p:nvPr>
+        </p:nvSpPr>
+        <p:spPr/>
+        <p:txBody>
+          <a:bodyPr/>
+          <a:lstStyle/>
+          <a:p>
+            <a:endParaRPr lang="zh-TW" altLang="en-US"/>
+          </a:p>
+        </p:txBody>
+      </p:sp>
+    </p:spTree>
+    <p:extLst>
+      <p:ext uri="{BB962C8B-B14F-4D97-AF65-F5344CB8AC3E}">
+        <p14:creationId xmlns:p14="http://schemas.microsoft.com/office/powerpoint/2010/main" val="2497087853"/>
+      </p:ext>
+    </p:extLst>
+  </p:cSld>
+  <p:clrMapOvr>
+    <a:masterClrMapping/>
+  </p:clrMapOvr>
+</p:sld>
+</file>
+
+<file path=ppt/slides/slide65.xml><?xml version="1.0" encoding="utf-8"?>
+<p:sld xmlns:a="http://schemas.openxmlformats.org/drawingml/2006/main" xmlns:r="http://schemas.openxmlformats.org/officeDocument/2006/relationships" xmlns:p="http://schemas.openxmlformats.org/presentationml/2006/main">
+  <p:cSld>
+    <p:spTree>
+      <p:nvGrpSpPr>
+        <p:cNvPr id="1" name=""/>
+        <p:cNvGrpSpPr/>
+        <p:nvPr/>
+      </p:nvGrpSpPr>
+      <p:grpSpPr>
+        <a:xfrm>
+          <a:off x="0" y="0"/>
+          <a:ext cx="0" cy="0"/>
+          <a:chOff x="0" y="0"/>
+          <a:chExt cx="0" cy="0"/>
+        </a:xfrm>
+      </p:grpSpPr>
+      <p:sp>
+        <p:nvSpPr>
+          <p:cNvPr id="2" name="標題 1"/>
+          <p:cNvSpPr>
+            <a:spLocks noGrp="1"/>
+          </p:cNvSpPr>
+          <p:nvPr>
+            <p:ph type="title"/>
+          </p:nvPr>
+        </p:nvSpPr>
+        <p:spPr>
+          <a:xfrm>
+            <a:off x="467544" y="1977684"/>
+            <a:ext cx="8229600" cy="857250"/>
+          </a:xfrm>
+        </p:spPr>
+        <p:txBody>
+          <a:bodyPr/>
+          <a:lstStyle/>
+          <a:p>
+            <a:r>
+              <a:rPr lang="zh-TW" altLang="en-US" dirty="0"/>
+              <a:t>練習時間</a:t>
+            </a:r>
+          </a:p>
+        </p:txBody>
+      </p:sp>
+    </p:spTree>
+    <p:extLst>
+      <p:ext uri="{BB962C8B-B14F-4D97-AF65-F5344CB8AC3E}">
+        <p14:creationId xmlns:p14="http://schemas.microsoft.com/office/powerpoint/2010/main" val="2912166847"/>
+      </p:ext>
+    </p:extLst>
+  </p:cSld>
+  <p:clrMapOvr>
+    <a:masterClrMapping/>
+  </p:clrMapOvr>
+</p:sld>
+</file>
+
+<file path=ppt/slides/slide66.xml><?xml version="1.0" encoding="utf-8"?>
+<p:sld xmlns:a="http://schemas.openxmlformats.org/drawingml/2006/main" xmlns:r="http://schemas.openxmlformats.org/officeDocument/2006/relationships" xmlns:p="http://schemas.openxmlformats.org/presentationml/2006/main">
+  <p:cSld>
+    <p:spTree>
+      <p:nvGrpSpPr>
+        <p:cNvPr id="1" name=""/>
+        <p:cNvGrpSpPr/>
+        <p:nvPr/>
+      </p:nvGrpSpPr>
+      <p:grpSpPr>
+        <a:xfrm>
+          <a:off x="0" y="0"/>
+          <a:ext cx="0" cy="0"/>
+          <a:chOff x="0" y="0"/>
+          <a:chExt cx="0" cy="0"/>
+        </a:xfrm>
+      </p:grpSpPr>
+      <p:sp>
+        <p:nvSpPr>
+          <p:cNvPr id="2" name="標題 1"/>
+          <p:cNvSpPr>
+            <a:spLocks noGrp="1"/>
+          </p:cNvSpPr>
+          <p:nvPr>
+            <p:ph type="title"/>
+          </p:nvPr>
+        </p:nvSpPr>
+        <p:spPr/>
+        <p:txBody>
+          <a:bodyPr/>
+          <a:lstStyle/>
+          <a:p>
+            <a:endParaRPr lang="zh-TW" altLang="en-US" dirty="0"/>
+          </a:p>
+        </p:txBody>
+      </p:sp>
+      <p:sp>
+        <p:nvSpPr>
+          <p:cNvPr id="3" name="內容版面配置區 2"/>
+          <p:cNvSpPr>
+            <a:spLocks noGrp="1"/>
+          </p:cNvSpPr>
+          <p:nvPr>
+            <p:ph idx="1"/>
+          </p:nvPr>
+        </p:nvSpPr>
+        <p:spPr/>
+        <p:txBody>
+          <a:bodyPr/>
+          <a:lstStyle/>
+          <a:p>
+            <a:endParaRPr lang="zh-TW" altLang="en-US"/>
+          </a:p>
+        </p:txBody>
+      </p:sp>
+    </p:spTree>
+    <p:extLst>
+      <p:ext uri="{BB962C8B-B14F-4D97-AF65-F5344CB8AC3E}">
+        <p14:creationId xmlns:p14="http://schemas.microsoft.com/office/powerpoint/2010/main" val="2163588720"/>
+      </p:ext>
+    </p:extLst>
+  </p:cSld>
+  <p:clrMapOvr>
+    <a:masterClrMapping/>
+  </p:clrMapOvr>
+</p:sld>
+</file>
+
+<file path=ppt/slides/slide67.xml><?xml version="1.0" encoding="utf-8"?>
+<p:sld xmlns:a="http://schemas.openxmlformats.org/drawingml/2006/main" xmlns:r="http://schemas.openxmlformats.org/officeDocument/2006/relationships" xmlns:p="http://schemas.openxmlformats.org/presentationml/2006/main">
+  <p:cSld>
+    <p:spTree>
+      <p:nvGrpSpPr>
+        <p:cNvPr id="1" name=""/>
+        <p:cNvGrpSpPr/>
+        <p:nvPr/>
+      </p:nvGrpSpPr>
+      <p:grpSpPr>
+        <a:xfrm>
+          <a:off x="0" y="0"/>
+          <a:ext cx="0" cy="0"/>
+          <a:chOff x="0" y="0"/>
+          <a:chExt cx="0" cy="0"/>
+        </a:xfrm>
+      </p:grpSpPr>
+      <p:sp>
+        <p:nvSpPr>
+          <p:cNvPr id="2" name="標題 1"/>
+          <p:cNvSpPr>
+            <a:spLocks noGrp="1"/>
+          </p:cNvSpPr>
+          <p:nvPr>
+            <p:ph type="title"/>
+          </p:nvPr>
+        </p:nvSpPr>
+        <p:spPr/>
+        <p:txBody>
+          <a:bodyPr/>
+          <a:lstStyle/>
+          <a:p>
+            <a:endParaRPr lang="zh-TW" altLang="en-US"/>
+          </a:p>
+        </p:txBody>
+      </p:sp>
+      <p:sp>
+        <p:nvSpPr>
+          <p:cNvPr id="3" name="內容版面配置區 2"/>
+          <p:cNvSpPr>
+            <a:spLocks noGrp="1"/>
+          </p:cNvSpPr>
+          <p:nvPr>
+            <p:ph idx="1"/>
+          </p:nvPr>
+        </p:nvSpPr>
+        <p:spPr/>
+        <p:txBody>
+          <a:bodyPr/>
+          <a:lstStyle/>
+          <a:p>
+            <a:endParaRPr lang="zh-TW" altLang="en-US"/>
+          </a:p>
+        </p:txBody>
+      </p:sp>
+    </p:spTree>
+    <p:extLst>
+      <p:ext uri="{BB962C8B-B14F-4D97-AF65-F5344CB8AC3E}">
+        <p14:creationId xmlns:p14="http://schemas.microsoft.com/office/powerpoint/2010/main" val="2163588720"/>
+      </p:ext>
+    </p:extLst>
+  </p:cSld>
+  <p:clrMapOvr>
+    <a:masterClrMapping/>
+  </p:clrMapOvr>
+</p:sld>
+</file>
+
+<file path=ppt/slides/slide68.xml><?xml version="1.0" encoding="utf-8"?>
+<p:sld xmlns:a="http://schemas.openxmlformats.org/drawingml/2006/main" xmlns:r="http://schemas.openxmlformats.org/officeDocument/2006/relationships" xmlns:p="http://schemas.openxmlformats.org/presentationml/2006/main">
+  <p:cSld>
+    <p:spTree>
+      <p:nvGrpSpPr>
+        <p:cNvPr id="1" name=""/>
+        <p:cNvGrpSpPr/>
+        <p:nvPr/>
+      </p:nvGrpSpPr>
+      <p:grpSpPr>
+        <a:xfrm>
+          <a:off x="0" y="0"/>
+          <a:ext cx="0" cy="0"/>
+          <a:chOff x="0" y="0"/>
+          <a:chExt cx="0" cy="0"/>
+        </a:xfrm>
+      </p:grpSpPr>
+      <p:sp>
+        <p:nvSpPr>
+          <p:cNvPr id="2" name="標題 1"/>
+          <p:cNvSpPr>
+            <a:spLocks noGrp="1"/>
+          </p:cNvSpPr>
+          <p:nvPr>
+            <p:ph type="title"/>
+          </p:nvPr>
+        </p:nvSpPr>
+        <p:spPr/>
+        <p:txBody>
+          <a:bodyPr/>
+          <a:lstStyle/>
+          <a:p>
+            <a:r>
+              <a:rPr lang="zh-TW" altLang="en-US" dirty="0" smtClean="0"/>
+              <a:t>關於我</a:t>
+            </a:r>
+            <a:endParaRPr lang="zh-TW" altLang="en-US" dirty="0"/>
+          </a:p>
+        </p:txBody>
+      </p:sp>
+      <p:sp>
+        <p:nvSpPr>
+          <p:cNvPr id="3" name="內容版面配置區 2"/>
+          <p:cNvSpPr>
+            <a:spLocks noGrp="1"/>
+          </p:cNvSpPr>
+          <p:nvPr>
+            <p:ph idx="1"/>
+          </p:nvPr>
+        </p:nvSpPr>
+        <p:spPr/>
+        <p:txBody>
+          <a:bodyPr/>
+          <a:lstStyle/>
+          <a:p>
+            <a:r>
+              <a:rPr lang="zh-TW" altLang="en-US" dirty="0" smtClean="0"/>
+              <a:t>前端</a:t>
+            </a:r>
+            <a:endParaRPr lang="en-US" altLang="zh-TW" dirty="0" smtClean="0"/>
+          </a:p>
+          <a:p>
+            <a:r>
+              <a:rPr lang="zh-TW" altLang="en-US" dirty="0"/>
+              <a:t>志</a:t>
+            </a:r>
+            <a:r>
+              <a:rPr lang="zh-TW" altLang="en-US" dirty="0" smtClean="0"/>
+              <a:t>工</a:t>
+            </a:r>
+            <a:endParaRPr lang="en-US" altLang="zh-TW" dirty="0" smtClean="0"/>
+          </a:p>
+          <a:p>
+            <a:r>
+              <a:rPr lang="en-US" altLang="zh-TW" dirty="0" smtClean="0"/>
+              <a:t>IT</a:t>
+            </a:r>
+            <a:r>
+              <a:rPr lang="zh-TW" altLang="en-US" dirty="0" smtClean="0"/>
+              <a:t>鐵人幫 </a:t>
+            </a:r>
+            <a:r>
+              <a:rPr lang="en-US" altLang="zh-TW" dirty="0" smtClean="0"/>
+              <a:t>JavaScript</a:t>
+            </a:r>
+            <a:r>
+              <a:rPr lang="zh-TW" altLang="en-US" dirty="0" smtClean="0"/>
+              <a:t>基礎二三事筆記</a:t>
+            </a:r>
+            <a:endParaRPr lang="en-US" altLang="zh-TW" dirty="0" smtClean="0"/>
+          </a:p>
+          <a:p>
+            <a:endParaRPr lang="en-US" altLang="zh-TW" dirty="0" smtClean="0"/>
+          </a:p>
+        </p:txBody>
+      </p:sp>
+    </p:spTree>
+    <p:extLst>
+      <p:ext uri="{BB962C8B-B14F-4D97-AF65-F5344CB8AC3E}">
+        <p14:creationId xmlns:p14="http://schemas.microsoft.com/office/powerpoint/2010/main" val="3925751582"/>
+      </p:ext>
+    </p:extLst>
+  </p:cSld>
+  <p:clrMapOvr>
+    <a:masterClrMapping/>
+  </p:clrMapOvr>
+</p:sld>
+</file>
+
+<file path=ppt/slides/slide69.xml><?xml version="1.0" encoding="utf-8"?>
+<p:sld xmlns:a="http://schemas.openxmlformats.org/drawingml/2006/main" xmlns:r="http://schemas.openxmlformats.org/officeDocument/2006/relationships" xmlns:p="http://schemas.openxmlformats.org/presentationml/2006/main">
+  <p:cSld>
+    <p:spTree>
+      <p:nvGrpSpPr>
+        <p:cNvPr id="1" name=""/>
+        <p:cNvGrpSpPr/>
+        <p:nvPr/>
+      </p:nvGrpSpPr>
+      <p:grpSpPr>
+        <a:xfrm>
+          <a:off x="0" y="0"/>
+          <a:ext cx="0" cy="0"/>
+          <a:chOff x="0" y="0"/>
+          <a:chExt cx="0" cy="0"/>
+        </a:xfrm>
+      </p:grpSpPr>
+      <p:sp>
+        <p:nvSpPr>
+          <p:cNvPr id="2" name="標題 1"/>
+          <p:cNvSpPr>
+            <a:spLocks noGrp="1"/>
+          </p:cNvSpPr>
+          <p:nvPr>
+            <p:ph type="title"/>
+          </p:nvPr>
+        </p:nvSpPr>
+        <p:spPr/>
+        <p:txBody>
+          <a:bodyPr/>
+          <a:lstStyle/>
+          <a:p>
+            <a:r>
+              <a:rPr lang="zh-TW" altLang="en-US" dirty="0" smtClean="0"/>
+              <a:t>參考資源</a:t>
+            </a:r>
+            <a:endParaRPr lang="zh-TW" altLang="en-US" dirty="0"/>
+          </a:p>
+        </p:txBody>
+      </p:sp>
+      <p:sp>
+        <p:nvSpPr>
+          <p:cNvPr id="3" name="內容版面配置區 2"/>
+          <p:cNvSpPr>
+            <a:spLocks noGrp="1"/>
+          </p:cNvSpPr>
+          <p:nvPr>
+            <p:ph idx="1"/>
+          </p:nvPr>
+        </p:nvSpPr>
+        <p:spPr/>
+        <p:txBody>
+          <a:bodyPr/>
+          <a:lstStyle/>
+          <a:p>
+            <a:endParaRPr lang="zh-TW" altLang="en-US"/>
+          </a:p>
+        </p:txBody>
+      </p:sp>
+    </p:spTree>
+    <p:extLst>
+      <p:ext uri="{BB962C8B-B14F-4D97-AF65-F5344CB8AC3E}">
+        <p14:creationId xmlns:p14="http://schemas.microsoft.com/office/powerpoint/2010/main" val="3173908857"/>
       </p:ext>
     </p:extLst>
   </p:cSld>
@@ -8778,44 +11809,40 @@
             <p:ph type="title"/>
           </p:nvPr>
         </p:nvSpPr>
-        <p:spPr/>
-        <p:txBody>
-          <a:bodyPr/>
-          <a:lstStyle/>
-          <a:p>
-            <a:endParaRPr lang="zh-TW" altLang="en-US"/>
-          </a:p>
-        </p:txBody>
-      </p:sp>
-      <p:sp>
-        <p:nvSpPr>
-          <p:cNvPr id="3" name="內容版面配置區 2"/>
-          <p:cNvSpPr>
-            <a:spLocks noGrp="1"/>
-          </p:cNvSpPr>
-          <p:nvPr>
-            <p:ph idx="1"/>
-          </p:nvPr>
-        </p:nvSpPr>
-        <p:spPr/>
-        <p:txBody>
-          <a:bodyPr/>
-          <a:lstStyle/>
-          <a:p>
-            <a:endParaRPr lang="zh-TW" altLang="en-US"/>
+        <p:spPr>
+          <a:xfrm>
+            <a:off x="467544" y="1977684"/>
+            <a:ext cx="8229600" cy="857250"/>
+          </a:xfrm>
+        </p:spPr>
+        <p:txBody>
+          <a:bodyPr/>
+          <a:lstStyle/>
+          <a:p>
+            <a:r>
+              <a:rPr lang="zh-TW" altLang="en-US" dirty="0"/>
+              <a:t>本日開發環境</a:t>
+            </a:r>
           </a:p>
         </p:txBody>
       </p:sp>
     </p:spTree>
     <p:extLst>
       <p:ext uri="{BB962C8B-B14F-4D97-AF65-F5344CB8AC3E}">
-        <p14:creationId xmlns:p14="http://schemas.microsoft.com/office/powerpoint/2010/main" val="3181725325"/>
+        <p14:creationId xmlns:p14="http://schemas.microsoft.com/office/powerpoint/2010/main" val="1813293963"/>
       </p:ext>
     </p:extLst>
   </p:cSld>
   <p:clrMapOvr>
     <a:masterClrMapping/>
   </p:clrMapOvr>
+  <p:timing>
+    <p:tnLst>
+      <p:par>
+        <p:cTn id="1" dur="indefinite" restart="never" nodeType="tmRoot"/>
+      </p:par>
+    </p:tnLst>
+  </p:timing>
 </p:sld>
 </file>
 
@@ -8846,33 +11873,55 @@
             <p:ph type="title"/>
           </p:nvPr>
         </p:nvSpPr>
-        <p:spPr>
-          <a:xfrm>
-            <a:off x="467544" y="2636912"/>
-            <a:ext cx="8229600" cy="1143000"/>
-          </a:xfrm>
-        </p:spPr>
-        <p:txBody>
-          <a:bodyPr/>
-          <a:lstStyle/>
-          <a:p>
-            <a:r>
-              <a:rPr lang="zh-TW" altLang="en-US" dirty="0"/>
-              <a:t>本日開發環境</a:t>
-            </a:r>
+        <p:spPr/>
+        <p:txBody>
+          <a:bodyPr/>
+          <a:lstStyle/>
+          <a:p>
+            <a:r>
+              <a:rPr lang="en-US" altLang="zh-TW" dirty="0" smtClean="0"/>
+              <a:t>1.Google Chrome</a:t>
+            </a:r>
+            <a:endParaRPr lang="zh-TW" altLang="en-US" dirty="0"/>
+          </a:p>
+        </p:txBody>
+      </p:sp>
+      <p:sp>
+        <p:nvSpPr>
+          <p:cNvPr id="3" name="內容版面配置區 2"/>
+          <p:cNvSpPr>
+            <a:spLocks noGrp="1"/>
+          </p:cNvSpPr>
+          <p:nvPr>
+            <p:ph idx="1"/>
+          </p:nvPr>
+        </p:nvSpPr>
+        <p:spPr/>
+        <p:txBody>
+          <a:bodyPr/>
+          <a:lstStyle/>
+          <a:p>
+            <a:endParaRPr lang="zh-TW" altLang="en-US" dirty="0"/>
           </a:p>
         </p:txBody>
       </p:sp>
     </p:spTree>
     <p:extLst>
       <p:ext uri="{BB962C8B-B14F-4D97-AF65-F5344CB8AC3E}">
-        <p14:creationId xmlns:p14="http://schemas.microsoft.com/office/powerpoint/2010/main" val="1813293963"/>
+        <p14:creationId xmlns:p14="http://schemas.microsoft.com/office/powerpoint/2010/main" val="98221227"/>
       </p:ext>
     </p:extLst>
   </p:cSld>
   <p:clrMapOvr>
     <a:masterClrMapping/>
   </p:clrMapOvr>
+  <p:timing>
+    <p:tnLst>
+      <p:par>
+        <p:cTn id="1" dur="indefinite" restart="never" nodeType="tmRoot"/>
+      </p:par>
+    </p:tnLst>
+  </p:timing>
 </p:sld>
 </file>
 
@@ -8910,7 +11959,11 @@
           <a:p>
             <a:r>
               <a:rPr lang="en-US" altLang="zh-TW" dirty="0" smtClean="0"/>
-              <a:t>1.Google Chrome</a:t>
+              <a:t>2.VS Code</a:t>
+            </a:r>
+            <a:r>
+              <a:rPr lang="zh-TW" altLang="en-US" dirty="0" smtClean="0"/>
+              <a:t>編輯器</a:t>
             </a:r>
             <a:endParaRPr lang="zh-TW" altLang="en-US" dirty="0"/>
           </a:p>
@@ -8938,13 +11991,20 @@
     </p:spTree>
     <p:extLst>
       <p:ext uri="{BB962C8B-B14F-4D97-AF65-F5344CB8AC3E}">
-        <p14:creationId xmlns:p14="http://schemas.microsoft.com/office/powerpoint/2010/main" val="98221227"/>
+        <p14:creationId xmlns:p14="http://schemas.microsoft.com/office/powerpoint/2010/main" val="1133087844"/>
       </p:ext>
     </p:extLst>
   </p:cSld>
   <p:clrMapOvr>
     <a:masterClrMapping/>
   </p:clrMapOvr>
+  <p:timing>
+    <p:tnLst>
+      <p:par>
+        <p:cTn id="1" dur="indefinite" restart="never" nodeType="tmRoot"/>
+      </p:par>
+    </p:tnLst>
+  </p:timing>
 </p:sld>
 </file>
 
@@ -9229,4 +12289,47 @@
   <a:objectDefaults/>
   <a:extraClrSchemeLst/>
 </a:theme>
+</file>
+
+<file path=ppt/theme/themeOverride1.xml><?xml version="1.0" encoding="utf-8"?>
+<a:themeOverride xmlns:a="http://schemas.openxmlformats.org/drawingml/2006/main">
+  <a:clrScheme name="Office">
+    <a:dk1>
+      <a:sysClr val="windowText" lastClr="000000"/>
+    </a:dk1>
+    <a:lt1>
+      <a:sysClr val="window" lastClr="FFFFFF"/>
+    </a:lt1>
+    <a:dk2>
+      <a:srgbClr val="1F497D"/>
+    </a:dk2>
+    <a:lt2>
+      <a:srgbClr val="EEECE1"/>
+    </a:lt2>
+    <a:accent1>
+      <a:srgbClr val="4F81BD"/>
+    </a:accent1>
+    <a:accent2>
+      <a:srgbClr val="C0504D"/>
+    </a:accent2>
+    <a:accent3>
+      <a:srgbClr val="9BBB59"/>
+    </a:accent3>
+    <a:accent4>
+      <a:srgbClr val="8064A2"/>
+    </a:accent4>
+    <a:accent5>
+      <a:srgbClr val="4BACC6"/>
+    </a:accent5>
+    <a:accent6>
+      <a:srgbClr val="F79646"/>
+    </a:accent6>
+    <a:hlink>
+      <a:srgbClr val="0000FF"/>
+    </a:hlink>
+    <a:folHlink>
+      <a:srgbClr val="800080"/>
+    </a:folHlink>
+  </a:clrScheme>
+</a:themeOverride>
 </file>
--- a/javaScript.pptx
+++ b/javaScript.pptx
@@ -38,44 +38,66 @@
     <p:sldId id="321" r:id="rId32"/>
     <p:sldId id="266" r:id="rId33"/>
     <p:sldId id="278" r:id="rId34"/>
-    <p:sldId id="331" r:id="rId35"/>
-    <p:sldId id="332" r:id="rId36"/>
-    <p:sldId id="333" r:id="rId37"/>
-    <p:sldId id="322" r:id="rId38"/>
-    <p:sldId id="334" r:id="rId39"/>
-    <p:sldId id="279" r:id="rId40"/>
-    <p:sldId id="335" r:id="rId41"/>
-    <p:sldId id="280" r:id="rId42"/>
-    <p:sldId id="281" r:id="rId43"/>
-    <p:sldId id="304" r:id="rId44"/>
-    <p:sldId id="337" r:id="rId45"/>
-    <p:sldId id="336" r:id="rId46"/>
+    <p:sldId id="351" r:id="rId35"/>
+    <p:sldId id="331" r:id="rId36"/>
+    <p:sldId id="332" r:id="rId37"/>
+    <p:sldId id="333" r:id="rId38"/>
+    <p:sldId id="322" r:id="rId39"/>
+    <p:sldId id="334" r:id="rId40"/>
+    <p:sldId id="279" r:id="rId41"/>
+    <p:sldId id="335" r:id="rId42"/>
+    <p:sldId id="280" r:id="rId43"/>
+    <p:sldId id="281" r:id="rId44"/>
+    <p:sldId id="304" r:id="rId45"/>
+    <p:sldId id="337" r:id="rId46"/>
     <p:sldId id="267" r:id="rId47"/>
-    <p:sldId id="268" r:id="rId48"/>
-    <p:sldId id="293" r:id="rId49"/>
-    <p:sldId id="294" r:id="rId50"/>
-    <p:sldId id="295" r:id="rId51"/>
-    <p:sldId id="269" r:id="rId52"/>
-    <p:sldId id="305" r:id="rId53"/>
-    <p:sldId id="270" r:id="rId54"/>
-    <p:sldId id="306" r:id="rId55"/>
-    <p:sldId id="314" r:id="rId56"/>
-    <p:sldId id="315" r:id="rId57"/>
-    <p:sldId id="271" r:id="rId58"/>
-    <p:sldId id="260" r:id="rId59"/>
-    <p:sldId id="311" r:id="rId60"/>
-    <p:sldId id="312" r:id="rId61"/>
-    <p:sldId id="313" r:id="rId62"/>
-    <p:sldId id="307" r:id="rId63"/>
-    <p:sldId id="308" r:id="rId64"/>
-    <p:sldId id="310" r:id="rId65"/>
-    <p:sldId id="309" r:id="rId66"/>
-    <p:sldId id="316" r:id="rId67"/>
-    <p:sldId id="291" r:id="rId68"/>
-    <p:sldId id="284" r:id="rId69"/>
-    <p:sldId id="285" r:id="rId70"/>
-    <p:sldId id="262" r:id="rId71"/>
-    <p:sldId id="272" r:id="rId72"/>
+    <p:sldId id="352" r:id="rId48"/>
+    <p:sldId id="348" r:id="rId49"/>
+    <p:sldId id="349" r:id="rId50"/>
+    <p:sldId id="341" r:id="rId51"/>
+    <p:sldId id="344" r:id="rId52"/>
+    <p:sldId id="355" r:id="rId53"/>
+    <p:sldId id="356" r:id="rId54"/>
+    <p:sldId id="354" r:id="rId55"/>
+    <p:sldId id="345" r:id="rId56"/>
+    <p:sldId id="346" r:id="rId57"/>
+    <p:sldId id="357" r:id="rId58"/>
+    <p:sldId id="358" r:id="rId59"/>
+    <p:sldId id="359" r:id="rId60"/>
+    <p:sldId id="339" r:id="rId61"/>
+    <p:sldId id="367" r:id="rId62"/>
+    <p:sldId id="366" r:id="rId63"/>
+    <p:sldId id="364" r:id="rId64"/>
+    <p:sldId id="368" r:id="rId65"/>
+    <p:sldId id="360" r:id="rId66"/>
+    <p:sldId id="361" r:id="rId67"/>
+    <p:sldId id="340" r:id="rId68"/>
+    <p:sldId id="268" r:id="rId69"/>
+    <p:sldId id="293" r:id="rId70"/>
+    <p:sldId id="294" r:id="rId71"/>
+    <p:sldId id="338" r:id="rId72"/>
+    <p:sldId id="295" r:id="rId73"/>
+    <p:sldId id="269" r:id="rId74"/>
+    <p:sldId id="305" r:id="rId75"/>
+    <p:sldId id="270" r:id="rId76"/>
+    <p:sldId id="306" r:id="rId77"/>
+    <p:sldId id="314" r:id="rId78"/>
+    <p:sldId id="315" r:id="rId79"/>
+    <p:sldId id="271" r:id="rId80"/>
+    <p:sldId id="260" r:id="rId81"/>
+    <p:sldId id="311" r:id="rId82"/>
+    <p:sldId id="312" r:id="rId83"/>
+    <p:sldId id="313" r:id="rId84"/>
+    <p:sldId id="307" r:id="rId85"/>
+    <p:sldId id="308" r:id="rId86"/>
+    <p:sldId id="310" r:id="rId87"/>
+    <p:sldId id="309" r:id="rId88"/>
+    <p:sldId id="316" r:id="rId89"/>
+    <p:sldId id="291" r:id="rId90"/>
+    <p:sldId id="284" r:id="rId91"/>
+    <p:sldId id="285" r:id="rId92"/>
+    <p:sldId id="262" r:id="rId93"/>
+    <p:sldId id="272" r:id="rId94"/>
   </p:sldIdLst>
   <p:sldSz cx="9144000" cy="5143500" type="screen16x9"/>
   <p:notesSz cx="6858000" cy="9144000"/>
@@ -5215,11 +5237,7 @@
             </a:r>
             <a:r>
               <a:rPr lang="zh-TW" altLang="en-US" dirty="0" smtClean="0"/>
-              <a:t>電腦執行</a:t>
-            </a:r>
-            <a:r>
-              <a:rPr lang="zh-TW" altLang="en-US" dirty="0" smtClean="0"/>
-              <a:t>仍拆成</a:t>
+              <a:t>電腦執行仍拆成</a:t>
             </a:r>
             <a:r>
               <a:rPr lang="zh-TW" altLang="en-US" dirty="0" smtClean="0">
@@ -6385,11 +6403,7 @@
             </a:r>
             <a:r>
               <a:rPr lang="zh-TW" altLang="en-US" sz="2000" dirty="0" smtClean="0"/>
-              <a:t>差別</a:t>
-            </a:r>
-            <a:r>
-              <a:rPr lang="zh-TW" altLang="en-US" sz="2000" dirty="0" smtClean="0"/>
-              <a:t>在於</a:t>
+              <a:t>差別在於</a:t>
             </a:r>
             <a:r>
               <a:rPr lang="zh-TW" altLang="en-US" sz="2000" b="1" dirty="0" smtClean="0">
@@ -6405,15 +6419,7 @@
                   <a:srgbClr val="C00000"/>
                 </a:solidFill>
               </a:rPr>
-              <a:t>可以</a:t>
-            </a:r>
-            <a:r>
-              <a:rPr lang="zh-TW" altLang="en-US" sz="2000" b="1" dirty="0" smtClean="0">
-                <a:solidFill>
-                  <a:srgbClr val="C00000"/>
-                </a:solidFill>
-              </a:rPr>
-              <a:t>自由擴增屬性</a:t>
+              <a:t>可以自由擴增屬性</a:t>
             </a:r>
             <a:endParaRPr lang="en-US" altLang="zh-TW" sz="2000" b="1" dirty="0" smtClean="0">
               <a:solidFill>
@@ -7969,14 +7975,14 @@
           <p:nvPr>
             <p:extLst>
               <p:ext uri="{D42A27DB-BD31-4B8C-83A1-F6EECF244321}">
-                <p14:modId xmlns:p14="http://schemas.microsoft.com/office/powerpoint/2010/main" val="708489671"/>
+                <p14:modId xmlns:p14="http://schemas.microsoft.com/office/powerpoint/2010/main" val="667803695"/>
               </p:ext>
             </p:extLst>
           </p:nvPr>
         </p:nvGraphicFramePr>
         <p:xfrm>
           <a:off x="1475656" y="1059582"/>
-          <a:ext cx="6624736" cy="3816424"/>
+          <a:ext cx="6624736" cy="2663395"/>
         </p:xfrm>
         <a:graphic>
           <a:graphicData uri="http://schemas.openxmlformats.org/drawingml/2006/table">
@@ -10053,7 +10059,443 @@
                   </a:tcPr>
                 </a:tc>
               </a:tr>
-              <a:tr h="432949">
+            </a:tbl>
+          </a:graphicData>
+        </a:graphic>
+      </p:graphicFrame>
+    </p:spTree>
+    <p:extLst>
+      <p:ext uri="{BB962C8B-B14F-4D97-AF65-F5344CB8AC3E}">
+        <p14:creationId xmlns:p14="http://schemas.microsoft.com/office/powerpoint/2010/main" val="1121334064"/>
+      </p:ext>
+    </p:extLst>
+  </p:cSld>
+  <p:clrMapOvr>
+    <a:masterClrMapping/>
+  </p:clrMapOvr>
+  <p:timing>
+    <p:tnLst>
+      <p:par>
+        <p:cTn id="1" dur="indefinite" restart="never" nodeType="tmRoot"/>
+      </p:par>
+    </p:tnLst>
+  </p:timing>
+</p:sld>
+</file>
+
+<file path=ppt/slides/slide34.xml><?xml version="1.0" encoding="utf-8"?>
+<p:sld xmlns:a="http://schemas.openxmlformats.org/drawingml/2006/main" xmlns:r="http://schemas.openxmlformats.org/officeDocument/2006/relationships" xmlns:p="http://schemas.openxmlformats.org/presentationml/2006/main">
+  <p:cSld>
+    <p:spTree>
+      <p:nvGrpSpPr>
+        <p:cNvPr id="1" name=""/>
+        <p:cNvGrpSpPr/>
+        <p:nvPr/>
+      </p:nvGrpSpPr>
+      <p:grpSpPr>
+        <a:xfrm>
+          <a:off x="0" y="0"/>
+          <a:ext cx="0" cy="0"/>
+          <a:chOff x="0" y="0"/>
+          <a:chExt cx="0" cy="0"/>
+        </a:xfrm>
+      </p:grpSpPr>
+      <p:sp>
+        <p:nvSpPr>
+          <p:cNvPr id="2" name="標題 1"/>
+          <p:cNvSpPr>
+            <a:spLocks noGrp="1"/>
+          </p:cNvSpPr>
+          <p:nvPr>
+            <p:ph type="title"/>
+          </p:nvPr>
+        </p:nvSpPr>
+        <p:spPr/>
+        <p:txBody>
+          <a:bodyPr/>
+          <a:lstStyle/>
+          <a:p>
+            <a:r>
+              <a:rPr lang="zh-TW" altLang="en-US" dirty="0"/>
+              <a:t>常見運算子</a:t>
+            </a:r>
+          </a:p>
+        </p:txBody>
+      </p:sp>
+      <p:graphicFrame>
+        <p:nvGraphicFramePr>
+          <p:cNvPr id="4" name="表格 3"/>
+          <p:cNvGraphicFramePr>
+            <a:graphicFrameLocks noGrp="1"/>
+          </p:cNvGraphicFramePr>
+          <p:nvPr>
+            <p:extLst>
+              <p:ext uri="{D42A27DB-BD31-4B8C-83A1-F6EECF244321}">
+                <p14:modId xmlns:p14="http://schemas.microsoft.com/office/powerpoint/2010/main" val="4178651693"/>
+              </p:ext>
+            </p:extLst>
+          </p:nvPr>
+        </p:nvGraphicFramePr>
+        <p:xfrm>
+          <a:off x="827584" y="1203598"/>
+          <a:ext cx="7488832" cy="1944216"/>
+        </p:xfrm>
+        <a:graphic>
+          <a:graphicData uri="http://schemas.openxmlformats.org/drawingml/2006/table">
+            <a:tbl>
+              <a:tblPr firstRow="1" bandRow="1">
+                <a:tableStyleId>{5C22544A-7EE6-4342-B048-85BDC9FD1C3A}</a:tableStyleId>
+              </a:tblPr>
+              <a:tblGrid>
+                <a:gridCol w="1728192"/>
+                <a:gridCol w="720080"/>
+                <a:gridCol w="1196110"/>
+                <a:gridCol w="1944216"/>
+                <a:gridCol w="1900234"/>
+              </a:tblGrid>
+              <a:tr h="386409">
+                <a:tc>
+                  <a:txBody>
+                    <a:bodyPr/>
+                    <a:lstStyle/>
+                    <a:p>
+                      <a:r>
+                        <a:rPr lang="zh-TW" altLang="en-US" sz="1800" dirty="0" smtClean="0">
+                          <a:solidFill>
+                            <a:schemeClr val="tx1"/>
+                          </a:solidFill>
+                          <a:latin typeface="微軟正黑體" panose="020B0604030504040204" pitchFamily="34" charset="-120"/>
+                          <a:ea typeface="微軟正黑體" panose="020B0604030504040204" pitchFamily="34" charset="-120"/>
+                        </a:rPr>
+                        <a:t>名稱</a:t>
+                      </a:r>
+                      <a:endParaRPr lang="en-US" altLang="zh-TW" sz="1800" dirty="0" smtClean="0">
+                        <a:solidFill>
+                          <a:schemeClr val="tx1"/>
+                        </a:solidFill>
+                        <a:latin typeface="微軟正黑體" panose="020B0604030504040204" pitchFamily="34" charset="-120"/>
+                        <a:ea typeface="微軟正黑體" panose="020B0604030504040204" pitchFamily="34" charset="-120"/>
+                      </a:endParaRPr>
+                    </a:p>
+                  </a:txBody>
+                  <a:tcPr marL="112280" marR="112280" marT="56140" marB="56140">
+                    <a:lnL w="12700" cap="flat" cmpd="sng" algn="ctr">
+                      <a:solidFill>
+                        <a:schemeClr val="tx1"/>
+                      </a:solidFill>
+                      <a:prstDash val="solid"/>
+                      <a:round/>
+                      <a:headEnd type="none" w="med" len="med"/>
+                      <a:tailEnd type="none" w="med" len="med"/>
+                    </a:lnL>
+                    <a:lnR w="12700" cap="flat" cmpd="sng" algn="ctr">
+                      <a:solidFill>
+                        <a:schemeClr val="tx1"/>
+                      </a:solidFill>
+                      <a:prstDash val="solid"/>
+                      <a:round/>
+                      <a:headEnd type="none" w="med" len="med"/>
+                      <a:tailEnd type="none" w="med" len="med"/>
+                    </a:lnR>
+                    <a:lnT w="12700" cap="flat" cmpd="sng" algn="ctr">
+                      <a:solidFill>
+                        <a:schemeClr val="tx1"/>
+                      </a:solidFill>
+                      <a:prstDash val="solid"/>
+                      <a:round/>
+                      <a:headEnd type="none" w="med" len="med"/>
+                      <a:tailEnd type="none" w="med" len="med"/>
+                    </a:lnT>
+                    <a:lnB w="12700" cap="flat" cmpd="sng" algn="ctr">
+                      <a:solidFill>
+                        <a:schemeClr val="tx1"/>
+                      </a:solidFill>
+                      <a:prstDash val="solid"/>
+                      <a:round/>
+                      <a:headEnd type="none" w="med" len="med"/>
+                      <a:tailEnd type="none" w="med" len="med"/>
+                    </a:lnB>
+                    <a:solidFill>
+                      <a:schemeClr val="bg1"/>
+                    </a:solidFill>
+                  </a:tcPr>
+                </a:tc>
+                <a:tc>
+                  <a:txBody>
+                    <a:bodyPr/>
+                    <a:lstStyle/>
+                    <a:p>
+                      <a:r>
+                        <a:rPr lang="zh-TW" altLang="en-US" sz="1800" dirty="0" smtClean="0">
+                          <a:solidFill>
+                            <a:schemeClr val="tx1"/>
+                          </a:solidFill>
+                          <a:latin typeface="微軟正黑體" panose="020B0604030504040204" pitchFamily="34" charset="-120"/>
+                          <a:ea typeface="微軟正黑體" panose="020B0604030504040204" pitchFamily="34" charset="-120"/>
+                        </a:rPr>
+                        <a:t>符號</a:t>
+                      </a:r>
+                      <a:endParaRPr lang="zh-TW" altLang="en-US" sz="1800" dirty="0">
+                        <a:solidFill>
+                          <a:schemeClr val="tx1"/>
+                        </a:solidFill>
+                        <a:latin typeface="微軟正黑體" panose="020B0604030504040204" pitchFamily="34" charset="-120"/>
+                        <a:ea typeface="微軟正黑體" panose="020B0604030504040204" pitchFamily="34" charset="-120"/>
+                      </a:endParaRPr>
+                    </a:p>
+                  </a:txBody>
+                  <a:tcPr marL="112280" marR="112280" marT="56140" marB="56140">
+                    <a:lnL w="12700" cap="flat" cmpd="sng" algn="ctr">
+                      <a:solidFill>
+                        <a:schemeClr val="tx1"/>
+                      </a:solidFill>
+                      <a:prstDash val="solid"/>
+                      <a:round/>
+                      <a:headEnd type="none" w="med" len="med"/>
+                      <a:tailEnd type="none" w="med" len="med"/>
+                    </a:lnL>
+                    <a:lnR w="12700" cap="flat" cmpd="sng" algn="ctr">
+                      <a:solidFill>
+                        <a:schemeClr val="tx1"/>
+                      </a:solidFill>
+                      <a:prstDash val="solid"/>
+                      <a:round/>
+                      <a:headEnd type="none" w="med" len="med"/>
+                      <a:tailEnd type="none" w="med" len="med"/>
+                    </a:lnR>
+                    <a:lnT w="12700" cap="flat" cmpd="sng" algn="ctr">
+                      <a:solidFill>
+                        <a:schemeClr val="tx1"/>
+                      </a:solidFill>
+                      <a:prstDash val="solid"/>
+                      <a:round/>
+                      <a:headEnd type="none" w="med" len="med"/>
+                      <a:tailEnd type="none" w="med" len="med"/>
+                    </a:lnT>
+                    <a:lnB w="12700" cap="flat" cmpd="sng" algn="ctr">
+                      <a:solidFill>
+                        <a:schemeClr val="tx1"/>
+                      </a:solidFill>
+                      <a:prstDash val="solid"/>
+                      <a:round/>
+                      <a:headEnd type="none" w="med" len="med"/>
+                      <a:tailEnd type="none" w="med" len="med"/>
+                    </a:lnB>
+                    <a:solidFill>
+                      <a:schemeClr val="bg1"/>
+                    </a:solidFill>
+                  </a:tcPr>
+                </a:tc>
+                <a:tc>
+                  <a:txBody>
+                    <a:bodyPr/>
+                    <a:lstStyle/>
+                    <a:p>
+                      <a:r>
+                        <a:rPr lang="zh-TW" altLang="en-US" sz="1800" dirty="0" smtClean="0">
+                          <a:solidFill>
+                            <a:schemeClr val="tx1"/>
+                          </a:solidFill>
+                          <a:latin typeface="微軟正黑體" panose="020B0604030504040204" pitchFamily="34" charset="-120"/>
+                          <a:ea typeface="微軟正黑體" panose="020B0604030504040204" pitchFamily="34" charset="-120"/>
+                        </a:rPr>
+                        <a:t>相依順序</a:t>
+                      </a:r>
+                      <a:endParaRPr lang="zh-TW" altLang="en-US" sz="1800" dirty="0">
+                        <a:solidFill>
+                          <a:schemeClr val="tx1"/>
+                        </a:solidFill>
+                        <a:latin typeface="微軟正黑體" panose="020B0604030504040204" pitchFamily="34" charset="-120"/>
+                        <a:ea typeface="微軟正黑體" panose="020B0604030504040204" pitchFamily="34" charset="-120"/>
+                      </a:endParaRPr>
+                    </a:p>
+                  </a:txBody>
+                  <a:tcPr marL="112280" marR="112280" marT="56140" marB="56140">
+                    <a:lnL w="12700" cap="flat" cmpd="sng" algn="ctr">
+                      <a:solidFill>
+                        <a:schemeClr val="tx1"/>
+                      </a:solidFill>
+                      <a:prstDash val="solid"/>
+                      <a:round/>
+                      <a:headEnd type="none" w="med" len="med"/>
+                      <a:tailEnd type="none" w="med" len="med"/>
+                    </a:lnL>
+                    <a:lnR w="12700" cap="flat" cmpd="sng" algn="ctr">
+                      <a:solidFill>
+                        <a:schemeClr val="tx1"/>
+                      </a:solidFill>
+                      <a:prstDash val="solid"/>
+                      <a:round/>
+                      <a:headEnd type="none" w="med" len="med"/>
+                      <a:tailEnd type="none" w="med" len="med"/>
+                    </a:lnR>
+                    <a:lnT w="12700" cap="flat" cmpd="sng" algn="ctr">
+                      <a:solidFill>
+                        <a:schemeClr val="tx1"/>
+                      </a:solidFill>
+                      <a:prstDash val="solid"/>
+                      <a:round/>
+                      <a:headEnd type="none" w="med" len="med"/>
+                      <a:tailEnd type="none" w="med" len="med"/>
+                    </a:lnT>
+                    <a:lnB w="12700" cap="flat" cmpd="sng" algn="ctr">
+                      <a:solidFill>
+                        <a:schemeClr val="tx1"/>
+                      </a:solidFill>
+                      <a:prstDash val="solid"/>
+                      <a:round/>
+                      <a:headEnd type="none" w="med" len="med"/>
+                      <a:tailEnd type="none" w="med" len="med"/>
+                    </a:lnB>
+                    <a:solidFill>
+                      <a:schemeClr val="bg1"/>
+                    </a:solidFill>
+                  </a:tcPr>
+                </a:tc>
+                <a:tc>
+                  <a:txBody>
+                    <a:bodyPr/>
+                    <a:lstStyle/>
+                    <a:p>
+                      <a:r>
+                        <a:rPr lang="zh-TW" altLang="en-US" sz="1800" dirty="0" smtClean="0">
+                          <a:solidFill>
+                            <a:schemeClr val="tx1"/>
+                          </a:solidFill>
+                          <a:latin typeface="微軟正黑體" panose="020B0604030504040204" pitchFamily="34" charset="-120"/>
+                          <a:ea typeface="微軟正黑體" panose="020B0604030504040204" pitchFamily="34" charset="-120"/>
+                        </a:rPr>
+                        <a:t>範例</a:t>
+                      </a:r>
+                      <a:endParaRPr lang="zh-TW" altLang="en-US" sz="1800" dirty="0">
+                        <a:solidFill>
+                          <a:schemeClr val="tx1"/>
+                        </a:solidFill>
+                        <a:latin typeface="微軟正黑體" panose="020B0604030504040204" pitchFamily="34" charset="-120"/>
+                        <a:ea typeface="微軟正黑體" panose="020B0604030504040204" pitchFamily="34" charset="-120"/>
+                      </a:endParaRPr>
+                    </a:p>
+                  </a:txBody>
+                  <a:tcPr marL="112280" marR="112280" marT="56140" marB="56140">
+                    <a:lnL w="12700" cap="flat" cmpd="sng" algn="ctr">
+                      <a:solidFill>
+                        <a:schemeClr val="tx1"/>
+                      </a:solidFill>
+                      <a:prstDash val="solid"/>
+                      <a:round/>
+                      <a:headEnd type="none" w="med" len="med"/>
+                      <a:tailEnd type="none" w="med" len="med"/>
+                    </a:lnL>
+                    <a:lnR w="12700" cap="flat" cmpd="sng" algn="ctr">
+                      <a:solidFill>
+                        <a:schemeClr val="tx1"/>
+                      </a:solidFill>
+                      <a:prstDash val="solid"/>
+                      <a:round/>
+                      <a:headEnd type="none" w="med" len="med"/>
+                      <a:tailEnd type="none" w="med" len="med"/>
+                    </a:lnR>
+                    <a:lnT w="12700" cap="flat" cmpd="sng" algn="ctr">
+                      <a:solidFill>
+                        <a:schemeClr val="tx1"/>
+                      </a:solidFill>
+                      <a:prstDash val="solid"/>
+                      <a:round/>
+                      <a:headEnd type="none" w="med" len="med"/>
+                      <a:tailEnd type="none" w="med" len="med"/>
+                    </a:lnT>
+                    <a:lnB w="12700" cap="flat" cmpd="sng" algn="ctr">
+                      <a:solidFill>
+                        <a:schemeClr val="tx1"/>
+                      </a:solidFill>
+                      <a:prstDash val="solid"/>
+                      <a:round/>
+                      <a:headEnd type="none" w="med" len="med"/>
+                      <a:tailEnd type="none" w="med" len="med"/>
+                    </a:lnB>
+                    <a:solidFill>
+                      <a:schemeClr val="bg1"/>
+                    </a:solidFill>
+                  </a:tcPr>
+                </a:tc>
+                <a:tc>
+                  <a:txBody>
+                    <a:bodyPr/>
+                    <a:lstStyle/>
+                    <a:p>
+                      <a:pPr marL="0" marR="0" indent="0" algn="l" defTabSz="914400" rtl="0" eaLnBrk="1" fontAlgn="auto" latinLnBrk="0" hangingPunct="1">
+                        <a:lnSpc>
+                          <a:spcPct val="100000"/>
+                        </a:lnSpc>
+                        <a:spcBef>
+                          <a:spcPts val="0"/>
+                        </a:spcBef>
+                        <a:spcAft>
+                          <a:spcPts val="0"/>
+                        </a:spcAft>
+                        <a:buClrTx/>
+                        <a:buSzTx/>
+                        <a:buFontTx/>
+                        <a:buNone/>
+                        <a:tabLst/>
+                        <a:defRPr/>
+                      </a:pPr>
+                      <a:r>
+                        <a:rPr lang="zh-TW" altLang="en-US" sz="1800" dirty="0" smtClean="0">
+                          <a:solidFill>
+                            <a:schemeClr val="tx1"/>
+                          </a:solidFill>
+                          <a:latin typeface="微軟正黑體" panose="020B0604030504040204" pitchFamily="34" charset="-120"/>
+                          <a:ea typeface="微軟正黑體" panose="020B0604030504040204" pitchFamily="34" charset="-120"/>
+                        </a:rPr>
+                        <a:t>結果</a:t>
+                      </a:r>
+                    </a:p>
+                  </a:txBody>
+                  <a:tcPr marL="112280" marR="112280" marT="56140" marB="56140">
+                    <a:lnL w="12700" cap="flat" cmpd="sng" algn="ctr">
+                      <a:solidFill>
+                        <a:schemeClr val="tx1"/>
+                      </a:solidFill>
+                      <a:prstDash val="solid"/>
+                      <a:round/>
+                      <a:headEnd type="none" w="med" len="med"/>
+                      <a:tailEnd type="none" w="med" len="med"/>
+                    </a:lnL>
+                    <a:lnR w="12700" cap="flat" cmpd="sng" algn="ctr">
+                      <a:solidFill>
+                        <a:schemeClr val="tx1"/>
+                      </a:solidFill>
+                      <a:prstDash val="solid"/>
+                      <a:round/>
+                      <a:headEnd type="none" w="med" len="med"/>
+                      <a:tailEnd type="none" w="med" len="med"/>
+                    </a:lnR>
+                    <a:lnT w="12700" cap="flat" cmpd="sng" algn="ctr">
+                      <a:solidFill>
+                        <a:schemeClr val="tx1"/>
+                      </a:solidFill>
+                      <a:prstDash val="solid"/>
+                      <a:round/>
+                      <a:headEnd type="none" w="med" len="med"/>
+                      <a:tailEnd type="none" w="med" len="med"/>
+                    </a:lnT>
+                    <a:lnB w="12700" cap="flat" cmpd="sng" algn="ctr">
+                      <a:solidFill>
+                        <a:schemeClr val="tx1"/>
+                      </a:solidFill>
+                      <a:prstDash val="solid"/>
+                      <a:round/>
+                      <a:headEnd type="none" w="med" len="med"/>
+                      <a:tailEnd type="none" w="med" len="med"/>
+                    </a:lnB>
+                    <a:solidFill>
+                      <a:schemeClr val="bg1"/>
+                    </a:solidFill>
+                  </a:tcPr>
+                </a:tc>
+              </a:tr>
+              <a:tr h="455359">
                 <a:tc>
                   <a:txBody>
                     <a:bodyPr/>
@@ -10450,67 +10892,64 @@
                   </a:tcPr>
                 </a:tc>
               </a:tr>
-              <a:tr h="720080">
+              <a:tr h="1102257">
                 <a:tc>
                   <a:txBody>
                     <a:bodyPr/>
                     <a:lstStyle/>
                     <a:p>
+                      <a:pPr marL="0" algn="l" defTabSz="914400" rtl="0" eaLnBrk="1" latinLnBrk="0" hangingPunct="1"/>
                       <a:r>
-                        <a:rPr lang="zh-TW" altLang="en-US" sz="1200" dirty="0" smtClean="0">
+                        <a:rPr lang="zh-TW" altLang="en-US" sz="1800" kern="1200" dirty="0" smtClean="0">
                           <a:solidFill>
                             <a:schemeClr val="tx1"/>
                           </a:solidFill>
                           <a:latin typeface="微軟正黑體" panose="020B0604030504040204" pitchFamily="34" charset="-120"/>
                           <a:ea typeface="微軟正黑體" panose="020B0604030504040204" pitchFamily="34" charset="-120"/>
+                          <a:cs typeface="+mn-cs"/>
                         </a:rPr>
                         <a:t>存取</a:t>
                       </a:r>
-                      <a:endParaRPr lang="en-US" altLang="zh-TW" sz="1200" dirty="0" smtClean="0">
+                      <a:r>
+                        <a:rPr lang="en-US" altLang="zh-TW" sz="1800" kern="1200" dirty="0" smtClean="0">
+                          <a:solidFill>
+                            <a:schemeClr val="tx1"/>
+                          </a:solidFill>
+                          <a:latin typeface="微軟正黑體" panose="020B0604030504040204" pitchFamily="34" charset="-120"/>
+                          <a:ea typeface="微軟正黑體" panose="020B0604030504040204" pitchFamily="34" charset="-120"/>
+                          <a:cs typeface="+mn-cs"/>
+                        </a:rPr>
+                        <a:t>(</a:t>
+                      </a:r>
+                      <a:r>
+                        <a:rPr lang="zh-TW" altLang="en-US" sz="1800" kern="1200" dirty="0" smtClean="0">
+                          <a:solidFill>
+                            <a:schemeClr val="tx1"/>
+                          </a:solidFill>
+                          <a:latin typeface="微軟正黑體" panose="020B0604030504040204" pitchFamily="34" charset="-120"/>
+                          <a:ea typeface="微軟正黑體" panose="020B0604030504040204" pitchFamily="34" charset="-120"/>
+                          <a:cs typeface="+mn-cs"/>
+                        </a:rPr>
+                        <a:t>物件屬性</a:t>
+                      </a:r>
+                      <a:r>
+                        <a:rPr lang="en-US" altLang="zh-TW" sz="1800" kern="1200" dirty="0" smtClean="0">
+                          <a:solidFill>
+                            <a:schemeClr val="tx1"/>
+                          </a:solidFill>
+                          <a:latin typeface="微軟正黑體" panose="020B0604030504040204" pitchFamily="34" charset="-120"/>
+                          <a:ea typeface="微軟正黑體" panose="020B0604030504040204" pitchFamily="34" charset="-120"/>
+                          <a:cs typeface="+mn-cs"/>
+                        </a:rPr>
+                        <a:t>)</a:t>
+                      </a:r>
+                      <a:endParaRPr lang="zh-TW" altLang="en-US" sz="1800" kern="1200" dirty="0">
                         <a:solidFill>
                           <a:schemeClr val="tx1"/>
                         </a:solidFill>
                         <a:latin typeface="微軟正黑體" panose="020B0604030504040204" pitchFamily="34" charset="-120"/>
                         <a:ea typeface="微軟正黑體" panose="020B0604030504040204" pitchFamily="34" charset="-120"/>
-                      </a:endParaRPr>
-                    </a:p>
-                    <a:p>
-                      <a:r>
-                        <a:rPr lang="en-US" altLang="zh-TW" sz="1200" dirty="0" smtClean="0">
-                          <a:solidFill>
-                            <a:schemeClr val="tx1"/>
-                          </a:solidFill>
-                          <a:latin typeface="微軟正黑體" panose="020B0604030504040204" pitchFamily="34" charset="-120"/>
-                          <a:ea typeface="微軟正黑體" panose="020B0604030504040204" pitchFamily="34" charset="-120"/>
-                        </a:rPr>
-                        <a:t>(</a:t>
-                      </a:r>
-                      <a:r>
-                        <a:rPr lang="zh-TW" altLang="en-US" sz="1200" dirty="0" smtClean="0">
-                          <a:solidFill>
-                            <a:schemeClr val="tx1"/>
-                          </a:solidFill>
-                          <a:latin typeface="微軟正黑體" panose="020B0604030504040204" pitchFamily="34" charset="-120"/>
-                          <a:ea typeface="微軟正黑體" panose="020B0604030504040204" pitchFamily="34" charset="-120"/>
-                        </a:rPr>
-                        <a:t>物件屬性</a:t>
-                      </a:r>
-                      <a:r>
-                        <a:rPr lang="en-US" altLang="zh-TW" sz="1200" dirty="0" smtClean="0">
-                          <a:solidFill>
-                            <a:schemeClr val="tx1"/>
-                          </a:solidFill>
-                          <a:latin typeface="微軟正黑體" panose="020B0604030504040204" pitchFamily="34" charset="-120"/>
-                          <a:ea typeface="微軟正黑體" panose="020B0604030504040204" pitchFamily="34" charset="-120"/>
-                        </a:rPr>
-                        <a:t>)</a:t>
-                      </a:r>
-                      <a:endParaRPr lang="zh-TW" altLang="en-US" sz="1200" dirty="0">
-                        <a:solidFill>
-                          <a:schemeClr val="tx1"/>
-                        </a:solidFill>
-                        <a:latin typeface="微軟正黑體" panose="020B0604030504040204" pitchFamily="34" charset="-120"/>
-                        <a:ea typeface="微軟正黑體" panose="020B0604030504040204" pitchFamily="34" charset="-120"/>
+                        <a:cs typeface="+mn-cs"/>
                       </a:endParaRPr>
                     </a:p>
                   </a:txBody>
@@ -10561,22 +11000,25 @@
                     <a:bodyPr/>
                     <a:lstStyle/>
                     <a:p>
+                      <a:pPr marL="0" algn="l" defTabSz="914400" rtl="0" eaLnBrk="1" latinLnBrk="0" hangingPunct="1"/>
                       <a:r>
-                        <a:rPr lang="en-US" altLang="zh-TW" sz="1800" dirty="0" smtClean="0">
+                        <a:rPr lang="en-US" altLang="zh-TW" sz="1800" kern="1200" dirty="0" smtClean="0">
                           <a:solidFill>
                             <a:schemeClr val="tx1"/>
                           </a:solidFill>
                           <a:latin typeface="微軟正黑體" panose="020B0604030504040204" pitchFamily="34" charset="-120"/>
                           <a:ea typeface="微軟正黑體" panose="020B0604030504040204" pitchFamily="34" charset="-120"/>
+                          <a:cs typeface="+mn-cs"/>
                         </a:rPr>
                         <a:t>.</a:t>
                       </a:r>
-                      <a:endParaRPr lang="zh-TW" altLang="en-US" sz="1800" dirty="0">
+                      <a:endParaRPr lang="zh-TW" altLang="en-US" sz="1800" kern="1200" dirty="0">
                         <a:solidFill>
                           <a:schemeClr val="tx1"/>
                         </a:solidFill>
                         <a:latin typeface="微軟正黑體" panose="020B0604030504040204" pitchFamily="34" charset="-120"/>
                         <a:ea typeface="微軟正黑體" panose="020B0604030504040204" pitchFamily="34" charset="-120"/>
+                        <a:cs typeface="+mn-cs"/>
                       </a:endParaRPr>
                     </a:p>
                   </a:txBody>
@@ -10694,7 +11136,7 @@
                     <a:lstStyle/>
                     <a:p>
                       <a:r>
-                        <a:rPr lang="en-US" altLang="zh-TW" sz="1200" b="1" dirty="0" err="1" smtClean="0">
+                        <a:rPr lang="en-US" altLang="zh-TW" sz="1400" b="1" dirty="0" err="1" smtClean="0">
                           <a:solidFill>
                             <a:schemeClr val="tx1"/>
                           </a:solidFill>
@@ -10704,7 +11146,7 @@
                         <a:t>var</a:t>
                       </a:r>
                       <a:r>
-                        <a:rPr lang="en-US" altLang="zh-TW" sz="1200" b="1" baseline="0" dirty="0" smtClean="0">
+                        <a:rPr lang="en-US" altLang="zh-TW" sz="1400" b="1" baseline="0" dirty="0" smtClean="0">
                           <a:solidFill>
                             <a:schemeClr val="tx1"/>
                           </a:solidFill>
@@ -10716,7 +11158,7 @@
                     </a:p>
                     <a:p>
                       <a:r>
-                        <a:rPr lang="en-US" altLang="zh-TW" sz="1200" b="1" baseline="0" dirty="0" smtClean="0">
+                        <a:rPr lang="en-US" altLang="zh-TW" sz="1400" b="1" baseline="0" dirty="0" smtClean="0">
                           <a:solidFill>
                             <a:schemeClr val="tx1"/>
                           </a:solidFill>
@@ -10726,7 +11168,7 @@
                         <a:t>console.log(</a:t>
                       </a:r>
                       <a:r>
-                        <a:rPr lang="en-US" altLang="zh-TW" sz="1200" b="1" baseline="0" dirty="0" err="1" smtClean="0">
+                        <a:rPr lang="en-US" altLang="zh-TW" sz="1400" b="1" baseline="0" dirty="0" err="1" smtClean="0">
                           <a:solidFill>
                             <a:schemeClr val="tx1"/>
                           </a:solidFill>
@@ -10736,7 +11178,7 @@
                         <a:t>d.a</a:t>
                       </a:r>
                       <a:r>
-                        <a:rPr lang="en-US" altLang="zh-TW" sz="1200" b="1" baseline="0" dirty="0" smtClean="0">
+                        <a:rPr lang="en-US" altLang="zh-TW" sz="1400" b="1" baseline="0" dirty="0" smtClean="0">
                           <a:solidFill>
                             <a:schemeClr val="tx1"/>
                           </a:solidFill>
@@ -10745,7 +11187,7 @@
                         </a:rPr>
                         <a:t>);</a:t>
                       </a:r>
-                      <a:endParaRPr lang="zh-TW" altLang="en-US" sz="1200" b="1" dirty="0">
+                      <a:endParaRPr lang="zh-TW" altLang="en-US" sz="1400" b="1" dirty="0">
                         <a:solidFill>
                           <a:schemeClr val="tx1"/>
                         </a:solidFill>
@@ -10829,7 +11271,7 @@
                           <a:latin typeface="微軟正黑體" panose="020B0604030504040204" pitchFamily="34" charset="-120"/>
                           <a:ea typeface="微軟正黑體" panose="020B0604030504040204" pitchFamily="34" charset="-120"/>
                         </a:rPr>
-                        <a:t>物件的</a:t>
+                        <a:t>物件</a:t>
                       </a:r>
                       <a:r>
                         <a:rPr lang="en-US" altLang="zh-TW" sz="1600" dirty="0" smtClean="0">
@@ -10849,7 +11291,7 @@
                           <a:latin typeface="微軟正黑體" panose="020B0604030504040204" pitchFamily="34" charset="-120"/>
                           <a:ea typeface="微軟正黑體" panose="020B0604030504040204" pitchFamily="34" charset="-120"/>
                         </a:rPr>
-                        <a:t>屬性</a:t>
+                        <a:t>屬性值</a:t>
                       </a:r>
                       <a:r>
                         <a:rPr lang="en-US" altLang="zh-TW" sz="1600" dirty="0" smtClean="0">
@@ -10920,7 +11362,7 @@
     </p:spTree>
     <p:extLst>
       <p:ext uri="{BB962C8B-B14F-4D97-AF65-F5344CB8AC3E}">
-        <p14:creationId xmlns:p14="http://schemas.microsoft.com/office/powerpoint/2010/main" val="1121334064"/>
+        <p14:creationId xmlns:p14="http://schemas.microsoft.com/office/powerpoint/2010/main" val="334578501"/>
       </p:ext>
     </p:extLst>
   </p:cSld>
@@ -10937,7 +11379,7 @@
 </p:sld>
 </file>
 
-<file path=ppt/slides/slide34.xml><?xml version="1.0" encoding="utf-8"?>
+<file path=ppt/slides/slide35.xml><?xml version="1.0" encoding="utf-8"?>
 <p:sld xmlns:a="http://schemas.openxmlformats.org/drawingml/2006/main" xmlns:r="http://schemas.openxmlformats.org/officeDocument/2006/relationships" xmlns:p="http://schemas.openxmlformats.org/presentationml/2006/main">
   <p:cSld>
     <p:spTree>
@@ -11619,17 +12061,7 @@
                           <a:latin typeface="微軟正黑體" panose="020B0604030504040204" pitchFamily="34" charset="-120"/>
                           <a:ea typeface="微軟正黑體" panose="020B0604030504040204" pitchFamily="34" charset="-120"/>
                         </a:rPr>
-                        <a:t>"</a:t>
-                      </a:r>
-                      <a:r>
-                        <a:rPr lang="en-US" altLang="zh-TW" sz="1800" dirty="0" smtClean="0">
-                          <a:solidFill>
-                            <a:schemeClr val="tx1"/>
-                          </a:solidFill>
-                          <a:latin typeface="微軟正黑體" panose="020B0604030504040204" pitchFamily="34" charset="-120"/>
-                          <a:ea typeface="微軟正黑體" panose="020B0604030504040204" pitchFamily="34" charset="-120"/>
-                        </a:rPr>
-                        <a:t>10"</a:t>
+                        <a:t>"10"</a:t>
                       </a:r>
                       <a:endParaRPr lang="zh-TW" altLang="en-US" sz="1800" dirty="0">
                         <a:solidFill>
@@ -12437,17 +12869,7 @@
                           <a:latin typeface="微軟正黑體" panose="020B0604030504040204" pitchFamily="34" charset="-120"/>
                           <a:ea typeface="微軟正黑體" panose="020B0604030504040204" pitchFamily="34" charset="-120"/>
                         </a:rPr>
-                        <a:t>!= </a:t>
-                      </a:r>
-                      <a:r>
-                        <a:rPr lang="en-US" altLang="zh-TW" sz="1800" dirty="0" smtClean="0">
-                          <a:solidFill>
-                            <a:schemeClr val="tx1"/>
-                          </a:solidFill>
-                          <a:latin typeface="微軟正黑體" panose="020B0604030504040204" pitchFamily="34" charset="-120"/>
-                          <a:ea typeface="微軟正黑體" panose="020B0604030504040204" pitchFamily="34" charset="-120"/>
-                        </a:rPr>
-                        <a:t>"5"</a:t>
+                        <a:t>!= "5"</a:t>
                       </a:r>
                       <a:endParaRPr lang="zh-TW" altLang="en-US" sz="1800" dirty="0" smtClean="0">
                         <a:solidFill>
@@ -13030,7 +13452,7 @@
 </p:sld>
 </file>
 
-<file path=ppt/slides/slide35.xml><?xml version="1.0" encoding="utf-8"?>
+<file path=ppt/slides/slide36.xml><?xml version="1.0" encoding="utf-8"?>
 <p:sld xmlns:a="http://schemas.openxmlformats.org/drawingml/2006/main" xmlns:r="http://schemas.openxmlformats.org/officeDocument/2006/relationships" xmlns:p="http://schemas.openxmlformats.org/presentationml/2006/main">
   <p:cSld>
     <p:spTree>
@@ -13115,172 +13537,6 @@
 </p:sld>
 </file>
 
-<file path=ppt/slides/slide36.xml><?xml version="1.0" encoding="utf-8"?>
-<p:sld xmlns:a="http://schemas.openxmlformats.org/drawingml/2006/main" xmlns:r="http://schemas.openxmlformats.org/officeDocument/2006/relationships" xmlns:p="http://schemas.openxmlformats.org/presentationml/2006/main">
-  <p:cSld>
-    <p:spTree>
-      <p:nvGrpSpPr>
-        <p:cNvPr id="1" name=""/>
-        <p:cNvGrpSpPr/>
-        <p:nvPr/>
-      </p:nvGrpSpPr>
-      <p:grpSpPr>
-        <a:xfrm>
-          <a:off x="0" y="0"/>
-          <a:ext cx="0" cy="0"/>
-          <a:chOff x="0" y="0"/>
-          <a:chExt cx="0" cy="0"/>
-        </a:xfrm>
-      </p:grpSpPr>
-      <p:sp>
-        <p:nvSpPr>
-          <p:cNvPr id="2" name="標題 1"/>
-          <p:cNvSpPr>
-            <a:spLocks noGrp="1"/>
-          </p:cNvSpPr>
-          <p:nvPr>
-            <p:ph type="title"/>
-          </p:nvPr>
-        </p:nvSpPr>
-        <p:spPr/>
-        <p:txBody>
-          <a:bodyPr/>
-          <a:lstStyle/>
-          <a:p>
-            <a:r>
-              <a:rPr lang="en-US" altLang="zh-TW" dirty="0" smtClean="0"/>
-              <a:t>=</a:t>
-            </a:r>
-            <a:r>
-              <a:rPr lang="zh-TW" altLang="en-US" dirty="0" smtClean="0">
-                <a:solidFill>
-                  <a:srgbClr val="C00000"/>
-                </a:solidFill>
-              </a:rPr>
-              <a:t>賦值</a:t>
-            </a:r>
-            <a:r>
-              <a:rPr lang="zh-TW" altLang="en-US" dirty="0" smtClean="0"/>
-              <a:t>運算子</a:t>
-            </a:r>
-            <a:endParaRPr lang="zh-TW" altLang="en-US" dirty="0"/>
-          </a:p>
-        </p:txBody>
-      </p:sp>
-      <p:sp>
-        <p:nvSpPr>
-          <p:cNvPr id="3" name="內容版面配置區 2"/>
-          <p:cNvSpPr>
-            <a:spLocks noGrp="1"/>
-          </p:cNvSpPr>
-          <p:nvPr>
-            <p:ph idx="1"/>
-          </p:nvPr>
-        </p:nvSpPr>
-        <p:spPr>
-          <a:xfrm>
-            <a:off x="467544" y="1635646"/>
-            <a:ext cx="8229600" cy="3394472"/>
-          </a:xfrm>
-        </p:spPr>
-        <p:txBody>
-          <a:bodyPr>
-            <a:normAutofit/>
-          </a:bodyPr>
-          <a:lstStyle/>
-          <a:p>
-            <a:pPr marL="0" indent="0">
-              <a:buNone/>
-            </a:pPr>
-            <a:r>
-              <a:rPr lang="en-US" altLang="zh-TW" sz="2800" dirty="0" smtClean="0"/>
-              <a:t>JavaScript</a:t>
-            </a:r>
-            <a:r>
-              <a:rPr lang="zh-TW" altLang="en-US" sz="2800" dirty="0" smtClean="0"/>
-              <a:t>、</a:t>
-            </a:r>
-            <a:r>
-              <a:rPr lang="en-US" altLang="zh-TW" sz="2800" dirty="0" smtClean="0"/>
-              <a:t>jQuery</a:t>
-            </a:r>
-            <a:endParaRPr lang="en-US" altLang="zh-TW" sz="2800" dirty="0"/>
-          </a:p>
-          <a:p>
-            <a:pPr marL="0" indent="0">
-              <a:buNone/>
-            </a:pPr>
-            <a:r>
-              <a:rPr lang="zh-TW" altLang="en-US" sz="2800" dirty="0" smtClean="0"/>
-              <a:t>只要看到</a:t>
-            </a:r>
-            <a:r>
-              <a:rPr lang="en-US" altLang="zh-TW" sz="2800" dirty="0" smtClean="0"/>
-              <a:t>=</a:t>
-            </a:r>
-            <a:r>
-              <a:rPr lang="zh-TW" altLang="en-US" sz="2800" dirty="0" smtClean="0"/>
-              <a:t>符號，一律理解成</a:t>
-            </a:r>
-            <a:endParaRPr lang="en-US" altLang="zh-TW" sz="2800" dirty="0" smtClean="0"/>
-          </a:p>
-          <a:p>
-            <a:pPr marL="0" indent="0">
-              <a:buNone/>
-            </a:pPr>
-            <a:r>
-              <a:rPr lang="zh-TW" altLang="en-US" sz="2800" b="1" dirty="0" smtClean="0">
-                <a:solidFill>
-                  <a:srgbClr val="C00000"/>
-                </a:solidFill>
-              </a:rPr>
-              <a:t>將</a:t>
-            </a:r>
-            <a:r>
-              <a:rPr lang="en-US" altLang="zh-TW" sz="2800" b="1" dirty="0" smtClean="0">
-                <a:solidFill>
-                  <a:srgbClr val="C00000"/>
-                </a:solidFill>
-              </a:rPr>
-              <a:t>=</a:t>
-            </a:r>
-            <a:r>
-              <a:rPr lang="zh-TW" altLang="en-US" sz="2800" b="1" dirty="0" smtClean="0">
-                <a:solidFill>
-                  <a:srgbClr val="C00000"/>
-                </a:solidFill>
-              </a:rPr>
-              <a:t>右邊的東西賦予給左邊的</a:t>
-            </a:r>
-            <a:r>
-              <a:rPr lang="zh-TW" altLang="en-US" sz="2800" b="1" dirty="0" smtClean="0">
-                <a:solidFill>
-                  <a:srgbClr val="C00000"/>
-                </a:solidFill>
-              </a:rPr>
-              <a:t>東西</a:t>
-            </a:r>
-            <a:endParaRPr lang="zh-TW" altLang="en-US" sz="2800" b="1" dirty="0">
-              <a:solidFill>
-                <a:srgbClr val="C00000"/>
-              </a:solidFill>
-            </a:endParaRPr>
-          </a:p>
-        </p:txBody>
-      </p:sp>
-    </p:spTree>
-    <p:extLst>
-      <p:ext uri="{BB962C8B-B14F-4D97-AF65-F5344CB8AC3E}">
-        <p14:creationId xmlns:p14="http://schemas.microsoft.com/office/powerpoint/2010/main" val="3197487990"/>
-      </p:ext>
-    </p:extLst>
-  </p:cSld>
-  <p:clrMapOvr>
-    <a:masterClrMapping/>
-  </p:clrMapOvr>
-</p:sld>
-</file>
-
 <file path=ppt/slides/slide37.xml><?xml version="1.0" encoding="utf-8"?>
 <p:sld xmlns:a="http://schemas.openxmlformats.org/drawingml/2006/main" xmlns:r="http://schemas.openxmlformats.org/officeDocument/2006/relationships" xmlns:p="http://schemas.openxmlformats.org/presentationml/2006/main">
   <p:cSld>
@@ -13315,7 +13571,7 @@
           <a:p>
             <a:r>
               <a:rPr lang="en-US" altLang="zh-TW" dirty="0" smtClean="0"/>
-              <a:t>==</a:t>
+              <a:t>=</a:t>
             </a:r>
             <a:r>
               <a:rPr lang="zh-TW" altLang="en-US" dirty="0" smtClean="0">
@@ -13323,7 +13579,7 @@
                   <a:srgbClr val="C00000"/>
                 </a:solidFill>
               </a:rPr>
-              <a:t>寬鬆比較</a:t>
+              <a:t>賦值</a:t>
             </a:r>
             <a:r>
               <a:rPr lang="zh-TW" altLang="en-US" dirty="0" smtClean="0"/>
@@ -13359,66 +13615,90 @@
               <a:buNone/>
             </a:pPr>
             <a:r>
-              <a:rPr lang="zh-TW" altLang="en-US" sz="2000" dirty="0" smtClean="0"/>
-              <a:t>將</a:t>
-            </a:r>
-            <a:r>
-              <a:rPr lang="en-US" altLang="zh-TW" sz="2000" dirty="0" smtClean="0"/>
-              <a:t>==</a:t>
-            </a:r>
-            <a:r>
-              <a:rPr lang="zh-TW" altLang="en-US" sz="2000" dirty="0" smtClean="0"/>
-              <a:t>左邊值與右邊值進行相等比較並回傳布林值</a:t>
-            </a:r>
-            <a:r>
-              <a:rPr lang="en-US" altLang="zh-TW" sz="2000" dirty="0" smtClean="0"/>
-              <a:t>(true</a:t>
-            </a:r>
-            <a:r>
-              <a:rPr lang="zh-TW" altLang="en-US" sz="2000" dirty="0" smtClean="0"/>
+              <a:rPr lang="en-US" altLang="zh-TW" sz="2800" dirty="0" smtClean="0"/>
+              <a:t>JavaScript</a:t>
+            </a:r>
+            <a:r>
+              <a:rPr lang="zh-TW" altLang="en-US" sz="2800" dirty="0" smtClean="0"/>
               <a:t>、</a:t>
             </a:r>
             <a:r>
-              <a:rPr lang="en-US" altLang="zh-TW" sz="2000" dirty="0" smtClean="0"/>
-              <a:t>false)</a:t>
-            </a:r>
+              <a:rPr lang="en-US" altLang="zh-TW" sz="2800" dirty="0" smtClean="0"/>
+              <a:t>jQuery</a:t>
+            </a:r>
+            <a:endParaRPr lang="en-US" altLang="zh-TW" sz="2800" dirty="0"/>
           </a:p>
           <a:p>
             <a:pPr marL="0" indent="0">
               <a:buNone/>
             </a:pPr>
             <a:r>
-              <a:rPr lang="zh-TW" altLang="en-US" sz="2000" dirty="0" smtClean="0"/>
-              <a:t>若右邊值與左邊值相似，但型別不同時，</a:t>
-            </a:r>
-            <a:r>
-              <a:rPr lang="en-US" altLang="zh-TW" sz="2000" dirty="0" err="1" smtClean="0"/>
-              <a:t>javaScript</a:t>
-            </a:r>
-            <a:r>
-              <a:rPr lang="zh-TW" altLang="en-US" sz="2000" dirty="0" smtClean="0"/>
-              <a:t>會將其轉換型別。</a:t>
-            </a:r>
-            <a:endParaRPr lang="en-US" altLang="zh-TW" sz="2000" dirty="0" smtClean="0"/>
+              <a:rPr lang="zh-TW" altLang="en-US" sz="2800" dirty="0" smtClean="0"/>
+              <a:t>只要看到</a:t>
+            </a:r>
+            <a:r>
+              <a:rPr lang="en-US" altLang="zh-TW" sz="2800" dirty="0" smtClean="0"/>
+              <a:t>=</a:t>
+            </a:r>
+            <a:r>
+              <a:rPr lang="zh-TW" altLang="en-US" sz="2800" dirty="0" smtClean="0"/>
+              <a:t>符號，一律理解成</a:t>
+            </a:r>
+            <a:endParaRPr lang="en-US" altLang="zh-TW" sz="2800" dirty="0" smtClean="0"/>
           </a:p>
           <a:p>
             <a:pPr marL="0" indent="0">
               <a:buNone/>
             </a:pPr>
-            <a:endParaRPr lang="zh-TW" altLang="en-US" sz="2000" dirty="0"/>
+            <a:r>
+              <a:rPr lang="zh-TW" altLang="en-US" sz="2800" b="1" dirty="0" smtClean="0">
+                <a:solidFill>
+                  <a:srgbClr val="C00000"/>
+                </a:solidFill>
+              </a:rPr>
+              <a:t>將</a:t>
+            </a:r>
+            <a:r>
+              <a:rPr lang="en-US" altLang="zh-TW" sz="2800" b="1" dirty="0" smtClean="0">
+                <a:solidFill>
+                  <a:srgbClr val="C00000"/>
+                </a:solidFill>
+              </a:rPr>
+              <a:t>=</a:t>
+            </a:r>
+            <a:r>
+              <a:rPr lang="zh-TW" altLang="en-US" sz="2800" b="1" dirty="0" smtClean="0">
+                <a:solidFill>
+                  <a:srgbClr val="C00000"/>
+                </a:solidFill>
+              </a:rPr>
+              <a:t>右邊的東西賦予給左邊的東西</a:t>
+            </a:r>
+            <a:endParaRPr lang="zh-TW" altLang="en-US" sz="2800" b="1" dirty="0">
+              <a:solidFill>
+                <a:srgbClr val="C00000"/>
+              </a:solidFill>
+            </a:endParaRPr>
           </a:p>
         </p:txBody>
       </p:sp>
     </p:spTree>
     <p:extLst>
       <p:ext uri="{BB962C8B-B14F-4D97-AF65-F5344CB8AC3E}">
-        <p14:creationId xmlns:p14="http://schemas.microsoft.com/office/powerpoint/2010/main" val="1576332029"/>
+        <p14:creationId xmlns:p14="http://schemas.microsoft.com/office/powerpoint/2010/main" val="3197487990"/>
       </p:ext>
     </p:extLst>
   </p:cSld>
   <p:clrMapOvr>
     <a:masterClrMapping/>
   </p:clrMapOvr>
+  <p:timing>
+    <p:tnLst>
+      <p:par>
+        <p:cTn id="1" dur="indefinite" restart="never" nodeType="tmRoot"/>
+      </p:par>
+    </p:tnLst>
+  </p:timing>
 </p:sld>
 </file>
 
@@ -13456,15 +13736,7 @@
           <a:p>
             <a:r>
               <a:rPr lang="en-US" altLang="zh-TW" dirty="0" smtClean="0"/>
-              <a:t>===</a:t>
-            </a:r>
-            <a:r>
-              <a:rPr lang="zh-TW" altLang="en-US" dirty="0">
-                <a:solidFill>
-                  <a:srgbClr val="C00000"/>
-                </a:solidFill>
-              </a:rPr>
-              <a:t>嚴格</a:t>
+              <a:t>==</a:t>
             </a:r>
             <a:r>
               <a:rPr lang="zh-TW" altLang="en-US" dirty="0" smtClean="0">
@@ -13472,7 +13744,7 @@
                   <a:srgbClr val="C00000"/>
                 </a:solidFill>
               </a:rPr>
-              <a:t>比較</a:t>
+              <a:t>寬鬆比較</a:t>
             </a:r>
             <a:r>
               <a:rPr lang="zh-TW" altLang="en-US" dirty="0" smtClean="0"/>
@@ -13513,19 +13785,11 @@
             </a:r>
             <a:r>
               <a:rPr lang="en-US" altLang="zh-TW" sz="2000" dirty="0" smtClean="0"/>
-              <a:t>===</a:t>
+              <a:t>==</a:t>
             </a:r>
             <a:r>
               <a:rPr lang="zh-TW" altLang="en-US" sz="2000" dirty="0" smtClean="0"/>
-              <a:t>左邊值與右邊值</a:t>
-            </a:r>
-            <a:r>
-              <a:rPr lang="zh-TW" altLang="en-US" sz="2000" b="1" dirty="0" smtClean="0"/>
-              <a:t>嚴格相等比較</a:t>
-            </a:r>
-            <a:r>
-              <a:rPr lang="zh-TW" altLang="en-US" sz="2000" dirty="0" smtClean="0"/>
-              <a:t>並回傳布林值</a:t>
+              <a:t>左邊值與右邊值進行相等比較並回傳布林值</a:t>
             </a:r>
             <a:r>
               <a:rPr lang="en-US" altLang="zh-TW" sz="2000" dirty="0" smtClean="0"/>
@@ -13553,8 +13817,12 @@
               <a:t>javaScript</a:t>
             </a:r>
             <a:r>
-              <a:rPr lang="zh-TW" altLang="en-US" sz="2000" b="1" dirty="0" smtClean="0"/>
-              <a:t>不會</a:t>
+              <a:rPr lang="zh-TW" altLang="en-US" sz="2000" b="1" dirty="0" smtClean="0">
+                <a:solidFill>
+                  <a:srgbClr val="C00000"/>
+                </a:solidFill>
+              </a:rPr>
+              <a:t>會</a:t>
             </a:r>
             <a:r>
               <a:rPr lang="zh-TW" altLang="en-US" sz="2000" dirty="0" smtClean="0"/>
@@ -13573,13 +13841,20 @@
     </p:spTree>
     <p:extLst>
       <p:ext uri="{BB962C8B-B14F-4D97-AF65-F5344CB8AC3E}">
-        <p14:creationId xmlns:p14="http://schemas.microsoft.com/office/powerpoint/2010/main" val="1348809355"/>
+        <p14:creationId xmlns:p14="http://schemas.microsoft.com/office/powerpoint/2010/main" val="1576332029"/>
       </p:ext>
     </p:extLst>
   </p:cSld>
   <p:clrMapOvr>
     <a:masterClrMapping/>
   </p:clrMapOvr>
+  <p:timing>
+    <p:tnLst>
+      <p:par>
+        <p:cTn id="1" dur="indefinite" restart="never" nodeType="tmRoot"/>
+      </p:par>
+    </p:tnLst>
+  </p:timing>
 </p:sld>
 </file>
 
@@ -13616,8 +13891,28 @@
           <a:lstStyle/>
           <a:p>
             <a:r>
+              <a:rPr lang="en-US" altLang="zh-TW" dirty="0" smtClean="0"/>
+              <a:t>===</a:t>
+            </a:r>
+            <a:r>
+              <a:rPr lang="zh-TW" altLang="en-US" dirty="0">
+                <a:solidFill>
+                  <a:srgbClr val="C00000"/>
+                </a:solidFill>
+              </a:rPr>
+              <a:t>嚴格</a:t>
+            </a:r>
+            <a:r>
+              <a:rPr lang="zh-TW" altLang="en-US" dirty="0" smtClean="0">
+                <a:solidFill>
+                  <a:srgbClr val="C00000"/>
+                </a:solidFill>
+              </a:rPr>
+              <a:t>比較</a:t>
+            </a:r>
+            <a:r>
               <a:rPr lang="zh-TW" altLang="en-US" dirty="0" smtClean="0"/>
-              <a:t>運算子的優先性</a:t>
+              <a:t>運算子</a:t>
             </a:r>
             <a:endParaRPr lang="zh-TW" altLang="en-US" dirty="0"/>
           </a:p>
@@ -13635,8 +13930,8 @@
         </p:nvSpPr>
         <p:spPr>
           <a:xfrm>
-            <a:off x="457200" y="1200150"/>
-            <a:ext cx="8229600" cy="3603847"/>
+            <a:off x="467544" y="1635646"/>
+            <a:ext cx="8229600" cy="3394472"/>
           </a:xfrm>
         </p:spPr>
         <p:txBody>
@@ -13645,9 +13940,20 @@
           </a:bodyPr>
           <a:lstStyle/>
           <a:p>
+            <a:pPr marL="0" indent="0">
+              <a:buNone/>
+            </a:pPr>
             <a:r>
               <a:rPr lang="zh-TW" altLang="en-US" sz="2000" dirty="0" smtClean="0"/>
-              <a:t>程式執行</a:t>
+              <a:t>將</a:t>
+            </a:r>
+            <a:r>
+              <a:rPr lang="en-US" altLang="zh-TW" sz="2000" dirty="0" smtClean="0"/>
+              <a:t>===</a:t>
+            </a:r>
+            <a:r>
+              <a:rPr lang="zh-TW" altLang="en-US" sz="2000" dirty="0" smtClean="0"/>
+              <a:t>左邊值與右邊值</a:t>
             </a:r>
             <a:r>
               <a:rPr lang="zh-TW" altLang="en-US" sz="2000" b="1" dirty="0" smtClean="0">
@@ -13655,15 +13961,36 @@
                   <a:srgbClr val="C00000"/>
                 </a:solidFill>
               </a:rPr>
-              <a:t>不一定</a:t>
-            </a:r>
-            <a:r>
-              <a:rPr lang="zh-TW" altLang="en-US" sz="2000" b="1" dirty="0">
-                <a:solidFill>
-                  <a:srgbClr val="C00000"/>
-                </a:solidFill>
-              </a:rPr>
-              <a:t>由左邊</a:t>
+              <a:t>嚴格相等比較</a:t>
+            </a:r>
+            <a:r>
+              <a:rPr lang="zh-TW" altLang="en-US" sz="2000" dirty="0" smtClean="0"/>
+              <a:t>並回傳布林值</a:t>
+            </a:r>
+            <a:r>
+              <a:rPr lang="en-US" altLang="zh-TW" sz="2000" dirty="0" smtClean="0"/>
+              <a:t>(true</a:t>
+            </a:r>
+            <a:r>
+              <a:rPr lang="zh-TW" altLang="en-US" sz="2000" dirty="0" smtClean="0"/>
+              <a:t>、</a:t>
+            </a:r>
+            <a:r>
+              <a:rPr lang="en-US" altLang="zh-TW" sz="2000" dirty="0" smtClean="0"/>
+              <a:t>false)</a:t>
+            </a:r>
+          </a:p>
+          <a:p>
+            <a:pPr marL="0" indent="0">
+              <a:buNone/>
+            </a:pPr>
+            <a:r>
+              <a:rPr lang="zh-TW" altLang="en-US" sz="2000" dirty="0" smtClean="0"/>
+              <a:t>若右邊值與左邊值相似，但型別不同時，</a:t>
+            </a:r>
+            <a:r>
+              <a:rPr lang="en-US" altLang="zh-TW" sz="2000" dirty="0" err="1" smtClean="0"/>
+              <a:t>javaScript</a:t>
             </a:r>
             <a:r>
               <a:rPr lang="zh-TW" altLang="en-US" sz="2000" b="1" dirty="0" smtClean="0">
@@ -13671,53 +13998,11 @@
                   <a:srgbClr val="C00000"/>
                 </a:solidFill>
               </a:rPr>
-              <a:t>開始</a:t>
-            </a:r>
-            <a:endParaRPr lang="en-US" altLang="zh-TW" sz="2000" b="1" dirty="0" smtClean="0">
-              <a:solidFill>
-                <a:srgbClr val="C00000"/>
-              </a:solidFill>
-            </a:endParaRPr>
-          </a:p>
-          <a:p>
-            <a:r>
-              <a:rPr lang="zh-TW" altLang="en-US" sz="2000" dirty="0"/>
-              <a:t>運算子優先性高先</a:t>
+              <a:t>不會</a:t>
             </a:r>
             <a:r>
               <a:rPr lang="zh-TW" altLang="en-US" sz="2000" dirty="0" smtClean="0"/>
-              <a:t>執行</a:t>
-            </a:r>
-            <a:endParaRPr lang="en-US" altLang="zh-TW" sz="2000" dirty="0" smtClean="0"/>
-          </a:p>
-          <a:p>
-            <a:r>
-              <a:rPr lang="zh-TW" altLang="en-US" sz="2000" dirty="0"/>
-              <a:t>運算子優先</a:t>
-            </a:r>
-            <a:r>
-              <a:rPr lang="zh-TW" altLang="en-US" sz="2000" dirty="0" smtClean="0"/>
-              <a:t>性相同，由</a:t>
-            </a:r>
-            <a:r>
-              <a:rPr lang="zh-TW" altLang="en-US" sz="2000" b="1" dirty="0" smtClean="0">
-                <a:solidFill>
-                  <a:srgbClr val="C00000"/>
-                </a:solidFill>
-              </a:rPr>
-              <a:t>相依順序</a:t>
-            </a:r>
-            <a:r>
-              <a:rPr lang="zh-TW" altLang="en-US" sz="2000" dirty="0" smtClean="0"/>
-              <a:t>決定</a:t>
-            </a:r>
-            <a:r>
-              <a:rPr lang="zh-TW" altLang="en-US" sz="2000" dirty="0" smtClean="0"/>
-              <a:t>執行</a:t>
-            </a:r>
-            <a:r>
-              <a:rPr lang="zh-TW" altLang="en-US" sz="2000" dirty="0" smtClean="0"/>
-              <a:t>方向</a:t>
+              <a:t>將其轉換型別。</a:t>
             </a:r>
             <a:endParaRPr lang="en-US" altLang="zh-TW" sz="2000" dirty="0" smtClean="0"/>
           </a:p>
@@ -13725,148 +14010,27 @@
             <a:pPr marL="0" indent="0">
               <a:buNone/>
             </a:pPr>
-            <a:endParaRPr lang="en-US" altLang="zh-TW" sz="2400" dirty="0" smtClean="0"/>
-          </a:p>
-          <a:p>
-            <a:pPr marL="0" indent="0">
-              <a:buNone/>
-            </a:pPr>
-            <a:endParaRPr lang="en-US" altLang="zh-TW" sz="2400" dirty="0"/>
-          </a:p>
-          <a:p>
-            <a:pPr marL="0" indent="0">
-              <a:buNone/>
-            </a:pPr>
-            <a:endParaRPr lang="en-US" altLang="zh-TW" sz="2400" dirty="0" smtClean="0"/>
-          </a:p>
-          <a:p>
-            <a:pPr marL="0" indent="0">
-              <a:buNone/>
-            </a:pPr>
-            <a:r>
-              <a:rPr lang="zh-TW" altLang="en-US" sz="1800" dirty="0" smtClean="0"/>
-              <a:t>小提醒</a:t>
-            </a:r>
-            <a:r>
-              <a:rPr lang="zh-TW" altLang="en-US" sz="1800" dirty="0"/>
-              <a:t>：</a:t>
-            </a:r>
-            <a:endParaRPr lang="en-US" altLang="zh-TW" sz="1800" dirty="0"/>
-          </a:p>
-          <a:p>
-            <a:pPr marL="0" indent="0">
-              <a:buNone/>
-            </a:pPr>
-            <a:r>
-              <a:rPr lang="en-US" altLang="zh-TW" sz="1800" dirty="0" smtClean="0"/>
-              <a:t>=</a:t>
-            </a:r>
-            <a:r>
-              <a:rPr lang="zh-TW" altLang="en-US" sz="1800" dirty="0" smtClean="0"/>
-              <a:t>運算子優先性很低，低於</a:t>
-            </a:r>
-            <a:r>
-              <a:rPr lang="en-US" altLang="zh-TW" sz="1800" dirty="0" smtClean="0"/>
-              <a:t>+</a:t>
-            </a:r>
-            <a:r>
-              <a:rPr lang="zh-TW" altLang="en-US" sz="1800" dirty="0" smtClean="0"/>
-              <a:t>、</a:t>
-            </a:r>
-            <a:r>
-              <a:rPr lang="en-US" altLang="zh-TW" sz="1800" dirty="0" smtClean="0"/>
-              <a:t>-</a:t>
-            </a:r>
-            <a:r>
-              <a:rPr lang="zh-TW" altLang="en-US" sz="1800" dirty="0" smtClean="0"/>
-              <a:t> 、 *</a:t>
-            </a:r>
-            <a:r>
-              <a:rPr lang="zh-TW" altLang="en-US" sz="1800" dirty="0"/>
-              <a:t> 、 </a:t>
-            </a:r>
-            <a:r>
-              <a:rPr lang="en-US" altLang="zh-TW" sz="1800" dirty="0" smtClean="0"/>
-              <a:t>/</a:t>
-            </a:r>
-            <a:r>
-              <a:rPr lang="zh-TW" altLang="en-US" sz="1800" dirty="0"/>
-              <a:t> 、 </a:t>
-            </a:r>
-            <a:r>
-              <a:rPr lang="en-US" altLang="zh-TW" sz="1800" dirty="0"/>
-              <a:t>%</a:t>
-            </a:r>
-            <a:r>
-              <a:rPr lang="zh-TW" altLang="en-US" sz="1800" dirty="0" smtClean="0"/>
-              <a:t>、 </a:t>
-            </a:r>
-            <a:r>
-              <a:rPr lang="en-US" altLang="zh-TW" sz="1800" dirty="0" smtClean="0"/>
-              <a:t>==</a:t>
-            </a:r>
-            <a:r>
-              <a:rPr lang="zh-TW" altLang="en-US" sz="1800" dirty="0" smtClean="0"/>
-              <a:t> 、</a:t>
-            </a:r>
-            <a:r>
-              <a:rPr lang="en-US" altLang="zh-TW" sz="1800" dirty="0" smtClean="0"/>
-              <a:t>===</a:t>
-            </a:r>
-            <a:r>
-              <a:rPr lang="zh-TW" altLang="en-US" sz="1800" dirty="0" smtClean="0"/>
-              <a:t> 、</a:t>
-            </a:r>
-            <a:r>
-              <a:rPr lang="en-US" altLang="zh-TW" sz="1800" dirty="0" smtClean="0"/>
-              <a:t>!==…..</a:t>
-            </a:r>
-            <a:r>
-              <a:rPr lang="zh-TW" altLang="en-US" sz="1800" dirty="0" smtClean="0"/>
-              <a:t>等等</a:t>
-            </a:r>
-            <a:endParaRPr lang="en-US" altLang="zh-TW" sz="1800" dirty="0" smtClean="0"/>
-          </a:p>
-          <a:p>
-            <a:pPr marL="0" indent="0">
-              <a:buNone/>
-            </a:pPr>
-            <a:r>
-              <a:rPr lang="zh-TW" altLang="en-US" sz="1800" dirty="0" smtClean="0"/>
-              <a:t>完整運算子優先性表格：</a:t>
-            </a:r>
-            <a:r>
-              <a:rPr lang="en-US" altLang="zh-TW" sz="2000" dirty="0" smtClean="0">
-                <a:hlinkClick r:id="rId2"/>
-              </a:rPr>
-              <a:t>https</a:t>
-            </a:r>
-            <a:r>
-              <a:rPr lang="en-US" altLang="zh-TW" sz="2000" dirty="0">
-                <a:hlinkClick r:id="rId2"/>
-              </a:rPr>
-              <a:t>://</a:t>
-            </a:r>
-            <a:r>
-              <a:rPr lang="en-US" altLang="zh-TW" sz="2000" dirty="0" smtClean="0">
-                <a:hlinkClick r:id="rId2"/>
-              </a:rPr>
-              <a:t>goo.gl/T3WfoV</a:t>
-            </a:r>
-            <a:endParaRPr lang="en-US" altLang="zh-TW" sz="2000" dirty="0"/>
+            <a:endParaRPr lang="zh-TW" altLang="en-US" sz="2000" dirty="0"/>
           </a:p>
         </p:txBody>
       </p:sp>
     </p:spTree>
     <p:extLst>
       <p:ext uri="{BB962C8B-B14F-4D97-AF65-F5344CB8AC3E}">
-        <p14:creationId xmlns:p14="http://schemas.microsoft.com/office/powerpoint/2010/main" val="1738348854"/>
+        <p14:creationId xmlns:p14="http://schemas.microsoft.com/office/powerpoint/2010/main" val="1348809355"/>
       </p:ext>
     </p:extLst>
   </p:cSld>
   <p:clrMapOvr>
     <a:masterClrMapping/>
   </p:clrMapOvr>
+  <p:timing>
+    <p:tnLst>
+      <p:par>
+        <p:cTn id="1" dur="indefinite" restart="never" nodeType="tmRoot"/>
+      </p:par>
+    </p:tnLst>
+  </p:timing>
 </p:sld>
 </file>
 
@@ -14061,34 +14225,262 @@
             <p:ph type="title"/>
           </p:nvPr>
         </p:nvSpPr>
+        <p:spPr/>
+        <p:txBody>
+          <a:bodyPr/>
+          <a:lstStyle/>
+          <a:p>
+            <a:r>
+              <a:rPr lang="zh-TW" altLang="en-US" dirty="0" smtClean="0"/>
+              <a:t>運算子的優先性</a:t>
+            </a:r>
+            <a:endParaRPr lang="zh-TW" altLang="en-US" dirty="0"/>
+          </a:p>
+        </p:txBody>
+      </p:sp>
+      <p:sp>
+        <p:nvSpPr>
+          <p:cNvPr id="3" name="內容版面配置區 2"/>
+          <p:cNvSpPr>
+            <a:spLocks noGrp="1"/>
+          </p:cNvSpPr>
+          <p:nvPr>
+            <p:ph idx="1"/>
+          </p:nvPr>
+        </p:nvSpPr>
         <p:spPr>
           <a:xfrm>
-            <a:off x="467544" y="1977684"/>
-            <a:ext cx="8229600" cy="857250"/>
+            <a:off x="457200" y="1200150"/>
+            <a:ext cx="8229600" cy="3603847"/>
           </a:xfrm>
         </p:spPr>
         <p:txBody>
-          <a:bodyPr/>
-          <a:lstStyle/>
-          <a:p>
-            <a:r>
-              <a:rPr lang="zh-TW" altLang="en-US" dirty="0" smtClean="0"/>
-              <a:t>問答時間</a:t>
-            </a:r>
-            <a:endParaRPr lang="zh-TW" altLang="en-US" dirty="0"/>
+          <a:bodyPr>
+            <a:normAutofit/>
+          </a:bodyPr>
+          <a:lstStyle/>
+          <a:p>
+            <a:r>
+              <a:rPr lang="zh-TW" altLang="en-US" sz="2000" dirty="0" smtClean="0"/>
+              <a:t>程式執行</a:t>
+            </a:r>
+            <a:r>
+              <a:rPr lang="zh-TW" altLang="en-US" sz="2000" b="1" dirty="0" smtClean="0">
+                <a:solidFill>
+                  <a:srgbClr val="C00000"/>
+                </a:solidFill>
+              </a:rPr>
+              <a:t>不一定</a:t>
+            </a:r>
+            <a:r>
+              <a:rPr lang="zh-TW" altLang="en-US" sz="2000" b="1" dirty="0">
+                <a:solidFill>
+                  <a:srgbClr val="C00000"/>
+                </a:solidFill>
+              </a:rPr>
+              <a:t>由左邊</a:t>
+            </a:r>
+            <a:r>
+              <a:rPr lang="zh-TW" altLang="en-US" sz="2000" b="1" dirty="0" smtClean="0">
+                <a:solidFill>
+                  <a:srgbClr val="C00000"/>
+                </a:solidFill>
+              </a:rPr>
+              <a:t>開始</a:t>
+            </a:r>
+            <a:endParaRPr lang="en-US" altLang="zh-TW" sz="2000" b="1" dirty="0" smtClean="0">
+              <a:solidFill>
+                <a:srgbClr val="C00000"/>
+              </a:solidFill>
+            </a:endParaRPr>
+          </a:p>
+          <a:p>
+            <a:r>
+              <a:rPr lang="zh-TW" altLang="en-US" sz="2000" dirty="0"/>
+              <a:t>運算子優先性高先</a:t>
+            </a:r>
+            <a:r>
+              <a:rPr lang="zh-TW" altLang="en-US" sz="2000" dirty="0" smtClean="0"/>
+              <a:t>執行</a:t>
+            </a:r>
+            <a:endParaRPr lang="en-US" altLang="zh-TW" sz="2000" dirty="0" smtClean="0"/>
+          </a:p>
+          <a:p>
+            <a:r>
+              <a:rPr lang="zh-TW" altLang="en-US" sz="2000" dirty="0"/>
+              <a:t>運算子優先</a:t>
+            </a:r>
+            <a:r>
+              <a:rPr lang="zh-TW" altLang="en-US" sz="2000" dirty="0" smtClean="0"/>
+              <a:t>性相同，由</a:t>
+            </a:r>
+            <a:r>
+              <a:rPr lang="zh-TW" altLang="en-US" sz="2000" b="1" dirty="0" smtClean="0">
+                <a:solidFill>
+                  <a:srgbClr val="C00000"/>
+                </a:solidFill>
+              </a:rPr>
+              <a:t>相依順序</a:t>
+            </a:r>
+            <a:r>
+              <a:rPr lang="zh-TW" altLang="en-US" sz="2000" dirty="0" smtClean="0"/>
+              <a:t>決定執行方向</a:t>
+            </a:r>
+            <a:endParaRPr lang="en-US" altLang="zh-TW" sz="2000" dirty="0" smtClean="0"/>
+          </a:p>
+          <a:p>
+            <a:pPr marL="0" indent="0">
+              <a:buNone/>
+            </a:pPr>
+            <a:endParaRPr lang="en-US" altLang="zh-TW" sz="2400" dirty="0" smtClean="0"/>
+          </a:p>
+          <a:p>
+            <a:pPr marL="0" indent="0">
+              <a:buNone/>
+            </a:pPr>
+            <a:endParaRPr lang="en-US" altLang="zh-TW" sz="2400" dirty="0"/>
+          </a:p>
+          <a:p>
+            <a:pPr marL="0" indent="0">
+              <a:buNone/>
+            </a:pPr>
+            <a:endParaRPr lang="en-US" altLang="zh-TW" sz="2400" dirty="0" smtClean="0"/>
+          </a:p>
+          <a:p>
+            <a:pPr marL="0" indent="0">
+              <a:buNone/>
+            </a:pPr>
+            <a:r>
+              <a:rPr lang="zh-TW" altLang="en-US" sz="1800" dirty="0" smtClean="0"/>
+              <a:t>小提醒</a:t>
+            </a:r>
+            <a:r>
+              <a:rPr lang="zh-TW" altLang="en-US" sz="1800" dirty="0"/>
+              <a:t>：</a:t>
+            </a:r>
+            <a:endParaRPr lang="en-US" altLang="zh-TW" sz="1800" dirty="0"/>
+          </a:p>
+          <a:p>
+            <a:pPr marL="0" indent="0">
+              <a:buNone/>
+            </a:pPr>
+            <a:r>
+              <a:rPr lang="en-US" altLang="zh-TW" sz="1800" dirty="0" smtClean="0"/>
+              <a:t>=</a:t>
+            </a:r>
+            <a:r>
+              <a:rPr lang="zh-TW" altLang="en-US" sz="1800" dirty="0" smtClean="0"/>
+              <a:t>運算子優先性很低，低於</a:t>
+            </a:r>
+            <a:r>
+              <a:rPr lang="en-US" altLang="zh-TW" sz="1800" dirty="0" smtClean="0"/>
+              <a:t>+</a:t>
+            </a:r>
+            <a:r>
+              <a:rPr lang="zh-TW" altLang="en-US" sz="1800" dirty="0" smtClean="0"/>
+              <a:t>、</a:t>
+            </a:r>
+            <a:r>
+              <a:rPr lang="en-US" altLang="zh-TW" sz="1800" dirty="0" smtClean="0"/>
+              <a:t>-</a:t>
+            </a:r>
+            <a:r>
+              <a:rPr lang="zh-TW" altLang="en-US" sz="1800" dirty="0" smtClean="0"/>
+              <a:t> 、 *</a:t>
+            </a:r>
+            <a:r>
+              <a:rPr lang="zh-TW" altLang="en-US" sz="1800" dirty="0"/>
+              <a:t> 、 </a:t>
+            </a:r>
+            <a:r>
+              <a:rPr lang="en-US" altLang="zh-TW" sz="1800" dirty="0" smtClean="0"/>
+              <a:t>/</a:t>
+            </a:r>
+            <a:r>
+              <a:rPr lang="zh-TW" altLang="en-US" sz="1800" dirty="0"/>
+              <a:t> 、 </a:t>
+            </a:r>
+            <a:r>
+              <a:rPr lang="en-US" altLang="zh-TW" sz="1800" dirty="0"/>
+              <a:t>%</a:t>
+            </a:r>
+            <a:r>
+              <a:rPr lang="zh-TW" altLang="en-US" sz="1800" dirty="0" smtClean="0"/>
+              <a:t>、 </a:t>
+            </a:r>
+            <a:r>
+              <a:rPr lang="en-US" altLang="zh-TW" sz="1800" dirty="0" smtClean="0"/>
+              <a:t>==</a:t>
+            </a:r>
+            <a:r>
+              <a:rPr lang="zh-TW" altLang="en-US" sz="1800" dirty="0" smtClean="0"/>
+              <a:t> 、</a:t>
+            </a:r>
+            <a:r>
+              <a:rPr lang="en-US" altLang="zh-TW" sz="1800" dirty="0" smtClean="0"/>
+              <a:t>===</a:t>
+            </a:r>
+            <a:r>
+              <a:rPr lang="zh-TW" altLang="en-US" sz="1800" dirty="0" smtClean="0"/>
+              <a:t> 、</a:t>
+            </a:r>
+            <a:r>
+              <a:rPr lang="en-US" altLang="zh-TW" sz="1800" dirty="0" smtClean="0"/>
+              <a:t>!==…..</a:t>
+            </a:r>
+            <a:r>
+              <a:rPr lang="zh-TW" altLang="en-US" sz="1800" dirty="0" smtClean="0"/>
+              <a:t>等等</a:t>
+            </a:r>
+            <a:endParaRPr lang="en-US" altLang="zh-TW" sz="1800" dirty="0" smtClean="0"/>
+          </a:p>
+          <a:p>
+            <a:pPr marL="0" indent="0">
+              <a:buNone/>
+            </a:pPr>
+            <a:r>
+              <a:rPr lang="zh-TW" altLang="en-US" sz="1800" dirty="0" smtClean="0"/>
+              <a:t>完整運算子優先性表格：</a:t>
+            </a:r>
+            <a:r>
+              <a:rPr lang="en-US" altLang="zh-TW" sz="2000" dirty="0" smtClean="0">
+                <a:hlinkClick r:id="rId2"/>
+              </a:rPr>
+              <a:t>https</a:t>
+            </a:r>
+            <a:r>
+              <a:rPr lang="en-US" altLang="zh-TW" sz="2000" dirty="0">
+                <a:hlinkClick r:id="rId2"/>
+              </a:rPr>
+              <a:t>://</a:t>
+            </a:r>
+            <a:r>
+              <a:rPr lang="en-US" altLang="zh-TW" sz="2000" dirty="0" smtClean="0">
+                <a:hlinkClick r:id="rId2"/>
+              </a:rPr>
+              <a:t>goo.gl/T3WfoV</a:t>
+            </a:r>
+            <a:endParaRPr lang="en-US" altLang="zh-TW" sz="2000" dirty="0"/>
           </a:p>
         </p:txBody>
       </p:sp>
     </p:spTree>
     <p:extLst>
       <p:ext uri="{BB962C8B-B14F-4D97-AF65-F5344CB8AC3E}">
-        <p14:creationId xmlns:p14="http://schemas.microsoft.com/office/powerpoint/2010/main" val="1817149003"/>
+        <p14:creationId xmlns:p14="http://schemas.microsoft.com/office/powerpoint/2010/main" val="1738348854"/>
       </p:ext>
     </p:extLst>
   </p:cSld>
   <p:clrMapOvr>
     <a:masterClrMapping/>
   </p:clrMapOvr>
+  <p:timing>
+    <p:tnLst>
+      <p:par>
+        <p:cTn id="1" dur="indefinite" restart="never" nodeType="tmRoot"/>
+      </p:par>
+    </p:tnLst>
+  </p:timing>
 </p:sld>
 </file>
 
@@ -14119,65 +14511,19 @@
             <p:ph type="title"/>
           </p:nvPr>
         </p:nvSpPr>
-        <p:spPr/>
+        <p:spPr>
+          <a:xfrm>
+            <a:off x="467544" y="1977684"/>
+            <a:ext cx="8229600" cy="857250"/>
+          </a:xfrm>
+        </p:spPr>
         <p:txBody>
           <a:bodyPr/>
           <a:lstStyle/>
           <a:p>
             <a:r>
               <a:rPr lang="zh-TW" altLang="en-US" dirty="0" smtClean="0"/>
-              <a:t>說說這段程式碼的執行順序１</a:t>
-            </a:r>
-            <a:endParaRPr lang="zh-TW" altLang="en-US" dirty="0"/>
-          </a:p>
-        </p:txBody>
-      </p:sp>
-      <p:sp>
-        <p:nvSpPr>
-          <p:cNvPr id="3" name="內容版面配置區 2"/>
-          <p:cNvSpPr>
-            <a:spLocks noGrp="1"/>
-          </p:cNvSpPr>
-          <p:nvPr>
-            <p:ph idx="1"/>
-          </p:nvPr>
-        </p:nvSpPr>
-        <p:spPr/>
-        <p:txBody>
-          <a:bodyPr/>
-          <a:lstStyle/>
-          <a:p>
-            <a:r>
-              <a:rPr lang="en-US" altLang="zh-TW" dirty="0" err="1"/>
-              <a:t>var</a:t>
-            </a:r>
-            <a:r>
-              <a:rPr lang="en-US" altLang="zh-TW" dirty="0"/>
-              <a:t> apple = </a:t>
-            </a:r>
-            <a:r>
-              <a:rPr lang="en-US" altLang="zh-TW" dirty="0"/>
-              <a:t>"</a:t>
-            </a:r>
-            <a:r>
-              <a:rPr lang="zh-TW" altLang="en-US" dirty="0" smtClean="0"/>
-              <a:t>我</a:t>
-            </a:r>
-            <a:r>
-              <a:rPr lang="zh-TW" altLang="en-US" dirty="0"/>
-              <a:t>要</a:t>
-            </a:r>
-            <a:r>
-              <a:rPr lang="zh-TW" altLang="en-US" dirty="0" smtClean="0"/>
-              <a:t>吃</a:t>
-            </a:r>
-            <a:r>
-              <a:rPr lang="zh-TW" altLang="en-US" dirty="0" smtClean="0"/>
-              <a:t>蘋果</a:t>
-            </a:r>
-            <a:r>
-              <a:rPr lang="en-US" altLang="zh-TW" dirty="0"/>
-              <a:t>"; </a:t>
+              <a:t>問答時間</a:t>
             </a:r>
             <a:endParaRPr lang="zh-TW" altLang="en-US" dirty="0"/>
           </a:p>
@@ -14186,13 +14532,20 @@
     </p:spTree>
     <p:extLst>
       <p:ext uri="{BB962C8B-B14F-4D97-AF65-F5344CB8AC3E}">
-        <p14:creationId xmlns:p14="http://schemas.microsoft.com/office/powerpoint/2010/main" val="1554742435"/>
+        <p14:creationId xmlns:p14="http://schemas.microsoft.com/office/powerpoint/2010/main" val="1817149003"/>
       </p:ext>
     </p:extLst>
   </p:cSld>
   <p:clrMapOvr>
     <a:masterClrMapping/>
   </p:clrMapOvr>
+  <p:timing>
+    <p:tnLst>
+      <p:par>
+        <p:cTn id="1" dur="indefinite" restart="never" nodeType="tmRoot"/>
+      </p:par>
+    </p:tnLst>
+  </p:timing>
 </p:sld>
 </file>
 
@@ -14229,12 +14582,8 @@
           <a:lstStyle/>
           <a:p>
             <a:r>
-              <a:rPr lang="zh-TW" altLang="en-US" dirty="0"/>
-              <a:t>說說這段程式碼的執行</a:t>
-            </a:r>
-            <a:r>
               <a:rPr lang="zh-TW" altLang="en-US" dirty="0" smtClean="0"/>
-              <a:t>順序２</a:t>
+              <a:t>說說這段程式碼的執行順序１</a:t>
             </a:r>
             <a:endParaRPr lang="zh-TW" altLang="en-US" dirty="0"/>
           </a:p>
@@ -14252,9 +14601,7 @@
         </p:nvSpPr>
         <p:spPr/>
         <p:txBody>
-          <a:bodyPr>
-            <a:normAutofit/>
-          </a:bodyPr>
+          <a:bodyPr/>
           <a:lstStyle/>
           <a:p>
             <a:r>
@@ -14263,19 +14610,23 @@
             </a:r>
             <a:r>
               <a:rPr lang="en-US" altLang="zh-TW" dirty="0"/>
-              <a:t> </a:t>
-            </a:r>
-            <a:r>
-              <a:rPr lang="en-US" altLang="zh-TW" dirty="0" smtClean="0"/>
-              <a:t>years </a:t>
+              <a:t> apple = "</a:t>
+            </a:r>
+            <a:r>
+              <a:rPr lang="zh-TW" altLang="en-US" dirty="0" smtClean="0"/>
+              <a:t>我</a:t>
+            </a:r>
+            <a:r>
+              <a:rPr lang="zh-TW" altLang="en-US" dirty="0"/>
+              <a:t>要</a:t>
+            </a:r>
+            <a:r>
+              <a:rPr lang="zh-TW" altLang="en-US" dirty="0" smtClean="0"/>
+              <a:t>吃蘋果</a:t>
             </a:r>
             <a:r>
               <a:rPr lang="en-US" altLang="zh-TW" dirty="0"/>
-              <a:t>= </a:t>
-            </a:r>
-            <a:r>
-              <a:rPr lang="en-US" altLang="zh-TW" dirty="0" smtClean="0"/>
-              <a:t>1900 + 2105; </a:t>
+              <a:t>"; </a:t>
             </a:r>
             <a:endParaRPr lang="zh-TW" altLang="en-US" dirty="0"/>
           </a:p>
@@ -14284,13 +14635,20 @@
     </p:spTree>
     <p:extLst>
       <p:ext uri="{BB962C8B-B14F-4D97-AF65-F5344CB8AC3E}">
-        <p14:creationId xmlns:p14="http://schemas.microsoft.com/office/powerpoint/2010/main" val="1911474921"/>
+        <p14:creationId xmlns:p14="http://schemas.microsoft.com/office/powerpoint/2010/main" val="1554742435"/>
       </p:ext>
     </p:extLst>
   </p:cSld>
   <p:clrMapOvr>
     <a:masterClrMapping/>
   </p:clrMapOvr>
+  <p:timing>
+    <p:tnLst>
+      <p:par>
+        <p:cTn id="1" dur="indefinite" restart="never" nodeType="tmRoot"/>
+      </p:par>
+    </p:tnLst>
+  </p:timing>
 </p:sld>
 </file>
 
@@ -14332,7 +14690,7 @@
             </a:r>
             <a:r>
               <a:rPr lang="zh-TW" altLang="en-US" dirty="0" smtClean="0"/>
-              <a:t>順序３</a:t>
+              <a:t>順序２</a:t>
             </a:r>
             <a:endParaRPr lang="zh-TW" altLang="en-US" dirty="0"/>
           </a:p>
@@ -14356,75 +14714,50 @@
           <a:lstStyle/>
           <a:p>
             <a:r>
-              <a:rPr lang="en-US" altLang="zh-TW" sz="2000" dirty="0" err="1" smtClean="0"/>
-              <a:t>v</a:t>
-            </a:r>
-            <a:r>
-              <a:rPr lang="en-US" altLang="zh-TW" sz="2000" dirty="0" err="1" smtClean="0"/>
-              <a:t>ar</a:t>
-            </a:r>
-            <a:r>
-              <a:rPr lang="en-US" altLang="zh-TW" sz="2000" dirty="0" smtClean="0"/>
-              <a:t>  dinner = 80;</a:t>
-            </a:r>
-          </a:p>
-          <a:p>
-            <a:r>
-              <a:rPr lang="en-US" altLang="zh-TW" sz="2000" dirty="0" err="1"/>
+              <a:rPr lang="en-US" altLang="zh-TW" dirty="0" err="1"/>
               <a:t>var</a:t>
             </a:r>
             <a:r>
-              <a:rPr lang="en-US" altLang="zh-TW" sz="2000" dirty="0"/>
+              <a:rPr lang="en-US" altLang="zh-TW" dirty="0"/>
               <a:t> </a:t>
             </a:r>
             <a:r>
-              <a:rPr lang="en-US" altLang="zh-TW" sz="2000" dirty="0" smtClean="0"/>
-              <a:t> </a:t>
-            </a:r>
-            <a:r>
-              <a:rPr lang="en-US" altLang="zh-TW" sz="2000" dirty="0" err="1" smtClean="0"/>
-              <a:t>myMoney</a:t>
-            </a:r>
-            <a:r>
-              <a:rPr lang="en-US" altLang="zh-TW" sz="2000" dirty="0" smtClean="0"/>
-              <a:t> = 100 - </a:t>
-            </a:r>
-            <a:r>
-              <a:rPr lang="en-US" altLang="zh-TW" sz="2000" dirty="0"/>
-              <a:t>dinner;</a:t>
-            </a:r>
-            <a:endParaRPr lang="en-US" altLang="zh-TW" sz="2000" dirty="0" smtClean="0"/>
-          </a:p>
-          <a:p>
-            <a:endParaRPr lang="en-US" altLang="zh-TW" sz="2000" dirty="0"/>
-          </a:p>
-          <a:p>
-            <a:r>
-              <a:rPr lang="zh-TW" altLang="en-US" sz="2000" dirty="0" smtClean="0"/>
-              <a:t>另外，</a:t>
-            </a:r>
-            <a:r>
-              <a:rPr lang="en-US" altLang="zh-TW" sz="2000" dirty="0" err="1" smtClean="0"/>
-              <a:t>myMoney</a:t>
-            </a:r>
-            <a:r>
-              <a:rPr lang="zh-TW" altLang="en-US" sz="2000" dirty="0" smtClean="0"/>
-              <a:t>的值是什麼，型別是什麼？</a:t>
-            </a:r>
-            <a:endParaRPr lang="zh-TW" altLang="en-US" sz="2000" dirty="0"/>
+              <a:rPr lang="en-US" altLang="zh-TW" dirty="0" smtClean="0"/>
+              <a:t>money </a:t>
+            </a:r>
+            <a:r>
+              <a:rPr lang="en-US" altLang="zh-TW" dirty="0"/>
+              <a:t>= </a:t>
+            </a:r>
+            <a:r>
+              <a:rPr lang="en-US" altLang="zh-TW" dirty="0" smtClean="0"/>
+              <a:t>1900 + </a:t>
+            </a:r>
+            <a:r>
+              <a:rPr lang="en-US" altLang="zh-TW" dirty="0" smtClean="0"/>
+              <a:t>2100; </a:t>
+            </a:r>
+            <a:endParaRPr lang="zh-TW" altLang="en-US" dirty="0"/>
           </a:p>
         </p:txBody>
       </p:sp>
     </p:spTree>
     <p:extLst>
       <p:ext uri="{BB962C8B-B14F-4D97-AF65-F5344CB8AC3E}">
-        <p14:creationId xmlns:p14="http://schemas.microsoft.com/office/powerpoint/2010/main" val="1198179612"/>
+        <p14:creationId xmlns:p14="http://schemas.microsoft.com/office/powerpoint/2010/main" val="1911474921"/>
       </p:ext>
     </p:extLst>
   </p:cSld>
   <p:clrMapOvr>
     <a:masterClrMapping/>
   </p:clrMapOvr>
+  <p:timing>
+    <p:tnLst>
+      <p:par>
+        <p:cTn id="1" dur="indefinite" restart="never" nodeType="tmRoot"/>
+      </p:par>
+    </p:tnLst>
+  </p:timing>
 </p:sld>
 </file>
 
@@ -14455,34 +14788,98 @@
             <p:ph type="title"/>
           </p:nvPr>
         </p:nvSpPr>
-        <p:spPr>
-          <a:xfrm>
-            <a:off x="467544" y="1977684"/>
-            <a:ext cx="8229600" cy="857250"/>
-          </a:xfrm>
-        </p:spPr>
+        <p:spPr/>
         <p:txBody>
           <a:bodyPr/>
           <a:lstStyle/>
           <a:p>
             <a:r>
               <a:rPr lang="zh-TW" altLang="en-US" dirty="0"/>
-              <a:t>中場休息</a:t>
+              <a:t>說說這段程式碼的執行</a:t>
+            </a:r>
+            <a:r>
+              <a:rPr lang="zh-TW" altLang="en-US" dirty="0" smtClean="0"/>
+              <a:t>順序３</a:t>
             </a:r>
             <a:endParaRPr lang="zh-TW" altLang="en-US" dirty="0"/>
+          </a:p>
+        </p:txBody>
+      </p:sp>
+      <p:sp>
+        <p:nvSpPr>
+          <p:cNvPr id="3" name="內容版面配置區 2"/>
+          <p:cNvSpPr>
+            <a:spLocks noGrp="1"/>
+          </p:cNvSpPr>
+          <p:nvPr>
+            <p:ph idx="1"/>
+          </p:nvPr>
+        </p:nvSpPr>
+        <p:spPr/>
+        <p:txBody>
+          <a:bodyPr>
+            <a:normAutofit/>
+          </a:bodyPr>
+          <a:lstStyle/>
+          <a:p>
+            <a:r>
+              <a:rPr lang="en-US" altLang="zh-TW" sz="2000" dirty="0" err="1" smtClean="0"/>
+              <a:t>var</a:t>
+            </a:r>
+            <a:r>
+              <a:rPr lang="en-US" altLang="zh-TW" sz="2000" dirty="0" smtClean="0"/>
+              <a:t>  dinner = 80;</a:t>
+            </a:r>
+          </a:p>
+          <a:p>
+            <a:r>
+              <a:rPr lang="en-US" altLang="zh-TW" sz="2000" dirty="0" err="1"/>
+              <a:t>var</a:t>
+            </a:r>
+            <a:r>
+              <a:rPr lang="en-US" altLang="zh-TW" sz="2000" dirty="0"/>
+              <a:t> </a:t>
+            </a:r>
+            <a:r>
+              <a:rPr lang="en-US" altLang="zh-TW" sz="2000" dirty="0" smtClean="0"/>
+              <a:t> </a:t>
+            </a:r>
+            <a:r>
+              <a:rPr lang="en-US" altLang="zh-TW" sz="2000" dirty="0" err="1" smtClean="0"/>
+              <a:t>myMoney</a:t>
+            </a:r>
+            <a:r>
+              <a:rPr lang="en-US" altLang="zh-TW" sz="2000" dirty="0" smtClean="0"/>
+              <a:t> = 100 - </a:t>
+            </a:r>
+            <a:r>
+              <a:rPr lang="en-US" altLang="zh-TW" sz="2000" dirty="0"/>
+              <a:t>dinner;</a:t>
+            </a:r>
+            <a:endParaRPr lang="en-US" altLang="zh-TW" sz="2000" dirty="0" smtClean="0"/>
+          </a:p>
+          <a:p>
+            <a:endParaRPr lang="en-US" altLang="zh-TW" sz="2000" dirty="0"/>
           </a:p>
         </p:txBody>
       </p:sp>
     </p:spTree>
     <p:extLst>
       <p:ext uri="{BB962C8B-B14F-4D97-AF65-F5344CB8AC3E}">
-        <p14:creationId xmlns:p14="http://schemas.microsoft.com/office/powerpoint/2010/main" val="4166874191"/>
+        <p14:creationId xmlns:p14="http://schemas.microsoft.com/office/powerpoint/2010/main" val="1198179612"/>
       </p:ext>
     </p:extLst>
   </p:cSld>
   <p:clrMapOvr>
     <a:masterClrMapping/>
   </p:clrMapOvr>
+  <p:timing>
+    <p:tnLst>
+      <p:par>
+        <p:cTn id="1" dur="indefinite" restart="never" nodeType="tmRoot"/>
+      </p:par>
+    </p:tnLst>
+  </p:timing>
 </p:sld>
 </file>
 
@@ -14513,44 +14910,40 @@
             <p:ph type="title"/>
           </p:nvPr>
         </p:nvSpPr>
-        <p:spPr/>
+        <p:spPr>
+          <a:xfrm>
+            <a:off x="467544" y="1977684"/>
+            <a:ext cx="8229600" cy="857250"/>
+          </a:xfrm>
+        </p:spPr>
         <p:txBody>
           <a:bodyPr/>
           <a:lstStyle/>
           <a:p>
-            <a:endParaRPr lang="zh-TW" altLang="en-US"/>
-          </a:p>
-        </p:txBody>
-      </p:sp>
-      <p:sp>
-        <p:nvSpPr>
-          <p:cNvPr id="3" name="內容版面配置區 2"/>
-          <p:cNvSpPr>
-            <a:spLocks noGrp="1"/>
-          </p:cNvSpPr>
-          <p:nvPr>
-            <p:ph idx="1"/>
-          </p:nvPr>
-        </p:nvSpPr>
-        <p:spPr/>
-        <p:txBody>
-          <a:bodyPr/>
-          <a:lstStyle/>
-          <a:p>
-            <a:endParaRPr lang="zh-TW" altLang="en-US"/>
+            <a:r>
+              <a:rPr lang="zh-TW" altLang="en-US" dirty="0"/>
+              <a:t>中場休息</a:t>
+            </a:r>
           </a:p>
         </p:txBody>
       </p:sp>
     </p:spTree>
     <p:extLst>
       <p:ext uri="{BB962C8B-B14F-4D97-AF65-F5344CB8AC3E}">
-        <p14:creationId xmlns:p14="http://schemas.microsoft.com/office/powerpoint/2010/main" val="3314023520"/>
+        <p14:creationId xmlns:p14="http://schemas.microsoft.com/office/powerpoint/2010/main" val="4166874191"/>
       </p:ext>
     </p:extLst>
   </p:cSld>
   <p:clrMapOvr>
     <a:masterClrMapping/>
   </p:clrMapOvr>
+  <p:timing>
+    <p:tnLst>
+      <p:par>
+        <p:cTn id="1" dur="indefinite" restart="never" nodeType="tmRoot"/>
+      </p:par>
+    </p:tnLst>
+  </p:timing>
 </p:sld>
 </file>
 
@@ -14608,6 +15001,13 @@
   <p:clrMapOvr>
     <a:masterClrMapping/>
   </p:clrMapOvr>
+  <p:timing>
+    <p:tnLst>
+      <p:par>
+        <p:cTn id="1" dur="indefinite" restart="never" nodeType="tmRoot"/>
+      </p:par>
+    </p:tnLst>
+  </p:timing>
 </p:sld>
 </file>
 
@@ -14638,34 +15038,74 @@
             <p:ph type="title"/>
           </p:nvPr>
         </p:nvSpPr>
-        <p:spPr>
-          <a:xfrm>
-            <a:off x="467544" y="1977684"/>
-            <a:ext cx="8229600" cy="857250"/>
-          </a:xfrm>
-        </p:spPr>
+        <p:spPr/>
         <p:txBody>
           <a:bodyPr/>
           <a:lstStyle/>
           <a:p>
             <a:r>
               <a:rPr lang="zh-TW" altLang="en-US" dirty="0" smtClean="0"/>
-              <a:t>陣列</a:t>
-            </a:r>
-            <a:endParaRPr lang="zh-TW" altLang="en-US" dirty="0"/>
+              <a:t>函式</a:t>
+            </a:r>
+            <a:endParaRPr lang="en-US" altLang="zh-TW" dirty="0"/>
+          </a:p>
+        </p:txBody>
+      </p:sp>
+      <p:sp>
+        <p:nvSpPr>
+          <p:cNvPr id="3" name="內容版面配置區 2"/>
+          <p:cNvSpPr>
+            <a:spLocks noGrp="1"/>
+          </p:cNvSpPr>
+          <p:nvPr>
+            <p:ph idx="1"/>
+          </p:nvPr>
+        </p:nvSpPr>
+        <p:spPr/>
+        <p:txBody>
+          <a:bodyPr>
+            <a:normAutofit/>
+          </a:bodyPr>
+          <a:lstStyle/>
+          <a:p>
+            <a:pPr marL="0" indent="0">
+              <a:buNone/>
+            </a:pPr>
+            <a:r>
+              <a:rPr lang="zh-TW" altLang="en-US" sz="2000" dirty="0" smtClean="0"/>
+              <a:t>自己定義的程式包</a:t>
+            </a:r>
+            <a:endParaRPr lang="en-US" altLang="zh-TW" sz="2000" dirty="0" smtClean="0"/>
+          </a:p>
+          <a:p>
+            <a:pPr marL="0" indent="0">
+              <a:buNone/>
+            </a:pPr>
+            <a:r>
+              <a:rPr lang="zh-TW" altLang="en-US" sz="2000" dirty="0"/>
+              <a:t>定義含式</a:t>
+            </a:r>
+            <a:endParaRPr lang="zh-TW" altLang="en-US" sz="2000" dirty="0"/>
           </a:p>
         </p:txBody>
       </p:sp>
     </p:spTree>
     <p:extLst>
       <p:ext uri="{BB962C8B-B14F-4D97-AF65-F5344CB8AC3E}">
-        <p14:creationId xmlns:p14="http://schemas.microsoft.com/office/powerpoint/2010/main" val="1541273114"/>
+        <p14:creationId xmlns:p14="http://schemas.microsoft.com/office/powerpoint/2010/main" val="1818492499"/>
       </p:ext>
     </p:extLst>
   </p:cSld>
   <p:clrMapOvr>
     <a:masterClrMapping/>
   </p:clrMapOvr>
+  <p:timing>
+    <p:tnLst>
+      <p:par>
+        <p:cTn id="1" dur="indefinite" restart="never" nodeType="tmRoot"/>
+      </p:par>
+    </p:tnLst>
+  </p:timing>
 </p:sld>
 </file>
 
@@ -14701,7 +15141,11 @@
           <a:bodyPr/>
           <a:lstStyle/>
           <a:p>
-            <a:endParaRPr lang="zh-TW" altLang="en-US"/>
+            <a:r>
+              <a:rPr lang="zh-TW" altLang="en-US" dirty="0" smtClean="0"/>
+              <a:t>函式</a:t>
+            </a:r>
+            <a:endParaRPr lang="en-US" altLang="zh-TW" dirty="0"/>
           </a:p>
         </p:txBody>
       </p:sp>
@@ -14717,76 +15161,76 @@
         </p:nvSpPr>
         <p:spPr/>
         <p:txBody>
-          <a:bodyPr/>
-          <a:lstStyle/>
-          <a:p>
-            <a:r>
-              <a:rPr lang="zh-TW" altLang="en-US" dirty="0" smtClean="0"/>
-              <a:t>櫃子</a:t>
-            </a:r>
-            <a:endParaRPr lang="en-US" altLang="zh-TW" dirty="0" smtClean="0"/>
-          </a:p>
-          <a:p>
-            <a:r>
-              <a:rPr lang="zh-TW" altLang="en-US" dirty="0"/>
-              <a:t>需</a:t>
-            </a:r>
-            <a:r>
-              <a:rPr lang="zh-TW" altLang="en-US" dirty="0" smtClean="0"/>
-              <a:t>用</a:t>
-            </a:r>
-            <a:r>
-              <a:rPr lang="zh-TW" altLang="en-US" dirty="0"/>
-              <a:t>「</a:t>
-            </a:r>
-            <a:r>
-              <a:rPr lang="en-US" altLang="zh-TW" dirty="0" smtClean="0"/>
-              <a:t>,</a:t>
-            </a:r>
-            <a:r>
-              <a:rPr lang="zh-TW" altLang="en-US" dirty="0" smtClean="0"/>
-              <a:t>」符號分隔內容</a:t>
-            </a:r>
-            <a:endParaRPr lang="en-US" altLang="zh-TW" dirty="0" smtClean="0"/>
-          </a:p>
-          <a:p>
-            <a:r>
-              <a:rPr lang="zh-TW" altLang="en-US" dirty="0" smtClean="0"/>
-              <a:t>雜湊陣列</a:t>
-            </a:r>
-            <a:r>
-              <a:rPr lang="en-US" altLang="zh-TW" dirty="0" smtClean="0"/>
-              <a:t>-</a:t>
-            </a:r>
-            <a:r>
-              <a:rPr lang="zh-TW" altLang="en-US" dirty="0" smtClean="0"/>
-              <a:t>每</a:t>
-            </a:r>
-            <a:r>
-              <a:rPr lang="zh-TW" altLang="en-US" dirty="0"/>
-              <a:t>層都可以</a:t>
-            </a:r>
-            <a:r>
-              <a:rPr lang="zh-TW" altLang="en-US" dirty="0" smtClean="0"/>
-              <a:t>存放不同的資料</a:t>
-            </a:r>
-            <a:endParaRPr lang="en-US" altLang="zh-TW" dirty="0" smtClean="0"/>
-          </a:p>
-          <a:p>
-            <a:endParaRPr lang="zh-TW" altLang="en-US" dirty="0"/>
+          <a:bodyPr>
+            <a:normAutofit/>
+          </a:bodyPr>
+          <a:lstStyle/>
+          <a:p>
+            <a:pPr marL="0" indent="0">
+              <a:buNone/>
+            </a:pPr>
+            <a:r>
+              <a:rPr lang="zh-TW" altLang="en-US" sz="2000" dirty="0" smtClean="0"/>
+              <a:t>函式裡面可以放待執行的程式碼</a:t>
+            </a:r>
+            <a:endParaRPr lang="en-US" altLang="zh-TW" sz="2000" dirty="0" smtClean="0"/>
+          </a:p>
+          <a:p>
+            <a:pPr marL="0" indent="0">
+              <a:buNone/>
+            </a:pPr>
+            <a:r>
+              <a:rPr lang="zh-TW" altLang="en-US" sz="2000" dirty="0" smtClean="0"/>
+              <a:t>函式裡面可以宣告變數</a:t>
+            </a:r>
+            <a:r>
+              <a:rPr lang="en-US" altLang="zh-TW" sz="2000" dirty="0" smtClean="0"/>
+              <a:t>(</a:t>
+            </a:r>
+            <a:r>
+              <a:rPr lang="zh-TW" altLang="en-US" sz="2000" dirty="0" smtClean="0"/>
+              <a:t>區域變數</a:t>
+            </a:r>
+            <a:r>
+              <a:rPr lang="en-US" altLang="zh-TW" sz="2000" dirty="0" smtClean="0"/>
+              <a:t>)</a:t>
+            </a:r>
+          </a:p>
+          <a:p>
+            <a:pPr marL="0" indent="0">
+              <a:buNone/>
+            </a:pPr>
+            <a:r>
+              <a:rPr lang="zh-TW" altLang="en-US" sz="2000" dirty="0"/>
+              <a:t>傳遞參數</a:t>
+            </a:r>
+            <a:endParaRPr lang="en-US" altLang="zh-TW" sz="2000" dirty="0" smtClean="0"/>
+          </a:p>
+          <a:p>
+            <a:pPr marL="0" indent="0">
+              <a:buNone/>
+            </a:pPr>
+            <a:endParaRPr lang="zh-TW" altLang="en-US" sz="2000" dirty="0"/>
           </a:p>
         </p:txBody>
       </p:sp>
     </p:spTree>
     <p:extLst>
       <p:ext uri="{BB962C8B-B14F-4D97-AF65-F5344CB8AC3E}">
-        <p14:creationId xmlns:p14="http://schemas.microsoft.com/office/powerpoint/2010/main" val="3547532124"/>
+        <p14:creationId xmlns:p14="http://schemas.microsoft.com/office/powerpoint/2010/main" val="2188002233"/>
       </p:ext>
     </p:extLst>
   </p:cSld>
   <p:clrMapOvr>
     <a:masterClrMapping/>
   </p:clrMapOvr>
+  <p:timing>
+    <p:tnLst>
+      <p:par>
+        <p:cTn id="1" dur="indefinite" restart="never" nodeType="tmRoot"/>
+      </p:par>
+    </p:tnLst>
+  </p:timing>
 </p:sld>
 </file>
 
@@ -14824,9 +15268,9 @@
           <a:p>
             <a:r>
               <a:rPr lang="zh-TW" altLang="en-US" dirty="0" smtClean="0"/>
-              <a:t>建立陣列</a:t>
-            </a:r>
-            <a:endParaRPr lang="zh-TW" altLang="en-US" dirty="0"/>
+              <a:t>函式</a:t>
+            </a:r>
+            <a:endParaRPr lang="en-US" altLang="zh-TW" dirty="0"/>
           </a:p>
         </p:txBody>
       </p:sp>
@@ -14842,60 +15286,238 @@
         </p:nvSpPr>
         <p:spPr/>
         <p:txBody>
-          <a:bodyPr/>
-          <a:lstStyle/>
-          <a:p>
-            <a:r>
-              <a:rPr lang="zh-TW" altLang="en-US" dirty="0"/>
-              <a:t>陣列實體</a:t>
-            </a:r>
-            <a:r>
-              <a:rPr lang="zh-TW" altLang="en-US" dirty="0" smtClean="0"/>
-              <a:t>語法</a:t>
-            </a:r>
-            <a:endParaRPr lang="en-US" altLang="zh-TW" dirty="0" smtClean="0"/>
-          </a:p>
-          <a:p>
-            <a:r>
-              <a:rPr lang="en-US" altLang="zh-TW" dirty="0" smtClean="0"/>
-              <a:t>[</a:t>
-            </a:r>
-            <a:r>
-              <a:rPr lang="zh-TW" altLang="en-US" dirty="0" smtClean="0"/>
+          <a:bodyPr>
+            <a:normAutofit/>
+          </a:bodyPr>
+          <a:lstStyle/>
+          <a:p>
+            <a:pPr marL="0" indent="0">
+              <a:buNone/>
+            </a:pPr>
+            <a:r>
+              <a:rPr lang="zh-TW" altLang="en-US" sz="2000" dirty="0" smtClean="0"/>
+              <a:t>區分成三種</a:t>
+            </a:r>
+            <a:endParaRPr lang="en-US" altLang="zh-TW" sz="2000" dirty="0" smtClean="0"/>
+          </a:p>
+          <a:p>
+            <a:r>
+              <a:rPr lang="zh-TW" altLang="en-US" sz="2000" dirty="0" smtClean="0"/>
+              <a:t>函式陳述式</a:t>
+            </a:r>
+            <a:r>
+              <a:rPr lang="en-US" altLang="zh-TW" sz="2000" dirty="0" smtClean="0"/>
+              <a:t>(Function</a:t>
+            </a:r>
+            <a:r>
+              <a:rPr lang="zh-TW" altLang="en-US" sz="2000" dirty="0" smtClean="0"/>
               <a:t> </a:t>
             </a:r>
             <a:r>
-              <a:rPr lang="en-US" altLang="zh-TW" dirty="0" smtClean="0"/>
-              <a:t>]</a:t>
-            </a:r>
-          </a:p>
-          <a:p>
-            <a:r>
-              <a:rPr lang="zh-TW" altLang="en-US" dirty="0"/>
-              <a:t>取用第</a:t>
-            </a:r>
-            <a:r>
-              <a:rPr lang="zh-TW" altLang="en-US" dirty="0" smtClean="0"/>
-              <a:t>一個</a:t>
-            </a:r>
-            <a:r>
-              <a:rPr lang="en-US" altLang="zh-TW" dirty="0" smtClean="0"/>
-              <a:t>[0]</a:t>
-            </a:r>
-            <a:endParaRPr lang="zh-TW" altLang="en-US" dirty="0"/>
+              <a:rPr lang="en-US" altLang="zh-TW" sz="2000" dirty="0" smtClean="0"/>
+              <a:t> </a:t>
+            </a:r>
+            <a:r>
+              <a:rPr lang="en-US" altLang="zh-TW" sz="2000" dirty="0"/>
+              <a:t>Statement</a:t>
+            </a:r>
+            <a:r>
+              <a:rPr lang="en-US" altLang="zh-TW" sz="2000" dirty="0" smtClean="0"/>
+              <a:t>)</a:t>
+            </a:r>
+          </a:p>
+          <a:p>
+            <a:r>
+              <a:rPr lang="zh-TW" altLang="en-US" sz="2000" dirty="0"/>
+              <a:t>函</a:t>
+            </a:r>
+            <a:r>
+              <a:rPr lang="zh-TW" altLang="en-US" sz="2000" dirty="0" smtClean="0"/>
+              <a:t>式</a:t>
+            </a:r>
+            <a:r>
+              <a:rPr lang="zh-TW" altLang="en-US" sz="2000" dirty="0"/>
+              <a:t>表達式</a:t>
+            </a:r>
+            <a:r>
+              <a:rPr lang="en-US" altLang="zh-TW" sz="2000" dirty="0" smtClean="0"/>
+              <a:t>(Function</a:t>
+            </a:r>
+            <a:r>
+              <a:rPr lang="zh-TW" altLang="en-US" sz="2000" dirty="0" smtClean="0"/>
+              <a:t> </a:t>
+            </a:r>
+            <a:r>
+              <a:rPr lang="en-US" altLang="zh-TW" sz="2000" dirty="0" smtClean="0"/>
+              <a:t> </a:t>
+            </a:r>
+            <a:r>
+              <a:rPr lang="en-US" altLang="zh-TW" sz="2000" dirty="0"/>
+              <a:t>Expression</a:t>
+            </a:r>
+            <a:r>
+              <a:rPr lang="en-US" altLang="zh-TW" sz="2000" dirty="0" smtClean="0"/>
+              <a:t>)</a:t>
+            </a:r>
+          </a:p>
+          <a:p>
+            <a:r>
+              <a:rPr lang="zh-TW" altLang="en-US" sz="2000" b="1" dirty="0">
+                <a:solidFill>
+                  <a:schemeClr val="bg1">
+                    <a:lumMod val="50000"/>
+                  </a:schemeClr>
+                </a:solidFill>
+              </a:rPr>
+              <a:t>立即執行函</a:t>
+            </a:r>
+            <a:r>
+              <a:rPr lang="zh-TW" altLang="en-US" sz="2000" b="1" dirty="0" smtClean="0">
+                <a:solidFill>
+                  <a:schemeClr val="bg1">
+                    <a:lumMod val="50000"/>
+                  </a:schemeClr>
+                </a:solidFill>
+              </a:rPr>
+              <a:t>式： </a:t>
+            </a:r>
+            <a:r>
+              <a:rPr lang="zh-TW" altLang="en-US" sz="2000" b="1" dirty="0" smtClean="0">
+                <a:solidFill>
+                  <a:schemeClr val="bg1">
+                    <a:lumMod val="50000"/>
+                  </a:schemeClr>
+                </a:solidFill>
+              </a:rPr>
+              <a:t>簡稱</a:t>
+            </a:r>
+            <a:r>
+              <a:rPr lang="en-US" altLang="zh-TW" sz="2000" b="1" dirty="0" smtClean="0">
+                <a:solidFill>
+                  <a:schemeClr val="bg1">
+                    <a:lumMod val="50000"/>
+                  </a:schemeClr>
+                </a:solidFill>
+              </a:rPr>
+              <a:t>IIFE</a:t>
+            </a:r>
+            <a:r>
+              <a:rPr lang="zh-TW" altLang="en-US" sz="2000" b="1" dirty="0" smtClean="0">
+                <a:solidFill>
+                  <a:schemeClr val="bg1">
+                    <a:lumMod val="50000"/>
+                  </a:schemeClr>
+                </a:solidFill>
+              </a:rPr>
+              <a:t>　</a:t>
+            </a:r>
+            <a:r>
+              <a:rPr lang="zh-TW" altLang="en-US" sz="1400" b="1" dirty="0" smtClean="0">
+                <a:solidFill>
+                  <a:schemeClr val="bg1">
+                    <a:lumMod val="50000"/>
+                  </a:schemeClr>
+                </a:solidFill>
+              </a:rPr>
+              <a:t>全名</a:t>
+            </a:r>
+            <a:r>
+              <a:rPr lang="en-US" altLang="zh-TW" sz="1400" b="1" dirty="0" smtClean="0">
+                <a:solidFill>
+                  <a:schemeClr val="bg1">
+                    <a:lumMod val="50000"/>
+                  </a:schemeClr>
+                </a:solidFill>
+              </a:rPr>
+              <a:t>Immediately </a:t>
+            </a:r>
+            <a:r>
+              <a:rPr lang="zh-TW" altLang="en-US" sz="1400" b="1" dirty="0" smtClean="0">
+                <a:solidFill>
+                  <a:schemeClr val="bg1">
+                    <a:lumMod val="50000"/>
+                  </a:schemeClr>
+                </a:solidFill>
+              </a:rPr>
+              <a:t> </a:t>
+            </a:r>
+            <a:r>
+              <a:rPr lang="en-US" altLang="zh-TW" sz="1400" b="1" dirty="0" smtClean="0">
+                <a:solidFill>
+                  <a:schemeClr val="bg1">
+                    <a:lumMod val="50000"/>
+                  </a:schemeClr>
+                </a:solidFill>
+              </a:rPr>
+              <a:t>Invoked </a:t>
+            </a:r>
+            <a:r>
+              <a:rPr lang="zh-TW" altLang="en-US" sz="1400" b="1" dirty="0" smtClean="0">
+                <a:solidFill>
+                  <a:schemeClr val="bg1">
+                    <a:lumMod val="50000"/>
+                  </a:schemeClr>
+                </a:solidFill>
+              </a:rPr>
+              <a:t> </a:t>
+            </a:r>
+            <a:r>
+              <a:rPr lang="en-US" altLang="zh-TW" sz="1400" b="1" dirty="0" smtClean="0">
+                <a:solidFill>
+                  <a:schemeClr val="bg1">
+                    <a:lumMod val="50000"/>
+                  </a:schemeClr>
+                </a:solidFill>
+              </a:rPr>
+              <a:t>Function </a:t>
+            </a:r>
+            <a:r>
+              <a:rPr lang="zh-TW" altLang="en-US" sz="1400" b="1" dirty="0" smtClean="0">
+                <a:solidFill>
+                  <a:schemeClr val="bg1">
+                    <a:lumMod val="50000"/>
+                  </a:schemeClr>
+                </a:solidFill>
+              </a:rPr>
+              <a:t> </a:t>
+            </a:r>
+            <a:r>
+              <a:rPr lang="en-US" altLang="zh-TW" sz="1400" b="1" dirty="0" smtClean="0">
+                <a:solidFill>
+                  <a:schemeClr val="bg1">
+                    <a:lumMod val="50000"/>
+                  </a:schemeClr>
+                </a:solidFill>
+              </a:rPr>
+              <a:t>Expression</a:t>
+            </a:r>
+            <a:endParaRPr lang="zh-TW" altLang="en-US" sz="1400" b="1" dirty="0">
+              <a:solidFill>
+                <a:schemeClr val="bg1">
+                  <a:lumMod val="50000"/>
+                </a:schemeClr>
+              </a:solidFill>
+            </a:endParaRPr>
           </a:p>
         </p:txBody>
       </p:sp>
     </p:spTree>
     <p:extLst>
       <p:ext uri="{BB962C8B-B14F-4D97-AF65-F5344CB8AC3E}">
-        <p14:creationId xmlns:p14="http://schemas.microsoft.com/office/powerpoint/2010/main" val="3614213403"/>
+        <p14:creationId xmlns:p14="http://schemas.microsoft.com/office/powerpoint/2010/main" val="2104283538"/>
       </p:ext>
     </p:extLst>
   </p:cSld>
   <p:clrMapOvr>
     <a:masterClrMapping/>
   </p:clrMapOvr>
+  <p:timing>
+    <p:tnLst>
+      <p:par>
+        <p:cTn id="1" dur="indefinite" restart="never" nodeType="tmRoot"/>
+      </p:par>
+    </p:tnLst>
+  </p:timing>
 </p:sld>
 </file>
 
@@ -15065,8 +15687,24 @@
           <a:lstStyle/>
           <a:p>
             <a:r>
-              <a:rPr lang="zh-TW" altLang="en-US" dirty="0" smtClean="0"/>
-              <a:t>陣列練習</a:t>
+              <a:rPr lang="zh-TW" altLang="en-US" dirty="0"/>
+              <a:t>建立</a:t>
+            </a:r>
+            <a:r>
+              <a:rPr lang="en-US" altLang="zh-TW" dirty="0"/>
+              <a:t>(</a:t>
+            </a:r>
+            <a:r>
+              <a:rPr lang="zh-TW" altLang="en-US" dirty="0"/>
+              <a:t>宣告</a:t>
+            </a:r>
+            <a:r>
+              <a:rPr lang="en-US" altLang="zh-TW" dirty="0"/>
+              <a:t>)</a:t>
+            </a:r>
+            <a:r>
+              <a:rPr lang="zh-TW" altLang="en-US" dirty="0"/>
+              <a:t>函式陳述式</a:t>
             </a:r>
             <a:endParaRPr lang="zh-TW" altLang="en-US" dirty="0"/>
           </a:p>
@@ -15082,19 +15720,54 @@
             <p:ph idx="1"/>
           </p:nvPr>
         </p:nvSpPr>
-        <p:spPr/>
-        <p:txBody>
-          <a:bodyPr>
-            <a:normAutofit lnSpcReduction="10000"/>
-          </a:bodyPr>
+        <p:spPr>
+          <a:xfrm>
+            <a:off x="2843808" y="987574"/>
+            <a:ext cx="4104456" cy="3394472"/>
+          </a:xfrm>
+        </p:spPr>
+        <p:txBody>
+          <a:bodyPr anchor="ctr"/>
           <a:lstStyle/>
           <a:p>
             <a:pPr marL="0" indent="0">
               <a:buNone/>
             </a:pPr>
             <a:r>
-              <a:rPr lang="en-US" altLang="zh-TW" dirty="0" smtClean="0"/>
-              <a:t>[  2018,</a:t>
+              <a:rPr lang="zh-TW" altLang="en-US" sz="2400" b="1" dirty="0" smtClean="0">
+                <a:solidFill>
+                  <a:srgbClr val="00B050"/>
+                </a:solidFill>
+              </a:rPr>
+              <a:t>函式關鍵字   </a:t>
+            </a:r>
+            <a:r>
+              <a:rPr lang="zh-TW" altLang="en-US" sz="2400" b="1" dirty="0">
+                <a:solidFill>
+                  <a:srgbClr val="C00000"/>
+                </a:solidFill>
+              </a:rPr>
+              <a:t>函式</a:t>
+            </a:r>
+            <a:r>
+              <a:rPr lang="zh-TW" altLang="en-US" sz="2400" b="1" dirty="0" smtClean="0">
+                <a:solidFill>
+                  <a:srgbClr val="C00000"/>
+                </a:solidFill>
+              </a:rPr>
+              <a:t>名稱</a:t>
+            </a:r>
+            <a:r>
+              <a:rPr lang="en-US" altLang="zh-TW" sz="2400" b="1" dirty="0" smtClean="0"/>
+              <a:t>(</a:t>
+            </a:r>
+            <a:r>
+              <a:rPr lang="zh-TW" altLang="en-US" sz="2400" b="1" dirty="0" smtClean="0"/>
+              <a:t> </a:t>
+            </a:r>
+            <a:r>
+              <a:rPr lang="en-US" altLang="zh-TW" sz="2400" b="1" dirty="0" smtClean="0"/>
+              <a:t>){</a:t>
             </a:r>
           </a:p>
           <a:p>
@@ -15102,59 +15775,63 @@
               <a:buNone/>
             </a:pPr>
             <a:r>
-              <a:rPr lang="en-US" altLang="zh-TW" dirty="0" smtClean="0"/>
-              <a:t>   Monospace,</a:t>
-            </a:r>
+              <a:rPr lang="zh-TW" altLang="en-US" sz="2400" b="1" dirty="0" smtClean="0"/>
+              <a:t>    </a:t>
+            </a:r>
+            <a:r>
+              <a:rPr lang="zh-TW" altLang="en-US" sz="2400" b="1" dirty="0">
+                <a:solidFill>
+                  <a:schemeClr val="accent1">
+                    <a:lumMod val="50000"/>
+                  </a:schemeClr>
+                </a:solidFill>
+              </a:rPr>
+              <a:t>我們的程式碼</a:t>
+            </a:r>
+            <a:endParaRPr lang="en-US" altLang="zh-TW" sz="2400" b="1" dirty="0">
+              <a:solidFill>
+                <a:schemeClr val="accent1">
+                  <a:lumMod val="50000"/>
+                </a:schemeClr>
+              </a:solidFill>
+            </a:endParaRPr>
           </a:p>
           <a:p>
             <a:pPr marL="0" indent="0">
               <a:buNone/>
             </a:pPr>
             <a:r>
-              <a:rPr lang="en-US" altLang="zh-TW" dirty="0" smtClean="0"/>
-              <a:t>   function(){</a:t>
-            </a:r>
-          </a:p>
-          <a:p>
-            <a:pPr marL="0" indent="0">
-              <a:buNone/>
-            </a:pPr>
-            <a:r>
-              <a:rPr lang="en-US" altLang="zh-TW" dirty="0" smtClean="0"/>
-              <a:t>      console.log(free)</a:t>
-            </a:r>
-          </a:p>
-          <a:p>
-            <a:pPr marL="0" indent="0">
-              <a:buNone/>
-            </a:pPr>
-            <a:r>
-              <a:rPr lang="en-US" altLang="zh-TW" dirty="0" smtClean="0"/>
-              <a:t>   },</a:t>
-            </a:r>
-          </a:p>
-          <a:p>
-            <a:pPr marL="0" indent="0">
-              <a:buNone/>
-            </a:pPr>
-            <a:r>
-              <a:rPr lang="en-US" altLang="zh-TW" dirty="0" smtClean="0"/>
-              <a:t>]</a:t>
-            </a:r>
-            <a:endParaRPr lang="zh-TW" altLang="en-US" dirty="0"/>
+              <a:rPr lang="en-US" altLang="zh-TW" sz="2400" b="1" dirty="0" smtClean="0"/>
+              <a:t>}</a:t>
+            </a:r>
+            <a:r>
+              <a:rPr lang="zh-TW" altLang="en-US" sz="2400" dirty="0" smtClean="0"/>
+              <a:t> </a:t>
+            </a:r>
+            <a:r>
+              <a:rPr lang="en-US" altLang="zh-TW" sz="2400" dirty="0" smtClean="0"/>
+              <a:t>; </a:t>
+            </a:r>
           </a:p>
         </p:txBody>
       </p:sp>
     </p:spTree>
     <p:extLst>
       <p:ext uri="{BB962C8B-B14F-4D97-AF65-F5344CB8AC3E}">
-        <p14:creationId xmlns:p14="http://schemas.microsoft.com/office/powerpoint/2010/main" val="1216160496"/>
+        <p14:creationId xmlns:p14="http://schemas.microsoft.com/office/powerpoint/2010/main" val="2272946806"/>
       </p:ext>
     </p:extLst>
   </p:cSld>
   <p:clrMapOvr>
     <a:masterClrMapping/>
   </p:clrMapOvr>
+  <p:timing>
+    <p:tnLst>
+      <p:par>
+        <p:cTn id="1" dur="indefinite" restart="never" nodeType="tmRoot"/>
+      </p:par>
+    </p:tnLst>
+  </p:timing>
 </p:sld>
 </file>
 
@@ -15185,34 +15862,203 @@
             <p:ph type="title"/>
           </p:nvPr>
         </p:nvSpPr>
+        <p:spPr/>
+        <p:txBody>
+          <a:bodyPr/>
+          <a:lstStyle/>
+          <a:p>
+            <a:r>
+              <a:rPr lang="zh-TW" altLang="en-US" dirty="0"/>
+              <a:t>建立</a:t>
+            </a:r>
+            <a:r>
+              <a:rPr lang="en-US" altLang="zh-TW" dirty="0"/>
+              <a:t>(</a:t>
+            </a:r>
+            <a:r>
+              <a:rPr lang="zh-TW" altLang="en-US" dirty="0"/>
+              <a:t>宣告</a:t>
+            </a:r>
+            <a:r>
+              <a:rPr lang="en-US" altLang="zh-TW" dirty="0" smtClean="0"/>
+              <a:t>)</a:t>
+            </a:r>
+            <a:r>
+              <a:rPr lang="zh-TW" altLang="en-US" dirty="0" smtClean="0"/>
+              <a:t>函式陳述式</a:t>
+            </a:r>
+            <a:endParaRPr lang="zh-TW" altLang="en-US" dirty="0"/>
+          </a:p>
+        </p:txBody>
+      </p:sp>
+      <p:sp>
+        <p:nvSpPr>
+          <p:cNvPr id="3" name="內容版面配置區 2"/>
+          <p:cNvSpPr>
+            <a:spLocks noGrp="1"/>
+          </p:cNvSpPr>
+          <p:nvPr>
+            <p:ph idx="1"/>
+          </p:nvPr>
+        </p:nvSpPr>
         <p:spPr>
           <a:xfrm>
-            <a:off x="467544" y="1977684"/>
-            <a:ext cx="8229600" cy="857250"/>
+            <a:off x="2843808" y="987574"/>
+            <a:ext cx="4104456" cy="3394472"/>
           </a:xfrm>
         </p:spPr>
         <p:txBody>
-          <a:bodyPr/>
-          <a:lstStyle/>
-          <a:p>
-            <a:r>
-              <a:rPr lang="zh-TW" altLang="en-US" dirty="0" smtClean="0"/>
-              <a:t>物件</a:t>
-            </a:r>
-            <a:endParaRPr lang="zh-TW" altLang="en-US" dirty="0"/>
+          <a:bodyPr anchor="ctr"/>
+          <a:lstStyle/>
+          <a:p>
+            <a:pPr marL="0" indent="0">
+              <a:buNone/>
+            </a:pPr>
+            <a:r>
+              <a:rPr lang="en-US" altLang="zh-TW" sz="2400" b="1" dirty="0" smtClean="0">
+                <a:solidFill>
+                  <a:srgbClr val="00B050"/>
+                </a:solidFill>
+              </a:rPr>
+              <a:t>function</a:t>
+            </a:r>
+            <a:r>
+              <a:rPr lang="zh-TW" altLang="en-US" sz="2400" b="1" dirty="0" smtClean="0">
+                <a:solidFill>
+                  <a:srgbClr val="00B050"/>
+                </a:solidFill>
+              </a:rPr>
+              <a:t>   </a:t>
+            </a:r>
+            <a:r>
+              <a:rPr lang="en-US" altLang="zh-TW" sz="2400" b="1" dirty="0" err="1" smtClean="0">
+                <a:solidFill>
+                  <a:srgbClr val="C00000"/>
+                </a:solidFill>
+              </a:rPr>
+              <a:t>say</a:t>
+            </a:r>
+            <a:r>
+              <a:rPr lang="en-US" altLang="zh-TW" sz="2400" b="1" dirty="0" err="1" smtClean="0">
+                <a:solidFill>
+                  <a:srgbClr val="C00000"/>
+                </a:solidFill>
+              </a:rPr>
+              <a:t>Yes</a:t>
+            </a:r>
+            <a:r>
+              <a:rPr lang="en-US" altLang="zh-TW" sz="2400" b="1" dirty="0" smtClean="0"/>
+              <a:t>(</a:t>
+            </a:r>
+            <a:r>
+              <a:rPr lang="zh-TW" altLang="en-US" sz="2400" b="1" dirty="0" smtClean="0"/>
+              <a:t> </a:t>
+            </a:r>
+            <a:r>
+              <a:rPr lang="en-US" altLang="zh-TW" sz="2400" b="1" dirty="0" smtClean="0"/>
+              <a:t>){</a:t>
+            </a:r>
+          </a:p>
+          <a:p>
+            <a:pPr marL="0" indent="0">
+              <a:buNone/>
+            </a:pPr>
+            <a:r>
+              <a:rPr lang="zh-TW" altLang="en-US" sz="2400" b="1" dirty="0" smtClean="0"/>
+              <a:t>    </a:t>
+            </a:r>
+            <a:r>
+              <a:rPr lang="en-US" altLang="zh-TW" sz="2400" b="1" dirty="0">
+                <a:solidFill>
+                  <a:schemeClr val="accent1">
+                    <a:lumMod val="50000"/>
+                  </a:schemeClr>
+                </a:solidFill>
+              </a:rPr>
+              <a:t>console.log</a:t>
+            </a:r>
+            <a:r>
+              <a:rPr lang="en-US" altLang="zh-TW" sz="2400" b="1" dirty="0" smtClean="0">
+                <a:solidFill>
+                  <a:schemeClr val="accent1">
+                    <a:lumMod val="50000"/>
+                  </a:schemeClr>
+                </a:solidFill>
+              </a:rPr>
+              <a:t>(</a:t>
+            </a:r>
+            <a:r>
+              <a:rPr lang="en-US" altLang="zh-TW" sz="2400" b="1" dirty="0">
+                <a:solidFill>
+                  <a:schemeClr val="accent1">
+                    <a:lumMod val="50000"/>
+                  </a:schemeClr>
+                </a:solidFill>
+              </a:rPr>
+              <a:t>"</a:t>
+            </a:r>
+            <a:r>
+              <a:rPr lang="zh-TW" altLang="en-US" sz="2400" b="1" dirty="0" smtClean="0">
+                <a:solidFill>
+                  <a:schemeClr val="accent1">
+                    <a:lumMod val="50000"/>
+                  </a:schemeClr>
+                </a:solidFill>
+              </a:rPr>
+              <a:t>好呦</a:t>
+            </a:r>
+            <a:r>
+              <a:rPr lang="en-US" altLang="zh-TW" sz="2400" b="1" dirty="0" smtClean="0">
+                <a:solidFill>
+                  <a:schemeClr val="accent1">
+                    <a:lumMod val="50000"/>
+                  </a:schemeClr>
+                </a:solidFill>
+              </a:rPr>
+              <a:t>")</a:t>
+            </a:r>
+            <a:r>
+              <a:rPr lang="en-US" altLang="zh-TW" sz="2400" b="1" dirty="0" smtClean="0"/>
+              <a:t>;</a:t>
+            </a:r>
+            <a:endParaRPr lang="en-US" altLang="zh-TW" sz="2400" b="1" dirty="0"/>
+          </a:p>
+          <a:p>
+            <a:pPr marL="0" indent="0">
+              <a:buNone/>
+            </a:pPr>
+            <a:r>
+              <a:rPr lang="en-US" altLang="zh-TW" sz="2400" b="1" dirty="0" smtClean="0"/>
+              <a:t>}</a:t>
+            </a:r>
+            <a:r>
+              <a:rPr lang="zh-TW" altLang="en-US" sz="2400" dirty="0" smtClean="0"/>
+              <a:t> </a:t>
+            </a:r>
+            <a:r>
+              <a:rPr lang="en-US" altLang="zh-TW" sz="2400" dirty="0" smtClean="0"/>
+              <a:t>; </a:t>
+            </a:r>
           </a:p>
         </p:txBody>
       </p:sp>
     </p:spTree>
     <p:extLst>
       <p:ext uri="{BB962C8B-B14F-4D97-AF65-F5344CB8AC3E}">
-        <p14:creationId xmlns:p14="http://schemas.microsoft.com/office/powerpoint/2010/main" val="4013313345"/>
+        <p14:creationId xmlns:p14="http://schemas.microsoft.com/office/powerpoint/2010/main" val="3806339534"/>
       </p:ext>
     </p:extLst>
   </p:cSld>
   <p:clrMapOvr>
     <a:masterClrMapping/>
   </p:clrMapOvr>
+  <p:timing>
+    <p:tnLst>
+      <p:par>
+        <p:cTn id="1" dur="indefinite" restart="never" nodeType="tmRoot"/>
+      </p:par>
+    </p:tnLst>
+  </p:timing>
 </p:sld>
 </file>
 
@@ -15248,6 +16094,26 @@
           <a:bodyPr/>
           <a:lstStyle/>
           <a:p>
+            <a:r>
+              <a:rPr lang="zh-TW" altLang="en-US" dirty="0"/>
+              <a:t>呼叫</a:t>
+            </a:r>
+            <a:r>
+              <a:rPr lang="en-US" altLang="zh-TW" dirty="0"/>
+              <a:t>(</a:t>
+            </a:r>
+            <a:r>
+              <a:rPr lang="zh-TW" altLang="en-US" dirty="0"/>
+              <a:t>執行</a:t>
+            </a:r>
+            <a:r>
+              <a:rPr lang="en-US" altLang="zh-TW" dirty="0"/>
+              <a:t>)</a:t>
+            </a:r>
+            <a:r>
+              <a:rPr lang="zh-TW" altLang="en-US" dirty="0"/>
+              <a:t>函式陳述式</a:t>
+            </a:r>
             <a:endParaRPr lang="zh-TW" altLang="en-US" dirty="0"/>
           </a:p>
         </p:txBody>
@@ -15262,52 +16128,52 @@
             <p:ph idx="1"/>
           </p:nvPr>
         </p:nvSpPr>
-        <p:spPr/>
-        <p:txBody>
-          <a:bodyPr/>
-          <a:lstStyle/>
-          <a:p>
-            <a:pPr marL="0" indent="0">
+        <p:spPr>
+          <a:xfrm>
+            <a:off x="2555776" y="699542"/>
+            <a:ext cx="4104456" cy="3394472"/>
+          </a:xfrm>
+        </p:spPr>
+        <p:txBody>
+          <a:bodyPr anchor="ctr"/>
+          <a:lstStyle/>
+          <a:p>
+            <a:pPr marL="0" indent="0" algn="ctr">
               <a:buNone/>
             </a:pPr>
             <a:r>
-              <a:rPr lang="zh-TW" altLang="en-US" dirty="0"/>
-              <a:t>名</a:t>
-            </a:r>
-            <a:r>
-              <a:rPr lang="zh-TW" altLang="en-US" dirty="0" smtClean="0"/>
-              <a:t>子</a:t>
-            </a:r>
-            <a:r>
-              <a:rPr lang="en-US" altLang="zh-TW" dirty="0" smtClean="0"/>
-              <a:t>(</a:t>
-            </a:r>
-            <a:r>
-              <a:rPr lang="zh-TW" altLang="en-US" dirty="0" smtClean="0"/>
-              <a:t>屬性</a:t>
-            </a:r>
-            <a:r>
-              <a:rPr lang="en-US" altLang="zh-TW" dirty="0" smtClean="0"/>
-              <a:t>)</a:t>
-            </a:r>
-            <a:r>
-              <a:rPr lang="zh-TW" altLang="en-US" dirty="0" smtClean="0"/>
-              <a:t>與值的組合</a:t>
-            </a:r>
-            <a:endParaRPr lang="zh-TW" altLang="en-US" dirty="0"/>
+              <a:rPr lang="zh-TW" altLang="en-US" sz="2400" b="1" dirty="0" smtClean="0">
+                <a:solidFill>
+                  <a:srgbClr val="C00000"/>
+                </a:solidFill>
+              </a:rPr>
+              <a:t>函式名稱</a:t>
+            </a:r>
+            <a:r>
+              <a:rPr lang="en-US" altLang="zh-TW" sz="2400" b="1" dirty="0" smtClean="0"/>
+              <a:t>( )</a:t>
+            </a:r>
+            <a:endParaRPr lang="en-US" altLang="zh-TW" sz="2400" b="1" dirty="0"/>
           </a:p>
         </p:txBody>
       </p:sp>
     </p:spTree>
     <p:extLst>
       <p:ext uri="{BB962C8B-B14F-4D97-AF65-F5344CB8AC3E}">
-        <p14:creationId xmlns:p14="http://schemas.microsoft.com/office/powerpoint/2010/main" val="3289938323"/>
+        <p14:creationId xmlns:p14="http://schemas.microsoft.com/office/powerpoint/2010/main" val="3986759397"/>
       </p:ext>
     </p:extLst>
   </p:cSld>
   <p:clrMapOvr>
     <a:masterClrMapping/>
   </p:clrMapOvr>
+  <p:timing>
+    <p:tnLst>
+      <p:par>
+        <p:cTn id="1" dur="indefinite" restart="never" nodeType="tmRoot"/>
+      </p:par>
+    </p:tnLst>
+  </p:timing>
 </p:sld>
 </file>
 
@@ -15338,34 +16204,91 @@
             <p:ph type="title"/>
           </p:nvPr>
         </p:nvSpPr>
+        <p:spPr/>
+        <p:txBody>
+          <a:bodyPr/>
+          <a:lstStyle/>
+          <a:p>
+            <a:r>
+              <a:rPr lang="zh-TW" altLang="en-US" dirty="0"/>
+              <a:t>呼叫</a:t>
+            </a:r>
+            <a:r>
+              <a:rPr lang="en-US" altLang="zh-TW" dirty="0"/>
+              <a:t>(</a:t>
+            </a:r>
+            <a:r>
+              <a:rPr lang="zh-TW" altLang="en-US" dirty="0"/>
+              <a:t>執行</a:t>
+            </a:r>
+            <a:r>
+              <a:rPr lang="en-US" altLang="zh-TW" dirty="0"/>
+              <a:t>)</a:t>
+            </a:r>
+            <a:r>
+              <a:rPr lang="zh-TW" altLang="en-US" dirty="0"/>
+              <a:t>函式陳述式</a:t>
+            </a:r>
+            <a:endParaRPr lang="zh-TW" altLang="en-US" dirty="0"/>
+          </a:p>
+        </p:txBody>
+      </p:sp>
+      <p:sp>
+        <p:nvSpPr>
+          <p:cNvPr id="3" name="內容版面配置區 2"/>
+          <p:cNvSpPr>
+            <a:spLocks noGrp="1"/>
+          </p:cNvSpPr>
+          <p:nvPr>
+            <p:ph idx="1"/>
+          </p:nvPr>
+        </p:nvSpPr>
         <p:spPr>
           <a:xfrm>
-            <a:off x="467544" y="1977684"/>
-            <a:ext cx="8229600" cy="857250"/>
+            <a:off x="2555776" y="699542"/>
+            <a:ext cx="4104456" cy="3394472"/>
           </a:xfrm>
         </p:spPr>
         <p:txBody>
-          <a:bodyPr/>
-          <a:lstStyle/>
-          <a:p>
-            <a:r>
-              <a:rPr lang="zh-TW" altLang="en-US" dirty="0" smtClean="0"/>
-              <a:t>流程判斷</a:t>
-            </a:r>
-            <a:endParaRPr lang="zh-TW" altLang="en-US" dirty="0"/>
+          <a:bodyPr anchor="ctr"/>
+          <a:lstStyle/>
+          <a:p>
+            <a:pPr marL="0" indent="0" algn="ctr">
+              <a:buNone/>
+            </a:pPr>
+            <a:r>
+              <a:rPr lang="en-US" altLang="zh-TW" sz="2400" b="1" dirty="0" err="1" smtClean="0">
+                <a:solidFill>
+                  <a:srgbClr val="C00000"/>
+                </a:solidFill>
+              </a:rPr>
+              <a:t>sayYes</a:t>
+            </a:r>
+            <a:r>
+              <a:rPr lang="en-US" altLang="zh-TW" sz="2400" b="1" dirty="0" smtClean="0"/>
+              <a:t>( )</a:t>
+            </a:r>
+            <a:endParaRPr lang="en-US" altLang="zh-TW" sz="2400" b="1" dirty="0"/>
           </a:p>
         </p:txBody>
       </p:sp>
     </p:spTree>
     <p:extLst>
       <p:ext uri="{BB962C8B-B14F-4D97-AF65-F5344CB8AC3E}">
-        <p14:creationId xmlns:p14="http://schemas.microsoft.com/office/powerpoint/2010/main" val="1328426025"/>
+        <p14:creationId xmlns:p14="http://schemas.microsoft.com/office/powerpoint/2010/main" val="3108571714"/>
       </p:ext>
     </p:extLst>
   </p:cSld>
   <p:clrMapOvr>
     <a:masterClrMapping/>
   </p:clrMapOvr>
+  <p:timing>
+    <p:tnLst>
+      <p:par>
+        <p:cTn id="1" dur="indefinite" restart="never" nodeType="tmRoot"/>
+      </p:par>
+    </p:tnLst>
+  </p:timing>
 </p:sld>
 </file>
 
@@ -15402,12 +16325,24 @@
           <a:lstStyle/>
           <a:p>
             <a:r>
-              <a:rPr lang="zh-TW" altLang="en-US" dirty="0" smtClean="0"/>
-              <a:t>如果成立就</a:t>
-            </a:r>
-            <a:r>
-              <a:rPr lang="en-US" altLang="zh-TW" dirty="0" smtClean="0"/>
-              <a:t>…</a:t>
+              <a:rPr lang="zh-TW" altLang="en-US" dirty="0"/>
+              <a:t>呼叫</a:t>
+            </a:r>
+            <a:r>
+              <a:rPr lang="en-US" altLang="zh-TW" dirty="0"/>
+              <a:t>(</a:t>
+            </a:r>
+            <a:r>
+              <a:rPr lang="zh-TW" altLang="en-US" dirty="0"/>
+              <a:t>執行</a:t>
+            </a:r>
+            <a:r>
+              <a:rPr lang="en-US" altLang="zh-TW" dirty="0"/>
+              <a:t>)</a:t>
+            </a:r>
+            <a:r>
+              <a:rPr lang="zh-TW" altLang="en-US" dirty="0"/>
+              <a:t>函式陳述式</a:t>
             </a:r>
             <a:endParaRPr lang="zh-TW" altLang="en-US" dirty="0"/>
           </a:p>
@@ -15423,55 +16358,320 @@
             <p:ph idx="1"/>
           </p:nvPr>
         </p:nvSpPr>
-        <p:spPr/>
-        <p:txBody>
-          <a:bodyPr/>
-          <a:lstStyle/>
-          <a:p>
-            <a:pPr marL="0" indent="0">
+        <p:spPr>
+          <a:xfrm>
+            <a:off x="2555776" y="699542"/>
+            <a:ext cx="4104456" cy="3394472"/>
+          </a:xfrm>
+        </p:spPr>
+        <p:txBody>
+          <a:bodyPr anchor="ctr"/>
+          <a:lstStyle/>
+          <a:p>
+            <a:pPr marL="0" indent="0" algn="ctr">
               <a:buNone/>
             </a:pPr>
             <a:r>
-              <a:rPr lang="en-US" altLang="zh-TW" dirty="0" smtClean="0"/>
-              <a:t>If(true){</a:t>
-            </a:r>
-          </a:p>
-          <a:p>
-            <a:pPr marL="0" indent="0">
-              <a:buNone/>
-            </a:pPr>
-            <a:r>
-              <a:rPr lang="en-US" altLang="zh-TW" dirty="0" smtClean="0"/>
-              <a:t>	//</a:t>
-            </a:r>
-            <a:r>
-              <a:rPr lang="zh-TW" altLang="en-US" dirty="0" smtClean="0"/>
-              <a:t>執行內容</a:t>
-            </a:r>
-            <a:endParaRPr lang="en-US" altLang="zh-TW" dirty="0"/>
-          </a:p>
-          <a:p>
-            <a:pPr marL="0" indent="0">
-              <a:buNone/>
-            </a:pPr>
-            <a:r>
-              <a:rPr lang="en-US" altLang="zh-TW" dirty="0" smtClean="0"/>
-              <a:t>}</a:t>
-            </a:r>
-            <a:endParaRPr lang="zh-TW" altLang="en-US" dirty="0"/>
+              <a:rPr lang="en-US" altLang="zh-TW" sz="2400" b="1" dirty="0" err="1" smtClean="0">
+                <a:solidFill>
+                  <a:srgbClr val="C00000"/>
+                </a:solidFill>
+              </a:rPr>
+              <a:t>sayYes</a:t>
+            </a:r>
+            <a:r>
+              <a:rPr lang="en-US" altLang="zh-TW" sz="2400" b="1" dirty="0" smtClean="0">
+                <a:solidFill>
+                  <a:srgbClr val="C00000"/>
+                </a:solidFill>
+              </a:rPr>
+              <a:t> </a:t>
+            </a:r>
+            <a:r>
+              <a:rPr lang="zh-TW" altLang="en-US" sz="2400" b="1" dirty="0" smtClean="0">
+                <a:solidFill>
+                  <a:srgbClr val="C00000"/>
+                </a:solidFill>
+              </a:rPr>
+              <a:t>  </a:t>
+            </a:r>
+            <a:r>
+              <a:rPr lang="en-US" altLang="zh-TW" sz="2400" b="1" dirty="0" smtClean="0"/>
+              <a:t>( )</a:t>
+            </a:r>
+            <a:endParaRPr lang="en-US" altLang="zh-TW" sz="2400" b="1" dirty="0"/>
+          </a:p>
+        </p:txBody>
+      </p:sp>
+      <p:sp>
+        <p:nvSpPr>
+          <p:cNvPr id="4" name="矩形 3"/>
+          <p:cNvSpPr/>
+          <p:nvPr/>
+        </p:nvSpPr>
+        <p:spPr>
+          <a:xfrm>
+            <a:off x="3851920" y="2211710"/>
+            <a:ext cx="973188" cy="360040"/>
+          </a:xfrm>
+          <a:prstGeom prst="rect">
+            <a:avLst/>
+          </a:prstGeom>
+          <a:noFill/>
+          <a:ln>
+            <a:solidFill>
+              <a:srgbClr val="000000"/>
+            </a:solidFill>
+          </a:ln>
+        </p:spPr>
+        <p:style>
+          <a:lnRef idx="2">
+            <a:schemeClr val="accent1">
+              <a:shade val="50000"/>
+            </a:schemeClr>
+          </a:lnRef>
+          <a:fillRef idx="1">
+            <a:schemeClr val="accent1"/>
+          </a:fillRef>
+          <a:effectRef idx="0">
+            <a:schemeClr val="accent1"/>
+          </a:effectRef>
+          <a:fontRef idx="minor">
+            <a:schemeClr val="lt1"/>
+          </a:fontRef>
+        </p:style>
+        <p:txBody>
+          <a:bodyPr rtlCol="0" anchor="ctr"/>
+          <a:lstStyle/>
+          <a:p>
+            <a:pPr algn="ctr"/>
+            <a:endParaRPr lang="zh-TW" altLang="en-US"/>
+          </a:p>
+        </p:txBody>
+      </p:sp>
+      <p:sp>
+        <p:nvSpPr>
+          <p:cNvPr id="5" name="向下箭號 4"/>
+          <p:cNvSpPr/>
+          <p:nvPr/>
+        </p:nvSpPr>
+        <p:spPr>
+          <a:xfrm>
+            <a:off x="4283968" y="2571750"/>
+            <a:ext cx="216024" cy="360040"/>
+          </a:xfrm>
+          <a:prstGeom prst="downArrow">
+            <a:avLst/>
+          </a:prstGeom>
+          <a:solidFill>
+            <a:schemeClr val="tx1"/>
+          </a:solidFill>
+          <a:ln>
+            <a:noFill/>
+          </a:ln>
+        </p:spPr>
+        <p:style>
+          <a:lnRef idx="2">
+            <a:schemeClr val="accent1">
+              <a:shade val="50000"/>
+            </a:schemeClr>
+          </a:lnRef>
+          <a:fillRef idx="1">
+            <a:schemeClr val="accent1"/>
+          </a:fillRef>
+          <a:effectRef idx="0">
+            <a:schemeClr val="accent1"/>
+          </a:effectRef>
+          <a:fontRef idx="minor">
+            <a:schemeClr val="lt1"/>
+          </a:fontRef>
+        </p:style>
+        <p:txBody>
+          <a:bodyPr rtlCol="0" anchor="ctr"/>
+          <a:lstStyle/>
+          <a:p>
+            <a:pPr algn="ctr"/>
+            <a:endParaRPr lang="zh-TW" altLang="en-US"/>
+          </a:p>
+        </p:txBody>
+      </p:sp>
+      <p:sp>
+        <p:nvSpPr>
+          <p:cNvPr id="6" name="矩形 5"/>
+          <p:cNvSpPr/>
+          <p:nvPr/>
+        </p:nvSpPr>
+        <p:spPr>
+          <a:xfrm>
+            <a:off x="4969557" y="2211710"/>
+            <a:ext cx="391666" cy="360040"/>
+          </a:xfrm>
+          <a:prstGeom prst="rect">
+            <a:avLst/>
+          </a:prstGeom>
+          <a:noFill/>
+          <a:ln>
+            <a:solidFill>
+              <a:srgbClr val="000000"/>
+            </a:solidFill>
+          </a:ln>
+        </p:spPr>
+        <p:style>
+          <a:lnRef idx="2">
+            <a:schemeClr val="accent1">
+              <a:shade val="50000"/>
+            </a:schemeClr>
+          </a:lnRef>
+          <a:fillRef idx="1">
+            <a:schemeClr val="accent1"/>
+          </a:fillRef>
+          <a:effectRef idx="0">
+            <a:schemeClr val="accent1"/>
+          </a:effectRef>
+          <a:fontRef idx="minor">
+            <a:schemeClr val="lt1"/>
+          </a:fontRef>
+        </p:style>
+        <p:txBody>
+          <a:bodyPr rtlCol="0" anchor="ctr"/>
+          <a:lstStyle/>
+          <a:p>
+            <a:pPr algn="ctr"/>
+            <a:endParaRPr lang="zh-TW" altLang="en-US"/>
+          </a:p>
+        </p:txBody>
+      </p:sp>
+      <p:sp>
+        <p:nvSpPr>
+          <p:cNvPr id="7" name="向下箭號 6"/>
+          <p:cNvSpPr/>
+          <p:nvPr/>
+        </p:nvSpPr>
+        <p:spPr>
+          <a:xfrm>
+            <a:off x="5057378" y="2571750"/>
+            <a:ext cx="216024" cy="360040"/>
+          </a:xfrm>
+          <a:prstGeom prst="downArrow">
+            <a:avLst/>
+          </a:prstGeom>
+          <a:solidFill>
+            <a:schemeClr val="tx1"/>
+          </a:solidFill>
+          <a:ln>
+            <a:noFill/>
+          </a:ln>
+        </p:spPr>
+        <p:style>
+          <a:lnRef idx="2">
+            <a:schemeClr val="accent1">
+              <a:shade val="50000"/>
+            </a:schemeClr>
+          </a:lnRef>
+          <a:fillRef idx="1">
+            <a:schemeClr val="accent1"/>
+          </a:fillRef>
+          <a:effectRef idx="0">
+            <a:schemeClr val="accent1"/>
+          </a:effectRef>
+          <a:fontRef idx="minor">
+            <a:schemeClr val="lt1"/>
+          </a:fontRef>
+        </p:style>
+        <p:txBody>
+          <a:bodyPr rtlCol="0" anchor="ctr"/>
+          <a:lstStyle/>
+          <a:p>
+            <a:pPr algn="ctr"/>
+            <a:endParaRPr lang="zh-TW" altLang="en-US"/>
+          </a:p>
+        </p:txBody>
+      </p:sp>
+      <p:sp>
+        <p:nvSpPr>
+          <p:cNvPr id="8" name="文字方塊 7"/>
+          <p:cNvSpPr txBox="1"/>
+          <p:nvPr/>
+        </p:nvSpPr>
+        <p:spPr>
+          <a:xfrm>
+            <a:off x="3785024" y="2984887"/>
+            <a:ext cx="1107996" cy="369332"/>
+          </a:xfrm>
+          <a:prstGeom prst="rect">
+            <a:avLst/>
+          </a:prstGeom>
+          <a:noFill/>
+        </p:spPr>
+        <p:txBody>
+          <a:bodyPr wrap="none" rtlCol="0">
+            <a:spAutoFit/>
+          </a:bodyPr>
+          <a:lstStyle/>
+          <a:p>
+            <a:r>
+              <a:rPr lang="zh-TW" altLang="en-US" b="1" dirty="0">
+                <a:latin typeface="微軟正黑體" panose="020B0604030504040204" pitchFamily="34" charset="-120"/>
+                <a:ea typeface="微軟正黑體" panose="020B0604030504040204" pitchFamily="34" charset="-120"/>
+              </a:rPr>
+              <a:t>函式名稱</a:t>
+            </a:r>
+          </a:p>
+        </p:txBody>
+      </p:sp>
+      <p:sp>
+        <p:nvSpPr>
+          <p:cNvPr id="9" name="文字方塊 8"/>
+          <p:cNvSpPr txBox="1"/>
+          <p:nvPr/>
+        </p:nvSpPr>
+        <p:spPr>
+          <a:xfrm>
+            <a:off x="4893019" y="2984887"/>
+            <a:ext cx="646331" cy="369332"/>
+          </a:xfrm>
+          <a:prstGeom prst="rect">
+            <a:avLst/>
+          </a:prstGeom>
+          <a:noFill/>
+        </p:spPr>
+        <p:txBody>
+          <a:bodyPr wrap="none" rtlCol="0">
+            <a:spAutoFit/>
+          </a:bodyPr>
+          <a:lstStyle/>
+          <a:p>
+            <a:r>
+              <a:rPr lang="zh-TW" altLang="en-US" b="1" dirty="0" smtClean="0">
+                <a:latin typeface="微軟正黑體" panose="020B0604030504040204" pitchFamily="34" charset="-120"/>
+                <a:ea typeface="微軟正黑體" panose="020B0604030504040204" pitchFamily="34" charset="-120"/>
+              </a:rPr>
+              <a:t>括弧</a:t>
+            </a:r>
+            <a:endParaRPr lang="zh-TW" altLang="en-US" b="1" dirty="0">
+              <a:latin typeface="微軟正黑體" panose="020B0604030504040204" pitchFamily="34" charset="-120"/>
+              <a:ea typeface="微軟正黑體" panose="020B0604030504040204" pitchFamily="34" charset="-120"/>
+            </a:endParaRPr>
           </a:p>
         </p:txBody>
       </p:sp>
     </p:spTree>
     <p:extLst>
       <p:ext uri="{BB962C8B-B14F-4D97-AF65-F5344CB8AC3E}">
-        <p14:creationId xmlns:p14="http://schemas.microsoft.com/office/powerpoint/2010/main" val="716601050"/>
+        <p14:creationId xmlns:p14="http://schemas.microsoft.com/office/powerpoint/2010/main" val="4232418991"/>
       </p:ext>
     </p:extLst>
   </p:cSld>
   <p:clrMapOvr>
     <a:masterClrMapping/>
   </p:clrMapOvr>
+  <p:timing>
+    <p:tnLst>
+      <p:par>
+        <p:cTn id="1" dur="indefinite" restart="never" nodeType="tmRoot"/>
+      </p:par>
+    </p:tnLst>
+  </p:timing>
 </p:sld>
 </file>
 
@@ -15508,20 +16708,8 @@
           <a:lstStyle/>
           <a:p>
             <a:r>
-              <a:rPr lang="zh-TW" altLang="en-US" dirty="0" smtClean="0"/>
-              <a:t>如果成立就</a:t>
-            </a:r>
-            <a:r>
-              <a:rPr lang="en-US" altLang="zh-TW" dirty="0" smtClean="0"/>
-              <a:t>…</a:t>
-            </a:r>
-            <a:r>
-              <a:rPr lang="zh-TW" altLang="en-US" dirty="0" smtClean="0"/>
-              <a:t>否則就</a:t>
-            </a:r>
-            <a:r>
-              <a:rPr lang="en-US" altLang="zh-TW" dirty="0" smtClean="0"/>
-              <a:t>..</a:t>
+              <a:rPr lang="zh-TW" altLang="en-US" dirty="0"/>
+              <a:t>建立函式表達式</a:t>
             </a:r>
             <a:endParaRPr lang="zh-TW" altLang="en-US" dirty="0"/>
           </a:p>
@@ -15537,17 +16725,76 @@
             <p:ph idx="1"/>
           </p:nvPr>
         </p:nvSpPr>
-        <p:spPr/>
-        <p:txBody>
-          <a:bodyPr/>
+        <p:spPr>
+          <a:xfrm>
+            <a:off x="2843808" y="987574"/>
+            <a:ext cx="4104456" cy="3394472"/>
+          </a:xfrm>
+        </p:spPr>
+        <p:txBody>
+          <a:bodyPr anchor="ctr"/>
           <a:lstStyle/>
           <a:p>
             <a:pPr marL="0" indent="0">
               <a:buNone/>
             </a:pPr>
             <a:r>
-              <a:rPr lang="en-US" altLang="zh-TW" dirty="0" smtClean="0"/>
-              <a:t>If(true){</a:t>
+              <a:rPr lang="zh-TW" altLang="en-US" sz="2400" b="1" dirty="0" smtClean="0">
+                <a:solidFill>
+                  <a:schemeClr val="accent6">
+                    <a:lumMod val="50000"/>
+                  </a:schemeClr>
+                </a:solidFill>
+              </a:rPr>
+              <a:t>變數</a:t>
+            </a:r>
+            <a:r>
+              <a:rPr lang="zh-TW" altLang="en-US" sz="2400" b="1" dirty="0" smtClean="0">
+                <a:solidFill>
+                  <a:srgbClr val="00B050"/>
+                </a:solidFill>
+              </a:rPr>
+              <a:t>  </a:t>
+            </a:r>
+            <a:r>
+              <a:rPr lang="en-US" altLang="zh-TW" sz="2400" b="1" dirty="0" smtClean="0"/>
+              <a:t>=  </a:t>
+            </a:r>
+            <a:r>
+              <a:rPr lang="zh-TW" altLang="en-US" sz="2400" b="1" dirty="0" smtClean="0">
+                <a:solidFill>
+                  <a:srgbClr val="00B050"/>
+                </a:solidFill>
+              </a:rPr>
+              <a:t>函</a:t>
+            </a:r>
+            <a:r>
+              <a:rPr lang="zh-TW" altLang="en-US" sz="2400" b="1" dirty="0">
+                <a:solidFill>
+                  <a:srgbClr val="00B050"/>
+                </a:solidFill>
+              </a:rPr>
+              <a:t>式</a:t>
+            </a:r>
+            <a:r>
+              <a:rPr lang="zh-TW" altLang="en-US" sz="2400" b="1" dirty="0" smtClean="0">
+                <a:solidFill>
+                  <a:srgbClr val="00B050"/>
+                </a:solidFill>
+              </a:rPr>
+              <a:t>關鍵字 </a:t>
+            </a:r>
+            <a:r>
+              <a:rPr lang="en-US" altLang="zh-TW" sz="2400" b="1" dirty="0" smtClean="0"/>
+              <a:t>(</a:t>
+            </a:r>
+            <a:r>
+              <a:rPr lang="zh-TW" altLang="en-US" sz="2400" b="1" dirty="0" smtClean="0"/>
+              <a:t> </a:t>
+            </a:r>
+            <a:r>
+              <a:rPr lang="en-US" altLang="zh-TW" sz="2400" b="1" dirty="0" smtClean="0"/>
+              <a:t>){</a:t>
             </a:r>
           </a:p>
           <a:p>
@@ -15555,72 +16802,63 @@
               <a:buNone/>
             </a:pPr>
             <a:r>
-              <a:rPr lang="en-US" altLang="zh-TW" dirty="0" smtClean="0"/>
-              <a:t>	//</a:t>
-            </a:r>
-            <a:r>
-              <a:rPr lang="zh-TW" altLang="en-US" dirty="0" smtClean="0"/>
-              <a:t>執行內容</a:t>
-            </a:r>
-            <a:endParaRPr lang="en-US" altLang="zh-TW" dirty="0"/>
+              <a:rPr lang="zh-TW" altLang="en-US" sz="2400" b="1" dirty="0" smtClean="0"/>
+              <a:t>    </a:t>
+            </a:r>
+            <a:r>
+              <a:rPr lang="zh-TW" altLang="en-US" sz="2400" b="1" dirty="0">
+                <a:solidFill>
+                  <a:schemeClr val="accent1">
+                    <a:lumMod val="50000"/>
+                  </a:schemeClr>
+                </a:solidFill>
+              </a:rPr>
+              <a:t>我們的程式碼</a:t>
+            </a:r>
+            <a:endParaRPr lang="en-US" altLang="zh-TW" sz="2400" b="1" dirty="0">
+              <a:solidFill>
+                <a:schemeClr val="accent1">
+                  <a:lumMod val="50000"/>
+                </a:schemeClr>
+              </a:solidFill>
+            </a:endParaRPr>
           </a:p>
           <a:p>
             <a:pPr marL="0" indent="0">
               <a:buNone/>
             </a:pPr>
             <a:r>
-              <a:rPr lang="en-US" altLang="zh-TW" dirty="0" smtClean="0"/>
+              <a:rPr lang="en-US" altLang="zh-TW" sz="2400" b="1" dirty="0" smtClean="0"/>
               <a:t>}</a:t>
             </a:r>
             <a:r>
-              <a:rPr lang="zh-TW" altLang="en-US" dirty="0" smtClean="0"/>
+              <a:rPr lang="zh-TW" altLang="en-US" sz="2400" dirty="0" smtClean="0"/>
               <a:t> </a:t>
             </a:r>
             <a:r>
-              <a:rPr lang="en-US" altLang="zh-TW" dirty="0" smtClean="0"/>
-              <a:t>else {</a:t>
-            </a:r>
-          </a:p>
-          <a:p>
-            <a:pPr marL="0" indent="0">
-              <a:buNone/>
-            </a:pPr>
-            <a:r>
-              <a:rPr lang="en-US" altLang="zh-TW" dirty="0"/>
-              <a:t>	//</a:t>
-            </a:r>
-            <a:r>
-              <a:rPr lang="zh-TW" altLang="en-US" dirty="0"/>
-              <a:t>執行</a:t>
-            </a:r>
-            <a:r>
-              <a:rPr lang="zh-TW" altLang="en-US" dirty="0" smtClean="0"/>
-              <a:t>內容</a:t>
-            </a:r>
-            <a:endParaRPr lang="en-US" altLang="zh-TW" dirty="0"/>
-          </a:p>
-          <a:p>
-            <a:pPr marL="0" indent="0">
-              <a:buNone/>
-            </a:pPr>
-            <a:r>
-              <a:rPr lang="en-US" altLang="zh-TW" dirty="0" smtClean="0"/>
-              <a:t>}</a:t>
-            </a:r>
-            <a:endParaRPr lang="zh-TW" altLang="en-US" dirty="0"/>
+              <a:rPr lang="en-US" altLang="zh-TW" sz="2400" dirty="0" smtClean="0"/>
+              <a:t>; </a:t>
+            </a:r>
           </a:p>
         </p:txBody>
       </p:sp>
     </p:spTree>
     <p:extLst>
       <p:ext uri="{BB962C8B-B14F-4D97-AF65-F5344CB8AC3E}">
-        <p14:creationId xmlns:p14="http://schemas.microsoft.com/office/powerpoint/2010/main" val="974061809"/>
+        <p14:creationId xmlns:p14="http://schemas.microsoft.com/office/powerpoint/2010/main" val="2838277286"/>
       </p:ext>
     </p:extLst>
   </p:cSld>
   <p:clrMapOvr>
     <a:masterClrMapping/>
   </p:clrMapOvr>
+  <p:timing>
+    <p:tnLst>
+      <p:par>
+        <p:cTn id="1" dur="indefinite" restart="never" nodeType="tmRoot"/>
+      </p:par>
+    </p:tnLst>
+  </p:timing>
 </p:sld>
 </file>
 
@@ -15657,28 +16895,8 @@
           <a:lstStyle/>
           <a:p>
             <a:r>
-              <a:rPr lang="zh-TW" altLang="en-US" dirty="0" smtClean="0"/>
-              <a:t>如果成立就</a:t>
-            </a:r>
-            <a:r>
-              <a:rPr lang="en-US" altLang="zh-TW" dirty="0" smtClean="0"/>
-              <a:t>…</a:t>
-            </a:r>
-            <a:r>
-              <a:rPr lang="zh-TW" altLang="en-US" dirty="0" smtClean="0"/>
-              <a:t>否則如果</a:t>
-            </a:r>
-            <a:r>
-              <a:rPr lang="en-US" altLang="zh-TW" dirty="0" smtClean="0"/>
-              <a:t>..</a:t>
-            </a:r>
-            <a:r>
               <a:rPr lang="zh-TW" altLang="en-US" dirty="0"/>
-              <a:t>否則就</a:t>
-            </a:r>
-            <a:r>
-              <a:rPr lang="en-US" altLang="zh-TW" dirty="0"/>
-              <a:t>..</a:t>
+              <a:t>建立函式表達式</a:t>
             </a:r>
             <a:endParaRPr lang="zh-TW" altLang="en-US" dirty="0"/>
           </a:p>
@@ -15694,19 +16912,110 @@
             <p:ph idx="1"/>
           </p:nvPr>
         </p:nvSpPr>
-        <p:spPr/>
-        <p:txBody>
-          <a:bodyPr>
-            <a:normAutofit fontScale="92500" lnSpcReduction="20000"/>
-          </a:bodyPr>
+        <p:spPr>
+          <a:xfrm>
+            <a:off x="2843808" y="987574"/>
+            <a:ext cx="4104456" cy="3394472"/>
+          </a:xfrm>
+        </p:spPr>
+        <p:txBody>
+          <a:bodyPr anchor="ctr"/>
           <a:lstStyle/>
           <a:p>
             <a:pPr marL="0" indent="0">
               <a:buNone/>
             </a:pPr>
             <a:r>
-              <a:rPr lang="en-US" altLang="zh-TW" dirty="0" smtClean="0"/>
-              <a:t>If(true){</a:t>
+              <a:rPr lang="en-US" altLang="zh-TW" sz="2400" b="1" dirty="0" err="1">
+                <a:solidFill>
+                  <a:schemeClr val="accent6">
+                    <a:lumMod val="50000"/>
+                  </a:schemeClr>
+                </a:solidFill>
+              </a:rPr>
+              <a:t>v</a:t>
+            </a:r>
+            <a:r>
+              <a:rPr lang="en-US" altLang="zh-TW" sz="2400" b="1" dirty="0" err="1">
+                <a:solidFill>
+                  <a:schemeClr val="accent6">
+                    <a:lumMod val="50000"/>
+                  </a:schemeClr>
+                </a:solidFill>
+              </a:rPr>
+              <a:t>ar</a:t>
+            </a:r>
+            <a:r>
+              <a:rPr lang="en-US" altLang="zh-TW" sz="2400" b="1" dirty="0">
+                <a:solidFill>
+                  <a:schemeClr val="accent6">
+                    <a:lumMod val="50000"/>
+                  </a:schemeClr>
+                </a:solidFill>
+              </a:rPr>
+              <a:t> </a:t>
+            </a:r>
+            <a:r>
+              <a:rPr lang="en-US" altLang="zh-TW" sz="2400" b="1" dirty="0" smtClean="0">
+                <a:solidFill>
+                  <a:schemeClr val="accent6">
+                    <a:lumMod val="50000"/>
+                  </a:schemeClr>
+                </a:solidFill>
+              </a:rPr>
+              <a:t> </a:t>
+            </a:r>
+            <a:r>
+              <a:rPr lang="en-US" altLang="zh-TW" sz="2400" b="1" dirty="0" err="1" smtClean="0">
+                <a:solidFill>
+                  <a:schemeClr val="accent6">
+                    <a:lumMod val="50000"/>
+                  </a:schemeClr>
+                </a:solidFill>
+              </a:rPr>
+              <a:t>sayHi</a:t>
+            </a:r>
+            <a:r>
+              <a:rPr lang="zh-TW" altLang="en-US" sz="2400" b="1" dirty="0" smtClean="0">
+                <a:solidFill>
+                  <a:schemeClr val="accent6">
+                    <a:lumMod val="50000"/>
+                  </a:schemeClr>
+                </a:solidFill>
+              </a:rPr>
+              <a:t>  </a:t>
+            </a:r>
+            <a:r>
+              <a:rPr lang="en-US" altLang="zh-TW" sz="2400" b="1" dirty="0" smtClean="0"/>
+              <a:t>=</a:t>
+            </a:r>
+            <a:r>
+              <a:rPr lang="zh-TW" altLang="en-US" sz="2400" b="1" dirty="0">
+                <a:solidFill>
+                  <a:srgbClr val="00B050"/>
+                </a:solidFill>
+              </a:rPr>
+              <a:t> </a:t>
+            </a:r>
+            <a:r>
+              <a:rPr lang="zh-TW" altLang="en-US" sz="2400" b="1" dirty="0" smtClean="0">
+                <a:solidFill>
+                  <a:srgbClr val="00B050"/>
+                </a:solidFill>
+              </a:rPr>
+              <a:t> </a:t>
+            </a:r>
+            <a:r>
+              <a:rPr lang="en-US" altLang="zh-TW" sz="2400" b="1" dirty="0" smtClean="0">
+                <a:solidFill>
+                  <a:srgbClr val="00B050"/>
+                </a:solidFill>
+              </a:rPr>
+              <a:t>function </a:t>
+            </a:r>
+            <a:r>
+              <a:rPr lang="en-US" altLang="zh-TW" sz="2400" b="1" dirty="0" smtClean="0"/>
+              <a:t>(){</a:t>
             </a:r>
           </a:p>
           <a:p>
@@ -15714,99 +17023,94 @@
               <a:buNone/>
             </a:pPr>
             <a:r>
-              <a:rPr lang="en-US" altLang="zh-TW" dirty="0" smtClean="0"/>
-              <a:t>	//</a:t>
-            </a:r>
-            <a:r>
-              <a:rPr lang="zh-TW" altLang="en-US" dirty="0" smtClean="0"/>
-              <a:t>執行內容</a:t>
-            </a:r>
-            <a:endParaRPr lang="en-US" altLang="zh-TW" dirty="0"/>
+              <a:rPr lang="zh-TW" altLang="en-US" sz="2400" b="1" dirty="0"/>
+              <a:t> </a:t>
+            </a:r>
+            <a:r>
+              <a:rPr lang="zh-TW" altLang="en-US" sz="2400" b="1" dirty="0" smtClean="0"/>
+              <a:t>   </a:t>
+            </a:r>
+            <a:r>
+              <a:rPr lang="en-US" altLang="zh-TW" sz="2400" b="1" dirty="0" smtClean="0">
+                <a:solidFill>
+                  <a:schemeClr val="accent1">
+                    <a:lumMod val="50000"/>
+                  </a:schemeClr>
+                </a:solidFill>
+              </a:rPr>
+              <a:t>console.log</a:t>
+            </a:r>
+            <a:r>
+              <a:rPr lang="en-US" altLang="zh-TW" sz="2400" b="1" dirty="0">
+                <a:solidFill>
+                  <a:schemeClr val="accent1">
+                    <a:lumMod val="50000"/>
+                  </a:schemeClr>
+                </a:solidFill>
+              </a:rPr>
+              <a:t>("</a:t>
+            </a:r>
+            <a:r>
+              <a:rPr lang="zh-TW" altLang="en-US" sz="2400" b="1" dirty="0">
+                <a:solidFill>
+                  <a:schemeClr val="accent1">
+                    <a:lumMod val="50000"/>
+                  </a:schemeClr>
+                </a:solidFill>
+              </a:rPr>
+              <a:t>晚上好</a:t>
+            </a:r>
+            <a:r>
+              <a:rPr lang="en-US" altLang="zh-TW" sz="2400" b="1" dirty="0" smtClean="0">
+                <a:solidFill>
+                  <a:schemeClr val="accent1">
+                    <a:lumMod val="50000"/>
+                  </a:schemeClr>
+                </a:solidFill>
+              </a:rPr>
+              <a:t>")</a:t>
+            </a:r>
+            <a:r>
+              <a:rPr lang="en-US" altLang="zh-TW" sz="2400" b="1" dirty="0" smtClean="0"/>
+              <a:t>;</a:t>
+            </a:r>
           </a:p>
           <a:p>
             <a:pPr marL="0" indent="0">
               <a:buNone/>
             </a:pPr>
             <a:r>
-              <a:rPr lang="en-US" altLang="zh-TW" dirty="0" smtClean="0"/>
+              <a:rPr lang="en-US" altLang="zh-TW" sz="2400" b="1" dirty="0" smtClean="0"/>
               <a:t>}</a:t>
             </a:r>
             <a:r>
-              <a:rPr lang="zh-TW" altLang="en-US" dirty="0" smtClean="0"/>
+              <a:rPr lang="zh-TW" altLang="en-US" sz="2400" dirty="0" smtClean="0"/>
               <a:t> </a:t>
             </a:r>
             <a:r>
-              <a:rPr lang="en-US" altLang="zh-TW" dirty="0" smtClean="0"/>
-              <a:t>else if{</a:t>
-            </a:r>
-          </a:p>
-          <a:p>
-            <a:pPr marL="0" indent="0">
-              <a:buNone/>
-            </a:pPr>
-            <a:r>
-              <a:rPr lang="en-US" altLang="zh-TW" dirty="0"/>
-              <a:t>	//</a:t>
-            </a:r>
-            <a:r>
-              <a:rPr lang="zh-TW" altLang="en-US" dirty="0"/>
-              <a:t>執行</a:t>
-            </a:r>
-            <a:r>
-              <a:rPr lang="zh-TW" altLang="en-US" dirty="0" smtClean="0"/>
-              <a:t>內容</a:t>
-            </a:r>
-            <a:endParaRPr lang="en-US" altLang="zh-TW" dirty="0"/>
-          </a:p>
-          <a:p>
-            <a:pPr marL="0" indent="0">
-              <a:buNone/>
-            </a:pPr>
-            <a:r>
-              <a:rPr lang="en-US" altLang="zh-TW" dirty="0" smtClean="0"/>
-              <a:t>} else {</a:t>
-            </a:r>
-          </a:p>
-          <a:p>
-            <a:pPr marL="0" indent="0">
-              <a:buNone/>
-            </a:pPr>
-            <a:r>
-              <a:rPr lang="en-US" altLang="zh-TW" dirty="0"/>
-              <a:t>	//</a:t>
-            </a:r>
-            <a:r>
-              <a:rPr lang="zh-TW" altLang="en-US" dirty="0"/>
-              <a:t>執行</a:t>
-            </a:r>
-            <a:r>
-              <a:rPr lang="zh-TW" altLang="en-US" dirty="0" smtClean="0"/>
-              <a:t>內容</a:t>
-            </a:r>
-            <a:endParaRPr lang="en-US" altLang="zh-TW" dirty="0"/>
-          </a:p>
-          <a:p>
-            <a:pPr marL="0" indent="0">
-              <a:buNone/>
-            </a:pPr>
-            <a:r>
-              <a:rPr lang="en-US" altLang="zh-TW" dirty="0" smtClean="0"/>
-              <a:t>}</a:t>
-            </a:r>
-            <a:endParaRPr lang="zh-TW" altLang="en-US" dirty="0"/>
+              <a:rPr lang="en-US" altLang="zh-TW" sz="2400" dirty="0" smtClean="0"/>
+              <a:t>; </a:t>
+            </a:r>
           </a:p>
         </p:txBody>
       </p:sp>
     </p:spTree>
     <p:extLst>
       <p:ext uri="{BB962C8B-B14F-4D97-AF65-F5344CB8AC3E}">
-        <p14:creationId xmlns:p14="http://schemas.microsoft.com/office/powerpoint/2010/main" val="2122289217"/>
+        <p14:creationId xmlns:p14="http://schemas.microsoft.com/office/powerpoint/2010/main" val="3419941274"/>
       </p:ext>
     </p:extLst>
   </p:cSld>
   <p:clrMapOvr>
     <a:masterClrMapping/>
   </p:clrMapOvr>
+  <p:timing>
+    <p:tnLst>
+      <p:par>
+        <p:cTn id="1" dur="indefinite" restart="never" nodeType="tmRoot"/>
+      </p:par>
+    </p:tnLst>
+  </p:timing>
 </p:sld>
 </file>
 
@@ -15837,34 +17141,95 @@
             <p:ph type="title"/>
           </p:nvPr>
         </p:nvSpPr>
+        <p:spPr/>
+        <p:txBody>
+          <a:bodyPr/>
+          <a:lstStyle/>
+          <a:p>
+            <a:r>
+              <a:rPr lang="zh-TW" altLang="en-US" dirty="0"/>
+              <a:t>呼叫</a:t>
+            </a:r>
+            <a:r>
+              <a:rPr lang="en-US" altLang="zh-TW" dirty="0"/>
+              <a:t>(</a:t>
+            </a:r>
+            <a:r>
+              <a:rPr lang="zh-TW" altLang="en-US" dirty="0"/>
+              <a:t>執行</a:t>
+            </a:r>
+            <a:r>
+              <a:rPr lang="en-US" altLang="zh-TW" dirty="0"/>
+              <a:t>)</a:t>
+            </a:r>
+            <a:r>
+              <a:rPr lang="zh-TW" altLang="en-US" dirty="0"/>
+              <a:t>函</a:t>
+            </a:r>
+            <a:r>
+              <a:rPr lang="zh-TW" altLang="en-US" dirty="0" smtClean="0"/>
+              <a:t>式表達式</a:t>
+            </a:r>
+            <a:endParaRPr lang="zh-TW" altLang="en-US" dirty="0"/>
+          </a:p>
+        </p:txBody>
+      </p:sp>
+      <p:sp>
+        <p:nvSpPr>
+          <p:cNvPr id="3" name="內容版面配置區 2"/>
+          <p:cNvSpPr>
+            <a:spLocks noGrp="1"/>
+          </p:cNvSpPr>
+          <p:nvPr>
+            <p:ph idx="1"/>
+          </p:nvPr>
+        </p:nvSpPr>
         <p:spPr>
           <a:xfrm>
-            <a:off x="467544" y="1977684"/>
-            <a:ext cx="8229600" cy="857250"/>
+            <a:off x="2555776" y="699542"/>
+            <a:ext cx="4104456" cy="3394472"/>
           </a:xfrm>
         </p:spPr>
         <p:txBody>
-          <a:bodyPr/>
-          <a:lstStyle/>
-          <a:p>
-            <a:r>
-              <a:rPr lang="en-US" altLang="zh-TW" dirty="0" smtClean="0"/>
-              <a:t>DOM</a:t>
-            </a:r>
-            <a:endParaRPr lang="zh-TW" altLang="en-US" dirty="0"/>
+          <a:bodyPr anchor="ctr"/>
+          <a:lstStyle/>
+          <a:p>
+            <a:pPr marL="0" indent="0" algn="ctr">
+              <a:buNone/>
+            </a:pPr>
+            <a:r>
+              <a:rPr lang="zh-TW" altLang="en-US" sz="2400" b="1" dirty="0" smtClean="0">
+                <a:solidFill>
+                  <a:srgbClr val="C00000"/>
+                </a:solidFill>
+              </a:rPr>
+              <a:t>變數名稱</a:t>
+            </a:r>
+            <a:r>
+              <a:rPr lang="en-US" altLang="zh-TW" sz="2400" b="1" dirty="0" smtClean="0"/>
+              <a:t>( );</a:t>
+            </a:r>
+            <a:endParaRPr lang="en-US" altLang="zh-TW" sz="2400" b="1" dirty="0"/>
           </a:p>
         </p:txBody>
       </p:sp>
     </p:spTree>
     <p:extLst>
       <p:ext uri="{BB962C8B-B14F-4D97-AF65-F5344CB8AC3E}">
-        <p14:creationId xmlns:p14="http://schemas.microsoft.com/office/powerpoint/2010/main" val="1256130898"/>
+        <p14:creationId xmlns:p14="http://schemas.microsoft.com/office/powerpoint/2010/main" val="3000699392"/>
       </p:ext>
     </p:extLst>
   </p:cSld>
   <p:clrMapOvr>
     <a:masterClrMapping/>
   </p:clrMapOvr>
+  <p:timing>
+    <p:tnLst>
+      <p:par>
+        <p:cTn id="1" dur="indefinite" restart="never" nodeType="tmRoot"/>
+      </p:par>
+    </p:tnLst>
+  </p:timing>
 </p:sld>
 </file>
 
@@ -15897,26 +17262,28 @@
         </p:nvSpPr>
         <p:spPr/>
         <p:txBody>
-          <a:bodyPr>
-            <a:normAutofit/>
-          </a:bodyPr>
-          <a:lstStyle/>
-          <a:p>
-            <a:r>
-              <a:rPr lang="zh-TW" altLang="en-US" dirty="0" smtClean="0"/>
-              <a:t>何謂</a:t>
-            </a:r>
-            <a:r>
-              <a:rPr lang="en-US" altLang="zh-TW" dirty="0" smtClean="0"/>
-              <a:t>DOM</a:t>
-            </a:r>
-            <a:r>
-              <a:rPr lang="zh-TW" altLang="en-US" dirty="0" smtClean="0"/>
-              <a:t>物件</a:t>
-            </a:r>
-            <a:r>
-              <a:rPr lang="en-US" altLang="zh-TW" dirty="0" smtClean="0"/>
-              <a:t>?</a:t>
+          <a:bodyPr/>
+          <a:lstStyle/>
+          <a:p>
+            <a:r>
+              <a:rPr lang="zh-TW" altLang="en-US" dirty="0"/>
+              <a:t>呼叫</a:t>
+            </a:r>
+            <a:r>
+              <a:rPr lang="en-US" altLang="zh-TW" dirty="0"/>
+              <a:t>(</a:t>
+            </a:r>
+            <a:r>
+              <a:rPr lang="zh-TW" altLang="en-US" dirty="0"/>
+              <a:t>執行</a:t>
+            </a:r>
+            <a:r>
+              <a:rPr lang="en-US" altLang="zh-TW" dirty="0"/>
+              <a:t>)</a:t>
+            </a:r>
+            <a:r>
+              <a:rPr lang="zh-TW" altLang="en-US" dirty="0"/>
+              <a:t>函式表達式</a:t>
             </a:r>
             <a:endParaRPr lang="zh-TW" altLang="en-US" dirty="0"/>
           </a:p>
@@ -15932,25 +17299,52 @@
             <p:ph idx="1"/>
           </p:nvPr>
         </p:nvSpPr>
-        <p:spPr/>
-        <p:txBody>
-          <a:bodyPr/>
-          <a:lstStyle/>
-          <a:p>
-            <a:endParaRPr lang="zh-TW" altLang="en-US"/>
+        <p:spPr>
+          <a:xfrm>
+            <a:off x="2555776" y="699542"/>
+            <a:ext cx="4104456" cy="3394472"/>
+          </a:xfrm>
+        </p:spPr>
+        <p:txBody>
+          <a:bodyPr anchor="ctr"/>
+          <a:lstStyle/>
+          <a:p>
+            <a:pPr marL="0" indent="0" algn="ctr">
+              <a:buNone/>
+            </a:pPr>
+            <a:r>
+              <a:rPr lang="en-US" altLang="zh-TW" sz="2400" b="1" dirty="0" err="1" smtClean="0">
+                <a:solidFill>
+                  <a:srgbClr val="C00000"/>
+                </a:solidFill>
+              </a:rPr>
+              <a:t>sayHi</a:t>
+            </a:r>
+            <a:r>
+              <a:rPr lang="en-US" altLang="zh-TW" sz="2400" b="1" dirty="0" smtClean="0"/>
+              <a:t>( );</a:t>
+            </a:r>
+            <a:endParaRPr lang="en-US" altLang="zh-TW" sz="2400" b="1" dirty="0"/>
           </a:p>
         </p:txBody>
       </p:sp>
     </p:spTree>
     <p:extLst>
       <p:ext uri="{BB962C8B-B14F-4D97-AF65-F5344CB8AC3E}">
-        <p14:creationId xmlns:p14="http://schemas.microsoft.com/office/powerpoint/2010/main" val="3925751582"/>
+        <p14:creationId xmlns:p14="http://schemas.microsoft.com/office/powerpoint/2010/main" val="2942979518"/>
       </p:ext>
     </p:extLst>
   </p:cSld>
   <p:clrMapOvr>
     <a:masterClrMapping/>
   </p:clrMapOvr>
+  <p:timing>
+    <p:tnLst>
+      <p:par>
+        <p:cTn id="1" dur="indefinite" restart="never" nodeType="tmRoot"/>
+      </p:par>
+    </p:tnLst>
+  </p:timing>
 </p:sld>
 </file>
 
@@ -15983,26 +17377,36 @@
         </p:nvSpPr>
         <p:spPr/>
         <p:txBody>
-          <a:bodyPr>
-            <a:normAutofit/>
-          </a:bodyPr>
-          <a:lstStyle/>
-          <a:p>
+          <a:bodyPr/>
+          <a:lstStyle/>
+          <a:p>
+            <a:r>
+              <a:rPr lang="zh-TW" altLang="en-US" dirty="0"/>
+              <a:t>呼叫</a:t>
+            </a:r>
+            <a:r>
+              <a:rPr lang="en-US" altLang="zh-TW" dirty="0"/>
+              <a:t>(</a:t>
+            </a:r>
+            <a:r>
+              <a:rPr lang="zh-TW" altLang="en-US" dirty="0"/>
+              <a:t>執行</a:t>
+            </a:r>
+            <a:r>
+              <a:rPr lang="en-US" altLang="zh-TW" dirty="0"/>
+              <a:t>)</a:t>
+            </a:r>
+            <a:r>
+              <a:rPr lang="zh-TW" altLang="en-US" dirty="0"/>
+              <a:t>函</a:t>
+            </a:r>
             <a:r>
               <a:rPr lang="zh-TW" altLang="en-US" dirty="0" smtClean="0"/>
-              <a:t>理解</a:t>
-            </a:r>
-            <a:r>
-              <a:rPr lang="en-US" altLang="zh-TW" dirty="0" smtClean="0"/>
-              <a:t>DOM</a:t>
-            </a:r>
-            <a:r>
-              <a:rPr lang="zh-TW" altLang="en-US" dirty="0" smtClean="0"/>
-              <a:t>樹狀圖</a:t>
-            </a:r>
-            <a:r>
-              <a:rPr lang="en-US" altLang="zh-TW" dirty="0" smtClean="0"/>
-              <a:t>(1)</a:t>
+              <a:t>式</a:t>
+            </a:r>
+            <a:r>
+              <a:rPr lang="zh-TW" altLang="en-US" dirty="0"/>
+              <a:t>表達式</a:t>
             </a:r>
             <a:endParaRPr lang="zh-TW" altLang="en-US" dirty="0"/>
           </a:p>
@@ -16018,25 +17422,324 @@
             <p:ph idx="1"/>
           </p:nvPr>
         </p:nvSpPr>
-        <p:spPr/>
-        <p:txBody>
-          <a:bodyPr/>
-          <a:lstStyle/>
-          <a:p>
-            <a:endParaRPr lang="zh-TW" altLang="en-US" dirty="0"/>
+        <p:spPr>
+          <a:xfrm>
+            <a:off x="2555776" y="699542"/>
+            <a:ext cx="4104456" cy="3394472"/>
+          </a:xfrm>
+        </p:spPr>
+        <p:txBody>
+          <a:bodyPr anchor="ctr"/>
+          <a:lstStyle/>
+          <a:p>
+            <a:pPr marL="0" indent="0" algn="ctr">
+              <a:buNone/>
+            </a:pPr>
+            <a:r>
+              <a:rPr lang="en-US" altLang="zh-TW" sz="2400" b="1" dirty="0" err="1" smtClean="0">
+                <a:solidFill>
+                  <a:srgbClr val="C00000"/>
+                </a:solidFill>
+              </a:rPr>
+              <a:t>sayHi</a:t>
+            </a:r>
+            <a:r>
+              <a:rPr lang="en-US" altLang="zh-TW" sz="2400" b="1" dirty="0" smtClean="0">
+                <a:solidFill>
+                  <a:srgbClr val="C00000"/>
+                </a:solidFill>
+              </a:rPr>
+              <a:t> </a:t>
+            </a:r>
+            <a:r>
+              <a:rPr lang="zh-TW" altLang="en-US" sz="2400" b="1" dirty="0" smtClean="0">
+                <a:solidFill>
+                  <a:srgbClr val="C00000"/>
+                </a:solidFill>
+              </a:rPr>
+              <a:t>  </a:t>
+            </a:r>
+            <a:r>
+              <a:rPr lang="en-US" altLang="zh-TW" sz="2400" b="1" dirty="0" smtClean="0"/>
+              <a:t>( );</a:t>
+            </a:r>
+            <a:endParaRPr lang="en-US" altLang="zh-TW" sz="2400" b="1" dirty="0"/>
+          </a:p>
+        </p:txBody>
+      </p:sp>
+      <p:sp>
+        <p:nvSpPr>
+          <p:cNvPr id="4" name="矩形 3"/>
+          <p:cNvSpPr/>
+          <p:nvPr/>
+        </p:nvSpPr>
+        <p:spPr>
+          <a:xfrm>
+            <a:off x="3876675" y="2211710"/>
+            <a:ext cx="897411" cy="360040"/>
+          </a:xfrm>
+          <a:prstGeom prst="rect">
+            <a:avLst/>
+          </a:prstGeom>
+          <a:noFill/>
+          <a:ln>
+            <a:solidFill>
+              <a:srgbClr val="000000"/>
+            </a:solidFill>
+          </a:ln>
+        </p:spPr>
+        <p:style>
+          <a:lnRef idx="2">
+            <a:schemeClr val="accent1">
+              <a:shade val="50000"/>
+            </a:schemeClr>
+          </a:lnRef>
+          <a:fillRef idx="1">
+            <a:schemeClr val="accent1"/>
+          </a:fillRef>
+          <a:effectRef idx="0">
+            <a:schemeClr val="accent1"/>
+          </a:effectRef>
+          <a:fontRef idx="minor">
+            <a:schemeClr val="lt1"/>
+          </a:fontRef>
+        </p:style>
+        <p:txBody>
+          <a:bodyPr rtlCol="0" anchor="ctr"/>
+          <a:lstStyle/>
+          <a:p>
+            <a:pPr algn="ctr"/>
+            <a:endParaRPr lang="zh-TW" altLang="en-US"/>
+          </a:p>
+        </p:txBody>
+      </p:sp>
+      <p:sp>
+        <p:nvSpPr>
+          <p:cNvPr id="5" name="向下箭號 4"/>
+          <p:cNvSpPr/>
+          <p:nvPr/>
+        </p:nvSpPr>
+        <p:spPr>
+          <a:xfrm>
+            <a:off x="4283968" y="2571750"/>
+            <a:ext cx="216024" cy="360040"/>
+          </a:xfrm>
+          <a:prstGeom prst="downArrow">
+            <a:avLst/>
+          </a:prstGeom>
+          <a:solidFill>
+            <a:schemeClr val="tx1"/>
+          </a:solidFill>
+          <a:ln>
+            <a:noFill/>
+          </a:ln>
+        </p:spPr>
+        <p:style>
+          <a:lnRef idx="2">
+            <a:schemeClr val="accent1">
+              <a:shade val="50000"/>
+            </a:schemeClr>
+          </a:lnRef>
+          <a:fillRef idx="1">
+            <a:schemeClr val="accent1"/>
+          </a:fillRef>
+          <a:effectRef idx="0">
+            <a:schemeClr val="accent1"/>
+          </a:effectRef>
+          <a:fontRef idx="minor">
+            <a:schemeClr val="lt1"/>
+          </a:fontRef>
+        </p:style>
+        <p:txBody>
+          <a:bodyPr rtlCol="0" anchor="ctr"/>
+          <a:lstStyle/>
+          <a:p>
+            <a:pPr algn="ctr"/>
+            <a:endParaRPr lang="zh-TW" altLang="en-US"/>
+          </a:p>
+        </p:txBody>
+      </p:sp>
+      <p:sp>
+        <p:nvSpPr>
+          <p:cNvPr id="6" name="矩形 5"/>
+          <p:cNvSpPr/>
+          <p:nvPr/>
+        </p:nvSpPr>
+        <p:spPr>
+          <a:xfrm>
+            <a:off x="4893019" y="2211710"/>
+            <a:ext cx="323755" cy="360040"/>
+          </a:xfrm>
+          <a:prstGeom prst="rect">
+            <a:avLst/>
+          </a:prstGeom>
+          <a:noFill/>
+          <a:ln>
+            <a:solidFill>
+              <a:srgbClr val="000000"/>
+            </a:solidFill>
+          </a:ln>
+        </p:spPr>
+        <p:style>
+          <a:lnRef idx="2">
+            <a:schemeClr val="accent1">
+              <a:shade val="50000"/>
+            </a:schemeClr>
+          </a:lnRef>
+          <a:fillRef idx="1">
+            <a:schemeClr val="accent1"/>
+          </a:fillRef>
+          <a:effectRef idx="0">
+            <a:schemeClr val="accent1"/>
+          </a:effectRef>
+          <a:fontRef idx="minor">
+            <a:schemeClr val="lt1"/>
+          </a:fontRef>
+        </p:style>
+        <p:txBody>
+          <a:bodyPr rtlCol="0" anchor="ctr"/>
+          <a:lstStyle/>
+          <a:p>
+            <a:pPr algn="ctr"/>
+            <a:endParaRPr lang="zh-TW" altLang="en-US"/>
+          </a:p>
+        </p:txBody>
+      </p:sp>
+      <p:sp>
+        <p:nvSpPr>
+          <p:cNvPr id="7" name="向下箭號 6"/>
+          <p:cNvSpPr/>
+          <p:nvPr/>
+        </p:nvSpPr>
+        <p:spPr>
+          <a:xfrm>
+            <a:off x="4982968" y="2566742"/>
+            <a:ext cx="216024" cy="360040"/>
+          </a:xfrm>
+          <a:prstGeom prst="downArrow">
+            <a:avLst/>
+          </a:prstGeom>
+          <a:solidFill>
+            <a:schemeClr val="tx1"/>
+          </a:solidFill>
+          <a:ln>
+            <a:noFill/>
+          </a:ln>
+        </p:spPr>
+        <p:style>
+          <a:lnRef idx="2">
+            <a:schemeClr val="accent1">
+              <a:shade val="50000"/>
+            </a:schemeClr>
+          </a:lnRef>
+          <a:fillRef idx="1">
+            <a:schemeClr val="accent1"/>
+          </a:fillRef>
+          <a:effectRef idx="0">
+            <a:schemeClr val="accent1"/>
+          </a:effectRef>
+          <a:fontRef idx="minor">
+            <a:schemeClr val="lt1"/>
+          </a:fontRef>
+        </p:style>
+        <p:txBody>
+          <a:bodyPr rtlCol="0" anchor="ctr"/>
+          <a:lstStyle/>
+          <a:p>
+            <a:pPr algn="ctr"/>
+            <a:endParaRPr lang="zh-TW" altLang="en-US"/>
+          </a:p>
+        </p:txBody>
+      </p:sp>
+      <p:sp>
+        <p:nvSpPr>
+          <p:cNvPr id="8" name="文字方塊 7"/>
+          <p:cNvSpPr txBox="1"/>
+          <p:nvPr/>
+        </p:nvSpPr>
+        <p:spPr>
+          <a:xfrm>
+            <a:off x="3785024" y="2984887"/>
+            <a:ext cx="1107996" cy="369332"/>
+          </a:xfrm>
+          <a:prstGeom prst="rect">
+            <a:avLst/>
+          </a:prstGeom>
+          <a:noFill/>
+        </p:spPr>
+        <p:txBody>
+          <a:bodyPr wrap="none" rtlCol="0">
+            <a:spAutoFit/>
+          </a:bodyPr>
+          <a:lstStyle/>
+          <a:p>
+            <a:r>
+              <a:rPr lang="zh-TW" altLang="en-US" b="1" dirty="0" smtClean="0">
+                <a:latin typeface="微軟正黑體" panose="020B0604030504040204" pitchFamily="34" charset="-120"/>
+                <a:ea typeface="微軟正黑體" panose="020B0604030504040204" pitchFamily="34" charset="-120"/>
+              </a:rPr>
+              <a:t>變數名稱</a:t>
+            </a:r>
+            <a:endParaRPr lang="zh-TW" altLang="en-US" b="1" dirty="0">
+              <a:latin typeface="微軟正黑體" panose="020B0604030504040204" pitchFamily="34" charset="-120"/>
+              <a:ea typeface="微軟正黑體" panose="020B0604030504040204" pitchFamily="34" charset="-120"/>
+            </a:endParaRPr>
+          </a:p>
+        </p:txBody>
+      </p:sp>
+      <p:sp>
+        <p:nvSpPr>
+          <p:cNvPr id="9" name="文字方塊 8"/>
+          <p:cNvSpPr txBox="1"/>
+          <p:nvPr/>
+        </p:nvSpPr>
+        <p:spPr>
+          <a:xfrm>
+            <a:off x="4825109" y="2984887"/>
+            <a:ext cx="646331" cy="369332"/>
+          </a:xfrm>
+          <a:prstGeom prst="rect">
+            <a:avLst/>
+          </a:prstGeom>
+          <a:noFill/>
+        </p:spPr>
+        <p:txBody>
+          <a:bodyPr wrap="none" rtlCol="0">
+            <a:spAutoFit/>
+          </a:bodyPr>
+          <a:lstStyle/>
+          <a:p>
+            <a:r>
+              <a:rPr lang="zh-TW" altLang="en-US" b="1" dirty="0" smtClean="0">
+                <a:latin typeface="微軟正黑體" panose="020B0604030504040204" pitchFamily="34" charset="-120"/>
+                <a:ea typeface="微軟正黑體" panose="020B0604030504040204" pitchFamily="34" charset="-120"/>
+              </a:rPr>
+              <a:t>括弧</a:t>
+            </a:r>
+            <a:endParaRPr lang="zh-TW" altLang="en-US" b="1" dirty="0">
+              <a:latin typeface="微軟正黑體" panose="020B0604030504040204" pitchFamily="34" charset="-120"/>
+              <a:ea typeface="微軟正黑體" panose="020B0604030504040204" pitchFamily="34" charset="-120"/>
+            </a:endParaRPr>
           </a:p>
         </p:txBody>
       </p:sp>
     </p:spTree>
     <p:extLst>
       <p:ext uri="{BB962C8B-B14F-4D97-AF65-F5344CB8AC3E}">
-        <p14:creationId xmlns:p14="http://schemas.microsoft.com/office/powerpoint/2010/main" val="2050629101"/>
+        <p14:creationId xmlns:p14="http://schemas.microsoft.com/office/powerpoint/2010/main" val="2130355728"/>
       </p:ext>
     </p:extLst>
   </p:cSld>
   <p:clrMapOvr>
     <a:masterClrMapping/>
   </p:clrMapOvr>
+  <p:timing>
+    <p:tnLst>
+      <p:par>
+        <p:cTn id="1" dur="indefinite" restart="never" nodeType="tmRoot"/>
+      </p:par>
+    </p:tnLst>
+  </p:timing>
 </p:sld>
 </file>
 
@@ -16123,43 +17826,6 @@
       </p:grpSpPr>
       <p:sp>
         <p:nvSpPr>
-          <p:cNvPr id="2" name="標題 1"/>
-          <p:cNvSpPr>
-            <a:spLocks noGrp="1"/>
-          </p:cNvSpPr>
-          <p:nvPr>
-            <p:ph type="title"/>
-          </p:nvPr>
-        </p:nvSpPr>
-        <p:spPr/>
-        <p:txBody>
-          <a:bodyPr>
-            <a:normAutofit/>
-          </a:bodyPr>
-          <a:lstStyle/>
-          <a:p>
-            <a:r>
-              <a:rPr lang="zh-TW" altLang="en-US" dirty="0"/>
-              <a:t>理解</a:t>
-            </a:r>
-            <a:r>
-              <a:rPr lang="en-US" altLang="zh-TW" dirty="0"/>
-              <a:t>DOM</a:t>
-            </a:r>
-            <a:r>
-              <a:rPr lang="zh-TW" altLang="en-US" dirty="0"/>
-              <a:t>樹狀圖</a:t>
-            </a:r>
-            <a:r>
-              <a:rPr lang="en-US" altLang="zh-TW" dirty="0" smtClean="0"/>
-              <a:t>(2)</a:t>
-            </a:r>
-            <a:endParaRPr lang="zh-TW" altLang="en-US" dirty="0"/>
-          </a:p>
-        </p:txBody>
-      </p:sp>
-      <p:sp>
-        <p:nvSpPr>
           <p:cNvPr id="3" name="內容版面配置區 2"/>
           <p:cNvSpPr>
             <a:spLocks noGrp="1"/>
@@ -16173,20 +17839,149 @@
           <a:bodyPr/>
           <a:lstStyle/>
           <a:p>
-            <a:endParaRPr lang="zh-TW" altLang="en-US"/>
+            <a:pPr marL="0" indent="0">
+              <a:buNone/>
+            </a:pPr>
+            <a:r>
+              <a:rPr lang="en-US" altLang="zh-TW" sz="2000" dirty="0" smtClean="0"/>
+              <a:t>1.</a:t>
+            </a:r>
+            <a:r>
+              <a:rPr lang="zh-TW" altLang="en-US" sz="2000" dirty="0" smtClean="0"/>
+              <a:t> 只要是函式都可以</a:t>
+            </a:r>
+            <a:r>
+              <a:rPr lang="zh-TW" altLang="en-US" sz="2000" b="1" dirty="0" smtClean="0">
+                <a:solidFill>
+                  <a:srgbClr val="C00000"/>
+                </a:solidFill>
+              </a:rPr>
+              <a:t>從函式外傳遞參數進函式內</a:t>
+            </a:r>
+            <a:endParaRPr lang="en-US" altLang="zh-TW" sz="2000" b="1" dirty="0" smtClean="0">
+              <a:solidFill>
+                <a:srgbClr val="C00000"/>
+              </a:solidFill>
+            </a:endParaRPr>
+          </a:p>
+          <a:p>
+            <a:pPr marL="0" indent="0">
+              <a:buNone/>
+            </a:pPr>
+            <a:r>
+              <a:rPr lang="en-US" altLang="zh-TW" sz="2000" dirty="0" smtClean="0"/>
+              <a:t>2.</a:t>
+            </a:r>
+            <a:r>
+              <a:rPr lang="zh-TW" altLang="en-US" sz="2000" dirty="0" smtClean="0"/>
+              <a:t>參數命名與變數命名規範相同</a:t>
+            </a:r>
+            <a:endParaRPr lang="en-US" altLang="zh-TW" sz="2000" dirty="0" smtClean="0"/>
+          </a:p>
+          <a:p>
+            <a:pPr marL="0" indent="0">
+              <a:buNone/>
+            </a:pPr>
+            <a:r>
+              <a:rPr lang="en-US" altLang="zh-TW" sz="2000" dirty="0" smtClean="0"/>
+              <a:t>3.</a:t>
+            </a:r>
+            <a:r>
+              <a:rPr lang="zh-TW" altLang="en-US" sz="2000" dirty="0" smtClean="0"/>
+              <a:t>參數只存在函式內且不影響函式外變數</a:t>
+            </a:r>
+            <a:endParaRPr lang="en-US" altLang="zh-TW" sz="2000" dirty="0" smtClean="0"/>
+          </a:p>
+          <a:p>
+            <a:pPr marL="0" indent="0">
+              <a:buNone/>
+            </a:pPr>
+            <a:r>
+              <a:rPr lang="en-US" altLang="zh-TW" sz="2000" dirty="0" smtClean="0"/>
+              <a:t>4.</a:t>
+            </a:r>
+            <a:r>
+              <a:rPr lang="zh-TW" altLang="en-US" sz="2000" b="1" dirty="0" smtClean="0">
+                <a:solidFill>
+                  <a:srgbClr val="C00000"/>
+                </a:solidFill>
+              </a:rPr>
+              <a:t>傳遞參數與呼叫函式一起執行</a:t>
+            </a:r>
+            <a:endParaRPr lang="en-US" altLang="zh-TW" sz="2000" b="1" dirty="0" smtClean="0">
+              <a:solidFill>
+                <a:srgbClr val="C00000"/>
+              </a:solidFill>
+            </a:endParaRPr>
+          </a:p>
+          <a:p>
+            <a:pPr marL="0" indent="0">
+              <a:buNone/>
+            </a:pPr>
+            <a:r>
+              <a:rPr lang="en-US" altLang="zh-TW" sz="2000" dirty="0" smtClean="0"/>
+              <a:t>5.</a:t>
+            </a:r>
+            <a:r>
+              <a:rPr lang="zh-TW" altLang="en-US" sz="2000" dirty="0" smtClean="0"/>
+              <a:t>呼叫函式為傳遞參數，參數在函式內為</a:t>
+            </a:r>
+            <a:r>
+              <a:rPr lang="en-US" altLang="zh-TW" sz="2000" b="1" dirty="0">
+                <a:solidFill>
+                  <a:srgbClr val="C00000"/>
+                </a:solidFill>
+              </a:rPr>
+              <a:t>undefined</a:t>
+            </a:r>
+            <a:endParaRPr lang="zh-TW" altLang="en-US" sz="2000" b="1" dirty="0">
+              <a:solidFill>
+                <a:srgbClr val="C00000"/>
+              </a:solidFill>
+            </a:endParaRPr>
+          </a:p>
+        </p:txBody>
+      </p:sp>
+      <p:sp>
+        <p:nvSpPr>
+          <p:cNvPr id="4" name="標題 3"/>
+          <p:cNvSpPr>
+            <a:spLocks noGrp="1"/>
+          </p:cNvSpPr>
+          <p:nvPr>
+            <p:ph type="title"/>
+          </p:nvPr>
+        </p:nvSpPr>
+        <p:spPr/>
+        <p:txBody>
+          <a:bodyPr/>
+          <a:lstStyle/>
+          <a:p>
+            <a:r>
+              <a:rPr lang="zh-TW" altLang="en-US" dirty="0" smtClean="0"/>
+              <a:t>傳遞參數</a:t>
+            </a:r>
+            <a:endParaRPr lang="zh-TW" altLang="en-US" dirty="0"/>
           </a:p>
         </p:txBody>
       </p:sp>
     </p:spTree>
     <p:extLst>
       <p:ext uri="{BB962C8B-B14F-4D97-AF65-F5344CB8AC3E}">
-        <p14:creationId xmlns:p14="http://schemas.microsoft.com/office/powerpoint/2010/main" val="2725013697"/>
+        <p14:creationId xmlns:p14="http://schemas.microsoft.com/office/powerpoint/2010/main" val="781718655"/>
       </p:ext>
     </p:extLst>
   </p:cSld>
   <p:clrMapOvr>
     <a:masterClrMapping/>
   </p:clrMapOvr>
+  <p:timing>
+    <p:tnLst>
+      <p:par>
+        <p:cTn id="1" dur="indefinite" restart="never" nodeType="tmRoot"/>
+      </p:par>
+    </p:tnLst>
+  </p:timing>
 </p:sld>
 </file>
 
@@ -16219,26 +18014,28 @@
         </p:nvSpPr>
         <p:spPr/>
         <p:txBody>
-          <a:bodyPr>
-            <a:normAutofit/>
-          </a:bodyPr>
+          <a:bodyPr/>
           <a:lstStyle/>
           <a:p>
             <a:r>
               <a:rPr lang="zh-TW" altLang="en-US" dirty="0"/>
-              <a:t>理解</a:t>
+              <a:t>建立</a:t>
             </a:r>
             <a:r>
               <a:rPr lang="en-US" altLang="zh-TW" dirty="0"/>
-              <a:t>DOM</a:t>
+              <a:t>(</a:t>
             </a:r>
             <a:r>
               <a:rPr lang="zh-TW" altLang="en-US" dirty="0"/>
-              <a:t>樹狀圖</a:t>
-            </a:r>
-            <a:r>
-              <a:rPr lang="en-US" altLang="zh-TW" dirty="0" smtClean="0"/>
-              <a:t>(3)</a:t>
+              <a:t>宣告</a:t>
+            </a:r>
+            <a:r>
+              <a:rPr lang="en-US" altLang="zh-TW" dirty="0"/>
+              <a:t>)</a:t>
+            </a:r>
+            <a:r>
+              <a:rPr lang="zh-TW" altLang="en-US" dirty="0"/>
+              <a:t>函式陳述式</a:t>
             </a:r>
             <a:endParaRPr lang="zh-TW" altLang="en-US" dirty="0"/>
           </a:p>
@@ -16254,25 +18051,102 @@
             <p:ph idx="1"/>
           </p:nvPr>
         </p:nvSpPr>
-        <p:spPr/>
-        <p:txBody>
-          <a:bodyPr/>
-          <a:lstStyle/>
-          <a:p>
-            <a:endParaRPr lang="zh-TW" altLang="en-US"/>
+        <p:spPr>
+          <a:xfrm>
+            <a:off x="2699792" y="699542"/>
+            <a:ext cx="4104456" cy="3178448"/>
+          </a:xfrm>
+        </p:spPr>
+        <p:txBody>
+          <a:bodyPr anchor="ctr"/>
+          <a:lstStyle/>
+          <a:p>
+            <a:pPr marL="0" indent="0">
+              <a:buNone/>
+            </a:pPr>
+            <a:r>
+              <a:rPr lang="zh-TW" altLang="en-US" sz="2400" b="1" dirty="0" smtClean="0">
+                <a:solidFill>
+                  <a:srgbClr val="00B050"/>
+                </a:solidFill>
+              </a:rPr>
+              <a:t>函式關鍵字   </a:t>
+            </a:r>
+            <a:r>
+              <a:rPr lang="zh-TW" altLang="en-US" sz="2400" b="1" dirty="0">
+                <a:solidFill>
+                  <a:srgbClr val="C00000"/>
+                </a:solidFill>
+              </a:rPr>
+              <a:t>函式</a:t>
+            </a:r>
+            <a:r>
+              <a:rPr lang="zh-TW" altLang="en-US" sz="2400" b="1" dirty="0" smtClean="0">
+                <a:solidFill>
+                  <a:srgbClr val="C00000"/>
+                </a:solidFill>
+              </a:rPr>
+              <a:t>名稱</a:t>
+            </a:r>
+            <a:r>
+              <a:rPr lang="en-US" altLang="zh-TW" sz="2400" b="1" dirty="0" smtClean="0"/>
+              <a:t>(</a:t>
+            </a:r>
+            <a:r>
+              <a:rPr lang="zh-TW" altLang="en-US" sz="2400" b="1" dirty="0"/>
+              <a:t>參數</a:t>
+            </a:r>
+            <a:r>
+              <a:rPr lang="en-US" altLang="zh-TW" sz="2400" b="1" dirty="0" smtClean="0"/>
+              <a:t>){</a:t>
+            </a:r>
+          </a:p>
+          <a:p>
+            <a:pPr marL="0" indent="0">
+              <a:buNone/>
+            </a:pPr>
+            <a:r>
+              <a:rPr lang="zh-TW" altLang="en-US" sz="2400" b="1" dirty="0" smtClean="0"/>
+              <a:t>    運用這個參數做一些事</a:t>
+            </a:r>
+            <a:endParaRPr lang="en-US" altLang="zh-TW" sz="2400" b="1" dirty="0" smtClean="0"/>
+          </a:p>
+          <a:p>
+            <a:pPr marL="0" indent="0">
+              <a:buNone/>
+            </a:pPr>
+            <a:r>
+              <a:rPr lang="en-US" altLang="zh-TW" sz="2400" b="1" dirty="0" smtClean="0"/>
+              <a:t>}</a:t>
+            </a:r>
+            <a:r>
+              <a:rPr lang="zh-TW" altLang="en-US" sz="2400" dirty="0" smtClean="0"/>
+              <a:t> </a:t>
+            </a:r>
+            <a:r>
+              <a:rPr lang="en-US" altLang="zh-TW" sz="2400" dirty="0" smtClean="0"/>
+              <a:t>; </a:t>
+            </a:r>
           </a:p>
         </p:txBody>
       </p:sp>
     </p:spTree>
     <p:extLst>
       <p:ext uri="{BB962C8B-B14F-4D97-AF65-F5344CB8AC3E}">
-        <p14:creationId xmlns:p14="http://schemas.microsoft.com/office/powerpoint/2010/main" val="1371125557"/>
+        <p14:creationId xmlns:p14="http://schemas.microsoft.com/office/powerpoint/2010/main" val="481340714"/>
       </p:ext>
     </p:extLst>
   </p:cSld>
   <p:clrMapOvr>
     <a:masterClrMapping/>
   </p:clrMapOvr>
+  <p:timing>
+    <p:tnLst>
+      <p:par>
+        <p:cTn id="1" dur="indefinite" restart="never" nodeType="tmRoot"/>
+      </p:par>
+    </p:tnLst>
+  </p:timing>
 </p:sld>
 </file>
 
@@ -16309,16 +18183,8 @@
           <a:lstStyle/>
           <a:p>
             <a:r>
-              <a:rPr lang="zh-TW" altLang="en-US" dirty="0" smtClean="0"/>
-              <a:t>依照</a:t>
-            </a:r>
-            <a:r>
-              <a:rPr lang="en-US" altLang="zh-TW" dirty="0" smtClean="0"/>
-              <a:t>ID</a:t>
-            </a:r>
-            <a:r>
-              <a:rPr lang="zh-TW" altLang="en-US" dirty="0" smtClean="0"/>
-              <a:t>去獲取節點</a:t>
+              <a:rPr lang="zh-TW" altLang="en-US" dirty="0"/>
+              <a:t>傳遞參數</a:t>
             </a:r>
             <a:endParaRPr lang="zh-TW" altLang="en-US" dirty="0"/>
           </a:p>
@@ -16334,25 +18200,145 @@
             <p:ph idx="1"/>
           </p:nvPr>
         </p:nvSpPr>
-        <p:spPr/>
-        <p:txBody>
-          <a:bodyPr/>
-          <a:lstStyle/>
-          <a:p>
-            <a:endParaRPr lang="zh-TW" altLang="en-US"/>
+        <p:spPr>
+          <a:xfrm>
+            <a:off x="2843808" y="987574"/>
+            <a:ext cx="4104456" cy="3394472"/>
+          </a:xfrm>
+        </p:spPr>
+        <p:txBody>
+          <a:bodyPr anchor="ctr"/>
+          <a:lstStyle/>
+          <a:p>
+            <a:pPr marL="0" indent="0">
+              <a:buNone/>
+            </a:pPr>
+            <a:r>
+              <a:rPr lang="en-US" altLang="zh-TW" sz="2400" b="1" dirty="0" smtClean="0">
+                <a:solidFill>
+                  <a:srgbClr val="00B050"/>
+                </a:solidFill>
+              </a:rPr>
+              <a:t>function</a:t>
+            </a:r>
+            <a:r>
+              <a:rPr lang="zh-TW" altLang="en-US" sz="2400" b="1" dirty="0" smtClean="0">
+                <a:solidFill>
+                  <a:srgbClr val="00B050"/>
+                </a:solidFill>
+              </a:rPr>
+              <a:t>   </a:t>
+            </a:r>
+            <a:r>
+              <a:rPr lang="en-US" altLang="zh-TW" sz="2400" b="1" dirty="0" err="1" smtClean="0">
+                <a:solidFill>
+                  <a:srgbClr val="C00000"/>
+                </a:solidFill>
+              </a:rPr>
+              <a:t>say</a:t>
+            </a:r>
+            <a:r>
+              <a:rPr lang="en-US" altLang="zh-TW" sz="2400" b="1" dirty="0" err="1" smtClean="0">
+                <a:solidFill>
+                  <a:srgbClr val="C00000"/>
+                </a:solidFill>
+              </a:rPr>
+              <a:t>Yes</a:t>
+            </a:r>
+            <a:r>
+              <a:rPr lang="en-US" altLang="zh-TW" sz="2400" b="1" dirty="0" smtClean="0"/>
+              <a:t>(x){</a:t>
+            </a:r>
+          </a:p>
+          <a:p>
+            <a:pPr marL="0" indent="0">
+              <a:buNone/>
+            </a:pPr>
+            <a:r>
+              <a:rPr lang="zh-TW" altLang="en-US" sz="2400" b="1" dirty="0" smtClean="0"/>
+              <a:t>    </a:t>
+            </a:r>
+            <a:r>
+              <a:rPr lang="en-US" altLang="zh-TW" sz="2400" b="1" dirty="0" smtClean="0">
+                <a:solidFill>
+                  <a:schemeClr val="accent1">
+                    <a:lumMod val="50000"/>
+                  </a:schemeClr>
+                </a:solidFill>
+              </a:rPr>
+              <a:t>console.log(x);</a:t>
+            </a:r>
+            <a:endParaRPr lang="en-US" altLang="zh-TW" sz="2400" b="1" dirty="0"/>
+          </a:p>
+          <a:p>
+            <a:pPr marL="0" indent="0">
+              <a:buNone/>
+            </a:pPr>
+            <a:r>
+              <a:rPr lang="en-US" altLang="zh-TW" sz="2400" b="1" dirty="0" smtClean="0"/>
+              <a:t>}</a:t>
+            </a:r>
+            <a:r>
+              <a:rPr lang="zh-TW" altLang="en-US" sz="2400" dirty="0" smtClean="0"/>
+              <a:t> </a:t>
+            </a:r>
+            <a:r>
+              <a:rPr lang="en-US" altLang="zh-TW" sz="2400" dirty="0" smtClean="0"/>
+              <a:t>; </a:t>
+            </a:r>
+            <a:endParaRPr lang="en-US" altLang="zh-TW" sz="2400" dirty="0" smtClean="0"/>
+          </a:p>
+          <a:p>
+            <a:pPr marL="0" indent="0">
+              <a:buNone/>
+            </a:pPr>
+            <a:endParaRPr lang="en-US" altLang="zh-TW" sz="2400" dirty="0"/>
+          </a:p>
+          <a:p>
+            <a:pPr marL="0" indent="0">
+              <a:buNone/>
+            </a:pPr>
+            <a:r>
+              <a:rPr lang="en-US" altLang="zh-TW" sz="2400" b="1" dirty="0" err="1" smtClean="0">
+                <a:solidFill>
+                  <a:srgbClr val="C00000"/>
+                </a:solidFill>
+              </a:rPr>
+              <a:t>sayYes</a:t>
+            </a:r>
+            <a:r>
+              <a:rPr lang="en-US" altLang="zh-TW" sz="2400" b="1" dirty="0"/>
+              <a:t>("</a:t>
+            </a:r>
+            <a:r>
+              <a:rPr lang="en-US" altLang="zh-TW" sz="2400" b="1" dirty="0" err="1"/>
+              <a:t>Yessss</a:t>
+            </a:r>
+            <a:r>
+              <a:rPr lang="en-US" altLang="zh-TW" sz="2400" b="1" dirty="0" smtClean="0"/>
+              <a:t>!");</a:t>
+            </a:r>
+            <a:endParaRPr lang="en-US" altLang="zh-TW" sz="2400" dirty="0" smtClean="0"/>
           </a:p>
         </p:txBody>
       </p:sp>
     </p:spTree>
     <p:extLst>
       <p:ext uri="{BB962C8B-B14F-4D97-AF65-F5344CB8AC3E}">
-        <p14:creationId xmlns:p14="http://schemas.microsoft.com/office/powerpoint/2010/main" val="3245480378"/>
+        <p14:creationId xmlns:p14="http://schemas.microsoft.com/office/powerpoint/2010/main" val="1839382138"/>
       </p:ext>
     </p:extLst>
   </p:cSld>
   <p:clrMapOvr>
     <a:masterClrMapping/>
   </p:clrMapOvr>
+  <p:timing>
+    <p:tnLst>
+      <p:par>
+        <p:cTn id="1" dur="indefinite" restart="never" nodeType="tmRoot"/>
+      </p:par>
+    </p:tnLst>
+  </p:timing>
 </p:sld>
 </file>
 
@@ -16389,28 +18375,8 @@
           <a:lstStyle/>
           <a:p>
             <a:r>
-              <a:rPr lang="zh-TW" altLang="en-US" dirty="0" smtClean="0"/>
-              <a:t>依照</a:t>
-            </a:r>
-            <a:r>
-              <a:rPr lang="en-US" altLang="zh-TW" dirty="0" smtClean="0"/>
-              <a:t>class</a:t>
-            </a:r>
-            <a:r>
-              <a:rPr lang="zh-TW" altLang="en-US" dirty="0" smtClean="0"/>
-              <a:t>去獲取節點</a:t>
-            </a:r>
-            <a:r>
-              <a:rPr lang="en-US" altLang="zh-TW" dirty="0" smtClean="0"/>
-              <a:t>(</a:t>
-            </a:r>
-            <a:r>
-              <a:rPr lang="zh-TW" altLang="en-US" dirty="0" smtClean="0"/>
-              <a:t>慎用</a:t>
-            </a:r>
-            <a:r>
-              <a:rPr lang="en-US" altLang="zh-TW" dirty="0" smtClean="0"/>
-              <a:t>)</a:t>
+              <a:rPr lang="zh-TW" altLang="en-US" dirty="0"/>
+              <a:t>傳遞參數</a:t>
             </a:r>
             <a:endParaRPr lang="zh-TW" altLang="en-US" dirty="0"/>
           </a:p>
@@ -16426,25 +18392,206 @@
             <p:ph idx="1"/>
           </p:nvPr>
         </p:nvSpPr>
-        <p:spPr/>
-        <p:txBody>
-          <a:bodyPr/>
-          <a:lstStyle/>
-          <a:p>
-            <a:endParaRPr lang="zh-TW" altLang="en-US"/>
+        <p:spPr>
+          <a:xfrm>
+            <a:off x="2843808" y="987574"/>
+            <a:ext cx="4104456" cy="3394472"/>
+          </a:xfrm>
+        </p:spPr>
+        <p:txBody>
+          <a:bodyPr anchor="ctr"/>
+          <a:lstStyle/>
+          <a:p>
+            <a:pPr marL="0" indent="0">
+              <a:buNone/>
+            </a:pPr>
+            <a:r>
+              <a:rPr lang="en-US" altLang="zh-TW" sz="2400" b="1" dirty="0" err="1">
+                <a:solidFill>
+                  <a:schemeClr val="accent6">
+                    <a:lumMod val="50000"/>
+                  </a:schemeClr>
+                </a:solidFill>
+              </a:rPr>
+              <a:t>v</a:t>
+            </a:r>
+            <a:r>
+              <a:rPr lang="en-US" altLang="zh-TW" sz="2400" b="1" dirty="0" err="1">
+                <a:solidFill>
+                  <a:schemeClr val="accent6">
+                    <a:lumMod val="50000"/>
+                  </a:schemeClr>
+                </a:solidFill>
+              </a:rPr>
+              <a:t>ar</a:t>
+            </a:r>
+            <a:r>
+              <a:rPr lang="en-US" altLang="zh-TW" sz="2400" b="1" dirty="0">
+                <a:solidFill>
+                  <a:schemeClr val="accent6">
+                    <a:lumMod val="50000"/>
+                  </a:schemeClr>
+                </a:solidFill>
+              </a:rPr>
+              <a:t> </a:t>
+            </a:r>
+            <a:r>
+              <a:rPr lang="en-US" altLang="zh-TW" sz="2400" b="1" dirty="0" smtClean="0">
+                <a:solidFill>
+                  <a:schemeClr val="accent6">
+                    <a:lumMod val="50000"/>
+                  </a:schemeClr>
+                </a:solidFill>
+              </a:rPr>
+              <a:t> </a:t>
+            </a:r>
+            <a:r>
+              <a:rPr lang="en-US" altLang="zh-TW" sz="2400" b="1" dirty="0" err="1" smtClean="0">
+                <a:solidFill>
+                  <a:schemeClr val="accent6">
+                    <a:lumMod val="50000"/>
+                  </a:schemeClr>
+                </a:solidFill>
+              </a:rPr>
+              <a:t>sayHi</a:t>
+            </a:r>
+            <a:r>
+              <a:rPr lang="zh-TW" altLang="en-US" sz="2400" b="1" dirty="0" smtClean="0">
+                <a:solidFill>
+                  <a:schemeClr val="accent6">
+                    <a:lumMod val="50000"/>
+                  </a:schemeClr>
+                </a:solidFill>
+              </a:rPr>
+              <a:t>  </a:t>
+            </a:r>
+            <a:r>
+              <a:rPr lang="en-US" altLang="zh-TW" sz="2400" b="1" dirty="0" smtClean="0"/>
+              <a:t>=</a:t>
+            </a:r>
+            <a:r>
+              <a:rPr lang="zh-TW" altLang="en-US" sz="2400" b="1" dirty="0">
+                <a:solidFill>
+                  <a:srgbClr val="00B050"/>
+                </a:solidFill>
+              </a:rPr>
+              <a:t> </a:t>
+            </a:r>
+            <a:r>
+              <a:rPr lang="zh-TW" altLang="en-US" sz="2400" b="1" dirty="0" smtClean="0">
+                <a:solidFill>
+                  <a:srgbClr val="00B050"/>
+                </a:solidFill>
+              </a:rPr>
+              <a:t> </a:t>
+            </a:r>
+            <a:r>
+              <a:rPr lang="en-US" altLang="zh-TW" sz="2400" b="1" dirty="0" smtClean="0">
+                <a:solidFill>
+                  <a:srgbClr val="00B050"/>
+                </a:solidFill>
+              </a:rPr>
+              <a:t>function </a:t>
+            </a:r>
+            <a:r>
+              <a:rPr lang="en-US" altLang="zh-TW" sz="2400" b="1" dirty="0" smtClean="0"/>
+              <a:t>(a){</a:t>
+            </a:r>
+          </a:p>
+          <a:p>
+            <a:pPr marL="0" indent="0">
+              <a:buNone/>
+            </a:pPr>
+            <a:r>
+              <a:rPr lang="zh-TW" altLang="en-US" sz="2400" b="1" dirty="0"/>
+              <a:t> </a:t>
+            </a:r>
+            <a:r>
+              <a:rPr lang="zh-TW" altLang="en-US" sz="2400" b="1" dirty="0" smtClean="0"/>
+              <a:t>   </a:t>
+            </a:r>
+            <a:r>
+              <a:rPr lang="en-US" altLang="zh-TW" sz="2400" b="1" dirty="0" smtClean="0">
+                <a:solidFill>
+                  <a:schemeClr val="accent1">
+                    <a:lumMod val="50000"/>
+                  </a:schemeClr>
+                </a:solidFill>
+              </a:rPr>
+              <a:t>console.log(a)</a:t>
+            </a:r>
+            <a:r>
+              <a:rPr lang="en-US" altLang="zh-TW" sz="2400" b="1" dirty="0" smtClean="0"/>
+              <a:t>;</a:t>
+            </a:r>
+          </a:p>
+          <a:p>
+            <a:pPr marL="0" indent="0">
+              <a:buNone/>
+            </a:pPr>
+            <a:r>
+              <a:rPr lang="en-US" altLang="zh-TW" sz="2400" b="1" dirty="0" smtClean="0"/>
+              <a:t>}</a:t>
+            </a:r>
+            <a:r>
+              <a:rPr lang="zh-TW" altLang="en-US" sz="2400" dirty="0" smtClean="0"/>
+              <a:t> </a:t>
+            </a:r>
+            <a:r>
+              <a:rPr lang="en-US" altLang="zh-TW" sz="2400" dirty="0" smtClean="0"/>
+              <a:t>; </a:t>
+            </a:r>
+            <a:endParaRPr lang="en-US" altLang="zh-TW" sz="2400" dirty="0" smtClean="0"/>
+          </a:p>
+          <a:p>
+            <a:pPr marL="0" indent="0">
+              <a:buNone/>
+            </a:pPr>
+            <a:endParaRPr lang="en-US" altLang="zh-TW" sz="2400" dirty="0"/>
+          </a:p>
+          <a:p>
+            <a:pPr marL="0" indent="0">
+              <a:buNone/>
+            </a:pPr>
+            <a:r>
+              <a:rPr lang="en-US" altLang="zh-TW" sz="2400" b="1" dirty="0" err="1">
+                <a:solidFill>
+                  <a:schemeClr val="accent6">
+                    <a:lumMod val="50000"/>
+                  </a:schemeClr>
+                </a:solidFill>
+              </a:rPr>
+              <a:t>sayHi</a:t>
+            </a:r>
+            <a:r>
+              <a:rPr lang="en-US" altLang="zh-TW" sz="2400" dirty="0"/>
+              <a:t>("Hello</a:t>
+            </a:r>
+            <a:r>
+              <a:rPr lang="en-US" altLang="zh-TW" sz="2400" dirty="0" smtClean="0"/>
+              <a:t>");</a:t>
+            </a:r>
+            <a:endParaRPr lang="en-US" altLang="zh-TW" sz="2400" dirty="0" smtClean="0"/>
           </a:p>
         </p:txBody>
       </p:sp>
     </p:spTree>
     <p:extLst>
       <p:ext uri="{BB962C8B-B14F-4D97-AF65-F5344CB8AC3E}">
-        <p14:creationId xmlns:p14="http://schemas.microsoft.com/office/powerpoint/2010/main" val="3810243711"/>
+        <p14:creationId xmlns:p14="http://schemas.microsoft.com/office/powerpoint/2010/main" val="1685398965"/>
       </p:ext>
     </p:extLst>
   </p:cSld>
   <p:clrMapOvr>
     <a:masterClrMapping/>
   </p:clrMapOvr>
+  <p:timing>
+    <p:tnLst>
+      <p:par>
+        <p:cTn id="1" dur="indefinite" restart="never" nodeType="tmRoot"/>
+      </p:par>
+    </p:tnLst>
+  </p:timing>
 </p:sld>
 </file>
 
@@ -16475,33 +18622,63 @@
             <p:ph type="title"/>
           </p:nvPr>
         </p:nvSpPr>
+        <p:spPr/>
+        <p:txBody>
+          <a:bodyPr/>
+          <a:lstStyle/>
+          <a:p>
+            <a:r>
+              <a:rPr lang="zh-TW" altLang="en-US" dirty="0"/>
+              <a:t>宣告區域變數</a:t>
+            </a:r>
+            <a:endParaRPr lang="zh-TW" altLang="en-US" dirty="0"/>
+          </a:p>
+        </p:txBody>
+      </p:sp>
+      <p:sp>
+        <p:nvSpPr>
+          <p:cNvPr id="3" name="內容版面配置區 2"/>
+          <p:cNvSpPr>
+            <a:spLocks noGrp="1"/>
+          </p:cNvSpPr>
+          <p:nvPr>
+            <p:ph idx="1"/>
+          </p:nvPr>
+        </p:nvSpPr>
         <p:spPr>
           <a:xfrm>
-            <a:off x="467544" y="1977684"/>
-            <a:ext cx="8229600" cy="857250"/>
+            <a:off x="2843808" y="987574"/>
+            <a:ext cx="4104456" cy="3394472"/>
           </a:xfrm>
         </p:spPr>
         <p:txBody>
-          <a:bodyPr/>
-          <a:lstStyle/>
-          <a:p>
-            <a:r>
-              <a:rPr lang="zh-TW" altLang="en-US" dirty="0"/>
-              <a:t>事件</a:t>
-            </a:r>
+          <a:bodyPr anchor="ctr"/>
+          <a:lstStyle/>
+          <a:p>
+            <a:pPr marL="0" indent="0">
+              <a:buNone/>
+            </a:pPr>
+            <a:endParaRPr lang="en-US" altLang="zh-TW" sz="2400" dirty="0" smtClean="0"/>
           </a:p>
         </p:txBody>
       </p:sp>
     </p:spTree>
     <p:extLst>
       <p:ext uri="{BB962C8B-B14F-4D97-AF65-F5344CB8AC3E}">
-        <p14:creationId xmlns:p14="http://schemas.microsoft.com/office/powerpoint/2010/main" val="3046178695"/>
+        <p14:creationId xmlns:p14="http://schemas.microsoft.com/office/powerpoint/2010/main" val="2837212113"/>
       </p:ext>
     </p:extLst>
   </p:cSld>
   <p:clrMapOvr>
     <a:masterClrMapping/>
   </p:clrMapOvr>
+  <p:timing>
+    <p:tnLst>
+      <p:par>
+        <p:cTn id="1" dur="indefinite" restart="never" nodeType="tmRoot"/>
+      </p:par>
+    </p:tnLst>
+  </p:timing>
 </p:sld>
 </file>
 
@@ -16539,45 +18716,1569 @@
           <a:p>
             <a:r>
               <a:rPr lang="zh-TW" altLang="en-US" dirty="0" smtClean="0"/>
-              <a:t>什麼是事件</a:t>
-            </a:r>
-            <a:r>
-              <a:rPr lang="en-US" altLang="zh-TW" dirty="0" smtClean="0"/>
-              <a:t>?</a:t>
+              <a:t>函式</a:t>
+            </a:r>
+            <a:r>
+              <a:rPr lang="zh-TW" altLang="en-US" dirty="0"/>
+              <a:t>陳述</a:t>
+            </a:r>
+            <a:r>
+              <a:rPr lang="zh-TW" altLang="en-US" dirty="0" smtClean="0"/>
+              <a:t>式與表達式的差異</a:t>
             </a:r>
             <a:endParaRPr lang="zh-TW" altLang="en-US" dirty="0"/>
           </a:p>
         </p:txBody>
       </p:sp>
-      <p:sp>
-        <p:nvSpPr>
-          <p:cNvPr id="3" name="內容版面配置區 2"/>
-          <p:cNvSpPr>
-            <a:spLocks noGrp="1"/>
-          </p:cNvSpPr>
+      <p:graphicFrame>
+        <p:nvGraphicFramePr>
+          <p:cNvPr id="7" name="表格 6"/>
+          <p:cNvGraphicFramePr>
+            <a:graphicFrameLocks noGrp="1"/>
+          </p:cNvGraphicFramePr>
           <p:nvPr>
-            <p:ph idx="1"/>
+            <p:extLst>
+              <p:ext uri="{D42A27DB-BD31-4B8C-83A1-F6EECF244321}">
+                <p14:modId xmlns:p14="http://schemas.microsoft.com/office/powerpoint/2010/main" val="3055743053"/>
+              </p:ext>
+            </p:extLst>
           </p:nvPr>
-        </p:nvSpPr>
-        <p:spPr/>
-        <p:txBody>
-          <a:bodyPr/>
-          <a:lstStyle/>
-          <a:p>
-            <a:endParaRPr lang="zh-TW" altLang="en-US"/>
-          </a:p>
-        </p:txBody>
-      </p:sp>
+        </p:nvGraphicFramePr>
+        <p:xfrm>
+          <a:off x="1619672" y="1131590"/>
+          <a:ext cx="5908973" cy="3202017"/>
+        </p:xfrm>
+        <a:graphic>
+          <a:graphicData uri="http://schemas.openxmlformats.org/drawingml/2006/table">
+            <a:tbl>
+              <a:tblPr firstRow="1" bandRow="1">
+                <a:tableStyleId>{5C22544A-7EE6-4342-B048-85BDC9FD1C3A}</a:tableStyleId>
+              </a:tblPr>
+              <a:tblGrid>
+                <a:gridCol w="1948593"/>
+                <a:gridCol w="1948593"/>
+                <a:gridCol w="2011787"/>
+              </a:tblGrid>
+              <a:tr h="402373">
+                <a:tc>
+                  <a:txBody>
+                    <a:bodyPr/>
+                    <a:lstStyle/>
+                    <a:p>
+                      <a:endParaRPr lang="zh-TW" altLang="en-US" sz="1900" b="1" kern="1200" dirty="0">
+                        <a:solidFill>
+                          <a:schemeClr val="tx1"/>
+                        </a:solidFill>
+                        <a:latin typeface="微軟正黑體" panose="020B0604030504040204" pitchFamily="34" charset="-120"/>
+                        <a:ea typeface="微軟正黑體" panose="020B0604030504040204" pitchFamily="34" charset="-120"/>
+                        <a:cs typeface="+mn-cs"/>
+                      </a:endParaRPr>
+                    </a:p>
+                  </a:txBody>
+                  <a:tcPr marL="116861" marR="116861" marT="58430" marB="58430">
+                    <a:lnL w="12700" cap="flat" cmpd="sng" algn="ctr">
+                      <a:solidFill>
+                        <a:schemeClr val="tx1"/>
+                      </a:solidFill>
+                      <a:prstDash val="solid"/>
+                      <a:round/>
+                      <a:headEnd type="none" w="med" len="med"/>
+                      <a:tailEnd type="none" w="med" len="med"/>
+                    </a:lnL>
+                    <a:lnR w="12700" cap="flat" cmpd="sng" algn="ctr">
+                      <a:solidFill>
+                        <a:schemeClr val="tx1"/>
+                      </a:solidFill>
+                      <a:prstDash val="solid"/>
+                      <a:round/>
+                      <a:headEnd type="none" w="med" len="med"/>
+                      <a:tailEnd type="none" w="med" len="med"/>
+                    </a:lnR>
+                    <a:lnT w="12700" cap="flat" cmpd="sng" algn="ctr">
+                      <a:solidFill>
+                        <a:schemeClr val="tx1"/>
+                      </a:solidFill>
+                      <a:prstDash val="solid"/>
+                      <a:round/>
+                      <a:headEnd type="none" w="med" len="med"/>
+                      <a:tailEnd type="none" w="med" len="med"/>
+                    </a:lnT>
+                    <a:lnB w="12700" cap="flat" cmpd="sng" algn="ctr">
+                      <a:solidFill>
+                        <a:schemeClr val="tx1"/>
+                      </a:solidFill>
+                      <a:prstDash val="solid"/>
+                      <a:round/>
+                      <a:headEnd type="none" w="med" len="med"/>
+                      <a:tailEnd type="none" w="med" len="med"/>
+                    </a:lnB>
+                    <a:solidFill>
+                      <a:schemeClr val="bg1"/>
+                    </a:solidFill>
+                  </a:tcPr>
+                </a:tc>
+                <a:tc>
+                  <a:txBody>
+                    <a:bodyPr/>
+                    <a:lstStyle/>
+                    <a:p>
+                      <a:r>
+                        <a:rPr lang="zh-TW" altLang="en-US" sz="1900" dirty="0" smtClean="0">
+                          <a:solidFill>
+                            <a:schemeClr val="tx1"/>
+                          </a:solidFill>
+                          <a:latin typeface="微軟正黑體" panose="020B0604030504040204" pitchFamily="34" charset="-120"/>
+                          <a:ea typeface="微軟正黑體" panose="020B0604030504040204" pitchFamily="34" charset="-120"/>
+                        </a:rPr>
+                        <a:t>函式陳述式</a:t>
+                      </a:r>
+                      <a:endParaRPr lang="zh-TW" altLang="en-US" sz="1900" dirty="0">
+                        <a:solidFill>
+                          <a:schemeClr val="tx1"/>
+                        </a:solidFill>
+                        <a:latin typeface="微軟正黑體" panose="020B0604030504040204" pitchFamily="34" charset="-120"/>
+                        <a:ea typeface="微軟正黑體" panose="020B0604030504040204" pitchFamily="34" charset="-120"/>
+                      </a:endParaRPr>
+                    </a:p>
+                  </a:txBody>
+                  <a:tcPr marL="116861" marR="116861" marT="58430" marB="58430">
+                    <a:lnL w="12700" cap="flat" cmpd="sng" algn="ctr">
+                      <a:solidFill>
+                        <a:schemeClr val="tx1"/>
+                      </a:solidFill>
+                      <a:prstDash val="solid"/>
+                      <a:round/>
+                      <a:headEnd type="none" w="med" len="med"/>
+                      <a:tailEnd type="none" w="med" len="med"/>
+                    </a:lnL>
+                    <a:lnR w="12700" cap="flat" cmpd="sng" algn="ctr">
+                      <a:solidFill>
+                        <a:schemeClr val="tx1"/>
+                      </a:solidFill>
+                      <a:prstDash val="solid"/>
+                      <a:round/>
+                      <a:headEnd type="none" w="med" len="med"/>
+                      <a:tailEnd type="none" w="med" len="med"/>
+                    </a:lnR>
+                    <a:lnT w="12700" cap="flat" cmpd="sng" algn="ctr">
+                      <a:solidFill>
+                        <a:schemeClr val="tx1"/>
+                      </a:solidFill>
+                      <a:prstDash val="solid"/>
+                      <a:round/>
+                      <a:headEnd type="none" w="med" len="med"/>
+                      <a:tailEnd type="none" w="med" len="med"/>
+                    </a:lnT>
+                    <a:lnB w="12700" cap="flat" cmpd="sng" algn="ctr">
+                      <a:solidFill>
+                        <a:schemeClr val="tx1"/>
+                      </a:solidFill>
+                      <a:prstDash val="solid"/>
+                      <a:round/>
+                      <a:headEnd type="none" w="med" len="med"/>
+                      <a:tailEnd type="none" w="med" len="med"/>
+                    </a:lnB>
+                    <a:solidFill>
+                      <a:schemeClr val="bg1"/>
+                    </a:solidFill>
+                  </a:tcPr>
+                </a:tc>
+                <a:tc>
+                  <a:txBody>
+                    <a:bodyPr/>
+                    <a:lstStyle/>
+                    <a:p>
+                      <a:r>
+                        <a:rPr lang="zh-TW" altLang="en-US" sz="1900" dirty="0" smtClean="0">
+                          <a:solidFill>
+                            <a:schemeClr val="tx1"/>
+                          </a:solidFill>
+                          <a:latin typeface="微軟正黑體" panose="020B0604030504040204" pitchFamily="34" charset="-120"/>
+                          <a:ea typeface="微軟正黑體" panose="020B0604030504040204" pitchFamily="34" charset="-120"/>
+                        </a:rPr>
+                        <a:t>函式表達式</a:t>
+                      </a:r>
+                      <a:endParaRPr lang="zh-TW" altLang="en-US" sz="1900" dirty="0">
+                        <a:solidFill>
+                          <a:schemeClr val="tx1"/>
+                        </a:solidFill>
+                        <a:latin typeface="微軟正黑體" panose="020B0604030504040204" pitchFamily="34" charset="-120"/>
+                        <a:ea typeface="微軟正黑體" panose="020B0604030504040204" pitchFamily="34" charset="-120"/>
+                      </a:endParaRPr>
+                    </a:p>
+                  </a:txBody>
+                  <a:tcPr marL="116861" marR="116861" marT="58430" marB="58430">
+                    <a:lnL w="12700" cap="flat" cmpd="sng" algn="ctr">
+                      <a:solidFill>
+                        <a:schemeClr val="tx1"/>
+                      </a:solidFill>
+                      <a:prstDash val="solid"/>
+                      <a:round/>
+                      <a:headEnd type="none" w="med" len="med"/>
+                      <a:tailEnd type="none" w="med" len="med"/>
+                    </a:lnL>
+                    <a:lnR w="12700" cap="flat" cmpd="sng" algn="ctr">
+                      <a:solidFill>
+                        <a:schemeClr val="tx1"/>
+                      </a:solidFill>
+                      <a:prstDash val="solid"/>
+                      <a:round/>
+                      <a:headEnd type="none" w="med" len="med"/>
+                      <a:tailEnd type="none" w="med" len="med"/>
+                    </a:lnR>
+                    <a:lnT w="12700" cap="flat" cmpd="sng" algn="ctr">
+                      <a:solidFill>
+                        <a:schemeClr val="tx1"/>
+                      </a:solidFill>
+                      <a:prstDash val="solid"/>
+                      <a:round/>
+                      <a:headEnd type="none" w="med" len="med"/>
+                      <a:tailEnd type="none" w="med" len="med"/>
+                    </a:lnT>
+                    <a:lnB w="12700" cap="flat" cmpd="sng" algn="ctr">
+                      <a:solidFill>
+                        <a:schemeClr val="tx1"/>
+                      </a:solidFill>
+                      <a:prstDash val="solid"/>
+                      <a:round/>
+                      <a:headEnd type="none" w="med" len="med"/>
+                      <a:tailEnd type="none" w="med" len="med"/>
+                    </a:lnB>
+                    <a:solidFill>
+                      <a:schemeClr val="bg1"/>
+                    </a:solidFill>
+                  </a:tcPr>
+                </a:tc>
+              </a:tr>
+              <a:tr h="473937">
+                <a:tc>
+                  <a:txBody>
+                    <a:bodyPr/>
+                    <a:lstStyle/>
+                    <a:p>
+                      <a:r>
+                        <a:rPr lang="zh-TW" altLang="en-US" sz="1900" dirty="0" smtClean="0">
+                          <a:solidFill>
+                            <a:schemeClr val="tx1"/>
+                          </a:solidFill>
+                          <a:latin typeface="微軟正黑體" panose="020B0604030504040204" pitchFamily="34" charset="-120"/>
+                          <a:ea typeface="微軟正黑體" panose="020B0604030504040204" pitchFamily="34" charset="-120"/>
+                        </a:rPr>
+                        <a:t>函式命名</a:t>
+                      </a:r>
+                      <a:endParaRPr lang="zh-TW" altLang="en-US" sz="1900" dirty="0">
+                        <a:solidFill>
+                          <a:schemeClr val="tx1"/>
+                        </a:solidFill>
+                        <a:latin typeface="微軟正黑體" panose="020B0604030504040204" pitchFamily="34" charset="-120"/>
+                        <a:ea typeface="微軟正黑體" panose="020B0604030504040204" pitchFamily="34" charset="-120"/>
+                      </a:endParaRPr>
+                    </a:p>
+                  </a:txBody>
+                  <a:tcPr marL="116861" marR="116861" marT="58430" marB="58430">
+                    <a:lnL w="12700" cap="flat" cmpd="sng" algn="ctr">
+                      <a:solidFill>
+                        <a:schemeClr val="tx1"/>
+                      </a:solidFill>
+                      <a:prstDash val="solid"/>
+                      <a:round/>
+                      <a:headEnd type="none" w="med" len="med"/>
+                      <a:tailEnd type="none" w="med" len="med"/>
+                    </a:lnL>
+                    <a:lnR w="12700" cap="flat" cmpd="sng" algn="ctr">
+                      <a:solidFill>
+                        <a:schemeClr val="tx1"/>
+                      </a:solidFill>
+                      <a:prstDash val="solid"/>
+                      <a:round/>
+                      <a:headEnd type="none" w="med" len="med"/>
+                      <a:tailEnd type="none" w="med" len="med"/>
+                    </a:lnR>
+                    <a:lnT w="12700" cap="flat" cmpd="sng" algn="ctr">
+                      <a:solidFill>
+                        <a:schemeClr val="tx1"/>
+                      </a:solidFill>
+                      <a:prstDash val="solid"/>
+                      <a:round/>
+                      <a:headEnd type="none" w="med" len="med"/>
+                      <a:tailEnd type="none" w="med" len="med"/>
+                    </a:lnT>
+                    <a:lnB w="12700" cap="flat" cmpd="sng" algn="ctr">
+                      <a:solidFill>
+                        <a:schemeClr val="tx1"/>
+                      </a:solidFill>
+                      <a:prstDash val="solid"/>
+                      <a:round/>
+                      <a:headEnd type="none" w="med" len="med"/>
+                      <a:tailEnd type="none" w="med" len="med"/>
+                    </a:lnB>
+                    <a:solidFill>
+                      <a:schemeClr val="bg1"/>
+                    </a:solidFill>
+                  </a:tcPr>
+                </a:tc>
+                <a:tc>
+                  <a:txBody>
+                    <a:bodyPr/>
+                    <a:lstStyle/>
+                    <a:p>
+                      <a:pPr marL="0" marR="0" indent="0" algn="l" defTabSz="914400" rtl="0" eaLnBrk="1" fontAlgn="auto" latinLnBrk="0" hangingPunct="1">
+                        <a:lnSpc>
+                          <a:spcPct val="100000"/>
+                        </a:lnSpc>
+                        <a:spcBef>
+                          <a:spcPts val="0"/>
+                        </a:spcBef>
+                        <a:spcAft>
+                          <a:spcPts val="0"/>
+                        </a:spcAft>
+                        <a:buClrTx/>
+                        <a:buSzTx/>
+                        <a:buFontTx/>
+                        <a:buNone/>
+                        <a:tabLst/>
+                        <a:defRPr/>
+                      </a:pPr>
+                      <a:r>
+                        <a:rPr lang="zh-TW" altLang="en-US" sz="1900" dirty="0" smtClean="0">
+                          <a:solidFill>
+                            <a:schemeClr val="tx1"/>
+                          </a:solidFill>
+                          <a:latin typeface="微軟正黑體" panose="020B0604030504040204" pitchFamily="34" charset="-120"/>
+                          <a:ea typeface="微軟正黑體" panose="020B0604030504040204" pitchFamily="34" charset="-120"/>
+                        </a:rPr>
+                        <a:t>需有名子</a:t>
+                      </a:r>
+                      <a:endParaRPr lang="zh-TW" altLang="en-US" sz="1900" dirty="0" smtClean="0">
+                        <a:solidFill>
+                          <a:schemeClr val="tx1"/>
+                        </a:solidFill>
+                        <a:latin typeface="微軟正黑體" panose="020B0604030504040204" pitchFamily="34" charset="-120"/>
+                        <a:ea typeface="微軟正黑體" panose="020B0604030504040204" pitchFamily="34" charset="-120"/>
+                      </a:endParaRPr>
+                    </a:p>
+                  </a:txBody>
+                  <a:tcPr marL="116861" marR="116861" marT="58430" marB="58430">
+                    <a:lnL w="12700" cap="flat" cmpd="sng" algn="ctr">
+                      <a:solidFill>
+                        <a:schemeClr val="tx1"/>
+                      </a:solidFill>
+                      <a:prstDash val="solid"/>
+                      <a:round/>
+                      <a:headEnd type="none" w="med" len="med"/>
+                      <a:tailEnd type="none" w="med" len="med"/>
+                    </a:lnL>
+                    <a:lnR w="12700" cap="flat" cmpd="sng" algn="ctr">
+                      <a:solidFill>
+                        <a:schemeClr val="tx1"/>
+                      </a:solidFill>
+                      <a:prstDash val="solid"/>
+                      <a:round/>
+                      <a:headEnd type="none" w="med" len="med"/>
+                      <a:tailEnd type="none" w="med" len="med"/>
+                    </a:lnR>
+                    <a:lnT w="12700" cap="flat" cmpd="sng" algn="ctr">
+                      <a:solidFill>
+                        <a:schemeClr val="tx1"/>
+                      </a:solidFill>
+                      <a:prstDash val="solid"/>
+                      <a:round/>
+                      <a:headEnd type="none" w="med" len="med"/>
+                      <a:tailEnd type="none" w="med" len="med"/>
+                    </a:lnT>
+                    <a:lnB w="12700" cap="flat" cmpd="sng" algn="ctr">
+                      <a:solidFill>
+                        <a:schemeClr val="tx1"/>
+                      </a:solidFill>
+                      <a:prstDash val="solid"/>
+                      <a:round/>
+                      <a:headEnd type="none" w="med" len="med"/>
+                      <a:tailEnd type="none" w="med" len="med"/>
+                    </a:lnB>
+                    <a:solidFill>
+                      <a:schemeClr val="bg1"/>
+                    </a:solidFill>
+                  </a:tcPr>
+                </a:tc>
+                <a:tc>
+                  <a:txBody>
+                    <a:bodyPr/>
+                    <a:lstStyle/>
+                    <a:p>
+                      <a:r>
+                        <a:rPr lang="zh-TW" altLang="en-US" sz="1900" dirty="0" smtClean="0">
+                          <a:solidFill>
+                            <a:schemeClr val="tx1"/>
+                          </a:solidFill>
+                          <a:latin typeface="微軟正黑體" panose="020B0604030504040204" pitchFamily="34" charset="-120"/>
+                          <a:ea typeface="微軟正黑體" panose="020B0604030504040204" pitchFamily="34" charset="-120"/>
+                        </a:rPr>
+                        <a:t>匿名函式</a:t>
+                      </a:r>
+                      <a:endParaRPr lang="zh-TW" altLang="en-US" sz="1900" dirty="0">
+                        <a:solidFill>
+                          <a:schemeClr val="tx1"/>
+                        </a:solidFill>
+                        <a:latin typeface="微軟正黑體" panose="020B0604030504040204" pitchFamily="34" charset="-120"/>
+                        <a:ea typeface="微軟正黑體" panose="020B0604030504040204" pitchFamily="34" charset="-120"/>
+                      </a:endParaRPr>
+                    </a:p>
+                  </a:txBody>
+                  <a:tcPr marL="116861" marR="116861" marT="58430" marB="58430">
+                    <a:lnL w="12700" cap="flat" cmpd="sng" algn="ctr">
+                      <a:solidFill>
+                        <a:schemeClr val="tx1"/>
+                      </a:solidFill>
+                      <a:prstDash val="solid"/>
+                      <a:round/>
+                      <a:headEnd type="none" w="med" len="med"/>
+                      <a:tailEnd type="none" w="med" len="med"/>
+                    </a:lnL>
+                    <a:lnR w="12700" cap="flat" cmpd="sng" algn="ctr">
+                      <a:solidFill>
+                        <a:schemeClr val="tx1"/>
+                      </a:solidFill>
+                      <a:prstDash val="solid"/>
+                      <a:round/>
+                      <a:headEnd type="none" w="med" len="med"/>
+                      <a:tailEnd type="none" w="med" len="med"/>
+                    </a:lnR>
+                    <a:lnT w="12700" cap="flat" cmpd="sng" algn="ctr">
+                      <a:solidFill>
+                        <a:schemeClr val="tx1"/>
+                      </a:solidFill>
+                      <a:prstDash val="solid"/>
+                      <a:round/>
+                      <a:headEnd type="none" w="med" len="med"/>
+                      <a:tailEnd type="none" w="med" len="med"/>
+                    </a:lnT>
+                    <a:lnB w="12700" cap="flat" cmpd="sng" algn="ctr">
+                      <a:solidFill>
+                        <a:schemeClr val="tx1"/>
+                      </a:solidFill>
+                      <a:prstDash val="solid"/>
+                      <a:round/>
+                      <a:headEnd type="none" w="med" len="med"/>
+                      <a:tailEnd type="none" w="med" len="med"/>
+                    </a:lnB>
+                    <a:solidFill>
+                      <a:schemeClr val="bg1"/>
+                    </a:solidFill>
+                  </a:tcPr>
+                </a:tc>
+              </a:tr>
+              <a:tr h="364015">
+                <a:tc>
+                  <a:txBody>
+                    <a:bodyPr/>
+                    <a:lstStyle/>
+                    <a:p>
+                      <a:r>
+                        <a:rPr lang="zh-TW" altLang="en-US" sz="1900" dirty="0" smtClean="0">
+                          <a:solidFill>
+                            <a:schemeClr val="tx1"/>
+                          </a:solidFill>
+                          <a:latin typeface="微軟正黑體" panose="020B0604030504040204" pitchFamily="34" charset="-120"/>
+                          <a:ea typeface="微軟正黑體" panose="020B0604030504040204" pitchFamily="34" charset="-120"/>
+                        </a:rPr>
+                        <a:t>賦值給變數</a:t>
+                      </a:r>
+                      <a:endParaRPr lang="zh-TW" altLang="en-US" sz="1900" dirty="0">
+                        <a:solidFill>
+                          <a:schemeClr val="tx1"/>
+                        </a:solidFill>
+                        <a:latin typeface="微軟正黑體" panose="020B0604030504040204" pitchFamily="34" charset="-120"/>
+                        <a:ea typeface="微軟正黑體" panose="020B0604030504040204" pitchFamily="34" charset="-120"/>
+                      </a:endParaRPr>
+                    </a:p>
+                  </a:txBody>
+                  <a:tcPr marL="116861" marR="116861" marT="58430" marB="58430">
+                    <a:lnL w="12700" cap="flat" cmpd="sng" algn="ctr">
+                      <a:solidFill>
+                        <a:schemeClr val="tx1"/>
+                      </a:solidFill>
+                      <a:prstDash val="solid"/>
+                      <a:round/>
+                      <a:headEnd type="none" w="med" len="med"/>
+                      <a:tailEnd type="none" w="med" len="med"/>
+                    </a:lnL>
+                    <a:lnR w="12700" cap="flat" cmpd="sng" algn="ctr">
+                      <a:solidFill>
+                        <a:schemeClr val="tx1"/>
+                      </a:solidFill>
+                      <a:prstDash val="solid"/>
+                      <a:round/>
+                      <a:headEnd type="none" w="med" len="med"/>
+                      <a:tailEnd type="none" w="med" len="med"/>
+                    </a:lnR>
+                    <a:lnT w="12700" cap="flat" cmpd="sng" algn="ctr">
+                      <a:solidFill>
+                        <a:schemeClr val="tx1"/>
+                      </a:solidFill>
+                      <a:prstDash val="solid"/>
+                      <a:round/>
+                      <a:headEnd type="none" w="med" len="med"/>
+                      <a:tailEnd type="none" w="med" len="med"/>
+                    </a:lnT>
+                    <a:lnB w="12700" cap="flat" cmpd="sng" algn="ctr">
+                      <a:solidFill>
+                        <a:schemeClr val="tx1"/>
+                      </a:solidFill>
+                      <a:prstDash val="solid"/>
+                      <a:round/>
+                      <a:headEnd type="none" w="med" len="med"/>
+                      <a:tailEnd type="none" w="med" len="med"/>
+                    </a:lnB>
+                    <a:solidFill>
+                      <a:schemeClr val="bg1"/>
+                    </a:solidFill>
+                  </a:tcPr>
+                </a:tc>
+                <a:tc>
+                  <a:txBody>
+                    <a:bodyPr/>
+                    <a:lstStyle/>
+                    <a:p>
+                      <a:r>
+                        <a:rPr lang="zh-TW" altLang="en-US" sz="1900" dirty="0" smtClean="0">
+                          <a:solidFill>
+                            <a:schemeClr val="tx1"/>
+                          </a:solidFill>
+                          <a:latin typeface="微軟正黑體" panose="020B0604030504040204" pitchFamily="34" charset="-120"/>
+                          <a:ea typeface="微軟正黑體" panose="020B0604030504040204" pitchFamily="34" charset="-120"/>
+                        </a:rPr>
+                        <a:t>否</a:t>
+                      </a:r>
+                      <a:endParaRPr lang="zh-TW" altLang="en-US" sz="1900" dirty="0">
+                        <a:solidFill>
+                          <a:schemeClr val="tx1"/>
+                        </a:solidFill>
+                        <a:latin typeface="微軟正黑體" panose="020B0604030504040204" pitchFamily="34" charset="-120"/>
+                        <a:ea typeface="微軟正黑體" panose="020B0604030504040204" pitchFamily="34" charset="-120"/>
+                      </a:endParaRPr>
+                    </a:p>
+                  </a:txBody>
+                  <a:tcPr marL="116861" marR="116861" marT="58430" marB="58430">
+                    <a:lnL w="12700" cap="flat" cmpd="sng" algn="ctr">
+                      <a:solidFill>
+                        <a:schemeClr val="tx1"/>
+                      </a:solidFill>
+                      <a:prstDash val="solid"/>
+                      <a:round/>
+                      <a:headEnd type="none" w="med" len="med"/>
+                      <a:tailEnd type="none" w="med" len="med"/>
+                    </a:lnL>
+                    <a:lnR w="12700" cap="flat" cmpd="sng" algn="ctr">
+                      <a:solidFill>
+                        <a:schemeClr val="tx1"/>
+                      </a:solidFill>
+                      <a:prstDash val="solid"/>
+                      <a:round/>
+                      <a:headEnd type="none" w="med" len="med"/>
+                      <a:tailEnd type="none" w="med" len="med"/>
+                    </a:lnR>
+                    <a:lnT w="12700" cap="flat" cmpd="sng" algn="ctr">
+                      <a:solidFill>
+                        <a:schemeClr val="tx1"/>
+                      </a:solidFill>
+                      <a:prstDash val="solid"/>
+                      <a:round/>
+                      <a:headEnd type="none" w="med" len="med"/>
+                      <a:tailEnd type="none" w="med" len="med"/>
+                    </a:lnT>
+                    <a:lnB w="12700" cap="flat" cmpd="sng" algn="ctr">
+                      <a:solidFill>
+                        <a:schemeClr val="tx1"/>
+                      </a:solidFill>
+                      <a:prstDash val="solid"/>
+                      <a:round/>
+                      <a:headEnd type="none" w="med" len="med"/>
+                      <a:tailEnd type="none" w="med" len="med"/>
+                    </a:lnB>
+                    <a:solidFill>
+                      <a:schemeClr val="bg1"/>
+                    </a:solidFill>
+                  </a:tcPr>
+                </a:tc>
+                <a:tc>
+                  <a:txBody>
+                    <a:bodyPr/>
+                    <a:lstStyle/>
+                    <a:p>
+                      <a:pPr marL="0" marR="0" indent="0" algn="l" defTabSz="914400" rtl="0" eaLnBrk="1" fontAlgn="auto" latinLnBrk="0" hangingPunct="1">
+                        <a:lnSpc>
+                          <a:spcPct val="100000"/>
+                        </a:lnSpc>
+                        <a:spcBef>
+                          <a:spcPts val="0"/>
+                        </a:spcBef>
+                        <a:spcAft>
+                          <a:spcPts val="0"/>
+                        </a:spcAft>
+                        <a:buClrTx/>
+                        <a:buSzTx/>
+                        <a:buFontTx/>
+                        <a:buNone/>
+                        <a:tabLst/>
+                        <a:defRPr/>
+                      </a:pPr>
+                      <a:r>
+                        <a:rPr lang="zh-TW" altLang="en-US" sz="1900" dirty="0" smtClean="0">
+                          <a:solidFill>
+                            <a:schemeClr val="tx1"/>
+                          </a:solidFill>
+                          <a:latin typeface="微軟正黑體" panose="020B0604030504040204" pitchFamily="34" charset="-120"/>
+                          <a:ea typeface="微軟正黑體" panose="020B0604030504040204" pitchFamily="34" charset="-120"/>
+                        </a:rPr>
+                        <a:t>可</a:t>
+                      </a:r>
+                      <a:endParaRPr lang="zh-TW" altLang="en-US" sz="1900" dirty="0" smtClean="0">
+                        <a:solidFill>
+                          <a:schemeClr val="tx1"/>
+                        </a:solidFill>
+                        <a:latin typeface="微軟正黑體" panose="020B0604030504040204" pitchFamily="34" charset="-120"/>
+                        <a:ea typeface="微軟正黑體" panose="020B0604030504040204" pitchFamily="34" charset="-120"/>
+                      </a:endParaRPr>
+                    </a:p>
+                  </a:txBody>
+                  <a:tcPr marL="116861" marR="116861" marT="58430" marB="58430">
+                    <a:lnL w="12700" cap="flat" cmpd="sng" algn="ctr">
+                      <a:solidFill>
+                        <a:schemeClr val="tx1"/>
+                      </a:solidFill>
+                      <a:prstDash val="solid"/>
+                      <a:round/>
+                      <a:headEnd type="none" w="med" len="med"/>
+                      <a:tailEnd type="none" w="med" len="med"/>
+                    </a:lnL>
+                    <a:lnR w="12700" cap="flat" cmpd="sng" algn="ctr">
+                      <a:solidFill>
+                        <a:schemeClr val="tx1"/>
+                      </a:solidFill>
+                      <a:prstDash val="solid"/>
+                      <a:round/>
+                      <a:headEnd type="none" w="med" len="med"/>
+                      <a:tailEnd type="none" w="med" len="med"/>
+                    </a:lnR>
+                    <a:lnT w="12700" cap="flat" cmpd="sng" algn="ctr">
+                      <a:solidFill>
+                        <a:schemeClr val="tx1"/>
+                      </a:solidFill>
+                      <a:prstDash val="solid"/>
+                      <a:round/>
+                      <a:headEnd type="none" w="med" len="med"/>
+                      <a:tailEnd type="none" w="med" len="med"/>
+                    </a:lnT>
+                    <a:lnB w="12700" cap="flat" cmpd="sng" algn="ctr">
+                      <a:solidFill>
+                        <a:schemeClr val="tx1"/>
+                      </a:solidFill>
+                      <a:prstDash val="solid"/>
+                      <a:round/>
+                      <a:headEnd type="none" w="med" len="med"/>
+                      <a:tailEnd type="none" w="med" len="med"/>
+                    </a:lnB>
+                    <a:solidFill>
+                      <a:schemeClr val="bg1"/>
+                    </a:solidFill>
+                  </a:tcPr>
+                </a:tc>
+              </a:tr>
+              <a:tr h="394134">
+                <a:tc>
+                  <a:txBody>
+                    <a:bodyPr/>
+                    <a:lstStyle/>
+                    <a:p>
+                      <a:r>
+                        <a:rPr lang="zh-TW" altLang="en-US" sz="1900" dirty="0" smtClean="0">
+                          <a:solidFill>
+                            <a:schemeClr val="tx1"/>
+                          </a:solidFill>
+                          <a:latin typeface="微軟正黑體" panose="020B0604030504040204" pitchFamily="34" charset="-120"/>
+                          <a:ea typeface="微軟正黑體" panose="020B0604030504040204" pitchFamily="34" charset="-120"/>
+                        </a:rPr>
+                        <a:t>呼叫函式</a:t>
+                      </a:r>
+                      <a:endParaRPr lang="zh-TW" altLang="en-US" sz="1900" dirty="0">
+                        <a:solidFill>
+                          <a:schemeClr val="tx1"/>
+                        </a:solidFill>
+                        <a:latin typeface="微軟正黑體" panose="020B0604030504040204" pitchFamily="34" charset="-120"/>
+                        <a:ea typeface="微軟正黑體" panose="020B0604030504040204" pitchFamily="34" charset="-120"/>
+                      </a:endParaRPr>
+                    </a:p>
+                  </a:txBody>
+                  <a:tcPr marL="116861" marR="116861" marT="58430" marB="58430">
+                    <a:lnL w="12700" cap="flat" cmpd="sng" algn="ctr">
+                      <a:solidFill>
+                        <a:schemeClr val="tx1"/>
+                      </a:solidFill>
+                      <a:prstDash val="solid"/>
+                      <a:round/>
+                      <a:headEnd type="none" w="med" len="med"/>
+                      <a:tailEnd type="none" w="med" len="med"/>
+                    </a:lnL>
+                    <a:lnR w="12700" cap="flat" cmpd="sng" algn="ctr">
+                      <a:solidFill>
+                        <a:schemeClr val="tx1"/>
+                      </a:solidFill>
+                      <a:prstDash val="solid"/>
+                      <a:round/>
+                      <a:headEnd type="none" w="med" len="med"/>
+                      <a:tailEnd type="none" w="med" len="med"/>
+                    </a:lnR>
+                    <a:lnT w="12700" cap="flat" cmpd="sng" algn="ctr">
+                      <a:solidFill>
+                        <a:schemeClr val="tx1"/>
+                      </a:solidFill>
+                      <a:prstDash val="solid"/>
+                      <a:round/>
+                      <a:headEnd type="none" w="med" len="med"/>
+                      <a:tailEnd type="none" w="med" len="med"/>
+                    </a:lnT>
+                    <a:lnB w="12700" cap="flat" cmpd="sng" algn="ctr">
+                      <a:solidFill>
+                        <a:schemeClr val="tx1"/>
+                      </a:solidFill>
+                      <a:prstDash val="solid"/>
+                      <a:round/>
+                      <a:headEnd type="none" w="med" len="med"/>
+                      <a:tailEnd type="none" w="med" len="med"/>
+                    </a:lnB>
+                    <a:solidFill>
+                      <a:schemeClr val="bg1"/>
+                    </a:solidFill>
+                  </a:tcPr>
+                </a:tc>
+                <a:tc>
+                  <a:txBody>
+                    <a:bodyPr/>
+                    <a:lstStyle/>
+                    <a:p>
+                      <a:r>
+                        <a:rPr lang="zh-TW" altLang="en-US" sz="1900" dirty="0" smtClean="0">
+                          <a:solidFill>
+                            <a:schemeClr val="tx1"/>
+                          </a:solidFill>
+                          <a:latin typeface="微軟正黑體" panose="020B0604030504040204" pitchFamily="34" charset="-120"/>
+                          <a:ea typeface="微軟正黑體" panose="020B0604030504040204" pitchFamily="34" charset="-120"/>
+                        </a:rPr>
+                        <a:t>透過函式的名稱</a:t>
+                      </a:r>
+                      <a:endParaRPr lang="zh-TW" altLang="en-US" sz="1900" dirty="0">
+                        <a:solidFill>
+                          <a:schemeClr val="tx1"/>
+                        </a:solidFill>
+                        <a:latin typeface="微軟正黑體" panose="020B0604030504040204" pitchFamily="34" charset="-120"/>
+                        <a:ea typeface="微軟正黑體" panose="020B0604030504040204" pitchFamily="34" charset="-120"/>
+                      </a:endParaRPr>
+                    </a:p>
+                  </a:txBody>
+                  <a:tcPr marL="116861" marR="116861" marT="58430" marB="58430">
+                    <a:lnL w="12700" cap="flat" cmpd="sng" algn="ctr">
+                      <a:solidFill>
+                        <a:schemeClr val="tx1"/>
+                      </a:solidFill>
+                      <a:prstDash val="solid"/>
+                      <a:round/>
+                      <a:headEnd type="none" w="med" len="med"/>
+                      <a:tailEnd type="none" w="med" len="med"/>
+                    </a:lnL>
+                    <a:lnR w="12700" cap="flat" cmpd="sng" algn="ctr">
+                      <a:solidFill>
+                        <a:schemeClr val="tx1"/>
+                      </a:solidFill>
+                      <a:prstDash val="solid"/>
+                      <a:round/>
+                      <a:headEnd type="none" w="med" len="med"/>
+                      <a:tailEnd type="none" w="med" len="med"/>
+                    </a:lnR>
+                    <a:lnT w="12700" cap="flat" cmpd="sng" algn="ctr">
+                      <a:solidFill>
+                        <a:schemeClr val="tx1"/>
+                      </a:solidFill>
+                      <a:prstDash val="solid"/>
+                      <a:round/>
+                      <a:headEnd type="none" w="med" len="med"/>
+                      <a:tailEnd type="none" w="med" len="med"/>
+                    </a:lnT>
+                    <a:lnB w="12700" cap="flat" cmpd="sng" algn="ctr">
+                      <a:solidFill>
+                        <a:schemeClr val="tx1"/>
+                      </a:solidFill>
+                      <a:prstDash val="solid"/>
+                      <a:round/>
+                      <a:headEnd type="none" w="med" len="med"/>
+                      <a:tailEnd type="none" w="med" len="med"/>
+                    </a:lnB>
+                    <a:solidFill>
+                      <a:schemeClr val="bg1"/>
+                    </a:solidFill>
+                  </a:tcPr>
+                </a:tc>
+                <a:tc>
+                  <a:txBody>
+                    <a:bodyPr/>
+                    <a:lstStyle/>
+                    <a:p>
+                      <a:pPr marL="0" marR="0" indent="0" algn="l" defTabSz="914400" rtl="0" eaLnBrk="1" fontAlgn="auto" latinLnBrk="0" hangingPunct="1">
+                        <a:lnSpc>
+                          <a:spcPct val="100000"/>
+                        </a:lnSpc>
+                        <a:spcBef>
+                          <a:spcPts val="0"/>
+                        </a:spcBef>
+                        <a:spcAft>
+                          <a:spcPts val="0"/>
+                        </a:spcAft>
+                        <a:buClrTx/>
+                        <a:buSzTx/>
+                        <a:buFontTx/>
+                        <a:buNone/>
+                        <a:tabLst/>
+                        <a:defRPr/>
+                      </a:pPr>
+                      <a:r>
+                        <a:rPr lang="zh-TW" altLang="en-US" sz="1900" dirty="0" smtClean="0">
+                          <a:solidFill>
+                            <a:schemeClr val="tx1"/>
+                          </a:solidFill>
+                          <a:latin typeface="微軟正黑體" panose="020B0604030504040204" pitchFamily="34" charset="-120"/>
+                          <a:ea typeface="微軟正黑體" panose="020B0604030504040204" pitchFamily="34" charset="-120"/>
+                        </a:rPr>
+                        <a:t>透過變數的名稱</a:t>
+                      </a:r>
+                      <a:endParaRPr lang="zh-TW" altLang="en-US" sz="1900" dirty="0" smtClean="0">
+                        <a:solidFill>
+                          <a:schemeClr val="tx1"/>
+                        </a:solidFill>
+                        <a:latin typeface="微軟正黑體" panose="020B0604030504040204" pitchFamily="34" charset="-120"/>
+                        <a:ea typeface="微軟正黑體" panose="020B0604030504040204" pitchFamily="34" charset="-120"/>
+                      </a:endParaRPr>
+                    </a:p>
+                  </a:txBody>
+                  <a:tcPr marL="116861" marR="116861" marT="58430" marB="58430">
+                    <a:lnL w="12700" cap="flat" cmpd="sng" algn="ctr">
+                      <a:solidFill>
+                        <a:schemeClr val="tx1"/>
+                      </a:solidFill>
+                      <a:prstDash val="solid"/>
+                      <a:round/>
+                      <a:headEnd type="none" w="med" len="med"/>
+                      <a:tailEnd type="none" w="med" len="med"/>
+                    </a:lnL>
+                    <a:lnR w="12700" cap="flat" cmpd="sng" algn="ctr">
+                      <a:solidFill>
+                        <a:schemeClr val="tx1"/>
+                      </a:solidFill>
+                      <a:prstDash val="solid"/>
+                      <a:round/>
+                      <a:headEnd type="none" w="med" len="med"/>
+                      <a:tailEnd type="none" w="med" len="med"/>
+                    </a:lnR>
+                    <a:lnT w="12700" cap="flat" cmpd="sng" algn="ctr">
+                      <a:solidFill>
+                        <a:schemeClr val="tx1"/>
+                      </a:solidFill>
+                      <a:prstDash val="solid"/>
+                      <a:round/>
+                      <a:headEnd type="none" w="med" len="med"/>
+                      <a:tailEnd type="none" w="med" len="med"/>
+                    </a:lnT>
+                    <a:lnB w="12700" cap="flat" cmpd="sng" algn="ctr">
+                      <a:solidFill>
+                        <a:schemeClr val="tx1"/>
+                      </a:solidFill>
+                      <a:prstDash val="solid"/>
+                      <a:round/>
+                      <a:headEnd type="none" w="med" len="med"/>
+                      <a:tailEnd type="none" w="med" len="med"/>
+                    </a:lnB>
+                    <a:solidFill>
+                      <a:schemeClr val="bg1"/>
+                    </a:solidFill>
+                  </a:tcPr>
+                </a:tc>
+              </a:tr>
+              <a:tr h="343263">
+                <a:tc>
+                  <a:txBody>
+                    <a:bodyPr/>
+                    <a:lstStyle/>
+                    <a:p>
+                      <a:r>
+                        <a:rPr lang="zh-TW" altLang="en-US" sz="1900" dirty="0" smtClean="0">
+                          <a:solidFill>
+                            <a:schemeClr val="tx1"/>
+                          </a:solidFill>
+                          <a:latin typeface="微軟正黑體" panose="020B0604030504040204" pitchFamily="34" charset="-120"/>
+                          <a:ea typeface="微軟正黑體" panose="020B0604030504040204" pitchFamily="34" charset="-120"/>
+                        </a:rPr>
+                        <a:t>傳遞參數</a:t>
+                      </a:r>
+                      <a:endParaRPr lang="zh-TW" altLang="en-US" sz="1900" dirty="0">
+                        <a:solidFill>
+                          <a:schemeClr val="tx1"/>
+                        </a:solidFill>
+                        <a:latin typeface="微軟正黑體" panose="020B0604030504040204" pitchFamily="34" charset="-120"/>
+                        <a:ea typeface="微軟正黑體" panose="020B0604030504040204" pitchFamily="34" charset="-120"/>
+                      </a:endParaRPr>
+                    </a:p>
+                  </a:txBody>
+                  <a:tcPr marL="116861" marR="116861" marT="58430" marB="58430">
+                    <a:lnL w="12700" cap="flat" cmpd="sng" algn="ctr">
+                      <a:solidFill>
+                        <a:schemeClr val="tx1"/>
+                      </a:solidFill>
+                      <a:prstDash val="solid"/>
+                      <a:round/>
+                      <a:headEnd type="none" w="med" len="med"/>
+                      <a:tailEnd type="none" w="med" len="med"/>
+                    </a:lnL>
+                    <a:lnR w="12700" cap="flat" cmpd="sng" algn="ctr">
+                      <a:solidFill>
+                        <a:schemeClr val="tx1"/>
+                      </a:solidFill>
+                      <a:prstDash val="solid"/>
+                      <a:round/>
+                      <a:headEnd type="none" w="med" len="med"/>
+                      <a:tailEnd type="none" w="med" len="med"/>
+                    </a:lnR>
+                    <a:lnT w="12700" cap="flat" cmpd="sng" algn="ctr">
+                      <a:solidFill>
+                        <a:schemeClr val="tx1"/>
+                      </a:solidFill>
+                      <a:prstDash val="solid"/>
+                      <a:round/>
+                      <a:headEnd type="none" w="med" len="med"/>
+                      <a:tailEnd type="none" w="med" len="med"/>
+                    </a:lnT>
+                    <a:lnB w="12700" cap="flat" cmpd="sng" algn="ctr">
+                      <a:solidFill>
+                        <a:schemeClr val="tx1"/>
+                      </a:solidFill>
+                      <a:prstDash val="solid"/>
+                      <a:round/>
+                      <a:headEnd type="none" w="med" len="med"/>
+                      <a:tailEnd type="none" w="med" len="med"/>
+                    </a:lnB>
+                    <a:solidFill>
+                      <a:schemeClr val="bg1"/>
+                    </a:solidFill>
+                  </a:tcPr>
+                </a:tc>
+                <a:tc>
+                  <a:txBody>
+                    <a:bodyPr/>
+                    <a:lstStyle/>
+                    <a:p>
+                      <a:r>
+                        <a:rPr lang="zh-TW" altLang="en-US" sz="1900" dirty="0" smtClean="0">
+                          <a:solidFill>
+                            <a:schemeClr val="tx1"/>
+                          </a:solidFill>
+                          <a:latin typeface="微軟正黑體" panose="020B0604030504040204" pitchFamily="34" charset="-120"/>
+                          <a:ea typeface="微軟正黑體" panose="020B0604030504040204" pitchFamily="34" charset="-120"/>
+                        </a:rPr>
+                        <a:t>可</a:t>
+                      </a:r>
+                      <a:endParaRPr lang="zh-TW" altLang="en-US" sz="1900" dirty="0">
+                        <a:solidFill>
+                          <a:schemeClr val="tx1"/>
+                        </a:solidFill>
+                        <a:latin typeface="微軟正黑體" panose="020B0604030504040204" pitchFamily="34" charset="-120"/>
+                        <a:ea typeface="微軟正黑體" panose="020B0604030504040204" pitchFamily="34" charset="-120"/>
+                      </a:endParaRPr>
+                    </a:p>
+                  </a:txBody>
+                  <a:tcPr marL="116861" marR="116861" marT="58430" marB="58430">
+                    <a:lnL w="12700" cap="flat" cmpd="sng" algn="ctr">
+                      <a:solidFill>
+                        <a:schemeClr val="tx1"/>
+                      </a:solidFill>
+                      <a:prstDash val="solid"/>
+                      <a:round/>
+                      <a:headEnd type="none" w="med" len="med"/>
+                      <a:tailEnd type="none" w="med" len="med"/>
+                    </a:lnL>
+                    <a:lnR w="12700" cap="flat" cmpd="sng" algn="ctr">
+                      <a:solidFill>
+                        <a:schemeClr val="tx1"/>
+                      </a:solidFill>
+                      <a:prstDash val="solid"/>
+                      <a:round/>
+                      <a:headEnd type="none" w="med" len="med"/>
+                      <a:tailEnd type="none" w="med" len="med"/>
+                    </a:lnR>
+                    <a:lnT w="12700" cap="flat" cmpd="sng" algn="ctr">
+                      <a:solidFill>
+                        <a:schemeClr val="tx1"/>
+                      </a:solidFill>
+                      <a:prstDash val="solid"/>
+                      <a:round/>
+                      <a:headEnd type="none" w="med" len="med"/>
+                      <a:tailEnd type="none" w="med" len="med"/>
+                    </a:lnT>
+                    <a:lnB w="12700" cap="flat" cmpd="sng" algn="ctr">
+                      <a:solidFill>
+                        <a:schemeClr val="tx1"/>
+                      </a:solidFill>
+                      <a:prstDash val="solid"/>
+                      <a:round/>
+                      <a:headEnd type="none" w="med" len="med"/>
+                      <a:tailEnd type="none" w="med" len="med"/>
+                    </a:lnB>
+                    <a:solidFill>
+                      <a:schemeClr val="bg1"/>
+                    </a:solidFill>
+                  </a:tcPr>
+                </a:tc>
+                <a:tc>
+                  <a:txBody>
+                    <a:bodyPr/>
+                    <a:lstStyle/>
+                    <a:p>
+                      <a:pPr marL="0" marR="0" indent="0" algn="l" defTabSz="914400" rtl="0" eaLnBrk="1" fontAlgn="auto" latinLnBrk="0" hangingPunct="1">
+                        <a:lnSpc>
+                          <a:spcPct val="100000"/>
+                        </a:lnSpc>
+                        <a:spcBef>
+                          <a:spcPts val="0"/>
+                        </a:spcBef>
+                        <a:spcAft>
+                          <a:spcPts val="0"/>
+                        </a:spcAft>
+                        <a:buClrTx/>
+                        <a:buSzTx/>
+                        <a:buFontTx/>
+                        <a:buNone/>
+                        <a:tabLst/>
+                        <a:defRPr/>
+                      </a:pPr>
+                      <a:r>
+                        <a:rPr lang="zh-TW" altLang="en-US" sz="1900" dirty="0" smtClean="0">
+                          <a:solidFill>
+                            <a:schemeClr val="tx1"/>
+                          </a:solidFill>
+                          <a:latin typeface="微軟正黑體" panose="020B0604030504040204" pitchFamily="34" charset="-120"/>
+                          <a:ea typeface="微軟正黑體" panose="020B0604030504040204" pitchFamily="34" charset="-120"/>
+                        </a:rPr>
+                        <a:t>可</a:t>
+                      </a:r>
+                      <a:endParaRPr lang="zh-TW" altLang="en-US" sz="1900" dirty="0" smtClean="0">
+                        <a:solidFill>
+                          <a:schemeClr val="tx1"/>
+                        </a:solidFill>
+                        <a:latin typeface="微軟正黑體" panose="020B0604030504040204" pitchFamily="34" charset="-120"/>
+                        <a:ea typeface="微軟正黑體" panose="020B0604030504040204" pitchFamily="34" charset="-120"/>
+                      </a:endParaRPr>
+                    </a:p>
+                  </a:txBody>
+                  <a:tcPr marL="116861" marR="116861" marT="58430" marB="58430">
+                    <a:lnL w="12700" cap="flat" cmpd="sng" algn="ctr">
+                      <a:solidFill>
+                        <a:schemeClr val="tx1"/>
+                      </a:solidFill>
+                      <a:prstDash val="solid"/>
+                      <a:round/>
+                      <a:headEnd type="none" w="med" len="med"/>
+                      <a:tailEnd type="none" w="med" len="med"/>
+                    </a:lnL>
+                    <a:lnR w="12700" cap="flat" cmpd="sng" algn="ctr">
+                      <a:solidFill>
+                        <a:schemeClr val="tx1"/>
+                      </a:solidFill>
+                      <a:prstDash val="solid"/>
+                      <a:round/>
+                      <a:headEnd type="none" w="med" len="med"/>
+                      <a:tailEnd type="none" w="med" len="med"/>
+                    </a:lnR>
+                    <a:lnT w="12700" cap="flat" cmpd="sng" algn="ctr">
+                      <a:solidFill>
+                        <a:schemeClr val="tx1"/>
+                      </a:solidFill>
+                      <a:prstDash val="solid"/>
+                      <a:round/>
+                      <a:headEnd type="none" w="med" len="med"/>
+                      <a:tailEnd type="none" w="med" len="med"/>
+                    </a:lnT>
+                    <a:lnB w="12700" cap="flat" cmpd="sng" algn="ctr">
+                      <a:solidFill>
+                        <a:schemeClr val="tx1"/>
+                      </a:solidFill>
+                      <a:prstDash val="solid"/>
+                      <a:round/>
+                      <a:headEnd type="none" w="med" len="med"/>
+                      <a:tailEnd type="none" w="med" len="med"/>
+                    </a:lnB>
+                    <a:solidFill>
+                      <a:schemeClr val="bg1"/>
+                    </a:solidFill>
+                  </a:tcPr>
+                </a:tc>
+              </a:tr>
+              <a:tr h="368891">
+                <a:tc>
+                  <a:txBody>
+                    <a:bodyPr/>
+                    <a:lstStyle/>
+                    <a:p>
+                      <a:r>
+                        <a:rPr lang="zh-TW" altLang="en-US" sz="1900" dirty="0" smtClean="0">
+                          <a:solidFill>
+                            <a:schemeClr val="tx1"/>
+                          </a:solidFill>
+                          <a:latin typeface="微軟正黑體" panose="020B0604030504040204" pitchFamily="34" charset="-120"/>
+                          <a:ea typeface="微軟正黑體" panose="020B0604030504040204" pitchFamily="34" charset="-120"/>
+                        </a:rPr>
+                        <a:t>宣告區域變數</a:t>
+                      </a:r>
+                      <a:endParaRPr lang="zh-TW" altLang="en-US" sz="1900" dirty="0">
+                        <a:solidFill>
+                          <a:schemeClr val="tx1"/>
+                        </a:solidFill>
+                        <a:latin typeface="微軟正黑體" panose="020B0604030504040204" pitchFamily="34" charset="-120"/>
+                        <a:ea typeface="微軟正黑體" panose="020B0604030504040204" pitchFamily="34" charset="-120"/>
+                      </a:endParaRPr>
+                    </a:p>
+                  </a:txBody>
+                  <a:tcPr marL="116861" marR="116861" marT="58430" marB="58430">
+                    <a:lnL w="12700" cap="flat" cmpd="sng" algn="ctr">
+                      <a:solidFill>
+                        <a:schemeClr val="tx1"/>
+                      </a:solidFill>
+                      <a:prstDash val="solid"/>
+                      <a:round/>
+                      <a:headEnd type="none" w="med" len="med"/>
+                      <a:tailEnd type="none" w="med" len="med"/>
+                    </a:lnL>
+                    <a:lnR w="12700" cap="flat" cmpd="sng" algn="ctr">
+                      <a:solidFill>
+                        <a:schemeClr val="tx1"/>
+                      </a:solidFill>
+                      <a:prstDash val="solid"/>
+                      <a:round/>
+                      <a:headEnd type="none" w="med" len="med"/>
+                      <a:tailEnd type="none" w="med" len="med"/>
+                    </a:lnR>
+                    <a:lnT w="12700" cap="flat" cmpd="sng" algn="ctr">
+                      <a:solidFill>
+                        <a:schemeClr val="tx1"/>
+                      </a:solidFill>
+                      <a:prstDash val="solid"/>
+                      <a:round/>
+                      <a:headEnd type="none" w="med" len="med"/>
+                      <a:tailEnd type="none" w="med" len="med"/>
+                    </a:lnT>
+                    <a:lnB w="12700" cap="flat" cmpd="sng" algn="ctr">
+                      <a:solidFill>
+                        <a:schemeClr val="tx1"/>
+                      </a:solidFill>
+                      <a:prstDash val="solid"/>
+                      <a:round/>
+                      <a:headEnd type="none" w="med" len="med"/>
+                      <a:tailEnd type="none" w="med" len="med"/>
+                    </a:lnB>
+                    <a:solidFill>
+                      <a:schemeClr val="bg1"/>
+                    </a:solidFill>
+                  </a:tcPr>
+                </a:tc>
+                <a:tc>
+                  <a:txBody>
+                    <a:bodyPr/>
+                    <a:lstStyle/>
+                    <a:p>
+                      <a:pPr marL="0" marR="0" indent="0" algn="l" defTabSz="914400" rtl="0" eaLnBrk="1" fontAlgn="auto" latinLnBrk="0" hangingPunct="1">
+                        <a:lnSpc>
+                          <a:spcPct val="100000"/>
+                        </a:lnSpc>
+                        <a:spcBef>
+                          <a:spcPts val="0"/>
+                        </a:spcBef>
+                        <a:spcAft>
+                          <a:spcPts val="0"/>
+                        </a:spcAft>
+                        <a:buClrTx/>
+                        <a:buSzTx/>
+                        <a:buFontTx/>
+                        <a:buNone/>
+                        <a:tabLst/>
+                        <a:defRPr/>
+                      </a:pPr>
+                      <a:r>
+                        <a:rPr lang="zh-TW" altLang="en-US" sz="1900" dirty="0" smtClean="0">
+                          <a:solidFill>
+                            <a:schemeClr val="tx1"/>
+                          </a:solidFill>
+                          <a:latin typeface="微軟正黑體" panose="020B0604030504040204" pitchFamily="34" charset="-120"/>
+                          <a:ea typeface="微軟正黑體" panose="020B0604030504040204" pitchFamily="34" charset="-120"/>
+                        </a:rPr>
+                        <a:t>可</a:t>
+                      </a:r>
+                    </a:p>
+                  </a:txBody>
+                  <a:tcPr marL="116861" marR="116861" marT="58430" marB="58430">
+                    <a:lnL w="12700" cap="flat" cmpd="sng" algn="ctr">
+                      <a:solidFill>
+                        <a:schemeClr val="tx1"/>
+                      </a:solidFill>
+                      <a:prstDash val="solid"/>
+                      <a:round/>
+                      <a:headEnd type="none" w="med" len="med"/>
+                      <a:tailEnd type="none" w="med" len="med"/>
+                    </a:lnL>
+                    <a:lnR w="12700" cap="flat" cmpd="sng" algn="ctr">
+                      <a:solidFill>
+                        <a:schemeClr val="tx1"/>
+                      </a:solidFill>
+                      <a:prstDash val="solid"/>
+                      <a:round/>
+                      <a:headEnd type="none" w="med" len="med"/>
+                      <a:tailEnd type="none" w="med" len="med"/>
+                    </a:lnR>
+                    <a:lnT w="12700" cap="flat" cmpd="sng" algn="ctr">
+                      <a:solidFill>
+                        <a:schemeClr val="tx1"/>
+                      </a:solidFill>
+                      <a:prstDash val="solid"/>
+                      <a:round/>
+                      <a:headEnd type="none" w="med" len="med"/>
+                      <a:tailEnd type="none" w="med" len="med"/>
+                    </a:lnT>
+                    <a:lnB w="12700" cap="flat" cmpd="sng" algn="ctr">
+                      <a:solidFill>
+                        <a:schemeClr val="tx1"/>
+                      </a:solidFill>
+                      <a:prstDash val="solid"/>
+                      <a:round/>
+                      <a:headEnd type="none" w="med" len="med"/>
+                      <a:tailEnd type="none" w="med" len="med"/>
+                    </a:lnB>
+                    <a:solidFill>
+                      <a:schemeClr val="bg1"/>
+                    </a:solidFill>
+                  </a:tcPr>
+                </a:tc>
+                <a:tc>
+                  <a:txBody>
+                    <a:bodyPr/>
+                    <a:lstStyle/>
+                    <a:p>
+                      <a:pPr marL="0" marR="0" indent="0" algn="l" defTabSz="914400" rtl="0" eaLnBrk="1" fontAlgn="auto" latinLnBrk="0" hangingPunct="1">
+                        <a:lnSpc>
+                          <a:spcPct val="100000"/>
+                        </a:lnSpc>
+                        <a:spcBef>
+                          <a:spcPts val="0"/>
+                        </a:spcBef>
+                        <a:spcAft>
+                          <a:spcPts val="0"/>
+                        </a:spcAft>
+                        <a:buClrTx/>
+                        <a:buSzTx/>
+                        <a:buFontTx/>
+                        <a:buNone/>
+                        <a:tabLst/>
+                        <a:defRPr/>
+                      </a:pPr>
+                      <a:r>
+                        <a:rPr lang="zh-TW" altLang="en-US" sz="1900" dirty="0" smtClean="0">
+                          <a:solidFill>
+                            <a:schemeClr val="tx1"/>
+                          </a:solidFill>
+                          <a:latin typeface="微軟正黑體" panose="020B0604030504040204" pitchFamily="34" charset="-120"/>
+                          <a:ea typeface="微軟正黑體" panose="020B0604030504040204" pitchFamily="34" charset="-120"/>
+                        </a:rPr>
+                        <a:t>可</a:t>
+                      </a:r>
+                    </a:p>
+                  </a:txBody>
+                  <a:tcPr marL="116861" marR="116861" marT="58430" marB="58430">
+                    <a:lnL w="12700" cap="flat" cmpd="sng" algn="ctr">
+                      <a:solidFill>
+                        <a:schemeClr val="tx1"/>
+                      </a:solidFill>
+                      <a:prstDash val="solid"/>
+                      <a:round/>
+                      <a:headEnd type="none" w="med" len="med"/>
+                      <a:tailEnd type="none" w="med" len="med"/>
+                    </a:lnL>
+                    <a:lnR w="12700" cap="flat" cmpd="sng" algn="ctr">
+                      <a:solidFill>
+                        <a:schemeClr val="tx1"/>
+                      </a:solidFill>
+                      <a:prstDash val="solid"/>
+                      <a:round/>
+                      <a:headEnd type="none" w="med" len="med"/>
+                      <a:tailEnd type="none" w="med" len="med"/>
+                    </a:lnR>
+                    <a:lnT w="12700" cap="flat" cmpd="sng" algn="ctr">
+                      <a:solidFill>
+                        <a:schemeClr val="tx1"/>
+                      </a:solidFill>
+                      <a:prstDash val="solid"/>
+                      <a:round/>
+                      <a:headEnd type="none" w="med" len="med"/>
+                      <a:tailEnd type="none" w="med" len="med"/>
+                    </a:lnT>
+                    <a:lnB w="12700" cap="flat" cmpd="sng" algn="ctr">
+                      <a:solidFill>
+                        <a:schemeClr val="tx1"/>
+                      </a:solidFill>
+                      <a:prstDash val="solid"/>
+                      <a:round/>
+                      <a:headEnd type="none" w="med" len="med"/>
+                      <a:tailEnd type="none" w="med" len="med"/>
+                    </a:lnB>
+                    <a:solidFill>
+                      <a:schemeClr val="bg1"/>
+                    </a:solidFill>
+                  </a:tcPr>
+                </a:tc>
+              </a:tr>
+              <a:tr h="473937">
+                <a:tc>
+                  <a:txBody>
+                    <a:bodyPr/>
+                    <a:lstStyle/>
+                    <a:p>
+                      <a:r>
+                        <a:rPr lang="zh-TW" altLang="en-US" sz="1900" dirty="0" smtClean="0">
+                          <a:solidFill>
+                            <a:schemeClr val="tx1"/>
+                          </a:solidFill>
+                          <a:latin typeface="微軟正黑體" panose="020B0604030504040204" pitchFamily="34" charset="-120"/>
+                          <a:ea typeface="微軟正黑體" panose="020B0604030504040204" pitchFamily="34" charset="-120"/>
+                        </a:rPr>
+                        <a:t>將該函式傳遞給其他程式使用</a:t>
+                      </a:r>
+                      <a:endParaRPr lang="zh-TW" altLang="en-US" sz="1900" dirty="0">
+                        <a:solidFill>
+                          <a:schemeClr val="tx1"/>
+                        </a:solidFill>
+                        <a:latin typeface="微軟正黑體" panose="020B0604030504040204" pitchFamily="34" charset="-120"/>
+                        <a:ea typeface="微軟正黑體" panose="020B0604030504040204" pitchFamily="34" charset="-120"/>
+                      </a:endParaRPr>
+                    </a:p>
+                  </a:txBody>
+                  <a:tcPr marL="116861" marR="116861" marT="58430" marB="58430">
+                    <a:lnL w="12700" cap="flat" cmpd="sng" algn="ctr">
+                      <a:solidFill>
+                        <a:schemeClr val="tx1"/>
+                      </a:solidFill>
+                      <a:prstDash val="solid"/>
+                      <a:round/>
+                      <a:headEnd type="none" w="med" len="med"/>
+                      <a:tailEnd type="none" w="med" len="med"/>
+                    </a:lnL>
+                    <a:lnR w="12700" cap="flat" cmpd="sng" algn="ctr">
+                      <a:solidFill>
+                        <a:schemeClr val="tx1"/>
+                      </a:solidFill>
+                      <a:prstDash val="solid"/>
+                      <a:round/>
+                      <a:headEnd type="none" w="med" len="med"/>
+                      <a:tailEnd type="none" w="med" len="med"/>
+                    </a:lnR>
+                    <a:lnT w="12700" cap="flat" cmpd="sng" algn="ctr">
+                      <a:solidFill>
+                        <a:schemeClr val="tx1"/>
+                      </a:solidFill>
+                      <a:prstDash val="solid"/>
+                      <a:round/>
+                      <a:headEnd type="none" w="med" len="med"/>
+                      <a:tailEnd type="none" w="med" len="med"/>
+                    </a:lnT>
+                    <a:lnB w="12700" cap="flat" cmpd="sng" algn="ctr">
+                      <a:solidFill>
+                        <a:schemeClr val="tx1"/>
+                      </a:solidFill>
+                      <a:prstDash val="solid"/>
+                      <a:round/>
+                      <a:headEnd type="none" w="med" len="med"/>
+                      <a:tailEnd type="none" w="med" len="med"/>
+                    </a:lnB>
+                    <a:solidFill>
+                      <a:schemeClr val="bg1"/>
+                    </a:solidFill>
+                  </a:tcPr>
+                </a:tc>
+                <a:tc>
+                  <a:txBody>
+                    <a:bodyPr/>
+                    <a:lstStyle/>
+                    <a:p>
+                      <a:pPr marL="0" marR="0" indent="0" algn="l" defTabSz="914400" rtl="0" eaLnBrk="1" fontAlgn="auto" latinLnBrk="0" hangingPunct="1">
+                        <a:lnSpc>
+                          <a:spcPct val="100000"/>
+                        </a:lnSpc>
+                        <a:spcBef>
+                          <a:spcPts val="0"/>
+                        </a:spcBef>
+                        <a:spcAft>
+                          <a:spcPts val="0"/>
+                        </a:spcAft>
+                        <a:buClrTx/>
+                        <a:buSzTx/>
+                        <a:buFontTx/>
+                        <a:buNone/>
+                        <a:tabLst/>
+                        <a:defRPr/>
+                      </a:pPr>
+                      <a:r>
+                        <a:rPr lang="zh-TW" altLang="en-US" sz="1900" dirty="0" smtClean="0">
+                          <a:solidFill>
+                            <a:schemeClr val="tx1"/>
+                          </a:solidFill>
+                          <a:latin typeface="微軟正黑體" panose="020B0604030504040204" pitchFamily="34" charset="-120"/>
+                          <a:ea typeface="微軟正黑體" panose="020B0604030504040204" pitchFamily="34" charset="-120"/>
+                        </a:rPr>
+                        <a:t>否</a:t>
+                      </a:r>
+                    </a:p>
+                  </a:txBody>
+                  <a:tcPr marL="116861" marR="116861" marT="58430" marB="58430">
+                    <a:lnL w="12700" cap="flat" cmpd="sng" algn="ctr">
+                      <a:solidFill>
+                        <a:schemeClr val="tx1"/>
+                      </a:solidFill>
+                      <a:prstDash val="solid"/>
+                      <a:round/>
+                      <a:headEnd type="none" w="med" len="med"/>
+                      <a:tailEnd type="none" w="med" len="med"/>
+                    </a:lnL>
+                    <a:lnR w="12700" cap="flat" cmpd="sng" algn="ctr">
+                      <a:solidFill>
+                        <a:schemeClr val="tx1"/>
+                      </a:solidFill>
+                      <a:prstDash val="solid"/>
+                      <a:round/>
+                      <a:headEnd type="none" w="med" len="med"/>
+                      <a:tailEnd type="none" w="med" len="med"/>
+                    </a:lnR>
+                    <a:lnT w="12700" cap="flat" cmpd="sng" algn="ctr">
+                      <a:solidFill>
+                        <a:schemeClr val="tx1"/>
+                      </a:solidFill>
+                      <a:prstDash val="solid"/>
+                      <a:round/>
+                      <a:headEnd type="none" w="med" len="med"/>
+                      <a:tailEnd type="none" w="med" len="med"/>
+                    </a:lnT>
+                    <a:lnB w="12700" cap="flat" cmpd="sng" algn="ctr">
+                      <a:solidFill>
+                        <a:schemeClr val="tx1"/>
+                      </a:solidFill>
+                      <a:prstDash val="solid"/>
+                      <a:round/>
+                      <a:headEnd type="none" w="med" len="med"/>
+                      <a:tailEnd type="none" w="med" len="med"/>
+                    </a:lnB>
+                    <a:solidFill>
+                      <a:schemeClr val="bg1"/>
+                    </a:solidFill>
+                  </a:tcPr>
+                </a:tc>
+                <a:tc>
+                  <a:txBody>
+                    <a:bodyPr/>
+                    <a:lstStyle/>
+                    <a:p>
+                      <a:pPr marL="0" marR="0" indent="0" algn="l" defTabSz="914400" rtl="0" eaLnBrk="1" fontAlgn="auto" latinLnBrk="0" hangingPunct="1">
+                        <a:lnSpc>
+                          <a:spcPct val="100000"/>
+                        </a:lnSpc>
+                        <a:spcBef>
+                          <a:spcPts val="0"/>
+                        </a:spcBef>
+                        <a:spcAft>
+                          <a:spcPts val="0"/>
+                        </a:spcAft>
+                        <a:buClrTx/>
+                        <a:buSzTx/>
+                        <a:buFontTx/>
+                        <a:buNone/>
+                        <a:tabLst/>
+                        <a:defRPr/>
+                      </a:pPr>
+                      <a:r>
+                        <a:rPr lang="zh-TW" altLang="en-US" sz="1900" dirty="0" smtClean="0">
+                          <a:solidFill>
+                            <a:schemeClr val="tx1"/>
+                          </a:solidFill>
+                          <a:latin typeface="微軟正黑體" panose="020B0604030504040204" pitchFamily="34" charset="-120"/>
+                          <a:ea typeface="微軟正黑體" panose="020B0604030504040204" pitchFamily="34" charset="-120"/>
+                        </a:rPr>
+                        <a:t>可</a:t>
+                      </a:r>
+                    </a:p>
+                  </a:txBody>
+                  <a:tcPr marL="116861" marR="116861" marT="58430" marB="58430">
+                    <a:lnL w="12700" cap="flat" cmpd="sng" algn="ctr">
+                      <a:solidFill>
+                        <a:schemeClr val="tx1"/>
+                      </a:solidFill>
+                      <a:prstDash val="solid"/>
+                      <a:round/>
+                      <a:headEnd type="none" w="med" len="med"/>
+                      <a:tailEnd type="none" w="med" len="med"/>
+                    </a:lnL>
+                    <a:lnR w="12700" cap="flat" cmpd="sng" algn="ctr">
+                      <a:solidFill>
+                        <a:schemeClr val="tx1"/>
+                      </a:solidFill>
+                      <a:prstDash val="solid"/>
+                      <a:round/>
+                      <a:headEnd type="none" w="med" len="med"/>
+                      <a:tailEnd type="none" w="med" len="med"/>
+                    </a:lnR>
+                    <a:lnT w="12700" cap="flat" cmpd="sng" algn="ctr">
+                      <a:solidFill>
+                        <a:schemeClr val="tx1"/>
+                      </a:solidFill>
+                      <a:prstDash val="solid"/>
+                      <a:round/>
+                      <a:headEnd type="none" w="med" len="med"/>
+                      <a:tailEnd type="none" w="med" len="med"/>
+                    </a:lnT>
+                    <a:lnB w="12700" cap="flat" cmpd="sng" algn="ctr">
+                      <a:solidFill>
+                        <a:schemeClr val="tx1"/>
+                      </a:solidFill>
+                      <a:prstDash val="solid"/>
+                      <a:round/>
+                      <a:headEnd type="none" w="med" len="med"/>
+                      <a:tailEnd type="none" w="med" len="med"/>
+                    </a:lnB>
+                    <a:solidFill>
+                      <a:schemeClr val="bg1"/>
+                    </a:solidFill>
+                  </a:tcPr>
+                </a:tc>
+              </a:tr>
+            </a:tbl>
+          </a:graphicData>
+        </a:graphic>
+      </p:graphicFrame>
     </p:spTree>
     <p:extLst>
       <p:ext uri="{BB962C8B-B14F-4D97-AF65-F5344CB8AC3E}">
-        <p14:creationId xmlns:p14="http://schemas.microsoft.com/office/powerpoint/2010/main" val="424390506"/>
+        <p14:creationId xmlns:p14="http://schemas.microsoft.com/office/powerpoint/2010/main" val="3037107829"/>
       </p:ext>
     </p:extLst>
   </p:cSld>
   <p:clrMapOvr>
     <a:masterClrMapping/>
   </p:clrMapOvr>
+  <p:timing>
+    <p:tnLst>
+      <p:par>
+        <p:cTn id="1" dur="indefinite" restart="never" nodeType="tmRoot"/>
+      </p:par>
+    </p:tnLst>
+  </p:timing>
 </p:sld>
 </file>
 
@@ -16615,7 +20316,7 @@
           <a:p>
             <a:r>
               <a:rPr lang="zh-TW" altLang="en-US" dirty="0" smtClean="0"/>
-              <a:t>事件監聽</a:t>
+              <a:t>今日遺珠之憾</a:t>
             </a:r>
             <a:endParaRPr lang="zh-TW" altLang="en-US" dirty="0"/>
           </a:p>
@@ -16633,23 +20334,44 @@
         </p:nvSpPr>
         <p:spPr/>
         <p:txBody>
-          <a:bodyPr/>
-          <a:lstStyle/>
-          <a:p>
-            <a:endParaRPr lang="zh-TW" altLang="en-US"/>
+          <a:bodyPr>
+            <a:normAutofit/>
+          </a:bodyPr>
+          <a:lstStyle/>
+          <a:p>
+            <a:r>
+              <a:rPr lang="zh-TW" altLang="en-US" sz="2000" dirty="0" smtClean="0"/>
+              <a:t>立即</a:t>
+            </a:r>
+            <a:r>
+              <a:rPr lang="zh-TW" altLang="en-US" sz="2000" dirty="0"/>
+              <a:t>執行函式</a:t>
+            </a:r>
+            <a:r>
+              <a:rPr lang="en-US" altLang="zh-TW" sz="2000" dirty="0"/>
+              <a:t>IIFE</a:t>
+            </a:r>
+            <a:endParaRPr lang="en-US" altLang="zh-TW" sz="2000" dirty="0" smtClean="0"/>
           </a:p>
         </p:txBody>
       </p:sp>
     </p:spTree>
     <p:extLst>
       <p:ext uri="{BB962C8B-B14F-4D97-AF65-F5344CB8AC3E}">
-        <p14:creationId xmlns:p14="http://schemas.microsoft.com/office/powerpoint/2010/main" val="2497087853"/>
+        <p14:creationId xmlns:p14="http://schemas.microsoft.com/office/powerpoint/2010/main" val="2090842483"/>
       </p:ext>
     </p:extLst>
   </p:cSld>
   <p:clrMapOvr>
     <a:masterClrMapping/>
   </p:clrMapOvr>
+  <p:timing>
+    <p:tnLst>
+      <p:par>
+        <p:cTn id="1" dur="indefinite" restart="never" nodeType="tmRoot"/>
+      </p:par>
+    </p:tnLst>
+  </p:timing>
 </p:sld>
 </file>
 
@@ -16687,26 +20409,59 @@
           </a:xfrm>
         </p:spPr>
         <p:txBody>
-          <a:bodyPr/>
+          <a:bodyPr>
+            <a:normAutofit fontScale="90000"/>
+          </a:bodyPr>
           <a:lstStyle/>
           <a:p>
             <a:r>
               <a:rPr lang="zh-TW" altLang="en-US" dirty="0"/>
-              <a:t>練習時間</a:t>
-            </a:r>
+              <a:t>變數的命名</a:t>
+            </a:r>
+            <a:r>
+              <a:rPr lang="zh-TW" altLang="en-US" dirty="0" smtClean="0"/>
+              <a:t>空間</a:t>
+            </a:r>
+            <a:r>
+              <a:rPr lang="en-US" altLang="zh-TW" dirty="0" smtClean="0"/>
+              <a:t/>
+            </a:r>
+            <a:br>
+              <a:rPr lang="en-US" altLang="zh-TW" dirty="0" smtClean="0"/>
+            </a:br>
+            <a:r>
+              <a:rPr lang="en-US" altLang="zh-TW" dirty="0" smtClean="0"/>
+              <a:t>(</a:t>
+            </a:r>
+            <a:r>
+              <a:rPr lang="zh-TW" altLang="en-US" dirty="0" smtClean="0"/>
+              <a:t>全域變數與區域變數</a:t>
+            </a:r>
+            <a:r>
+              <a:rPr lang="en-US" altLang="zh-TW" dirty="0" smtClean="0"/>
+              <a:t>)</a:t>
+            </a:r>
+            <a:endParaRPr lang="zh-TW" altLang="en-US" dirty="0"/>
           </a:p>
         </p:txBody>
       </p:sp>
     </p:spTree>
     <p:extLst>
       <p:ext uri="{BB962C8B-B14F-4D97-AF65-F5344CB8AC3E}">
-        <p14:creationId xmlns:p14="http://schemas.microsoft.com/office/powerpoint/2010/main" val="2912166847"/>
+        <p14:creationId xmlns:p14="http://schemas.microsoft.com/office/powerpoint/2010/main" val="2334453908"/>
       </p:ext>
     </p:extLst>
   </p:cSld>
   <p:clrMapOvr>
     <a:masterClrMapping/>
   </p:clrMapOvr>
+  <p:timing>
+    <p:tnLst>
+      <p:par>
+        <p:cTn id="1" dur="indefinite" restart="never" nodeType="tmRoot"/>
+      </p:par>
+    </p:tnLst>
+  </p:timing>
 </p:sld>
 </file>
 
@@ -16737,44 +20492,41 @@
             <p:ph type="title"/>
           </p:nvPr>
         </p:nvSpPr>
-        <p:spPr/>
+        <p:spPr>
+          <a:xfrm>
+            <a:off x="467544" y="1977684"/>
+            <a:ext cx="8229600" cy="857250"/>
+          </a:xfrm>
+        </p:spPr>
         <p:txBody>
           <a:bodyPr/>
           <a:lstStyle/>
           <a:p>
+            <a:r>
+              <a:rPr lang="zh-TW" altLang="en-US" dirty="0" smtClean="0"/>
+              <a:t>陣列</a:t>
+            </a:r>
             <a:endParaRPr lang="zh-TW" altLang="en-US" dirty="0"/>
-          </a:p>
-        </p:txBody>
-      </p:sp>
-      <p:sp>
-        <p:nvSpPr>
-          <p:cNvPr id="3" name="內容版面配置區 2"/>
-          <p:cNvSpPr>
-            <a:spLocks noGrp="1"/>
-          </p:cNvSpPr>
-          <p:nvPr>
-            <p:ph idx="1"/>
-          </p:nvPr>
-        </p:nvSpPr>
-        <p:spPr/>
-        <p:txBody>
-          <a:bodyPr/>
-          <a:lstStyle/>
-          <a:p>
-            <a:endParaRPr lang="zh-TW" altLang="en-US"/>
           </a:p>
         </p:txBody>
       </p:sp>
     </p:spTree>
     <p:extLst>
       <p:ext uri="{BB962C8B-B14F-4D97-AF65-F5344CB8AC3E}">
-        <p14:creationId xmlns:p14="http://schemas.microsoft.com/office/powerpoint/2010/main" val="2163588720"/>
+        <p14:creationId xmlns:p14="http://schemas.microsoft.com/office/powerpoint/2010/main" val="1541273114"/>
       </p:ext>
     </p:extLst>
   </p:cSld>
   <p:clrMapOvr>
     <a:masterClrMapping/>
   </p:clrMapOvr>
+  <p:timing>
+    <p:tnLst>
+      <p:par>
+        <p:cTn id="1" dur="indefinite" restart="never" nodeType="tmRoot"/>
+      </p:par>
+    </p:tnLst>
+  </p:timing>
 </p:sld>
 </file>
 
@@ -16829,20 +20581,92 @@
           <a:bodyPr/>
           <a:lstStyle/>
           <a:p>
-            <a:endParaRPr lang="zh-TW" altLang="en-US"/>
+            <a:r>
+              <a:rPr lang="zh-TW" altLang="en-US" dirty="0" smtClean="0"/>
+              <a:t>櫃子</a:t>
+            </a:r>
+            <a:endParaRPr lang="en-US" altLang="zh-TW" dirty="0" smtClean="0"/>
+          </a:p>
+          <a:p>
+            <a:r>
+              <a:rPr lang="zh-TW" altLang="en-US" dirty="0"/>
+              <a:t>需</a:t>
+            </a:r>
+            <a:r>
+              <a:rPr lang="zh-TW" altLang="en-US" dirty="0" smtClean="0"/>
+              <a:t>用</a:t>
+            </a:r>
+            <a:r>
+              <a:rPr lang="zh-TW" altLang="en-US" dirty="0"/>
+              <a:t>「</a:t>
+            </a:r>
+            <a:r>
+              <a:rPr lang="en-US" altLang="zh-TW" dirty="0" smtClean="0"/>
+              <a:t>,</a:t>
+            </a:r>
+            <a:r>
+              <a:rPr lang="zh-TW" altLang="en-US" dirty="0" smtClean="0"/>
+              <a:t>」符號分隔內容</a:t>
+            </a:r>
+            <a:endParaRPr lang="en-US" altLang="zh-TW" dirty="0" smtClean="0"/>
+          </a:p>
+          <a:p>
+            <a:r>
+              <a:rPr lang="zh-TW" altLang="en-US" dirty="0" smtClean="0"/>
+              <a:t>雜湊陣列</a:t>
+            </a:r>
+            <a:r>
+              <a:rPr lang="en-US" altLang="zh-TW" dirty="0" smtClean="0"/>
+              <a:t>-</a:t>
+            </a:r>
+            <a:r>
+              <a:rPr lang="zh-TW" altLang="en-US" dirty="0" smtClean="0"/>
+              <a:t>每</a:t>
+            </a:r>
+            <a:r>
+              <a:rPr lang="zh-TW" altLang="en-US" dirty="0"/>
+              <a:t>層都可以</a:t>
+            </a:r>
+            <a:r>
+              <a:rPr lang="zh-TW" altLang="en-US" dirty="0" smtClean="0"/>
+              <a:t>存放</a:t>
+            </a:r>
+            <a:r>
+              <a:rPr lang="zh-TW" altLang="en-US" dirty="0" smtClean="0"/>
+              <a:t>不同</a:t>
+            </a:r>
+            <a:r>
+              <a:rPr lang="zh-TW" altLang="en-US" dirty="0"/>
+              <a:t>型別</a:t>
+            </a:r>
+            <a:r>
+              <a:rPr lang="zh-TW" altLang="en-US" dirty="0" smtClean="0"/>
+              <a:t>資料</a:t>
+            </a:r>
+            <a:endParaRPr lang="en-US" altLang="zh-TW" dirty="0" smtClean="0"/>
+          </a:p>
+          <a:p>
+            <a:endParaRPr lang="zh-TW" altLang="en-US" dirty="0"/>
           </a:p>
         </p:txBody>
       </p:sp>
     </p:spTree>
     <p:extLst>
       <p:ext uri="{BB962C8B-B14F-4D97-AF65-F5344CB8AC3E}">
-        <p14:creationId xmlns:p14="http://schemas.microsoft.com/office/powerpoint/2010/main" val="2163588720"/>
+        <p14:creationId xmlns:p14="http://schemas.microsoft.com/office/powerpoint/2010/main" val="3547532124"/>
       </p:ext>
     </p:extLst>
   </p:cSld>
   <p:clrMapOvr>
     <a:masterClrMapping/>
   </p:clrMapOvr>
+  <p:timing>
+    <p:tnLst>
+      <p:par>
+        <p:cTn id="1" dur="indefinite" restart="never" nodeType="tmRoot"/>
+      </p:par>
+    </p:tnLst>
+  </p:timing>
 </p:sld>
 </file>
 
@@ -16959,7 +20783,7 @@
           <a:p>
             <a:r>
               <a:rPr lang="zh-TW" altLang="en-US" dirty="0" smtClean="0"/>
-              <a:t>關於我</a:t>
+              <a:t>建立陣列</a:t>
             </a:r>
             <a:endParaRPr lang="zh-TW" altLang="en-US" dirty="0"/>
           </a:p>
@@ -16981,56 +20805,63 @@
           <a:lstStyle/>
           <a:p>
             <a:r>
+              <a:rPr lang="zh-TW" altLang="en-US" dirty="0"/>
+              <a:t>陣列實體</a:t>
+            </a:r>
+            <a:r>
               <a:rPr lang="zh-TW" altLang="en-US" dirty="0" smtClean="0"/>
-              <a:t>前端</a:t>
+              <a:t>語法</a:t>
             </a:r>
             <a:endParaRPr lang="en-US" altLang="zh-TW" dirty="0" smtClean="0"/>
           </a:p>
           <a:p>
             <a:r>
+              <a:rPr lang="en-US" altLang="zh-TW" dirty="0" smtClean="0"/>
+              <a:t>[</a:t>
+            </a:r>
+            <a:r>
+              <a:rPr lang="zh-TW" altLang="en-US" dirty="0" smtClean="0"/>
+              <a:t> </a:t>
+            </a:r>
+            <a:r>
+              <a:rPr lang="en-US" altLang="zh-TW" dirty="0" smtClean="0"/>
+              <a:t>]</a:t>
+            </a:r>
+          </a:p>
+          <a:p>
+            <a:r>
               <a:rPr lang="zh-TW" altLang="en-US" dirty="0"/>
-              <a:t>志</a:t>
+              <a:t>取用第</a:t>
             </a:r>
             <a:r>
               <a:rPr lang="zh-TW" altLang="en-US" dirty="0" smtClean="0"/>
-              <a:t>工</a:t>
-            </a:r>
-            <a:endParaRPr lang="en-US" altLang="zh-TW" dirty="0" smtClean="0"/>
-          </a:p>
-          <a:p>
+              <a:t>一個</a:t>
+            </a:r>
             <a:r>
               <a:rPr lang="en-US" altLang="zh-TW" dirty="0" smtClean="0"/>
-              <a:t>IT</a:t>
-            </a:r>
-            <a:r>
-              <a:rPr lang="zh-TW" altLang="en-US" dirty="0" smtClean="0"/>
-              <a:t>鐵人幫 </a:t>
-            </a:r>
-            <a:r>
-              <a:rPr lang="en-US" altLang="zh-TW" dirty="0" smtClean="0"/>
-              <a:t>JavaScript</a:t>
-            </a:r>
-            <a:r>
-              <a:rPr lang="zh-TW" altLang="en-US" dirty="0" smtClean="0"/>
-              <a:t>基礎二三事筆記</a:t>
-            </a:r>
-            <a:endParaRPr lang="en-US" altLang="zh-TW" dirty="0" smtClean="0"/>
-          </a:p>
-          <a:p>
-            <a:endParaRPr lang="en-US" altLang="zh-TW" dirty="0" smtClean="0"/>
+              <a:t>[0]</a:t>
+            </a:r>
+            <a:endParaRPr lang="zh-TW" altLang="en-US" dirty="0"/>
           </a:p>
         </p:txBody>
       </p:sp>
     </p:spTree>
     <p:extLst>
       <p:ext uri="{BB962C8B-B14F-4D97-AF65-F5344CB8AC3E}">
-        <p14:creationId xmlns:p14="http://schemas.microsoft.com/office/powerpoint/2010/main" val="3925751582"/>
+        <p14:creationId xmlns:p14="http://schemas.microsoft.com/office/powerpoint/2010/main" val="3614213403"/>
       </p:ext>
     </p:extLst>
   </p:cSld>
   <p:clrMapOvr>
     <a:masterClrMapping/>
   </p:clrMapOvr>
+  <p:timing>
+    <p:tnLst>
+      <p:par>
+        <p:cTn id="1" dur="indefinite" restart="never" nodeType="tmRoot"/>
+      </p:par>
+    </p:tnLst>
+  </p:timing>
 </p:sld>
 </file>
 
@@ -17068,7 +20899,7 @@
           <a:p>
             <a:r>
               <a:rPr lang="zh-TW" altLang="en-US" dirty="0" smtClean="0"/>
-              <a:t>參考資源</a:t>
+              <a:t>建立陣列</a:t>
             </a:r>
             <a:endParaRPr lang="zh-TW" altLang="en-US" dirty="0"/>
           </a:p>
@@ -17089,20 +20920,956 @@
           <a:bodyPr/>
           <a:lstStyle/>
           <a:p>
-            <a:endParaRPr lang="zh-TW" altLang="en-US"/>
+            <a:r>
+              <a:rPr lang="zh-TW" altLang="en-US" dirty="0"/>
+              <a:t>陣列實體</a:t>
+            </a:r>
+            <a:r>
+              <a:rPr lang="zh-TW" altLang="en-US" dirty="0" smtClean="0"/>
+              <a:t>語法</a:t>
+            </a:r>
+            <a:endParaRPr lang="en-US" altLang="zh-TW" dirty="0" smtClean="0"/>
+          </a:p>
+          <a:p>
+            <a:r>
+              <a:rPr lang="en-US" altLang="zh-TW" dirty="0" smtClean="0"/>
+              <a:t>[</a:t>
+            </a:r>
+            <a:r>
+              <a:rPr lang="zh-TW" altLang="en-US" dirty="0" smtClean="0"/>
+              <a:t> </a:t>
+            </a:r>
+            <a:r>
+              <a:rPr lang="en-US" altLang="zh-TW" dirty="0" smtClean="0"/>
+              <a:t>]</a:t>
+            </a:r>
+          </a:p>
+          <a:p>
+            <a:r>
+              <a:rPr lang="zh-TW" altLang="en-US" dirty="0"/>
+              <a:t>取用第</a:t>
+            </a:r>
+            <a:r>
+              <a:rPr lang="zh-TW" altLang="en-US" dirty="0" smtClean="0"/>
+              <a:t>一個</a:t>
+            </a:r>
+            <a:r>
+              <a:rPr lang="en-US" altLang="zh-TW" dirty="0" smtClean="0"/>
+              <a:t>[0]</a:t>
+            </a:r>
+            <a:endParaRPr lang="zh-TW" altLang="en-US" dirty="0"/>
           </a:p>
         </p:txBody>
       </p:sp>
     </p:spTree>
     <p:extLst>
       <p:ext uri="{BB962C8B-B14F-4D97-AF65-F5344CB8AC3E}">
-        <p14:creationId xmlns:p14="http://schemas.microsoft.com/office/powerpoint/2010/main" val="3173908857"/>
+        <p14:creationId xmlns:p14="http://schemas.microsoft.com/office/powerpoint/2010/main" val="1844974546"/>
       </p:ext>
     </p:extLst>
   </p:cSld>
   <p:clrMapOvr>
     <a:masterClrMapping/>
   </p:clrMapOvr>
+  <p:timing>
+    <p:tnLst>
+      <p:par>
+        <p:cTn id="1" dur="indefinite" restart="never" nodeType="tmRoot"/>
+      </p:par>
+    </p:tnLst>
+  </p:timing>
+</p:sld>
+</file>
+
+<file path=ppt/slides/slide72.xml><?xml version="1.0" encoding="utf-8"?>
+<p:sld xmlns:a="http://schemas.openxmlformats.org/drawingml/2006/main" xmlns:r="http://schemas.openxmlformats.org/officeDocument/2006/relationships" xmlns:p="http://schemas.openxmlformats.org/presentationml/2006/main">
+  <p:cSld>
+    <p:spTree>
+      <p:nvGrpSpPr>
+        <p:cNvPr id="1" name=""/>
+        <p:cNvGrpSpPr/>
+        <p:nvPr/>
+      </p:nvGrpSpPr>
+      <p:grpSpPr>
+        <a:xfrm>
+          <a:off x="0" y="0"/>
+          <a:ext cx="0" cy="0"/>
+          <a:chOff x="0" y="0"/>
+          <a:chExt cx="0" cy="0"/>
+        </a:xfrm>
+      </p:grpSpPr>
+      <p:sp>
+        <p:nvSpPr>
+          <p:cNvPr id="2" name="標題 1"/>
+          <p:cNvSpPr>
+            <a:spLocks noGrp="1"/>
+          </p:cNvSpPr>
+          <p:nvPr>
+            <p:ph type="title"/>
+          </p:nvPr>
+        </p:nvSpPr>
+        <p:spPr/>
+        <p:txBody>
+          <a:bodyPr/>
+          <a:lstStyle/>
+          <a:p>
+            <a:r>
+              <a:rPr lang="zh-TW" altLang="en-US" dirty="0" smtClean="0"/>
+              <a:t>陣列練習</a:t>
+            </a:r>
+            <a:endParaRPr lang="zh-TW" altLang="en-US" dirty="0"/>
+          </a:p>
+        </p:txBody>
+      </p:sp>
+      <p:sp>
+        <p:nvSpPr>
+          <p:cNvPr id="3" name="內容版面配置區 2"/>
+          <p:cNvSpPr>
+            <a:spLocks noGrp="1"/>
+          </p:cNvSpPr>
+          <p:nvPr>
+            <p:ph idx="1"/>
+          </p:nvPr>
+        </p:nvSpPr>
+        <p:spPr/>
+        <p:txBody>
+          <a:bodyPr>
+            <a:normAutofit lnSpcReduction="10000"/>
+          </a:bodyPr>
+          <a:lstStyle/>
+          <a:p>
+            <a:pPr marL="0" indent="0">
+              <a:buNone/>
+            </a:pPr>
+            <a:r>
+              <a:rPr lang="en-US" altLang="zh-TW" dirty="0" smtClean="0"/>
+              <a:t>[  2018,</a:t>
+            </a:r>
+          </a:p>
+          <a:p>
+            <a:pPr marL="0" indent="0">
+              <a:buNone/>
+            </a:pPr>
+            <a:r>
+              <a:rPr lang="en-US" altLang="zh-TW" dirty="0" smtClean="0"/>
+              <a:t>   Monospace,</a:t>
+            </a:r>
+          </a:p>
+          <a:p>
+            <a:pPr marL="0" indent="0">
+              <a:buNone/>
+            </a:pPr>
+            <a:r>
+              <a:rPr lang="en-US" altLang="zh-TW" dirty="0" smtClean="0"/>
+              <a:t>   function(){</a:t>
+            </a:r>
+          </a:p>
+          <a:p>
+            <a:pPr marL="0" indent="0">
+              <a:buNone/>
+            </a:pPr>
+            <a:r>
+              <a:rPr lang="en-US" altLang="zh-TW" dirty="0" smtClean="0"/>
+              <a:t>      console.log(free)</a:t>
+            </a:r>
+          </a:p>
+          <a:p>
+            <a:pPr marL="0" indent="0">
+              <a:buNone/>
+            </a:pPr>
+            <a:r>
+              <a:rPr lang="en-US" altLang="zh-TW" dirty="0" smtClean="0"/>
+              <a:t>   },</a:t>
+            </a:r>
+          </a:p>
+          <a:p>
+            <a:pPr marL="0" indent="0">
+              <a:buNone/>
+            </a:pPr>
+            <a:r>
+              <a:rPr lang="en-US" altLang="zh-TW" dirty="0" smtClean="0"/>
+              <a:t>]</a:t>
+            </a:r>
+            <a:endParaRPr lang="zh-TW" altLang="en-US" dirty="0"/>
+          </a:p>
+        </p:txBody>
+      </p:sp>
+    </p:spTree>
+    <p:extLst>
+      <p:ext uri="{BB962C8B-B14F-4D97-AF65-F5344CB8AC3E}">
+        <p14:creationId xmlns:p14="http://schemas.microsoft.com/office/powerpoint/2010/main" val="1216160496"/>
+      </p:ext>
+    </p:extLst>
+  </p:cSld>
+  <p:clrMapOvr>
+    <a:masterClrMapping/>
+  </p:clrMapOvr>
+  <p:timing>
+    <p:tnLst>
+      <p:par>
+        <p:cTn id="1" dur="indefinite" restart="never" nodeType="tmRoot"/>
+      </p:par>
+    </p:tnLst>
+  </p:timing>
+</p:sld>
+</file>
+
+<file path=ppt/slides/slide73.xml><?xml version="1.0" encoding="utf-8"?>
+<p:sld xmlns:a="http://schemas.openxmlformats.org/drawingml/2006/main" xmlns:r="http://schemas.openxmlformats.org/officeDocument/2006/relationships" xmlns:p="http://schemas.openxmlformats.org/presentationml/2006/main">
+  <p:cSld>
+    <p:spTree>
+      <p:nvGrpSpPr>
+        <p:cNvPr id="1" name=""/>
+        <p:cNvGrpSpPr/>
+        <p:nvPr/>
+      </p:nvGrpSpPr>
+      <p:grpSpPr>
+        <a:xfrm>
+          <a:off x="0" y="0"/>
+          <a:ext cx="0" cy="0"/>
+          <a:chOff x="0" y="0"/>
+          <a:chExt cx="0" cy="0"/>
+        </a:xfrm>
+      </p:grpSpPr>
+      <p:sp>
+        <p:nvSpPr>
+          <p:cNvPr id="2" name="標題 1"/>
+          <p:cNvSpPr>
+            <a:spLocks noGrp="1"/>
+          </p:cNvSpPr>
+          <p:nvPr>
+            <p:ph type="title"/>
+          </p:nvPr>
+        </p:nvSpPr>
+        <p:spPr>
+          <a:xfrm>
+            <a:off x="467544" y="1977684"/>
+            <a:ext cx="8229600" cy="857250"/>
+          </a:xfrm>
+        </p:spPr>
+        <p:txBody>
+          <a:bodyPr/>
+          <a:lstStyle/>
+          <a:p>
+            <a:r>
+              <a:rPr lang="zh-TW" altLang="en-US" dirty="0" smtClean="0"/>
+              <a:t>物件</a:t>
+            </a:r>
+            <a:endParaRPr lang="zh-TW" altLang="en-US" dirty="0"/>
+          </a:p>
+        </p:txBody>
+      </p:sp>
+    </p:spTree>
+    <p:extLst>
+      <p:ext uri="{BB962C8B-B14F-4D97-AF65-F5344CB8AC3E}">
+        <p14:creationId xmlns:p14="http://schemas.microsoft.com/office/powerpoint/2010/main" val="4013313345"/>
+      </p:ext>
+    </p:extLst>
+  </p:cSld>
+  <p:clrMapOvr>
+    <a:masterClrMapping/>
+  </p:clrMapOvr>
+  <p:timing>
+    <p:tnLst>
+      <p:par>
+        <p:cTn id="1" dur="indefinite" restart="never" nodeType="tmRoot"/>
+      </p:par>
+    </p:tnLst>
+  </p:timing>
+</p:sld>
+</file>
+
+<file path=ppt/slides/slide74.xml><?xml version="1.0" encoding="utf-8"?>
+<p:sld xmlns:a="http://schemas.openxmlformats.org/drawingml/2006/main" xmlns:r="http://schemas.openxmlformats.org/officeDocument/2006/relationships" xmlns:p="http://schemas.openxmlformats.org/presentationml/2006/main">
+  <p:cSld>
+    <p:spTree>
+      <p:nvGrpSpPr>
+        <p:cNvPr id="1" name=""/>
+        <p:cNvGrpSpPr/>
+        <p:nvPr/>
+      </p:nvGrpSpPr>
+      <p:grpSpPr>
+        <a:xfrm>
+          <a:off x="0" y="0"/>
+          <a:ext cx="0" cy="0"/>
+          <a:chOff x="0" y="0"/>
+          <a:chExt cx="0" cy="0"/>
+        </a:xfrm>
+      </p:grpSpPr>
+      <p:sp>
+        <p:nvSpPr>
+          <p:cNvPr id="2" name="標題 1"/>
+          <p:cNvSpPr>
+            <a:spLocks noGrp="1"/>
+          </p:cNvSpPr>
+          <p:nvPr>
+            <p:ph type="title"/>
+          </p:nvPr>
+        </p:nvSpPr>
+        <p:spPr/>
+        <p:txBody>
+          <a:bodyPr/>
+          <a:lstStyle/>
+          <a:p>
+            <a:endParaRPr lang="zh-TW" altLang="en-US" dirty="0"/>
+          </a:p>
+        </p:txBody>
+      </p:sp>
+      <p:sp>
+        <p:nvSpPr>
+          <p:cNvPr id="3" name="內容版面配置區 2"/>
+          <p:cNvSpPr>
+            <a:spLocks noGrp="1"/>
+          </p:cNvSpPr>
+          <p:nvPr>
+            <p:ph idx="1"/>
+          </p:nvPr>
+        </p:nvSpPr>
+        <p:spPr/>
+        <p:txBody>
+          <a:bodyPr/>
+          <a:lstStyle/>
+          <a:p>
+            <a:pPr marL="0" indent="0">
+              <a:buNone/>
+            </a:pPr>
+            <a:r>
+              <a:rPr lang="zh-TW" altLang="en-US" dirty="0"/>
+              <a:t>名</a:t>
+            </a:r>
+            <a:r>
+              <a:rPr lang="zh-TW" altLang="en-US" dirty="0" smtClean="0"/>
+              <a:t>子</a:t>
+            </a:r>
+            <a:r>
+              <a:rPr lang="en-US" altLang="zh-TW" dirty="0" smtClean="0"/>
+              <a:t>(</a:t>
+            </a:r>
+            <a:r>
+              <a:rPr lang="zh-TW" altLang="en-US" dirty="0" smtClean="0"/>
+              <a:t>屬性</a:t>
+            </a:r>
+            <a:r>
+              <a:rPr lang="en-US" altLang="zh-TW" dirty="0" smtClean="0"/>
+              <a:t>)</a:t>
+            </a:r>
+            <a:r>
+              <a:rPr lang="zh-TW" altLang="en-US" dirty="0" smtClean="0"/>
+              <a:t>與值的組合</a:t>
+            </a:r>
+            <a:endParaRPr lang="zh-TW" altLang="en-US" dirty="0"/>
+          </a:p>
+        </p:txBody>
+      </p:sp>
+    </p:spTree>
+    <p:extLst>
+      <p:ext uri="{BB962C8B-B14F-4D97-AF65-F5344CB8AC3E}">
+        <p14:creationId xmlns:p14="http://schemas.microsoft.com/office/powerpoint/2010/main" val="3289938323"/>
+      </p:ext>
+    </p:extLst>
+  </p:cSld>
+  <p:clrMapOvr>
+    <a:masterClrMapping/>
+  </p:clrMapOvr>
+  <p:timing>
+    <p:tnLst>
+      <p:par>
+        <p:cTn id="1" dur="indefinite" restart="never" nodeType="tmRoot"/>
+      </p:par>
+    </p:tnLst>
+  </p:timing>
+</p:sld>
+</file>
+
+<file path=ppt/slides/slide75.xml><?xml version="1.0" encoding="utf-8"?>
+<p:sld xmlns:a="http://schemas.openxmlformats.org/drawingml/2006/main" xmlns:r="http://schemas.openxmlformats.org/officeDocument/2006/relationships" xmlns:p="http://schemas.openxmlformats.org/presentationml/2006/main">
+  <p:cSld>
+    <p:spTree>
+      <p:nvGrpSpPr>
+        <p:cNvPr id="1" name=""/>
+        <p:cNvGrpSpPr/>
+        <p:nvPr/>
+      </p:nvGrpSpPr>
+      <p:grpSpPr>
+        <a:xfrm>
+          <a:off x="0" y="0"/>
+          <a:ext cx="0" cy="0"/>
+          <a:chOff x="0" y="0"/>
+          <a:chExt cx="0" cy="0"/>
+        </a:xfrm>
+      </p:grpSpPr>
+      <p:sp>
+        <p:nvSpPr>
+          <p:cNvPr id="2" name="標題 1"/>
+          <p:cNvSpPr>
+            <a:spLocks noGrp="1"/>
+          </p:cNvSpPr>
+          <p:nvPr>
+            <p:ph type="title"/>
+          </p:nvPr>
+        </p:nvSpPr>
+        <p:spPr>
+          <a:xfrm>
+            <a:off x="467544" y="1977684"/>
+            <a:ext cx="8229600" cy="857250"/>
+          </a:xfrm>
+        </p:spPr>
+        <p:txBody>
+          <a:bodyPr/>
+          <a:lstStyle/>
+          <a:p>
+            <a:r>
+              <a:rPr lang="zh-TW" altLang="en-US" dirty="0" smtClean="0"/>
+              <a:t>流程判斷</a:t>
+            </a:r>
+            <a:endParaRPr lang="zh-TW" altLang="en-US" dirty="0"/>
+          </a:p>
+        </p:txBody>
+      </p:sp>
+    </p:spTree>
+    <p:extLst>
+      <p:ext uri="{BB962C8B-B14F-4D97-AF65-F5344CB8AC3E}">
+        <p14:creationId xmlns:p14="http://schemas.microsoft.com/office/powerpoint/2010/main" val="1328426025"/>
+      </p:ext>
+    </p:extLst>
+  </p:cSld>
+  <p:clrMapOvr>
+    <a:masterClrMapping/>
+  </p:clrMapOvr>
+  <p:timing>
+    <p:tnLst>
+      <p:par>
+        <p:cTn id="1" dur="indefinite" restart="never" nodeType="tmRoot"/>
+      </p:par>
+    </p:tnLst>
+  </p:timing>
+</p:sld>
+</file>
+
+<file path=ppt/slides/slide76.xml><?xml version="1.0" encoding="utf-8"?>
+<p:sld xmlns:a="http://schemas.openxmlformats.org/drawingml/2006/main" xmlns:r="http://schemas.openxmlformats.org/officeDocument/2006/relationships" xmlns:p="http://schemas.openxmlformats.org/presentationml/2006/main">
+  <p:cSld>
+    <p:spTree>
+      <p:nvGrpSpPr>
+        <p:cNvPr id="1" name=""/>
+        <p:cNvGrpSpPr/>
+        <p:nvPr/>
+      </p:nvGrpSpPr>
+      <p:grpSpPr>
+        <a:xfrm>
+          <a:off x="0" y="0"/>
+          <a:ext cx="0" cy="0"/>
+          <a:chOff x="0" y="0"/>
+          <a:chExt cx="0" cy="0"/>
+        </a:xfrm>
+      </p:grpSpPr>
+      <p:sp>
+        <p:nvSpPr>
+          <p:cNvPr id="2" name="標題 1"/>
+          <p:cNvSpPr>
+            <a:spLocks noGrp="1"/>
+          </p:cNvSpPr>
+          <p:nvPr>
+            <p:ph type="title"/>
+          </p:nvPr>
+        </p:nvSpPr>
+        <p:spPr/>
+        <p:txBody>
+          <a:bodyPr/>
+          <a:lstStyle/>
+          <a:p>
+            <a:r>
+              <a:rPr lang="zh-TW" altLang="en-US" dirty="0" smtClean="0"/>
+              <a:t>如果成立就</a:t>
+            </a:r>
+            <a:r>
+              <a:rPr lang="en-US" altLang="zh-TW" dirty="0" smtClean="0"/>
+              <a:t>…</a:t>
+            </a:r>
+            <a:endParaRPr lang="zh-TW" altLang="en-US" dirty="0"/>
+          </a:p>
+        </p:txBody>
+      </p:sp>
+      <p:sp>
+        <p:nvSpPr>
+          <p:cNvPr id="3" name="內容版面配置區 2"/>
+          <p:cNvSpPr>
+            <a:spLocks noGrp="1"/>
+          </p:cNvSpPr>
+          <p:nvPr>
+            <p:ph idx="1"/>
+          </p:nvPr>
+        </p:nvSpPr>
+        <p:spPr/>
+        <p:txBody>
+          <a:bodyPr/>
+          <a:lstStyle/>
+          <a:p>
+            <a:pPr marL="0" indent="0">
+              <a:buNone/>
+            </a:pPr>
+            <a:r>
+              <a:rPr lang="en-US" altLang="zh-TW" dirty="0" smtClean="0"/>
+              <a:t>If(true){</a:t>
+            </a:r>
+          </a:p>
+          <a:p>
+            <a:pPr marL="0" indent="0">
+              <a:buNone/>
+            </a:pPr>
+            <a:r>
+              <a:rPr lang="en-US" altLang="zh-TW" dirty="0" smtClean="0"/>
+              <a:t>	//</a:t>
+            </a:r>
+            <a:r>
+              <a:rPr lang="zh-TW" altLang="en-US" dirty="0" smtClean="0"/>
+              <a:t>執行內容</a:t>
+            </a:r>
+            <a:endParaRPr lang="en-US" altLang="zh-TW" dirty="0"/>
+          </a:p>
+          <a:p>
+            <a:pPr marL="0" indent="0">
+              <a:buNone/>
+            </a:pPr>
+            <a:r>
+              <a:rPr lang="en-US" altLang="zh-TW" dirty="0" smtClean="0"/>
+              <a:t>}</a:t>
+            </a:r>
+            <a:endParaRPr lang="zh-TW" altLang="en-US" dirty="0"/>
+          </a:p>
+        </p:txBody>
+      </p:sp>
+    </p:spTree>
+    <p:extLst>
+      <p:ext uri="{BB962C8B-B14F-4D97-AF65-F5344CB8AC3E}">
+        <p14:creationId xmlns:p14="http://schemas.microsoft.com/office/powerpoint/2010/main" val="716601050"/>
+      </p:ext>
+    </p:extLst>
+  </p:cSld>
+  <p:clrMapOvr>
+    <a:masterClrMapping/>
+  </p:clrMapOvr>
+  <p:timing>
+    <p:tnLst>
+      <p:par>
+        <p:cTn id="1" dur="indefinite" restart="never" nodeType="tmRoot"/>
+      </p:par>
+    </p:tnLst>
+  </p:timing>
+</p:sld>
+</file>
+
+<file path=ppt/slides/slide77.xml><?xml version="1.0" encoding="utf-8"?>
+<p:sld xmlns:a="http://schemas.openxmlformats.org/drawingml/2006/main" xmlns:r="http://schemas.openxmlformats.org/officeDocument/2006/relationships" xmlns:p="http://schemas.openxmlformats.org/presentationml/2006/main">
+  <p:cSld>
+    <p:spTree>
+      <p:nvGrpSpPr>
+        <p:cNvPr id="1" name=""/>
+        <p:cNvGrpSpPr/>
+        <p:nvPr/>
+      </p:nvGrpSpPr>
+      <p:grpSpPr>
+        <a:xfrm>
+          <a:off x="0" y="0"/>
+          <a:ext cx="0" cy="0"/>
+          <a:chOff x="0" y="0"/>
+          <a:chExt cx="0" cy="0"/>
+        </a:xfrm>
+      </p:grpSpPr>
+      <p:sp>
+        <p:nvSpPr>
+          <p:cNvPr id="2" name="標題 1"/>
+          <p:cNvSpPr>
+            <a:spLocks noGrp="1"/>
+          </p:cNvSpPr>
+          <p:nvPr>
+            <p:ph type="title"/>
+          </p:nvPr>
+        </p:nvSpPr>
+        <p:spPr/>
+        <p:txBody>
+          <a:bodyPr/>
+          <a:lstStyle/>
+          <a:p>
+            <a:r>
+              <a:rPr lang="zh-TW" altLang="en-US" dirty="0" smtClean="0"/>
+              <a:t>如果成立就</a:t>
+            </a:r>
+            <a:r>
+              <a:rPr lang="en-US" altLang="zh-TW" dirty="0" smtClean="0"/>
+              <a:t>…</a:t>
+            </a:r>
+            <a:r>
+              <a:rPr lang="zh-TW" altLang="en-US" dirty="0" smtClean="0"/>
+              <a:t>否則就</a:t>
+            </a:r>
+            <a:r>
+              <a:rPr lang="en-US" altLang="zh-TW" dirty="0" smtClean="0"/>
+              <a:t>..</a:t>
+            </a:r>
+            <a:endParaRPr lang="zh-TW" altLang="en-US" dirty="0"/>
+          </a:p>
+        </p:txBody>
+      </p:sp>
+      <p:sp>
+        <p:nvSpPr>
+          <p:cNvPr id="3" name="內容版面配置區 2"/>
+          <p:cNvSpPr>
+            <a:spLocks noGrp="1"/>
+          </p:cNvSpPr>
+          <p:nvPr>
+            <p:ph idx="1"/>
+          </p:nvPr>
+        </p:nvSpPr>
+        <p:spPr/>
+        <p:txBody>
+          <a:bodyPr/>
+          <a:lstStyle/>
+          <a:p>
+            <a:pPr marL="0" indent="0">
+              <a:buNone/>
+            </a:pPr>
+            <a:r>
+              <a:rPr lang="en-US" altLang="zh-TW" dirty="0" smtClean="0"/>
+              <a:t>If(true){</a:t>
+            </a:r>
+          </a:p>
+          <a:p>
+            <a:pPr marL="0" indent="0">
+              <a:buNone/>
+            </a:pPr>
+            <a:r>
+              <a:rPr lang="en-US" altLang="zh-TW" dirty="0" smtClean="0"/>
+              <a:t>	//</a:t>
+            </a:r>
+            <a:r>
+              <a:rPr lang="zh-TW" altLang="en-US" dirty="0" smtClean="0"/>
+              <a:t>執行內容</a:t>
+            </a:r>
+            <a:endParaRPr lang="en-US" altLang="zh-TW" dirty="0"/>
+          </a:p>
+          <a:p>
+            <a:pPr marL="0" indent="0">
+              <a:buNone/>
+            </a:pPr>
+            <a:r>
+              <a:rPr lang="en-US" altLang="zh-TW" dirty="0" smtClean="0"/>
+              <a:t>}</a:t>
+            </a:r>
+            <a:r>
+              <a:rPr lang="zh-TW" altLang="en-US" dirty="0" smtClean="0"/>
+              <a:t> </a:t>
+            </a:r>
+            <a:r>
+              <a:rPr lang="en-US" altLang="zh-TW" dirty="0" smtClean="0"/>
+              <a:t>else {</a:t>
+            </a:r>
+          </a:p>
+          <a:p>
+            <a:pPr marL="0" indent="0">
+              <a:buNone/>
+            </a:pPr>
+            <a:r>
+              <a:rPr lang="en-US" altLang="zh-TW" dirty="0"/>
+              <a:t>	//</a:t>
+            </a:r>
+            <a:r>
+              <a:rPr lang="zh-TW" altLang="en-US" dirty="0"/>
+              <a:t>執行</a:t>
+            </a:r>
+            <a:r>
+              <a:rPr lang="zh-TW" altLang="en-US" dirty="0" smtClean="0"/>
+              <a:t>內容</a:t>
+            </a:r>
+            <a:endParaRPr lang="en-US" altLang="zh-TW" dirty="0"/>
+          </a:p>
+          <a:p>
+            <a:pPr marL="0" indent="0">
+              <a:buNone/>
+            </a:pPr>
+            <a:r>
+              <a:rPr lang="en-US" altLang="zh-TW" dirty="0" smtClean="0"/>
+              <a:t>}</a:t>
+            </a:r>
+            <a:endParaRPr lang="zh-TW" altLang="en-US" dirty="0"/>
+          </a:p>
+        </p:txBody>
+      </p:sp>
+    </p:spTree>
+    <p:extLst>
+      <p:ext uri="{BB962C8B-B14F-4D97-AF65-F5344CB8AC3E}">
+        <p14:creationId xmlns:p14="http://schemas.microsoft.com/office/powerpoint/2010/main" val="974061809"/>
+      </p:ext>
+    </p:extLst>
+  </p:cSld>
+  <p:clrMapOvr>
+    <a:masterClrMapping/>
+  </p:clrMapOvr>
+  <p:timing>
+    <p:tnLst>
+      <p:par>
+        <p:cTn id="1" dur="indefinite" restart="never" nodeType="tmRoot"/>
+      </p:par>
+    </p:tnLst>
+  </p:timing>
+</p:sld>
+</file>
+
+<file path=ppt/slides/slide78.xml><?xml version="1.0" encoding="utf-8"?>
+<p:sld xmlns:a="http://schemas.openxmlformats.org/drawingml/2006/main" xmlns:r="http://schemas.openxmlformats.org/officeDocument/2006/relationships" xmlns:p="http://schemas.openxmlformats.org/presentationml/2006/main">
+  <p:cSld>
+    <p:spTree>
+      <p:nvGrpSpPr>
+        <p:cNvPr id="1" name=""/>
+        <p:cNvGrpSpPr/>
+        <p:nvPr/>
+      </p:nvGrpSpPr>
+      <p:grpSpPr>
+        <a:xfrm>
+          <a:off x="0" y="0"/>
+          <a:ext cx="0" cy="0"/>
+          <a:chOff x="0" y="0"/>
+          <a:chExt cx="0" cy="0"/>
+        </a:xfrm>
+      </p:grpSpPr>
+      <p:sp>
+        <p:nvSpPr>
+          <p:cNvPr id="2" name="標題 1"/>
+          <p:cNvSpPr>
+            <a:spLocks noGrp="1"/>
+          </p:cNvSpPr>
+          <p:nvPr>
+            <p:ph type="title"/>
+          </p:nvPr>
+        </p:nvSpPr>
+        <p:spPr/>
+        <p:txBody>
+          <a:bodyPr/>
+          <a:lstStyle/>
+          <a:p>
+            <a:r>
+              <a:rPr lang="zh-TW" altLang="en-US" dirty="0" smtClean="0"/>
+              <a:t>如果成立就</a:t>
+            </a:r>
+            <a:r>
+              <a:rPr lang="en-US" altLang="zh-TW" dirty="0" smtClean="0"/>
+              <a:t>…</a:t>
+            </a:r>
+            <a:r>
+              <a:rPr lang="zh-TW" altLang="en-US" dirty="0" smtClean="0"/>
+              <a:t>否則如果</a:t>
+            </a:r>
+            <a:r>
+              <a:rPr lang="en-US" altLang="zh-TW" dirty="0" smtClean="0"/>
+              <a:t>..</a:t>
+            </a:r>
+            <a:r>
+              <a:rPr lang="zh-TW" altLang="en-US" dirty="0"/>
+              <a:t>否則就</a:t>
+            </a:r>
+            <a:r>
+              <a:rPr lang="en-US" altLang="zh-TW" dirty="0"/>
+              <a:t>..</a:t>
+            </a:r>
+            <a:endParaRPr lang="zh-TW" altLang="en-US" dirty="0"/>
+          </a:p>
+        </p:txBody>
+      </p:sp>
+      <p:sp>
+        <p:nvSpPr>
+          <p:cNvPr id="3" name="內容版面配置區 2"/>
+          <p:cNvSpPr>
+            <a:spLocks noGrp="1"/>
+          </p:cNvSpPr>
+          <p:nvPr>
+            <p:ph idx="1"/>
+          </p:nvPr>
+        </p:nvSpPr>
+        <p:spPr/>
+        <p:txBody>
+          <a:bodyPr>
+            <a:normAutofit fontScale="92500" lnSpcReduction="20000"/>
+          </a:bodyPr>
+          <a:lstStyle/>
+          <a:p>
+            <a:pPr marL="0" indent="0">
+              <a:buNone/>
+            </a:pPr>
+            <a:r>
+              <a:rPr lang="en-US" altLang="zh-TW" dirty="0" smtClean="0"/>
+              <a:t>If(true){</a:t>
+            </a:r>
+          </a:p>
+          <a:p>
+            <a:pPr marL="0" indent="0">
+              <a:buNone/>
+            </a:pPr>
+            <a:r>
+              <a:rPr lang="en-US" altLang="zh-TW" dirty="0" smtClean="0"/>
+              <a:t>	//</a:t>
+            </a:r>
+            <a:r>
+              <a:rPr lang="zh-TW" altLang="en-US" dirty="0" smtClean="0"/>
+              <a:t>執行內容</a:t>
+            </a:r>
+            <a:endParaRPr lang="en-US" altLang="zh-TW" dirty="0"/>
+          </a:p>
+          <a:p>
+            <a:pPr marL="0" indent="0">
+              <a:buNone/>
+            </a:pPr>
+            <a:r>
+              <a:rPr lang="en-US" altLang="zh-TW" dirty="0" smtClean="0"/>
+              <a:t>}</a:t>
+            </a:r>
+            <a:r>
+              <a:rPr lang="zh-TW" altLang="en-US" dirty="0" smtClean="0"/>
+              <a:t> </a:t>
+            </a:r>
+            <a:r>
+              <a:rPr lang="en-US" altLang="zh-TW" dirty="0" smtClean="0"/>
+              <a:t>else if{</a:t>
+            </a:r>
+          </a:p>
+          <a:p>
+            <a:pPr marL="0" indent="0">
+              <a:buNone/>
+            </a:pPr>
+            <a:r>
+              <a:rPr lang="en-US" altLang="zh-TW" dirty="0"/>
+              <a:t>	//</a:t>
+            </a:r>
+            <a:r>
+              <a:rPr lang="zh-TW" altLang="en-US" dirty="0"/>
+              <a:t>執行</a:t>
+            </a:r>
+            <a:r>
+              <a:rPr lang="zh-TW" altLang="en-US" dirty="0" smtClean="0"/>
+              <a:t>內容</a:t>
+            </a:r>
+            <a:endParaRPr lang="en-US" altLang="zh-TW" dirty="0"/>
+          </a:p>
+          <a:p>
+            <a:pPr marL="0" indent="0">
+              <a:buNone/>
+            </a:pPr>
+            <a:r>
+              <a:rPr lang="en-US" altLang="zh-TW" dirty="0" smtClean="0"/>
+              <a:t>} else {</a:t>
+            </a:r>
+          </a:p>
+          <a:p>
+            <a:pPr marL="0" indent="0">
+              <a:buNone/>
+            </a:pPr>
+            <a:r>
+              <a:rPr lang="en-US" altLang="zh-TW" dirty="0"/>
+              <a:t>	//</a:t>
+            </a:r>
+            <a:r>
+              <a:rPr lang="zh-TW" altLang="en-US" dirty="0"/>
+              <a:t>執行</a:t>
+            </a:r>
+            <a:r>
+              <a:rPr lang="zh-TW" altLang="en-US" dirty="0" smtClean="0"/>
+              <a:t>內容</a:t>
+            </a:r>
+            <a:endParaRPr lang="en-US" altLang="zh-TW" dirty="0"/>
+          </a:p>
+          <a:p>
+            <a:pPr marL="0" indent="0">
+              <a:buNone/>
+            </a:pPr>
+            <a:r>
+              <a:rPr lang="en-US" altLang="zh-TW" dirty="0" smtClean="0"/>
+              <a:t>}</a:t>
+            </a:r>
+            <a:endParaRPr lang="zh-TW" altLang="en-US" dirty="0"/>
+          </a:p>
+        </p:txBody>
+      </p:sp>
+    </p:spTree>
+    <p:extLst>
+      <p:ext uri="{BB962C8B-B14F-4D97-AF65-F5344CB8AC3E}">
+        <p14:creationId xmlns:p14="http://schemas.microsoft.com/office/powerpoint/2010/main" val="2122289217"/>
+      </p:ext>
+    </p:extLst>
+  </p:cSld>
+  <p:clrMapOvr>
+    <a:masterClrMapping/>
+  </p:clrMapOvr>
+  <p:timing>
+    <p:tnLst>
+      <p:par>
+        <p:cTn id="1" dur="indefinite" restart="never" nodeType="tmRoot"/>
+      </p:par>
+    </p:tnLst>
+  </p:timing>
+</p:sld>
+</file>
+
+<file path=ppt/slides/slide79.xml><?xml version="1.0" encoding="utf-8"?>
+<p:sld xmlns:a="http://schemas.openxmlformats.org/drawingml/2006/main" xmlns:r="http://schemas.openxmlformats.org/officeDocument/2006/relationships" xmlns:p="http://schemas.openxmlformats.org/presentationml/2006/main">
+  <p:cSld>
+    <p:spTree>
+      <p:nvGrpSpPr>
+        <p:cNvPr id="1" name=""/>
+        <p:cNvGrpSpPr/>
+        <p:nvPr/>
+      </p:nvGrpSpPr>
+      <p:grpSpPr>
+        <a:xfrm>
+          <a:off x="0" y="0"/>
+          <a:ext cx="0" cy="0"/>
+          <a:chOff x="0" y="0"/>
+          <a:chExt cx="0" cy="0"/>
+        </a:xfrm>
+      </p:grpSpPr>
+      <p:sp>
+        <p:nvSpPr>
+          <p:cNvPr id="2" name="標題 1"/>
+          <p:cNvSpPr>
+            <a:spLocks noGrp="1"/>
+          </p:cNvSpPr>
+          <p:nvPr>
+            <p:ph type="title"/>
+          </p:nvPr>
+        </p:nvSpPr>
+        <p:spPr>
+          <a:xfrm>
+            <a:off x="467544" y="1977684"/>
+            <a:ext cx="8229600" cy="857250"/>
+          </a:xfrm>
+        </p:spPr>
+        <p:txBody>
+          <a:bodyPr/>
+          <a:lstStyle/>
+          <a:p>
+            <a:r>
+              <a:rPr lang="en-US" altLang="zh-TW" dirty="0" smtClean="0"/>
+              <a:t>DOM</a:t>
+            </a:r>
+            <a:endParaRPr lang="zh-TW" altLang="en-US" dirty="0"/>
+          </a:p>
+        </p:txBody>
+      </p:sp>
+    </p:spTree>
+    <p:extLst>
+      <p:ext uri="{BB962C8B-B14F-4D97-AF65-F5344CB8AC3E}">
+        <p14:creationId xmlns:p14="http://schemas.microsoft.com/office/powerpoint/2010/main" val="1256130898"/>
+      </p:ext>
+    </p:extLst>
+  </p:cSld>
+  <p:clrMapOvr>
+    <a:masterClrMapping/>
+  </p:clrMapOvr>
+  <p:timing>
+    <p:tnLst>
+      <p:par>
+        <p:cTn id="1" dur="indefinite" restart="never" nodeType="tmRoot"/>
+      </p:par>
+    </p:tnLst>
+  </p:timing>
 </p:sld>
 </file>
 
@@ -17173,6 +21940,854 @@
     <p:extLst>
       <p:ext uri="{BB962C8B-B14F-4D97-AF65-F5344CB8AC3E}">
         <p14:creationId xmlns:p14="http://schemas.microsoft.com/office/powerpoint/2010/main" val="1133087844"/>
+      </p:ext>
+    </p:extLst>
+  </p:cSld>
+  <p:clrMapOvr>
+    <a:masterClrMapping/>
+  </p:clrMapOvr>
+  <p:timing>
+    <p:tnLst>
+      <p:par>
+        <p:cTn id="1" dur="indefinite" restart="never" nodeType="tmRoot"/>
+      </p:par>
+    </p:tnLst>
+  </p:timing>
+</p:sld>
+</file>
+
+<file path=ppt/slides/slide80.xml><?xml version="1.0" encoding="utf-8"?>
+<p:sld xmlns:a="http://schemas.openxmlformats.org/drawingml/2006/main" xmlns:r="http://schemas.openxmlformats.org/officeDocument/2006/relationships" xmlns:p="http://schemas.openxmlformats.org/presentationml/2006/main">
+  <p:cSld>
+    <p:spTree>
+      <p:nvGrpSpPr>
+        <p:cNvPr id="1" name=""/>
+        <p:cNvGrpSpPr/>
+        <p:nvPr/>
+      </p:nvGrpSpPr>
+      <p:grpSpPr>
+        <a:xfrm>
+          <a:off x="0" y="0"/>
+          <a:ext cx="0" cy="0"/>
+          <a:chOff x="0" y="0"/>
+          <a:chExt cx="0" cy="0"/>
+        </a:xfrm>
+      </p:grpSpPr>
+      <p:sp>
+        <p:nvSpPr>
+          <p:cNvPr id="2" name="標題 1"/>
+          <p:cNvSpPr>
+            <a:spLocks noGrp="1"/>
+          </p:cNvSpPr>
+          <p:nvPr>
+            <p:ph type="title"/>
+          </p:nvPr>
+        </p:nvSpPr>
+        <p:spPr/>
+        <p:txBody>
+          <a:bodyPr>
+            <a:normAutofit/>
+          </a:bodyPr>
+          <a:lstStyle/>
+          <a:p>
+            <a:r>
+              <a:rPr lang="zh-TW" altLang="en-US" dirty="0" smtClean="0"/>
+              <a:t>何謂</a:t>
+            </a:r>
+            <a:r>
+              <a:rPr lang="en-US" altLang="zh-TW" dirty="0" smtClean="0"/>
+              <a:t>DOM</a:t>
+            </a:r>
+            <a:r>
+              <a:rPr lang="zh-TW" altLang="en-US" dirty="0" smtClean="0"/>
+              <a:t>物件</a:t>
+            </a:r>
+            <a:r>
+              <a:rPr lang="en-US" altLang="zh-TW" dirty="0" smtClean="0"/>
+              <a:t>?</a:t>
+            </a:r>
+            <a:endParaRPr lang="zh-TW" altLang="en-US" dirty="0"/>
+          </a:p>
+        </p:txBody>
+      </p:sp>
+      <p:sp>
+        <p:nvSpPr>
+          <p:cNvPr id="3" name="內容版面配置區 2"/>
+          <p:cNvSpPr>
+            <a:spLocks noGrp="1"/>
+          </p:cNvSpPr>
+          <p:nvPr>
+            <p:ph idx="1"/>
+          </p:nvPr>
+        </p:nvSpPr>
+        <p:spPr/>
+        <p:txBody>
+          <a:bodyPr/>
+          <a:lstStyle/>
+          <a:p>
+            <a:endParaRPr lang="zh-TW" altLang="en-US"/>
+          </a:p>
+        </p:txBody>
+      </p:sp>
+    </p:spTree>
+    <p:extLst>
+      <p:ext uri="{BB962C8B-B14F-4D97-AF65-F5344CB8AC3E}">
+        <p14:creationId xmlns:p14="http://schemas.microsoft.com/office/powerpoint/2010/main" val="3925751582"/>
+      </p:ext>
+    </p:extLst>
+  </p:cSld>
+  <p:clrMapOvr>
+    <a:masterClrMapping/>
+  </p:clrMapOvr>
+  <p:timing>
+    <p:tnLst>
+      <p:par>
+        <p:cTn id="1" dur="indefinite" restart="never" nodeType="tmRoot"/>
+      </p:par>
+    </p:tnLst>
+  </p:timing>
+</p:sld>
+</file>
+
+<file path=ppt/slides/slide81.xml><?xml version="1.0" encoding="utf-8"?>
+<p:sld xmlns:a="http://schemas.openxmlformats.org/drawingml/2006/main" xmlns:r="http://schemas.openxmlformats.org/officeDocument/2006/relationships" xmlns:p="http://schemas.openxmlformats.org/presentationml/2006/main">
+  <p:cSld>
+    <p:spTree>
+      <p:nvGrpSpPr>
+        <p:cNvPr id="1" name=""/>
+        <p:cNvGrpSpPr/>
+        <p:nvPr/>
+      </p:nvGrpSpPr>
+      <p:grpSpPr>
+        <a:xfrm>
+          <a:off x="0" y="0"/>
+          <a:ext cx="0" cy="0"/>
+          <a:chOff x="0" y="0"/>
+          <a:chExt cx="0" cy="0"/>
+        </a:xfrm>
+      </p:grpSpPr>
+      <p:sp>
+        <p:nvSpPr>
+          <p:cNvPr id="2" name="標題 1"/>
+          <p:cNvSpPr>
+            <a:spLocks noGrp="1"/>
+          </p:cNvSpPr>
+          <p:nvPr>
+            <p:ph type="title"/>
+          </p:nvPr>
+        </p:nvSpPr>
+        <p:spPr/>
+        <p:txBody>
+          <a:bodyPr>
+            <a:normAutofit/>
+          </a:bodyPr>
+          <a:lstStyle/>
+          <a:p>
+            <a:r>
+              <a:rPr lang="zh-TW" altLang="en-US" dirty="0" smtClean="0"/>
+              <a:t>理解</a:t>
+            </a:r>
+            <a:r>
+              <a:rPr lang="en-US" altLang="zh-TW" dirty="0" smtClean="0"/>
+              <a:t>DOM</a:t>
+            </a:r>
+            <a:r>
+              <a:rPr lang="zh-TW" altLang="en-US" dirty="0" smtClean="0"/>
+              <a:t>樹狀圖</a:t>
+            </a:r>
+            <a:r>
+              <a:rPr lang="en-US" altLang="zh-TW" dirty="0" smtClean="0"/>
+              <a:t>(1)</a:t>
+            </a:r>
+            <a:endParaRPr lang="zh-TW" altLang="en-US" dirty="0"/>
+          </a:p>
+        </p:txBody>
+      </p:sp>
+      <p:sp>
+        <p:nvSpPr>
+          <p:cNvPr id="3" name="內容版面配置區 2"/>
+          <p:cNvSpPr>
+            <a:spLocks noGrp="1"/>
+          </p:cNvSpPr>
+          <p:nvPr>
+            <p:ph idx="1"/>
+          </p:nvPr>
+        </p:nvSpPr>
+        <p:spPr/>
+        <p:txBody>
+          <a:bodyPr/>
+          <a:lstStyle/>
+          <a:p>
+            <a:endParaRPr lang="zh-TW" altLang="en-US" dirty="0"/>
+          </a:p>
+        </p:txBody>
+      </p:sp>
+    </p:spTree>
+    <p:extLst>
+      <p:ext uri="{BB962C8B-B14F-4D97-AF65-F5344CB8AC3E}">
+        <p14:creationId xmlns:p14="http://schemas.microsoft.com/office/powerpoint/2010/main" val="2050629101"/>
+      </p:ext>
+    </p:extLst>
+  </p:cSld>
+  <p:clrMapOvr>
+    <a:masterClrMapping/>
+  </p:clrMapOvr>
+  <p:timing>
+    <p:tnLst>
+      <p:par>
+        <p:cTn id="1" dur="indefinite" restart="never" nodeType="tmRoot"/>
+      </p:par>
+    </p:tnLst>
+  </p:timing>
+</p:sld>
+</file>
+
+<file path=ppt/slides/slide82.xml><?xml version="1.0" encoding="utf-8"?>
+<p:sld xmlns:a="http://schemas.openxmlformats.org/drawingml/2006/main" xmlns:r="http://schemas.openxmlformats.org/officeDocument/2006/relationships" xmlns:p="http://schemas.openxmlformats.org/presentationml/2006/main">
+  <p:cSld>
+    <p:spTree>
+      <p:nvGrpSpPr>
+        <p:cNvPr id="1" name=""/>
+        <p:cNvGrpSpPr/>
+        <p:nvPr/>
+      </p:nvGrpSpPr>
+      <p:grpSpPr>
+        <a:xfrm>
+          <a:off x="0" y="0"/>
+          <a:ext cx="0" cy="0"/>
+          <a:chOff x="0" y="0"/>
+          <a:chExt cx="0" cy="0"/>
+        </a:xfrm>
+      </p:grpSpPr>
+      <p:sp>
+        <p:nvSpPr>
+          <p:cNvPr id="2" name="標題 1"/>
+          <p:cNvSpPr>
+            <a:spLocks noGrp="1"/>
+          </p:cNvSpPr>
+          <p:nvPr>
+            <p:ph type="title"/>
+          </p:nvPr>
+        </p:nvSpPr>
+        <p:spPr/>
+        <p:txBody>
+          <a:bodyPr>
+            <a:normAutofit/>
+          </a:bodyPr>
+          <a:lstStyle/>
+          <a:p>
+            <a:r>
+              <a:rPr lang="zh-TW" altLang="en-US" dirty="0"/>
+              <a:t>理解</a:t>
+            </a:r>
+            <a:r>
+              <a:rPr lang="en-US" altLang="zh-TW" dirty="0"/>
+              <a:t>DOM</a:t>
+            </a:r>
+            <a:r>
+              <a:rPr lang="zh-TW" altLang="en-US" dirty="0"/>
+              <a:t>樹狀圖</a:t>
+            </a:r>
+            <a:r>
+              <a:rPr lang="en-US" altLang="zh-TW" dirty="0" smtClean="0"/>
+              <a:t>(2)</a:t>
+            </a:r>
+            <a:endParaRPr lang="zh-TW" altLang="en-US" dirty="0"/>
+          </a:p>
+        </p:txBody>
+      </p:sp>
+      <p:sp>
+        <p:nvSpPr>
+          <p:cNvPr id="3" name="內容版面配置區 2"/>
+          <p:cNvSpPr>
+            <a:spLocks noGrp="1"/>
+          </p:cNvSpPr>
+          <p:nvPr>
+            <p:ph idx="1"/>
+          </p:nvPr>
+        </p:nvSpPr>
+        <p:spPr/>
+        <p:txBody>
+          <a:bodyPr/>
+          <a:lstStyle/>
+          <a:p>
+            <a:endParaRPr lang="zh-TW" altLang="en-US"/>
+          </a:p>
+        </p:txBody>
+      </p:sp>
+    </p:spTree>
+    <p:extLst>
+      <p:ext uri="{BB962C8B-B14F-4D97-AF65-F5344CB8AC3E}">
+        <p14:creationId xmlns:p14="http://schemas.microsoft.com/office/powerpoint/2010/main" val="2725013697"/>
+      </p:ext>
+    </p:extLst>
+  </p:cSld>
+  <p:clrMapOvr>
+    <a:masterClrMapping/>
+  </p:clrMapOvr>
+  <p:timing>
+    <p:tnLst>
+      <p:par>
+        <p:cTn id="1" dur="indefinite" restart="never" nodeType="tmRoot"/>
+      </p:par>
+    </p:tnLst>
+  </p:timing>
+</p:sld>
+</file>
+
+<file path=ppt/slides/slide83.xml><?xml version="1.0" encoding="utf-8"?>
+<p:sld xmlns:a="http://schemas.openxmlformats.org/drawingml/2006/main" xmlns:r="http://schemas.openxmlformats.org/officeDocument/2006/relationships" xmlns:p="http://schemas.openxmlformats.org/presentationml/2006/main">
+  <p:cSld>
+    <p:spTree>
+      <p:nvGrpSpPr>
+        <p:cNvPr id="1" name=""/>
+        <p:cNvGrpSpPr/>
+        <p:nvPr/>
+      </p:nvGrpSpPr>
+      <p:grpSpPr>
+        <a:xfrm>
+          <a:off x="0" y="0"/>
+          <a:ext cx="0" cy="0"/>
+          <a:chOff x="0" y="0"/>
+          <a:chExt cx="0" cy="0"/>
+        </a:xfrm>
+      </p:grpSpPr>
+      <p:sp>
+        <p:nvSpPr>
+          <p:cNvPr id="2" name="標題 1"/>
+          <p:cNvSpPr>
+            <a:spLocks noGrp="1"/>
+          </p:cNvSpPr>
+          <p:nvPr>
+            <p:ph type="title"/>
+          </p:nvPr>
+        </p:nvSpPr>
+        <p:spPr/>
+        <p:txBody>
+          <a:bodyPr>
+            <a:normAutofit/>
+          </a:bodyPr>
+          <a:lstStyle/>
+          <a:p>
+            <a:r>
+              <a:rPr lang="zh-TW" altLang="en-US" dirty="0"/>
+              <a:t>理解</a:t>
+            </a:r>
+            <a:r>
+              <a:rPr lang="en-US" altLang="zh-TW" dirty="0"/>
+              <a:t>DOM</a:t>
+            </a:r>
+            <a:r>
+              <a:rPr lang="zh-TW" altLang="en-US" dirty="0"/>
+              <a:t>樹狀圖</a:t>
+            </a:r>
+            <a:r>
+              <a:rPr lang="en-US" altLang="zh-TW" dirty="0" smtClean="0"/>
+              <a:t>(3)</a:t>
+            </a:r>
+            <a:endParaRPr lang="zh-TW" altLang="en-US" dirty="0"/>
+          </a:p>
+        </p:txBody>
+      </p:sp>
+      <p:sp>
+        <p:nvSpPr>
+          <p:cNvPr id="3" name="內容版面配置區 2"/>
+          <p:cNvSpPr>
+            <a:spLocks noGrp="1"/>
+          </p:cNvSpPr>
+          <p:nvPr>
+            <p:ph idx="1"/>
+          </p:nvPr>
+        </p:nvSpPr>
+        <p:spPr/>
+        <p:txBody>
+          <a:bodyPr/>
+          <a:lstStyle/>
+          <a:p>
+            <a:endParaRPr lang="zh-TW" altLang="en-US"/>
+          </a:p>
+        </p:txBody>
+      </p:sp>
+    </p:spTree>
+    <p:extLst>
+      <p:ext uri="{BB962C8B-B14F-4D97-AF65-F5344CB8AC3E}">
+        <p14:creationId xmlns:p14="http://schemas.microsoft.com/office/powerpoint/2010/main" val="1371125557"/>
+      </p:ext>
+    </p:extLst>
+  </p:cSld>
+  <p:clrMapOvr>
+    <a:masterClrMapping/>
+  </p:clrMapOvr>
+  <p:timing>
+    <p:tnLst>
+      <p:par>
+        <p:cTn id="1" dur="indefinite" restart="never" nodeType="tmRoot"/>
+      </p:par>
+    </p:tnLst>
+  </p:timing>
+</p:sld>
+</file>
+
+<file path=ppt/slides/slide84.xml><?xml version="1.0" encoding="utf-8"?>
+<p:sld xmlns:a="http://schemas.openxmlformats.org/drawingml/2006/main" xmlns:r="http://schemas.openxmlformats.org/officeDocument/2006/relationships" xmlns:p="http://schemas.openxmlformats.org/presentationml/2006/main">
+  <p:cSld>
+    <p:spTree>
+      <p:nvGrpSpPr>
+        <p:cNvPr id="1" name=""/>
+        <p:cNvGrpSpPr/>
+        <p:nvPr/>
+      </p:nvGrpSpPr>
+      <p:grpSpPr>
+        <a:xfrm>
+          <a:off x="0" y="0"/>
+          <a:ext cx="0" cy="0"/>
+          <a:chOff x="0" y="0"/>
+          <a:chExt cx="0" cy="0"/>
+        </a:xfrm>
+      </p:grpSpPr>
+      <p:sp>
+        <p:nvSpPr>
+          <p:cNvPr id="2" name="標題 1"/>
+          <p:cNvSpPr>
+            <a:spLocks noGrp="1"/>
+          </p:cNvSpPr>
+          <p:nvPr>
+            <p:ph type="title"/>
+          </p:nvPr>
+        </p:nvSpPr>
+        <p:spPr/>
+        <p:txBody>
+          <a:bodyPr/>
+          <a:lstStyle/>
+          <a:p>
+            <a:r>
+              <a:rPr lang="zh-TW" altLang="en-US" dirty="0" smtClean="0"/>
+              <a:t>依照</a:t>
+            </a:r>
+            <a:r>
+              <a:rPr lang="en-US" altLang="zh-TW" dirty="0" smtClean="0"/>
+              <a:t>ID</a:t>
+            </a:r>
+            <a:r>
+              <a:rPr lang="zh-TW" altLang="en-US" dirty="0" smtClean="0"/>
+              <a:t>去獲取節點</a:t>
+            </a:r>
+            <a:endParaRPr lang="zh-TW" altLang="en-US" dirty="0"/>
+          </a:p>
+        </p:txBody>
+      </p:sp>
+      <p:sp>
+        <p:nvSpPr>
+          <p:cNvPr id="3" name="內容版面配置區 2"/>
+          <p:cNvSpPr>
+            <a:spLocks noGrp="1"/>
+          </p:cNvSpPr>
+          <p:nvPr>
+            <p:ph idx="1"/>
+          </p:nvPr>
+        </p:nvSpPr>
+        <p:spPr/>
+        <p:txBody>
+          <a:bodyPr/>
+          <a:lstStyle/>
+          <a:p>
+            <a:endParaRPr lang="zh-TW" altLang="en-US"/>
+          </a:p>
+        </p:txBody>
+      </p:sp>
+    </p:spTree>
+    <p:extLst>
+      <p:ext uri="{BB962C8B-B14F-4D97-AF65-F5344CB8AC3E}">
+        <p14:creationId xmlns:p14="http://schemas.microsoft.com/office/powerpoint/2010/main" val="3245480378"/>
+      </p:ext>
+    </p:extLst>
+  </p:cSld>
+  <p:clrMapOvr>
+    <a:masterClrMapping/>
+  </p:clrMapOvr>
+  <p:timing>
+    <p:tnLst>
+      <p:par>
+        <p:cTn id="1" dur="indefinite" restart="never" nodeType="tmRoot"/>
+      </p:par>
+    </p:tnLst>
+  </p:timing>
+</p:sld>
+</file>
+
+<file path=ppt/slides/slide85.xml><?xml version="1.0" encoding="utf-8"?>
+<p:sld xmlns:a="http://schemas.openxmlformats.org/drawingml/2006/main" xmlns:r="http://schemas.openxmlformats.org/officeDocument/2006/relationships" xmlns:p="http://schemas.openxmlformats.org/presentationml/2006/main">
+  <p:cSld>
+    <p:spTree>
+      <p:nvGrpSpPr>
+        <p:cNvPr id="1" name=""/>
+        <p:cNvGrpSpPr/>
+        <p:nvPr/>
+      </p:nvGrpSpPr>
+      <p:grpSpPr>
+        <a:xfrm>
+          <a:off x="0" y="0"/>
+          <a:ext cx="0" cy="0"/>
+          <a:chOff x="0" y="0"/>
+          <a:chExt cx="0" cy="0"/>
+        </a:xfrm>
+      </p:grpSpPr>
+      <p:sp>
+        <p:nvSpPr>
+          <p:cNvPr id="2" name="標題 1"/>
+          <p:cNvSpPr>
+            <a:spLocks noGrp="1"/>
+          </p:cNvSpPr>
+          <p:nvPr>
+            <p:ph type="title"/>
+          </p:nvPr>
+        </p:nvSpPr>
+        <p:spPr/>
+        <p:txBody>
+          <a:bodyPr/>
+          <a:lstStyle/>
+          <a:p>
+            <a:r>
+              <a:rPr lang="zh-TW" altLang="en-US" dirty="0" smtClean="0"/>
+              <a:t>依照</a:t>
+            </a:r>
+            <a:r>
+              <a:rPr lang="en-US" altLang="zh-TW" dirty="0" smtClean="0"/>
+              <a:t>class</a:t>
+            </a:r>
+            <a:r>
+              <a:rPr lang="zh-TW" altLang="en-US" dirty="0" smtClean="0"/>
+              <a:t>去獲取節點</a:t>
+            </a:r>
+            <a:r>
+              <a:rPr lang="en-US" altLang="zh-TW" dirty="0" smtClean="0"/>
+              <a:t>(</a:t>
+            </a:r>
+            <a:r>
+              <a:rPr lang="zh-TW" altLang="en-US" dirty="0" smtClean="0"/>
+              <a:t>慎用</a:t>
+            </a:r>
+            <a:r>
+              <a:rPr lang="en-US" altLang="zh-TW" dirty="0" smtClean="0"/>
+              <a:t>)</a:t>
+            </a:r>
+            <a:endParaRPr lang="zh-TW" altLang="en-US" dirty="0"/>
+          </a:p>
+        </p:txBody>
+      </p:sp>
+      <p:sp>
+        <p:nvSpPr>
+          <p:cNvPr id="3" name="內容版面配置區 2"/>
+          <p:cNvSpPr>
+            <a:spLocks noGrp="1"/>
+          </p:cNvSpPr>
+          <p:nvPr>
+            <p:ph idx="1"/>
+          </p:nvPr>
+        </p:nvSpPr>
+        <p:spPr/>
+        <p:txBody>
+          <a:bodyPr/>
+          <a:lstStyle/>
+          <a:p>
+            <a:endParaRPr lang="zh-TW" altLang="en-US"/>
+          </a:p>
+        </p:txBody>
+      </p:sp>
+    </p:spTree>
+    <p:extLst>
+      <p:ext uri="{BB962C8B-B14F-4D97-AF65-F5344CB8AC3E}">
+        <p14:creationId xmlns:p14="http://schemas.microsoft.com/office/powerpoint/2010/main" val="3810243711"/>
+      </p:ext>
+    </p:extLst>
+  </p:cSld>
+  <p:clrMapOvr>
+    <a:masterClrMapping/>
+  </p:clrMapOvr>
+  <p:timing>
+    <p:tnLst>
+      <p:par>
+        <p:cTn id="1" dur="indefinite" restart="never" nodeType="tmRoot"/>
+      </p:par>
+    </p:tnLst>
+  </p:timing>
+</p:sld>
+</file>
+
+<file path=ppt/slides/slide86.xml><?xml version="1.0" encoding="utf-8"?>
+<p:sld xmlns:a="http://schemas.openxmlformats.org/drawingml/2006/main" xmlns:r="http://schemas.openxmlformats.org/officeDocument/2006/relationships" xmlns:p="http://schemas.openxmlformats.org/presentationml/2006/main">
+  <p:cSld>
+    <p:spTree>
+      <p:nvGrpSpPr>
+        <p:cNvPr id="1" name=""/>
+        <p:cNvGrpSpPr/>
+        <p:nvPr/>
+      </p:nvGrpSpPr>
+      <p:grpSpPr>
+        <a:xfrm>
+          <a:off x="0" y="0"/>
+          <a:ext cx="0" cy="0"/>
+          <a:chOff x="0" y="0"/>
+          <a:chExt cx="0" cy="0"/>
+        </a:xfrm>
+      </p:grpSpPr>
+      <p:sp>
+        <p:nvSpPr>
+          <p:cNvPr id="2" name="標題 1"/>
+          <p:cNvSpPr>
+            <a:spLocks noGrp="1"/>
+          </p:cNvSpPr>
+          <p:nvPr>
+            <p:ph type="title"/>
+          </p:nvPr>
+        </p:nvSpPr>
+        <p:spPr>
+          <a:xfrm>
+            <a:off x="467544" y="1977684"/>
+            <a:ext cx="8229600" cy="857250"/>
+          </a:xfrm>
+        </p:spPr>
+        <p:txBody>
+          <a:bodyPr/>
+          <a:lstStyle/>
+          <a:p>
+            <a:r>
+              <a:rPr lang="zh-TW" altLang="en-US" dirty="0"/>
+              <a:t>事件</a:t>
+            </a:r>
+          </a:p>
+        </p:txBody>
+      </p:sp>
+    </p:spTree>
+    <p:extLst>
+      <p:ext uri="{BB962C8B-B14F-4D97-AF65-F5344CB8AC3E}">
+        <p14:creationId xmlns:p14="http://schemas.microsoft.com/office/powerpoint/2010/main" val="3046178695"/>
+      </p:ext>
+    </p:extLst>
+  </p:cSld>
+  <p:clrMapOvr>
+    <a:masterClrMapping/>
+  </p:clrMapOvr>
+  <p:timing>
+    <p:tnLst>
+      <p:par>
+        <p:cTn id="1" dur="indefinite" restart="never" nodeType="tmRoot"/>
+      </p:par>
+    </p:tnLst>
+  </p:timing>
+</p:sld>
+</file>
+
+<file path=ppt/slides/slide87.xml><?xml version="1.0" encoding="utf-8"?>
+<p:sld xmlns:a="http://schemas.openxmlformats.org/drawingml/2006/main" xmlns:r="http://schemas.openxmlformats.org/officeDocument/2006/relationships" xmlns:p="http://schemas.openxmlformats.org/presentationml/2006/main">
+  <p:cSld>
+    <p:spTree>
+      <p:nvGrpSpPr>
+        <p:cNvPr id="1" name=""/>
+        <p:cNvGrpSpPr/>
+        <p:nvPr/>
+      </p:nvGrpSpPr>
+      <p:grpSpPr>
+        <a:xfrm>
+          <a:off x="0" y="0"/>
+          <a:ext cx="0" cy="0"/>
+          <a:chOff x="0" y="0"/>
+          <a:chExt cx="0" cy="0"/>
+        </a:xfrm>
+      </p:grpSpPr>
+      <p:sp>
+        <p:nvSpPr>
+          <p:cNvPr id="2" name="標題 1"/>
+          <p:cNvSpPr>
+            <a:spLocks noGrp="1"/>
+          </p:cNvSpPr>
+          <p:nvPr>
+            <p:ph type="title"/>
+          </p:nvPr>
+        </p:nvSpPr>
+        <p:spPr/>
+        <p:txBody>
+          <a:bodyPr/>
+          <a:lstStyle/>
+          <a:p>
+            <a:r>
+              <a:rPr lang="zh-TW" altLang="en-US" dirty="0" smtClean="0"/>
+              <a:t>什麼是事件</a:t>
+            </a:r>
+            <a:r>
+              <a:rPr lang="en-US" altLang="zh-TW" dirty="0" smtClean="0"/>
+              <a:t>?</a:t>
+            </a:r>
+            <a:endParaRPr lang="zh-TW" altLang="en-US" dirty="0"/>
+          </a:p>
+        </p:txBody>
+      </p:sp>
+      <p:sp>
+        <p:nvSpPr>
+          <p:cNvPr id="3" name="內容版面配置區 2"/>
+          <p:cNvSpPr>
+            <a:spLocks noGrp="1"/>
+          </p:cNvSpPr>
+          <p:nvPr>
+            <p:ph idx="1"/>
+          </p:nvPr>
+        </p:nvSpPr>
+        <p:spPr/>
+        <p:txBody>
+          <a:bodyPr/>
+          <a:lstStyle/>
+          <a:p>
+            <a:endParaRPr lang="zh-TW" altLang="en-US"/>
+          </a:p>
+        </p:txBody>
+      </p:sp>
+    </p:spTree>
+    <p:extLst>
+      <p:ext uri="{BB962C8B-B14F-4D97-AF65-F5344CB8AC3E}">
+        <p14:creationId xmlns:p14="http://schemas.microsoft.com/office/powerpoint/2010/main" val="424390506"/>
+      </p:ext>
+    </p:extLst>
+  </p:cSld>
+  <p:clrMapOvr>
+    <a:masterClrMapping/>
+  </p:clrMapOvr>
+  <p:timing>
+    <p:tnLst>
+      <p:par>
+        <p:cTn id="1" dur="indefinite" restart="never" nodeType="tmRoot"/>
+      </p:par>
+    </p:tnLst>
+  </p:timing>
+</p:sld>
+</file>
+
+<file path=ppt/slides/slide88.xml><?xml version="1.0" encoding="utf-8"?>
+<p:sld xmlns:a="http://schemas.openxmlformats.org/drawingml/2006/main" xmlns:r="http://schemas.openxmlformats.org/officeDocument/2006/relationships" xmlns:p="http://schemas.openxmlformats.org/presentationml/2006/main">
+  <p:cSld>
+    <p:spTree>
+      <p:nvGrpSpPr>
+        <p:cNvPr id="1" name=""/>
+        <p:cNvGrpSpPr/>
+        <p:nvPr/>
+      </p:nvGrpSpPr>
+      <p:grpSpPr>
+        <a:xfrm>
+          <a:off x="0" y="0"/>
+          <a:ext cx="0" cy="0"/>
+          <a:chOff x="0" y="0"/>
+          <a:chExt cx="0" cy="0"/>
+        </a:xfrm>
+      </p:grpSpPr>
+      <p:sp>
+        <p:nvSpPr>
+          <p:cNvPr id="2" name="標題 1"/>
+          <p:cNvSpPr>
+            <a:spLocks noGrp="1"/>
+          </p:cNvSpPr>
+          <p:nvPr>
+            <p:ph type="title"/>
+          </p:nvPr>
+        </p:nvSpPr>
+        <p:spPr/>
+        <p:txBody>
+          <a:bodyPr/>
+          <a:lstStyle/>
+          <a:p>
+            <a:r>
+              <a:rPr lang="zh-TW" altLang="en-US" dirty="0" smtClean="0"/>
+              <a:t>事件監聽</a:t>
+            </a:r>
+            <a:endParaRPr lang="zh-TW" altLang="en-US" dirty="0"/>
+          </a:p>
+        </p:txBody>
+      </p:sp>
+      <p:sp>
+        <p:nvSpPr>
+          <p:cNvPr id="3" name="內容版面配置區 2"/>
+          <p:cNvSpPr>
+            <a:spLocks noGrp="1"/>
+          </p:cNvSpPr>
+          <p:nvPr>
+            <p:ph idx="1"/>
+          </p:nvPr>
+        </p:nvSpPr>
+        <p:spPr/>
+        <p:txBody>
+          <a:bodyPr/>
+          <a:lstStyle/>
+          <a:p>
+            <a:endParaRPr lang="zh-TW" altLang="en-US"/>
+          </a:p>
+        </p:txBody>
+      </p:sp>
+    </p:spTree>
+    <p:extLst>
+      <p:ext uri="{BB962C8B-B14F-4D97-AF65-F5344CB8AC3E}">
+        <p14:creationId xmlns:p14="http://schemas.microsoft.com/office/powerpoint/2010/main" val="2497087853"/>
+      </p:ext>
+    </p:extLst>
+  </p:cSld>
+  <p:clrMapOvr>
+    <a:masterClrMapping/>
+  </p:clrMapOvr>
+  <p:timing>
+    <p:tnLst>
+      <p:par>
+        <p:cTn id="1" dur="indefinite" restart="never" nodeType="tmRoot"/>
+      </p:par>
+    </p:tnLst>
+  </p:timing>
+</p:sld>
+</file>
+
+<file path=ppt/slides/slide89.xml><?xml version="1.0" encoding="utf-8"?>
+<p:sld xmlns:a="http://schemas.openxmlformats.org/drawingml/2006/main" xmlns:r="http://schemas.openxmlformats.org/officeDocument/2006/relationships" xmlns:p="http://schemas.openxmlformats.org/presentationml/2006/main">
+  <p:cSld>
+    <p:spTree>
+      <p:nvGrpSpPr>
+        <p:cNvPr id="1" name=""/>
+        <p:cNvGrpSpPr/>
+        <p:nvPr/>
+      </p:nvGrpSpPr>
+      <p:grpSpPr>
+        <a:xfrm>
+          <a:off x="0" y="0"/>
+          <a:ext cx="0" cy="0"/>
+          <a:chOff x="0" y="0"/>
+          <a:chExt cx="0" cy="0"/>
+        </a:xfrm>
+      </p:grpSpPr>
+      <p:sp>
+        <p:nvSpPr>
+          <p:cNvPr id="2" name="標題 1"/>
+          <p:cNvSpPr>
+            <a:spLocks noGrp="1"/>
+          </p:cNvSpPr>
+          <p:nvPr>
+            <p:ph type="title"/>
+          </p:nvPr>
+        </p:nvSpPr>
+        <p:spPr>
+          <a:xfrm>
+            <a:off x="467544" y="1977684"/>
+            <a:ext cx="8229600" cy="857250"/>
+          </a:xfrm>
+        </p:spPr>
+        <p:txBody>
+          <a:bodyPr/>
+          <a:lstStyle/>
+          <a:p>
+            <a:r>
+              <a:rPr lang="zh-TW" altLang="en-US" dirty="0"/>
+              <a:t>練習時間</a:t>
+            </a:r>
+          </a:p>
+        </p:txBody>
+      </p:sp>
+    </p:spTree>
+    <p:extLst>
+      <p:ext uri="{BB962C8B-B14F-4D97-AF65-F5344CB8AC3E}">
+        <p14:creationId xmlns:p14="http://schemas.microsoft.com/office/powerpoint/2010/main" val="2912166847"/>
       </p:ext>
     </p:extLst>
   </p:cSld>
@@ -17237,6 +22852,314 @@
     <p:extLst>
       <p:ext uri="{BB962C8B-B14F-4D97-AF65-F5344CB8AC3E}">
         <p14:creationId xmlns:p14="http://schemas.microsoft.com/office/powerpoint/2010/main" val="3948142311"/>
+      </p:ext>
+    </p:extLst>
+  </p:cSld>
+  <p:clrMapOvr>
+    <a:masterClrMapping/>
+  </p:clrMapOvr>
+  <p:timing>
+    <p:tnLst>
+      <p:par>
+        <p:cTn id="1" dur="indefinite" restart="never" nodeType="tmRoot"/>
+      </p:par>
+    </p:tnLst>
+  </p:timing>
+</p:sld>
+</file>
+
+<file path=ppt/slides/slide90.xml><?xml version="1.0" encoding="utf-8"?>
+<p:sld xmlns:a="http://schemas.openxmlformats.org/drawingml/2006/main" xmlns:r="http://schemas.openxmlformats.org/officeDocument/2006/relationships" xmlns:p="http://schemas.openxmlformats.org/presentationml/2006/main">
+  <p:cSld>
+    <p:spTree>
+      <p:nvGrpSpPr>
+        <p:cNvPr id="1" name=""/>
+        <p:cNvGrpSpPr/>
+        <p:nvPr/>
+      </p:nvGrpSpPr>
+      <p:grpSpPr>
+        <a:xfrm>
+          <a:off x="0" y="0"/>
+          <a:ext cx="0" cy="0"/>
+          <a:chOff x="0" y="0"/>
+          <a:chExt cx="0" cy="0"/>
+        </a:xfrm>
+      </p:grpSpPr>
+      <p:sp>
+        <p:nvSpPr>
+          <p:cNvPr id="2" name="標題 1"/>
+          <p:cNvSpPr>
+            <a:spLocks noGrp="1"/>
+          </p:cNvSpPr>
+          <p:nvPr>
+            <p:ph type="title"/>
+          </p:nvPr>
+        </p:nvSpPr>
+        <p:spPr/>
+        <p:txBody>
+          <a:bodyPr/>
+          <a:lstStyle/>
+          <a:p>
+            <a:endParaRPr lang="zh-TW" altLang="en-US" dirty="0"/>
+          </a:p>
+        </p:txBody>
+      </p:sp>
+      <p:sp>
+        <p:nvSpPr>
+          <p:cNvPr id="3" name="內容版面配置區 2"/>
+          <p:cNvSpPr>
+            <a:spLocks noGrp="1"/>
+          </p:cNvSpPr>
+          <p:nvPr>
+            <p:ph idx="1"/>
+          </p:nvPr>
+        </p:nvSpPr>
+        <p:spPr/>
+        <p:txBody>
+          <a:bodyPr/>
+          <a:lstStyle/>
+          <a:p>
+            <a:endParaRPr lang="zh-TW" altLang="en-US" dirty="0"/>
+          </a:p>
+        </p:txBody>
+      </p:sp>
+    </p:spTree>
+    <p:extLst>
+      <p:ext uri="{BB962C8B-B14F-4D97-AF65-F5344CB8AC3E}">
+        <p14:creationId xmlns:p14="http://schemas.microsoft.com/office/powerpoint/2010/main" val="2163588720"/>
+      </p:ext>
+    </p:extLst>
+  </p:cSld>
+  <p:clrMapOvr>
+    <a:masterClrMapping/>
+  </p:clrMapOvr>
+  <p:timing>
+    <p:tnLst>
+      <p:par>
+        <p:cTn id="1" dur="indefinite" restart="never" nodeType="tmRoot"/>
+      </p:par>
+    </p:tnLst>
+  </p:timing>
+</p:sld>
+</file>
+
+<file path=ppt/slides/slide91.xml><?xml version="1.0" encoding="utf-8"?>
+<p:sld xmlns:a="http://schemas.openxmlformats.org/drawingml/2006/main" xmlns:r="http://schemas.openxmlformats.org/officeDocument/2006/relationships" xmlns:p="http://schemas.openxmlformats.org/presentationml/2006/main">
+  <p:cSld>
+    <p:spTree>
+      <p:nvGrpSpPr>
+        <p:cNvPr id="1" name=""/>
+        <p:cNvGrpSpPr/>
+        <p:nvPr/>
+      </p:nvGrpSpPr>
+      <p:grpSpPr>
+        <a:xfrm>
+          <a:off x="0" y="0"/>
+          <a:ext cx="0" cy="0"/>
+          <a:chOff x="0" y="0"/>
+          <a:chExt cx="0" cy="0"/>
+        </a:xfrm>
+      </p:grpSpPr>
+      <p:sp>
+        <p:nvSpPr>
+          <p:cNvPr id="2" name="標題 1"/>
+          <p:cNvSpPr>
+            <a:spLocks noGrp="1"/>
+          </p:cNvSpPr>
+          <p:nvPr>
+            <p:ph type="title"/>
+          </p:nvPr>
+        </p:nvSpPr>
+        <p:spPr/>
+        <p:txBody>
+          <a:bodyPr/>
+          <a:lstStyle/>
+          <a:p>
+            <a:endParaRPr lang="zh-TW" altLang="en-US" dirty="0"/>
+          </a:p>
+        </p:txBody>
+      </p:sp>
+      <p:sp>
+        <p:nvSpPr>
+          <p:cNvPr id="3" name="內容版面配置區 2"/>
+          <p:cNvSpPr>
+            <a:spLocks noGrp="1"/>
+          </p:cNvSpPr>
+          <p:nvPr>
+            <p:ph idx="1"/>
+          </p:nvPr>
+        </p:nvSpPr>
+        <p:spPr/>
+        <p:txBody>
+          <a:bodyPr/>
+          <a:lstStyle/>
+          <a:p>
+            <a:endParaRPr lang="zh-TW" altLang="en-US"/>
+          </a:p>
+        </p:txBody>
+      </p:sp>
+    </p:spTree>
+    <p:extLst>
+      <p:ext uri="{BB962C8B-B14F-4D97-AF65-F5344CB8AC3E}">
+        <p14:creationId xmlns:p14="http://schemas.microsoft.com/office/powerpoint/2010/main" val="2163588720"/>
+      </p:ext>
+    </p:extLst>
+  </p:cSld>
+  <p:clrMapOvr>
+    <a:masterClrMapping/>
+  </p:clrMapOvr>
+  <p:timing>
+    <p:tnLst>
+      <p:par>
+        <p:cTn id="1" dur="indefinite" restart="never" nodeType="tmRoot"/>
+      </p:par>
+    </p:tnLst>
+  </p:timing>
+</p:sld>
+</file>
+
+<file path=ppt/slides/slide92.xml><?xml version="1.0" encoding="utf-8"?>
+<p:sld xmlns:a="http://schemas.openxmlformats.org/drawingml/2006/main" xmlns:r="http://schemas.openxmlformats.org/officeDocument/2006/relationships" xmlns:p="http://schemas.openxmlformats.org/presentationml/2006/main">
+  <p:cSld>
+    <p:spTree>
+      <p:nvGrpSpPr>
+        <p:cNvPr id="1" name=""/>
+        <p:cNvGrpSpPr/>
+        <p:nvPr/>
+      </p:nvGrpSpPr>
+      <p:grpSpPr>
+        <a:xfrm>
+          <a:off x="0" y="0"/>
+          <a:ext cx="0" cy="0"/>
+          <a:chOff x="0" y="0"/>
+          <a:chExt cx="0" cy="0"/>
+        </a:xfrm>
+      </p:grpSpPr>
+      <p:sp>
+        <p:nvSpPr>
+          <p:cNvPr id="2" name="標題 1"/>
+          <p:cNvSpPr>
+            <a:spLocks noGrp="1"/>
+          </p:cNvSpPr>
+          <p:nvPr>
+            <p:ph type="title"/>
+          </p:nvPr>
+        </p:nvSpPr>
+        <p:spPr/>
+        <p:txBody>
+          <a:bodyPr/>
+          <a:lstStyle/>
+          <a:p>
+            <a:r>
+              <a:rPr lang="zh-TW" altLang="en-US" dirty="0" smtClean="0"/>
+              <a:t>關於我</a:t>
+            </a:r>
+            <a:endParaRPr lang="zh-TW" altLang="en-US" dirty="0"/>
+          </a:p>
+        </p:txBody>
+      </p:sp>
+      <p:sp>
+        <p:nvSpPr>
+          <p:cNvPr id="3" name="內容版面配置區 2"/>
+          <p:cNvSpPr>
+            <a:spLocks noGrp="1"/>
+          </p:cNvSpPr>
+          <p:nvPr>
+            <p:ph idx="1"/>
+          </p:nvPr>
+        </p:nvSpPr>
+        <p:spPr/>
+        <p:txBody>
+          <a:bodyPr/>
+          <a:lstStyle/>
+          <a:p>
+            <a:endParaRPr lang="en-US" altLang="zh-TW" dirty="0" smtClean="0"/>
+          </a:p>
+        </p:txBody>
+      </p:sp>
+    </p:spTree>
+    <p:extLst>
+      <p:ext uri="{BB962C8B-B14F-4D97-AF65-F5344CB8AC3E}">
+        <p14:creationId xmlns:p14="http://schemas.microsoft.com/office/powerpoint/2010/main" val="3925751582"/>
+      </p:ext>
+    </p:extLst>
+  </p:cSld>
+  <p:clrMapOvr>
+    <a:masterClrMapping/>
+  </p:clrMapOvr>
+  <p:timing>
+    <p:tnLst>
+      <p:par>
+        <p:cTn id="1" dur="indefinite" restart="never" nodeType="tmRoot"/>
+      </p:par>
+    </p:tnLst>
+  </p:timing>
+</p:sld>
+</file>
+
+<file path=ppt/slides/slide93.xml><?xml version="1.0" encoding="utf-8"?>
+<p:sld xmlns:a="http://schemas.openxmlformats.org/drawingml/2006/main" xmlns:r="http://schemas.openxmlformats.org/officeDocument/2006/relationships" xmlns:p="http://schemas.openxmlformats.org/presentationml/2006/main">
+  <p:cSld>
+    <p:spTree>
+      <p:nvGrpSpPr>
+        <p:cNvPr id="1" name=""/>
+        <p:cNvGrpSpPr/>
+        <p:nvPr/>
+      </p:nvGrpSpPr>
+      <p:grpSpPr>
+        <a:xfrm>
+          <a:off x="0" y="0"/>
+          <a:ext cx="0" cy="0"/>
+          <a:chOff x="0" y="0"/>
+          <a:chExt cx="0" cy="0"/>
+        </a:xfrm>
+      </p:grpSpPr>
+      <p:sp>
+        <p:nvSpPr>
+          <p:cNvPr id="2" name="標題 1"/>
+          <p:cNvSpPr>
+            <a:spLocks noGrp="1"/>
+          </p:cNvSpPr>
+          <p:nvPr>
+            <p:ph type="title"/>
+          </p:nvPr>
+        </p:nvSpPr>
+        <p:spPr/>
+        <p:txBody>
+          <a:bodyPr/>
+          <a:lstStyle/>
+          <a:p>
+            <a:r>
+              <a:rPr lang="zh-TW" altLang="en-US" dirty="0" smtClean="0"/>
+              <a:t>參考資源</a:t>
+            </a:r>
+            <a:endParaRPr lang="zh-TW" altLang="en-US" dirty="0"/>
+          </a:p>
+        </p:txBody>
+      </p:sp>
+      <p:sp>
+        <p:nvSpPr>
+          <p:cNvPr id="3" name="內容版面配置區 2"/>
+          <p:cNvSpPr>
+            <a:spLocks noGrp="1"/>
+          </p:cNvSpPr>
+          <p:nvPr>
+            <p:ph idx="1"/>
+          </p:nvPr>
+        </p:nvSpPr>
+        <p:spPr/>
+        <p:txBody>
+          <a:bodyPr/>
+          <a:lstStyle/>
+          <a:p>
+            <a:endParaRPr lang="zh-TW" altLang="en-US"/>
+          </a:p>
+        </p:txBody>
+      </p:sp>
+    </p:spTree>
+    <p:extLst>
+      <p:ext uri="{BB962C8B-B14F-4D97-AF65-F5344CB8AC3E}">
+        <p14:creationId xmlns:p14="http://schemas.microsoft.com/office/powerpoint/2010/main" val="3173908857"/>
       </p:ext>
     </p:extLst>
   </p:cSld>
